--- a/trunk/Presentacion.pptx
+++ b/trunk/Presentacion.pptx
@@ -5,7 +5,7 @@
     <p:sldMasterId id="2147483660" r:id="rId1"/>
   </p:sldMasterIdLst>
   <p:notesMasterIdLst>
-    <p:notesMasterId r:id="rId12"/>
+    <p:notesMasterId r:id="rId19"/>
   </p:notesMasterIdLst>
   <p:sldIdLst>
     <p:sldId id="256" r:id="rId2"/>
@@ -18,6 +18,13 @@
     <p:sldId id="266" r:id="rId9"/>
     <p:sldId id="267" r:id="rId10"/>
     <p:sldId id="268" r:id="rId11"/>
+    <p:sldId id="269" r:id="rId12"/>
+    <p:sldId id="270" r:id="rId13"/>
+    <p:sldId id="271" r:id="rId14"/>
+    <p:sldId id="272" r:id="rId15"/>
+    <p:sldId id="273" r:id="rId16"/>
+    <p:sldId id="274" r:id="rId17"/>
+    <p:sldId id="275" r:id="rId18"/>
   </p:sldIdLst>
   <p:sldSz cx="9144000" cy="6858000" type="screen4x3"/>
   <p:notesSz cx="6858000" cy="9144000"/>
@@ -1086,6 +1093,13 @@
         </dgm:presLayoutVars>
       </dgm:prSet>
       <dgm:spPr/>
+      <dgm:t>
+        <a:bodyPr/>
+        <a:lstStyle/>
+        <a:p>
+          <a:endParaRPr lang="es-AR"/>
+        </a:p>
+      </dgm:t>
     </dgm:pt>
     <dgm:pt modelId="{4F428F06-F9DF-4CA1-9AB7-A8AB6C680FC8}" type="pres">
       <dgm:prSet presAssocID="{6C563E53-F598-431D-A12D-F840AB39FD7C}" presName="diamond" presStyleLbl="bgShp" presStyleIdx="0" presStyleCnt="1"/>
@@ -1100,6 +1114,13 @@
         </dgm:presLayoutVars>
       </dgm:prSet>
       <dgm:spPr/>
+      <dgm:t>
+        <a:bodyPr/>
+        <a:lstStyle/>
+        <a:p>
+          <a:endParaRPr lang="es-AR"/>
+        </a:p>
+      </dgm:t>
     </dgm:pt>
     <dgm:pt modelId="{DA299C92-D329-4A72-AD1E-F7EEC12CAD0B}" type="pres">
       <dgm:prSet presAssocID="{6C563E53-F598-431D-A12D-F840AB39FD7C}" presName="quad2" presStyleLbl="node1" presStyleIdx="1" presStyleCnt="4">
@@ -1110,6 +1131,13 @@
         </dgm:presLayoutVars>
       </dgm:prSet>
       <dgm:spPr/>
+      <dgm:t>
+        <a:bodyPr/>
+        <a:lstStyle/>
+        <a:p>
+          <a:endParaRPr lang="es-AR"/>
+        </a:p>
+      </dgm:t>
     </dgm:pt>
     <dgm:pt modelId="{848D594F-8696-46AC-B732-EDD83B603BEA}" type="pres">
       <dgm:prSet presAssocID="{6C563E53-F598-431D-A12D-F840AB39FD7C}" presName="quad3" presStyleLbl="node1" presStyleIdx="2" presStyleCnt="4">
@@ -2894,7 +2922,7 @@
               <a:pPr>
                 <a:defRPr/>
               </a:pPr>
-              <a:t>9/18/2010</a:t>
+              <a:t>9/19/2010</a:t>
             </a:fld>
             <a:endParaRPr lang="en-US"/>
           </a:p>
@@ -3854,7 +3882,7 @@
               <a:pPr>
                 <a:defRPr/>
               </a:pPr>
-              <a:t>9/18/2010</a:t>
+              <a:t>9/19/2010</a:t>
             </a:fld>
             <a:endParaRPr lang="es-AR" dirty="0"/>
           </a:p>
@@ -8515,7 +8543,1395 @@
           <a:bodyPr/>
           <a:lstStyle/>
           <a:p>
+            <a:r>
+              <a:rPr lang="es-AR" dirty="0" smtClean="0"/>
+              <a:t>Infraestructura Interna</a:t>
+            </a:r>
             <a:endParaRPr lang="es-AR" dirty="0"/>
+          </a:p>
+        </p:txBody>
+      </p:sp>
+      <p:pic>
+        <p:nvPicPr>
+          <p:cNvPr id="1026" name="Picture 2"/>
+          <p:cNvPicPr>
+            <a:picLocks noChangeAspect="1" noChangeArrowheads="1"/>
+          </p:cNvPicPr>
+          <p:nvPr/>
+        </p:nvPicPr>
+        <p:blipFill>
+          <a:blip r:embed="rId2">
+            <a:extLst>
+              <a:ext uri="{28A0092B-C50C-407E-A947-70E740481C1C}">
+                <a14:useLocalDpi xmlns:a14="http://schemas.microsoft.com/office/drawing/2010/main" val="0"/>
+              </a:ext>
+            </a:extLst>
+          </a:blip>
+          <a:srcRect l="31799" t="27444" r="19695" b="12321"/>
+          <a:stretch>
+            <a:fillRect/>
+          </a:stretch>
+        </p:blipFill>
+        <p:spPr bwMode="auto">
+          <a:xfrm>
+            <a:off x="971600" y="620688"/>
+            <a:ext cx="7778999" cy="5495702"/>
+          </a:xfrm>
+          <a:prstGeom prst="rect">
+            <a:avLst/>
+          </a:prstGeom>
+          <a:solidFill>
+            <a:srgbClr val="FFFFFF">
+              <a:alpha val="0"/>
+            </a:srgbClr>
+          </a:solidFill>
+          <a:ln>
+            <a:noFill/>
+          </a:ln>
+          <a:extLst>
+            <a:ext uri="{91240B29-F687-4F45-9708-019B960494DF}">
+              <a14:hiddenLine xmlns:a14="http://schemas.microsoft.com/office/drawing/2010/main" w="9525">
+                <a:solidFill>
+                  <a:srgbClr val="000000"/>
+                </a:solidFill>
+                <a:miter lim="800000"/>
+                <a:headEnd/>
+                <a:tailEnd/>
+              </a14:hiddenLine>
+            </a:ext>
+          </a:extLst>
+        </p:spPr>
+      </p:pic>
+    </p:spTree>
+    <p:extLst>
+      <p:ext uri="{BB962C8B-B14F-4D97-AF65-F5344CB8AC3E}">
+        <p14:creationId xmlns:p14="http://schemas.microsoft.com/office/powerpoint/2010/main" val="2913108884"/>
+      </p:ext>
+    </p:extLst>
+  </p:cSld>
+  <p:clrMapOvr>
+    <a:masterClrMapping/>
+  </p:clrMapOvr>
+</p:sld>
+</file>
+
+<file path=ppt/slides/slide11.xml><?xml version="1.0" encoding="utf-8"?>
+<p:sld xmlns:a="http://schemas.openxmlformats.org/drawingml/2006/main" xmlns:r="http://schemas.openxmlformats.org/officeDocument/2006/relationships" xmlns:p="http://schemas.openxmlformats.org/presentationml/2006/main">
+  <p:cSld>
+    <p:spTree>
+      <p:nvGrpSpPr>
+        <p:cNvPr id="1" name=""/>
+        <p:cNvGrpSpPr/>
+        <p:nvPr/>
+      </p:nvGrpSpPr>
+      <p:grpSpPr>
+        <a:xfrm>
+          <a:off x="0" y="0"/>
+          <a:ext cx="0" cy="0"/>
+          <a:chOff x="0" y="0"/>
+          <a:chExt cx="0" cy="0"/>
+        </a:xfrm>
+      </p:grpSpPr>
+      <p:sp>
+        <p:nvSpPr>
+          <p:cNvPr id="2" name="Title 1"/>
+          <p:cNvSpPr>
+            <a:spLocks noGrp="1"/>
+          </p:cNvSpPr>
+          <p:nvPr>
+            <p:ph type="title"/>
+          </p:nvPr>
+        </p:nvSpPr>
+        <p:spPr/>
+        <p:txBody>
+          <a:bodyPr/>
+          <a:lstStyle/>
+          <a:p>
+            <a:r>
+              <a:rPr lang="es-AR" dirty="0" smtClean="0"/>
+              <a:t>Infraestructura Interna - Servidores</a:t>
+            </a:r>
+            <a:endParaRPr lang="es-AR" dirty="0"/>
+          </a:p>
+        </p:txBody>
+      </p:sp>
+      <p:sp>
+        <p:nvSpPr>
+          <p:cNvPr id="3" name="Content Placeholder 2"/>
+          <p:cNvSpPr>
+            <a:spLocks noGrp="1"/>
+          </p:cNvSpPr>
+          <p:nvPr>
+            <p:ph idx="1"/>
+          </p:nvPr>
+        </p:nvSpPr>
+        <p:spPr>
+          <a:xfrm>
+            <a:off x="722313" y="1052737"/>
+            <a:ext cx="7888287" cy="4967064"/>
+          </a:xfrm>
+        </p:spPr>
+        <p:txBody>
+          <a:bodyPr/>
+          <a:lstStyle/>
+          <a:p>
+            <a:pPr marL="0" indent="0" algn="ctr">
+              <a:buNone/>
+            </a:pPr>
+            <a:r>
+              <a:rPr lang="es-AR" sz="1600" b="1" dirty="0" smtClean="0"/>
+              <a:t>Servidor 1: Herramientas Anexas</a:t>
+            </a:r>
+          </a:p>
+          <a:p>
+            <a:pPr marL="0" indent="0" algn="ctr">
+              <a:buNone/>
+            </a:pPr>
+            <a:endParaRPr lang="es-AR" sz="1600" dirty="0"/>
+          </a:p>
+          <a:p>
+            <a:pPr lvl="0"/>
+            <a:r>
+              <a:rPr lang="en-US" sz="1600" b="1" u="sng" dirty="0" smtClean="0"/>
+              <a:t>Roles:</a:t>
+            </a:r>
+            <a:endParaRPr lang="en-US" sz="1600" dirty="0"/>
+          </a:p>
+          <a:p>
+            <a:pPr lvl="1"/>
+            <a:r>
+              <a:rPr lang="es-AR" sz="1600" b="1" dirty="0" smtClean="0"/>
+              <a:t>Email</a:t>
+            </a:r>
+            <a:r>
+              <a:rPr lang="es-AR" sz="1600" dirty="0"/>
+              <a:t>: Se instalará un servidor </a:t>
+            </a:r>
+            <a:r>
+              <a:rPr lang="es-AR" sz="1600" dirty="0" err="1"/>
+              <a:t>Postfix</a:t>
+            </a:r>
+            <a:r>
+              <a:rPr lang="es-AR" sz="1600" dirty="0"/>
+              <a:t> con soporte de protocolos SMTP e IMAP,</a:t>
+            </a:r>
+          </a:p>
+          <a:p>
+            <a:pPr lvl="1"/>
+            <a:r>
+              <a:rPr lang="es-AR" sz="1600" b="1" dirty="0" err="1"/>
+              <a:t>Networking</a:t>
+            </a:r>
+            <a:r>
+              <a:rPr lang="es-AR" sz="1600" dirty="0"/>
+              <a:t>:</a:t>
+            </a:r>
+          </a:p>
+          <a:p>
+            <a:pPr lvl="2"/>
+            <a:r>
+              <a:rPr lang="es-AR" sz="1600" u="sng" dirty="0"/>
+              <a:t>DNS</a:t>
+            </a:r>
+            <a:r>
+              <a:rPr lang="es-AR" sz="1600" dirty="0"/>
+              <a:t>: Bind9 o similar.</a:t>
+            </a:r>
+          </a:p>
+          <a:p>
+            <a:pPr lvl="2"/>
+            <a:r>
+              <a:rPr lang="es-AR" sz="1600" u="sng" dirty="0"/>
+              <a:t>DHCP</a:t>
+            </a:r>
+            <a:r>
+              <a:rPr lang="es-AR" sz="1600" dirty="0"/>
+              <a:t>: Proporcionado por el SO.</a:t>
+            </a:r>
+          </a:p>
+          <a:p>
+            <a:pPr lvl="2"/>
+            <a:r>
+              <a:rPr lang="es-AR" sz="1600" u="sng" dirty="0"/>
+              <a:t>LDAP</a:t>
+            </a:r>
+            <a:r>
+              <a:rPr lang="es-AR" sz="1600" dirty="0"/>
+              <a:t>: </a:t>
+            </a:r>
+            <a:r>
+              <a:rPr lang="es-AR" sz="1600" dirty="0" err="1"/>
+              <a:t>OpenLDAP</a:t>
+            </a:r>
+            <a:endParaRPr lang="es-AR" sz="1600" dirty="0"/>
+          </a:p>
+          <a:p>
+            <a:pPr lvl="1"/>
+            <a:r>
+              <a:rPr lang="es-AR" sz="1600" b="1" dirty="0"/>
+              <a:t>SCM</a:t>
+            </a:r>
+            <a:r>
+              <a:rPr lang="es-AR" sz="1600" dirty="0"/>
+              <a:t>: </a:t>
+            </a:r>
+            <a:r>
+              <a:rPr lang="es-AR" sz="1600" dirty="0" smtClean="0"/>
+              <a:t>(</a:t>
+            </a:r>
+            <a:r>
+              <a:rPr lang="es-AR" sz="1600" dirty="0" err="1" smtClean="0"/>
+              <a:t>Source</a:t>
+            </a:r>
+            <a:r>
+              <a:rPr lang="es-AR" sz="1600" dirty="0" smtClean="0"/>
+              <a:t> </a:t>
+            </a:r>
+            <a:r>
+              <a:rPr lang="es-AR" sz="1600" dirty="0"/>
+              <a:t>control </a:t>
+            </a:r>
+            <a:r>
+              <a:rPr lang="es-AR" sz="1600" dirty="0" smtClean="0"/>
+              <a:t>manager): </a:t>
+            </a:r>
+            <a:r>
+              <a:rPr lang="es-AR" sz="1600" dirty="0"/>
+              <a:t>se eligió </a:t>
+            </a:r>
+            <a:r>
+              <a:rPr lang="es-AR" sz="1600" dirty="0" err="1"/>
+              <a:t>git</a:t>
+            </a:r>
+            <a:r>
+              <a:rPr lang="es-AR" sz="1600" dirty="0"/>
+              <a:t>. Esta herramienta de versionado es la más avanzada de su clase. Es distribuido, cada desarrollador tiene su propia copia del </a:t>
+            </a:r>
+            <a:r>
+              <a:rPr lang="es-AR" sz="1600" dirty="0" smtClean="0"/>
+              <a:t>código.</a:t>
+            </a:r>
+          </a:p>
+          <a:p>
+            <a:pPr lvl="1"/>
+            <a:r>
+              <a:rPr lang="es-AR" sz="1600" b="1" dirty="0" smtClean="0"/>
+              <a:t>Documentación</a:t>
+            </a:r>
+            <a:r>
+              <a:rPr lang="es-AR" sz="1600" dirty="0"/>
+              <a:t>: Se proporcionará al equipo una herramienta para el intercambio de información rápida e informal, </a:t>
+            </a:r>
+            <a:r>
+              <a:rPr lang="es-AR" sz="1600" dirty="0" err="1"/>
+              <a:t>Twiki</a:t>
+            </a:r>
+            <a:r>
+              <a:rPr lang="es-AR" sz="1600" dirty="0"/>
+              <a:t>.</a:t>
+            </a:r>
+          </a:p>
+          <a:p>
+            <a:pPr lvl="1"/>
+            <a:r>
+              <a:rPr lang="es-AR" sz="1600" b="1" dirty="0"/>
+              <a:t>BTS</a:t>
+            </a:r>
+            <a:r>
+              <a:rPr lang="es-AR" sz="1600" dirty="0"/>
+              <a:t>: El Bug tracking </a:t>
+            </a:r>
+            <a:r>
+              <a:rPr lang="es-AR" sz="1600" dirty="0" err="1"/>
+              <a:t>system</a:t>
+            </a:r>
+            <a:r>
+              <a:rPr lang="es-AR" sz="1600" dirty="0"/>
+              <a:t> seleccionado es Mantis.</a:t>
+            </a:r>
+          </a:p>
+          <a:p>
+            <a:pPr lvl="1"/>
+            <a:r>
+              <a:rPr lang="es-AR" sz="1600" b="1" dirty="0" err="1"/>
+              <a:t>Maven</a:t>
+            </a:r>
+            <a:r>
+              <a:rPr lang="es-AR" sz="1600" dirty="0"/>
+              <a:t>: Se instalará un repositorio local de </a:t>
+            </a:r>
+            <a:r>
+              <a:rPr lang="es-AR" sz="1600" dirty="0" err="1"/>
+              <a:t>Jakarta</a:t>
+            </a:r>
+            <a:r>
+              <a:rPr lang="es-AR" sz="1600" dirty="0"/>
+              <a:t> </a:t>
+            </a:r>
+            <a:r>
+              <a:rPr lang="es-AR" sz="1600" dirty="0" err="1"/>
+              <a:t>Maven</a:t>
+            </a:r>
+            <a:r>
+              <a:rPr lang="es-AR" sz="1600" dirty="0"/>
+              <a:t>, para proveer paquetes de librerías y los paquetes propios de la aplicación</a:t>
+            </a:r>
+            <a:r>
+              <a:rPr lang="es-AR" sz="1600" dirty="0" smtClean="0"/>
+              <a:t>.</a:t>
+            </a:r>
+            <a:endParaRPr lang="es-AR" sz="1600" dirty="0"/>
+          </a:p>
+          <a:p>
+            <a:endParaRPr lang="es-AR" dirty="0"/>
+          </a:p>
+        </p:txBody>
+      </p:sp>
+      <p:sp>
+        <p:nvSpPr>
+          <p:cNvPr id="5" name="Text Placeholder 3"/>
+          <p:cNvSpPr>
+            <a:spLocks noGrp="1"/>
+          </p:cNvSpPr>
+          <p:nvPr>
+            <p:ph type="body" sz="quarter" idx="13"/>
+          </p:nvPr>
+        </p:nvSpPr>
+        <p:spPr>
+          <a:xfrm>
+            <a:off x="475488" y="640080"/>
+            <a:ext cx="8449056" cy="228600"/>
+          </a:xfrm>
+        </p:spPr>
+        <p:txBody>
+          <a:bodyPr/>
+          <a:lstStyle/>
+          <a:p>
+            <a:r>
+              <a:rPr lang="es-AR" dirty="0" smtClean="0"/>
+              <a:t>Contara con 2 Servidores Principales</a:t>
+            </a:r>
+            <a:endParaRPr lang="es-AR" dirty="0"/>
+          </a:p>
+        </p:txBody>
+      </p:sp>
+    </p:spTree>
+    <p:extLst>
+      <p:ext uri="{BB962C8B-B14F-4D97-AF65-F5344CB8AC3E}">
+        <p14:creationId xmlns:p14="http://schemas.microsoft.com/office/powerpoint/2010/main" val="2942693383"/>
+      </p:ext>
+    </p:extLst>
+  </p:cSld>
+  <p:clrMapOvr>
+    <a:masterClrMapping/>
+  </p:clrMapOvr>
+</p:sld>
+</file>
+
+<file path=ppt/slides/slide12.xml><?xml version="1.0" encoding="utf-8"?>
+<p:sld xmlns:a="http://schemas.openxmlformats.org/drawingml/2006/main" xmlns:r="http://schemas.openxmlformats.org/officeDocument/2006/relationships" xmlns:p="http://schemas.openxmlformats.org/presentationml/2006/main">
+  <p:cSld>
+    <p:spTree>
+      <p:nvGrpSpPr>
+        <p:cNvPr id="1" name=""/>
+        <p:cNvGrpSpPr/>
+        <p:nvPr/>
+      </p:nvGrpSpPr>
+      <p:grpSpPr>
+        <a:xfrm>
+          <a:off x="0" y="0"/>
+          <a:ext cx="0" cy="0"/>
+          <a:chOff x="0" y="0"/>
+          <a:chExt cx="0" cy="0"/>
+        </a:xfrm>
+      </p:grpSpPr>
+      <p:sp>
+        <p:nvSpPr>
+          <p:cNvPr id="2" name="Title 1"/>
+          <p:cNvSpPr>
+            <a:spLocks noGrp="1"/>
+          </p:cNvSpPr>
+          <p:nvPr>
+            <p:ph type="title"/>
+          </p:nvPr>
+        </p:nvSpPr>
+        <p:spPr/>
+        <p:txBody>
+          <a:bodyPr/>
+          <a:lstStyle/>
+          <a:p>
+            <a:r>
+              <a:rPr lang="es-AR" dirty="0"/>
+              <a:t>Infraestructura Interna - Servidores</a:t>
+            </a:r>
+          </a:p>
+        </p:txBody>
+      </p:sp>
+      <p:sp>
+        <p:nvSpPr>
+          <p:cNvPr id="3" name="Content Placeholder 2"/>
+          <p:cNvSpPr>
+            <a:spLocks noGrp="1"/>
+          </p:cNvSpPr>
+          <p:nvPr>
+            <p:ph idx="1"/>
+          </p:nvPr>
+        </p:nvSpPr>
+        <p:spPr>
+          <a:xfrm>
+            <a:off x="722313" y="1052735"/>
+            <a:ext cx="7888287" cy="4967065"/>
+          </a:xfrm>
+        </p:spPr>
+        <p:txBody>
+          <a:bodyPr/>
+          <a:lstStyle/>
+          <a:p>
+            <a:pPr marL="0" indent="0" algn="ctr">
+              <a:buNone/>
+            </a:pPr>
+            <a:r>
+              <a:rPr lang="es-ES_tradnl" sz="1600" b="1" dirty="0"/>
+              <a:t>Servidor </a:t>
+            </a:r>
+            <a:r>
+              <a:rPr lang="es-ES_tradnl" sz="1600" b="1" dirty="0" smtClean="0"/>
+              <a:t>2: Ambiente Producción </a:t>
+            </a:r>
+            <a:r>
+              <a:rPr lang="es-ES_tradnl" sz="1600" b="1" dirty="0" err="1" smtClean="0"/>
+              <a:t>Virtualizado</a:t>
+            </a:r>
+            <a:endParaRPr lang="es-ES_tradnl" sz="1600" b="1" dirty="0" smtClean="0"/>
+          </a:p>
+          <a:p>
+            <a:pPr marL="0" indent="0" algn="ctr">
+              <a:buNone/>
+            </a:pPr>
+            <a:endParaRPr lang="es-AR" sz="1600" dirty="0"/>
+          </a:p>
+          <a:p>
+            <a:r>
+              <a:rPr lang="es-ES_tradnl" sz="1600" b="1" u="sng" dirty="0"/>
+              <a:t>Roles:</a:t>
+            </a:r>
+            <a:r>
+              <a:rPr lang="es-ES_tradnl" sz="1600" dirty="0"/>
+              <a:t> Entorno de Desarrollo mediante virtualización </a:t>
+            </a:r>
+            <a:r>
+              <a:rPr lang="es-ES_tradnl" sz="1600" dirty="0" smtClean="0"/>
+              <a:t>con </a:t>
+            </a:r>
+            <a:r>
+              <a:rPr lang="es-ES_tradnl" sz="1600" b="1" dirty="0" smtClean="0"/>
+              <a:t>XEN</a:t>
+            </a:r>
+            <a:r>
+              <a:rPr lang="es-ES_tradnl" sz="1600" dirty="0" smtClean="0"/>
+              <a:t>.</a:t>
+            </a:r>
+            <a:endParaRPr lang="es-AR" sz="1600" dirty="0"/>
+          </a:p>
+          <a:p>
+            <a:pPr lvl="1"/>
+            <a:r>
+              <a:rPr lang="es-ES_tradnl" sz="1600" dirty="0"/>
+              <a:t>Se configurarán varias máquinas virtuales para crear ambientes de desarrollo y </a:t>
+            </a:r>
+            <a:r>
+              <a:rPr lang="es-ES_tradnl" sz="1600" dirty="0" err="1"/>
+              <a:t>testing</a:t>
+            </a:r>
+            <a:r>
+              <a:rPr lang="es-ES_tradnl" sz="1600" dirty="0"/>
+              <a:t>. </a:t>
+            </a:r>
+            <a:endParaRPr lang="es-ES_tradnl" sz="1600" dirty="0" smtClean="0"/>
+          </a:p>
+          <a:p>
+            <a:pPr marL="228600" lvl="1" indent="0">
+              <a:buNone/>
+            </a:pPr>
+            <a:endParaRPr lang="es-ES_tradnl" sz="1600" dirty="0" smtClean="0"/>
+          </a:p>
+          <a:p>
+            <a:pPr lvl="1"/>
+            <a:r>
+              <a:rPr lang="es-AR" sz="1600" b="1" dirty="0" smtClean="0"/>
+              <a:t>Ambiente </a:t>
+            </a:r>
+            <a:r>
+              <a:rPr lang="es-AR" sz="1600" b="1" dirty="0"/>
+              <a:t>de Desarrollo</a:t>
+            </a:r>
+            <a:r>
+              <a:rPr lang="es-AR" sz="1600" dirty="0"/>
+              <a:t>: Se mantendrá un ambiente de aplicaciones similar al productivo pero que estará a disposición de los desarrolladores para probar el sistema.</a:t>
+            </a:r>
+          </a:p>
+          <a:p>
+            <a:pPr lvl="1"/>
+            <a:r>
+              <a:rPr lang="es-AR" sz="1600" b="1" dirty="0"/>
+              <a:t>Ambiente de QA</a:t>
+            </a:r>
+            <a:r>
+              <a:rPr lang="es-AR" sz="1600" dirty="0"/>
+              <a:t>: Similar al de desarrollo pero se utilizará para el </a:t>
+            </a:r>
+            <a:r>
+              <a:rPr lang="es-AR" sz="1600" dirty="0" err="1"/>
+              <a:t>testing</a:t>
+            </a:r>
+            <a:r>
+              <a:rPr lang="es-AR" sz="1600" dirty="0"/>
+              <a:t> integral de la aplicación y deberá mantenerse estable, las versiones que pasen los test en este ambiente se consideraran lo suficientemente estable para ser instalados en producción.</a:t>
+            </a:r>
+          </a:p>
+          <a:p>
+            <a:pPr lvl="1"/>
+            <a:r>
+              <a:rPr lang="es-AR" sz="1600" b="1" dirty="0"/>
+              <a:t>Base de datos</a:t>
+            </a:r>
+            <a:r>
+              <a:rPr lang="es-AR" sz="1600" dirty="0"/>
+              <a:t>: Se instalará la misma base de datos seleccionada para el sistema. Se utilizará para desarrollo y </a:t>
+            </a:r>
+            <a:r>
+              <a:rPr lang="es-AR" sz="1600" dirty="0" err="1"/>
+              <a:t>testing</a:t>
+            </a:r>
+            <a:r>
+              <a:rPr lang="es-AR" sz="1600" dirty="0" smtClean="0"/>
+              <a:t>.</a:t>
+            </a:r>
+            <a:endParaRPr lang="es-AR" sz="1600" dirty="0"/>
+          </a:p>
+          <a:p>
+            <a:endParaRPr lang="es-AR" dirty="0"/>
+          </a:p>
+        </p:txBody>
+      </p:sp>
+    </p:spTree>
+    <p:extLst>
+      <p:ext uri="{BB962C8B-B14F-4D97-AF65-F5344CB8AC3E}">
+        <p14:creationId xmlns:p14="http://schemas.microsoft.com/office/powerpoint/2010/main" val="3786510650"/>
+      </p:ext>
+    </p:extLst>
+  </p:cSld>
+  <p:clrMapOvr>
+    <a:masterClrMapping/>
+  </p:clrMapOvr>
+</p:sld>
+</file>
+
+<file path=ppt/slides/slide13.xml><?xml version="1.0" encoding="utf-8"?>
+<p:sld xmlns:a="http://schemas.openxmlformats.org/drawingml/2006/main" xmlns:r="http://schemas.openxmlformats.org/officeDocument/2006/relationships" xmlns:p="http://schemas.openxmlformats.org/presentationml/2006/main">
+  <p:cSld>
+    <p:spTree>
+      <p:nvGrpSpPr>
+        <p:cNvPr id="1" name=""/>
+        <p:cNvGrpSpPr/>
+        <p:nvPr/>
+      </p:nvGrpSpPr>
+      <p:grpSpPr>
+        <a:xfrm>
+          <a:off x="0" y="0"/>
+          <a:ext cx="0" cy="0"/>
+          <a:chOff x="0" y="0"/>
+          <a:chExt cx="0" cy="0"/>
+        </a:xfrm>
+      </p:grpSpPr>
+      <p:sp>
+        <p:nvSpPr>
+          <p:cNvPr id="2" name="Title 1"/>
+          <p:cNvSpPr>
+            <a:spLocks noGrp="1"/>
+          </p:cNvSpPr>
+          <p:nvPr>
+            <p:ph type="title"/>
+          </p:nvPr>
+        </p:nvSpPr>
+        <p:spPr/>
+        <p:txBody>
+          <a:bodyPr/>
+          <a:lstStyle/>
+          <a:p>
+            <a:r>
+              <a:rPr lang="es-AR" dirty="0" err="1" smtClean="0"/>
+              <a:t>Pc´s</a:t>
+            </a:r>
+            <a:r>
+              <a:rPr lang="es-AR" dirty="0" smtClean="0"/>
+              <a:t> Para Desarrollo</a:t>
+            </a:r>
+            <a:endParaRPr lang="es-AR" dirty="0"/>
+          </a:p>
+        </p:txBody>
+      </p:sp>
+      <p:sp>
+        <p:nvSpPr>
+          <p:cNvPr id="3" name="Content Placeholder 2"/>
+          <p:cNvSpPr>
+            <a:spLocks noGrp="1"/>
+          </p:cNvSpPr>
+          <p:nvPr>
+            <p:ph idx="1"/>
+          </p:nvPr>
+        </p:nvSpPr>
+        <p:spPr>
+          <a:xfrm>
+            <a:off x="722313" y="980729"/>
+            <a:ext cx="7888287" cy="5039072"/>
+          </a:xfrm>
+        </p:spPr>
+        <p:txBody>
+          <a:bodyPr/>
+          <a:lstStyle/>
+          <a:p>
+            <a:r>
+              <a:rPr lang="es-AR" dirty="0" smtClean="0"/>
+              <a:t>Serán necesarias 7 </a:t>
+            </a:r>
+            <a:r>
+              <a:rPr lang="es-AR" dirty="0" err="1" smtClean="0"/>
+              <a:t>pcs</a:t>
+            </a:r>
+            <a:r>
+              <a:rPr lang="es-AR" dirty="0" smtClean="0"/>
+              <a:t> para el equipo de trabajo y una notebook para el </a:t>
+            </a:r>
+            <a:r>
+              <a:rPr lang="es-AR" dirty="0" err="1" smtClean="0"/>
+              <a:t>lider</a:t>
+            </a:r>
+            <a:r>
+              <a:rPr lang="es-AR" dirty="0" smtClean="0"/>
+              <a:t> de proyecto</a:t>
+            </a:r>
+          </a:p>
+          <a:p>
+            <a:r>
+              <a:rPr lang="es-AR" dirty="0" smtClean="0"/>
+              <a:t>Todas </a:t>
+            </a:r>
+            <a:r>
+              <a:rPr lang="es-AR" dirty="0" err="1" smtClean="0"/>
+              <a:t>Estaran</a:t>
+            </a:r>
+            <a:r>
+              <a:rPr lang="es-AR" dirty="0" smtClean="0"/>
+              <a:t> provistas de </a:t>
+            </a:r>
+            <a:r>
+              <a:rPr lang="es-AR" b="1" dirty="0"/>
+              <a:t>Ubuntu </a:t>
+            </a:r>
+            <a:r>
+              <a:rPr lang="es-AR" b="1" dirty="0" smtClean="0"/>
+              <a:t>Desktop </a:t>
+            </a:r>
+            <a:r>
+              <a:rPr lang="es-AR" b="1" dirty="0" err="1" smtClean="0"/>
+              <a:t>version</a:t>
+            </a:r>
+            <a:r>
+              <a:rPr lang="es-AR" b="1" dirty="0" smtClean="0"/>
+              <a:t> 10.4</a:t>
+            </a:r>
+            <a:endParaRPr lang="es-AR" dirty="0"/>
+          </a:p>
+          <a:p>
+            <a:endParaRPr lang="es-AR" dirty="0" smtClean="0"/>
+          </a:p>
+          <a:p>
+            <a:endParaRPr lang="es-AR" dirty="0"/>
+          </a:p>
+          <a:p>
+            <a:endParaRPr lang="es-AR" dirty="0" smtClean="0"/>
+          </a:p>
+          <a:p>
+            <a:pPr algn="ctr"/>
+            <a:r>
+              <a:rPr lang="es-AR" sz="2400" b="1" dirty="0" smtClean="0">
+                <a:solidFill>
+                  <a:srgbClr val="FF0000"/>
+                </a:solidFill>
+              </a:rPr>
+              <a:t>TABLA PONDERCION NOTEBOOKS???</a:t>
+            </a:r>
+            <a:endParaRPr lang="es-AR" sz="2400" b="1" dirty="0">
+              <a:solidFill>
+                <a:srgbClr val="FF0000"/>
+              </a:solidFill>
+            </a:endParaRPr>
+          </a:p>
+        </p:txBody>
+      </p:sp>
+    </p:spTree>
+    <p:extLst>
+      <p:ext uri="{BB962C8B-B14F-4D97-AF65-F5344CB8AC3E}">
+        <p14:creationId xmlns:p14="http://schemas.microsoft.com/office/powerpoint/2010/main" val="793879350"/>
+      </p:ext>
+    </p:extLst>
+  </p:cSld>
+  <p:clrMapOvr>
+    <a:masterClrMapping/>
+  </p:clrMapOvr>
+</p:sld>
+</file>
+
+<file path=ppt/slides/slide14.xml><?xml version="1.0" encoding="utf-8"?>
+<p:sld xmlns:a="http://schemas.openxmlformats.org/drawingml/2006/main" xmlns:r="http://schemas.openxmlformats.org/officeDocument/2006/relationships" xmlns:p="http://schemas.openxmlformats.org/presentationml/2006/main">
+  <p:cSld>
+    <p:spTree>
+      <p:nvGrpSpPr>
+        <p:cNvPr id="1" name=""/>
+        <p:cNvGrpSpPr/>
+        <p:nvPr/>
+      </p:nvGrpSpPr>
+      <p:grpSpPr>
+        <a:xfrm>
+          <a:off x="0" y="0"/>
+          <a:ext cx="0" cy="0"/>
+          <a:chOff x="0" y="0"/>
+          <a:chExt cx="0" cy="0"/>
+        </a:xfrm>
+      </p:grpSpPr>
+      <p:sp>
+        <p:nvSpPr>
+          <p:cNvPr id="2" name="Title 1"/>
+          <p:cNvSpPr>
+            <a:spLocks noGrp="1"/>
+          </p:cNvSpPr>
+          <p:nvPr>
+            <p:ph type="title"/>
+          </p:nvPr>
+        </p:nvSpPr>
+        <p:spPr/>
+        <p:txBody>
+          <a:bodyPr/>
+          <a:lstStyle/>
+          <a:p>
+            <a:r>
+              <a:rPr lang="es-AR" dirty="0" smtClean="0"/>
+              <a:t>Lenguaje </a:t>
+            </a:r>
+            <a:r>
+              <a:rPr lang="es-AR" dirty="0" err="1" smtClean="0"/>
+              <a:t>Programacion</a:t>
+            </a:r>
+            <a:endParaRPr lang="es-AR" dirty="0"/>
+          </a:p>
+        </p:txBody>
+      </p:sp>
+      <p:sp>
+        <p:nvSpPr>
+          <p:cNvPr id="3" name="Content Placeholder 2"/>
+          <p:cNvSpPr>
+            <a:spLocks noGrp="1"/>
+          </p:cNvSpPr>
+          <p:nvPr>
+            <p:ph idx="1"/>
+          </p:nvPr>
+        </p:nvSpPr>
+        <p:spPr>
+          <a:xfrm>
+            <a:off x="395536" y="908720"/>
+            <a:ext cx="8496943" cy="5256583"/>
+          </a:xfrm>
+        </p:spPr>
+        <p:txBody>
+          <a:bodyPr/>
+          <a:lstStyle/>
+          <a:p>
+            <a:r>
+              <a:rPr lang="es-AR" dirty="0" smtClean="0"/>
+              <a:t>Tanto </a:t>
+            </a:r>
+            <a:r>
+              <a:rPr lang="es-AR" dirty="0"/>
+              <a:t>el cliente desktop como el </a:t>
+            </a:r>
+            <a:r>
+              <a:rPr lang="es-AR" dirty="0" err="1"/>
+              <a:t>backend</a:t>
+            </a:r>
+            <a:r>
+              <a:rPr lang="es-AR" dirty="0"/>
+              <a:t> y la aplicación web serán desarrollados en </a:t>
+            </a:r>
+            <a:r>
+              <a:rPr lang="es-AR" b="1" dirty="0" smtClean="0"/>
+              <a:t>Java</a:t>
+            </a:r>
+          </a:p>
+          <a:p>
+            <a:pPr marL="0" indent="0">
+              <a:buNone/>
+            </a:pPr>
+            <a:endParaRPr lang="es-AR" b="1" dirty="0" smtClean="0"/>
+          </a:p>
+          <a:p>
+            <a:pPr lvl="1"/>
+            <a:r>
+              <a:rPr lang="es-ES_tradnl" b="1" u="sng" dirty="0" smtClean="0"/>
+              <a:t>Amplia </a:t>
+            </a:r>
+            <a:r>
+              <a:rPr lang="es-ES_tradnl" b="1" u="sng" dirty="0"/>
+              <a:t>disponibilidad de recursos capacitados</a:t>
+            </a:r>
+            <a:r>
+              <a:rPr lang="es-ES_tradnl" dirty="0"/>
+              <a:t>: Es uno de los lenguajes más utilizados y es fácil encontrar personal con experiencia en el mercado. </a:t>
+            </a:r>
+            <a:r>
+              <a:rPr lang="es-AR" dirty="0"/>
+              <a:t>No existe la necesidad de capacitar ingresantes. </a:t>
+            </a:r>
+            <a:r>
+              <a:rPr lang="es-AR" dirty="0" smtClean="0"/>
+              <a:t>E</a:t>
+            </a:r>
+            <a:r>
+              <a:rPr lang="es-ES_tradnl" dirty="0" smtClean="0"/>
+              <a:t>l </a:t>
+            </a:r>
+            <a:r>
+              <a:rPr lang="es-ES_tradnl" dirty="0"/>
+              <a:t>personal capacitado es más económico que en otros lenguajes más específicos. </a:t>
+            </a:r>
+            <a:endParaRPr lang="es-AR" dirty="0"/>
+          </a:p>
+          <a:p>
+            <a:pPr lvl="1"/>
+            <a:r>
+              <a:rPr lang="es-ES_tradnl" b="1" u="sng" dirty="0" smtClean="0"/>
+              <a:t>Madurez </a:t>
+            </a:r>
+            <a:r>
+              <a:rPr lang="es-ES_tradnl" b="1" u="sng" dirty="0"/>
+              <a:t>y soporte</a:t>
+            </a:r>
+            <a:r>
+              <a:rPr lang="es-ES_tradnl" dirty="0"/>
+              <a:t>: Está establecido en el mercado y fue desarrollado a través de los años por </a:t>
+            </a:r>
+            <a:r>
+              <a:rPr lang="es-ES_tradnl" dirty="0" err="1"/>
+              <a:t>Sun</a:t>
+            </a:r>
+            <a:r>
+              <a:rPr lang="es-ES_tradnl" dirty="0"/>
+              <a:t>, ahora por un comité formado por importantes empresas y siempre se mantuvo la compatibilidad entre versiones.</a:t>
+            </a:r>
+            <a:endParaRPr lang="es-AR" dirty="0"/>
+          </a:p>
+          <a:p>
+            <a:pPr lvl="1"/>
+            <a:r>
+              <a:rPr lang="es-ES_tradnl" b="1" u="sng" dirty="0"/>
+              <a:t>Disponibilidad de </a:t>
+            </a:r>
+            <a:r>
+              <a:rPr lang="es-ES_tradnl" b="1" u="sng" dirty="0" err="1"/>
+              <a:t>Frameworks</a:t>
+            </a:r>
+            <a:r>
+              <a:rPr lang="es-ES_tradnl" b="1" u="sng" dirty="0"/>
+              <a:t> y librerías</a:t>
+            </a:r>
+            <a:r>
+              <a:rPr lang="es-ES_tradnl" dirty="0"/>
+              <a:t>: Existe una vasta selección de herramientas maduras para el desarrollado, tanto para la parte de servidor como de presentación. </a:t>
+            </a:r>
+            <a:r>
+              <a:rPr lang="es-ES_tradnl" dirty="0" smtClean="0"/>
+              <a:t>R</a:t>
+            </a:r>
+            <a:r>
+              <a:rPr lang="es-AR" dirty="0" smtClean="0"/>
+              <a:t>educe </a:t>
+            </a:r>
+            <a:r>
+              <a:rPr lang="es-AR" dirty="0"/>
+              <a:t>el tiempo y los riesgos.</a:t>
+            </a:r>
+          </a:p>
+          <a:p>
+            <a:pPr lvl="1"/>
+            <a:r>
+              <a:rPr lang="es-ES_tradnl" b="1" u="sng" dirty="0"/>
+              <a:t>Multiplataforma</a:t>
+            </a:r>
+            <a:r>
+              <a:rPr lang="es-ES_tradnl" dirty="0"/>
+              <a:t>: Se consideró importante para el desarrollo de este sistema la independencia de plataforma, la capacidad de remplazar o combinar diferentes sistemas operativos sin ningún tipo de desarrollo. </a:t>
+            </a:r>
+            <a:endParaRPr lang="es-ES_tradnl" dirty="0" smtClean="0"/>
+          </a:p>
+          <a:p>
+            <a:pPr lvl="1"/>
+            <a:r>
+              <a:rPr lang="es-ES_tradnl" b="1" u="sng" dirty="0" smtClean="0"/>
+              <a:t>Performance</a:t>
+            </a:r>
+            <a:r>
+              <a:rPr lang="es-ES_tradnl" dirty="0"/>
+              <a:t>: </a:t>
+            </a:r>
+            <a:r>
+              <a:rPr lang="es-ES_tradnl" dirty="0" smtClean="0"/>
+              <a:t>Se compila </a:t>
+            </a:r>
+            <a:r>
+              <a:rPr lang="es-ES_tradnl" dirty="0"/>
+              <a:t>a </a:t>
+            </a:r>
+            <a:r>
+              <a:rPr lang="es-ES_tradnl" dirty="0" err="1"/>
+              <a:t>bytecode</a:t>
+            </a:r>
+            <a:r>
+              <a:rPr lang="es-ES_tradnl" dirty="0"/>
+              <a:t> y es ejecutado por una máquina virtual. </a:t>
+            </a:r>
+            <a:r>
+              <a:rPr lang="es-AR" dirty="0"/>
+              <a:t>Esta máquina virtual es la Java </a:t>
+            </a:r>
+            <a:r>
+              <a:rPr lang="es-AR" i="1" dirty="0" err="1"/>
+              <a:t>HotSpot</a:t>
+            </a:r>
+            <a:r>
+              <a:rPr lang="es-AR" i="1" dirty="0"/>
+              <a:t> Server VM </a:t>
+            </a:r>
+            <a:r>
+              <a:rPr lang="es-AR" dirty="0"/>
+              <a:t>que tiene la funcionalidad </a:t>
+            </a:r>
+            <a:r>
+              <a:rPr lang="es-AR" i="1" dirty="0"/>
+              <a:t>JIT (</a:t>
+            </a:r>
+            <a:r>
+              <a:rPr lang="es-AR" i="1" dirty="0" err="1"/>
+              <a:t>Just</a:t>
+            </a:r>
+            <a:r>
+              <a:rPr lang="es-AR" i="1" dirty="0"/>
+              <a:t> in time) </a:t>
+            </a:r>
+            <a:r>
+              <a:rPr lang="es-AR" i="1" dirty="0" err="1" smtClean="0"/>
+              <a:t>compilation</a:t>
+            </a:r>
+            <a:r>
+              <a:rPr lang="es-AR" i="1" dirty="0" smtClean="0"/>
+              <a:t>. E</a:t>
+            </a:r>
+            <a:r>
+              <a:rPr lang="es-AR" dirty="0" smtClean="0"/>
+              <a:t>sta </a:t>
+            </a:r>
+            <a:r>
+              <a:rPr lang="es-AR" dirty="0"/>
+              <a:t>capacidad analiza el código que se ejecuta reiteradamente y lo optimiza en memoria haciendo las sucesivas ejecuciones más </a:t>
+            </a:r>
+            <a:r>
+              <a:rPr lang="es-AR" dirty="0" smtClean="0"/>
+              <a:t>rápidas</a:t>
+            </a:r>
+          </a:p>
+          <a:p>
+            <a:pPr lvl="1"/>
+            <a:r>
+              <a:rPr lang="es-ES_tradnl" b="1" u="sng" dirty="0" smtClean="0"/>
+              <a:t>Costos</a:t>
+            </a:r>
+            <a:r>
+              <a:rPr lang="es-ES_tradnl" dirty="0"/>
+              <a:t>: No posee costos de </a:t>
+            </a:r>
+            <a:r>
+              <a:rPr lang="es-ES_tradnl" dirty="0" smtClean="0"/>
+              <a:t>licencias.</a:t>
+            </a:r>
+            <a:endParaRPr lang="es-AR" dirty="0"/>
+          </a:p>
+        </p:txBody>
+      </p:sp>
+    </p:spTree>
+    <p:extLst>
+      <p:ext uri="{BB962C8B-B14F-4D97-AF65-F5344CB8AC3E}">
+        <p14:creationId xmlns:p14="http://schemas.microsoft.com/office/powerpoint/2010/main" val="1759990106"/>
+      </p:ext>
+    </p:extLst>
+  </p:cSld>
+  <p:clrMapOvr>
+    <a:masterClrMapping/>
+  </p:clrMapOvr>
+</p:sld>
+</file>
+
+<file path=ppt/slides/slide15.xml><?xml version="1.0" encoding="utf-8"?>
+<p:sld xmlns:a="http://schemas.openxmlformats.org/drawingml/2006/main" xmlns:r="http://schemas.openxmlformats.org/officeDocument/2006/relationships" xmlns:p="http://schemas.openxmlformats.org/presentationml/2006/main">
+  <p:cSld>
+    <p:spTree>
+      <p:nvGrpSpPr>
+        <p:cNvPr id="1" name=""/>
+        <p:cNvGrpSpPr/>
+        <p:nvPr/>
+      </p:nvGrpSpPr>
+      <p:grpSpPr>
+        <a:xfrm>
+          <a:off x="0" y="0"/>
+          <a:ext cx="0" cy="0"/>
+          <a:chOff x="0" y="0"/>
+          <a:chExt cx="0" cy="0"/>
+        </a:xfrm>
+      </p:grpSpPr>
+      <p:sp>
+        <p:nvSpPr>
+          <p:cNvPr id="2" name="Title 1"/>
+          <p:cNvSpPr>
+            <a:spLocks noGrp="1"/>
+          </p:cNvSpPr>
+          <p:nvPr>
+            <p:ph type="title"/>
+          </p:nvPr>
+        </p:nvSpPr>
+        <p:spPr/>
+        <p:txBody>
+          <a:bodyPr/>
+          <a:lstStyle/>
+          <a:p>
+            <a:r>
+              <a:rPr lang="es-AR" dirty="0" smtClean="0"/>
+              <a:t>Principales </a:t>
+            </a:r>
+            <a:r>
+              <a:rPr lang="es-AR" dirty="0" err="1" smtClean="0"/>
+              <a:t>Tecnologias</a:t>
+            </a:r>
+            <a:endParaRPr lang="es-AR" dirty="0"/>
+          </a:p>
+        </p:txBody>
+      </p:sp>
+      <p:sp>
+        <p:nvSpPr>
+          <p:cNvPr id="3" name="Content Placeholder 2"/>
+          <p:cNvSpPr>
+            <a:spLocks noGrp="1"/>
+          </p:cNvSpPr>
+          <p:nvPr>
+            <p:ph idx="1"/>
+          </p:nvPr>
+        </p:nvSpPr>
+        <p:spPr>
+          <a:xfrm>
+            <a:off x="611560" y="908721"/>
+            <a:ext cx="8280919" cy="5111080"/>
+          </a:xfrm>
+        </p:spPr>
+        <p:txBody>
+          <a:bodyPr/>
+          <a:lstStyle/>
+          <a:p>
+            <a:r>
+              <a:rPr lang="es-ES_tradnl" b="1" u="sng" dirty="0"/>
+              <a:t>SWING</a:t>
+            </a:r>
+            <a:r>
+              <a:rPr lang="es-ES_tradnl" dirty="0"/>
+              <a:t>: Para la interfaz de usuario en el cliente </a:t>
+            </a:r>
+            <a:r>
+              <a:rPr lang="es-ES_tradnl" dirty="0" smtClean="0"/>
+              <a:t>desktop</a:t>
+            </a:r>
+            <a:r>
+              <a:rPr lang="es-AR" dirty="0" smtClean="0"/>
+              <a:t>. Independiente </a:t>
+            </a:r>
+            <a:r>
+              <a:rPr lang="es-AR" dirty="0"/>
+              <a:t>del sistema operativo y en las versiones más recientes imita el look and </a:t>
+            </a:r>
+            <a:r>
+              <a:rPr lang="es-AR" dirty="0" err="1"/>
+              <a:t>feel</a:t>
+            </a:r>
+            <a:r>
+              <a:rPr lang="es-AR" dirty="0"/>
+              <a:t> nativo.</a:t>
+            </a:r>
+            <a:br>
+              <a:rPr lang="es-AR" dirty="0"/>
+            </a:br>
+            <a:r>
+              <a:rPr lang="es-AR" dirty="0" smtClean="0"/>
+              <a:t>Las </a:t>
+            </a:r>
+            <a:r>
+              <a:rPr lang="es-AR" dirty="0"/>
+              <a:t>implementaciones de los componentes son cien por ciento java puro, lo cual permite adaptar fácilmente el aspecto y comportamiento de tales componentes, facilitando así el trabajo de los programadores, lo cual deriva en una mayor productividad</a:t>
+            </a:r>
+          </a:p>
+          <a:p>
+            <a:r>
+              <a:rPr lang="es-ES_tradnl" b="1" u="sng" dirty="0" err="1"/>
+              <a:t>Tomcat</a:t>
+            </a:r>
+            <a:r>
+              <a:rPr lang="es-ES_tradnl" dirty="0"/>
+              <a:t>: Para el </a:t>
+            </a:r>
+            <a:r>
+              <a:rPr lang="es-ES_tradnl" dirty="0" err="1"/>
+              <a:t>Application</a:t>
+            </a:r>
+            <a:r>
+              <a:rPr lang="es-ES_tradnl" dirty="0"/>
+              <a:t> </a:t>
+            </a:r>
+            <a:r>
+              <a:rPr lang="es-ES_tradnl" dirty="0" smtClean="0"/>
+              <a:t>server. N</a:t>
+            </a:r>
+            <a:r>
+              <a:rPr lang="es-AR" dirty="0" smtClean="0"/>
+              <a:t>os </a:t>
+            </a:r>
+            <a:r>
+              <a:rPr lang="es-AR" dirty="0"/>
+              <a:t>brinda un ambiente de ejecución controlado y configurable. Cada vez que una petición llegue al servidor se utilizará un </a:t>
+            </a:r>
+            <a:r>
+              <a:rPr lang="es-AR" dirty="0" err="1"/>
+              <a:t>thread</a:t>
+            </a:r>
+            <a:r>
+              <a:rPr lang="es-AR" dirty="0"/>
+              <a:t> para ejecutar la lógica de negocio. Manejar el ciclo de vida, la planificación y comunicación de </a:t>
+            </a:r>
+            <a:r>
+              <a:rPr lang="es-AR" dirty="0" err="1"/>
+              <a:t>threads</a:t>
+            </a:r>
+            <a:r>
+              <a:rPr lang="es-AR" dirty="0"/>
+              <a:t> es menos costoso que lo equivalente para  procesos, esto aliviará la carga del servidor y hará el sistema más </a:t>
+            </a:r>
+            <a:r>
+              <a:rPr lang="es-AR" dirty="0" err="1"/>
+              <a:t>performante</a:t>
+            </a:r>
+            <a:r>
+              <a:rPr lang="es-AR" dirty="0"/>
+              <a:t> y escalable.</a:t>
+            </a:r>
+          </a:p>
+          <a:p>
+            <a:r>
+              <a:rPr lang="es-ES_tradnl" b="1" u="sng" dirty="0"/>
+              <a:t>RMI</a:t>
+            </a:r>
+            <a:r>
+              <a:rPr lang="es-ES_tradnl" dirty="0"/>
+              <a:t>: La comunicación entre los clientes desktop y web con el </a:t>
+            </a:r>
+            <a:r>
+              <a:rPr lang="es-ES_tradnl" dirty="0" err="1"/>
+              <a:t>backend</a:t>
+            </a:r>
+            <a:r>
+              <a:rPr lang="es-ES_tradnl" dirty="0"/>
+              <a:t> será a través de RMI (</a:t>
+            </a:r>
+            <a:r>
+              <a:rPr lang="es-ES_tradnl" i="1" dirty="0" err="1"/>
+              <a:t>Remote</a:t>
+            </a:r>
+            <a:r>
+              <a:rPr lang="es-ES_tradnl" i="1" dirty="0"/>
+              <a:t> </a:t>
+            </a:r>
+            <a:r>
+              <a:rPr lang="es-ES_tradnl" i="1" dirty="0" err="1"/>
+              <a:t>Method</a:t>
+            </a:r>
+            <a:r>
+              <a:rPr lang="es-ES_tradnl" i="1" dirty="0"/>
+              <a:t> </a:t>
+            </a:r>
+            <a:r>
+              <a:rPr lang="es-ES_tradnl" i="1" dirty="0" err="1"/>
+              <a:t>Invocation</a:t>
+            </a:r>
+            <a:r>
+              <a:rPr lang="es-ES_tradnl" i="1" dirty="0"/>
+              <a:t>)</a:t>
+            </a:r>
+            <a:r>
+              <a:rPr lang="es-ES_tradnl" dirty="0"/>
+              <a:t>, este es un protocolo nativo de Java SE, es de simple aplicación y eficiente.</a:t>
+            </a:r>
+            <a:br>
+              <a:rPr lang="es-ES_tradnl" dirty="0"/>
+            </a:br>
+            <a:r>
+              <a:rPr lang="es-AR" dirty="0" smtClean="0"/>
+              <a:t>No </a:t>
+            </a:r>
+            <a:r>
+              <a:rPr lang="es-AR" dirty="0"/>
+              <a:t>necesitamos la ventaja de un web </a:t>
+            </a:r>
+            <a:r>
+              <a:rPr lang="es-AR" dirty="0" err="1"/>
+              <a:t>service</a:t>
+            </a:r>
+            <a:r>
+              <a:rPr lang="es-AR" dirty="0"/>
+              <a:t> (independizar el cliente del servidor) porque ambos serán desarrollados en java, lo que nos da la libertad de elegir un protocolo nativo.</a:t>
+            </a:r>
+          </a:p>
+          <a:p>
+            <a:r>
+              <a:rPr lang="es-ES_tradnl" b="1" u="sng" dirty="0" err="1"/>
+              <a:t>Hibernate</a:t>
+            </a:r>
+            <a:r>
+              <a:rPr lang="es-ES_tradnl" dirty="0"/>
+              <a:t>: Como </a:t>
+            </a:r>
+            <a:r>
+              <a:rPr lang="es-ES_tradnl" dirty="0" err="1"/>
+              <a:t>framework</a:t>
+            </a:r>
+            <a:r>
+              <a:rPr lang="es-ES_tradnl" dirty="0"/>
+              <a:t> de ORM para la persistencia. </a:t>
+            </a:r>
+            <a:r>
+              <a:rPr lang="es-AR" dirty="0"/>
+              <a:t>Se decidió utilizar una herramienta de ORM (</a:t>
+            </a:r>
+            <a:r>
+              <a:rPr lang="es-AR" dirty="0" err="1"/>
+              <a:t>object</a:t>
+            </a:r>
+            <a:r>
+              <a:rPr lang="es-AR" dirty="0"/>
+              <a:t> </a:t>
+            </a:r>
+            <a:r>
+              <a:rPr lang="es-AR" dirty="0" err="1"/>
+              <a:t>relational</a:t>
+            </a:r>
+            <a:r>
+              <a:rPr lang="es-AR" dirty="0"/>
+              <a:t> </a:t>
+            </a:r>
+            <a:r>
+              <a:rPr lang="es-AR" dirty="0" err="1"/>
+              <a:t>mapping</a:t>
+            </a:r>
+            <a:r>
+              <a:rPr lang="es-AR" dirty="0"/>
+              <a:t>) para reducir los problemas de desarrollo que acarrea lidiar con la integración de un lenguaje orientado a objetos y una base de datos relacional. </a:t>
+            </a:r>
+            <a:r>
+              <a:rPr lang="es-AR" dirty="0" err="1" smtClean="0"/>
+              <a:t>Hibernate</a:t>
+            </a:r>
+            <a:r>
+              <a:rPr lang="es-AR" dirty="0" smtClean="0"/>
+              <a:t> </a:t>
+            </a:r>
+            <a:r>
+              <a:rPr lang="es-AR" dirty="0"/>
+              <a:t>es el elegido por ser el más usado y probado, se sabe que es ampliamente configurable, de rendimiento aceptable y fácil aplicación. </a:t>
+            </a:r>
+            <a:endParaRPr lang="es-AR" dirty="0" smtClean="0"/>
+          </a:p>
+        </p:txBody>
+      </p:sp>
+    </p:spTree>
+    <p:extLst>
+      <p:ext uri="{BB962C8B-B14F-4D97-AF65-F5344CB8AC3E}">
+        <p14:creationId xmlns:p14="http://schemas.microsoft.com/office/powerpoint/2010/main" val="4000896319"/>
+      </p:ext>
+    </p:extLst>
+  </p:cSld>
+  <p:clrMapOvr>
+    <a:masterClrMapping/>
+  </p:clrMapOvr>
+</p:sld>
+</file>
+
+<file path=ppt/slides/slide16.xml><?xml version="1.0" encoding="utf-8"?>
+<p:sld xmlns:a="http://schemas.openxmlformats.org/drawingml/2006/main" xmlns:r="http://schemas.openxmlformats.org/officeDocument/2006/relationships" xmlns:p="http://schemas.openxmlformats.org/presentationml/2006/main">
+  <p:cSld>
+    <p:spTree>
+      <p:nvGrpSpPr>
+        <p:cNvPr id="1" name=""/>
+        <p:cNvGrpSpPr/>
+        <p:nvPr/>
+      </p:nvGrpSpPr>
+      <p:grpSpPr>
+        <a:xfrm>
+          <a:off x="0" y="0"/>
+          <a:ext cx="0" cy="0"/>
+          <a:chOff x="0" y="0"/>
+          <a:chExt cx="0" cy="0"/>
+        </a:xfrm>
+      </p:grpSpPr>
+      <p:sp>
+        <p:nvSpPr>
+          <p:cNvPr id="2" name="Title 1"/>
+          <p:cNvSpPr>
+            <a:spLocks noGrp="1"/>
+          </p:cNvSpPr>
+          <p:nvPr>
+            <p:ph type="title"/>
+          </p:nvPr>
+        </p:nvSpPr>
+        <p:spPr/>
+        <p:txBody>
+          <a:bodyPr/>
+          <a:lstStyle/>
+          <a:p>
+            <a:r>
+              <a:rPr lang="es-AR" dirty="0" smtClean="0"/>
+              <a:t>Base de Datos</a:t>
+            </a:r>
+            <a:endParaRPr lang="es-AR" dirty="0"/>
+          </a:p>
+        </p:txBody>
+      </p:sp>
+      <p:sp>
+        <p:nvSpPr>
+          <p:cNvPr id="3" name="Content Placeholder 2"/>
+          <p:cNvSpPr>
+            <a:spLocks noGrp="1"/>
+          </p:cNvSpPr>
+          <p:nvPr>
+            <p:ph idx="1"/>
+          </p:nvPr>
+        </p:nvSpPr>
+        <p:spPr/>
+        <p:txBody>
+          <a:bodyPr/>
+          <a:lstStyle/>
+          <a:p>
+            <a:endParaRPr lang="es-AR"/>
           </a:p>
         </p:txBody>
       </p:sp>
@@ -8534,6 +9950,10 @@
           <a:bodyPr/>
           <a:lstStyle/>
           <a:p>
+            <a:r>
+              <a:rPr lang="es-AR" dirty="0" smtClean="0"/>
+              <a:t>Motor Elegido</a:t>
+            </a:r>
             <a:endParaRPr lang="es-AR" dirty="0"/>
           </a:p>
         </p:txBody>
@@ -8541,7 +9961,102 @@
     </p:spTree>
     <p:extLst>
       <p:ext uri="{BB962C8B-B14F-4D97-AF65-F5344CB8AC3E}">
-        <p14:creationId xmlns:p14="http://schemas.microsoft.com/office/powerpoint/2010/main" val="2913108884"/>
+        <p14:creationId xmlns:p14="http://schemas.microsoft.com/office/powerpoint/2010/main" val="986913818"/>
+      </p:ext>
+    </p:extLst>
+  </p:cSld>
+  <p:clrMapOvr>
+    <a:masterClrMapping/>
+  </p:clrMapOvr>
+</p:sld>
+</file>
+
+<file path=ppt/slides/slide17.xml><?xml version="1.0" encoding="utf-8"?>
+<p:sld xmlns:a="http://schemas.openxmlformats.org/drawingml/2006/main" xmlns:r="http://schemas.openxmlformats.org/officeDocument/2006/relationships" xmlns:p="http://schemas.openxmlformats.org/presentationml/2006/main">
+  <p:cSld>
+    <p:spTree>
+      <p:nvGrpSpPr>
+        <p:cNvPr id="1" name=""/>
+        <p:cNvGrpSpPr/>
+        <p:nvPr/>
+      </p:nvGrpSpPr>
+      <p:grpSpPr>
+        <a:xfrm>
+          <a:off x="0" y="0"/>
+          <a:ext cx="0" cy="0"/>
+          <a:chOff x="0" y="0"/>
+          <a:chExt cx="0" cy="0"/>
+        </a:xfrm>
+      </p:grpSpPr>
+      <p:sp>
+        <p:nvSpPr>
+          <p:cNvPr id="2" name="Title 1"/>
+          <p:cNvSpPr>
+            <a:spLocks noGrp="1"/>
+          </p:cNvSpPr>
+          <p:nvPr>
+            <p:ph type="title"/>
+          </p:nvPr>
+        </p:nvSpPr>
+        <p:spPr/>
+        <p:txBody>
+          <a:bodyPr/>
+          <a:lstStyle/>
+          <a:p>
+            <a:r>
+              <a:rPr lang="es-AR" dirty="0" smtClean="0"/>
+              <a:t>Base de Datos</a:t>
+            </a:r>
+            <a:endParaRPr lang="es-AR" dirty="0"/>
+          </a:p>
+        </p:txBody>
+      </p:sp>
+      <p:sp>
+        <p:nvSpPr>
+          <p:cNvPr id="3" name="Content Placeholder 2"/>
+          <p:cNvSpPr>
+            <a:spLocks noGrp="1"/>
+          </p:cNvSpPr>
+          <p:nvPr>
+            <p:ph idx="1"/>
+          </p:nvPr>
+        </p:nvSpPr>
+        <p:spPr/>
+        <p:txBody>
+          <a:bodyPr/>
+          <a:lstStyle/>
+          <a:p>
+            <a:endParaRPr lang="es-AR" dirty="0"/>
+          </a:p>
+        </p:txBody>
+      </p:sp>
+      <p:sp>
+        <p:nvSpPr>
+          <p:cNvPr id="4" name="Text Placeholder 3"/>
+          <p:cNvSpPr>
+            <a:spLocks noGrp="1"/>
+          </p:cNvSpPr>
+          <p:nvPr>
+            <p:ph type="body" sz="quarter" idx="13"/>
+          </p:nvPr>
+        </p:nvSpPr>
+        <p:spPr/>
+        <p:txBody>
+          <a:bodyPr/>
+          <a:lstStyle/>
+          <a:p>
+            <a:r>
+              <a:rPr lang="es-AR" dirty="0" smtClean="0"/>
+              <a:t>Volumen</a:t>
+            </a:r>
+            <a:endParaRPr lang="es-AR" dirty="0"/>
+          </a:p>
+        </p:txBody>
+      </p:sp>
+    </p:spTree>
+    <p:extLst>
+      <p:ext uri="{BB962C8B-B14F-4D97-AF65-F5344CB8AC3E}">
+        <p14:creationId xmlns:p14="http://schemas.microsoft.com/office/powerpoint/2010/main" val="1539515098"/>
       </p:ext>
     </p:extLst>
   </p:cSld>
@@ -8661,20 +10176,6 @@
             </a:r>
           </a:p>
           <a:p>
-            <a:pPr eaLnBrk="1" hangingPunct="1">
-              <a:defRPr/>
-            </a:pPr>
-            <a:r>
-              <a:rPr lang="es-AR" dirty="0" smtClean="0"/>
-              <a:t>Arquitectura Detallada de </a:t>
-            </a:r>
-            <a:r>
-              <a:rPr lang="es-AR" dirty="0" err="1" smtClean="0"/>
-              <a:t>Produccion</a:t>
-            </a:r>
-            <a:endParaRPr lang="es-AR" dirty="0"/>
-          </a:p>
-          <a:p>
             <a:pPr marL="0" indent="0" eaLnBrk="1" hangingPunct="1">
               <a:buFontTx/>
               <a:buNone/>
@@ -8738,11 +10239,29 @@
             </a:r>
             <a:r>
               <a:rPr lang="es-AR" dirty="0" smtClean="0"/>
-              <a:t> Server</a:t>
+              <a:t> </a:t>
+            </a:r>
+            <a:r>
+              <a:rPr lang="es-AR" dirty="0" smtClean="0"/>
+              <a:t>Server</a:t>
             </a:r>
           </a:p>
           <a:p>
             <a:pPr eaLnBrk="1" hangingPunct="1">
+              <a:defRPr/>
+            </a:pPr>
+            <a:r>
+              <a:rPr lang="es-AR" dirty="0" err="1" smtClean="0"/>
+              <a:t>Integracion</a:t>
+            </a:r>
+            <a:r>
+              <a:rPr lang="es-AR" dirty="0" smtClean="0"/>
+              <a:t> con IVR</a:t>
+            </a:r>
+          </a:p>
+          <a:p>
+            <a:pPr marL="0" indent="0" eaLnBrk="1" hangingPunct="1">
+              <a:buNone/>
               <a:defRPr/>
             </a:pPr>
             <a:endParaRPr lang="es-AR" dirty="0" smtClean="0"/>
@@ -9916,7 +11435,7 @@
         </p:nvGraphicFramePr>
         <p:xfrm>
           <a:off x="2051720" y="1628800"/>
-          <a:ext cx="4464496" cy="1352487"/>
+          <a:ext cx="4464496" cy="1377950"/>
         </p:xfrm>
         <a:graphic>
           <a:graphicData uri="http://schemas.openxmlformats.org/drawingml/2006/table">
@@ -10278,7 +11797,7 @@
         </p:nvGraphicFramePr>
         <p:xfrm>
           <a:off x="2051720" y="3861048"/>
-          <a:ext cx="4464496" cy="1628077"/>
+          <a:ext cx="4464496" cy="1653540"/>
         </p:xfrm>
         <a:graphic>
           <a:graphicData uri="http://schemas.openxmlformats.org/drawingml/2006/table">

--- a/trunk/Presentacion.pptx
+++ b/trunk/Presentacion.pptx
@@ -5,7 +5,7 @@
     <p:sldMasterId id="2147483660" r:id="rId1"/>
   </p:sldMasterIdLst>
   <p:notesMasterIdLst>
-    <p:notesMasterId r:id="rId19"/>
+    <p:notesMasterId r:id="rId20"/>
   </p:notesMasterIdLst>
   <p:sldIdLst>
     <p:sldId id="256" r:id="rId2"/>
@@ -24,7 +24,8 @@
     <p:sldId id="272" r:id="rId15"/>
     <p:sldId id="273" r:id="rId16"/>
     <p:sldId id="274" r:id="rId17"/>
-    <p:sldId id="275" r:id="rId18"/>
+    <p:sldId id="276" r:id="rId18"/>
+    <p:sldId id="275" r:id="rId19"/>
   </p:sldIdLst>
   <p:sldSz cx="9144000" cy="6858000" type="screen4x3"/>
   <p:notesSz cx="6858000" cy="9144000"/>
@@ -9931,7 +9932,54 @@
           <a:bodyPr/>
           <a:lstStyle/>
           <a:p>
-            <a:endParaRPr lang="es-AR"/>
+            <a:r>
+              <a:rPr lang="es-AR" b="1" dirty="0" err="1"/>
+              <a:t>PostgreSQL</a:t>
+            </a:r>
+            <a:r>
+              <a:rPr lang="es-AR" b="1" dirty="0"/>
+              <a:t> </a:t>
+            </a:r>
+            <a:r>
+              <a:rPr lang="es-AR" b="1" dirty="0" smtClean="0"/>
+              <a:t>8.4</a:t>
+            </a:r>
+            <a:endParaRPr lang="es-AR" dirty="0"/>
+          </a:p>
+          <a:p>
+            <a:pPr marL="0" indent="0">
+              <a:buNone/>
+            </a:pPr>
+            <a:endParaRPr lang="es-AR" dirty="0"/>
+          </a:p>
+          <a:p>
+            <a:r>
+              <a:rPr lang="es-ES_tradnl" dirty="0"/>
+              <a:t>Este motor permite optimizar su rendimiento de manera completa ya que provee un gran número de configuraciones para asegurar un uso óptimo de los recursos. </a:t>
+            </a:r>
+            <a:endParaRPr lang="es-ES_tradnl" dirty="0" smtClean="0"/>
+          </a:p>
+          <a:p>
+            <a:r>
+              <a:rPr lang="es-ES_tradnl" dirty="0" smtClean="0"/>
+              <a:t>Optimizar </a:t>
+            </a:r>
+            <a:r>
+              <a:rPr lang="es-ES_tradnl" dirty="0" err="1"/>
+              <a:t>PostreSQL</a:t>
+            </a:r>
+            <a:r>
+              <a:rPr lang="es-ES_tradnl" dirty="0"/>
+              <a:t> en un server con una alta capacidad de cómputo provee una solución adecuada para aplicaciones donde se exija un número elevado de transacciones concurrentes</a:t>
+            </a:r>
+            <a:r>
+              <a:rPr lang="es-ES_tradnl" dirty="0" smtClean="0"/>
+              <a:t>.. </a:t>
+            </a:r>
+            <a:endParaRPr lang="es-AR" dirty="0"/>
+          </a:p>
+          <a:p>
+            <a:endParaRPr lang="es-AR" dirty="0"/>
           </a:p>
         </p:txBody>
       </p:sp>
@@ -9972,6 +10020,166 @@
 </file>
 
 <file path=ppt/slides/slide17.xml><?xml version="1.0" encoding="utf-8"?>
+<p:sld xmlns:a="http://schemas.openxmlformats.org/drawingml/2006/main" xmlns:r="http://schemas.openxmlformats.org/officeDocument/2006/relationships" xmlns:p="http://schemas.openxmlformats.org/presentationml/2006/main">
+  <p:cSld>
+    <p:spTree>
+      <p:nvGrpSpPr>
+        <p:cNvPr id="1" name=""/>
+        <p:cNvGrpSpPr/>
+        <p:nvPr/>
+      </p:nvGrpSpPr>
+      <p:grpSpPr>
+        <a:xfrm>
+          <a:off x="0" y="0"/>
+          <a:ext cx="0" cy="0"/>
+          <a:chOff x="0" y="0"/>
+          <a:chExt cx="0" cy="0"/>
+        </a:xfrm>
+      </p:grpSpPr>
+      <p:sp>
+        <p:nvSpPr>
+          <p:cNvPr id="2" name="Title 1"/>
+          <p:cNvSpPr>
+            <a:spLocks noGrp="1"/>
+          </p:cNvSpPr>
+          <p:nvPr>
+            <p:ph type="title"/>
+          </p:nvPr>
+        </p:nvSpPr>
+        <p:spPr/>
+        <p:txBody>
+          <a:bodyPr/>
+          <a:lstStyle/>
+          <a:p>
+            <a:r>
+              <a:rPr lang="es-AR" dirty="0" smtClean="0"/>
+              <a:t>Base de Datos</a:t>
+            </a:r>
+            <a:endParaRPr lang="es-AR" dirty="0"/>
+          </a:p>
+        </p:txBody>
+      </p:sp>
+      <p:sp>
+        <p:nvSpPr>
+          <p:cNvPr id="3" name="Content Placeholder 2"/>
+          <p:cNvSpPr>
+            <a:spLocks noGrp="1"/>
+          </p:cNvSpPr>
+          <p:nvPr>
+            <p:ph idx="1"/>
+          </p:nvPr>
+        </p:nvSpPr>
+        <p:spPr/>
+        <p:txBody>
+          <a:bodyPr/>
+          <a:lstStyle/>
+          <a:p>
+            <a:r>
+              <a:rPr lang="es-ES_tradnl" dirty="0"/>
+              <a:t>Cada vez que </a:t>
+            </a:r>
+            <a:r>
+              <a:rPr lang="es-ES_tradnl" dirty="0" err="1"/>
+              <a:t>PostgreSQL</a:t>
+            </a:r>
+            <a:r>
+              <a:rPr lang="es-ES_tradnl" dirty="0"/>
+              <a:t> recibe una petición desde un cliente (aplicación) se crea un proceso que es el encargado de atender todas las peticiones desde el cliente. Debido a esto, es muy simple configurar un pool de conexiones que estén preparadas para poder recibir peticiones desde los clientes</a:t>
+            </a:r>
+            <a:endParaRPr lang="es-AR" dirty="0"/>
+          </a:p>
+        </p:txBody>
+      </p:sp>
+      <p:sp>
+        <p:nvSpPr>
+          <p:cNvPr id="4" name="Text Placeholder 3"/>
+          <p:cNvSpPr>
+            <a:spLocks noGrp="1"/>
+          </p:cNvSpPr>
+          <p:nvPr>
+            <p:ph type="body" sz="quarter" idx="13"/>
+          </p:nvPr>
+        </p:nvSpPr>
+        <p:spPr/>
+        <p:txBody>
+          <a:bodyPr/>
+          <a:lstStyle/>
+          <a:p>
+            <a:r>
+              <a:rPr lang="es-AR" dirty="0" err="1" smtClean="0"/>
+              <a:t>Postgres</a:t>
+            </a:r>
+            <a:r>
+              <a:rPr lang="es-AR" dirty="0" smtClean="0"/>
+              <a:t> 8.4</a:t>
+            </a:r>
+            <a:endParaRPr lang="es-AR" dirty="0"/>
+          </a:p>
+        </p:txBody>
+      </p:sp>
+      <p:pic>
+        <p:nvPicPr>
+          <p:cNvPr id="1026" name="Picture 2"/>
+          <p:cNvPicPr>
+            <a:picLocks noChangeAspect="1" noChangeArrowheads="1"/>
+          </p:cNvPicPr>
+          <p:nvPr/>
+        </p:nvPicPr>
+        <p:blipFill>
+          <a:blip r:embed="rId2">
+            <a:extLst>
+              <a:ext uri="{28A0092B-C50C-407E-A947-70E740481C1C}">
+                <a14:useLocalDpi xmlns:a14="http://schemas.microsoft.com/office/drawing/2010/main" val="0"/>
+              </a:ext>
+            </a:extLst>
+          </a:blip>
+          <a:srcRect/>
+          <a:stretch>
+            <a:fillRect/>
+          </a:stretch>
+        </p:blipFill>
+        <p:spPr bwMode="auto">
+          <a:xfrm>
+            <a:off x="782105" y="2852936"/>
+            <a:ext cx="7750335" cy="2847156"/>
+          </a:xfrm>
+          <a:prstGeom prst="rect">
+            <a:avLst/>
+          </a:prstGeom>
+          <a:solidFill>
+            <a:srgbClr val="FFFFFF"/>
+          </a:solidFill>
+          <a:ln>
+            <a:noFill/>
+          </a:ln>
+          <a:extLst>
+            <a:ext uri="{91240B29-F687-4F45-9708-019B960494DF}">
+              <a14:hiddenLine xmlns:a14="http://schemas.microsoft.com/office/drawing/2010/main" w="9525">
+                <a:solidFill>
+                  <a:srgbClr val="000000"/>
+                </a:solidFill>
+                <a:miter lim="800000"/>
+                <a:headEnd/>
+                <a:tailEnd/>
+              </a14:hiddenLine>
+            </a:ext>
+          </a:extLst>
+        </p:spPr>
+      </p:pic>
+    </p:spTree>
+    <p:extLst>
+      <p:ext uri="{BB962C8B-B14F-4D97-AF65-F5344CB8AC3E}">
+        <p14:creationId xmlns:p14="http://schemas.microsoft.com/office/powerpoint/2010/main" val="1689869253"/>
+      </p:ext>
+    </p:extLst>
+  </p:cSld>
+  <p:clrMapOvr>
+    <a:masterClrMapping/>
+  </p:clrMapOvr>
+</p:sld>
+</file>
+
+<file path=ppt/slides/slide18.xml><?xml version="1.0" encoding="utf-8"?>
 <p:sld xmlns:a="http://schemas.openxmlformats.org/drawingml/2006/main" xmlns:r="http://schemas.openxmlformats.org/officeDocument/2006/relationships" xmlns:p="http://schemas.openxmlformats.org/presentationml/2006/main">
   <p:cSld>
     <p:spTree>
@@ -10239,11 +10447,7 @@
             </a:r>
             <a:r>
               <a:rPr lang="es-AR" dirty="0" smtClean="0"/>
-              <a:t> </a:t>
-            </a:r>
-            <a:r>
-              <a:rPr lang="es-AR" dirty="0" smtClean="0"/>
-              <a:t>Server</a:t>
+              <a:t> Server</a:t>
             </a:r>
           </a:p>
           <a:p>

--- a/trunk/Presentacion.pptx
+++ b/trunk/Presentacion.pptx
@@ -5,27 +5,38 @@
     <p:sldMasterId id="2147483660" r:id="rId1"/>
   </p:sldMasterIdLst>
   <p:notesMasterIdLst>
-    <p:notesMasterId r:id="rId20"/>
+    <p:notesMasterId r:id="rId31"/>
   </p:notesMasterIdLst>
   <p:sldIdLst>
     <p:sldId id="256" r:id="rId2"/>
     <p:sldId id="257" r:id="rId3"/>
-    <p:sldId id="261" r:id="rId4"/>
-    <p:sldId id="262" r:id="rId5"/>
-    <p:sldId id="263" r:id="rId6"/>
-    <p:sldId id="264" r:id="rId7"/>
-    <p:sldId id="265" r:id="rId8"/>
-    <p:sldId id="266" r:id="rId9"/>
-    <p:sldId id="267" r:id="rId10"/>
-    <p:sldId id="268" r:id="rId11"/>
-    <p:sldId id="269" r:id="rId12"/>
-    <p:sldId id="270" r:id="rId13"/>
-    <p:sldId id="271" r:id="rId14"/>
-    <p:sldId id="272" r:id="rId15"/>
-    <p:sldId id="273" r:id="rId16"/>
-    <p:sldId id="274" r:id="rId17"/>
-    <p:sldId id="276" r:id="rId18"/>
-    <p:sldId id="275" r:id="rId19"/>
+    <p:sldId id="284" r:id="rId4"/>
+    <p:sldId id="285" r:id="rId5"/>
+    <p:sldId id="272" r:id="rId6"/>
+    <p:sldId id="273" r:id="rId7"/>
+    <p:sldId id="274" r:id="rId8"/>
+    <p:sldId id="276" r:id="rId9"/>
+    <p:sldId id="275" r:id="rId10"/>
+    <p:sldId id="286" r:id="rId11"/>
+    <p:sldId id="277" r:id="rId12"/>
+    <p:sldId id="287" r:id="rId13"/>
+    <p:sldId id="261" r:id="rId14"/>
+    <p:sldId id="262" r:id="rId15"/>
+    <p:sldId id="263" r:id="rId16"/>
+    <p:sldId id="264" r:id="rId17"/>
+    <p:sldId id="265" r:id="rId18"/>
+    <p:sldId id="266" r:id="rId19"/>
+    <p:sldId id="267" r:id="rId20"/>
+    <p:sldId id="268" r:id="rId21"/>
+    <p:sldId id="269" r:id="rId22"/>
+    <p:sldId id="270" r:id="rId23"/>
+    <p:sldId id="271" r:id="rId24"/>
+    <p:sldId id="278" r:id="rId25"/>
+    <p:sldId id="279" r:id="rId26"/>
+    <p:sldId id="280" r:id="rId27"/>
+    <p:sldId id="281" r:id="rId28"/>
+    <p:sldId id="283" r:id="rId29"/>
+    <p:sldId id="282" r:id="rId30"/>
   </p:sldIdLst>
   <p:sldSz cx="9144000" cy="6858000" type="screen4x3"/>
   <p:notesSz cx="6858000" cy="9144000"/>
@@ -8546,67 +8557,667 @@
           <a:p>
             <a:r>
               <a:rPr lang="es-AR" dirty="0" smtClean="0"/>
-              <a:t>Infraestructura Interna</a:t>
+              <a:t>Base de Datos</a:t>
             </a:r>
             <a:endParaRPr lang="es-AR" dirty="0"/>
           </a:p>
         </p:txBody>
       </p:sp>
-      <p:pic>
-        <p:nvPicPr>
-          <p:cNvPr id="1026" name="Picture 2"/>
-          <p:cNvPicPr>
-            <a:picLocks noChangeAspect="1" noChangeArrowheads="1"/>
-          </p:cNvPicPr>
+      <p:sp>
+        <p:nvSpPr>
+          <p:cNvPr id="4" name="Text Placeholder 3"/>
+          <p:cNvSpPr>
+            <a:spLocks noGrp="1"/>
+          </p:cNvSpPr>
+          <p:nvPr>
+            <p:ph type="body" sz="quarter" idx="13"/>
+          </p:nvPr>
+        </p:nvSpPr>
+        <p:spPr/>
+        <p:txBody>
+          <a:bodyPr/>
+          <a:lstStyle/>
+          <a:p>
+            <a:r>
+              <a:rPr lang="es-AR" dirty="0" smtClean="0"/>
+              <a:t>Crecimiento Esperado</a:t>
+            </a:r>
+            <a:endParaRPr lang="es-AR" dirty="0"/>
+          </a:p>
+        </p:txBody>
+      </p:sp>
+      <p:graphicFrame>
+        <p:nvGraphicFramePr>
+          <p:cNvPr id="6" name="Content Placeholder 5"/>
+          <p:cNvGraphicFramePr>
+            <a:graphicFrameLocks noGrp="1"/>
+          </p:cNvGraphicFramePr>
+          <p:nvPr>
+            <p:ph idx="1"/>
+            <p:extLst>
+              <p:ext uri="{D42A27DB-BD31-4B8C-83A1-F6EECF244321}">
+                <p14:modId xmlns:p14="http://schemas.microsoft.com/office/powerpoint/2010/main" val="1463225951"/>
+              </p:ext>
+            </p:extLst>
+          </p:nvPr>
+        </p:nvGraphicFramePr>
+        <p:xfrm>
+          <a:off x="1331640" y="1844824"/>
+          <a:ext cx="6828323" cy="1062990"/>
+        </p:xfrm>
+        <a:graphic>
+          <a:graphicData uri="http://schemas.openxmlformats.org/drawingml/2006/table">
+            <a:tbl>
+              <a:tblPr>
+                <a:tableStyleId>{5C22544A-7EE6-4342-B048-85BDC9FD1C3A}</a:tableStyleId>
+              </a:tblPr>
+              <a:tblGrid>
+                <a:gridCol w="973842"/>
+                <a:gridCol w="974556"/>
+                <a:gridCol w="974556"/>
+                <a:gridCol w="974556"/>
+                <a:gridCol w="974556"/>
+                <a:gridCol w="974556"/>
+                <a:gridCol w="981701"/>
+              </a:tblGrid>
+              <a:tr h="0">
+                <a:tc>
+                  <a:txBody>
+                    <a:bodyPr/>
+                    <a:lstStyle/>
+                    <a:p>
+                      <a:pPr>
+                        <a:spcAft>
+                          <a:spcPts val="800"/>
+                        </a:spcAft>
+                      </a:pPr>
+                      <a:r>
+                        <a:rPr lang="es-AR" sz="2000" dirty="0">
+                          <a:effectLst/>
+                        </a:rPr>
+                        <a:t>Año</a:t>
+                      </a:r>
+                      <a:endParaRPr lang="es-AR" sz="2000" dirty="0">
+                        <a:effectLst/>
+                        <a:latin typeface="Verdana"/>
+                        <a:ea typeface="Times New Roman"/>
+                        <a:cs typeface="Times New Roman"/>
+                      </a:endParaRPr>
+                    </a:p>
+                  </a:txBody>
+                  <a:tcPr marL="34925" marR="34925" marT="34925" marB="34925"/>
+                </a:tc>
+                <a:tc>
+                  <a:txBody>
+                    <a:bodyPr/>
+                    <a:lstStyle/>
+                    <a:p>
+                      <a:pPr>
+                        <a:spcAft>
+                          <a:spcPts val="800"/>
+                        </a:spcAft>
+                      </a:pPr>
+                      <a:r>
+                        <a:rPr lang="es-AR" sz="2000">
+                          <a:effectLst/>
+                        </a:rPr>
+                        <a:t>1</a:t>
+                      </a:r>
+                      <a:endParaRPr lang="es-AR" sz="2000">
+                        <a:effectLst/>
+                        <a:latin typeface="Verdana"/>
+                        <a:ea typeface="Times New Roman"/>
+                        <a:cs typeface="Times New Roman"/>
+                      </a:endParaRPr>
+                    </a:p>
+                  </a:txBody>
+                  <a:tcPr marL="34925" marR="34925" marT="34925" marB="34925"/>
+                </a:tc>
+                <a:tc>
+                  <a:txBody>
+                    <a:bodyPr/>
+                    <a:lstStyle/>
+                    <a:p>
+                      <a:pPr>
+                        <a:spcAft>
+                          <a:spcPts val="800"/>
+                        </a:spcAft>
+                      </a:pPr>
+                      <a:r>
+                        <a:rPr lang="es-AR" sz="2000">
+                          <a:effectLst/>
+                        </a:rPr>
+                        <a:t>2</a:t>
+                      </a:r>
+                      <a:endParaRPr lang="es-AR" sz="2000">
+                        <a:effectLst/>
+                        <a:latin typeface="Verdana"/>
+                        <a:ea typeface="Times New Roman"/>
+                        <a:cs typeface="Times New Roman"/>
+                      </a:endParaRPr>
+                    </a:p>
+                  </a:txBody>
+                  <a:tcPr marL="34925" marR="34925" marT="34925" marB="34925"/>
+                </a:tc>
+                <a:tc>
+                  <a:txBody>
+                    <a:bodyPr/>
+                    <a:lstStyle/>
+                    <a:p>
+                      <a:pPr>
+                        <a:spcAft>
+                          <a:spcPts val="800"/>
+                        </a:spcAft>
+                      </a:pPr>
+                      <a:r>
+                        <a:rPr lang="es-AR" sz="2000">
+                          <a:effectLst/>
+                        </a:rPr>
+                        <a:t>3</a:t>
+                      </a:r>
+                      <a:endParaRPr lang="es-AR" sz="2000">
+                        <a:effectLst/>
+                        <a:latin typeface="Verdana"/>
+                        <a:ea typeface="Times New Roman"/>
+                        <a:cs typeface="Times New Roman"/>
+                      </a:endParaRPr>
+                    </a:p>
+                  </a:txBody>
+                  <a:tcPr marL="34925" marR="34925" marT="34925" marB="34925"/>
+                </a:tc>
+                <a:tc>
+                  <a:txBody>
+                    <a:bodyPr/>
+                    <a:lstStyle/>
+                    <a:p>
+                      <a:pPr>
+                        <a:spcAft>
+                          <a:spcPts val="800"/>
+                        </a:spcAft>
+                      </a:pPr>
+                      <a:r>
+                        <a:rPr lang="es-AR" sz="2000">
+                          <a:effectLst/>
+                        </a:rPr>
+                        <a:t>4</a:t>
+                      </a:r>
+                      <a:endParaRPr lang="es-AR" sz="2000">
+                        <a:effectLst/>
+                        <a:latin typeface="Verdana"/>
+                        <a:ea typeface="Times New Roman"/>
+                        <a:cs typeface="Times New Roman"/>
+                      </a:endParaRPr>
+                    </a:p>
+                  </a:txBody>
+                  <a:tcPr marL="34925" marR="34925" marT="34925" marB="34925"/>
+                </a:tc>
+                <a:tc>
+                  <a:txBody>
+                    <a:bodyPr/>
+                    <a:lstStyle/>
+                    <a:p>
+                      <a:pPr>
+                        <a:spcAft>
+                          <a:spcPts val="800"/>
+                        </a:spcAft>
+                      </a:pPr>
+                      <a:r>
+                        <a:rPr lang="es-AR" sz="2000">
+                          <a:effectLst/>
+                        </a:rPr>
+                        <a:t>5</a:t>
+                      </a:r>
+                      <a:endParaRPr lang="es-AR" sz="2000">
+                        <a:effectLst/>
+                        <a:latin typeface="Verdana"/>
+                        <a:ea typeface="Times New Roman"/>
+                        <a:cs typeface="Times New Roman"/>
+                      </a:endParaRPr>
+                    </a:p>
+                  </a:txBody>
+                  <a:tcPr marL="34925" marR="34925" marT="34925" marB="34925"/>
+                </a:tc>
+                <a:tc>
+                  <a:txBody>
+                    <a:bodyPr/>
+                    <a:lstStyle/>
+                    <a:p>
+                      <a:pPr>
+                        <a:spcAft>
+                          <a:spcPts val="800"/>
+                        </a:spcAft>
+                      </a:pPr>
+                      <a:r>
+                        <a:rPr lang="es-AR" sz="2000">
+                          <a:effectLst/>
+                        </a:rPr>
+                        <a:t>Total</a:t>
+                      </a:r>
+                      <a:endParaRPr lang="es-AR" sz="2000">
+                        <a:effectLst/>
+                        <a:latin typeface="Verdana"/>
+                        <a:ea typeface="Times New Roman"/>
+                        <a:cs typeface="Times New Roman"/>
+                      </a:endParaRPr>
+                    </a:p>
+                  </a:txBody>
+                  <a:tcPr marL="34925" marR="34925" marT="34925" marB="34925"/>
+                </a:tc>
+              </a:tr>
+              <a:tr h="0">
+                <a:tc>
+                  <a:txBody>
+                    <a:bodyPr/>
+                    <a:lstStyle/>
+                    <a:p>
+                      <a:pPr>
+                        <a:spcAft>
+                          <a:spcPts val="800"/>
+                        </a:spcAft>
+                      </a:pPr>
+                      <a:r>
+                        <a:rPr lang="es-AR" sz="1800">
+                          <a:effectLst/>
+                        </a:rPr>
+                        <a:t>Factor</a:t>
+                      </a:r>
+                      <a:endParaRPr lang="es-AR" sz="2000">
+                        <a:effectLst/>
+                        <a:latin typeface="Verdana"/>
+                        <a:ea typeface="Times New Roman"/>
+                        <a:cs typeface="Times New Roman"/>
+                      </a:endParaRPr>
+                    </a:p>
+                  </a:txBody>
+                  <a:tcPr marL="34925" marR="34925" marT="34925" marB="34925"/>
+                </a:tc>
+                <a:tc>
+                  <a:txBody>
+                    <a:bodyPr/>
+                    <a:lstStyle/>
+                    <a:p>
+                      <a:pPr>
+                        <a:spcAft>
+                          <a:spcPts val="800"/>
+                        </a:spcAft>
+                      </a:pPr>
+                      <a:r>
+                        <a:rPr lang="es-AR" sz="1800">
+                          <a:effectLst/>
+                        </a:rPr>
+                        <a:t>1</a:t>
+                      </a:r>
+                      <a:endParaRPr lang="es-AR" sz="2000">
+                        <a:effectLst/>
+                        <a:latin typeface="Verdana"/>
+                        <a:ea typeface="Times New Roman"/>
+                        <a:cs typeface="Times New Roman"/>
+                      </a:endParaRPr>
+                    </a:p>
+                  </a:txBody>
+                  <a:tcPr marL="34925" marR="34925" marT="34925" marB="34925"/>
+                </a:tc>
+                <a:tc>
+                  <a:txBody>
+                    <a:bodyPr/>
+                    <a:lstStyle/>
+                    <a:p>
+                      <a:pPr>
+                        <a:spcAft>
+                          <a:spcPts val="800"/>
+                        </a:spcAft>
+                      </a:pPr>
+                      <a:r>
+                        <a:rPr lang="es-AR" sz="1800">
+                          <a:effectLst/>
+                        </a:rPr>
+                        <a:t>1,2</a:t>
+                      </a:r>
+                      <a:endParaRPr lang="es-AR" sz="2000">
+                        <a:effectLst/>
+                        <a:latin typeface="Verdana"/>
+                        <a:ea typeface="Times New Roman"/>
+                        <a:cs typeface="Times New Roman"/>
+                      </a:endParaRPr>
+                    </a:p>
+                  </a:txBody>
+                  <a:tcPr marL="34925" marR="34925" marT="34925" marB="34925"/>
+                </a:tc>
+                <a:tc>
+                  <a:txBody>
+                    <a:bodyPr/>
+                    <a:lstStyle/>
+                    <a:p>
+                      <a:pPr>
+                        <a:spcAft>
+                          <a:spcPts val="800"/>
+                        </a:spcAft>
+                      </a:pPr>
+                      <a:r>
+                        <a:rPr lang="es-AR" sz="1800">
+                          <a:effectLst/>
+                        </a:rPr>
+                        <a:t>1,44</a:t>
+                      </a:r>
+                      <a:endParaRPr lang="es-AR" sz="2000">
+                        <a:effectLst/>
+                        <a:latin typeface="Verdana"/>
+                        <a:ea typeface="Times New Roman"/>
+                        <a:cs typeface="Times New Roman"/>
+                      </a:endParaRPr>
+                    </a:p>
+                  </a:txBody>
+                  <a:tcPr marL="34925" marR="34925" marT="34925" marB="34925"/>
+                </a:tc>
+                <a:tc>
+                  <a:txBody>
+                    <a:bodyPr/>
+                    <a:lstStyle/>
+                    <a:p>
+                      <a:pPr>
+                        <a:spcAft>
+                          <a:spcPts val="800"/>
+                        </a:spcAft>
+                      </a:pPr>
+                      <a:r>
+                        <a:rPr lang="es-AR" sz="1800">
+                          <a:effectLst/>
+                        </a:rPr>
+                        <a:t>1,728</a:t>
+                      </a:r>
+                      <a:endParaRPr lang="es-AR" sz="2000">
+                        <a:effectLst/>
+                        <a:latin typeface="Verdana"/>
+                        <a:ea typeface="Times New Roman"/>
+                        <a:cs typeface="Times New Roman"/>
+                      </a:endParaRPr>
+                    </a:p>
+                  </a:txBody>
+                  <a:tcPr marL="34925" marR="34925" marT="34925" marB="34925"/>
+                </a:tc>
+                <a:tc>
+                  <a:txBody>
+                    <a:bodyPr/>
+                    <a:lstStyle/>
+                    <a:p>
+                      <a:pPr>
+                        <a:spcAft>
+                          <a:spcPts val="800"/>
+                        </a:spcAft>
+                      </a:pPr>
+                      <a:r>
+                        <a:rPr lang="es-AR" sz="1800">
+                          <a:effectLst/>
+                        </a:rPr>
+                        <a:t>2,0736</a:t>
+                      </a:r>
+                      <a:endParaRPr lang="es-AR" sz="2000">
+                        <a:effectLst/>
+                        <a:latin typeface="Verdana"/>
+                        <a:ea typeface="Times New Roman"/>
+                        <a:cs typeface="Times New Roman"/>
+                      </a:endParaRPr>
+                    </a:p>
+                  </a:txBody>
+                  <a:tcPr marL="34925" marR="34925" marT="34925" marB="34925"/>
+                </a:tc>
+                <a:tc>
+                  <a:txBody>
+                    <a:bodyPr/>
+                    <a:lstStyle/>
+                    <a:p>
+                      <a:pPr>
+                        <a:spcAft>
+                          <a:spcPts val="800"/>
+                        </a:spcAft>
+                      </a:pPr>
+                      <a:r>
+                        <a:rPr lang="es-AR" sz="1800" dirty="0">
+                          <a:effectLst/>
+                        </a:rPr>
+                        <a:t>7,4416</a:t>
+                      </a:r>
+                      <a:endParaRPr lang="es-AR" sz="2000" dirty="0">
+                        <a:effectLst/>
+                        <a:latin typeface="Verdana"/>
+                        <a:ea typeface="Times New Roman"/>
+                        <a:cs typeface="Times New Roman"/>
+                      </a:endParaRPr>
+                    </a:p>
+                  </a:txBody>
+                  <a:tcPr marL="34925" marR="34925" marT="34925" marB="34925"/>
+                </a:tc>
+              </a:tr>
+              <a:tr h="0">
+                <a:tc>
+                  <a:txBody>
+                    <a:bodyPr/>
+                    <a:lstStyle/>
+                    <a:p>
+                      <a:pPr>
+                        <a:spcAft>
+                          <a:spcPts val="800"/>
+                        </a:spcAft>
+                      </a:pPr>
+                      <a:r>
+                        <a:rPr lang="es-AR" sz="1800">
+                          <a:effectLst/>
+                        </a:rPr>
+                        <a:t>GB</a:t>
+                      </a:r>
+                      <a:endParaRPr lang="es-AR" sz="2000">
+                        <a:effectLst/>
+                        <a:latin typeface="Verdana"/>
+                        <a:ea typeface="Times New Roman"/>
+                        <a:cs typeface="Times New Roman"/>
+                      </a:endParaRPr>
+                    </a:p>
+                  </a:txBody>
+                  <a:tcPr marL="34925" marR="34925" marT="34925" marB="34925"/>
+                </a:tc>
+                <a:tc>
+                  <a:txBody>
+                    <a:bodyPr/>
+                    <a:lstStyle/>
+                    <a:p>
+                      <a:pPr>
+                        <a:spcAft>
+                          <a:spcPts val="800"/>
+                        </a:spcAft>
+                      </a:pPr>
+                      <a:r>
+                        <a:rPr lang="es-AR" sz="1800">
+                          <a:effectLst/>
+                        </a:rPr>
+                        <a:t>30</a:t>
+                      </a:r>
+                      <a:endParaRPr lang="es-AR" sz="2000">
+                        <a:effectLst/>
+                        <a:latin typeface="Verdana"/>
+                        <a:ea typeface="Times New Roman"/>
+                        <a:cs typeface="Times New Roman"/>
+                      </a:endParaRPr>
+                    </a:p>
+                  </a:txBody>
+                  <a:tcPr marL="34925" marR="34925" marT="34925" marB="34925"/>
+                </a:tc>
+                <a:tc>
+                  <a:txBody>
+                    <a:bodyPr/>
+                    <a:lstStyle/>
+                    <a:p>
+                      <a:pPr>
+                        <a:spcAft>
+                          <a:spcPts val="800"/>
+                        </a:spcAft>
+                      </a:pPr>
+                      <a:r>
+                        <a:rPr lang="es-AR" sz="1800">
+                          <a:effectLst/>
+                        </a:rPr>
+                        <a:t>36</a:t>
+                      </a:r>
+                      <a:endParaRPr lang="es-AR" sz="2000">
+                        <a:effectLst/>
+                        <a:latin typeface="Verdana"/>
+                        <a:ea typeface="Times New Roman"/>
+                        <a:cs typeface="Times New Roman"/>
+                      </a:endParaRPr>
+                    </a:p>
+                  </a:txBody>
+                  <a:tcPr marL="34925" marR="34925" marT="34925" marB="34925"/>
+                </a:tc>
+                <a:tc>
+                  <a:txBody>
+                    <a:bodyPr/>
+                    <a:lstStyle/>
+                    <a:p>
+                      <a:pPr>
+                        <a:spcAft>
+                          <a:spcPts val="800"/>
+                        </a:spcAft>
+                      </a:pPr>
+                      <a:r>
+                        <a:rPr lang="es-AR" sz="1800">
+                          <a:effectLst/>
+                        </a:rPr>
+                        <a:t>43,2</a:t>
+                      </a:r>
+                      <a:endParaRPr lang="es-AR" sz="2000">
+                        <a:effectLst/>
+                        <a:latin typeface="Verdana"/>
+                        <a:ea typeface="Times New Roman"/>
+                        <a:cs typeface="Times New Roman"/>
+                      </a:endParaRPr>
+                    </a:p>
+                  </a:txBody>
+                  <a:tcPr marL="34925" marR="34925" marT="34925" marB="34925"/>
+                </a:tc>
+                <a:tc>
+                  <a:txBody>
+                    <a:bodyPr/>
+                    <a:lstStyle/>
+                    <a:p>
+                      <a:pPr>
+                        <a:spcAft>
+                          <a:spcPts val="800"/>
+                        </a:spcAft>
+                      </a:pPr>
+                      <a:r>
+                        <a:rPr lang="es-AR" sz="1800">
+                          <a:effectLst/>
+                        </a:rPr>
+                        <a:t>51,84</a:t>
+                      </a:r>
+                      <a:endParaRPr lang="es-AR" sz="2000">
+                        <a:effectLst/>
+                        <a:latin typeface="Verdana"/>
+                        <a:ea typeface="Times New Roman"/>
+                        <a:cs typeface="Times New Roman"/>
+                      </a:endParaRPr>
+                    </a:p>
+                  </a:txBody>
+                  <a:tcPr marL="34925" marR="34925" marT="34925" marB="34925"/>
+                </a:tc>
+                <a:tc>
+                  <a:txBody>
+                    <a:bodyPr/>
+                    <a:lstStyle/>
+                    <a:p>
+                      <a:pPr>
+                        <a:spcAft>
+                          <a:spcPts val="800"/>
+                        </a:spcAft>
+                      </a:pPr>
+                      <a:r>
+                        <a:rPr lang="es-AR" sz="1800">
+                          <a:effectLst/>
+                        </a:rPr>
+                        <a:t>62,208</a:t>
+                      </a:r>
+                      <a:endParaRPr lang="es-AR" sz="2000">
+                        <a:effectLst/>
+                        <a:latin typeface="Verdana"/>
+                        <a:ea typeface="Times New Roman"/>
+                        <a:cs typeface="Times New Roman"/>
+                      </a:endParaRPr>
+                    </a:p>
+                  </a:txBody>
+                  <a:tcPr marL="34925" marR="34925" marT="34925" marB="34925"/>
+                </a:tc>
+                <a:tc>
+                  <a:txBody>
+                    <a:bodyPr/>
+                    <a:lstStyle/>
+                    <a:p>
+                      <a:pPr>
+                        <a:spcAft>
+                          <a:spcPts val="800"/>
+                        </a:spcAft>
+                      </a:pPr>
+                      <a:r>
+                        <a:rPr lang="es-AR" sz="1800" dirty="0">
+                          <a:effectLst/>
+                        </a:rPr>
+                        <a:t>233,248</a:t>
+                      </a:r>
+                      <a:endParaRPr lang="es-AR" sz="2000" dirty="0">
+                        <a:effectLst/>
+                        <a:latin typeface="Verdana"/>
+                        <a:ea typeface="Times New Roman"/>
+                        <a:cs typeface="Times New Roman"/>
+                      </a:endParaRPr>
+                    </a:p>
+                  </a:txBody>
+                  <a:tcPr marL="34925" marR="34925" marT="34925" marB="34925"/>
+                </a:tc>
+              </a:tr>
+            </a:tbl>
+          </a:graphicData>
+        </a:graphic>
+      </p:graphicFrame>
+      <p:sp>
+        <p:nvSpPr>
+          <p:cNvPr id="7" name="TextBox 6"/>
+          <p:cNvSpPr txBox="1"/>
           <p:nvPr/>
-        </p:nvPicPr>
-        <p:blipFill>
-          <a:blip r:embed="rId2">
-            <a:extLst>
-              <a:ext uri="{28A0092B-C50C-407E-A947-70E740481C1C}">
-                <a14:useLocalDpi xmlns:a14="http://schemas.microsoft.com/office/drawing/2010/main" val="0"/>
-              </a:ext>
-            </a:extLst>
-          </a:blip>
-          <a:srcRect l="31799" t="27444" r="19695" b="12321"/>
-          <a:stretch>
-            <a:fillRect/>
-          </a:stretch>
-        </p:blipFill>
-        <p:spPr bwMode="auto">
+        </p:nvSpPr>
+        <p:spPr>
           <a:xfrm>
-            <a:off x="971600" y="620688"/>
-            <a:ext cx="7778999" cy="5495702"/>
+            <a:off x="899592" y="3068960"/>
+            <a:ext cx="7416824" cy="369332"/>
           </a:xfrm>
           <a:prstGeom prst="rect">
             <a:avLst/>
           </a:prstGeom>
-          <a:solidFill>
-            <a:srgbClr val="FFFFFF">
-              <a:alpha val="0"/>
-            </a:srgbClr>
-          </a:solidFill>
-          <a:ln>
-            <a:noFill/>
-          </a:ln>
-          <a:extLst>
-            <a:ext uri="{91240B29-F687-4F45-9708-019B960494DF}">
-              <a14:hiddenLine xmlns:a14="http://schemas.microsoft.com/office/drawing/2010/main" w="9525">
-                <a:solidFill>
-                  <a:srgbClr val="000000"/>
-                </a:solidFill>
-                <a:miter lim="800000"/>
-                <a:headEnd/>
-                <a:tailEnd/>
-              </a14:hiddenLine>
-            </a:ext>
-          </a:extLst>
+          <a:noFill/>
         </p:spPr>
-      </p:pic>
+        <p:txBody>
+          <a:bodyPr wrap="square" rtlCol="0">
+            <a:spAutoFit/>
+          </a:bodyPr>
+          <a:lstStyle/>
+          <a:p>
+            <a:r>
+              <a:rPr lang="es-AR" dirty="0" smtClean="0"/>
+              <a:t>Se Espera un crecimiento total en 5 años de aproximadamente 250 </a:t>
+            </a:r>
+            <a:r>
+              <a:rPr lang="es-AR" dirty="0" err="1" smtClean="0"/>
+              <a:t>gb</a:t>
+            </a:r>
+            <a:r>
+              <a:rPr lang="es-AR" dirty="0" smtClean="0"/>
+              <a:t>.</a:t>
+            </a:r>
+            <a:endParaRPr lang="es-AR" dirty="0"/>
+          </a:p>
+        </p:txBody>
+      </p:sp>
     </p:spTree>
     <p:extLst>
       <p:ext uri="{BB962C8B-B14F-4D97-AF65-F5344CB8AC3E}">
-        <p14:creationId xmlns:p14="http://schemas.microsoft.com/office/powerpoint/2010/main" val="2913108884"/>
+        <p14:creationId xmlns:p14="http://schemas.microsoft.com/office/powerpoint/2010/main" val="2431889775"/>
       </p:ext>
     </p:extLst>
   </p:cSld>
@@ -8650,7 +9261,7 @@
           <a:p>
             <a:r>
               <a:rPr lang="es-AR" dirty="0" smtClean="0"/>
-              <a:t>Infraestructura Interna - Servidores</a:t>
+              <a:t>Sistema Operativo de Servidores</a:t>
             </a:r>
             <a:endParaRPr lang="es-AR" dirty="0"/>
           </a:p>
@@ -8666,260 +9277,131 @@
             <p:ph idx="1"/>
           </p:nvPr>
         </p:nvSpPr>
-        <p:spPr>
-          <a:xfrm>
-            <a:off x="722313" y="1052737"/>
-            <a:ext cx="7888287" cy="4967064"/>
-          </a:xfrm>
-        </p:spPr>
+        <p:spPr/>
         <p:txBody>
           <a:bodyPr/>
           <a:lstStyle/>
           <a:p>
-            <a:pPr marL="0" indent="0" algn="ctr">
-              <a:buNone/>
-            </a:pPr>
-            <a:r>
-              <a:rPr lang="es-AR" sz="1600" b="1" dirty="0" smtClean="0"/>
-              <a:t>Servidor 1: Herramientas Anexas</a:t>
-            </a:r>
-          </a:p>
-          <a:p>
-            <a:pPr marL="0" indent="0" algn="ctr">
-              <a:buNone/>
-            </a:pPr>
-            <a:endParaRPr lang="es-AR" sz="1600" dirty="0"/>
-          </a:p>
-          <a:p>
-            <a:pPr lvl="0"/>
-            <a:r>
-              <a:rPr lang="en-US" sz="1600" b="1" u="sng" dirty="0" smtClean="0"/>
-              <a:t>Roles:</a:t>
-            </a:r>
-            <a:endParaRPr lang="en-US" sz="1600" dirty="0"/>
-          </a:p>
-          <a:p>
-            <a:pPr lvl="1"/>
-            <a:r>
-              <a:rPr lang="es-AR" sz="1600" b="1" dirty="0" smtClean="0"/>
-              <a:t>Email</a:t>
-            </a:r>
-            <a:r>
-              <a:rPr lang="es-AR" sz="1600" dirty="0"/>
-              <a:t>: Se instalará un servidor </a:t>
-            </a:r>
-            <a:r>
-              <a:rPr lang="es-AR" sz="1600" dirty="0" err="1"/>
-              <a:t>Postfix</a:t>
-            </a:r>
-            <a:r>
-              <a:rPr lang="es-AR" sz="1600" dirty="0"/>
-              <a:t> con soporte de protocolos SMTP e IMAP,</a:t>
-            </a:r>
-          </a:p>
-          <a:p>
-            <a:pPr lvl="1"/>
-            <a:r>
-              <a:rPr lang="es-AR" sz="1600" b="1" dirty="0" err="1"/>
-              <a:t>Networking</a:t>
-            </a:r>
-            <a:r>
-              <a:rPr lang="es-AR" sz="1600" dirty="0"/>
-              <a:t>:</a:t>
-            </a:r>
-          </a:p>
-          <a:p>
-            <a:pPr lvl="2"/>
-            <a:r>
-              <a:rPr lang="es-AR" sz="1600" u="sng" dirty="0"/>
-              <a:t>DNS</a:t>
-            </a:r>
-            <a:r>
-              <a:rPr lang="es-AR" sz="1600" dirty="0"/>
-              <a:t>: Bind9 o similar.</a:t>
-            </a:r>
-          </a:p>
-          <a:p>
-            <a:pPr lvl="2"/>
-            <a:r>
-              <a:rPr lang="es-AR" sz="1600" u="sng" dirty="0"/>
-              <a:t>DHCP</a:t>
-            </a:r>
-            <a:r>
-              <a:rPr lang="es-AR" sz="1600" dirty="0"/>
-              <a:t>: Proporcionado por el SO.</a:t>
-            </a:r>
-          </a:p>
-          <a:p>
-            <a:pPr lvl="2"/>
-            <a:r>
-              <a:rPr lang="es-AR" sz="1600" u="sng" dirty="0"/>
-              <a:t>LDAP</a:t>
-            </a:r>
-            <a:r>
-              <a:rPr lang="es-AR" sz="1600" dirty="0"/>
+            <a:r>
+              <a:rPr lang="es-AR" b="1" dirty="0" err="1"/>
+              <a:t>Debian</a:t>
+            </a:r>
+            <a:r>
+              <a:rPr lang="es-AR" b="1" dirty="0"/>
+              <a:t> GNU/Linux 5.0 para servidores</a:t>
+            </a:r>
+            <a:endParaRPr lang="es-AR" dirty="0"/>
+          </a:p>
+          <a:p>
+            <a:r>
+              <a:rPr lang="es-AR" u="sng" dirty="0"/>
+              <a:t>Libre</a:t>
+            </a:r>
+            <a:r>
+              <a:rPr lang="es-AR" dirty="0"/>
+              <a:t>: Al tener la licencia GPL es software libre lo cual asegura transparencia.</a:t>
+            </a:r>
+          </a:p>
+          <a:p>
+            <a:r>
+              <a:rPr lang="es-AR" u="sng" dirty="0"/>
+              <a:t>Calidad</a:t>
+            </a:r>
+            <a:r>
+              <a:rPr lang="es-AR" dirty="0"/>
               <a:t>: </a:t>
             </a:r>
             <a:r>
-              <a:rPr lang="es-AR" sz="1600" dirty="0" err="1"/>
-              <a:t>OpenLDAP</a:t>
-            </a:r>
-            <a:endParaRPr lang="es-AR" sz="1600" dirty="0"/>
-          </a:p>
-          <a:p>
-            <a:pPr lvl="1"/>
-            <a:r>
-              <a:rPr lang="es-AR" sz="1600" b="1" dirty="0"/>
-              <a:t>SCM</a:t>
-            </a:r>
-            <a:r>
-              <a:rPr lang="es-AR" sz="1600" dirty="0"/>
-              <a:t>: </a:t>
-            </a:r>
-            <a:r>
-              <a:rPr lang="es-AR" sz="1600" dirty="0" smtClean="0"/>
-              <a:t>(</a:t>
-            </a:r>
-            <a:r>
-              <a:rPr lang="es-AR" sz="1600" dirty="0" err="1" smtClean="0"/>
-              <a:t>Source</a:t>
-            </a:r>
-            <a:r>
-              <a:rPr lang="es-AR" sz="1600" dirty="0" smtClean="0"/>
-              <a:t> </a:t>
-            </a:r>
-            <a:r>
-              <a:rPr lang="es-AR" sz="1600" dirty="0"/>
-              <a:t>control </a:t>
-            </a:r>
-            <a:r>
-              <a:rPr lang="es-AR" sz="1600" dirty="0" smtClean="0"/>
-              <a:t>manager): </a:t>
-            </a:r>
-            <a:r>
-              <a:rPr lang="es-AR" sz="1600" dirty="0"/>
-              <a:t>se eligió </a:t>
-            </a:r>
-            <a:r>
-              <a:rPr lang="es-AR" sz="1600" dirty="0" err="1"/>
-              <a:t>git</a:t>
-            </a:r>
-            <a:r>
-              <a:rPr lang="es-AR" sz="1600" dirty="0"/>
-              <a:t>. Esta herramienta de versionado es la más avanzada de su clase. Es distribuido, cada desarrollador tiene su propia copia del </a:t>
-            </a:r>
-            <a:r>
-              <a:rPr lang="es-AR" sz="1600" dirty="0" smtClean="0"/>
-              <a:t>código.</a:t>
-            </a:r>
-          </a:p>
-          <a:p>
-            <a:pPr lvl="1"/>
-            <a:r>
-              <a:rPr lang="es-AR" sz="1600" b="1" dirty="0" smtClean="0"/>
-              <a:t>Documentación</a:t>
-            </a:r>
-            <a:r>
-              <a:rPr lang="es-AR" sz="1600" dirty="0"/>
-              <a:t>: Se proporcionará al equipo una herramienta para el intercambio de información rápida e informal, </a:t>
-            </a:r>
-            <a:r>
-              <a:rPr lang="es-AR" sz="1600" dirty="0" err="1"/>
-              <a:t>Twiki</a:t>
-            </a:r>
-            <a:r>
-              <a:rPr lang="es-AR" sz="1600" dirty="0"/>
-              <a:t>.</a:t>
-            </a:r>
-          </a:p>
-          <a:p>
-            <a:pPr lvl="1"/>
-            <a:r>
-              <a:rPr lang="es-AR" sz="1600" b="1" dirty="0"/>
-              <a:t>BTS</a:t>
-            </a:r>
-            <a:r>
-              <a:rPr lang="es-AR" sz="1600" dirty="0"/>
-              <a:t>: El Bug tracking </a:t>
-            </a:r>
-            <a:r>
-              <a:rPr lang="es-AR" sz="1600" dirty="0" err="1"/>
-              <a:t>system</a:t>
-            </a:r>
-            <a:r>
-              <a:rPr lang="es-AR" sz="1600" dirty="0"/>
-              <a:t> seleccionado es Mantis.</a:t>
-            </a:r>
-          </a:p>
-          <a:p>
-            <a:pPr lvl="1"/>
-            <a:r>
-              <a:rPr lang="es-AR" sz="1600" b="1" dirty="0" err="1"/>
-              <a:t>Maven</a:t>
-            </a:r>
-            <a:r>
-              <a:rPr lang="es-AR" sz="1600" dirty="0"/>
-              <a:t>: Se instalará un repositorio local de </a:t>
-            </a:r>
-            <a:r>
-              <a:rPr lang="es-AR" sz="1600" dirty="0" err="1"/>
-              <a:t>Jakarta</a:t>
-            </a:r>
-            <a:r>
-              <a:rPr lang="es-AR" sz="1600" dirty="0"/>
-              <a:t> </a:t>
-            </a:r>
-            <a:r>
-              <a:rPr lang="es-AR" sz="1600" dirty="0" err="1"/>
-              <a:t>Maven</a:t>
-            </a:r>
-            <a:r>
-              <a:rPr lang="es-AR" sz="1600" dirty="0"/>
-              <a:t>, para proveer paquetes de librerías y los paquetes propios de la aplicación</a:t>
-            </a:r>
-            <a:r>
-              <a:rPr lang="es-AR" sz="1600" dirty="0" smtClean="0"/>
-              <a:t>.</a:t>
-            </a:r>
-            <a:endParaRPr lang="es-AR" sz="1600" dirty="0"/>
+              <a:rPr lang="es-AR" dirty="0" err="1"/>
+              <a:t>Debian</a:t>
+            </a:r>
+            <a:r>
+              <a:rPr lang="es-AR" dirty="0"/>
+              <a:t> es reconocido por tener altos estándares de calidad en cuanto a la estabilidad. Se lo considera uno de los sistemas operativos más seguros y estables.</a:t>
+            </a:r>
+          </a:p>
+          <a:p>
+            <a:r>
+              <a:rPr lang="es-AR" u="sng" dirty="0"/>
+              <a:t>Mantenimiento</a:t>
+            </a:r>
+            <a:r>
+              <a:rPr lang="es-AR" dirty="0"/>
+              <a:t>: El uso de un administrador de paquetes permite que el mantenimiento sea sencillo y versátil.</a:t>
+            </a:r>
+          </a:p>
+          <a:p>
+            <a:r>
+              <a:rPr lang="es-AR" u="sng" dirty="0"/>
+              <a:t>Ciclo de </a:t>
+            </a:r>
+            <a:r>
+              <a:rPr lang="es-AR" u="sng" dirty="0" err="1"/>
+              <a:t>release</a:t>
+            </a:r>
+            <a:r>
+              <a:rPr lang="es-AR" dirty="0"/>
+              <a:t>: La versión 5 es actualmente la versión estable, lo que asegura, según las políticas de </a:t>
+            </a:r>
+            <a:r>
+              <a:rPr lang="es-AR" dirty="0" err="1"/>
+              <a:t>Debian</a:t>
+            </a:r>
+            <a:r>
+              <a:rPr lang="es-AR"/>
+              <a:t>, que cualquier actualización será de estabilidad, rendimiento o seguridad y nunca se agregarán nuevas funcionalidades que puedan romper con la compatibilidad hacia atrás.</a:t>
+            </a:r>
           </a:p>
           <a:p>
             <a:endParaRPr lang="es-AR" dirty="0"/>
           </a:p>
         </p:txBody>
       </p:sp>
-      <p:sp>
-        <p:nvSpPr>
-          <p:cNvPr id="5" name="Text Placeholder 3"/>
-          <p:cNvSpPr>
-            <a:spLocks noGrp="1"/>
-          </p:cNvSpPr>
-          <p:nvPr>
-            <p:ph type="body" sz="quarter" idx="13"/>
-          </p:nvPr>
-        </p:nvSpPr>
-        <p:spPr>
+      <p:pic>
+        <p:nvPicPr>
+          <p:cNvPr id="2054" name="Picture 6" descr="http://t0.gstatic.com/images?q=tbn:ANd9GcRiNGmEdF5vG3IEyLg8_1b4K8ubGe_jMtSVkY5RX_MZBI3Utgk&amp;t=1&amp;usg=__6cDcqhWwjZLnD2blmIeE_sWK5Xo="/>
+          <p:cNvPicPr>
+            <a:picLocks noChangeAspect="1" noChangeArrowheads="1"/>
+          </p:cNvPicPr>
+          <p:nvPr/>
+        </p:nvPicPr>
+        <p:blipFill>
+          <a:blip r:embed="rId2">
+            <a:extLst>
+              <a:ext uri="{28A0092B-C50C-407E-A947-70E740481C1C}">
+                <a14:useLocalDpi xmlns:a14="http://schemas.microsoft.com/office/drawing/2010/main" val="0"/>
+              </a:ext>
+            </a:extLst>
+          </a:blip>
+          <a:srcRect/>
+          <a:stretch>
+            <a:fillRect/>
+          </a:stretch>
+        </p:blipFill>
+        <p:spPr bwMode="auto">
           <a:xfrm>
-            <a:off x="475488" y="640080"/>
-            <a:ext cx="8449056" cy="228600"/>
+            <a:off x="7350590" y="4077072"/>
+            <a:ext cx="1380714" cy="1986162"/>
           </a:xfrm>
+          <a:prstGeom prst="rect">
+            <a:avLst/>
+          </a:prstGeom>
+          <a:noFill/>
+          <a:extLst>
+            <a:ext uri="{909E8E84-426E-40DD-AFC4-6F175D3DCCD1}">
+              <a14:hiddenFill xmlns:a14="http://schemas.microsoft.com/office/drawing/2010/main">
+                <a:solidFill>
+                  <a:srgbClr val="FFFFFF"/>
+                </a:solidFill>
+              </a14:hiddenFill>
+            </a:ext>
+          </a:extLst>
         </p:spPr>
-        <p:txBody>
-          <a:bodyPr/>
-          <a:lstStyle/>
-          <a:p>
-            <a:r>
-              <a:rPr lang="es-AR" dirty="0" smtClean="0"/>
-              <a:t>Contara con 2 Servidores Principales</a:t>
-            </a:r>
-            <a:endParaRPr lang="es-AR" dirty="0"/>
-          </a:p>
-        </p:txBody>
-      </p:sp>
+      </p:pic>
     </p:spTree>
     <p:extLst>
       <p:ext uri="{BB962C8B-B14F-4D97-AF65-F5344CB8AC3E}">
-        <p14:creationId xmlns:p14="http://schemas.microsoft.com/office/powerpoint/2010/main" val="2942693383"/>
+        <p14:creationId xmlns:p14="http://schemas.microsoft.com/office/powerpoint/2010/main" val="3923392858"/>
       </p:ext>
     </p:extLst>
   </p:cSld>
@@ -8961,10 +9443,16 @@
           <a:bodyPr/>
           <a:lstStyle/>
           <a:p>
-            <a:r>
-              <a:rPr lang="es-AR" dirty="0"/>
-              <a:t>Infraestructura Interna - Servidores</a:t>
-            </a:r>
+            <a:pPr lvl="1"/>
+            <a:r>
+              <a:rPr lang="x-none" sz="1600" b="1"/>
+              <a:t>Integración Con Sistema de </a:t>
+            </a:r>
+            <a:r>
+              <a:rPr lang="x-none" sz="1600" b="1" smtClean="0"/>
+              <a:t>Comunicaciones</a:t>
+            </a:r>
+            <a:endParaRPr lang="es-AR" dirty="0"/>
           </a:p>
         </p:txBody>
       </p:sp>
@@ -8980,145 +9468,258 @@
         </p:nvSpPr>
         <p:spPr>
           <a:xfrm>
-            <a:off x="722313" y="1052735"/>
-            <a:ext cx="7888287" cy="4967065"/>
+            <a:off x="755576" y="764704"/>
+            <a:ext cx="7888287" cy="5400600"/>
           </a:xfrm>
         </p:spPr>
         <p:txBody>
           <a:bodyPr/>
           <a:lstStyle/>
           <a:p>
-            <a:pPr marL="0" indent="0" algn="ctr">
-              <a:buNone/>
-            </a:pPr>
-            <a:r>
-              <a:rPr lang="es-ES_tradnl" sz="1600" b="1" dirty="0"/>
-              <a:t>Servidor </a:t>
-            </a:r>
-            <a:r>
-              <a:rPr lang="es-ES_tradnl" sz="1600" b="1" dirty="0" smtClean="0"/>
-              <a:t>2: Ambiente Producción </a:t>
-            </a:r>
-            <a:r>
-              <a:rPr lang="es-ES_tradnl" sz="1600" b="1" dirty="0" err="1" smtClean="0"/>
-              <a:t>Virtualizado</a:t>
-            </a:r>
-            <a:endParaRPr lang="es-ES_tradnl" sz="1600" b="1" dirty="0" smtClean="0"/>
-          </a:p>
-          <a:p>
-            <a:pPr marL="0" indent="0" algn="ctr">
-              <a:buNone/>
-            </a:pPr>
-            <a:endParaRPr lang="es-AR" sz="1600" dirty="0"/>
-          </a:p>
-          <a:p>
-            <a:r>
-              <a:rPr lang="es-ES_tradnl" sz="1600" b="1" u="sng" dirty="0"/>
-              <a:t>Roles:</a:t>
-            </a:r>
-            <a:r>
-              <a:rPr lang="es-ES_tradnl" sz="1600" dirty="0"/>
-              <a:t> Entorno de Desarrollo mediante virtualización </a:t>
-            </a:r>
-            <a:r>
-              <a:rPr lang="es-ES_tradnl" sz="1600" dirty="0" smtClean="0"/>
-              <a:t>con </a:t>
-            </a:r>
-            <a:r>
-              <a:rPr lang="es-ES_tradnl" sz="1600" b="1" dirty="0" smtClean="0"/>
-              <a:t>XEN</a:t>
-            </a:r>
-            <a:r>
-              <a:rPr lang="es-ES_tradnl" sz="1600" dirty="0" smtClean="0"/>
+            <a:r>
+              <a:rPr lang="es-AR" sz="1600" dirty="0" smtClean="0"/>
+              <a:t>La </a:t>
+            </a:r>
+            <a:r>
+              <a:rPr lang="es-AR" sz="1600" dirty="0"/>
+              <a:t>integración será a nivel del cliente usando el control (no visual) </a:t>
+            </a:r>
+            <a:r>
+              <a:rPr lang="es-AR" sz="1600" dirty="0" err="1"/>
+              <a:t>Presence</a:t>
+            </a:r>
+            <a:r>
+              <a:rPr lang="es-AR" sz="1600" dirty="0"/>
+              <a:t> CRM </a:t>
+            </a:r>
+            <a:r>
+              <a:rPr lang="es-AR" sz="1600" dirty="0" err="1"/>
+              <a:t>Optimizer</a:t>
+            </a:r>
+            <a:r>
+              <a:rPr lang="es-AR" sz="1600" dirty="0"/>
+              <a:t> ActiveX (PresenceInterfaceX.ocx) y </a:t>
+            </a:r>
+            <a:r>
+              <a:rPr lang="es-AR" sz="1600" dirty="0" err="1"/>
+              <a:t>Presence</a:t>
+            </a:r>
+            <a:r>
+              <a:rPr lang="es-AR" sz="1600" dirty="0"/>
+              <a:t> </a:t>
+            </a:r>
+            <a:r>
+              <a:rPr lang="es-AR" sz="1600" dirty="0" err="1"/>
+              <a:t>Agent</a:t>
+            </a:r>
+            <a:r>
+              <a:rPr lang="es-AR" sz="1600" dirty="0"/>
               <a:t>.</a:t>
             </a:r>
-            <a:endParaRPr lang="es-AR" sz="1600" dirty="0"/>
+          </a:p>
+          <a:p>
+            <a:r>
+              <a:rPr lang="es-AR" sz="1600" dirty="0"/>
+              <a:t>Se utilizará un Bridge open </a:t>
+            </a:r>
+            <a:r>
+              <a:rPr lang="es-AR" sz="1600" dirty="0" err="1"/>
+              <a:t>source</a:t>
+            </a:r>
+            <a:r>
+              <a:rPr lang="es-AR" sz="1600" dirty="0"/>
+              <a:t> ( “</a:t>
+            </a:r>
+            <a:r>
+              <a:rPr lang="es-AR" sz="1600" dirty="0" err="1"/>
+              <a:t>ComfyJ</a:t>
+            </a:r>
+            <a:r>
+              <a:rPr lang="es-AR" sz="1600" dirty="0"/>
+              <a:t>” por ejemplo ) para poder utilizar los controles </a:t>
+            </a:r>
+            <a:r>
+              <a:rPr lang="es-AR" sz="1600" dirty="0" err="1"/>
+              <a:t>Activex</a:t>
+            </a:r>
+            <a:r>
+              <a:rPr lang="es-AR" sz="1600" dirty="0"/>
+              <a:t> desde la aplicación STARS (Java).</a:t>
+            </a:r>
+          </a:p>
+          <a:p>
+            <a:r>
+              <a:rPr lang="es-AR" sz="1600" dirty="0"/>
+              <a:t>Con está integración el </a:t>
+            </a:r>
+            <a:r>
+              <a:rPr lang="es-AR" sz="1600" dirty="0" err="1"/>
+              <a:t>tratamineto</a:t>
+            </a:r>
+            <a:r>
+              <a:rPr lang="es-AR" sz="1600" dirty="0"/>
+              <a:t> de la llamada será realizado a través del </a:t>
+            </a:r>
+            <a:r>
+              <a:rPr lang="es-AR" sz="1600" dirty="0" err="1"/>
+              <a:t>Presence</a:t>
+            </a:r>
+            <a:r>
+              <a:rPr lang="es-AR" sz="1600" dirty="0"/>
+              <a:t> </a:t>
+            </a:r>
+            <a:r>
+              <a:rPr lang="es-AR" sz="1600" dirty="0" err="1"/>
+              <a:t>Agent</a:t>
+            </a:r>
+            <a:r>
+              <a:rPr lang="es-AR" sz="1600" dirty="0"/>
+              <a:t> </a:t>
+            </a:r>
+            <a:r>
+              <a:rPr lang="es-AR" sz="1600" dirty="0" err="1"/>
+              <a:t>Toolbar</a:t>
+            </a:r>
+            <a:r>
+              <a:rPr lang="es-AR" sz="1600" dirty="0"/>
+              <a:t>. El sistema STARS recibirá el evento de la llamada entrante a través de la API propuesta por </a:t>
+            </a:r>
+            <a:r>
+              <a:rPr lang="es-AR" sz="1600" dirty="0" err="1"/>
+              <a:t>Presence</a:t>
+            </a:r>
+            <a:r>
+              <a:rPr lang="es-AR" sz="1600" dirty="0"/>
+              <a:t>.</a:t>
+            </a:r>
+          </a:p>
+          <a:p>
+            <a:endParaRPr lang="es-AR" sz="1600" dirty="0" smtClean="0"/>
+          </a:p>
+          <a:p>
+            <a:r>
+              <a:rPr lang="es-AR" sz="1600" dirty="0" smtClean="0"/>
+              <a:t>Ventajas </a:t>
+            </a:r>
+            <a:r>
+              <a:rPr lang="es-AR" sz="1600" dirty="0"/>
+              <a:t>de esta integración:</a:t>
+            </a:r>
           </a:p>
           <a:p>
             <a:pPr lvl="1"/>
             <a:r>
-              <a:rPr lang="es-ES_tradnl" sz="1600" dirty="0"/>
-              <a:t>Se configurarán varias máquinas virtuales para crear ambientes de desarrollo y </a:t>
-            </a:r>
-            <a:r>
-              <a:rPr lang="es-ES_tradnl" sz="1600" dirty="0" err="1"/>
-              <a:t>testing</a:t>
-            </a:r>
-            <a:r>
-              <a:rPr lang="es-ES_tradnl" sz="1600" dirty="0"/>
-              <a:t>. </a:t>
-            </a:r>
-            <a:endParaRPr lang="es-ES_tradnl" sz="1600" dirty="0" smtClean="0"/>
-          </a:p>
-          <a:p>
-            <a:pPr marL="228600" lvl="1" indent="0">
-              <a:buNone/>
-            </a:pPr>
-            <a:endParaRPr lang="es-ES_tradnl" sz="1600" dirty="0" smtClean="0"/>
+              <a:rPr lang="es-AR" sz="1600" dirty="0"/>
+              <a:t>Mínimo impacto en la adaptación de la aplicación STARS para su integración con </a:t>
+            </a:r>
+            <a:r>
+              <a:rPr lang="es-AR" sz="1600" dirty="0" err="1"/>
+              <a:t>Presence</a:t>
+            </a:r>
+            <a:r>
+              <a:rPr lang="es-AR" sz="1600" dirty="0"/>
+              <a:t> CRM </a:t>
+            </a:r>
+            <a:r>
+              <a:rPr lang="es-AR" sz="1600" dirty="0" err="1"/>
+              <a:t>Optimizer</a:t>
+            </a:r>
+            <a:r>
+              <a:rPr lang="es-AR" sz="1600" dirty="0"/>
+              <a:t>.</a:t>
+            </a:r>
           </a:p>
           <a:p>
             <a:pPr lvl="1"/>
             <a:r>
-              <a:rPr lang="es-AR" sz="1600" b="1" dirty="0" smtClean="0"/>
-              <a:t>Ambiente </a:t>
-            </a:r>
-            <a:r>
-              <a:rPr lang="es-AR" sz="1600" b="1" dirty="0"/>
-              <a:t>de Desarrollo</a:t>
-            </a:r>
-            <a:r>
               <a:rPr lang="es-AR" sz="1600" dirty="0"/>
-              <a:t>: Se mantendrá un ambiente de aplicaciones similar al productivo pero que estará a disposición de los desarrolladores para probar el sistema.</a:t>
+              <a:t>No es necesaria la integración CTI en la aplicación STARS.</a:t>
             </a:r>
           </a:p>
           <a:p>
             <a:pPr lvl="1"/>
             <a:r>
-              <a:rPr lang="es-AR" sz="1600" b="1" dirty="0"/>
-              <a:t>Ambiente de QA</a:t>
-            </a:r>
-            <a:r>
               <a:rPr lang="es-AR" sz="1600" dirty="0"/>
-              <a:t>: Similar al de desarrollo pero se utilizará para el </a:t>
+              <a:t>Únicamente se deben programar los eventos del ActiveX necesarios para realizar el </a:t>
             </a:r>
             <a:r>
               <a:rPr lang="es-AR" sz="1600" dirty="0" err="1"/>
-              <a:t>testing</a:t>
+              <a:t>screen</a:t>
             </a:r>
             <a:r>
               <a:rPr lang="es-AR" sz="1600" dirty="0"/>
-              <a:t> integral de la aplicación y deberá mantenerse estable, las versiones que pasen los test en este ambiente se consideraran lo suficientemente estable para ser instalados en producción.</a:t>
+              <a:t> </a:t>
+            </a:r>
+            <a:r>
+              <a:rPr lang="es-AR" sz="1600" dirty="0" err="1"/>
+              <a:t>popup</a:t>
+            </a:r>
+            <a:r>
+              <a:rPr lang="es-AR" sz="1600" dirty="0"/>
+              <a:t>.</a:t>
             </a:r>
           </a:p>
           <a:p>
             <a:pPr lvl="1"/>
             <a:r>
-              <a:rPr lang="es-AR" sz="1600" b="1" dirty="0"/>
-              <a:t>Base de datos</a:t>
-            </a:r>
-            <a:r>
               <a:rPr lang="es-AR" sz="1600" dirty="0"/>
-              <a:t>: Se instalará la misma base de datos seleccionada para el sistema. Se utilizará para desarrollo y </a:t>
+              <a:t>Permite realizar una integración rápida y sencilla.</a:t>
+            </a:r>
+          </a:p>
+          <a:p>
+            <a:pPr lvl="1"/>
+            <a:r>
+              <a:rPr lang="es-AR" sz="1600" dirty="0"/>
+              <a:t>Permite mejor detección y corrección de problemas. </a:t>
+            </a:r>
+            <a:endParaRPr lang="es-AR" sz="1600" dirty="0" smtClean="0"/>
+          </a:p>
+          <a:p>
+            <a:pPr lvl="1"/>
+            <a:r>
+              <a:rPr lang="es-AR" sz="1600" dirty="0" smtClean="0"/>
+              <a:t>Disponibilidad </a:t>
+            </a:r>
+            <a:r>
+              <a:rPr lang="es-AR" sz="1600" dirty="0"/>
+              <a:t>de la funcionalidad estándar incorporada en la barra de </a:t>
             </a:r>
             <a:r>
               <a:rPr lang="es-AR" sz="1600" dirty="0" err="1"/>
-              <a:t>testing</a:t>
+              <a:t>Presence</a:t>
+            </a:r>
+            <a:r>
+              <a:rPr lang="es-AR" sz="1600" dirty="0"/>
+              <a:t> </a:t>
+            </a:r>
+            <a:r>
+              <a:rPr lang="es-AR" sz="1600" dirty="0" err="1"/>
+              <a:t>Agent</a:t>
+            </a:r>
+            <a:r>
+              <a:rPr lang="es-AR" sz="1600" dirty="0"/>
+              <a:t>, como puede ser: consulta de histórico de llamada del cliente, </a:t>
+            </a:r>
+            <a:r>
+              <a:rPr lang="es-AR" sz="1600" dirty="0" err="1"/>
+              <a:t>softphone</a:t>
+            </a:r>
+            <a:r>
+              <a:rPr lang="es-AR" sz="1600" dirty="0"/>
+              <a:t>, agendas de teléfonos, comunicados internos, etc</a:t>
             </a:r>
             <a:r>
               <a:rPr lang="es-AR" sz="1600" dirty="0" smtClean="0"/>
               <a:t>.</a:t>
             </a:r>
             <a:endParaRPr lang="es-AR" sz="1600" dirty="0"/>
-          </a:p>
-          <a:p>
-            <a:endParaRPr lang="es-AR" dirty="0"/>
           </a:p>
         </p:txBody>
       </p:sp>
     </p:spTree>
     <p:extLst>
       <p:ext uri="{BB962C8B-B14F-4D97-AF65-F5344CB8AC3E}">
-        <p14:creationId xmlns:p14="http://schemas.microsoft.com/office/powerpoint/2010/main" val="3786510650"/>
+        <p14:creationId xmlns:p14="http://schemas.microsoft.com/office/powerpoint/2010/main" val="2692732909"/>
       </p:ext>
     </p:extLst>
   </p:cSld>
@@ -9161,1417 +9762,8 @@
           <a:lstStyle/>
           <a:p>
             <a:r>
-              <a:rPr lang="es-AR" dirty="0" err="1" smtClean="0"/>
-              <a:t>Pc´s</a:t>
-            </a:r>
-            <a:r>
               <a:rPr lang="es-AR" dirty="0" smtClean="0"/>
-              <a:t> Para Desarrollo</a:t>
-            </a:r>
-            <a:endParaRPr lang="es-AR" dirty="0"/>
-          </a:p>
-        </p:txBody>
-      </p:sp>
-      <p:sp>
-        <p:nvSpPr>
-          <p:cNvPr id="3" name="Content Placeholder 2"/>
-          <p:cNvSpPr>
-            <a:spLocks noGrp="1"/>
-          </p:cNvSpPr>
-          <p:nvPr>
-            <p:ph idx="1"/>
-          </p:nvPr>
-        </p:nvSpPr>
-        <p:spPr>
-          <a:xfrm>
-            <a:off x="722313" y="980729"/>
-            <a:ext cx="7888287" cy="5039072"/>
-          </a:xfrm>
-        </p:spPr>
-        <p:txBody>
-          <a:bodyPr/>
-          <a:lstStyle/>
-          <a:p>
-            <a:r>
-              <a:rPr lang="es-AR" dirty="0" smtClean="0"/>
-              <a:t>Serán necesarias 7 </a:t>
-            </a:r>
-            <a:r>
-              <a:rPr lang="es-AR" dirty="0" err="1" smtClean="0"/>
-              <a:t>pcs</a:t>
-            </a:r>
-            <a:r>
-              <a:rPr lang="es-AR" dirty="0" smtClean="0"/>
-              <a:t> para el equipo de trabajo y una notebook para el </a:t>
-            </a:r>
-            <a:r>
-              <a:rPr lang="es-AR" dirty="0" err="1" smtClean="0"/>
-              <a:t>lider</a:t>
-            </a:r>
-            <a:r>
-              <a:rPr lang="es-AR" dirty="0" smtClean="0"/>
-              <a:t> de proyecto</a:t>
-            </a:r>
-          </a:p>
-          <a:p>
-            <a:r>
-              <a:rPr lang="es-AR" dirty="0" smtClean="0"/>
-              <a:t>Todas </a:t>
-            </a:r>
-            <a:r>
-              <a:rPr lang="es-AR" dirty="0" err="1" smtClean="0"/>
-              <a:t>Estaran</a:t>
-            </a:r>
-            <a:r>
-              <a:rPr lang="es-AR" dirty="0" smtClean="0"/>
-              <a:t> provistas de </a:t>
-            </a:r>
-            <a:r>
-              <a:rPr lang="es-AR" b="1" dirty="0"/>
-              <a:t>Ubuntu </a:t>
-            </a:r>
-            <a:r>
-              <a:rPr lang="es-AR" b="1" dirty="0" smtClean="0"/>
-              <a:t>Desktop </a:t>
-            </a:r>
-            <a:r>
-              <a:rPr lang="es-AR" b="1" dirty="0" err="1" smtClean="0"/>
-              <a:t>version</a:t>
-            </a:r>
-            <a:r>
-              <a:rPr lang="es-AR" b="1" dirty="0" smtClean="0"/>
-              <a:t> 10.4</a:t>
-            </a:r>
-            <a:endParaRPr lang="es-AR" dirty="0"/>
-          </a:p>
-          <a:p>
-            <a:endParaRPr lang="es-AR" dirty="0" smtClean="0"/>
-          </a:p>
-          <a:p>
-            <a:endParaRPr lang="es-AR" dirty="0"/>
-          </a:p>
-          <a:p>
-            <a:endParaRPr lang="es-AR" dirty="0" smtClean="0"/>
-          </a:p>
-          <a:p>
-            <a:pPr algn="ctr"/>
-            <a:r>
-              <a:rPr lang="es-AR" sz="2400" b="1" dirty="0" smtClean="0">
-                <a:solidFill>
-                  <a:srgbClr val="FF0000"/>
-                </a:solidFill>
-              </a:rPr>
-              <a:t>TABLA PONDERCION NOTEBOOKS???</a:t>
-            </a:r>
-            <a:endParaRPr lang="es-AR" sz="2400" b="1" dirty="0">
-              <a:solidFill>
-                <a:srgbClr val="FF0000"/>
-              </a:solidFill>
-            </a:endParaRPr>
-          </a:p>
-        </p:txBody>
-      </p:sp>
-    </p:spTree>
-    <p:extLst>
-      <p:ext uri="{BB962C8B-B14F-4D97-AF65-F5344CB8AC3E}">
-        <p14:creationId xmlns:p14="http://schemas.microsoft.com/office/powerpoint/2010/main" val="793879350"/>
-      </p:ext>
-    </p:extLst>
-  </p:cSld>
-  <p:clrMapOvr>
-    <a:masterClrMapping/>
-  </p:clrMapOvr>
-</p:sld>
-</file>
-
-<file path=ppt/slides/slide14.xml><?xml version="1.0" encoding="utf-8"?>
-<p:sld xmlns:a="http://schemas.openxmlformats.org/drawingml/2006/main" xmlns:r="http://schemas.openxmlformats.org/officeDocument/2006/relationships" xmlns:p="http://schemas.openxmlformats.org/presentationml/2006/main">
-  <p:cSld>
-    <p:spTree>
-      <p:nvGrpSpPr>
-        <p:cNvPr id="1" name=""/>
-        <p:cNvGrpSpPr/>
-        <p:nvPr/>
-      </p:nvGrpSpPr>
-      <p:grpSpPr>
-        <a:xfrm>
-          <a:off x="0" y="0"/>
-          <a:ext cx="0" cy="0"/>
-          <a:chOff x="0" y="0"/>
-          <a:chExt cx="0" cy="0"/>
-        </a:xfrm>
-      </p:grpSpPr>
-      <p:sp>
-        <p:nvSpPr>
-          <p:cNvPr id="2" name="Title 1"/>
-          <p:cNvSpPr>
-            <a:spLocks noGrp="1"/>
-          </p:cNvSpPr>
-          <p:nvPr>
-            <p:ph type="title"/>
-          </p:nvPr>
-        </p:nvSpPr>
-        <p:spPr/>
-        <p:txBody>
-          <a:bodyPr/>
-          <a:lstStyle/>
-          <a:p>
-            <a:r>
-              <a:rPr lang="es-AR" dirty="0" smtClean="0"/>
-              <a:t>Lenguaje </a:t>
-            </a:r>
-            <a:r>
-              <a:rPr lang="es-AR" dirty="0" err="1" smtClean="0"/>
-              <a:t>Programacion</a:t>
-            </a:r>
-            <a:endParaRPr lang="es-AR" dirty="0"/>
-          </a:p>
-        </p:txBody>
-      </p:sp>
-      <p:sp>
-        <p:nvSpPr>
-          <p:cNvPr id="3" name="Content Placeholder 2"/>
-          <p:cNvSpPr>
-            <a:spLocks noGrp="1"/>
-          </p:cNvSpPr>
-          <p:nvPr>
-            <p:ph idx="1"/>
-          </p:nvPr>
-        </p:nvSpPr>
-        <p:spPr>
-          <a:xfrm>
-            <a:off x="395536" y="908720"/>
-            <a:ext cx="8496943" cy="5256583"/>
-          </a:xfrm>
-        </p:spPr>
-        <p:txBody>
-          <a:bodyPr/>
-          <a:lstStyle/>
-          <a:p>
-            <a:r>
-              <a:rPr lang="es-AR" dirty="0" smtClean="0"/>
-              <a:t>Tanto </a:t>
-            </a:r>
-            <a:r>
-              <a:rPr lang="es-AR" dirty="0"/>
-              <a:t>el cliente desktop como el </a:t>
-            </a:r>
-            <a:r>
-              <a:rPr lang="es-AR" dirty="0" err="1"/>
-              <a:t>backend</a:t>
-            </a:r>
-            <a:r>
-              <a:rPr lang="es-AR" dirty="0"/>
-              <a:t> y la aplicación web serán desarrollados en </a:t>
-            </a:r>
-            <a:r>
-              <a:rPr lang="es-AR" b="1" dirty="0" smtClean="0"/>
-              <a:t>Java</a:t>
-            </a:r>
-          </a:p>
-          <a:p>
-            <a:pPr marL="0" indent="0">
-              <a:buNone/>
-            </a:pPr>
-            <a:endParaRPr lang="es-AR" b="1" dirty="0" smtClean="0"/>
-          </a:p>
-          <a:p>
-            <a:pPr lvl="1"/>
-            <a:r>
-              <a:rPr lang="es-ES_tradnl" b="1" u="sng" dirty="0" smtClean="0"/>
-              <a:t>Amplia </a:t>
-            </a:r>
-            <a:r>
-              <a:rPr lang="es-ES_tradnl" b="1" u="sng" dirty="0"/>
-              <a:t>disponibilidad de recursos capacitados</a:t>
-            </a:r>
-            <a:r>
-              <a:rPr lang="es-ES_tradnl" dirty="0"/>
-              <a:t>: Es uno de los lenguajes más utilizados y es fácil encontrar personal con experiencia en el mercado. </a:t>
-            </a:r>
-            <a:r>
-              <a:rPr lang="es-AR" dirty="0"/>
-              <a:t>No existe la necesidad de capacitar ingresantes. </a:t>
-            </a:r>
-            <a:r>
-              <a:rPr lang="es-AR" dirty="0" smtClean="0"/>
-              <a:t>E</a:t>
-            </a:r>
-            <a:r>
-              <a:rPr lang="es-ES_tradnl" dirty="0" smtClean="0"/>
-              <a:t>l </a:t>
-            </a:r>
-            <a:r>
-              <a:rPr lang="es-ES_tradnl" dirty="0"/>
-              <a:t>personal capacitado es más económico que en otros lenguajes más específicos. </a:t>
-            </a:r>
-            <a:endParaRPr lang="es-AR" dirty="0"/>
-          </a:p>
-          <a:p>
-            <a:pPr lvl="1"/>
-            <a:r>
-              <a:rPr lang="es-ES_tradnl" b="1" u="sng" dirty="0" smtClean="0"/>
-              <a:t>Madurez </a:t>
-            </a:r>
-            <a:r>
-              <a:rPr lang="es-ES_tradnl" b="1" u="sng" dirty="0"/>
-              <a:t>y soporte</a:t>
-            </a:r>
-            <a:r>
-              <a:rPr lang="es-ES_tradnl" dirty="0"/>
-              <a:t>: Está establecido en el mercado y fue desarrollado a través de los años por </a:t>
-            </a:r>
-            <a:r>
-              <a:rPr lang="es-ES_tradnl" dirty="0" err="1"/>
-              <a:t>Sun</a:t>
-            </a:r>
-            <a:r>
-              <a:rPr lang="es-ES_tradnl" dirty="0"/>
-              <a:t>, ahora por un comité formado por importantes empresas y siempre se mantuvo la compatibilidad entre versiones.</a:t>
-            </a:r>
-            <a:endParaRPr lang="es-AR" dirty="0"/>
-          </a:p>
-          <a:p>
-            <a:pPr lvl="1"/>
-            <a:r>
-              <a:rPr lang="es-ES_tradnl" b="1" u="sng" dirty="0"/>
-              <a:t>Disponibilidad de </a:t>
-            </a:r>
-            <a:r>
-              <a:rPr lang="es-ES_tradnl" b="1" u="sng" dirty="0" err="1"/>
-              <a:t>Frameworks</a:t>
-            </a:r>
-            <a:r>
-              <a:rPr lang="es-ES_tradnl" b="1" u="sng" dirty="0"/>
-              <a:t> y librerías</a:t>
-            </a:r>
-            <a:r>
-              <a:rPr lang="es-ES_tradnl" dirty="0"/>
-              <a:t>: Existe una vasta selección de herramientas maduras para el desarrollado, tanto para la parte de servidor como de presentación. </a:t>
-            </a:r>
-            <a:r>
-              <a:rPr lang="es-ES_tradnl" dirty="0" smtClean="0"/>
-              <a:t>R</a:t>
-            </a:r>
-            <a:r>
-              <a:rPr lang="es-AR" dirty="0" smtClean="0"/>
-              <a:t>educe </a:t>
-            </a:r>
-            <a:r>
-              <a:rPr lang="es-AR" dirty="0"/>
-              <a:t>el tiempo y los riesgos.</a:t>
-            </a:r>
-          </a:p>
-          <a:p>
-            <a:pPr lvl="1"/>
-            <a:r>
-              <a:rPr lang="es-ES_tradnl" b="1" u="sng" dirty="0"/>
-              <a:t>Multiplataforma</a:t>
-            </a:r>
-            <a:r>
-              <a:rPr lang="es-ES_tradnl" dirty="0"/>
-              <a:t>: Se consideró importante para el desarrollo de este sistema la independencia de plataforma, la capacidad de remplazar o combinar diferentes sistemas operativos sin ningún tipo de desarrollo. </a:t>
-            </a:r>
-            <a:endParaRPr lang="es-ES_tradnl" dirty="0" smtClean="0"/>
-          </a:p>
-          <a:p>
-            <a:pPr lvl="1"/>
-            <a:r>
-              <a:rPr lang="es-ES_tradnl" b="1" u="sng" dirty="0" smtClean="0"/>
-              <a:t>Performance</a:t>
-            </a:r>
-            <a:r>
-              <a:rPr lang="es-ES_tradnl" dirty="0"/>
-              <a:t>: </a:t>
-            </a:r>
-            <a:r>
-              <a:rPr lang="es-ES_tradnl" dirty="0" smtClean="0"/>
-              <a:t>Se compila </a:t>
-            </a:r>
-            <a:r>
-              <a:rPr lang="es-ES_tradnl" dirty="0"/>
-              <a:t>a </a:t>
-            </a:r>
-            <a:r>
-              <a:rPr lang="es-ES_tradnl" dirty="0" err="1"/>
-              <a:t>bytecode</a:t>
-            </a:r>
-            <a:r>
-              <a:rPr lang="es-ES_tradnl" dirty="0"/>
-              <a:t> y es ejecutado por una máquina virtual. </a:t>
-            </a:r>
-            <a:r>
-              <a:rPr lang="es-AR" dirty="0"/>
-              <a:t>Esta máquina virtual es la Java </a:t>
-            </a:r>
-            <a:r>
-              <a:rPr lang="es-AR" i="1" dirty="0" err="1"/>
-              <a:t>HotSpot</a:t>
-            </a:r>
-            <a:r>
-              <a:rPr lang="es-AR" i="1" dirty="0"/>
-              <a:t> Server VM </a:t>
-            </a:r>
-            <a:r>
-              <a:rPr lang="es-AR" dirty="0"/>
-              <a:t>que tiene la funcionalidad </a:t>
-            </a:r>
-            <a:r>
-              <a:rPr lang="es-AR" i="1" dirty="0"/>
-              <a:t>JIT (</a:t>
-            </a:r>
-            <a:r>
-              <a:rPr lang="es-AR" i="1" dirty="0" err="1"/>
-              <a:t>Just</a:t>
-            </a:r>
-            <a:r>
-              <a:rPr lang="es-AR" i="1" dirty="0"/>
-              <a:t> in time) </a:t>
-            </a:r>
-            <a:r>
-              <a:rPr lang="es-AR" i="1" dirty="0" err="1" smtClean="0"/>
-              <a:t>compilation</a:t>
-            </a:r>
-            <a:r>
-              <a:rPr lang="es-AR" i="1" dirty="0" smtClean="0"/>
-              <a:t>. E</a:t>
-            </a:r>
-            <a:r>
-              <a:rPr lang="es-AR" dirty="0" smtClean="0"/>
-              <a:t>sta </a:t>
-            </a:r>
-            <a:r>
-              <a:rPr lang="es-AR" dirty="0"/>
-              <a:t>capacidad analiza el código que se ejecuta reiteradamente y lo optimiza en memoria haciendo las sucesivas ejecuciones más </a:t>
-            </a:r>
-            <a:r>
-              <a:rPr lang="es-AR" dirty="0" smtClean="0"/>
-              <a:t>rápidas</a:t>
-            </a:r>
-          </a:p>
-          <a:p>
-            <a:pPr lvl="1"/>
-            <a:r>
-              <a:rPr lang="es-ES_tradnl" b="1" u="sng" dirty="0" smtClean="0"/>
-              <a:t>Costos</a:t>
-            </a:r>
-            <a:r>
-              <a:rPr lang="es-ES_tradnl" dirty="0"/>
-              <a:t>: No posee costos de </a:t>
-            </a:r>
-            <a:r>
-              <a:rPr lang="es-ES_tradnl" dirty="0" smtClean="0"/>
-              <a:t>licencias.</a:t>
-            </a:r>
-            <a:endParaRPr lang="es-AR" dirty="0"/>
-          </a:p>
-        </p:txBody>
-      </p:sp>
-    </p:spTree>
-    <p:extLst>
-      <p:ext uri="{BB962C8B-B14F-4D97-AF65-F5344CB8AC3E}">
-        <p14:creationId xmlns:p14="http://schemas.microsoft.com/office/powerpoint/2010/main" val="1759990106"/>
-      </p:ext>
-    </p:extLst>
-  </p:cSld>
-  <p:clrMapOvr>
-    <a:masterClrMapping/>
-  </p:clrMapOvr>
-</p:sld>
-</file>
-
-<file path=ppt/slides/slide15.xml><?xml version="1.0" encoding="utf-8"?>
-<p:sld xmlns:a="http://schemas.openxmlformats.org/drawingml/2006/main" xmlns:r="http://schemas.openxmlformats.org/officeDocument/2006/relationships" xmlns:p="http://schemas.openxmlformats.org/presentationml/2006/main">
-  <p:cSld>
-    <p:spTree>
-      <p:nvGrpSpPr>
-        <p:cNvPr id="1" name=""/>
-        <p:cNvGrpSpPr/>
-        <p:nvPr/>
-      </p:nvGrpSpPr>
-      <p:grpSpPr>
-        <a:xfrm>
-          <a:off x="0" y="0"/>
-          <a:ext cx="0" cy="0"/>
-          <a:chOff x="0" y="0"/>
-          <a:chExt cx="0" cy="0"/>
-        </a:xfrm>
-      </p:grpSpPr>
-      <p:sp>
-        <p:nvSpPr>
-          <p:cNvPr id="2" name="Title 1"/>
-          <p:cNvSpPr>
-            <a:spLocks noGrp="1"/>
-          </p:cNvSpPr>
-          <p:nvPr>
-            <p:ph type="title"/>
-          </p:nvPr>
-        </p:nvSpPr>
-        <p:spPr/>
-        <p:txBody>
-          <a:bodyPr/>
-          <a:lstStyle/>
-          <a:p>
-            <a:r>
-              <a:rPr lang="es-AR" dirty="0" smtClean="0"/>
-              <a:t>Principales </a:t>
-            </a:r>
-            <a:r>
-              <a:rPr lang="es-AR" dirty="0" err="1" smtClean="0"/>
-              <a:t>Tecnologias</a:t>
-            </a:r>
-            <a:endParaRPr lang="es-AR" dirty="0"/>
-          </a:p>
-        </p:txBody>
-      </p:sp>
-      <p:sp>
-        <p:nvSpPr>
-          <p:cNvPr id="3" name="Content Placeholder 2"/>
-          <p:cNvSpPr>
-            <a:spLocks noGrp="1"/>
-          </p:cNvSpPr>
-          <p:nvPr>
-            <p:ph idx="1"/>
-          </p:nvPr>
-        </p:nvSpPr>
-        <p:spPr>
-          <a:xfrm>
-            <a:off x="611560" y="908721"/>
-            <a:ext cx="8280919" cy="5111080"/>
-          </a:xfrm>
-        </p:spPr>
-        <p:txBody>
-          <a:bodyPr/>
-          <a:lstStyle/>
-          <a:p>
-            <a:r>
-              <a:rPr lang="es-ES_tradnl" b="1" u="sng" dirty="0"/>
-              <a:t>SWING</a:t>
-            </a:r>
-            <a:r>
-              <a:rPr lang="es-ES_tradnl" dirty="0"/>
-              <a:t>: Para la interfaz de usuario en el cliente </a:t>
-            </a:r>
-            <a:r>
-              <a:rPr lang="es-ES_tradnl" dirty="0" smtClean="0"/>
-              <a:t>desktop</a:t>
-            </a:r>
-            <a:r>
-              <a:rPr lang="es-AR" dirty="0" smtClean="0"/>
-              <a:t>. Independiente </a:t>
-            </a:r>
-            <a:r>
-              <a:rPr lang="es-AR" dirty="0"/>
-              <a:t>del sistema operativo y en las versiones más recientes imita el look and </a:t>
-            </a:r>
-            <a:r>
-              <a:rPr lang="es-AR" dirty="0" err="1"/>
-              <a:t>feel</a:t>
-            </a:r>
-            <a:r>
-              <a:rPr lang="es-AR" dirty="0"/>
-              <a:t> nativo.</a:t>
-            </a:r>
-            <a:br>
-              <a:rPr lang="es-AR" dirty="0"/>
-            </a:br>
-            <a:r>
-              <a:rPr lang="es-AR" dirty="0" smtClean="0"/>
-              <a:t>Las </a:t>
-            </a:r>
-            <a:r>
-              <a:rPr lang="es-AR" dirty="0"/>
-              <a:t>implementaciones de los componentes son cien por ciento java puro, lo cual permite adaptar fácilmente el aspecto y comportamiento de tales componentes, facilitando así el trabajo de los programadores, lo cual deriva en una mayor productividad</a:t>
-            </a:r>
-          </a:p>
-          <a:p>
-            <a:r>
-              <a:rPr lang="es-ES_tradnl" b="1" u="sng" dirty="0" err="1"/>
-              <a:t>Tomcat</a:t>
-            </a:r>
-            <a:r>
-              <a:rPr lang="es-ES_tradnl" dirty="0"/>
-              <a:t>: Para el </a:t>
-            </a:r>
-            <a:r>
-              <a:rPr lang="es-ES_tradnl" dirty="0" err="1"/>
-              <a:t>Application</a:t>
-            </a:r>
-            <a:r>
-              <a:rPr lang="es-ES_tradnl" dirty="0"/>
-              <a:t> </a:t>
-            </a:r>
-            <a:r>
-              <a:rPr lang="es-ES_tradnl" dirty="0" smtClean="0"/>
-              <a:t>server. N</a:t>
-            </a:r>
-            <a:r>
-              <a:rPr lang="es-AR" dirty="0" smtClean="0"/>
-              <a:t>os </a:t>
-            </a:r>
-            <a:r>
-              <a:rPr lang="es-AR" dirty="0"/>
-              <a:t>brinda un ambiente de ejecución controlado y configurable. Cada vez que una petición llegue al servidor se utilizará un </a:t>
-            </a:r>
-            <a:r>
-              <a:rPr lang="es-AR" dirty="0" err="1"/>
-              <a:t>thread</a:t>
-            </a:r>
-            <a:r>
-              <a:rPr lang="es-AR" dirty="0"/>
-              <a:t> para ejecutar la lógica de negocio. Manejar el ciclo de vida, la planificación y comunicación de </a:t>
-            </a:r>
-            <a:r>
-              <a:rPr lang="es-AR" dirty="0" err="1"/>
-              <a:t>threads</a:t>
-            </a:r>
-            <a:r>
-              <a:rPr lang="es-AR" dirty="0"/>
-              <a:t> es menos costoso que lo equivalente para  procesos, esto aliviará la carga del servidor y hará el sistema más </a:t>
-            </a:r>
-            <a:r>
-              <a:rPr lang="es-AR" dirty="0" err="1"/>
-              <a:t>performante</a:t>
-            </a:r>
-            <a:r>
-              <a:rPr lang="es-AR" dirty="0"/>
-              <a:t> y escalable.</a:t>
-            </a:r>
-          </a:p>
-          <a:p>
-            <a:r>
-              <a:rPr lang="es-ES_tradnl" b="1" u="sng" dirty="0"/>
-              <a:t>RMI</a:t>
-            </a:r>
-            <a:r>
-              <a:rPr lang="es-ES_tradnl" dirty="0"/>
-              <a:t>: La comunicación entre los clientes desktop y web con el </a:t>
-            </a:r>
-            <a:r>
-              <a:rPr lang="es-ES_tradnl" dirty="0" err="1"/>
-              <a:t>backend</a:t>
-            </a:r>
-            <a:r>
-              <a:rPr lang="es-ES_tradnl" dirty="0"/>
-              <a:t> será a través de RMI (</a:t>
-            </a:r>
-            <a:r>
-              <a:rPr lang="es-ES_tradnl" i="1" dirty="0" err="1"/>
-              <a:t>Remote</a:t>
-            </a:r>
-            <a:r>
-              <a:rPr lang="es-ES_tradnl" i="1" dirty="0"/>
-              <a:t> </a:t>
-            </a:r>
-            <a:r>
-              <a:rPr lang="es-ES_tradnl" i="1" dirty="0" err="1"/>
-              <a:t>Method</a:t>
-            </a:r>
-            <a:r>
-              <a:rPr lang="es-ES_tradnl" i="1" dirty="0"/>
-              <a:t> </a:t>
-            </a:r>
-            <a:r>
-              <a:rPr lang="es-ES_tradnl" i="1" dirty="0" err="1"/>
-              <a:t>Invocation</a:t>
-            </a:r>
-            <a:r>
-              <a:rPr lang="es-ES_tradnl" i="1" dirty="0"/>
-              <a:t>)</a:t>
-            </a:r>
-            <a:r>
-              <a:rPr lang="es-ES_tradnl" dirty="0"/>
-              <a:t>, este es un protocolo nativo de Java SE, es de simple aplicación y eficiente.</a:t>
-            </a:r>
-            <a:br>
-              <a:rPr lang="es-ES_tradnl" dirty="0"/>
-            </a:br>
-            <a:r>
-              <a:rPr lang="es-AR" dirty="0" smtClean="0"/>
-              <a:t>No </a:t>
-            </a:r>
-            <a:r>
-              <a:rPr lang="es-AR" dirty="0"/>
-              <a:t>necesitamos la ventaja de un web </a:t>
-            </a:r>
-            <a:r>
-              <a:rPr lang="es-AR" dirty="0" err="1"/>
-              <a:t>service</a:t>
-            </a:r>
-            <a:r>
-              <a:rPr lang="es-AR" dirty="0"/>
-              <a:t> (independizar el cliente del servidor) porque ambos serán desarrollados en java, lo que nos da la libertad de elegir un protocolo nativo.</a:t>
-            </a:r>
-          </a:p>
-          <a:p>
-            <a:r>
-              <a:rPr lang="es-ES_tradnl" b="1" u="sng" dirty="0" err="1"/>
-              <a:t>Hibernate</a:t>
-            </a:r>
-            <a:r>
-              <a:rPr lang="es-ES_tradnl" dirty="0"/>
-              <a:t>: Como </a:t>
-            </a:r>
-            <a:r>
-              <a:rPr lang="es-ES_tradnl" dirty="0" err="1"/>
-              <a:t>framework</a:t>
-            </a:r>
-            <a:r>
-              <a:rPr lang="es-ES_tradnl" dirty="0"/>
-              <a:t> de ORM para la persistencia. </a:t>
-            </a:r>
-            <a:r>
-              <a:rPr lang="es-AR" dirty="0"/>
-              <a:t>Se decidió utilizar una herramienta de ORM (</a:t>
-            </a:r>
-            <a:r>
-              <a:rPr lang="es-AR" dirty="0" err="1"/>
-              <a:t>object</a:t>
-            </a:r>
-            <a:r>
-              <a:rPr lang="es-AR" dirty="0"/>
-              <a:t> </a:t>
-            </a:r>
-            <a:r>
-              <a:rPr lang="es-AR" dirty="0" err="1"/>
-              <a:t>relational</a:t>
-            </a:r>
-            <a:r>
-              <a:rPr lang="es-AR" dirty="0"/>
-              <a:t> </a:t>
-            </a:r>
-            <a:r>
-              <a:rPr lang="es-AR" dirty="0" err="1"/>
-              <a:t>mapping</a:t>
-            </a:r>
-            <a:r>
-              <a:rPr lang="es-AR" dirty="0"/>
-              <a:t>) para reducir los problemas de desarrollo que acarrea lidiar con la integración de un lenguaje orientado a objetos y una base de datos relacional. </a:t>
-            </a:r>
-            <a:r>
-              <a:rPr lang="es-AR" dirty="0" err="1" smtClean="0"/>
-              <a:t>Hibernate</a:t>
-            </a:r>
-            <a:r>
-              <a:rPr lang="es-AR" dirty="0" smtClean="0"/>
-              <a:t> </a:t>
-            </a:r>
-            <a:r>
-              <a:rPr lang="es-AR" dirty="0"/>
-              <a:t>es el elegido por ser el más usado y probado, se sabe que es ampliamente configurable, de rendimiento aceptable y fácil aplicación. </a:t>
-            </a:r>
-            <a:endParaRPr lang="es-AR" dirty="0" smtClean="0"/>
-          </a:p>
-        </p:txBody>
-      </p:sp>
-    </p:spTree>
-    <p:extLst>
-      <p:ext uri="{BB962C8B-B14F-4D97-AF65-F5344CB8AC3E}">
-        <p14:creationId xmlns:p14="http://schemas.microsoft.com/office/powerpoint/2010/main" val="4000896319"/>
-      </p:ext>
-    </p:extLst>
-  </p:cSld>
-  <p:clrMapOvr>
-    <a:masterClrMapping/>
-  </p:clrMapOvr>
-</p:sld>
-</file>
-
-<file path=ppt/slides/slide16.xml><?xml version="1.0" encoding="utf-8"?>
-<p:sld xmlns:a="http://schemas.openxmlformats.org/drawingml/2006/main" xmlns:r="http://schemas.openxmlformats.org/officeDocument/2006/relationships" xmlns:p="http://schemas.openxmlformats.org/presentationml/2006/main">
-  <p:cSld>
-    <p:spTree>
-      <p:nvGrpSpPr>
-        <p:cNvPr id="1" name=""/>
-        <p:cNvGrpSpPr/>
-        <p:nvPr/>
-      </p:nvGrpSpPr>
-      <p:grpSpPr>
-        <a:xfrm>
-          <a:off x="0" y="0"/>
-          <a:ext cx="0" cy="0"/>
-          <a:chOff x="0" y="0"/>
-          <a:chExt cx="0" cy="0"/>
-        </a:xfrm>
-      </p:grpSpPr>
-      <p:sp>
-        <p:nvSpPr>
-          <p:cNvPr id="2" name="Title 1"/>
-          <p:cNvSpPr>
-            <a:spLocks noGrp="1"/>
-          </p:cNvSpPr>
-          <p:nvPr>
-            <p:ph type="title"/>
-          </p:nvPr>
-        </p:nvSpPr>
-        <p:spPr/>
-        <p:txBody>
-          <a:bodyPr/>
-          <a:lstStyle/>
-          <a:p>
-            <a:r>
-              <a:rPr lang="es-AR" dirty="0" smtClean="0"/>
-              <a:t>Base de Datos</a:t>
-            </a:r>
-            <a:endParaRPr lang="es-AR" dirty="0"/>
-          </a:p>
-        </p:txBody>
-      </p:sp>
-      <p:sp>
-        <p:nvSpPr>
-          <p:cNvPr id="3" name="Content Placeholder 2"/>
-          <p:cNvSpPr>
-            <a:spLocks noGrp="1"/>
-          </p:cNvSpPr>
-          <p:nvPr>
-            <p:ph idx="1"/>
-          </p:nvPr>
-        </p:nvSpPr>
-        <p:spPr/>
-        <p:txBody>
-          <a:bodyPr/>
-          <a:lstStyle/>
-          <a:p>
-            <a:r>
-              <a:rPr lang="es-AR" b="1" dirty="0" err="1"/>
-              <a:t>PostgreSQL</a:t>
-            </a:r>
-            <a:r>
-              <a:rPr lang="es-AR" b="1" dirty="0"/>
-              <a:t> </a:t>
-            </a:r>
-            <a:r>
-              <a:rPr lang="es-AR" b="1" dirty="0" smtClean="0"/>
-              <a:t>8.4</a:t>
-            </a:r>
-            <a:endParaRPr lang="es-AR" dirty="0"/>
-          </a:p>
-          <a:p>
-            <a:pPr marL="0" indent="0">
-              <a:buNone/>
-            </a:pPr>
-            <a:endParaRPr lang="es-AR" dirty="0"/>
-          </a:p>
-          <a:p>
-            <a:r>
-              <a:rPr lang="es-ES_tradnl" dirty="0"/>
-              <a:t>Este motor permite optimizar su rendimiento de manera completa ya que provee un gran número de configuraciones para asegurar un uso óptimo de los recursos. </a:t>
-            </a:r>
-            <a:endParaRPr lang="es-ES_tradnl" dirty="0" smtClean="0"/>
-          </a:p>
-          <a:p>
-            <a:r>
-              <a:rPr lang="es-ES_tradnl" dirty="0" smtClean="0"/>
-              <a:t>Optimizar </a:t>
-            </a:r>
-            <a:r>
-              <a:rPr lang="es-ES_tradnl" dirty="0" err="1"/>
-              <a:t>PostreSQL</a:t>
-            </a:r>
-            <a:r>
-              <a:rPr lang="es-ES_tradnl" dirty="0"/>
-              <a:t> en un server con una alta capacidad de cómputo provee una solución adecuada para aplicaciones donde se exija un número elevado de transacciones concurrentes</a:t>
-            </a:r>
-            <a:r>
-              <a:rPr lang="es-ES_tradnl" dirty="0" smtClean="0"/>
-              <a:t>.. </a:t>
-            </a:r>
-            <a:endParaRPr lang="es-AR" dirty="0"/>
-          </a:p>
-          <a:p>
-            <a:endParaRPr lang="es-AR" dirty="0"/>
-          </a:p>
-        </p:txBody>
-      </p:sp>
-      <p:sp>
-        <p:nvSpPr>
-          <p:cNvPr id="4" name="Text Placeholder 3"/>
-          <p:cNvSpPr>
-            <a:spLocks noGrp="1"/>
-          </p:cNvSpPr>
-          <p:nvPr>
-            <p:ph type="body" sz="quarter" idx="13"/>
-          </p:nvPr>
-        </p:nvSpPr>
-        <p:spPr/>
-        <p:txBody>
-          <a:bodyPr/>
-          <a:lstStyle/>
-          <a:p>
-            <a:r>
-              <a:rPr lang="es-AR" dirty="0" smtClean="0"/>
-              <a:t>Motor Elegido</a:t>
-            </a:r>
-            <a:endParaRPr lang="es-AR" dirty="0"/>
-          </a:p>
-        </p:txBody>
-      </p:sp>
-    </p:spTree>
-    <p:extLst>
-      <p:ext uri="{BB962C8B-B14F-4D97-AF65-F5344CB8AC3E}">
-        <p14:creationId xmlns:p14="http://schemas.microsoft.com/office/powerpoint/2010/main" val="986913818"/>
-      </p:ext>
-    </p:extLst>
-  </p:cSld>
-  <p:clrMapOvr>
-    <a:masterClrMapping/>
-  </p:clrMapOvr>
-</p:sld>
-</file>
-
-<file path=ppt/slides/slide17.xml><?xml version="1.0" encoding="utf-8"?>
-<p:sld xmlns:a="http://schemas.openxmlformats.org/drawingml/2006/main" xmlns:r="http://schemas.openxmlformats.org/officeDocument/2006/relationships" xmlns:p="http://schemas.openxmlformats.org/presentationml/2006/main">
-  <p:cSld>
-    <p:spTree>
-      <p:nvGrpSpPr>
-        <p:cNvPr id="1" name=""/>
-        <p:cNvGrpSpPr/>
-        <p:nvPr/>
-      </p:nvGrpSpPr>
-      <p:grpSpPr>
-        <a:xfrm>
-          <a:off x="0" y="0"/>
-          <a:ext cx="0" cy="0"/>
-          <a:chOff x="0" y="0"/>
-          <a:chExt cx="0" cy="0"/>
-        </a:xfrm>
-      </p:grpSpPr>
-      <p:sp>
-        <p:nvSpPr>
-          <p:cNvPr id="2" name="Title 1"/>
-          <p:cNvSpPr>
-            <a:spLocks noGrp="1"/>
-          </p:cNvSpPr>
-          <p:nvPr>
-            <p:ph type="title"/>
-          </p:nvPr>
-        </p:nvSpPr>
-        <p:spPr/>
-        <p:txBody>
-          <a:bodyPr/>
-          <a:lstStyle/>
-          <a:p>
-            <a:r>
-              <a:rPr lang="es-AR" dirty="0" smtClean="0"/>
-              <a:t>Base de Datos</a:t>
-            </a:r>
-            <a:endParaRPr lang="es-AR" dirty="0"/>
-          </a:p>
-        </p:txBody>
-      </p:sp>
-      <p:sp>
-        <p:nvSpPr>
-          <p:cNvPr id="3" name="Content Placeholder 2"/>
-          <p:cNvSpPr>
-            <a:spLocks noGrp="1"/>
-          </p:cNvSpPr>
-          <p:nvPr>
-            <p:ph idx="1"/>
-          </p:nvPr>
-        </p:nvSpPr>
-        <p:spPr/>
-        <p:txBody>
-          <a:bodyPr/>
-          <a:lstStyle/>
-          <a:p>
-            <a:r>
-              <a:rPr lang="es-ES_tradnl" dirty="0"/>
-              <a:t>Cada vez que </a:t>
-            </a:r>
-            <a:r>
-              <a:rPr lang="es-ES_tradnl" dirty="0" err="1"/>
-              <a:t>PostgreSQL</a:t>
-            </a:r>
-            <a:r>
-              <a:rPr lang="es-ES_tradnl" dirty="0"/>
-              <a:t> recibe una petición desde un cliente (aplicación) se crea un proceso que es el encargado de atender todas las peticiones desde el cliente. Debido a esto, es muy simple configurar un pool de conexiones que estén preparadas para poder recibir peticiones desde los clientes</a:t>
-            </a:r>
-            <a:endParaRPr lang="es-AR" dirty="0"/>
-          </a:p>
-        </p:txBody>
-      </p:sp>
-      <p:sp>
-        <p:nvSpPr>
-          <p:cNvPr id="4" name="Text Placeholder 3"/>
-          <p:cNvSpPr>
-            <a:spLocks noGrp="1"/>
-          </p:cNvSpPr>
-          <p:nvPr>
-            <p:ph type="body" sz="quarter" idx="13"/>
-          </p:nvPr>
-        </p:nvSpPr>
-        <p:spPr/>
-        <p:txBody>
-          <a:bodyPr/>
-          <a:lstStyle/>
-          <a:p>
-            <a:r>
-              <a:rPr lang="es-AR" dirty="0" err="1" smtClean="0"/>
-              <a:t>Postgres</a:t>
-            </a:r>
-            <a:r>
-              <a:rPr lang="es-AR" dirty="0" smtClean="0"/>
-              <a:t> 8.4</a:t>
-            </a:r>
-            <a:endParaRPr lang="es-AR" dirty="0"/>
-          </a:p>
-        </p:txBody>
-      </p:sp>
-      <p:pic>
-        <p:nvPicPr>
-          <p:cNvPr id="1026" name="Picture 2"/>
-          <p:cNvPicPr>
-            <a:picLocks noChangeAspect="1" noChangeArrowheads="1"/>
-          </p:cNvPicPr>
-          <p:nvPr/>
-        </p:nvPicPr>
-        <p:blipFill>
-          <a:blip r:embed="rId2">
-            <a:extLst>
-              <a:ext uri="{28A0092B-C50C-407E-A947-70E740481C1C}">
-                <a14:useLocalDpi xmlns:a14="http://schemas.microsoft.com/office/drawing/2010/main" val="0"/>
-              </a:ext>
-            </a:extLst>
-          </a:blip>
-          <a:srcRect/>
-          <a:stretch>
-            <a:fillRect/>
-          </a:stretch>
-        </p:blipFill>
-        <p:spPr bwMode="auto">
-          <a:xfrm>
-            <a:off x="782105" y="2852936"/>
-            <a:ext cx="7750335" cy="2847156"/>
-          </a:xfrm>
-          <a:prstGeom prst="rect">
-            <a:avLst/>
-          </a:prstGeom>
-          <a:solidFill>
-            <a:srgbClr val="FFFFFF"/>
-          </a:solidFill>
-          <a:ln>
-            <a:noFill/>
-          </a:ln>
-          <a:extLst>
-            <a:ext uri="{91240B29-F687-4F45-9708-019B960494DF}">
-              <a14:hiddenLine xmlns:a14="http://schemas.microsoft.com/office/drawing/2010/main" w="9525">
-                <a:solidFill>
-                  <a:srgbClr val="000000"/>
-                </a:solidFill>
-                <a:miter lim="800000"/>
-                <a:headEnd/>
-                <a:tailEnd/>
-              </a14:hiddenLine>
-            </a:ext>
-          </a:extLst>
-        </p:spPr>
-      </p:pic>
-    </p:spTree>
-    <p:extLst>
-      <p:ext uri="{BB962C8B-B14F-4D97-AF65-F5344CB8AC3E}">
-        <p14:creationId xmlns:p14="http://schemas.microsoft.com/office/powerpoint/2010/main" val="1689869253"/>
-      </p:ext>
-    </p:extLst>
-  </p:cSld>
-  <p:clrMapOvr>
-    <a:masterClrMapping/>
-  </p:clrMapOvr>
-</p:sld>
-</file>
-
-<file path=ppt/slides/slide18.xml><?xml version="1.0" encoding="utf-8"?>
-<p:sld xmlns:a="http://schemas.openxmlformats.org/drawingml/2006/main" xmlns:r="http://schemas.openxmlformats.org/officeDocument/2006/relationships" xmlns:p="http://schemas.openxmlformats.org/presentationml/2006/main">
-  <p:cSld>
-    <p:spTree>
-      <p:nvGrpSpPr>
-        <p:cNvPr id="1" name=""/>
-        <p:cNvGrpSpPr/>
-        <p:nvPr/>
-      </p:nvGrpSpPr>
-      <p:grpSpPr>
-        <a:xfrm>
-          <a:off x="0" y="0"/>
-          <a:ext cx="0" cy="0"/>
-          <a:chOff x="0" y="0"/>
-          <a:chExt cx="0" cy="0"/>
-        </a:xfrm>
-      </p:grpSpPr>
-      <p:sp>
-        <p:nvSpPr>
-          <p:cNvPr id="2" name="Title 1"/>
-          <p:cNvSpPr>
-            <a:spLocks noGrp="1"/>
-          </p:cNvSpPr>
-          <p:nvPr>
-            <p:ph type="title"/>
-          </p:nvPr>
-        </p:nvSpPr>
-        <p:spPr/>
-        <p:txBody>
-          <a:bodyPr/>
-          <a:lstStyle/>
-          <a:p>
-            <a:r>
-              <a:rPr lang="es-AR" dirty="0" smtClean="0"/>
-              <a:t>Base de Datos</a:t>
-            </a:r>
-            <a:endParaRPr lang="es-AR" dirty="0"/>
-          </a:p>
-        </p:txBody>
-      </p:sp>
-      <p:sp>
-        <p:nvSpPr>
-          <p:cNvPr id="3" name="Content Placeholder 2"/>
-          <p:cNvSpPr>
-            <a:spLocks noGrp="1"/>
-          </p:cNvSpPr>
-          <p:nvPr>
-            <p:ph idx="1"/>
-          </p:nvPr>
-        </p:nvSpPr>
-        <p:spPr/>
-        <p:txBody>
-          <a:bodyPr/>
-          <a:lstStyle/>
-          <a:p>
-            <a:endParaRPr lang="es-AR" dirty="0"/>
-          </a:p>
-        </p:txBody>
-      </p:sp>
-      <p:sp>
-        <p:nvSpPr>
-          <p:cNvPr id="4" name="Text Placeholder 3"/>
-          <p:cNvSpPr>
-            <a:spLocks noGrp="1"/>
-          </p:cNvSpPr>
-          <p:nvPr>
-            <p:ph type="body" sz="quarter" idx="13"/>
-          </p:nvPr>
-        </p:nvSpPr>
-        <p:spPr/>
-        <p:txBody>
-          <a:bodyPr/>
-          <a:lstStyle/>
-          <a:p>
-            <a:r>
-              <a:rPr lang="es-AR" dirty="0" smtClean="0"/>
-              <a:t>Volumen</a:t>
-            </a:r>
-            <a:endParaRPr lang="es-AR" dirty="0"/>
-          </a:p>
-        </p:txBody>
-      </p:sp>
-    </p:spTree>
-    <p:extLst>
-      <p:ext uri="{BB962C8B-B14F-4D97-AF65-F5344CB8AC3E}">
-        <p14:creationId xmlns:p14="http://schemas.microsoft.com/office/powerpoint/2010/main" val="1539515098"/>
-      </p:ext>
-    </p:extLst>
-  </p:cSld>
-  <p:clrMapOvr>
-    <a:masterClrMapping/>
-  </p:clrMapOvr>
-</p:sld>
-</file>
-
-<file path=ppt/slides/slide2.xml><?xml version="1.0" encoding="utf-8"?>
-<p:sld xmlns:a="http://schemas.openxmlformats.org/drawingml/2006/main" xmlns:r="http://schemas.openxmlformats.org/officeDocument/2006/relationships" xmlns:p="http://schemas.openxmlformats.org/presentationml/2006/main">
-  <p:cSld>
-    <p:spTree>
-      <p:nvGrpSpPr>
-        <p:cNvPr id="1" name=""/>
-        <p:cNvGrpSpPr/>
-        <p:nvPr/>
-      </p:nvGrpSpPr>
-      <p:grpSpPr>
-        <a:xfrm>
-          <a:off x="0" y="0"/>
-          <a:ext cx="0" cy="0"/>
-          <a:chOff x="0" y="0"/>
-          <a:chExt cx="0" cy="0"/>
-        </a:xfrm>
-      </p:grpSpPr>
-      <p:sp>
-        <p:nvSpPr>
-          <p:cNvPr id="7170" name="Content Placeholder 4"/>
-          <p:cNvSpPr>
-            <a:spLocks noGrp="1"/>
-          </p:cNvSpPr>
-          <p:nvPr>
-            <p:ph idx="1"/>
-          </p:nvPr>
-        </p:nvSpPr>
-        <p:spPr>
-          <a:xfrm>
-            <a:off x="3429000" y="404813"/>
-            <a:ext cx="5181600" cy="5614987"/>
-          </a:xfrm>
-        </p:spPr>
-        <p:txBody>
-          <a:bodyPr/>
-          <a:lstStyle/>
-          <a:p>
-            <a:pPr eaLnBrk="1" hangingPunct="1">
-              <a:defRPr/>
-            </a:pPr>
-            <a:r>
-              <a:rPr lang="es-AR" dirty="0" smtClean="0"/>
-              <a:t>Arquitectura General</a:t>
-            </a:r>
-          </a:p>
-          <a:p>
-            <a:pPr eaLnBrk="1" hangingPunct="1">
-              <a:defRPr/>
-            </a:pPr>
-            <a:r>
-              <a:rPr lang="es-AR" dirty="0" smtClean="0"/>
-              <a:t>Disponibilidad </a:t>
-            </a:r>
-            <a:r>
-              <a:rPr lang="es-AR" dirty="0"/>
-              <a:t>7 </a:t>
-            </a:r>
-            <a:r>
-              <a:rPr lang="es-AR" dirty="0" smtClean="0"/>
-              <a:t>x24</a:t>
-            </a:r>
-          </a:p>
-          <a:p>
-            <a:pPr eaLnBrk="1" hangingPunct="1">
-              <a:defRPr/>
-            </a:pPr>
-            <a:r>
-              <a:rPr lang="es-AR" dirty="0" smtClean="0"/>
-              <a:t>Servidores </a:t>
-            </a:r>
-            <a:r>
-              <a:rPr lang="es-AR" dirty="0"/>
-              <a:t>Utilizados</a:t>
-            </a:r>
-          </a:p>
-          <a:p>
-            <a:pPr marL="0" indent="0" eaLnBrk="1" hangingPunct="1">
-              <a:buFontTx/>
-              <a:buNone/>
-              <a:defRPr/>
-            </a:pPr>
-            <a:endParaRPr lang="es-AR" dirty="0" smtClean="0"/>
-          </a:p>
-          <a:p>
-            <a:pPr eaLnBrk="1" hangingPunct="1">
-              <a:defRPr/>
-            </a:pPr>
-            <a:r>
-              <a:rPr lang="es-AR" dirty="0" smtClean="0"/>
-              <a:t>Infraestructura Interna</a:t>
-            </a:r>
-          </a:p>
-          <a:p>
-            <a:pPr eaLnBrk="1" hangingPunct="1">
-              <a:defRPr/>
-            </a:pPr>
-            <a:r>
-              <a:rPr lang="es-AR" dirty="0" smtClean="0"/>
-              <a:t>Servidores / </a:t>
-            </a:r>
-            <a:r>
-              <a:rPr lang="es-AR" dirty="0" err="1" smtClean="0"/>
-              <a:t>Pcs</a:t>
-            </a:r>
-            <a:r>
-              <a:rPr lang="es-AR" dirty="0" smtClean="0"/>
-              <a:t> Usuario</a:t>
-            </a:r>
-          </a:p>
-          <a:p>
-            <a:pPr marL="0" indent="0" eaLnBrk="1" hangingPunct="1">
-              <a:buFontTx/>
-              <a:buNone/>
-              <a:defRPr/>
-            </a:pPr>
-            <a:endParaRPr lang="es-AR" dirty="0" smtClean="0"/>
-          </a:p>
-          <a:p>
-            <a:pPr eaLnBrk="1" hangingPunct="1">
-              <a:defRPr/>
-            </a:pPr>
-            <a:r>
-              <a:rPr lang="es-AR" dirty="0" smtClean="0"/>
-              <a:t>Lenguaje de </a:t>
-            </a:r>
-            <a:r>
-              <a:rPr lang="es-AR" dirty="0" err="1" smtClean="0"/>
-              <a:t>Programacion</a:t>
-            </a:r>
-            <a:endParaRPr lang="es-AR" dirty="0" smtClean="0"/>
-          </a:p>
-          <a:p>
-            <a:pPr eaLnBrk="1" hangingPunct="1">
-              <a:defRPr/>
-            </a:pPr>
-            <a:r>
-              <a:rPr lang="es-AR" dirty="0" err="1" smtClean="0"/>
-              <a:t>Tecnologias</a:t>
-            </a:r>
-            <a:endParaRPr lang="es-AR" dirty="0" smtClean="0"/>
-          </a:p>
-          <a:p>
-            <a:pPr eaLnBrk="1" hangingPunct="1">
-              <a:defRPr/>
-            </a:pPr>
-            <a:r>
-              <a:rPr lang="es-AR" dirty="0" smtClean="0"/>
-              <a:t>Motor de Base de Datos</a:t>
-            </a:r>
-          </a:p>
-          <a:p>
-            <a:pPr eaLnBrk="1" hangingPunct="1">
-              <a:defRPr/>
-            </a:pPr>
-            <a:r>
-              <a:rPr lang="es-AR" dirty="0" smtClean="0"/>
-              <a:t>Volumen Base Datos</a:t>
-            </a:r>
-          </a:p>
-          <a:p>
-            <a:pPr eaLnBrk="1" hangingPunct="1">
-              <a:defRPr/>
-            </a:pPr>
-            <a:r>
-              <a:rPr lang="es-AR" dirty="0" smtClean="0"/>
-              <a:t>Sistema Operativo de Servidores / </a:t>
-            </a:r>
-            <a:r>
-              <a:rPr lang="es-AR" dirty="0" err="1" smtClean="0"/>
-              <a:t>Aplication</a:t>
-            </a:r>
-            <a:r>
-              <a:rPr lang="es-AR" dirty="0" smtClean="0"/>
-              <a:t> Server</a:t>
-            </a:r>
-          </a:p>
-          <a:p>
-            <a:pPr eaLnBrk="1" hangingPunct="1">
-              <a:defRPr/>
-            </a:pPr>
-            <a:r>
-              <a:rPr lang="es-AR" dirty="0" err="1" smtClean="0"/>
-              <a:t>Integracion</a:t>
-            </a:r>
-            <a:r>
-              <a:rPr lang="es-AR" dirty="0" smtClean="0"/>
-              <a:t> con IVR</a:t>
-            </a:r>
-          </a:p>
-          <a:p>
-            <a:pPr marL="0" indent="0" eaLnBrk="1" hangingPunct="1">
-              <a:buNone/>
-              <a:defRPr/>
-            </a:pPr>
-            <a:endParaRPr lang="es-AR" dirty="0" smtClean="0"/>
-          </a:p>
-          <a:p>
-            <a:pPr eaLnBrk="1" hangingPunct="1">
-              <a:defRPr/>
-            </a:pPr>
-            <a:r>
-              <a:rPr lang="es-AR" dirty="0" smtClean="0"/>
-              <a:t>RRHH</a:t>
-            </a:r>
-          </a:p>
-          <a:p>
-            <a:pPr eaLnBrk="1" hangingPunct="1">
-              <a:defRPr/>
-            </a:pPr>
-            <a:r>
-              <a:rPr lang="es-AR" dirty="0" smtClean="0"/>
-              <a:t>Oficina / </a:t>
-            </a:r>
-            <a:r>
-              <a:rPr lang="es-AR" dirty="0" err="1" smtClean="0"/>
-              <a:t>Hosting</a:t>
-            </a:r>
-            <a:endParaRPr lang="es-AR" dirty="0" smtClean="0"/>
-          </a:p>
-          <a:p>
-            <a:pPr eaLnBrk="1" hangingPunct="1">
-              <a:defRPr/>
-            </a:pPr>
-            <a:r>
-              <a:rPr lang="es-AR" dirty="0" smtClean="0"/>
-              <a:t>Costos</a:t>
-            </a:r>
-          </a:p>
-          <a:p>
-            <a:pPr eaLnBrk="1" hangingPunct="1">
-              <a:defRPr/>
-            </a:pPr>
-            <a:r>
-              <a:rPr lang="es-AR" dirty="0" smtClean="0"/>
-              <a:t>Entregas y Pagos</a:t>
-            </a:r>
-          </a:p>
-          <a:p>
-            <a:pPr eaLnBrk="1" hangingPunct="1">
-              <a:defRPr/>
-            </a:pPr>
-            <a:r>
-              <a:rPr lang="es-AR" dirty="0" smtClean="0"/>
-              <a:t>Ganancia Final</a:t>
-            </a:r>
-          </a:p>
-        </p:txBody>
-      </p:sp>
-    </p:spTree>
-  </p:cSld>
-  <p:clrMapOvr>
-    <a:masterClrMapping/>
-  </p:clrMapOvr>
-  <p:timing>
-    <p:tnLst>
-      <p:par>
-        <p:cTn id="1" dur="indefinite" restart="never" nodeType="tmRoot"/>
-      </p:par>
-    </p:tnLst>
-  </p:timing>
-</p:sld>
-</file>
-
-<file path=ppt/slides/slide3.xml><?xml version="1.0" encoding="utf-8"?>
-<p:sld xmlns:a="http://schemas.openxmlformats.org/drawingml/2006/main" xmlns:r="http://schemas.openxmlformats.org/officeDocument/2006/relationships" xmlns:p="http://schemas.openxmlformats.org/presentationml/2006/main">
-  <p:cSld>
-    <p:spTree>
-      <p:nvGrpSpPr>
-        <p:cNvPr id="1" name=""/>
-        <p:cNvGrpSpPr/>
-        <p:nvPr/>
-      </p:nvGrpSpPr>
-      <p:grpSpPr>
-        <a:xfrm>
-          <a:off x="0" y="0"/>
-          <a:ext cx="0" cy="0"/>
-          <a:chOff x="0" y="0"/>
-          <a:chExt cx="0" cy="0"/>
-        </a:xfrm>
-      </p:grpSpPr>
-      <p:sp>
-        <p:nvSpPr>
-          <p:cNvPr id="2" name="Title 1"/>
-          <p:cNvSpPr>
-            <a:spLocks noGrp="1"/>
-          </p:cNvSpPr>
-          <p:nvPr>
-            <p:ph type="title"/>
-          </p:nvPr>
-        </p:nvSpPr>
-        <p:spPr/>
-        <p:txBody>
-          <a:bodyPr/>
-          <a:lstStyle/>
-          <a:p>
-            <a:r>
-              <a:rPr lang="es-AR" dirty="0" smtClean="0"/>
-              <a:t>Arquitectura General</a:t>
+              <a:t>Arquitectura Detallada</a:t>
             </a:r>
             <a:endParaRPr lang="es-AR" dirty="0"/>
           </a:p>
@@ -10647,7 +9839,7 @@
 </p:sld>
 </file>
 
-<file path=ppt/slides/slide4.xml><?xml version="1.0" encoding="utf-8"?>
+<file path=ppt/slides/slide14.xml><?xml version="1.0" encoding="utf-8"?>
 <p:sld xmlns:a="http://schemas.openxmlformats.org/drawingml/2006/main" xmlns:r="http://schemas.openxmlformats.org/officeDocument/2006/relationships" xmlns:p="http://schemas.openxmlformats.org/presentationml/2006/main">
   <p:cSld>
     <p:spTree>
@@ -10753,7 +9945,7 @@
 </p:sld>
 </file>
 
-<file path=ppt/slides/slide5.xml><?xml version="1.0" encoding="utf-8"?>
+<file path=ppt/slides/slide15.xml><?xml version="1.0" encoding="utf-8"?>
 <p:sld xmlns:a="http://schemas.openxmlformats.org/drawingml/2006/main" xmlns:r="http://schemas.openxmlformats.org/officeDocument/2006/relationships" xmlns:p="http://schemas.openxmlformats.org/presentationml/2006/main">
   <p:cSld>
     <p:spTree>
@@ -10879,7 +10071,7 @@
 </p:sld>
 </file>
 
-<file path=ppt/slides/slide6.xml><?xml version="1.0" encoding="utf-8"?>
+<file path=ppt/slides/slide16.xml><?xml version="1.0" encoding="utf-8"?>
 <p:sld xmlns:a="http://schemas.openxmlformats.org/drawingml/2006/main" xmlns:r="http://schemas.openxmlformats.org/officeDocument/2006/relationships" xmlns:p="http://schemas.openxmlformats.org/presentationml/2006/main">
   <p:cSld>
     <p:spTree>
@@ -11118,7 +10310,7 @@
 </p:sld>
 </file>
 
-<file path=ppt/slides/slide7.xml><?xml version="1.0" encoding="utf-8"?>
+<file path=ppt/slides/slide17.xml><?xml version="1.0" encoding="utf-8"?>
 <p:sld xmlns:a="http://schemas.openxmlformats.org/drawingml/2006/main" xmlns:r="http://schemas.openxmlformats.org/officeDocument/2006/relationships" xmlns:p="http://schemas.openxmlformats.org/presentationml/2006/main">
   <p:cSld>
     <p:spTree>
@@ -11214,7 +10406,7 @@
 </p:sld>
 </file>
 
-<file path=ppt/slides/slide8.xml><?xml version="1.0" encoding="utf-8"?>
+<file path=ppt/slides/slide18.xml><?xml version="1.0" encoding="utf-8"?>
 <p:sld xmlns:a="http://schemas.openxmlformats.org/drawingml/2006/main" xmlns:r="http://schemas.openxmlformats.org/officeDocument/2006/relationships" xmlns:p="http://schemas.openxmlformats.org/presentationml/2006/main">
   <p:cSld>
     <p:spTree>
@@ -11332,7 +10524,7 @@
 </p:sld>
 </file>
 
-<file path=ppt/slides/slide9.xml><?xml version="1.0" encoding="utf-8"?>
+<file path=ppt/slides/slide19.xml><?xml version="1.0" encoding="utf-8"?>
 <p:sld xmlns:a="http://schemas.openxmlformats.org/drawingml/2006/main" xmlns:r="http://schemas.openxmlformats.org/officeDocument/2006/relationships" xmlns:p="http://schemas.openxmlformats.org/presentationml/2006/main">
   <p:cSld>
     <p:spTree>
@@ -12444,6 +11636,3651 @@
 </p:sld>
 </file>
 
+<file path=ppt/slides/slide2.xml><?xml version="1.0" encoding="utf-8"?>
+<p:sld xmlns:a="http://schemas.openxmlformats.org/drawingml/2006/main" xmlns:r="http://schemas.openxmlformats.org/officeDocument/2006/relationships" xmlns:p="http://schemas.openxmlformats.org/presentationml/2006/main">
+  <p:cSld>
+    <p:spTree>
+      <p:nvGrpSpPr>
+        <p:cNvPr id="1" name=""/>
+        <p:cNvGrpSpPr/>
+        <p:nvPr/>
+      </p:nvGrpSpPr>
+      <p:grpSpPr>
+        <a:xfrm>
+          <a:off x="0" y="0"/>
+          <a:ext cx="0" cy="0"/>
+          <a:chOff x="0" y="0"/>
+          <a:chExt cx="0" cy="0"/>
+        </a:xfrm>
+      </p:grpSpPr>
+      <p:sp>
+        <p:nvSpPr>
+          <p:cNvPr id="7170" name="Content Placeholder 4"/>
+          <p:cNvSpPr>
+            <a:spLocks noGrp="1"/>
+          </p:cNvSpPr>
+          <p:nvPr>
+            <p:ph idx="1"/>
+          </p:nvPr>
+        </p:nvSpPr>
+        <p:spPr>
+          <a:xfrm>
+            <a:off x="3429000" y="404813"/>
+            <a:ext cx="5181600" cy="5614987"/>
+          </a:xfrm>
+        </p:spPr>
+        <p:txBody>
+          <a:bodyPr/>
+          <a:lstStyle/>
+          <a:p>
+            <a:pPr eaLnBrk="1" hangingPunct="1">
+              <a:defRPr/>
+            </a:pPr>
+            <a:endParaRPr lang="es-AR" dirty="0" smtClean="0"/>
+          </a:p>
+        </p:txBody>
+      </p:sp>
+    </p:spTree>
+  </p:cSld>
+  <p:clrMapOvr>
+    <a:masterClrMapping/>
+  </p:clrMapOvr>
+  <p:timing>
+    <p:tnLst>
+      <p:par>
+        <p:cTn id="1" dur="indefinite" restart="never" nodeType="tmRoot"/>
+      </p:par>
+    </p:tnLst>
+  </p:timing>
+</p:sld>
+</file>
+
+<file path=ppt/slides/slide20.xml><?xml version="1.0" encoding="utf-8"?>
+<p:sld xmlns:a="http://schemas.openxmlformats.org/drawingml/2006/main" xmlns:r="http://schemas.openxmlformats.org/officeDocument/2006/relationships" xmlns:p="http://schemas.openxmlformats.org/presentationml/2006/main">
+  <p:cSld>
+    <p:spTree>
+      <p:nvGrpSpPr>
+        <p:cNvPr id="1" name=""/>
+        <p:cNvGrpSpPr/>
+        <p:nvPr/>
+      </p:nvGrpSpPr>
+      <p:grpSpPr>
+        <a:xfrm>
+          <a:off x="0" y="0"/>
+          <a:ext cx="0" cy="0"/>
+          <a:chOff x="0" y="0"/>
+          <a:chExt cx="0" cy="0"/>
+        </a:xfrm>
+      </p:grpSpPr>
+      <p:sp>
+        <p:nvSpPr>
+          <p:cNvPr id="2" name="Title 1"/>
+          <p:cNvSpPr>
+            <a:spLocks noGrp="1"/>
+          </p:cNvSpPr>
+          <p:nvPr>
+            <p:ph type="title"/>
+          </p:nvPr>
+        </p:nvSpPr>
+        <p:spPr/>
+        <p:txBody>
+          <a:bodyPr/>
+          <a:lstStyle/>
+          <a:p>
+            <a:r>
+              <a:rPr lang="es-AR" dirty="0" smtClean="0"/>
+              <a:t>Infraestructura Interna</a:t>
+            </a:r>
+            <a:endParaRPr lang="es-AR" dirty="0"/>
+          </a:p>
+        </p:txBody>
+      </p:sp>
+      <p:pic>
+        <p:nvPicPr>
+          <p:cNvPr id="1026" name="Picture 2"/>
+          <p:cNvPicPr>
+            <a:picLocks noChangeAspect="1" noChangeArrowheads="1"/>
+          </p:cNvPicPr>
+          <p:nvPr/>
+        </p:nvPicPr>
+        <p:blipFill>
+          <a:blip r:embed="rId2">
+            <a:extLst>
+              <a:ext uri="{28A0092B-C50C-407E-A947-70E740481C1C}">
+                <a14:useLocalDpi xmlns:a14="http://schemas.microsoft.com/office/drawing/2010/main" val="0"/>
+              </a:ext>
+            </a:extLst>
+          </a:blip>
+          <a:srcRect l="31799" t="27444" r="19695" b="12321"/>
+          <a:stretch>
+            <a:fillRect/>
+          </a:stretch>
+        </p:blipFill>
+        <p:spPr bwMode="auto">
+          <a:xfrm>
+            <a:off x="971600" y="620688"/>
+            <a:ext cx="7778999" cy="5495702"/>
+          </a:xfrm>
+          <a:prstGeom prst="rect">
+            <a:avLst/>
+          </a:prstGeom>
+          <a:solidFill>
+            <a:srgbClr val="FFFFFF">
+              <a:alpha val="0"/>
+            </a:srgbClr>
+          </a:solidFill>
+          <a:ln>
+            <a:noFill/>
+          </a:ln>
+          <a:extLst>
+            <a:ext uri="{91240B29-F687-4F45-9708-019B960494DF}">
+              <a14:hiddenLine xmlns:a14="http://schemas.microsoft.com/office/drawing/2010/main" w="9525">
+                <a:solidFill>
+                  <a:srgbClr val="000000"/>
+                </a:solidFill>
+                <a:miter lim="800000"/>
+                <a:headEnd/>
+                <a:tailEnd/>
+              </a14:hiddenLine>
+            </a:ext>
+          </a:extLst>
+        </p:spPr>
+      </p:pic>
+    </p:spTree>
+    <p:extLst>
+      <p:ext uri="{BB962C8B-B14F-4D97-AF65-F5344CB8AC3E}">
+        <p14:creationId xmlns:p14="http://schemas.microsoft.com/office/powerpoint/2010/main" val="2913108884"/>
+      </p:ext>
+    </p:extLst>
+  </p:cSld>
+  <p:clrMapOvr>
+    <a:masterClrMapping/>
+  </p:clrMapOvr>
+</p:sld>
+</file>
+
+<file path=ppt/slides/slide21.xml><?xml version="1.0" encoding="utf-8"?>
+<p:sld xmlns:a="http://schemas.openxmlformats.org/drawingml/2006/main" xmlns:r="http://schemas.openxmlformats.org/officeDocument/2006/relationships" xmlns:p="http://schemas.openxmlformats.org/presentationml/2006/main">
+  <p:cSld>
+    <p:spTree>
+      <p:nvGrpSpPr>
+        <p:cNvPr id="1" name=""/>
+        <p:cNvGrpSpPr/>
+        <p:nvPr/>
+      </p:nvGrpSpPr>
+      <p:grpSpPr>
+        <a:xfrm>
+          <a:off x="0" y="0"/>
+          <a:ext cx="0" cy="0"/>
+          <a:chOff x="0" y="0"/>
+          <a:chExt cx="0" cy="0"/>
+        </a:xfrm>
+      </p:grpSpPr>
+      <p:sp>
+        <p:nvSpPr>
+          <p:cNvPr id="2" name="Title 1"/>
+          <p:cNvSpPr>
+            <a:spLocks noGrp="1"/>
+          </p:cNvSpPr>
+          <p:nvPr>
+            <p:ph type="title"/>
+          </p:nvPr>
+        </p:nvSpPr>
+        <p:spPr/>
+        <p:txBody>
+          <a:bodyPr/>
+          <a:lstStyle/>
+          <a:p>
+            <a:r>
+              <a:rPr lang="es-AR" dirty="0" smtClean="0"/>
+              <a:t>Infraestructura Interna - Servidores</a:t>
+            </a:r>
+            <a:endParaRPr lang="es-AR" dirty="0"/>
+          </a:p>
+        </p:txBody>
+      </p:sp>
+      <p:sp>
+        <p:nvSpPr>
+          <p:cNvPr id="3" name="Content Placeholder 2"/>
+          <p:cNvSpPr>
+            <a:spLocks noGrp="1"/>
+          </p:cNvSpPr>
+          <p:nvPr>
+            <p:ph idx="1"/>
+          </p:nvPr>
+        </p:nvSpPr>
+        <p:spPr>
+          <a:xfrm>
+            <a:off x="722313" y="1052737"/>
+            <a:ext cx="7888287" cy="4967064"/>
+          </a:xfrm>
+        </p:spPr>
+        <p:txBody>
+          <a:bodyPr/>
+          <a:lstStyle/>
+          <a:p>
+            <a:pPr marL="0" indent="0" algn="ctr">
+              <a:buNone/>
+            </a:pPr>
+            <a:r>
+              <a:rPr lang="es-AR" sz="1600" b="1" dirty="0" smtClean="0"/>
+              <a:t>Servidor 1: Herramientas Anexas</a:t>
+            </a:r>
+          </a:p>
+          <a:p>
+            <a:pPr marL="0" indent="0" algn="ctr">
+              <a:buNone/>
+            </a:pPr>
+            <a:endParaRPr lang="es-AR" sz="1600" dirty="0"/>
+          </a:p>
+          <a:p>
+            <a:pPr lvl="0"/>
+            <a:r>
+              <a:rPr lang="en-US" sz="1600" b="1" u="sng" dirty="0" smtClean="0"/>
+              <a:t>Roles:</a:t>
+            </a:r>
+            <a:endParaRPr lang="en-US" sz="1600" dirty="0"/>
+          </a:p>
+          <a:p>
+            <a:pPr lvl="1"/>
+            <a:r>
+              <a:rPr lang="es-AR" sz="1600" b="1" dirty="0" smtClean="0"/>
+              <a:t>Email</a:t>
+            </a:r>
+            <a:r>
+              <a:rPr lang="es-AR" sz="1600" dirty="0"/>
+              <a:t>: Se instalará un servidor </a:t>
+            </a:r>
+            <a:r>
+              <a:rPr lang="es-AR" sz="1600" dirty="0" err="1"/>
+              <a:t>Postfix</a:t>
+            </a:r>
+            <a:r>
+              <a:rPr lang="es-AR" sz="1600" dirty="0"/>
+              <a:t> con soporte de protocolos SMTP e IMAP,</a:t>
+            </a:r>
+          </a:p>
+          <a:p>
+            <a:pPr lvl="1"/>
+            <a:r>
+              <a:rPr lang="es-AR" sz="1600" b="1" dirty="0" err="1"/>
+              <a:t>Networking</a:t>
+            </a:r>
+            <a:r>
+              <a:rPr lang="es-AR" sz="1600" dirty="0"/>
+              <a:t>:</a:t>
+            </a:r>
+          </a:p>
+          <a:p>
+            <a:pPr lvl="2"/>
+            <a:r>
+              <a:rPr lang="es-AR" sz="1600" u="sng" dirty="0"/>
+              <a:t>DNS</a:t>
+            </a:r>
+            <a:r>
+              <a:rPr lang="es-AR" sz="1600" dirty="0"/>
+              <a:t>: Bind9 o similar.</a:t>
+            </a:r>
+          </a:p>
+          <a:p>
+            <a:pPr lvl="2"/>
+            <a:r>
+              <a:rPr lang="es-AR" sz="1600" u="sng" dirty="0"/>
+              <a:t>DHCP</a:t>
+            </a:r>
+            <a:r>
+              <a:rPr lang="es-AR" sz="1600" dirty="0"/>
+              <a:t>: Proporcionado por el SO.</a:t>
+            </a:r>
+          </a:p>
+          <a:p>
+            <a:pPr lvl="2"/>
+            <a:r>
+              <a:rPr lang="es-AR" sz="1600" u="sng" dirty="0"/>
+              <a:t>LDAP</a:t>
+            </a:r>
+            <a:r>
+              <a:rPr lang="es-AR" sz="1600" dirty="0"/>
+              <a:t>: </a:t>
+            </a:r>
+            <a:r>
+              <a:rPr lang="es-AR" sz="1600" dirty="0" err="1"/>
+              <a:t>OpenLDAP</a:t>
+            </a:r>
+            <a:endParaRPr lang="es-AR" sz="1600" dirty="0"/>
+          </a:p>
+          <a:p>
+            <a:pPr lvl="1"/>
+            <a:r>
+              <a:rPr lang="es-AR" sz="1600" b="1" dirty="0"/>
+              <a:t>SCM</a:t>
+            </a:r>
+            <a:r>
+              <a:rPr lang="es-AR" sz="1600" dirty="0"/>
+              <a:t>: </a:t>
+            </a:r>
+            <a:r>
+              <a:rPr lang="es-AR" sz="1600" dirty="0" smtClean="0"/>
+              <a:t>(</a:t>
+            </a:r>
+            <a:r>
+              <a:rPr lang="es-AR" sz="1600" dirty="0" err="1" smtClean="0"/>
+              <a:t>Source</a:t>
+            </a:r>
+            <a:r>
+              <a:rPr lang="es-AR" sz="1600" dirty="0" smtClean="0"/>
+              <a:t> </a:t>
+            </a:r>
+            <a:r>
+              <a:rPr lang="es-AR" sz="1600" dirty="0"/>
+              <a:t>control </a:t>
+            </a:r>
+            <a:r>
+              <a:rPr lang="es-AR" sz="1600" dirty="0" smtClean="0"/>
+              <a:t>manager): </a:t>
+            </a:r>
+            <a:r>
+              <a:rPr lang="es-AR" sz="1600" dirty="0"/>
+              <a:t>se eligió </a:t>
+            </a:r>
+            <a:r>
+              <a:rPr lang="es-AR" sz="1600" dirty="0" err="1"/>
+              <a:t>git</a:t>
+            </a:r>
+            <a:r>
+              <a:rPr lang="es-AR" sz="1600" dirty="0"/>
+              <a:t>. Esta herramienta de versionado es la más avanzada de su clase. Es distribuido, cada desarrollador tiene su propia copia del </a:t>
+            </a:r>
+            <a:r>
+              <a:rPr lang="es-AR" sz="1600" dirty="0" smtClean="0"/>
+              <a:t>código.</a:t>
+            </a:r>
+          </a:p>
+          <a:p>
+            <a:pPr lvl="1"/>
+            <a:r>
+              <a:rPr lang="es-AR" sz="1600" b="1" dirty="0" smtClean="0"/>
+              <a:t>Documentación</a:t>
+            </a:r>
+            <a:r>
+              <a:rPr lang="es-AR" sz="1600" dirty="0"/>
+              <a:t>: Se proporcionará al equipo una herramienta para el intercambio de información rápida e informal, </a:t>
+            </a:r>
+            <a:r>
+              <a:rPr lang="es-AR" sz="1600" dirty="0" err="1"/>
+              <a:t>Twiki</a:t>
+            </a:r>
+            <a:r>
+              <a:rPr lang="es-AR" sz="1600" dirty="0"/>
+              <a:t>.</a:t>
+            </a:r>
+          </a:p>
+          <a:p>
+            <a:pPr lvl="1"/>
+            <a:r>
+              <a:rPr lang="es-AR" sz="1600" b="1" dirty="0"/>
+              <a:t>BTS</a:t>
+            </a:r>
+            <a:r>
+              <a:rPr lang="es-AR" sz="1600" dirty="0"/>
+              <a:t>: El Bug tracking </a:t>
+            </a:r>
+            <a:r>
+              <a:rPr lang="es-AR" sz="1600" dirty="0" err="1"/>
+              <a:t>system</a:t>
+            </a:r>
+            <a:r>
+              <a:rPr lang="es-AR" sz="1600" dirty="0"/>
+              <a:t> seleccionado es Mantis.</a:t>
+            </a:r>
+          </a:p>
+          <a:p>
+            <a:pPr lvl="1"/>
+            <a:r>
+              <a:rPr lang="es-AR" sz="1600" b="1" dirty="0" err="1"/>
+              <a:t>Maven</a:t>
+            </a:r>
+            <a:r>
+              <a:rPr lang="es-AR" sz="1600" dirty="0"/>
+              <a:t>: Se instalará un repositorio local de </a:t>
+            </a:r>
+            <a:r>
+              <a:rPr lang="es-AR" sz="1600" dirty="0" err="1"/>
+              <a:t>Jakarta</a:t>
+            </a:r>
+            <a:r>
+              <a:rPr lang="es-AR" sz="1600" dirty="0"/>
+              <a:t> </a:t>
+            </a:r>
+            <a:r>
+              <a:rPr lang="es-AR" sz="1600" dirty="0" err="1"/>
+              <a:t>Maven</a:t>
+            </a:r>
+            <a:r>
+              <a:rPr lang="es-AR" sz="1600" dirty="0"/>
+              <a:t>, para proveer paquetes de librerías y los paquetes propios de la aplicación</a:t>
+            </a:r>
+            <a:r>
+              <a:rPr lang="es-AR" sz="1600" dirty="0" smtClean="0"/>
+              <a:t>.</a:t>
+            </a:r>
+            <a:endParaRPr lang="es-AR" sz="1600" dirty="0"/>
+          </a:p>
+          <a:p>
+            <a:endParaRPr lang="es-AR" dirty="0"/>
+          </a:p>
+        </p:txBody>
+      </p:sp>
+      <p:sp>
+        <p:nvSpPr>
+          <p:cNvPr id="5" name="Text Placeholder 3"/>
+          <p:cNvSpPr>
+            <a:spLocks noGrp="1"/>
+          </p:cNvSpPr>
+          <p:nvPr>
+            <p:ph type="body" sz="quarter" idx="13"/>
+          </p:nvPr>
+        </p:nvSpPr>
+        <p:spPr>
+          <a:xfrm>
+            <a:off x="475488" y="640080"/>
+            <a:ext cx="8449056" cy="228600"/>
+          </a:xfrm>
+        </p:spPr>
+        <p:txBody>
+          <a:bodyPr/>
+          <a:lstStyle/>
+          <a:p>
+            <a:r>
+              <a:rPr lang="es-AR" dirty="0" smtClean="0"/>
+              <a:t>Contara con 2 Servidores Principales</a:t>
+            </a:r>
+            <a:endParaRPr lang="es-AR" dirty="0"/>
+          </a:p>
+        </p:txBody>
+      </p:sp>
+    </p:spTree>
+    <p:extLst>
+      <p:ext uri="{BB962C8B-B14F-4D97-AF65-F5344CB8AC3E}">
+        <p14:creationId xmlns:p14="http://schemas.microsoft.com/office/powerpoint/2010/main" val="2942693383"/>
+      </p:ext>
+    </p:extLst>
+  </p:cSld>
+  <p:clrMapOvr>
+    <a:masterClrMapping/>
+  </p:clrMapOvr>
+</p:sld>
+</file>
+
+<file path=ppt/slides/slide22.xml><?xml version="1.0" encoding="utf-8"?>
+<p:sld xmlns:a="http://schemas.openxmlformats.org/drawingml/2006/main" xmlns:r="http://schemas.openxmlformats.org/officeDocument/2006/relationships" xmlns:p="http://schemas.openxmlformats.org/presentationml/2006/main">
+  <p:cSld>
+    <p:spTree>
+      <p:nvGrpSpPr>
+        <p:cNvPr id="1" name=""/>
+        <p:cNvGrpSpPr/>
+        <p:nvPr/>
+      </p:nvGrpSpPr>
+      <p:grpSpPr>
+        <a:xfrm>
+          <a:off x="0" y="0"/>
+          <a:ext cx="0" cy="0"/>
+          <a:chOff x="0" y="0"/>
+          <a:chExt cx="0" cy="0"/>
+        </a:xfrm>
+      </p:grpSpPr>
+      <p:sp>
+        <p:nvSpPr>
+          <p:cNvPr id="2" name="Title 1"/>
+          <p:cNvSpPr>
+            <a:spLocks noGrp="1"/>
+          </p:cNvSpPr>
+          <p:nvPr>
+            <p:ph type="title"/>
+          </p:nvPr>
+        </p:nvSpPr>
+        <p:spPr/>
+        <p:txBody>
+          <a:bodyPr/>
+          <a:lstStyle/>
+          <a:p>
+            <a:r>
+              <a:rPr lang="es-AR" dirty="0"/>
+              <a:t>Infraestructura Interna - Servidores</a:t>
+            </a:r>
+          </a:p>
+        </p:txBody>
+      </p:sp>
+      <p:sp>
+        <p:nvSpPr>
+          <p:cNvPr id="3" name="Content Placeholder 2"/>
+          <p:cNvSpPr>
+            <a:spLocks noGrp="1"/>
+          </p:cNvSpPr>
+          <p:nvPr>
+            <p:ph idx="1"/>
+          </p:nvPr>
+        </p:nvSpPr>
+        <p:spPr>
+          <a:xfrm>
+            <a:off x="722313" y="1052735"/>
+            <a:ext cx="7888287" cy="4967065"/>
+          </a:xfrm>
+        </p:spPr>
+        <p:txBody>
+          <a:bodyPr/>
+          <a:lstStyle/>
+          <a:p>
+            <a:pPr marL="0" indent="0" algn="ctr">
+              <a:buNone/>
+            </a:pPr>
+            <a:r>
+              <a:rPr lang="es-ES_tradnl" sz="1600" b="1" dirty="0"/>
+              <a:t>Servidor </a:t>
+            </a:r>
+            <a:r>
+              <a:rPr lang="es-ES_tradnl" sz="1600" b="1" dirty="0" smtClean="0"/>
+              <a:t>2: Ambiente Producción </a:t>
+            </a:r>
+            <a:r>
+              <a:rPr lang="es-ES_tradnl" sz="1600" b="1" dirty="0" err="1" smtClean="0"/>
+              <a:t>Virtualizado</a:t>
+            </a:r>
+            <a:endParaRPr lang="es-ES_tradnl" sz="1600" b="1" dirty="0" smtClean="0"/>
+          </a:p>
+          <a:p>
+            <a:pPr marL="0" indent="0" algn="ctr">
+              <a:buNone/>
+            </a:pPr>
+            <a:endParaRPr lang="es-AR" sz="1600" dirty="0"/>
+          </a:p>
+          <a:p>
+            <a:r>
+              <a:rPr lang="es-ES_tradnl" sz="1600" b="1" u="sng" dirty="0"/>
+              <a:t>Roles:</a:t>
+            </a:r>
+            <a:r>
+              <a:rPr lang="es-ES_tradnl" sz="1600" dirty="0"/>
+              <a:t> Entorno de Desarrollo mediante virtualización </a:t>
+            </a:r>
+            <a:r>
+              <a:rPr lang="es-ES_tradnl" sz="1600" dirty="0" smtClean="0"/>
+              <a:t>con </a:t>
+            </a:r>
+            <a:r>
+              <a:rPr lang="es-ES_tradnl" sz="1600" b="1" dirty="0" smtClean="0"/>
+              <a:t>XEN</a:t>
+            </a:r>
+            <a:r>
+              <a:rPr lang="es-ES_tradnl" sz="1600" dirty="0" smtClean="0"/>
+              <a:t>.</a:t>
+            </a:r>
+            <a:endParaRPr lang="es-AR" sz="1600" dirty="0"/>
+          </a:p>
+          <a:p>
+            <a:pPr lvl="1"/>
+            <a:r>
+              <a:rPr lang="es-ES_tradnl" sz="1600" dirty="0"/>
+              <a:t>Se configurarán varias máquinas virtuales para crear ambientes de desarrollo y </a:t>
+            </a:r>
+            <a:r>
+              <a:rPr lang="es-ES_tradnl" sz="1600" dirty="0" err="1"/>
+              <a:t>testing</a:t>
+            </a:r>
+            <a:r>
+              <a:rPr lang="es-ES_tradnl" sz="1600" dirty="0"/>
+              <a:t>. </a:t>
+            </a:r>
+            <a:endParaRPr lang="es-ES_tradnl" sz="1600" dirty="0" smtClean="0"/>
+          </a:p>
+          <a:p>
+            <a:pPr marL="228600" lvl="1" indent="0">
+              <a:buNone/>
+            </a:pPr>
+            <a:endParaRPr lang="es-ES_tradnl" sz="1600" dirty="0" smtClean="0"/>
+          </a:p>
+          <a:p>
+            <a:pPr lvl="1"/>
+            <a:r>
+              <a:rPr lang="es-AR" sz="1600" b="1" dirty="0" smtClean="0"/>
+              <a:t>Ambiente </a:t>
+            </a:r>
+            <a:r>
+              <a:rPr lang="es-AR" sz="1600" b="1" dirty="0"/>
+              <a:t>de Desarrollo</a:t>
+            </a:r>
+            <a:r>
+              <a:rPr lang="es-AR" sz="1600" dirty="0"/>
+              <a:t>: Se mantendrá un ambiente de aplicaciones similar al productivo pero que estará a disposición de los desarrolladores para probar el sistema.</a:t>
+            </a:r>
+          </a:p>
+          <a:p>
+            <a:pPr lvl="1"/>
+            <a:r>
+              <a:rPr lang="es-AR" sz="1600" b="1" dirty="0"/>
+              <a:t>Ambiente de QA</a:t>
+            </a:r>
+            <a:r>
+              <a:rPr lang="es-AR" sz="1600" dirty="0"/>
+              <a:t>: Similar al de desarrollo pero se utilizará para el </a:t>
+            </a:r>
+            <a:r>
+              <a:rPr lang="es-AR" sz="1600" dirty="0" err="1"/>
+              <a:t>testing</a:t>
+            </a:r>
+            <a:r>
+              <a:rPr lang="es-AR" sz="1600" dirty="0"/>
+              <a:t> integral de la aplicación y deberá mantenerse estable, las versiones que pasen los test en este ambiente se consideraran lo suficientemente estable para ser instalados en producción.</a:t>
+            </a:r>
+          </a:p>
+          <a:p>
+            <a:pPr lvl="1"/>
+            <a:r>
+              <a:rPr lang="es-AR" sz="1600" b="1" dirty="0"/>
+              <a:t>Base de datos</a:t>
+            </a:r>
+            <a:r>
+              <a:rPr lang="es-AR" sz="1600" dirty="0"/>
+              <a:t>: Se instalará la misma base de datos seleccionada para el sistema. Se utilizará para desarrollo y </a:t>
+            </a:r>
+            <a:r>
+              <a:rPr lang="es-AR" sz="1600" dirty="0" err="1"/>
+              <a:t>testing</a:t>
+            </a:r>
+            <a:r>
+              <a:rPr lang="es-AR" sz="1600" dirty="0" smtClean="0"/>
+              <a:t>.</a:t>
+            </a:r>
+            <a:endParaRPr lang="es-AR" sz="1600" dirty="0"/>
+          </a:p>
+          <a:p>
+            <a:endParaRPr lang="es-AR" dirty="0"/>
+          </a:p>
+        </p:txBody>
+      </p:sp>
+    </p:spTree>
+    <p:extLst>
+      <p:ext uri="{BB962C8B-B14F-4D97-AF65-F5344CB8AC3E}">
+        <p14:creationId xmlns:p14="http://schemas.microsoft.com/office/powerpoint/2010/main" val="3786510650"/>
+      </p:ext>
+    </p:extLst>
+  </p:cSld>
+  <p:clrMapOvr>
+    <a:masterClrMapping/>
+  </p:clrMapOvr>
+</p:sld>
+</file>
+
+<file path=ppt/slides/slide23.xml><?xml version="1.0" encoding="utf-8"?>
+<p:sld xmlns:a="http://schemas.openxmlformats.org/drawingml/2006/main" xmlns:r="http://schemas.openxmlformats.org/officeDocument/2006/relationships" xmlns:p="http://schemas.openxmlformats.org/presentationml/2006/main">
+  <p:cSld>
+    <p:spTree>
+      <p:nvGrpSpPr>
+        <p:cNvPr id="1" name=""/>
+        <p:cNvGrpSpPr/>
+        <p:nvPr/>
+      </p:nvGrpSpPr>
+      <p:grpSpPr>
+        <a:xfrm>
+          <a:off x="0" y="0"/>
+          <a:ext cx="0" cy="0"/>
+          <a:chOff x="0" y="0"/>
+          <a:chExt cx="0" cy="0"/>
+        </a:xfrm>
+      </p:grpSpPr>
+      <p:sp>
+        <p:nvSpPr>
+          <p:cNvPr id="2" name="Title 1"/>
+          <p:cNvSpPr>
+            <a:spLocks noGrp="1"/>
+          </p:cNvSpPr>
+          <p:nvPr>
+            <p:ph type="title"/>
+          </p:nvPr>
+        </p:nvSpPr>
+        <p:spPr/>
+        <p:txBody>
+          <a:bodyPr/>
+          <a:lstStyle/>
+          <a:p>
+            <a:r>
+              <a:rPr lang="es-AR" dirty="0" err="1" smtClean="0"/>
+              <a:t>Pc´s</a:t>
+            </a:r>
+            <a:r>
+              <a:rPr lang="es-AR" dirty="0" smtClean="0"/>
+              <a:t> Para Desarrollo</a:t>
+            </a:r>
+            <a:endParaRPr lang="es-AR" dirty="0"/>
+          </a:p>
+        </p:txBody>
+      </p:sp>
+      <p:sp>
+        <p:nvSpPr>
+          <p:cNvPr id="3" name="Content Placeholder 2"/>
+          <p:cNvSpPr>
+            <a:spLocks noGrp="1"/>
+          </p:cNvSpPr>
+          <p:nvPr>
+            <p:ph idx="1"/>
+          </p:nvPr>
+        </p:nvSpPr>
+        <p:spPr>
+          <a:xfrm>
+            <a:off x="722313" y="980729"/>
+            <a:ext cx="7888287" cy="5039072"/>
+          </a:xfrm>
+        </p:spPr>
+        <p:txBody>
+          <a:bodyPr/>
+          <a:lstStyle/>
+          <a:p>
+            <a:r>
+              <a:rPr lang="es-AR" dirty="0" smtClean="0"/>
+              <a:t>Serán necesarias 7 </a:t>
+            </a:r>
+            <a:r>
+              <a:rPr lang="es-AR" dirty="0" err="1" smtClean="0"/>
+              <a:t>pcs</a:t>
+            </a:r>
+            <a:r>
+              <a:rPr lang="es-AR" dirty="0" smtClean="0"/>
+              <a:t> para el equipo de trabajo y una notebook para el </a:t>
+            </a:r>
+            <a:r>
+              <a:rPr lang="es-AR" dirty="0" err="1" smtClean="0"/>
+              <a:t>lider</a:t>
+            </a:r>
+            <a:r>
+              <a:rPr lang="es-AR" dirty="0" smtClean="0"/>
+              <a:t> de proyecto</a:t>
+            </a:r>
+          </a:p>
+          <a:p>
+            <a:r>
+              <a:rPr lang="es-AR" dirty="0" smtClean="0"/>
+              <a:t>Todas </a:t>
+            </a:r>
+            <a:r>
+              <a:rPr lang="es-AR" dirty="0" err="1" smtClean="0"/>
+              <a:t>Estaran</a:t>
+            </a:r>
+            <a:r>
+              <a:rPr lang="es-AR" dirty="0" smtClean="0"/>
+              <a:t> provistas de </a:t>
+            </a:r>
+            <a:r>
+              <a:rPr lang="es-AR" b="1" dirty="0"/>
+              <a:t>Ubuntu </a:t>
+            </a:r>
+            <a:r>
+              <a:rPr lang="es-AR" b="1" dirty="0" smtClean="0"/>
+              <a:t>Desktop </a:t>
+            </a:r>
+            <a:r>
+              <a:rPr lang="es-AR" b="1" dirty="0" err="1" smtClean="0"/>
+              <a:t>version</a:t>
+            </a:r>
+            <a:r>
+              <a:rPr lang="es-AR" b="1" dirty="0" smtClean="0"/>
+              <a:t> 10.4</a:t>
+            </a:r>
+            <a:endParaRPr lang="es-AR" dirty="0"/>
+          </a:p>
+          <a:p>
+            <a:endParaRPr lang="es-AR" dirty="0" smtClean="0"/>
+          </a:p>
+          <a:p>
+            <a:endParaRPr lang="es-AR" dirty="0"/>
+          </a:p>
+          <a:p>
+            <a:endParaRPr lang="es-AR" dirty="0" smtClean="0"/>
+          </a:p>
+          <a:p>
+            <a:pPr algn="ctr"/>
+            <a:r>
+              <a:rPr lang="es-AR" sz="2400" b="1" dirty="0" smtClean="0">
+                <a:solidFill>
+                  <a:srgbClr val="FF0000"/>
+                </a:solidFill>
+              </a:rPr>
+              <a:t>TABLA PONDERCION NOTEBOOKS???</a:t>
+            </a:r>
+            <a:endParaRPr lang="es-AR" sz="2400" b="1" dirty="0">
+              <a:solidFill>
+                <a:srgbClr val="FF0000"/>
+              </a:solidFill>
+            </a:endParaRPr>
+          </a:p>
+        </p:txBody>
+      </p:sp>
+    </p:spTree>
+    <p:extLst>
+      <p:ext uri="{BB962C8B-B14F-4D97-AF65-F5344CB8AC3E}">
+        <p14:creationId xmlns:p14="http://schemas.microsoft.com/office/powerpoint/2010/main" val="793879350"/>
+      </p:ext>
+    </p:extLst>
+  </p:cSld>
+  <p:clrMapOvr>
+    <a:masterClrMapping/>
+  </p:clrMapOvr>
+</p:sld>
+</file>
+
+<file path=ppt/slides/slide24.xml><?xml version="1.0" encoding="utf-8"?>
+<p:sld xmlns:a="http://schemas.openxmlformats.org/drawingml/2006/main" xmlns:r="http://schemas.openxmlformats.org/officeDocument/2006/relationships" xmlns:p="http://schemas.openxmlformats.org/presentationml/2006/main">
+  <p:cSld>
+    <p:spTree>
+      <p:nvGrpSpPr>
+        <p:cNvPr id="1" name=""/>
+        <p:cNvGrpSpPr/>
+        <p:nvPr/>
+      </p:nvGrpSpPr>
+      <p:grpSpPr>
+        <a:xfrm>
+          <a:off x="0" y="0"/>
+          <a:ext cx="0" cy="0"/>
+          <a:chOff x="0" y="0"/>
+          <a:chExt cx="0" cy="0"/>
+        </a:xfrm>
+      </p:grpSpPr>
+      <p:sp>
+        <p:nvSpPr>
+          <p:cNvPr id="2" name="Title 1"/>
+          <p:cNvSpPr>
+            <a:spLocks noGrp="1"/>
+          </p:cNvSpPr>
+          <p:nvPr>
+            <p:ph type="title"/>
+          </p:nvPr>
+        </p:nvSpPr>
+        <p:spPr/>
+        <p:txBody>
+          <a:bodyPr/>
+          <a:lstStyle/>
+          <a:p>
+            <a:r>
+              <a:rPr lang="es-AR" dirty="0" smtClean="0"/>
+              <a:t>RRHH</a:t>
+            </a:r>
+            <a:endParaRPr lang="es-AR" dirty="0"/>
+          </a:p>
+        </p:txBody>
+      </p:sp>
+      <p:sp>
+        <p:nvSpPr>
+          <p:cNvPr id="3" name="Content Placeholder 2"/>
+          <p:cNvSpPr>
+            <a:spLocks noGrp="1"/>
+          </p:cNvSpPr>
+          <p:nvPr>
+            <p:ph idx="1"/>
+          </p:nvPr>
+        </p:nvSpPr>
+        <p:spPr/>
+        <p:txBody>
+          <a:bodyPr/>
+          <a:lstStyle/>
+          <a:p>
+            <a:endParaRPr lang="es-AR" dirty="0"/>
+          </a:p>
+        </p:txBody>
+      </p:sp>
+      <p:sp>
+        <p:nvSpPr>
+          <p:cNvPr id="4" name="Text Placeholder 3"/>
+          <p:cNvSpPr>
+            <a:spLocks noGrp="1"/>
+          </p:cNvSpPr>
+          <p:nvPr>
+            <p:ph type="body" sz="quarter" idx="13"/>
+          </p:nvPr>
+        </p:nvSpPr>
+        <p:spPr/>
+        <p:txBody>
+          <a:bodyPr/>
+          <a:lstStyle/>
+          <a:p>
+            <a:r>
+              <a:rPr lang="es-AR" dirty="0" smtClean="0"/>
+              <a:t>Empleados - Roles</a:t>
+            </a:r>
+            <a:endParaRPr lang="es-AR" dirty="0"/>
+          </a:p>
+        </p:txBody>
+      </p:sp>
+    </p:spTree>
+    <p:extLst>
+      <p:ext uri="{BB962C8B-B14F-4D97-AF65-F5344CB8AC3E}">
+        <p14:creationId xmlns:p14="http://schemas.microsoft.com/office/powerpoint/2010/main" val="2924164480"/>
+      </p:ext>
+    </p:extLst>
+  </p:cSld>
+  <p:clrMapOvr>
+    <a:masterClrMapping/>
+  </p:clrMapOvr>
+</p:sld>
+</file>
+
+<file path=ppt/slides/slide25.xml><?xml version="1.0" encoding="utf-8"?>
+<p:sld xmlns:a="http://schemas.openxmlformats.org/drawingml/2006/main" xmlns:r="http://schemas.openxmlformats.org/officeDocument/2006/relationships" xmlns:p="http://schemas.openxmlformats.org/presentationml/2006/main">
+  <p:cSld>
+    <p:spTree>
+      <p:nvGrpSpPr>
+        <p:cNvPr id="1" name=""/>
+        <p:cNvGrpSpPr/>
+        <p:nvPr/>
+      </p:nvGrpSpPr>
+      <p:grpSpPr>
+        <a:xfrm>
+          <a:off x="0" y="0"/>
+          <a:ext cx="0" cy="0"/>
+          <a:chOff x="0" y="0"/>
+          <a:chExt cx="0" cy="0"/>
+        </a:xfrm>
+      </p:grpSpPr>
+      <p:sp>
+        <p:nvSpPr>
+          <p:cNvPr id="2" name="Title 1"/>
+          <p:cNvSpPr>
+            <a:spLocks noGrp="1"/>
+          </p:cNvSpPr>
+          <p:nvPr>
+            <p:ph type="title"/>
+          </p:nvPr>
+        </p:nvSpPr>
+        <p:spPr/>
+        <p:txBody>
+          <a:bodyPr/>
+          <a:lstStyle/>
+          <a:p>
+            <a:r>
+              <a:rPr lang="es-AR" dirty="0" smtClean="0"/>
+              <a:t>RRHH</a:t>
+            </a:r>
+            <a:endParaRPr lang="es-AR" dirty="0"/>
+          </a:p>
+        </p:txBody>
+      </p:sp>
+      <p:graphicFrame>
+        <p:nvGraphicFramePr>
+          <p:cNvPr id="5" name="Content Placeholder 4"/>
+          <p:cNvGraphicFramePr>
+            <a:graphicFrameLocks noGrp="1"/>
+          </p:cNvGraphicFramePr>
+          <p:nvPr>
+            <p:ph idx="1"/>
+            <p:extLst>
+              <p:ext uri="{D42A27DB-BD31-4B8C-83A1-F6EECF244321}">
+                <p14:modId xmlns:p14="http://schemas.microsoft.com/office/powerpoint/2010/main" val="810653241"/>
+              </p:ext>
+            </p:extLst>
+          </p:nvPr>
+        </p:nvGraphicFramePr>
+        <p:xfrm>
+          <a:off x="2915816" y="1916832"/>
+          <a:ext cx="3600400" cy="1808118"/>
+        </p:xfrm>
+        <a:graphic>
+          <a:graphicData uri="http://schemas.openxmlformats.org/drawingml/2006/table">
+            <a:tbl>
+              <a:tblPr>
+                <a:tableStyleId>{5C22544A-7EE6-4342-B048-85BDC9FD1C3A}</a:tableStyleId>
+              </a:tblPr>
+              <a:tblGrid>
+                <a:gridCol w="2735499"/>
+                <a:gridCol w="864901"/>
+              </a:tblGrid>
+              <a:tr h="261768">
+                <a:tc>
+                  <a:txBody>
+                    <a:bodyPr/>
+                    <a:lstStyle/>
+                    <a:p>
+                      <a:pPr algn="l" fontAlgn="b"/>
+                      <a:r>
+                        <a:rPr lang="es-AR" sz="1600" u="none" strike="noStrike">
+                          <a:effectLst/>
+                        </a:rPr>
+                        <a:t>Concepto</a:t>
+                      </a:r>
+                      <a:endParaRPr lang="es-AR" sz="1600" b="1" i="0" u="none" strike="noStrike">
+                        <a:solidFill>
+                          <a:srgbClr val="FFFFFF"/>
+                        </a:solidFill>
+                        <a:effectLst/>
+                        <a:latin typeface="Arial"/>
+                      </a:endParaRPr>
+                    </a:p>
+                  </a:txBody>
+                  <a:tcPr marL="9525" marR="9525" marT="9525" marB="0" anchor="b"/>
+                </a:tc>
+                <a:tc>
+                  <a:txBody>
+                    <a:bodyPr/>
+                    <a:lstStyle/>
+                    <a:p>
+                      <a:pPr algn="ctr" fontAlgn="b"/>
+                      <a:r>
+                        <a:rPr lang="es-AR" sz="1600" u="none" strike="noStrike">
+                          <a:effectLst/>
+                        </a:rPr>
+                        <a:t>Neto</a:t>
+                      </a:r>
+                      <a:endParaRPr lang="es-AR" sz="1600" b="1" i="0" u="none" strike="noStrike">
+                        <a:solidFill>
+                          <a:srgbClr val="FFFFFF"/>
+                        </a:solidFill>
+                        <a:effectLst/>
+                        <a:latin typeface="Arial"/>
+                      </a:endParaRPr>
+                    </a:p>
+                  </a:txBody>
+                  <a:tcPr marL="9525" marR="9525" marT="9525" marB="0" anchor="b"/>
+                </a:tc>
+              </a:tr>
+              <a:tr h="257725">
+                <a:tc>
+                  <a:txBody>
+                    <a:bodyPr/>
+                    <a:lstStyle/>
+                    <a:p>
+                      <a:pPr algn="l" fontAlgn="b"/>
+                      <a:r>
+                        <a:rPr lang="es-AR" sz="1600" u="none" strike="noStrike">
+                          <a:effectLst/>
+                        </a:rPr>
+                        <a:t>Arquitecto / Lider</a:t>
+                      </a:r>
+                      <a:endParaRPr lang="es-AR" sz="1600" b="0" i="0" u="none" strike="noStrike">
+                        <a:effectLst/>
+                        <a:latin typeface="Arial"/>
+                      </a:endParaRPr>
+                    </a:p>
+                  </a:txBody>
+                  <a:tcPr marL="9525" marR="9525" marT="9525" marB="0" anchor="b"/>
+                </a:tc>
+                <a:tc>
+                  <a:txBody>
+                    <a:bodyPr/>
+                    <a:lstStyle/>
+                    <a:p>
+                      <a:pPr algn="r" fontAlgn="b"/>
+                      <a:r>
+                        <a:rPr lang="es-AR" sz="1600" u="none" strike="noStrike">
+                          <a:effectLst/>
+                        </a:rPr>
+                        <a:t>$ 8.000</a:t>
+                      </a:r>
+                      <a:endParaRPr lang="es-AR" sz="1600" b="0" i="0" u="none" strike="noStrike">
+                        <a:effectLst/>
+                        <a:latin typeface="Arial"/>
+                      </a:endParaRPr>
+                    </a:p>
+                  </a:txBody>
+                  <a:tcPr marL="9525" marR="9525" marT="9525" marB="0" anchor="b"/>
+                </a:tc>
+              </a:tr>
+              <a:tr h="257725">
+                <a:tc>
+                  <a:txBody>
+                    <a:bodyPr/>
+                    <a:lstStyle/>
+                    <a:p>
+                      <a:pPr algn="l" fontAlgn="b"/>
+                      <a:r>
+                        <a:rPr lang="es-AR" sz="1600" u="none" strike="noStrike">
+                          <a:effectLst/>
+                        </a:rPr>
+                        <a:t>IT</a:t>
+                      </a:r>
+                      <a:endParaRPr lang="es-AR" sz="1600" b="0" i="0" u="none" strike="noStrike">
+                        <a:effectLst/>
+                        <a:latin typeface="Arial"/>
+                      </a:endParaRPr>
+                    </a:p>
+                  </a:txBody>
+                  <a:tcPr marL="9525" marR="9525" marT="9525" marB="0" anchor="b"/>
+                </a:tc>
+                <a:tc>
+                  <a:txBody>
+                    <a:bodyPr/>
+                    <a:lstStyle/>
+                    <a:p>
+                      <a:pPr algn="r" fontAlgn="b"/>
+                      <a:r>
+                        <a:rPr lang="es-AR" sz="1600" u="none" strike="noStrike">
+                          <a:effectLst/>
+                        </a:rPr>
+                        <a:t>$ 4.000</a:t>
+                      </a:r>
+                      <a:endParaRPr lang="es-AR" sz="1600" b="0" i="0" u="none" strike="noStrike">
+                        <a:effectLst/>
+                        <a:latin typeface="Arial"/>
+                      </a:endParaRPr>
+                    </a:p>
+                  </a:txBody>
+                  <a:tcPr marL="9525" marR="9525" marT="9525" marB="0" anchor="b"/>
+                </a:tc>
+              </a:tr>
+              <a:tr h="257725">
+                <a:tc>
+                  <a:txBody>
+                    <a:bodyPr/>
+                    <a:lstStyle/>
+                    <a:p>
+                      <a:pPr algn="l" fontAlgn="b"/>
+                      <a:r>
+                        <a:rPr lang="es-AR" sz="1600" u="none" strike="noStrike">
+                          <a:effectLst/>
+                        </a:rPr>
+                        <a:t>Programador Senior</a:t>
+                      </a:r>
+                      <a:endParaRPr lang="es-AR" sz="1600" b="0" i="0" u="none" strike="noStrike">
+                        <a:effectLst/>
+                        <a:latin typeface="Arial"/>
+                      </a:endParaRPr>
+                    </a:p>
+                  </a:txBody>
+                  <a:tcPr marL="9525" marR="9525" marT="9525" marB="0" anchor="b"/>
+                </a:tc>
+                <a:tc>
+                  <a:txBody>
+                    <a:bodyPr/>
+                    <a:lstStyle/>
+                    <a:p>
+                      <a:pPr algn="r" fontAlgn="b"/>
+                      <a:r>
+                        <a:rPr lang="es-AR" sz="1600" u="none" strike="noStrike">
+                          <a:effectLst/>
+                        </a:rPr>
+                        <a:t>$ 5.500</a:t>
+                      </a:r>
+                      <a:endParaRPr lang="es-AR" sz="1600" b="0" i="0" u="none" strike="noStrike">
+                        <a:effectLst/>
+                        <a:latin typeface="Arial"/>
+                      </a:endParaRPr>
+                    </a:p>
+                  </a:txBody>
+                  <a:tcPr marL="9525" marR="9525" marT="9525" marB="0" anchor="b"/>
+                </a:tc>
+              </a:tr>
+              <a:tr h="257725">
+                <a:tc>
+                  <a:txBody>
+                    <a:bodyPr/>
+                    <a:lstStyle/>
+                    <a:p>
+                      <a:pPr algn="l" fontAlgn="b"/>
+                      <a:r>
+                        <a:rPr lang="es-AR" sz="1600" u="none" strike="noStrike">
+                          <a:effectLst/>
+                        </a:rPr>
+                        <a:t>Programador SemiSenior</a:t>
+                      </a:r>
+                      <a:endParaRPr lang="es-AR" sz="1600" b="0" i="0" u="none" strike="noStrike">
+                        <a:effectLst/>
+                        <a:latin typeface="Arial"/>
+                      </a:endParaRPr>
+                    </a:p>
+                  </a:txBody>
+                  <a:tcPr marL="9525" marR="9525" marT="9525" marB="0" anchor="b"/>
+                </a:tc>
+                <a:tc>
+                  <a:txBody>
+                    <a:bodyPr/>
+                    <a:lstStyle/>
+                    <a:p>
+                      <a:pPr algn="r" fontAlgn="b"/>
+                      <a:r>
+                        <a:rPr lang="es-AR" sz="1600" u="none" strike="noStrike">
+                          <a:effectLst/>
+                        </a:rPr>
+                        <a:t>$ 4.000</a:t>
+                      </a:r>
+                      <a:endParaRPr lang="es-AR" sz="1600" b="0" i="0" u="none" strike="noStrike">
+                        <a:effectLst/>
+                        <a:latin typeface="Arial"/>
+                      </a:endParaRPr>
+                    </a:p>
+                  </a:txBody>
+                  <a:tcPr marL="9525" marR="9525" marT="9525" marB="0" anchor="b"/>
+                </a:tc>
+              </a:tr>
+              <a:tr h="257725">
+                <a:tc>
+                  <a:txBody>
+                    <a:bodyPr/>
+                    <a:lstStyle/>
+                    <a:p>
+                      <a:pPr algn="l" fontAlgn="b"/>
+                      <a:r>
+                        <a:rPr lang="es-AR" sz="1600" u="none" strike="noStrike">
+                          <a:effectLst/>
+                        </a:rPr>
+                        <a:t>Programador Junior</a:t>
+                      </a:r>
+                      <a:endParaRPr lang="es-AR" sz="1600" b="0" i="0" u="none" strike="noStrike">
+                        <a:effectLst/>
+                        <a:latin typeface="Arial"/>
+                      </a:endParaRPr>
+                    </a:p>
+                  </a:txBody>
+                  <a:tcPr marL="9525" marR="9525" marT="9525" marB="0" anchor="b"/>
+                </a:tc>
+                <a:tc>
+                  <a:txBody>
+                    <a:bodyPr/>
+                    <a:lstStyle/>
+                    <a:p>
+                      <a:pPr algn="r" fontAlgn="b"/>
+                      <a:r>
+                        <a:rPr lang="es-AR" sz="1600" u="none" strike="noStrike">
+                          <a:effectLst/>
+                        </a:rPr>
+                        <a:t>$ 3.000</a:t>
+                      </a:r>
+                      <a:endParaRPr lang="es-AR" sz="1600" b="0" i="0" u="none" strike="noStrike">
+                        <a:effectLst/>
+                        <a:latin typeface="Arial"/>
+                      </a:endParaRPr>
+                    </a:p>
+                  </a:txBody>
+                  <a:tcPr marL="9525" marR="9525" marT="9525" marB="0" anchor="b"/>
+                </a:tc>
+              </a:tr>
+              <a:tr h="257725">
+                <a:tc>
+                  <a:txBody>
+                    <a:bodyPr/>
+                    <a:lstStyle/>
+                    <a:p>
+                      <a:pPr algn="l" fontAlgn="b"/>
+                      <a:r>
+                        <a:rPr lang="es-AR" sz="1600" u="none" strike="noStrike">
+                          <a:effectLst/>
+                        </a:rPr>
+                        <a:t>Tester</a:t>
+                      </a:r>
+                      <a:endParaRPr lang="es-AR" sz="1600" b="0" i="0" u="none" strike="noStrike">
+                        <a:effectLst/>
+                        <a:latin typeface="Arial"/>
+                      </a:endParaRPr>
+                    </a:p>
+                  </a:txBody>
+                  <a:tcPr marL="9525" marR="9525" marT="9525" marB="0" anchor="b"/>
+                </a:tc>
+                <a:tc>
+                  <a:txBody>
+                    <a:bodyPr/>
+                    <a:lstStyle/>
+                    <a:p>
+                      <a:pPr algn="r" fontAlgn="b"/>
+                      <a:r>
+                        <a:rPr lang="es-AR" sz="1600" u="none" strike="noStrike" dirty="0">
+                          <a:effectLst/>
+                        </a:rPr>
+                        <a:t>$ 3.000</a:t>
+                      </a:r>
+                      <a:endParaRPr lang="es-AR" sz="1600" b="0" i="0" u="none" strike="noStrike" dirty="0">
+                        <a:effectLst/>
+                        <a:latin typeface="Arial"/>
+                      </a:endParaRPr>
+                    </a:p>
+                  </a:txBody>
+                  <a:tcPr marL="9525" marR="9525" marT="9525" marB="0" anchor="b"/>
+                </a:tc>
+              </a:tr>
+            </a:tbl>
+          </a:graphicData>
+        </a:graphic>
+      </p:graphicFrame>
+      <p:sp>
+        <p:nvSpPr>
+          <p:cNvPr id="4" name="Text Placeholder 3"/>
+          <p:cNvSpPr>
+            <a:spLocks noGrp="1"/>
+          </p:cNvSpPr>
+          <p:nvPr>
+            <p:ph type="body" sz="quarter" idx="13"/>
+          </p:nvPr>
+        </p:nvSpPr>
+        <p:spPr/>
+        <p:txBody>
+          <a:bodyPr/>
+          <a:lstStyle/>
+          <a:p>
+            <a:r>
+              <a:rPr lang="es-AR" dirty="0" smtClean="0"/>
+              <a:t>Empleados - Sueldos</a:t>
+            </a:r>
+            <a:endParaRPr lang="es-AR" dirty="0"/>
+          </a:p>
+        </p:txBody>
+      </p:sp>
+    </p:spTree>
+    <p:extLst>
+      <p:ext uri="{BB962C8B-B14F-4D97-AF65-F5344CB8AC3E}">
+        <p14:creationId xmlns:p14="http://schemas.microsoft.com/office/powerpoint/2010/main" val="2773491677"/>
+      </p:ext>
+    </p:extLst>
+  </p:cSld>
+  <p:clrMapOvr>
+    <a:masterClrMapping/>
+  </p:clrMapOvr>
+</p:sld>
+</file>
+
+<file path=ppt/slides/slide26.xml><?xml version="1.0" encoding="utf-8"?>
+<p:sld xmlns:a="http://schemas.openxmlformats.org/drawingml/2006/main" xmlns:r="http://schemas.openxmlformats.org/officeDocument/2006/relationships" xmlns:p="http://schemas.openxmlformats.org/presentationml/2006/main">
+  <p:cSld>
+    <p:spTree>
+      <p:nvGrpSpPr>
+        <p:cNvPr id="1" name=""/>
+        <p:cNvGrpSpPr/>
+        <p:nvPr/>
+      </p:nvGrpSpPr>
+      <p:grpSpPr>
+        <a:xfrm>
+          <a:off x="0" y="0"/>
+          <a:ext cx="0" cy="0"/>
+          <a:chOff x="0" y="0"/>
+          <a:chExt cx="0" cy="0"/>
+        </a:xfrm>
+      </p:grpSpPr>
+      <p:sp>
+        <p:nvSpPr>
+          <p:cNvPr id="2" name="Title 1"/>
+          <p:cNvSpPr>
+            <a:spLocks noGrp="1"/>
+          </p:cNvSpPr>
+          <p:nvPr>
+            <p:ph type="title"/>
+          </p:nvPr>
+        </p:nvSpPr>
+        <p:spPr/>
+        <p:txBody>
+          <a:bodyPr/>
+          <a:lstStyle/>
+          <a:p>
+            <a:r>
+              <a:rPr lang="es-AR" dirty="0" smtClean="0"/>
+              <a:t>Costos Iniciales</a:t>
+            </a:r>
+            <a:endParaRPr lang="es-AR" dirty="0"/>
+          </a:p>
+        </p:txBody>
+      </p:sp>
+      <p:sp>
+        <p:nvSpPr>
+          <p:cNvPr id="3" name="Content Placeholder 2"/>
+          <p:cNvSpPr>
+            <a:spLocks noGrp="1"/>
+          </p:cNvSpPr>
+          <p:nvPr>
+            <p:ph idx="1"/>
+          </p:nvPr>
+        </p:nvSpPr>
+        <p:spPr/>
+        <p:txBody>
+          <a:bodyPr/>
+          <a:lstStyle/>
+          <a:p>
+            <a:endParaRPr lang="es-AR"/>
+          </a:p>
+        </p:txBody>
+      </p:sp>
+    </p:spTree>
+    <p:extLst>
+      <p:ext uri="{BB962C8B-B14F-4D97-AF65-F5344CB8AC3E}">
+        <p14:creationId xmlns:p14="http://schemas.microsoft.com/office/powerpoint/2010/main" val="3579918999"/>
+      </p:ext>
+    </p:extLst>
+  </p:cSld>
+  <p:clrMapOvr>
+    <a:masterClrMapping/>
+  </p:clrMapOvr>
+</p:sld>
+</file>
+
+<file path=ppt/slides/slide27.xml><?xml version="1.0" encoding="utf-8"?>
+<p:sld xmlns:a="http://schemas.openxmlformats.org/drawingml/2006/main" xmlns:r="http://schemas.openxmlformats.org/officeDocument/2006/relationships" xmlns:p="http://schemas.openxmlformats.org/presentationml/2006/main">
+  <p:cSld>
+    <p:spTree>
+      <p:nvGrpSpPr>
+        <p:cNvPr id="1" name=""/>
+        <p:cNvGrpSpPr/>
+        <p:nvPr/>
+      </p:nvGrpSpPr>
+      <p:grpSpPr>
+        <a:xfrm>
+          <a:off x="0" y="0"/>
+          <a:ext cx="0" cy="0"/>
+          <a:chOff x="0" y="0"/>
+          <a:chExt cx="0" cy="0"/>
+        </a:xfrm>
+      </p:grpSpPr>
+      <p:sp>
+        <p:nvSpPr>
+          <p:cNvPr id="2" name="Title 1"/>
+          <p:cNvSpPr>
+            <a:spLocks noGrp="1"/>
+          </p:cNvSpPr>
+          <p:nvPr>
+            <p:ph type="title"/>
+          </p:nvPr>
+        </p:nvSpPr>
+        <p:spPr/>
+        <p:txBody>
+          <a:bodyPr/>
+          <a:lstStyle/>
+          <a:p>
+            <a:r>
+              <a:rPr lang="es-AR" dirty="0" smtClean="0"/>
+              <a:t>Costos Mensuales</a:t>
+            </a:r>
+            <a:endParaRPr lang="es-AR" dirty="0"/>
+          </a:p>
+        </p:txBody>
+      </p:sp>
+      <p:sp>
+        <p:nvSpPr>
+          <p:cNvPr id="3" name="Content Placeholder 2"/>
+          <p:cNvSpPr>
+            <a:spLocks noGrp="1"/>
+          </p:cNvSpPr>
+          <p:nvPr>
+            <p:ph idx="1"/>
+          </p:nvPr>
+        </p:nvSpPr>
+        <p:spPr/>
+        <p:txBody>
+          <a:bodyPr/>
+          <a:lstStyle/>
+          <a:p>
+            <a:endParaRPr lang="es-AR"/>
+          </a:p>
+        </p:txBody>
+      </p:sp>
+    </p:spTree>
+    <p:extLst>
+      <p:ext uri="{BB962C8B-B14F-4D97-AF65-F5344CB8AC3E}">
+        <p14:creationId xmlns:p14="http://schemas.microsoft.com/office/powerpoint/2010/main" val="880074258"/>
+      </p:ext>
+    </p:extLst>
+  </p:cSld>
+  <p:clrMapOvr>
+    <a:masterClrMapping/>
+  </p:clrMapOvr>
+</p:sld>
+</file>
+
+<file path=ppt/slides/slide28.xml><?xml version="1.0" encoding="utf-8"?>
+<p:sld xmlns:a="http://schemas.openxmlformats.org/drawingml/2006/main" xmlns:r="http://schemas.openxmlformats.org/officeDocument/2006/relationships" xmlns:p="http://schemas.openxmlformats.org/presentationml/2006/main">
+  <p:cSld>
+    <p:spTree>
+      <p:nvGrpSpPr>
+        <p:cNvPr id="1" name=""/>
+        <p:cNvGrpSpPr/>
+        <p:nvPr/>
+      </p:nvGrpSpPr>
+      <p:grpSpPr>
+        <a:xfrm>
+          <a:off x="0" y="0"/>
+          <a:ext cx="0" cy="0"/>
+          <a:chOff x="0" y="0"/>
+          <a:chExt cx="0" cy="0"/>
+        </a:xfrm>
+      </p:grpSpPr>
+      <p:sp>
+        <p:nvSpPr>
+          <p:cNvPr id="2" name="Title 1"/>
+          <p:cNvSpPr>
+            <a:spLocks noGrp="1"/>
+          </p:cNvSpPr>
+          <p:nvPr>
+            <p:ph type="title"/>
+          </p:nvPr>
+        </p:nvSpPr>
+        <p:spPr/>
+        <p:txBody>
+          <a:bodyPr/>
+          <a:lstStyle/>
+          <a:p>
+            <a:r>
+              <a:rPr lang="es-AR" dirty="0" smtClean="0"/>
+              <a:t>Entregas</a:t>
+            </a:r>
+            <a:endParaRPr lang="es-AR" dirty="0"/>
+          </a:p>
+        </p:txBody>
+      </p:sp>
+      <p:sp>
+        <p:nvSpPr>
+          <p:cNvPr id="3" name="Content Placeholder 2"/>
+          <p:cNvSpPr>
+            <a:spLocks noGrp="1"/>
+          </p:cNvSpPr>
+          <p:nvPr>
+            <p:ph idx="1"/>
+          </p:nvPr>
+        </p:nvSpPr>
+        <p:spPr/>
+        <p:txBody>
+          <a:bodyPr/>
+          <a:lstStyle/>
+          <a:p>
+            <a:endParaRPr lang="es-AR"/>
+          </a:p>
+        </p:txBody>
+      </p:sp>
+      <p:sp>
+        <p:nvSpPr>
+          <p:cNvPr id="4" name="Text Placeholder 3"/>
+          <p:cNvSpPr>
+            <a:spLocks noGrp="1"/>
+          </p:cNvSpPr>
+          <p:nvPr>
+            <p:ph type="body" sz="quarter" idx="13"/>
+          </p:nvPr>
+        </p:nvSpPr>
+        <p:spPr/>
+        <p:txBody>
+          <a:bodyPr/>
+          <a:lstStyle/>
+          <a:p>
+            <a:endParaRPr lang="es-AR"/>
+          </a:p>
+        </p:txBody>
+      </p:sp>
+    </p:spTree>
+    <p:extLst>
+      <p:ext uri="{BB962C8B-B14F-4D97-AF65-F5344CB8AC3E}">
+        <p14:creationId xmlns:p14="http://schemas.microsoft.com/office/powerpoint/2010/main" val="2424612366"/>
+      </p:ext>
+    </p:extLst>
+  </p:cSld>
+  <p:clrMapOvr>
+    <a:masterClrMapping/>
+  </p:clrMapOvr>
+</p:sld>
+</file>
+
+<file path=ppt/slides/slide29.xml><?xml version="1.0" encoding="utf-8"?>
+<p:sld xmlns:a="http://schemas.openxmlformats.org/drawingml/2006/main" xmlns:r="http://schemas.openxmlformats.org/officeDocument/2006/relationships" xmlns:p="http://schemas.openxmlformats.org/presentationml/2006/main">
+  <p:cSld>
+    <p:spTree>
+      <p:nvGrpSpPr>
+        <p:cNvPr id="1" name=""/>
+        <p:cNvGrpSpPr/>
+        <p:nvPr/>
+      </p:nvGrpSpPr>
+      <p:grpSpPr>
+        <a:xfrm>
+          <a:off x="0" y="0"/>
+          <a:ext cx="0" cy="0"/>
+          <a:chOff x="0" y="0"/>
+          <a:chExt cx="0" cy="0"/>
+        </a:xfrm>
+      </p:grpSpPr>
+      <p:sp>
+        <p:nvSpPr>
+          <p:cNvPr id="2" name="Title 1"/>
+          <p:cNvSpPr>
+            <a:spLocks noGrp="1"/>
+          </p:cNvSpPr>
+          <p:nvPr>
+            <p:ph type="title"/>
+          </p:nvPr>
+        </p:nvSpPr>
+        <p:spPr/>
+        <p:txBody>
+          <a:bodyPr/>
+          <a:lstStyle/>
+          <a:p>
+            <a:r>
+              <a:rPr lang="es-AR" dirty="0" smtClean="0"/>
+              <a:t>Pagos y Ganancias</a:t>
+            </a:r>
+            <a:endParaRPr lang="es-AR" dirty="0"/>
+          </a:p>
+        </p:txBody>
+      </p:sp>
+      <p:sp>
+        <p:nvSpPr>
+          <p:cNvPr id="3" name="Content Placeholder 2"/>
+          <p:cNvSpPr>
+            <a:spLocks noGrp="1"/>
+          </p:cNvSpPr>
+          <p:nvPr>
+            <p:ph idx="1"/>
+          </p:nvPr>
+        </p:nvSpPr>
+        <p:spPr/>
+        <p:txBody>
+          <a:bodyPr/>
+          <a:lstStyle/>
+          <a:p>
+            <a:endParaRPr lang="es-AR"/>
+          </a:p>
+        </p:txBody>
+      </p:sp>
+      <p:sp>
+        <p:nvSpPr>
+          <p:cNvPr id="4" name="Text Placeholder 3"/>
+          <p:cNvSpPr>
+            <a:spLocks noGrp="1"/>
+          </p:cNvSpPr>
+          <p:nvPr>
+            <p:ph type="body" sz="quarter" idx="13"/>
+          </p:nvPr>
+        </p:nvSpPr>
+        <p:spPr/>
+        <p:txBody>
+          <a:bodyPr/>
+          <a:lstStyle/>
+          <a:p>
+            <a:endParaRPr lang="es-AR"/>
+          </a:p>
+        </p:txBody>
+      </p:sp>
+    </p:spTree>
+    <p:extLst>
+      <p:ext uri="{BB962C8B-B14F-4D97-AF65-F5344CB8AC3E}">
+        <p14:creationId xmlns:p14="http://schemas.microsoft.com/office/powerpoint/2010/main" val="3383677935"/>
+      </p:ext>
+    </p:extLst>
+  </p:cSld>
+  <p:clrMapOvr>
+    <a:masterClrMapping/>
+  </p:clrMapOvr>
+</p:sld>
+</file>
+
+<file path=ppt/slides/slide3.xml><?xml version="1.0" encoding="utf-8"?>
+<p:sld xmlns:a="http://schemas.openxmlformats.org/drawingml/2006/main" xmlns:r="http://schemas.openxmlformats.org/officeDocument/2006/relationships" xmlns:p="http://schemas.openxmlformats.org/presentationml/2006/main">
+  <p:cSld>
+    <p:spTree>
+      <p:nvGrpSpPr>
+        <p:cNvPr id="1" name=""/>
+        <p:cNvGrpSpPr/>
+        <p:nvPr/>
+      </p:nvGrpSpPr>
+      <p:grpSpPr>
+        <a:xfrm>
+          <a:off x="0" y="0"/>
+          <a:ext cx="0" cy="0"/>
+          <a:chOff x="0" y="0"/>
+          <a:chExt cx="0" cy="0"/>
+        </a:xfrm>
+      </p:grpSpPr>
+      <p:sp>
+        <p:nvSpPr>
+          <p:cNvPr id="2" name="Title 1"/>
+          <p:cNvSpPr>
+            <a:spLocks noGrp="1"/>
+          </p:cNvSpPr>
+          <p:nvPr>
+            <p:ph type="title"/>
+          </p:nvPr>
+        </p:nvSpPr>
+        <p:spPr/>
+        <p:txBody>
+          <a:bodyPr/>
+          <a:lstStyle/>
+          <a:p>
+            <a:r>
+              <a:rPr lang="es-AR" dirty="0" smtClean="0"/>
+              <a:t>Arquitectura General</a:t>
+            </a:r>
+            <a:endParaRPr lang="es-AR" dirty="0"/>
+          </a:p>
+        </p:txBody>
+      </p:sp>
+      <p:sp>
+        <p:nvSpPr>
+          <p:cNvPr id="3" name="Content Placeholder 2"/>
+          <p:cNvSpPr>
+            <a:spLocks noGrp="1"/>
+          </p:cNvSpPr>
+          <p:nvPr>
+            <p:ph idx="1"/>
+          </p:nvPr>
+        </p:nvSpPr>
+        <p:spPr>
+          <a:xfrm>
+            <a:off x="722313" y="764705"/>
+            <a:ext cx="7888287" cy="5255096"/>
+          </a:xfrm>
+        </p:spPr>
+        <p:txBody>
+          <a:bodyPr/>
+          <a:lstStyle/>
+          <a:p>
+            <a:pPr marL="0" indent="0" algn="ctr">
+              <a:buNone/>
+            </a:pPr>
+            <a:r>
+              <a:rPr lang="es-AR" b="1" dirty="0"/>
+              <a:t>Arquitectura de tres capas con cliente </a:t>
+            </a:r>
+            <a:r>
+              <a:rPr lang="es-AR" b="1" dirty="0" smtClean="0"/>
+              <a:t>desktop</a:t>
+            </a:r>
+            <a:endParaRPr lang="es-AR" b="1" dirty="0"/>
+          </a:p>
+          <a:p>
+            <a:pPr marL="0" indent="0" algn="ctr">
+              <a:buNone/>
+            </a:pPr>
+            <a:endParaRPr lang="es-AR" dirty="0"/>
+          </a:p>
+          <a:p>
+            <a:endParaRPr lang="es-AR" dirty="0"/>
+          </a:p>
+        </p:txBody>
+      </p:sp>
+      <p:pic>
+        <p:nvPicPr>
+          <p:cNvPr id="1026" name="Picture 2"/>
+          <p:cNvPicPr>
+            <a:picLocks noChangeAspect="1" noChangeArrowheads="1"/>
+          </p:cNvPicPr>
+          <p:nvPr/>
+        </p:nvPicPr>
+        <p:blipFill>
+          <a:blip r:embed="rId2">
+            <a:extLst>
+              <a:ext uri="{28A0092B-C50C-407E-A947-70E740481C1C}">
+                <a14:useLocalDpi xmlns:a14="http://schemas.microsoft.com/office/drawing/2010/main" val="0"/>
+              </a:ext>
+            </a:extLst>
+          </a:blip>
+          <a:srcRect/>
+          <a:stretch>
+            <a:fillRect/>
+          </a:stretch>
+        </p:blipFill>
+        <p:spPr bwMode="auto">
+          <a:xfrm>
+            <a:off x="1705115" y="1268760"/>
+            <a:ext cx="5891221" cy="4851946"/>
+          </a:xfrm>
+          <a:prstGeom prst="rect">
+            <a:avLst/>
+          </a:prstGeom>
+          <a:solidFill>
+            <a:srgbClr val="FFFFFF"/>
+          </a:solidFill>
+          <a:ln>
+            <a:noFill/>
+          </a:ln>
+          <a:extLst>
+            <a:ext uri="{91240B29-F687-4F45-9708-019B960494DF}">
+              <a14:hiddenLine xmlns:a14="http://schemas.microsoft.com/office/drawing/2010/main" w="9525">
+                <a:solidFill>
+                  <a:srgbClr val="000000"/>
+                </a:solidFill>
+                <a:miter lim="800000"/>
+                <a:headEnd/>
+                <a:tailEnd/>
+              </a14:hiddenLine>
+            </a:ext>
+          </a:extLst>
+        </p:spPr>
+      </p:pic>
+    </p:spTree>
+    <p:extLst>
+      <p:ext uri="{BB962C8B-B14F-4D97-AF65-F5344CB8AC3E}">
+        <p14:creationId xmlns:p14="http://schemas.microsoft.com/office/powerpoint/2010/main" val="775365642"/>
+      </p:ext>
+    </p:extLst>
+  </p:cSld>
+  <p:clrMapOvr>
+    <a:masterClrMapping/>
+  </p:clrMapOvr>
+</p:sld>
+</file>
+
+<file path=ppt/slides/slide4.xml><?xml version="1.0" encoding="utf-8"?>
+<p:sld xmlns:a="http://schemas.openxmlformats.org/drawingml/2006/main" xmlns:r="http://schemas.openxmlformats.org/officeDocument/2006/relationships" xmlns:p="http://schemas.openxmlformats.org/presentationml/2006/main">
+  <p:cSld>
+    <p:spTree>
+      <p:nvGrpSpPr>
+        <p:cNvPr id="1" name=""/>
+        <p:cNvGrpSpPr/>
+        <p:nvPr/>
+      </p:nvGrpSpPr>
+      <p:grpSpPr>
+        <a:xfrm>
+          <a:off x="0" y="0"/>
+          <a:ext cx="0" cy="0"/>
+          <a:chOff x="0" y="0"/>
+          <a:chExt cx="0" cy="0"/>
+        </a:xfrm>
+      </p:grpSpPr>
+      <p:sp>
+        <p:nvSpPr>
+          <p:cNvPr id="2" name="Title 1"/>
+          <p:cNvSpPr>
+            <a:spLocks noGrp="1"/>
+          </p:cNvSpPr>
+          <p:nvPr>
+            <p:ph type="title"/>
+          </p:nvPr>
+        </p:nvSpPr>
+        <p:spPr/>
+        <p:txBody>
+          <a:bodyPr/>
+          <a:lstStyle/>
+          <a:p>
+            <a:r>
+              <a:rPr lang="es-AR" dirty="0"/>
+              <a:t>Arquitectura General</a:t>
+            </a:r>
+          </a:p>
+        </p:txBody>
+      </p:sp>
+      <p:sp>
+        <p:nvSpPr>
+          <p:cNvPr id="3" name="Content Placeholder 2"/>
+          <p:cNvSpPr>
+            <a:spLocks noGrp="1"/>
+          </p:cNvSpPr>
+          <p:nvPr>
+            <p:ph idx="1"/>
+          </p:nvPr>
+        </p:nvSpPr>
+        <p:spPr>
+          <a:xfrm>
+            <a:off x="722313" y="908721"/>
+            <a:ext cx="7888287" cy="5111080"/>
+          </a:xfrm>
+        </p:spPr>
+        <p:txBody>
+          <a:bodyPr/>
+          <a:lstStyle/>
+          <a:p>
+            <a:r>
+              <a:rPr lang="es-ES_tradnl" u="sng" dirty="0"/>
+              <a:t>Cliente Desktop</a:t>
+            </a:r>
+            <a:r>
+              <a:rPr lang="es-ES_tradnl" dirty="0"/>
+              <a:t>: </a:t>
+            </a:r>
+            <a:endParaRPr lang="es-ES_tradnl" dirty="0" smtClean="0"/>
+          </a:p>
+          <a:p>
+            <a:pPr lvl="1"/>
+            <a:r>
+              <a:rPr lang="es-ES_tradnl" dirty="0" smtClean="0"/>
+              <a:t>Interfaz </a:t>
+            </a:r>
+            <a:r>
+              <a:rPr lang="es-ES_tradnl" dirty="0"/>
+              <a:t>gráfica más robusta, interactiva y </a:t>
+            </a:r>
+            <a:r>
+              <a:rPr lang="es-ES_tradnl" dirty="0" err="1"/>
+              <a:t>performante</a:t>
+            </a:r>
+            <a:r>
+              <a:rPr lang="es-ES_tradnl" dirty="0"/>
+              <a:t> que la que podría lograrse con tecnologías web, cosa que es imprescindible para los usuarios intensivos del sistema, en este caso los operadores, ya que el rendimiento de los mismos estará relacionado con la interacción con el </a:t>
+            </a:r>
+            <a:r>
+              <a:rPr lang="es-ES_tradnl" dirty="0" smtClean="0"/>
+              <a:t>sistema.</a:t>
+            </a:r>
+            <a:endParaRPr lang="es-AR" dirty="0"/>
+          </a:p>
+          <a:p>
+            <a:pPr lvl="1"/>
+            <a:r>
+              <a:rPr lang="es-AR" dirty="0" smtClean="0"/>
+              <a:t>Productividad </a:t>
+            </a:r>
+            <a:r>
+              <a:rPr lang="es-AR" dirty="0"/>
+              <a:t>en el desarrollo: el tiempo en desarrollar un cliente Desktop es inferior que desarrollar un cliente Web. </a:t>
+            </a:r>
+          </a:p>
+          <a:p>
+            <a:pPr marL="0" indent="0">
+              <a:buNone/>
+            </a:pPr>
+            <a:endParaRPr lang="es-AR" dirty="0"/>
+          </a:p>
+          <a:p>
+            <a:r>
+              <a:rPr lang="es-ES_tradnl" u="sng" dirty="0"/>
+              <a:t>Multicapa</a:t>
+            </a:r>
+            <a:r>
+              <a:rPr lang="es-ES_tradnl" dirty="0"/>
+              <a:t>: </a:t>
+            </a:r>
+            <a:r>
+              <a:rPr lang="es-AR" dirty="0"/>
+              <a:t>Este tipo de arquitectura mantiene el control del acceso a la base de datos, así se pueden controlar los problemas que la concurrencia pueda traer..</a:t>
+            </a:r>
+          </a:p>
+          <a:p>
+            <a:pPr marL="0" indent="0">
+              <a:buNone/>
+            </a:pPr>
+            <a:endParaRPr lang="es-AR" dirty="0"/>
+          </a:p>
+          <a:p>
+            <a:r>
+              <a:rPr lang="es-ES_tradnl" u="sng" dirty="0"/>
+              <a:t>Sitio Web</a:t>
+            </a:r>
+            <a:r>
+              <a:rPr lang="es-ES_tradnl" dirty="0"/>
+              <a:t>: Para que los ciudadanos puedan consultar el estado de sus trámites y comunicarse con los operadores por medio de chat. </a:t>
+            </a:r>
+            <a:r>
+              <a:rPr lang="es-AR" dirty="0"/>
+              <a:t>Esta será una aplicación independiente que se ejecutará en un </a:t>
+            </a:r>
+            <a:r>
+              <a:rPr lang="es-AR" dirty="0" err="1"/>
+              <a:t>application</a:t>
+            </a:r>
+            <a:r>
+              <a:rPr lang="es-AR" dirty="0"/>
+              <a:t> server al igual que el </a:t>
+            </a:r>
+            <a:r>
+              <a:rPr lang="es-AR" dirty="0" err="1"/>
+              <a:t>backend</a:t>
+            </a:r>
+            <a:r>
+              <a:rPr lang="es-AR" dirty="0"/>
+              <a:t>. </a:t>
+            </a:r>
+          </a:p>
+          <a:p>
+            <a:pPr lvl="1"/>
+            <a:r>
+              <a:rPr lang="es-AR" dirty="0"/>
+              <a:t>Esta aplicación web tendrá la menor cantidad de lógica posible y se conectará al mismo </a:t>
+            </a:r>
+            <a:r>
+              <a:rPr lang="es-AR" dirty="0" err="1"/>
+              <a:t>backend</a:t>
+            </a:r>
+            <a:r>
+              <a:rPr lang="es-AR" dirty="0"/>
+              <a:t> que el cliente desktop para consumir servicios. Así se reutiliza la lógica ya que el tipo de consultas que se hace son similares y se unifica el acceso a la base de datos.</a:t>
+            </a:r>
+          </a:p>
+          <a:p>
+            <a:endParaRPr lang="es-AR" dirty="0"/>
+          </a:p>
+        </p:txBody>
+      </p:sp>
+    </p:spTree>
+    <p:extLst>
+      <p:ext uri="{BB962C8B-B14F-4D97-AF65-F5344CB8AC3E}">
+        <p14:creationId xmlns:p14="http://schemas.microsoft.com/office/powerpoint/2010/main" val="2334858270"/>
+      </p:ext>
+    </p:extLst>
+  </p:cSld>
+  <p:clrMapOvr>
+    <a:masterClrMapping/>
+  </p:clrMapOvr>
+</p:sld>
+</file>
+
+<file path=ppt/slides/slide5.xml><?xml version="1.0" encoding="utf-8"?>
+<p:sld xmlns:a="http://schemas.openxmlformats.org/drawingml/2006/main" xmlns:r="http://schemas.openxmlformats.org/officeDocument/2006/relationships" xmlns:p="http://schemas.openxmlformats.org/presentationml/2006/main">
+  <p:cSld>
+    <p:spTree>
+      <p:nvGrpSpPr>
+        <p:cNvPr id="1" name=""/>
+        <p:cNvGrpSpPr/>
+        <p:nvPr/>
+      </p:nvGrpSpPr>
+      <p:grpSpPr>
+        <a:xfrm>
+          <a:off x="0" y="0"/>
+          <a:ext cx="0" cy="0"/>
+          <a:chOff x="0" y="0"/>
+          <a:chExt cx="0" cy="0"/>
+        </a:xfrm>
+      </p:grpSpPr>
+      <p:sp>
+        <p:nvSpPr>
+          <p:cNvPr id="2" name="Title 1"/>
+          <p:cNvSpPr>
+            <a:spLocks noGrp="1"/>
+          </p:cNvSpPr>
+          <p:nvPr>
+            <p:ph type="title"/>
+          </p:nvPr>
+        </p:nvSpPr>
+        <p:spPr/>
+        <p:txBody>
+          <a:bodyPr/>
+          <a:lstStyle/>
+          <a:p>
+            <a:r>
+              <a:rPr lang="es-AR" dirty="0" smtClean="0"/>
+              <a:t>Lenguaje </a:t>
+            </a:r>
+            <a:r>
+              <a:rPr lang="es-AR" dirty="0" err="1" smtClean="0"/>
+              <a:t>Programacion</a:t>
+            </a:r>
+            <a:endParaRPr lang="es-AR" dirty="0"/>
+          </a:p>
+        </p:txBody>
+      </p:sp>
+      <p:sp>
+        <p:nvSpPr>
+          <p:cNvPr id="3" name="Content Placeholder 2"/>
+          <p:cNvSpPr>
+            <a:spLocks noGrp="1"/>
+          </p:cNvSpPr>
+          <p:nvPr>
+            <p:ph idx="1"/>
+          </p:nvPr>
+        </p:nvSpPr>
+        <p:spPr>
+          <a:xfrm>
+            <a:off x="395536" y="908720"/>
+            <a:ext cx="8496943" cy="5256583"/>
+          </a:xfrm>
+        </p:spPr>
+        <p:txBody>
+          <a:bodyPr/>
+          <a:lstStyle/>
+          <a:p>
+            <a:r>
+              <a:rPr lang="es-AR" dirty="0" smtClean="0"/>
+              <a:t>Tanto </a:t>
+            </a:r>
+            <a:r>
+              <a:rPr lang="es-AR" dirty="0"/>
+              <a:t>el cliente desktop como el </a:t>
+            </a:r>
+            <a:r>
+              <a:rPr lang="es-AR" dirty="0" err="1"/>
+              <a:t>backend</a:t>
+            </a:r>
+            <a:r>
+              <a:rPr lang="es-AR" dirty="0"/>
+              <a:t> y la aplicación web serán desarrollados en </a:t>
+            </a:r>
+            <a:r>
+              <a:rPr lang="es-AR" b="1" dirty="0" smtClean="0"/>
+              <a:t>Java</a:t>
+            </a:r>
+          </a:p>
+          <a:p>
+            <a:pPr marL="0" indent="0">
+              <a:buNone/>
+            </a:pPr>
+            <a:endParaRPr lang="es-AR" b="1" dirty="0" smtClean="0"/>
+          </a:p>
+          <a:p>
+            <a:pPr lvl="1"/>
+            <a:r>
+              <a:rPr lang="es-ES_tradnl" b="1" u="sng" dirty="0" smtClean="0"/>
+              <a:t>Amplia </a:t>
+            </a:r>
+            <a:r>
+              <a:rPr lang="es-ES_tradnl" b="1" u="sng" dirty="0"/>
+              <a:t>disponibilidad de recursos capacitados</a:t>
+            </a:r>
+            <a:r>
+              <a:rPr lang="es-ES_tradnl" dirty="0"/>
+              <a:t>: Es uno de los lenguajes más utilizados y es fácil encontrar personal con experiencia en el mercado. </a:t>
+            </a:r>
+            <a:r>
+              <a:rPr lang="es-AR" dirty="0"/>
+              <a:t>No existe la necesidad de capacitar ingresantes. </a:t>
+            </a:r>
+            <a:r>
+              <a:rPr lang="es-AR" dirty="0" smtClean="0"/>
+              <a:t>E</a:t>
+            </a:r>
+            <a:r>
+              <a:rPr lang="es-ES_tradnl" dirty="0" smtClean="0"/>
+              <a:t>l </a:t>
+            </a:r>
+            <a:r>
+              <a:rPr lang="es-ES_tradnl" dirty="0"/>
+              <a:t>personal capacitado es más económico que en otros lenguajes más específicos. </a:t>
+            </a:r>
+            <a:endParaRPr lang="es-AR" dirty="0"/>
+          </a:p>
+          <a:p>
+            <a:pPr lvl="1"/>
+            <a:r>
+              <a:rPr lang="es-ES_tradnl" b="1" u="sng" dirty="0" smtClean="0"/>
+              <a:t>Madurez </a:t>
+            </a:r>
+            <a:r>
+              <a:rPr lang="es-ES_tradnl" b="1" u="sng" dirty="0"/>
+              <a:t>y soporte</a:t>
+            </a:r>
+            <a:r>
+              <a:rPr lang="es-ES_tradnl" dirty="0"/>
+              <a:t>: Está establecido en el mercado y fue desarrollado a través de los años por </a:t>
+            </a:r>
+            <a:r>
+              <a:rPr lang="es-ES_tradnl" dirty="0" err="1"/>
+              <a:t>Sun</a:t>
+            </a:r>
+            <a:r>
+              <a:rPr lang="es-ES_tradnl" dirty="0"/>
+              <a:t>, ahora por un comité formado por importantes empresas y siempre se mantuvo la compatibilidad entre versiones.</a:t>
+            </a:r>
+            <a:endParaRPr lang="es-AR" dirty="0"/>
+          </a:p>
+          <a:p>
+            <a:pPr lvl="1"/>
+            <a:r>
+              <a:rPr lang="es-ES_tradnl" b="1" u="sng" dirty="0"/>
+              <a:t>Disponibilidad de </a:t>
+            </a:r>
+            <a:r>
+              <a:rPr lang="es-ES_tradnl" b="1" u="sng" dirty="0" err="1"/>
+              <a:t>Frameworks</a:t>
+            </a:r>
+            <a:r>
+              <a:rPr lang="es-ES_tradnl" b="1" u="sng" dirty="0"/>
+              <a:t> y librerías</a:t>
+            </a:r>
+            <a:r>
+              <a:rPr lang="es-ES_tradnl" dirty="0"/>
+              <a:t>: Existe una vasta selección de herramientas maduras para el desarrollado, tanto para la parte de servidor como de presentación. </a:t>
+            </a:r>
+            <a:r>
+              <a:rPr lang="es-ES_tradnl" dirty="0" smtClean="0"/>
+              <a:t>R</a:t>
+            </a:r>
+            <a:r>
+              <a:rPr lang="es-AR" dirty="0" smtClean="0"/>
+              <a:t>educe </a:t>
+            </a:r>
+            <a:r>
+              <a:rPr lang="es-AR" dirty="0"/>
+              <a:t>el tiempo y los riesgos.</a:t>
+            </a:r>
+          </a:p>
+          <a:p>
+            <a:pPr lvl="1"/>
+            <a:r>
+              <a:rPr lang="es-ES_tradnl" b="1" u="sng" dirty="0"/>
+              <a:t>Multiplataforma</a:t>
+            </a:r>
+            <a:r>
+              <a:rPr lang="es-ES_tradnl" dirty="0"/>
+              <a:t>: Se consideró importante para el desarrollo de este sistema la independencia de plataforma, la capacidad de remplazar o combinar diferentes sistemas operativos sin ningún tipo de desarrollo. </a:t>
+            </a:r>
+            <a:endParaRPr lang="es-ES_tradnl" dirty="0" smtClean="0"/>
+          </a:p>
+          <a:p>
+            <a:pPr lvl="1"/>
+            <a:r>
+              <a:rPr lang="es-ES_tradnl" b="1" u="sng" dirty="0" smtClean="0"/>
+              <a:t>Performance</a:t>
+            </a:r>
+            <a:r>
+              <a:rPr lang="es-ES_tradnl" dirty="0"/>
+              <a:t>: </a:t>
+            </a:r>
+            <a:r>
+              <a:rPr lang="es-ES_tradnl" dirty="0" smtClean="0"/>
+              <a:t>Se compila </a:t>
+            </a:r>
+            <a:r>
+              <a:rPr lang="es-ES_tradnl" dirty="0"/>
+              <a:t>a </a:t>
+            </a:r>
+            <a:r>
+              <a:rPr lang="es-ES_tradnl" dirty="0" err="1"/>
+              <a:t>bytecode</a:t>
+            </a:r>
+            <a:r>
+              <a:rPr lang="es-ES_tradnl" dirty="0"/>
+              <a:t> y es ejecutado por una máquina virtual. </a:t>
+            </a:r>
+            <a:r>
+              <a:rPr lang="es-AR" dirty="0"/>
+              <a:t>Esta máquina virtual es la Java </a:t>
+            </a:r>
+            <a:r>
+              <a:rPr lang="es-AR" i="1" dirty="0" err="1"/>
+              <a:t>HotSpot</a:t>
+            </a:r>
+            <a:r>
+              <a:rPr lang="es-AR" i="1" dirty="0"/>
+              <a:t> Server VM </a:t>
+            </a:r>
+            <a:r>
+              <a:rPr lang="es-AR" dirty="0"/>
+              <a:t>que tiene la funcionalidad </a:t>
+            </a:r>
+            <a:r>
+              <a:rPr lang="es-AR" i="1" dirty="0"/>
+              <a:t>JIT (</a:t>
+            </a:r>
+            <a:r>
+              <a:rPr lang="es-AR" i="1" dirty="0" err="1"/>
+              <a:t>Just</a:t>
+            </a:r>
+            <a:r>
+              <a:rPr lang="es-AR" i="1" dirty="0"/>
+              <a:t> in time) </a:t>
+            </a:r>
+            <a:r>
+              <a:rPr lang="es-AR" i="1" dirty="0" err="1" smtClean="0"/>
+              <a:t>compilation</a:t>
+            </a:r>
+            <a:r>
+              <a:rPr lang="es-AR" i="1" dirty="0" smtClean="0"/>
+              <a:t>. E</a:t>
+            </a:r>
+            <a:r>
+              <a:rPr lang="es-AR" dirty="0" smtClean="0"/>
+              <a:t>sta </a:t>
+            </a:r>
+            <a:r>
+              <a:rPr lang="es-AR" dirty="0"/>
+              <a:t>capacidad analiza el código que se ejecuta reiteradamente y lo optimiza en memoria haciendo las sucesivas ejecuciones más </a:t>
+            </a:r>
+            <a:r>
+              <a:rPr lang="es-AR" dirty="0" smtClean="0"/>
+              <a:t>rápidas</a:t>
+            </a:r>
+          </a:p>
+          <a:p>
+            <a:pPr lvl="1"/>
+            <a:r>
+              <a:rPr lang="es-ES_tradnl" b="1" u="sng" dirty="0" smtClean="0"/>
+              <a:t>Costos</a:t>
+            </a:r>
+            <a:r>
+              <a:rPr lang="es-ES_tradnl" dirty="0"/>
+              <a:t>: No posee costos de </a:t>
+            </a:r>
+            <a:r>
+              <a:rPr lang="es-ES_tradnl" dirty="0" smtClean="0"/>
+              <a:t>licencias.</a:t>
+            </a:r>
+            <a:endParaRPr lang="es-AR" dirty="0"/>
+          </a:p>
+        </p:txBody>
+      </p:sp>
+    </p:spTree>
+    <p:extLst>
+      <p:ext uri="{BB962C8B-B14F-4D97-AF65-F5344CB8AC3E}">
+        <p14:creationId xmlns:p14="http://schemas.microsoft.com/office/powerpoint/2010/main" val="1759990106"/>
+      </p:ext>
+    </p:extLst>
+  </p:cSld>
+  <p:clrMapOvr>
+    <a:masterClrMapping/>
+  </p:clrMapOvr>
+</p:sld>
+</file>
+
+<file path=ppt/slides/slide6.xml><?xml version="1.0" encoding="utf-8"?>
+<p:sld xmlns:a="http://schemas.openxmlformats.org/drawingml/2006/main" xmlns:r="http://schemas.openxmlformats.org/officeDocument/2006/relationships" xmlns:p="http://schemas.openxmlformats.org/presentationml/2006/main">
+  <p:cSld>
+    <p:spTree>
+      <p:nvGrpSpPr>
+        <p:cNvPr id="1" name=""/>
+        <p:cNvGrpSpPr/>
+        <p:nvPr/>
+      </p:nvGrpSpPr>
+      <p:grpSpPr>
+        <a:xfrm>
+          <a:off x="0" y="0"/>
+          <a:ext cx="0" cy="0"/>
+          <a:chOff x="0" y="0"/>
+          <a:chExt cx="0" cy="0"/>
+        </a:xfrm>
+      </p:grpSpPr>
+      <p:sp>
+        <p:nvSpPr>
+          <p:cNvPr id="2" name="Title 1"/>
+          <p:cNvSpPr>
+            <a:spLocks noGrp="1"/>
+          </p:cNvSpPr>
+          <p:nvPr>
+            <p:ph type="title"/>
+          </p:nvPr>
+        </p:nvSpPr>
+        <p:spPr/>
+        <p:txBody>
+          <a:bodyPr/>
+          <a:lstStyle/>
+          <a:p>
+            <a:r>
+              <a:rPr lang="es-AR" dirty="0" smtClean="0"/>
+              <a:t>Principales </a:t>
+            </a:r>
+            <a:r>
+              <a:rPr lang="es-AR" dirty="0" err="1" smtClean="0"/>
+              <a:t>Tecnologias</a:t>
+            </a:r>
+            <a:endParaRPr lang="es-AR" dirty="0"/>
+          </a:p>
+        </p:txBody>
+      </p:sp>
+      <p:sp>
+        <p:nvSpPr>
+          <p:cNvPr id="3" name="Content Placeholder 2"/>
+          <p:cNvSpPr>
+            <a:spLocks noGrp="1"/>
+          </p:cNvSpPr>
+          <p:nvPr>
+            <p:ph idx="1"/>
+          </p:nvPr>
+        </p:nvSpPr>
+        <p:spPr>
+          <a:xfrm>
+            <a:off x="611560" y="908721"/>
+            <a:ext cx="8280919" cy="5111080"/>
+          </a:xfrm>
+        </p:spPr>
+        <p:txBody>
+          <a:bodyPr/>
+          <a:lstStyle/>
+          <a:p>
+            <a:r>
+              <a:rPr lang="es-ES_tradnl" b="1" u="sng" dirty="0"/>
+              <a:t>SWING</a:t>
+            </a:r>
+            <a:r>
+              <a:rPr lang="es-ES_tradnl" dirty="0"/>
+              <a:t>: Para la interfaz de usuario en el cliente </a:t>
+            </a:r>
+            <a:r>
+              <a:rPr lang="es-ES_tradnl" dirty="0" smtClean="0"/>
+              <a:t>desktop</a:t>
+            </a:r>
+            <a:r>
+              <a:rPr lang="es-AR" dirty="0" smtClean="0"/>
+              <a:t>. Independiente </a:t>
+            </a:r>
+            <a:r>
+              <a:rPr lang="es-AR" dirty="0"/>
+              <a:t>del sistema operativo y en las versiones más recientes imita el look and </a:t>
+            </a:r>
+            <a:r>
+              <a:rPr lang="es-AR" dirty="0" err="1"/>
+              <a:t>feel</a:t>
+            </a:r>
+            <a:r>
+              <a:rPr lang="es-AR" dirty="0"/>
+              <a:t> nativo.</a:t>
+            </a:r>
+            <a:br>
+              <a:rPr lang="es-AR" dirty="0"/>
+            </a:br>
+            <a:r>
+              <a:rPr lang="es-AR" dirty="0" smtClean="0"/>
+              <a:t>Las </a:t>
+            </a:r>
+            <a:r>
+              <a:rPr lang="es-AR" dirty="0"/>
+              <a:t>implementaciones de los componentes son cien por ciento java puro, lo cual permite adaptar fácilmente el aspecto y comportamiento de tales componentes, facilitando así el trabajo de los programadores, lo cual deriva en una mayor productividad</a:t>
+            </a:r>
+          </a:p>
+          <a:p>
+            <a:r>
+              <a:rPr lang="es-ES_tradnl" b="1" u="sng" dirty="0" err="1"/>
+              <a:t>Tomcat</a:t>
+            </a:r>
+            <a:r>
+              <a:rPr lang="es-ES_tradnl" dirty="0"/>
+              <a:t>: Para el </a:t>
+            </a:r>
+            <a:r>
+              <a:rPr lang="es-ES_tradnl" dirty="0" err="1"/>
+              <a:t>Application</a:t>
+            </a:r>
+            <a:r>
+              <a:rPr lang="es-ES_tradnl" dirty="0"/>
+              <a:t> </a:t>
+            </a:r>
+            <a:r>
+              <a:rPr lang="es-ES_tradnl" dirty="0" smtClean="0"/>
+              <a:t>server. N</a:t>
+            </a:r>
+            <a:r>
+              <a:rPr lang="es-AR" dirty="0" smtClean="0"/>
+              <a:t>os </a:t>
+            </a:r>
+            <a:r>
+              <a:rPr lang="es-AR" dirty="0"/>
+              <a:t>brinda un ambiente de ejecución controlado y configurable. Cada vez que una petición llegue al servidor se utilizará un </a:t>
+            </a:r>
+            <a:r>
+              <a:rPr lang="es-AR" dirty="0" err="1"/>
+              <a:t>thread</a:t>
+            </a:r>
+            <a:r>
+              <a:rPr lang="es-AR" dirty="0"/>
+              <a:t> para ejecutar la lógica de negocio. Manejar el ciclo de vida, la planificación y comunicación de </a:t>
+            </a:r>
+            <a:r>
+              <a:rPr lang="es-AR" dirty="0" err="1"/>
+              <a:t>threads</a:t>
+            </a:r>
+            <a:r>
+              <a:rPr lang="es-AR" dirty="0"/>
+              <a:t> es menos costoso que lo equivalente para  procesos, esto aliviará la carga del servidor y hará el sistema más </a:t>
+            </a:r>
+            <a:r>
+              <a:rPr lang="es-AR" dirty="0" err="1"/>
+              <a:t>performante</a:t>
+            </a:r>
+            <a:r>
+              <a:rPr lang="es-AR" dirty="0"/>
+              <a:t> y escalable.</a:t>
+            </a:r>
+          </a:p>
+          <a:p>
+            <a:r>
+              <a:rPr lang="es-ES_tradnl" b="1" u="sng" dirty="0"/>
+              <a:t>RMI</a:t>
+            </a:r>
+            <a:r>
+              <a:rPr lang="es-ES_tradnl" dirty="0"/>
+              <a:t>: La comunicación entre los clientes desktop y web con el </a:t>
+            </a:r>
+            <a:r>
+              <a:rPr lang="es-ES_tradnl" dirty="0" err="1"/>
+              <a:t>backend</a:t>
+            </a:r>
+            <a:r>
+              <a:rPr lang="es-ES_tradnl" dirty="0"/>
+              <a:t> será a través de RMI (</a:t>
+            </a:r>
+            <a:r>
+              <a:rPr lang="es-ES_tradnl" i="1" dirty="0" err="1"/>
+              <a:t>Remote</a:t>
+            </a:r>
+            <a:r>
+              <a:rPr lang="es-ES_tradnl" i="1" dirty="0"/>
+              <a:t> </a:t>
+            </a:r>
+            <a:r>
+              <a:rPr lang="es-ES_tradnl" i="1" dirty="0" err="1"/>
+              <a:t>Method</a:t>
+            </a:r>
+            <a:r>
+              <a:rPr lang="es-ES_tradnl" i="1" dirty="0"/>
+              <a:t> </a:t>
+            </a:r>
+            <a:r>
+              <a:rPr lang="es-ES_tradnl" i="1" dirty="0" err="1"/>
+              <a:t>Invocation</a:t>
+            </a:r>
+            <a:r>
+              <a:rPr lang="es-ES_tradnl" i="1" dirty="0"/>
+              <a:t>)</a:t>
+            </a:r>
+            <a:r>
+              <a:rPr lang="es-ES_tradnl" dirty="0"/>
+              <a:t>, este es un protocolo nativo de Java SE, es de simple aplicación y eficiente.</a:t>
+            </a:r>
+            <a:br>
+              <a:rPr lang="es-ES_tradnl" dirty="0"/>
+            </a:br>
+            <a:r>
+              <a:rPr lang="es-AR" dirty="0" smtClean="0"/>
+              <a:t>No </a:t>
+            </a:r>
+            <a:r>
+              <a:rPr lang="es-AR" dirty="0"/>
+              <a:t>necesitamos la ventaja de un web </a:t>
+            </a:r>
+            <a:r>
+              <a:rPr lang="es-AR" dirty="0" err="1"/>
+              <a:t>service</a:t>
+            </a:r>
+            <a:r>
+              <a:rPr lang="es-AR" dirty="0"/>
+              <a:t> (independizar el cliente del servidor) porque ambos serán desarrollados en java, lo que nos da la libertad de elegir un protocolo nativo.</a:t>
+            </a:r>
+          </a:p>
+          <a:p>
+            <a:r>
+              <a:rPr lang="es-ES_tradnl" b="1" u="sng" dirty="0" err="1"/>
+              <a:t>Hibernate</a:t>
+            </a:r>
+            <a:r>
+              <a:rPr lang="es-ES_tradnl" dirty="0"/>
+              <a:t>: Como </a:t>
+            </a:r>
+            <a:r>
+              <a:rPr lang="es-ES_tradnl" dirty="0" err="1"/>
+              <a:t>framework</a:t>
+            </a:r>
+            <a:r>
+              <a:rPr lang="es-ES_tradnl" dirty="0"/>
+              <a:t> de ORM para la persistencia. </a:t>
+            </a:r>
+            <a:r>
+              <a:rPr lang="es-AR" dirty="0"/>
+              <a:t>Se decidió utilizar una herramienta de ORM (</a:t>
+            </a:r>
+            <a:r>
+              <a:rPr lang="es-AR" dirty="0" err="1"/>
+              <a:t>object</a:t>
+            </a:r>
+            <a:r>
+              <a:rPr lang="es-AR" dirty="0"/>
+              <a:t> </a:t>
+            </a:r>
+            <a:r>
+              <a:rPr lang="es-AR" dirty="0" err="1"/>
+              <a:t>relational</a:t>
+            </a:r>
+            <a:r>
+              <a:rPr lang="es-AR" dirty="0"/>
+              <a:t> </a:t>
+            </a:r>
+            <a:r>
+              <a:rPr lang="es-AR" dirty="0" err="1"/>
+              <a:t>mapping</a:t>
+            </a:r>
+            <a:r>
+              <a:rPr lang="es-AR" dirty="0"/>
+              <a:t>) para reducir los problemas de desarrollo que acarrea lidiar con la integración de un lenguaje orientado a objetos y una base de datos relacional. </a:t>
+            </a:r>
+            <a:r>
+              <a:rPr lang="es-AR" dirty="0" err="1" smtClean="0"/>
+              <a:t>Hibernate</a:t>
+            </a:r>
+            <a:r>
+              <a:rPr lang="es-AR" dirty="0" smtClean="0"/>
+              <a:t> </a:t>
+            </a:r>
+            <a:r>
+              <a:rPr lang="es-AR" dirty="0"/>
+              <a:t>es el elegido por ser el más usado y probado, se sabe que es ampliamente configurable, de rendimiento aceptable y fácil aplicación. </a:t>
+            </a:r>
+            <a:endParaRPr lang="es-AR" dirty="0" smtClean="0"/>
+          </a:p>
+        </p:txBody>
+      </p:sp>
+    </p:spTree>
+    <p:extLst>
+      <p:ext uri="{BB962C8B-B14F-4D97-AF65-F5344CB8AC3E}">
+        <p14:creationId xmlns:p14="http://schemas.microsoft.com/office/powerpoint/2010/main" val="4000896319"/>
+      </p:ext>
+    </p:extLst>
+  </p:cSld>
+  <p:clrMapOvr>
+    <a:masterClrMapping/>
+  </p:clrMapOvr>
+</p:sld>
+</file>
+
+<file path=ppt/slides/slide7.xml><?xml version="1.0" encoding="utf-8"?>
+<p:sld xmlns:a="http://schemas.openxmlformats.org/drawingml/2006/main" xmlns:r="http://schemas.openxmlformats.org/officeDocument/2006/relationships" xmlns:p="http://schemas.openxmlformats.org/presentationml/2006/main">
+  <p:cSld>
+    <p:spTree>
+      <p:nvGrpSpPr>
+        <p:cNvPr id="1" name=""/>
+        <p:cNvGrpSpPr/>
+        <p:nvPr/>
+      </p:nvGrpSpPr>
+      <p:grpSpPr>
+        <a:xfrm>
+          <a:off x="0" y="0"/>
+          <a:ext cx="0" cy="0"/>
+          <a:chOff x="0" y="0"/>
+          <a:chExt cx="0" cy="0"/>
+        </a:xfrm>
+      </p:grpSpPr>
+      <p:sp>
+        <p:nvSpPr>
+          <p:cNvPr id="2" name="Title 1"/>
+          <p:cNvSpPr>
+            <a:spLocks noGrp="1"/>
+          </p:cNvSpPr>
+          <p:nvPr>
+            <p:ph type="title"/>
+          </p:nvPr>
+        </p:nvSpPr>
+        <p:spPr/>
+        <p:txBody>
+          <a:bodyPr/>
+          <a:lstStyle/>
+          <a:p>
+            <a:r>
+              <a:rPr lang="es-AR" dirty="0" smtClean="0"/>
+              <a:t>Base de Datos</a:t>
+            </a:r>
+            <a:endParaRPr lang="es-AR" dirty="0"/>
+          </a:p>
+        </p:txBody>
+      </p:sp>
+      <p:sp>
+        <p:nvSpPr>
+          <p:cNvPr id="3" name="Content Placeholder 2"/>
+          <p:cNvSpPr>
+            <a:spLocks noGrp="1"/>
+          </p:cNvSpPr>
+          <p:nvPr>
+            <p:ph idx="1"/>
+          </p:nvPr>
+        </p:nvSpPr>
+        <p:spPr/>
+        <p:txBody>
+          <a:bodyPr/>
+          <a:lstStyle/>
+          <a:p>
+            <a:r>
+              <a:rPr lang="es-AR" b="1" dirty="0" err="1"/>
+              <a:t>PostgreSQL</a:t>
+            </a:r>
+            <a:r>
+              <a:rPr lang="es-AR" b="1" dirty="0"/>
+              <a:t> </a:t>
+            </a:r>
+            <a:r>
+              <a:rPr lang="es-AR" b="1" dirty="0" smtClean="0"/>
+              <a:t>8.4</a:t>
+            </a:r>
+            <a:endParaRPr lang="es-AR" dirty="0"/>
+          </a:p>
+          <a:p>
+            <a:pPr marL="0" indent="0">
+              <a:buNone/>
+            </a:pPr>
+            <a:endParaRPr lang="es-AR" dirty="0"/>
+          </a:p>
+          <a:p>
+            <a:r>
+              <a:rPr lang="es-ES_tradnl" dirty="0"/>
+              <a:t>Este motor permite optimizar su rendimiento de manera completa ya que provee un gran número de configuraciones para asegurar un uso óptimo de los recursos. </a:t>
+            </a:r>
+            <a:endParaRPr lang="es-ES_tradnl" dirty="0" smtClean="0"/>
+          </a:p>
+          <a:p>
+            <a:r>
+              <a:rPr lang="es-ES_tradnl" dirty="0" smtClean="0"/>
+              <a:t>Optimizar </a:t>
+            </a:r>
+            <a:r>
+              <a:rPr lang="es-ES_tradnl" dirty="0" err="1"/>
+              <a:t>PostreSQL</a:t>
+            </a:r>
+            <a:r>
+              <a:rPr lang="es-ES_tradnl" dirty="0"/>
+              <a:t> en un server con una alta capacidad de cómputo provee una solución adecuada para aplicaciones donde se exija un número elevado de transacciones concurrentes</a:t>
+            </a:r>
+            <a:r>
+              <a:rPr lang="es-ES_tradnl" dirty="0" smtClean="0"/>
+              <a:t>.. </a:t>
+            </a:r>
+            <a:endParaRPr lang="es-AR" dirty="0"/>
+          </a:p>
+          <a:p>
+            <a:endParaRPr lang="es-AR" dirty="0"/>
+          </a:p>
+        </p:txBody>
+      </p:sp>
+      <p:sp>
+        <p:nvSpPr>
+          <p:cNvPr id="4" name="Text Placeholder 3"/>
+          <p:cNvSpPr>
+            <a:spLocks noGrp="1"/>
+          </p:cNvSpPr>
+          <p:nvPr>
+            <p:ph type="body" sz="quarter" idx="13"/>
+          </p:nvPr>
+        </p:nvSpPr>
+        <p:spPr/>
+        <p:txBody>
+          <a:bodyPr/>
+          <a:lstStyle/>
+          <a:p>
+            <a:r>
+              <a:rPr lang="es-AR" dirty="0" smtClean="0"/>
+              <a:t>Motor Elegido</a:t>
+            </a:r>
+            <a:endParaRPr lang="es-AR" dirty="0"/>
+          </a:p>
+        </p:txBody>
+      </p:sp>
+      <p:pic>
+        <p:nvPicPr>
+          <p:cNvPr id="1026" name="Picture 2" descr="http://ihopesolution.com/wp-content/uploads/2009/07/postgresql.png"/>
+          <p:cNvPicPr>
+            <a:picLocks noChangeAspect="1" noChangeArrowheads="1"/>
+          </p:cNvPicPr>
+          <p:nvPr/>
+        </p:nvPicPr>
+        <p:blipFill>
+          <a:blip r:embed="rId2">
+            <a:extLst>
+              <a:ext uri="{28A0092B-C50C-407E-A947-70E740481C1C}">
+                <a14:useLocalDpi xmlns:a14="http://schemas.microsoft.com/office/drawing/2010/main" val="0"/>
+              </a:ext>
+            </a:extLst>
+          </a:blip>
+          <a:srcRect/>
+          <a:stretch>
+            <a:fillRect/>
+          </a:stretch>
+        </p:blipFill>
+        <p:spPr bwMode="auto">
+          <a:xfrm>
+            <a:off x="5940152" y="3789040"/>
+            <a:ext cx="2552700" cy="1981201"/>
+          </a:xfrm>
+          <a:prstGeom prst="rect">
+            <a:avLst/>
+          </a:prstGeom>
+          <a:noFill/>
+          <a:extLst>
+            <a:ext uri="{909E8E84-426E-40DD-AFC4-6F175D3DCCD1}">
+              <a14:hiddenFill xmlns:a14="http://schemas.microsoft.com/office/drawing/2010/main">
+                <a:solidFill>
+                  <a:srgbClr val="FFFFFF"/>
+                </a:solidFill>
+              </a14:hiddenFill>
+            </a:ext>
+          </a:extLst>
+        </p:spPr>
+      </p:pic>
+    </p:spTree>
+    <p:extLst>
+      <p:ext uri="{BB962C8B-B14F-4D97-AF65-F5344CB8AC3E}">
+        <p14:creationId xmlns:p14="http://schemas.microsoft.com/office/powerpoint/2010/main" val="986913818"/>
+      </p:ext>
+    </p:extLst>
+  </p:cSld>
+  <p:clrMapOvr>
+    <a:masterClrMapping/>
+  </p:clrMapOvr>
+</p:sld>
+</file>
+
+<file path=ppt/slides/slide8.xml><?xml version="1.0" encoding="utf-8"?>
+<p:sld xmlns:a="http://schemas.openxmlformats.org/drawingml/2006/main" xmlns:r="http://schemas.openxmlformats.org/officeDocument/2006/relationships" xmlns:p="http://schemas.openxmlformats.org/presentationml/2006/main">
+  <p:cSld>
+    <p:spTree>
+      <p:nvGrpSpPr>
+        <p:cNvPr id="1" name=""/>
+        <p:cNvGrpSpPr/>
+        <p:nvPr/>
+      </p:nvGrpSpPr>
+      <p:grpSpPr>
+        <a:xfrm>
+          <a:off x="0" y="0"/>
+          <a:ext cx="0" cy="0"/>
+          <a:chOff x="0" y="0"/>
+          <a:chExt cx="0" cy="0"/>
+        </a:xfrm>
+      </p:grpSpPr>
+      <p:sp>
+        <p:nvSpPr>
+          <p:cNvPr id="2" name="Title 1"/>
+          <p:cNvSpPr>
+            <a:spLocks noGrp="1"/>
+          </p:cNvSpPr>
+          <p:nvPr>
+            <p:ph type="title"/>
+          </p:nvPr>
+        </p:nvSpPr>
+        <p:spPr/>
+        <p:txBody>
+          <a:bodyPr/>
+          <a:lstStyle/>
+          <a:p>
+            <a:r>
+              <a:rPr lang="es-AR" dirty="0" smtClean="0"/>
+              <a:t>Base de Datos</a:t>
+            </a:r>
+            <a:endParaRPr lang="es-AR" dirty="0"/>
+          </a:p>
+        </p:txBody>
+      </p:sp>
+      <p:sp>
+        <p:nvSpPr>
+          <p:cNvPr id="3" name="Content Placeholder 2"/>
+          <p:cNvSpPr>
+            <a:spLocks noGrp="1"/>
+          </p:cNvSpPr>
+          <p:nvPr>
+            <p:ph idx="1"/>
+          </p:nvPr>
+        </p:nvSpPr>
+        <p:spPr/>
+        <p:txBody>
+          <a:bodyPr/>
+          <a:lstStyle/>
+          <a:p>
+            <a:r>
+              <a:rPr lang="es-ES_tradnl" dirty="0"/>
+              <a:t>Cada vez que </a:t>
+            </a:r>
+            <a:r>
+              <a:rPr lang="es-ES_tradnl" dirty="0" err="1"/>
+              <a:t>PostgreSQL</a:t>
+            </a:r>
+            <a:r>
+              <a:rPr lang="es-ES_tradnl" dirty="0"/>
+              <a:t> recibe una petición desde un cliente (aplicación) se crea un proceso que es el encargado de atender todas las peticiones desde el cliente. Debido a esto, es muy simple configurar un pool de conexiones que estén preparadas para poder recibir peticiones desde los clientes</a:t>
+            </a:r>
+            <a:endParaRPr lang="es-AR" dirty="0"/>
+          </a:p>
+        </p:txBody>
+      </p:sp>
+      <p:sp>
+        <p:nvSpPr>
+          <p:cNvPr id="4" name="Text Placeholder 3"/>
+          <p:cNvSpPr>
+            <a:spLocks noGrp="1"/>
+          </p:cNvSpPr>
+          <p:nvPr>
+            <p:ph type="body" sz="quarter" idx="13"/>
+          </p:nvPr>
+        </p:nvSpPr>
+        <p:spPr/>
+        <p:txBody>
+          <a:bodyPr/>
+          <a:lstStyle/>
+          <a:p>
+            <a:r>
+              <a:rPr lang="es-AR" dirty="0" err="1" smtClean="0"/>
+              <a:t>Postgres</a:t>
+            </a:r>
+            <a:r>
+              <a:rPr lang="es-AR" dirty="0" smtClean="0"/>
+              <a:t> 8.4</a:t>
+            </a:r>
+            <a:endParaRPr lang="es-AR" dirty="0"/>
+          </a:p>
+        </p:txBody>
+      </p:sp>
+      <p:pic>
+        <p:nvPicPr>
+          <p:cNvPr id="1026" name="Picture 2"/>
+          <p:cNvPicPr>
+            <a:picLocks noChangeAspect="1" noChangeArrowheads="1"/>
+          </p:cNvPicPr>
+          <p:nvPr/>
+        </p:nvPicPr>
+        <p:blipFill>
+          <a:blip r:embed="rId2">
+            <a:extLst>
+              <a:ext uri="{28A0092B-C50C-407E-A947-70E740481C1C}">
+                <a14:useLocalDpi xmlns:a14="http://schemas.microsoft.com/office/drawing/2010/main" val="0"/>
+              </a:ext>
+            </a:extLst>
+          </a:blip>
+          <a:srcRect/>
+          <a:stretch>
+            <a:fillRect/>
+          </a:stretch>
+        </p:blipFill>
+        <p:spPr bwMode="auto">
+          <a:xfrm>
+            <a:off x="782105" y="2852936"/>
+            <a:ext cx="7750335" cy="2847156"/>
+          </a:xfrm>
+          <a:prstGeom prst="rect">
+            <a:avLst/>
+          </a:prstGeom>
+          <a:solidFill>
+            <a:srgbClr val="FFFFFF"/>
+          </a:solidFill>
+          <a:ln>
+            <a:noFill/>
+          </a:ln>
+          <a:extLst>
+            <a:ext uri="{91240B29-F687-4F45-9708-019B960494DF}">
+              <a14:hiddenLine xmlns:a14="http://schemas.microsoft.com/office/drawing/2010/main" w="9525">
+                <a:solidFill>
+                  <a:srgbClr val="000000"/>
+                </a:solidFill>
+                <a:miter lim="800000"/>
+                <a:headEnd/>
+                <a:tailEnd/>
+              </a14:hiddenLine>
+            </a:ext>
+          </a:extLst>
+        </p:spPr>
+      </p:pic>
+    </p:spTree>
+    <p:extLst>
+      <p:ext uri="{BB962C8B-B14F-4D97-AF65-F5344CB8AC3E}">
+        <p14:creationId xmlns:p14="http://schemas.microsoft.com/office/powerpoint/2010/main" val="1689869253"/>
+      </p:ext>
+    </p:extLst>
+  </p:cSld>
+  <p:clrMapOvr>
+    <a:masterClrMapping/>
+  </p:clrMapOvr>
+</p:sld>
+</file>
+
+<file path=ppt/slides/slide9.xml><?xml version="1.0" encoding="utf-8"?>
+<p:sld xmlns:a="http://schemas.openxmlformats.org/drawingml/2006/main" xmlns:r="http://schemas.openxmlformats.org/officeDocument/2006/relationships" xmlns:p="http://schemas.openxmlformats.org/presentationml/2006/main">
+  <p:cSld>
+    <p:spTree>
+      <p:nvGrpSpPr>
+        <p:cNvPr id="1" name=""/>
+        <p:cNvGrpSpPr/>
+        <p:nvPr/>
+      </p:nvGrpSpPr>
+      <p:grpSpPr>
+        <a:xfrm>
+          <a:off x="0" y="0"/>
+          <a:ext cx="0" cy="0"/>
+          <a:chOff x="0" y="0"/>
+          <a:chExt cx="0" cy="0"/>
+        </a:xfrm>
+      </p:grpSpPr>
+      <p:sp>
+        <p:nvSpPr>
+          <p:cNvPr id="2" name="Title 1"/>
+          <p:cNvSpPr>
+            <a:spLocks noGrp="1"/>
+          </p:cNvSpPr>
+          <p:nvPr>
+            <p:ph type="title"/>
+          </p:nvPr>
+        </p:nvSpPr>
+        <p:spPr/>
+        <p:txBody>
+          <a:bodyPr/>
+          <a:lstStyle/>
+          <a:p>
+            <a:r>
+              <a:rPr lang="es-AR" dirty="0" smtClean="0"/>
+              <a:t>Base de Datos</a:t>
+            </a:r>
+            <a:endParaRPr lang="es-AR" dirty="0"/>
+          </a:p>
+        </p:txBody>
+      </p:sp>
+      <p:graphicFrame>
+        <p:nvGraphicFramePr>
+          <p:cNvPr id="5" name="Content Placeholder 4"/>
+          <p:cNvGraphicFramePr>
+            <a:graphicFrameLocks noGrp="1"/>
+          </p:cNvGraphicFramePr>
+          <p:nvPr>
+            <p:ph idx="1"/>
+            <p:extLst>
+              <p:ext uri="{D42A27DB-BD31-4B8C-83A1-F6EECF244321}">
+                <p14:modId xmlns:p14="http://schemas.microsoft.com/office/powerpoint/2010/main" val="2748435166"/>
+              </p:ext>
+            </p:extLst>
+          </p:nvPr>
+        </p:nvGraphicFramePr>
+        <p:xfrm>
+          <a:off x="1403648" y="1556792"/>
+          <a:ext cx="6264696" cy="3696840"/>
+        </p:xfrm>
+        <a:graphic>
+          <a:graphicData uri="http://schemas.openxmlformats.org/drawingml/2006/table">
+            <a:tbl>
+              <a:tblPr>
+                <a:tableStyleId>{5C22544A-7EE6-4342-B048-85BDC9FD1C3A}</a:tableStyleId>
+              </a:tblPr>
+              <a:tblGrid>
+                <a:gridCol w="4032447"/>
+                <a:gridCol w="2232249"/>
+              </a:tblGrid>
+              <a:tr h="250296">
+                <a:tc>
+                  <a:txBody>
+                    <a:bodyPr/>
+                    <a:lstStyle/>
+                    <a:p>
+                      <a:pPr>
+                        <a:lnSpc>
+                          <a:spcPct val="150000"/>
+                        </a:lnSpc>
+                        <a:spcBef>
+                          <a:spcPts val="600"/>
+                        </a:spcBef>
+                        <a:spcAft>
+                          <a:spcPts val="200"/>
+                        </a:spcAft>
+                      </a:pPr>
+                      <a:r>
+                        <a:rPr lang="es-AR" sz="1600" dirty="0">
+                          <a:effectLst/>
+                        </a:rPr>
+                        <a:t>Tamaño medio de fila</a:t>
+                      </a:r>
+                      <a:endParaRPr lang="es-AR" sz="1600" dirty="0">
+                        <a:effectLst/>
+                        <a:latin typeface="Verdana"/>
+                        <a:ea typeface="Times New Roman"/>
+                        <a:cs typeface="Times New Roman"/>
+                      </a:endParaRPr>
+                    </a:p>
+                  </a:txBody>
+                  <a:tcPr marL="22500" marR="22500" marT="22500" marB="22500"/>
+                </a:tc>
+                <a:tc>
+                  <a:txBody>
+                    <a:bodyPr/>
+                    <a:lstStyle/>
+                    <a:p>
+                      <a:pPr>
+                        <a:lnSpc>
+                          <a:spcPct val="150000"/>
+                        </a:lnSpc>
+                        <a:spcBef>
+                          <a:spcPts val="600"/>
+                        </a:spcBef>
+                        <a:spcAft>
+                          <a:spcPts val="200"/>
+                        </a:spcAft>
+                      </a:pPr>
+                      <a:r>
+                        <a:rPr lang="es-AR" sz="1600" dirty="0">
+                          <a:effectLst/>
+                        </a:rPr>
+                        <a:t>50 Bytes</a:t>
+                      </a:r>
+                      <a:endParaRPr lang="es-AR" sz="1600" dirty="0">
+                        <a:effectLst/>
+                        <a:latin typeface="Verdana"/>
+                        <a:ea typeface="Times New Roman"/>
+                        <a:cs typeface="Times New Roman"/>
+                      </a:endParaRPr>
+                    </a:p>
+                  </a:txBody>
+                  <a:tcPr marL="22500" marR="22500" marT="22500" marB="22500"/>
+                </a:tc>
+              </a:tr>
+              <a:tr h="250296">
+                <a:tc>
+                  <a:txBody>
+                    <a:bodyPr/>
+                    <a:lstStyle/>
+                    <a:p>
+                      <a:pPr>
+                        <a:lnSpc>
+                          <a:spcPct val="150000"/>
+                        </a:lnSpc>
+                        <a:spcBef>
+                          <a:spcPts val="600"/>
+                        </a:spcBef>
+                        <a:spcAft>
+                          <a:spcPts val="200"/>
+                        </a:spcAft>
+                      </a:pPr>
+                      <a:r>
+                        <a:rPr lang="es-AR" sz="1600" dirty="0">
+                          <a:effectLst/>
+                        </a:rPr>
+                        <a:t>Cantidad de tablas</a:t>
+                      </a:r>
+                      <a:endParaRPr lang="es-AR" sz="1600" dirty="0">
+                        <a:effectLst/>
+                        <a:latin typeface="Verdana"/>
+                        <a:ea typeface="Times New Roman"/>
+                        <a:cs typeface="Times New Roman"/>
+                      </a:endParaRPr>
+                    </a:p>
+                  </a:txBody>
+                  <a:tcPr marL="22500" marR="22500" marT="22500" marB="22500"/>
+                </a:tc>
+                <a:tc>
+                  <a:txBody>
+                    <a:bodyPr/>
+                    <a:lstStyle/>
+                    <a:p>
+                      <a:pPr>
+                        <a:lnSpc>
+                          <a:spcPct val="150000"/>
+                        </a:lnSpc>
+                        <a:spcBef>
+                          <a:spcPts val="600"/>
+                        </a:spcBef>
+                        <a:spcAft>
+                          <a:spcPts val="200"/>
+                        </a:spcAft>
+                      </a:pPr>
+                      <a:r>
+                        <a:rPr lang="es-AR" sz="1600">
+                          <a:effectLst/>
+                        </a:rPr>
+                        <a:t>35</a:t>
+                      </a:r>
+                      <a:endParaRPr lang="es-AR" sz="1600">
+                        <a:effectLst/>
+                        <a:latin typeface="Verdana"/>
+                        <a:ea typeface="Times New Roman"/>
+                        <a:cs typeface="Times New Roman"/>
+                      </a:endParaRPr>
+                    </a:p>
+                  </a:txBody>
+                  <a:tcPr marL="22500" marR="22500" marT="22500" marB="22500"/>
+                </a:tc>
+              </a:tr>
+              <a:tr h="250296">
+                <a:tc>
+                  <a:txBody>
+                    <a:bodyPr/>
+                    <a:lstStyle/>
+                    <a:p>
+                      <a:pPr>
+                        <a:lnSpc>
+                          <a:spcPct val="150000"/>
+                        </a:lnSpc>
+                        <a:spcBef>
+                          <a:spcPts val="600"/>
+                        </a:spcBef>
+                        <a:spcAft>
+                          <a:spcPts val="200"/>
+                        </a:spcAft>
+                      </a:pPr>
+                      <a:r>
+                        <a:rPr lang="es-AR" sz="1600" dirty="0">
+                          <a:effectLst/>
+                        </a:rPr>
+                        <a:t>Consultas diarias aproximadas </a:t>
+                      </a:r>
+                      <a:endParaRPr lang="es-AR" sz="1600" dirty="0">
+                        <a:effectLst/>
+                        <a:latin typeface="Verdana"/>
+                        <a:ea typeface="Times New Roman"/>
+                        <a:cs typeface="Times New Roman"/>
+                      </a:endParaRPr>
+                    </a:p>
+                  </a:txBody>
+                  <a:tcPr marL="22500" marR="22500" marT="22500" marB="22500"/>
+                </a:tc>
+                <a:tc>
+                  <a:txBody>
+                    <a:bodyPr/>
+                    <a:lstStyle/>
+                    <a:p>
+                      <a:pPr>
+                        <a:lnSpc>
+                          <a:spcPct val="150000"/>
+                        </a:lnSpc>
+                        <a:spcBef>
+                          <a:spcPts val="600"/>
+                        </a:spcBef>
+                        <a:spcAft>
+                          <a:spcPts val="200"/>
+                        </a:spcAft>
+                      </a:pPr>
+                      <a:r>
+                        <a:rPr lang="es-AR" sz="1600">
+                          <a:effectLst/>
+                        </a:rPr>
+                        <a:t>2000</a:t>
+                      </a:r>
+                      <a:endParaRPr lang="es-AR" sz="1600">
+                        <a:effectLst/>
+                        <a:latin typeface="Verdana"/>
+                        <a:ea typeface="Times New Roman"/>
+                        <a:cs typeface="Times New Roman"/>
+                      </a:endParaRPr>
+                    </a:p>
+                  </a:txBody>
+                  <a:tcPr marL="22500" marR="22500" marT="22500" marB="22500"/>
+                </a:tc>
+              </a:tr>
+              <a:tr h="250296">
+                <a:tc>
+                  <a:txBody>
+                    <a:bodyPr/>
+                    <a:lstStyle/>
+                    <a:p>
+                      <a:pPr>
+                        <a:lnSpc>
+                          <a:spcPct val="150000"/>
+                        </a:lnSpc>
+                        <a:spcBef>
+                          <a:spcPts val="600"/>
+                        </a:spcBef>
+                        <a:spcAft>
+                          <a:spcPts val="200"/>
+                        </a:spcAft>
+                      </a:pPr>
+                      <a:r>
+                        <a:rPr lang="es-AR" sz="1600" dirty="0">
+                          <a:effectLst/>
+                        </a:rPr>
+                        <a:t>Instalación </a:t>
+                      </a:r>
+                      <a:r>
+                        <a:rPr lang="es-AR" sz="1600" dirty="0" err="1">
+                          <a:effectLst/>
+                        </a:rPr>
+                        <a:t>PostgreSQL</a:t>
+                      </a:r>
+                      <a:endParaRPr lang="es-AR" sz="1600" dirty="0">
+                        <a:effectLst/>
+                        <a:latin typeface="Verdana"/>
+                        <a:ea typeface="Times New Roman"/>
+                        <a:cs typeface="Times New Roman"/>
+                      </a:endParaRPr>
+                    </a:p>
+                  </a:txBody>
+                  <a:tcPr marL="22500" marR="22500" marT="22500" marB="22500"/>
+                </a:tc>
+                <a:tc>
+                  <a:txBody>
+                    <a:bodyPr/>
+                    <a:lstStyle/>
+                    <a:p>
+                      <a:pPr>
+                        <a:lnSpc>
+                          <a:spcPct val="150000"/>
+                        </a:lnSpc>
+                        <a:spcBef>
+                          <a:spcPts val="600"/>
+                        </a:spcBef>
+                        <a:spcAft>
+                          <a:spcPts val="200"/>
+                        </a:spcAft>
+                      </a:pPr>
+                      <a:r>
+                        <a:rPr lang="es-AR" sz="1600" dirty="0">
+                          <a:effectLst/>
+                        </a:rPr>
+                        <a:t>200 MB</a:t>
+                      </a:r>
+                      <a:endParaRPr lang="es-AR" sz="1600" dirty="0">
+                        <a:effectLst/>
+                        <a:latin typeface="Verdana"/>
+                        <a:ea typeface="Times New Roman"/>
+                        <a:cs typeface="Times New Roman"/>
+                      </a:endParaRPr>
+                    </a:p>
+                  </a:txBody>
+                  <a:tcPr marL="22500" marR="22500" marT="22500" marB="22500"/>
+                </a:tc>
+              </a:tr>
+              <a:tr h="250296">
+                <a:tc>
+                  <a:txBody>
+                    <a:bodyPr/>
+                    <a:lstStyle/>
+                    <a:p>
+                      <a:pPr>
+                        <a:lnSpc>
+                          <a:spcPct val="150000"/>
+                        </a:lnSpc>
+                        <a:spcBef>
+                          <a:spcPts val="600"/>
+                        </a:spcBef>
+                        <a:spcAft>
+                          <a:spcPts val="200"/>
+                        </a:spcAft>
+                      </a:pPr>
+                      <a:r>
+                        <a:rPr lang="es-ES_tradnl" sz="1600">
+                          <a:effectLst/>
+                        </a:rPr>
+                        <a:t>Crecimiento anual Máx. estimado de la DB</a:t>
+                      </a:r>
+                      <a:endParaRPr lang="es-AR" sz="1600">
+                        <a:effectLst/>
+                        <a:latin typeface="Verdana"/>
+                        <a:ea typeface="Times New Roman"/>
+                        <a:cs typeface="Times New Roman"/>
+                      </a:endParaRPr>
+                    </a:p>
+                  </a:txBody>
+                  <a:tcPr marL="22500" marR="22500" marT="22500" marB="22500"/>
+                </a:tc>
+                <a:tc>
+                  <a:txBody>
+                    <a:bodyPr/>
+                    <a:lstStyle/>
+                    <a:p>
+                      <a:pPr>
+                        <a:lnSpc>
+                          <a:spcPct val="150000"/>
+                        </a:lnSpc>
+                        <a:spcBef>
+                          <a:spcPts val="600"/>
+                        </a:spcBef>
+                        <a:spcAft>
+                          <a:spcPts val="200"/>
+                        </a:spcAft>
+                      </a:pPr>
+                      <a:r>
+                        <a:rPr lang="es-AR" sz="1600" dirty="0">
+                          <a:effectLst/>
+                        </a:rPr>
+                        <a:t>1750 MB</a:t>
+                      </a:r>
+                      <a:endParaRPr lang="es-AR" sz="1600" dirty="0">
+                        <a:effectLst/>
+                        <a:latin typeface="Verdana"/>
+                        <a:ea typeface="Times New Roman"/>
+                        <a:cs typeface="Times New Roman"/>
+                      </a:endParaRPr>
+                    </a:p>
+                  </a:txBody>
+                  <a:tcPr marL="22500" marR="22500" marT="22500" marB="22500"/>
+                </a:tc>
+              </a:tr>
+              <a:tr h="255908">
+                <a:tc>
+                  <a:txBody>
+                    <a:bodyPr/>
+                    <a:lstStyle/>
+                    <a:p>
+                      <a:pPr>
+                        <a:lnSpc>
+                          <a:spcPct val="150000"/>
+                        </a:lnSpc>
+                        <a:spcBef>
+                          <a:spcPts val="600"/>
+                        </a:spcBef>
+                        <a:spcAft>
+                          <a:spcPts val="200"/>
+                        </a:spcAft>
+                      </a:pPr>
+                      <a:r>
+                        <a:rPr lang="es-ES_tradnl" sz="1600">
+                          <a:effectLst/>
+                        </a:rPr>
+                        <a:t>Tamaño de archivos de log Aproximado</a:t>
+                      </a:r>
+                      <a:endParaRPr lang="es-AR" sz="1600">
+                        <a:effectLst/>
+                        <a:latin typeface="Verdana"/>
+                        <a:ea typeface="Times New Roman"/>
+                        <a:cs typeface="Times New Roman"/>
+                      </a:endParaRPr>
+                    </a:p>
+                  </a:txBody>
+                  <a:tcPr marL="22500" marR="22500" marT="22500" marB="22500"/>
+                </a:tc>
+                <a:tc>
+                  <a:txBody>
+                    <a:bodyPr/>
+                    <a:lstStyle/>
+                    <a:p>
+                      <a:pPr>
+                        <a:lnSpc>
+                          <a:spcPct val="150000"/>
+                        </a:lnSpc>
+                        <a:spcBef>
+                          <a:spcPts val="600"/>
+                        </a:spcBef>
+                        <a:spcAft>
+                          <a:spcPts val="200"/>
+                        </a:spcAft>
+                      </a:pPr>
+                      <a:r>
+                        <a:rPr lang="es-AR" sz="1600" dirty="0">
+                          <a:effectLst/>
+                        </a:rPr>
+                        <a:t>300 MB anuales</a:t>
+                      </a:r>
+                      <a:endParaRPr lang="es-AR" sz="1600" dirty="0">
+                        <a:effectLst/>
+                        <a:latin typeface="Verdana"/>
+                        <a:ea typeface="Times New Roman"/>
+                        <a:cs typeface="Times New Roman"/>
+                      </a:endParaRPr>
+                    </a:p>
+                  </a:txBody>
+                  <a:tcPr marL="22500" marR="22500" marT="22500" marB="22500"/>
+                </a:tc>
+              </a:tr>
+              <a:tr h="250296">
+                <a:tc>
+                  <a:txBody>
+                    <a:bodyPr/>
+                    <a:lstStyle/>
+                    <a:p>
+                      <a:pPr>
+                        <a:lnSpc>
+                          <a:spcPct val="150000"/>
+                        </a:lnSpc>
+                        <a:spcBef>
+                          <a:spcPts val="600"/>
+                        </a:spcBef>
+                        <a:spcAft>
+                          <a:spcPts val="200"/>
+                        </a:spcAft>
+                      </a:pPr>
+                      <a:r>
+                        <a:rPr lang="es-ES_tradnl" sz="1600">
+                          <a:effectLst/>
+                        </a:rPr>
+                        <a:t>Tamaño SP y Configuración estimado</a:t>
+                      </a:r>
+                      <a:endParaRPr lang="es-AR" sz="1600">
+                        <a:effectLst/>
+                        <a:latin typeface="Verdana"/>
+                        <a:ea typeface="Times New Roman"/>
+                        <a:cs typeface="Times New Roman"/>
+                      </a:endParaRPr>
+                    </a:p>
+                  </a:txBody>
+                  <a:tcPr marL="22500" marR="22500" marT="22500" marB="22500"/>
+                </a:tc>
+                <a:tc>
+                  <a:txBody>
+                    <a:bodyPr/>
+                    <a:lstStyle/>
+                    <a:p>
+                      <a:pPr>
+                        <a:lnSpc>
+                          <a:spcPct val="150000"/>
+                        </a:lnSpc>
+                        <a:spcBef>
+                          <a:spcPts val="600"/>
+                        </a:spcBef>
+                        <a:spcAft>
+                          <a:spcPts val="200"/>
+                        </a:spcAft>
+                      </a:pPr>
+                      <a:r>
+                        <a:rPr lang="es-AR" sz="1600" dirty="0">
+                          <a:effectLst/>
+                        </a:rPr>
+                        <a:t>10MB </a:t>
+                      </a:r>
+                      <a:endParaRPr lang="es-AR" sz="1600" dirty="0">
+                        <a:effectLst/>
+                        <a:latin typeface="Verdana"/>
+                        <a:ea typeface="Times New Roman"/>
+                        <a:cs typeface="Times New Roman"/>
+                      </a:endParaRPr>
+                    </a:p>
+                  </a:txBody>
+                  <a:tcPr marL="22500" marR="22500" marT="22500" marB="22500"/>
+                </a:tc>
+              </a:tr>
+              <a:tr h="250296">
+                <a:tc>
+                  <a:txBody>
+                    <a:bodyPr/>
+                    <a:lstStyle/>
+                    <a:p>
+                      <a:pPr>
+                        <a:lnSpc>
+                          <a:spcPct val="150000"/>
+                        </a:lnSpc>
+                        <a:spcBef>
+                          <a:spcPts val="600"/>
+                        </a:spcBef>
+                        <a:spcAft>
+                          <a:spcPts val="200"/>
+                        </a:spcAft>
+                      </a:pPr>
+                      <a:r>
+                        <a:rPr lang="es-AR" sz="1600">
+                          <a:effectLst/>
+                        </a:rPr>
+                        <a:t>Coeficiente de Seguridad </a:t>
+                      </a:r>
+                      <a:endParaRPr lang="es-AR" sz="1600">
+                        <a:effectLst/>
+                        <a:latin typeface="Verdana"/>
+                        <a:ea typeface="Times New Roman"/>
+                        <a:cs typeface="Times New Roman"/>
+                      </a:endParaRPr>
+                    </a:p>
+                  </a:txBody>
+                  <a:tcPr marL="22500" marR="22500" marT="22500" marB="22500"/>
+                </a:tc>
+                <a:tc>
+                  <a:txBody>
+                    <a:bodyPr/>
+                    <a:lstStyle/>
+                    <a:p>
+                      <a:pPr>
+                        <a:lnSpc>
+                          <a:spcPct val="150000"/>
+                        </a:lnSpc>
+                        <a:spcBef>
+                          <a:spcPts val="600"/>
+                        </a:spcBef>
+                        <a:spcAft>
+                          <a:spcPts val="200"/>
+                        </a:spcAft>
+                      </a:pPr>
+                      <a:r>
+                        <a:rPr lang="es-AR" sz="1600" dirty="0">
+                          <a:effectLst/>
+                        </a:rPr>
+                        <a:t>30.00%</a:t>
+                      </a:r>
+                      <a:endParaRPr lang="es-AR" sz="1600" dirty="0">
+                        <a:effectLst/>
+                        <a:latin typeface="Verdana"/>
+                        <a:ea typeface="Times New Roman"/>
+                        <a:cs typeface="Times New Roman"/>
+                      </a:endParaRPr>
+                    </a:p>
+                  </a:txBody>
+                  <a:tcPr marL="22500" marR="22500" marT="22500" marB="22500"/>
+                </a:tc>
+              </a:tr>
+              <a:tr h="296275">
+                <a:tc>
+                  <a:txBody>
+                    <a:bodyPr/>
+                    <a:lstStyle/>
+                    <a:p>
+                      <a:pPr>
+                        <a:lnSpc>
+                          <a:spcPct val="150000"/>
+                        </a:lnSpc>
+                        <a:spcBef>
+                          <a:spcPts val="600"/>
+                        </a:spcBef>
+                        <a:spcAft>
+                          <a:spcPts val="200"/>
+                        </a:spcAft>
+                      </a:pPr>
+                      <a:r>
+                        <a:rPr lang="es-AR" sz="1600" b="1" dirty="0">
+                          <a:effectLst/>
+                        </a:rPr>
+                        <a:t>Total Anual por instancia</a:t>
+                      </a:r>
+                      <a:endParaRPr lang="es-AR" sz="1600" b="1" dirty="0">
+                        <a:effectLst/>
+                        <a:latin typeface="Verdana"/>
+                        <a:ea typeface="Times New Roman"/>
+                        <a:cs typeface="Times New Roman"/>
+                      </a:endParaRPr>
+                    </a:p>
+                  </a:txBody>
+                  <a:tcPr marL="22500" marR="22500" marT="22500" marB="22500" anchor="b"/>
+                </a:tc>
+                <a:tc>
+                  <a:txBody>
+                    <a:bodyPr/>
+                    <a:lstStyle/>
+                    <a:p>
+                      <a:pPr>
+                        <a:lnSpc>
+                          <a:spcPct val="150000"/>
+                        </a:lnSpc>
+                        <a:spcBef>
+                          <a:spcPts val="600"/>
+                        </a:spcBef>
+                        <a:spcAft>
+                          <a:spcPts val="200"/>
+                        </a:spcAft>
+                      </a:pPr>
+                      <a:r>
+                        <a:rPr lang="es-AR" sz="1600" b="1" dirty="0">
+                          <a:effectLst/>
+                        </a:rPr>
+                        <a:t>29380 MB ≈ 30 GB</a:t>
+                      </a:r>
+                      <a:endParaRPr lang="es-AR" sz="1600" b="1" dirty="0">
+                        <a:effectLst/>
+                        <a:latin typeface="Verdana"/>
+                        <a:ea typeface="Times New Roman"/>
+                        <a:cs typeface="Times New Roman"/>
+                      </a:endParaRPr>
+                    </a:p>
+                  </a:txBody>
+                  <a:tcPr marL="22500" marR="22500" marT="22500" marB="22500" anchor="b"/>
+                </a:tc>
+              </a:tr>
+            </a:tbl>
+          </a:graphicData>
+        </a:graphic>
+      </p:graphicFrame>
+      <p:sp>
+        <p:nvSpPr>
+          <p:cNvPr id="4" name="Text Placeholder 3"/>
+          <p:cNvSpPr>
+            <a:spLocks noGrp="1"/>
+          </p:cNvSpPr>
+          <p:nvPr>
+            <p:ph type="body" sz="quarter" idx="13"/>
+          </p:nvPr>
+        </p:nvSpPr>
+        <p:spPr/>
+        <p:txBody>
+          <a:bodyPr/>
+          <a:lstStyle/>
+          <a:p>
+            <a:r>
+              <a:rPr lang="es-AR" dirty="0" smtClean="0"/>
+              <a:t>Volumen</a:t>
+            </a:r>
+            <a:endParaRPr lang="es-AR" dirty="0"/>
+          </a:p>
+        </p:txBody>
+      </p:sp>
+    </p:spTree>
+    <p:extLst>
+      <p:ext uri="{BB962C8B-B14F-4D97-AF65-F5344CB8AC3E}">
+        <p14:creationId xmlns:p14="http://schemas.microsoft.com/office/powerpoint/2010/main" val="1539515098"/>
+      </p:ext>
+    </p:extLst>
+  </p:cSld>
+  <p:clrMapOvr>
+    <a:masterClrMapping/>
+  </p:clrMapOvr>
+</p:sld>
+</file>
+
 <file path=ppt/theme/theme1.xml><?xml version="1.0" encoding="utf-8"?>
 <a:theme xmlns:a="http://schemas.openxmlformats.org/drawingml/2006/main" name="Template Basico">
   <a:themeElements>

--- a/trunk/Presentacion.pptx
+++ b/trunk/Presentacion.pptx
@@ -5,7 +5,7 @@
     <p:sldMasterId id="2147483660" r:id="rId1"/>
   </p:sldMasterIdLst>
   <p:notesMasterIdLst>
-    <p:notesMasterId r:id="rId31"/>
+    <p:notesMasterId r:id="rId33"/>
   </p:notesMasterIdLst>
   <p:sldIdLst>
     <p:sldId id="256" r:id="rId2"/>
@@ -33,10 +33,12 @@
     <p:sldId id="271" r:id="rId24"/>
     <p:sldId id="278" r:id="rId25"/>
     <p:sldId id="279" r:id="rId26"/>
-    <p:sldId id="280" r:id="rId27"/>
-    <p:sldId id="281" r:id="rId28"/>
-    <p:sldId id="283" r:id="rId29"/>
-    <p:sldId id="282" r:id="rId30"/>
+    <p:sldId id="288" r:id="rId27"/>
+    <p:sldId id="289" r:id="rId28"/>
+    <p:sldId id="280" r:id="rId29"/>
+    <p:sldId id="281" r:id="rId30"/>
+    <p:sldId id="283" r:id="rId31"/>
+    <p:sldId id="282" r:id="rId32"/>
   </p:sldIdLst>
   <p:sldSz cx="9144000" cy="6858000" type="screen4x3"/>
   <p:notesSz cx="6858000" cy="9144000"/>
@@ -2934,7 +2936,7 @@
               <a:pPr>
                 <a:defRPr/>
               </a:pPr>
-              <a:t>9/19/2010</a:t>
+              <a:t>9/20/2010</a:t>
             </a:fld>
             <a:endParaRPr lang="en-US"/>
           </a:p>
@@ -3894,7 +3896,7 @@
               <a:pPr>
                 <a:defRPr/>
               </a:pPr>
-              <a:t>9/19/2010</a:t>
+              <a:t>9/20/2010</a:t>
             </a:fld>
             <a:endParaRPr lang="es-AR" dirty="0"/>
           </a:p>
@@ -13005,20 +13007,1904 @@
           <a:p>
             <a:r>
               <a:rPr lang="es-AR" dirty="0" smtClean="0"/>
-              <a:t>Costos Iniciales</a:t>
+              <a:t>RRHH</a:t>
             </a:r>
             <a:endParaRPr lang="es-AR" dirty="0"/>
           </a:p>
         </p:txBody>
       </p:sp>
+      <p:graphicFrame>
+        <p:nvGraphicFramePr>
+          <p:cNvPr id="5" name="Content Placeholder 4"/>
+          <p:cNvGraphicFramePr>
+            <a:graphicFrameLocks noGrp="1"/>
+          </p:cNvGraphicFramePr>
+          <p:nvPr>
+            <p:ph idx="1"/>
+            <p:extLst>
+              <p:ext uri="{D42A27DB-BD31-4B8C-83A1-F6EECF244321}">
+                <p14:modId xmlns:p14="http://schemas.microsoft.com/office/powerpoint/2010/main" val="688047208"/>
+              </p:ext>
+            </p:extLst>
+          </p:nvPr>
+        </p:nvGraphicFramePr>
+        <p:xfrm>
+          <a:off x="323529" y="1484784"/>
+          <a:ext cx="8136903" cy="2399214"/>
+        </p:xfrm>
+        <a:graphic>
+          <a:graphicData uri="http://schemas.openxmlformats.org/drawingml/2006/table">
+            <a:tbl>
+              <a:tblPr>
+                <a:tableStyleId>{5C22544A-7EE6-4342-B048-85BDC9FD1C3A}</a:tableStyleId>
+              </a:tblPr>
+              <a:tblGrid>
+                <a:gridCol w="1904971"/>
+                <a:gridCol w="654557"/>
+                <a:gridCol w="1168090"/>
+                <a:gridCol w="665285"/>
+                <a:gridCol w="598283"/>
+                <a:gridCol w="623898"/>
+                <a:gridCol w="623898"/>
+                <a:gridCol w="623898"/>
+                <a:gridCol w="623898"/>
+                <a:gridCol w="650125"/>
+              </a:tblGrid>
+              <a:tr h="100249">
+                <a:tc>
+                  <a:txBody>
+                    <a:bodyPr/>
+                    <a:lstStyle/>
+                    <a:p>
+                      <a:pPr algn="r" fontAlgn="b"/>
+                      <a:r>
+                        <a:rPr lang="es-AR" sz="1400" u="none" strike="noStrike">
+                          <a:effectLst/>
+                        </a:rPr>
+                        <a:t>Período</a:t>
+                      </a:r>
+                      <a:endParaRPr lang="es-AR" sz="1400" b="1" i="0" u="none" strike="noStrike">
+                        <a:solidFill>
+                          <a:srgbClr val="FFFFFF"/>
+                        </a:solidFill>
+                        <a:effectLst/>
+                        <a:latin typeface="Arial"/>
+                      </a:endParaRPr>
+                    </a:p>
+                  </a:txBody>
+                  <a:tcPr marL="5806" marR="5806" marT="5806" marB="0" anchor="b"/>
+                </a:tc>
+                <a:tc>
+                  <a:txBody>
+                    <a:bodyPr/>
+                    <a:lstStyle/>
+                    <a:p>
+                      <a:pPr algn="ctr" fontAlgn="b"/>
+                      <a:r>
+                        <a:rPr lang="es-AR" sz="1400" u="none" strike="noStrike">
+                          <a:effectLst/>
+                        </a:rPr>
+                        <a:t>Sueldo</a:t>
+                      </a:r>
+                      <a:endParaRPr lang="es-AR" sz="1400" b="1" i="0" u="none" strike="noStrike">
+                        <a:solidFill>
+                          <a:srgbClr val="FFFFFF"/>
+                        </a:solidFill>
+                        <a:effectLst/>
+                        <a:latin typeface="Arial"/>
+                      </a:endParaRPr>
+                    </a:p>
+                  </a:txBody>
+                  <a:tcPr marL="5806" marR="5806" marT="5806" marB="0" anchor="b"/>
+                </a:tc>
+                <a:tc>
+                  <a:txBody>
+                    <a:bodyPr/>
+                    <a:lstStyle/>
+                    <a:p>
+                      <a:pPr algn="ctr" fontAlgn="b"/>
+                      <a:r>
+                        <a:rPr lang="es-AR" sz="1400" u="none" strike="noStrike" dirty="0">
+                          <a:effectLst/>
+                        </a:rPr>
+                        <a:t>Costo Laboral </a:t>
+                      </a:r>
+                      <a:endParaRPr lang="es-AR" sz="1400" b="1" i="0" u="none" strike="noStrike" dirty="0">
+                        <a:solidFill>
+                          <a:srgbClr val="FFFFFF"/>
+                        </a:solidFill>
+                        <a:effectLst/>
+                        <a:latin typeface="Arial"/>
+                      </a:endParaRPr>
+                    </a:p>
+                  </a:txBody>
+                  <a:tcPr marL="5806" marR="5806" marT="5806" marB="0" anchor="b"/>
+                </a:tc>
+                <a:tc>
+                  <a:txBody>
+                    <a:bodyPr/>
+                    <a:lstStyle/>
+                    <a:p>
+                      <a:pPr algn="ctr" fontAlgn="b"/>
+                      <a:r>
+                        <a:rPr lang="es-AR" sz="1400" u="none" strike="noStrike">
+                          <a:effectLst/>
+                        </a:rPr>
+                        <a:t>Start-up</a:t>
+                      </a:r>
+                      <a:endParaRPr lang="es-AR" sz="1400" b="1" i="0" u="none" strike="noStrike">
+                        <a:solidFill>
+                          <a:srgbClr val="FFFFFF"/>
+                        </a:solidFill>
+                        <a:effectLst/>
+                        <a:latin typeface="Arial"/>
+                      </a:endParaRPr>
+                    </a:p>
+                  </a:txBody>
+                  <a:tcPr marL="5806" marR="5806" marT="5806" marB="0" anchor="b"/>
+                </a:tc>
+                <a:tc gridSpan="6">
+                  <a:txBody>
+                    <a:bodyPr/>
+                    <a:lstStyle/>
+                    <a:p>
+                      <a:pPr algn="ctr" fontAlgn="b"/>
+                      <a:r>
+                        <a:rPr lang="es-AR" sz="1400" u="none" strike="noStrike">
+                          <a:effectLst/>
+                        </a:rPr>
+                        <a:t>Proyecto</a:t>
+                      </a:r>
+                      <a:endParaRPr lang="es-AR" sz="1400" b="1" i="0" u="none" strike="noStrike">
+                        <a:solidFill>
+                          <a:srgbClr val="FFFFFF"/>
+                        </a:solidFill>
+                        <a:effectLst/>
+                        <a:latin typeface="Arial"/>
+                      </a:endParaRPr>
+                    </a:p>
+                  </a:txBody>
+                  <a:tcPr marL="5806" marR="5806" marT="5806" marB="0" anchor="b"/>
+                </a:tc>
+                <a:tc hMerge="1">
+                  <a:txBody>
+                    <a:bodyPr/>
+                    <a:lstStyle/>
+                    <a:p>
+                      <a:endParaRPr lang="es-AR"/>
+                    </a:p>
+                  </a:txBody>
+                  <a:tcPr/>
+                </a:tc>
+                <a:tc hMerge="1">
+                  <a:txBody>
+                    <a:bodyPr/>
+                    <a:lstStyle/>
+                    <a:p>
+                      <a:endParaRPr lang="es-AR"/>
+                    </a:p>
+                  </a:txBody>
+                  <a:tcPr/>
+                </a:tc>
+                <a:tc hMerge="1">
+                  <a:txBody>
+                    <a:bodyPr/>
+                    <a:lstStyle/>
+                    <a:p>
+                      <a:endParaRPr lang="es-AR"/>
+                    </a:p>
+                  </a:txBody>
+                  <a:tcPr/>
+                </a:tc>
+                <a:tc hMerge="1">
+                  <a:txBody>
+                    <a:bodyPr/>
+                    <a:lstStyle/>
+                    <a:p>
+                      <a:endParaRPr lang="es-AR"/>
+                    </a:p>
+                  </a:txBody>
+                  <a:tcPr/>
+                </a:tc>
+                <a:tc hMerge="1">
+                  <a:txBody>
+                    <a:bodyPr/>
+                    <a:lstStyle/>
+                    <a:p>
+                      <a:endParaRPr lang="es-AR"/>
+                    </a:p>
+                  </a:txBody>
+                  <a:tcPr/>
+                </a:tc>
+              </a:tr>
+              <a:tr h="100249">
+                <a:tc>
+                  <a:txBody>
+                    <a:bodyPr/>
+                    <a:lstStyle/>
+                    <a:p>
+                      <a:pPr algn="l" fontAlgn="b"/>
+                      <a:r>
+                        <a:rPr lang="es-AR" sz="1400" u="none" strike="noStrike">
+                          <a:effectLst/>
+                        </a:rPr>
+                        <a:t>Concepto</a:t>
+                      </a:r>
+                      <a:endParaRPr lang="es-AR" sz="1400" b="1" i="0" u="none" strike="noStrike">
+                        <a:solidFill>
+                          <a:srgbClr val="FFFFFF"/>
+                        </a:solidFill>
+                        <a:effectLst/>
+                        <a:latin typeface="Arial"/>
+                      </a:endParaRPr>
+                    </a:p>
+                  </a:txBody>
+                  <a:tcPr marL="5806" marR="5806" marT="5806" marB="0" anchor="b"/>
+                </a:tc>
+                <a:tc>
+                  <a:txBody>
+                    <a:bodyPr/>
+                    <a:lstStyle/>
+                    <a:p>
+                      <a:pPr algn="ctr" fontAlgn="b"/>
+                      <a:r>
+                        <a:rPr lang="es-AR" sz="1400" u="none" strike="noStrike">
+                          <a:effectLst/>
+                        </a:rPr>
+                        <a:t>Neto</a:t>
+                      </a:r>
+                      <a:endParaRPr lang="es-AR" sz="1400" b="1" i="0" u="none" strike="noStrike">
+                        <a:solidFill>
+                          <a:srgbClr val="FFFFFF"/>
+                        </a:solidFill>
+                        <a:effectLst/>
+                        <a:latin typeface="Arial"/>
+                      </a:endParaRPr>
+                    </a:p>
+                  </a:txBody>
+                  <a:tcPr marL="5806" marR="5806" marT="5806" marB="0" anchor="b"/>
+                </a:tc>
+                <a:tc>
+                  <a:txBody>
+                    <a:bodyPr/>
+                    <a:lstStyle/>
+                    <a:p>
+                      <a:pPr algn="ctr" fontAlgn="b"/>
+                      <a:r>
+                        <a:rPr lang="es-AR" sz="1400" u="none" strike="noStrike">
+                          <a:effectLst/>
+                        </a:rPr>
+                        <a:t>Unitario Total</a:t>
+                      </a:r>
+                      <a:endParaRPr lang="es-AR" sz="1400" b="1" i="0" u="none" strike="noStrike">
+                        <a:solidFill>
+                          <a:srgbClr val="FFFFFF"/>
+                        </a:solidFill>
+                        <a:effectLst/>
+                        <a:latin typeface="Arial"/>
+                      </a:endParaRPr>
+                    </a:p>
+                  </a:txBody>
+                  <a:tcPr marL="5806" marR="5806" marT="5806" marB="0" anchor="b"/>
+                </a:tc>
+                <a:tc>
+                  <a:txBody>
+                    <a:bodyPr/>
+                    <a:lstStyle/>
+                    <a:p>
+                      <a:pPr algn="ctr" fontAlgn="b"/>
+                      <a:r>
+                        <a:rPr lang="es-AR" sz="1400" u="none" strike="noStrike">
+                          <a:effectLst/>
+                        </a:rPr>
+                        <a:t> </a:t>
+                      </a:r>
+                      <a:endParaRPr lang="es-AR" sz="1400" b="1" i="0" u="none" strike="noStrike">
+                        <a:solidFill>
+                          <a:srgbClr val="FFFFFF"/>
+                        </a:solidFill>
+                        <a:effectLst/>
+                        <a:latin typeface="Arial"/>
+                      </a:endParaRPr>
+                    </a:p>
+                  </a:txBody>
+                  <a:tcPr marL="5806" marR="5806" marT="5806" marB="0" anchor="b"/>
+                </a:tc>
+                <a:tc>
+                  <a:txBody>
+                    <a:bodyPr/>
+                    <a:lstStyle/>
+                    <a:p>
+                      <a:pPr algn="ctr" fontAlgn="b"/>
+                      <a:r>
+                        <a:rPr lang="es-AR" sz="1400" u="none" strike="noStrike">
+                          <a:effectLst/>
+                        </a:rPr>
+                        <a:t>1</a:t>
+                      </a:r>
+                      <a:endParaRPr lang="es-AR" sz="1400" b="1" i="0" u="none" strike="noStrike">
+                        <a:solidFill>
+                          <a:srgbClr val="FFFFFF"/>
+                        </a:solidFill>
+                        <a:effectLst/>
+                        <a:latin typeface="Arial"/>
+                      </a:endParaRPr>
+                    </a:p>
+                  </a:txBody>
+                  <a:tcPr marL="5806" marR="5806" marT="5806" marB="0" anchor="b"/>
+                </a:tc>
+                <a:tc>
+                  <a:txBody>
+                    <a:bodyPr/>
+                    <a:lstStyle/>
+                    <a:p>
+                      <a:pPr algn="ctr" fontAlgn="b"/>
+                      <a:r>
+                        <a:rPr lang="es-AR" sz="1400" u="none" strike="noStrike">
+                          <a:effectLst/>
+                        </a:rPr>
+                        <a:t>2</a:t>
+                      </a:r>
+                      <a:endParaRPr lang="es-AR" sz="1400" b="1" i="0" u="none" strike="noStrike">
+                        <a:solidFill>
+                          <a:srgbClr val="FFFFFF"/>
+                        </a:solidFill>
+                        <a:effectLst/>
+                        <a:latin typeface="Arial"/>
+                      </a:endParaRPr>
+                    </a:p>
+                  </a:txBody>
+                  <a:tcPr marL="5806" marR="5806" marT="5806" marB="0" anchor="b"/>
+                </a:tc>
+                <a:tc>
+                  <a:txBody>
+                    <a:bodyPr/>
+                    <a:lstStyle/>
+                    <a:p>
+                      <a:pPr algn="ctr" fontAlgn="b"/>
+                      <a:r>
+                        <a:rPr lang="es-AR" sz="1400" u="none" strike="noStrike">
+                          <a:effectLst/>
+                        </a:rPr>
+                        <a:t>3</a:t>
+                      </a:r>
+                      <a:endParaRPr lang="es-AR" sz="1400" b="1" i="0" u="none" strike="noStrike">
+                        <a:solidFill>
+                          <a:srgbClr val="FFFFFF"/>
+                        </a:solidFill>
+                        <a:effectLst/>
+                        <a:latin typeface="Arial"/>
+                      </a:endParaRPr>
+                    </a:p>
+                  </a:txBody>
+                  <a:tcPr marL="5806" marR="5806" marT="5806" marB="0" anchor="b"/>
+                </a:tc>
+                <a:tc>
+                  <a:txBody>
+                    <a:bodyPr/>
+                    <a:lstStyle/>
+                    <a:p>
+                      <a:pPr algn="ctr" fontAlgn="b"/>
+                      <a:r>
+                        <a:rPr lang="es-AR" sz="1400" u="none" strike="noStrike">
+                          <a:effectLst/>
+                        </a:rPr>
+                        <a:t>4</a:t>
+                      </a:r>
+                      <a:endParaRPr lang="es-AR" sz="1400" b="1" i="0" u="none" strike="noStrike">
+                        <a:solidFill>
+                          <a:srgbClr val="FFFFFF"/>
+                        </a:solidFill>
+                        <a:effectLst/>
+                        <a:latin typeface="Arial"/>
+                      </a:endParaRPr>
+                    </a:p>
+                  </a:txBody>
+                  <a:tcPr marL="5806" marR="5806" marT="5806" marB="0" anchor="b"/>
+                </a:tc>
+                <a:tc>
+                  <a:txBody>
+                    <a:bodyPr/>
+                    <a:lstStyle/>
+                    <a:p>
+                      <a:pPr algn="ctr" fontAlgn="b"/>
+                      <a:r>
+                        <a:rPr lang="es-AR" sz="1400" u="none" strike="noStrike">
+                          <a:effectLst/>
+                        </a:rPr>
+                        <a:t>5</a:t>
+                      </a:r>
+                      <a:endParaRPr lang="es-AR" sz="1400" b="1" i="0" u="none" strike="noStrike">
+                        <a:solidFill>
+                          <a:srgbClr val="FFFFFF"/>
+                        </a:solidFill>
+                        <a:effectLst/>
+                        <a:latin typeface="Arial"/>
+                      </a:endParaRPr>
+                    </a:p>
+                  </a:txBody>
+                  <a:tcPr marL="5806" marR="5806" marT="5806" marB="0" anchor="b"/>
+                </a:tc>
+                <a:tc>
+                  <a:txBody>
+                    <a:bodyPr/>
+                    <a:lstStyle/>
+                    <a:p>
+                      <a:pPr algn="ctr" fontAlgn="b"/>
+                      <a:r>
+                        <a:rPr lang="es-AR" sz="1400" u="none" strike="noStrike">
+                          <a:effectLst/>
+                        </a:rPr>
+                        <a:t>6</a:t>
+                      </a:r>
+                      <a:endParaRPr lang="es-AR" sz="1400" b="1" i="0" u="none" strike="noStrike">
+                        <a:solidFill>
+                          <a:srgbClr val="FFFFFF"/>
+                        </a:solidFill>
+                        <a:effectLst/>
+                        <a:latin typeface="Arial"/>
+                      </a:endParaRPr>
+                    </a:p>
+                  </a:txBody>
+                  <a:tcPr marL="5806" marR="5806" marT="5806" marB="0" anchor="b"/>
+                </a:tc>
+              </a:tr>
+              <a:tr h="98700">
+                <a:tc>
+                  <a:txBody>
+                    <a:bodyPr/>
+                    <a:lstStyle/>
+                    <a:p>
+                      <a:pPr algn="l" fontAlgn="b"/>
+                      <a:r>
+                        <a:rPr lang="es-AR" sz="1400" u="none" strike="noStrike">
+                          <a:effectLst/>
+                        </a:rPr>
+                        <a:t>Arquitecto / Lider</a:t>
+                      </a:r>
+                      <a:endParaRPr lang="es-AR" sz="1400" b="0" i="0" u="none" strike="noStrike">
+                        <a:effectLst/>
+                        <a:latin typeface="Arial"/>
+                      </a:endParaRPr>
+                    </a:p>
+                  </a:txBody>
+                  <a:tcPr marL="5806" marR="5806" marT="5806" marB="0" anchor="b"/>
+                </a:tc>
+                <a:tc>
+                  <a:txBody>
+                    <a:bodyPr/>
+                    <a:lstStyle/>
+                    <a:p>
+                      <a:pPr algn="r" fontAlgn="b"/>
+                      <a:r>
+                        <a:rPr lang="es-AR" sz="1400" u="none" strike="noStrike">
+                          <a:effectLst/>
+                        </a:rPr>
+                        <a:t>$ 8.000</a:t>
+                      </a:r>
+                      <a:endParaRPr lang="es-AR" sz="1400" b="0" i="0" u="none" strike="noStrike">
+                        <a:effectLst/>
+                        <a:latin typeface="Arial"/>
+                      </a:endParaRPr>
+                    </a:p>
+                  </a:txBody>
+                  <a:tcPr marL="5806" marR="5806" marT="5806" marB="0" anchor="b"/>
+                </a:tc>
+                <a:tc>
+                  <a:txBody>
+                    <a:bodyPr/>
+                    <a:lstStyle/>
+                    <a:p>
+                      <a:pPr algn="r" fontAlgn="b"/>
+                      <a:r>
+                        <a:rPr lang="es-AR" sz="1400" u="none" strike="noStrike">
+                          <a:effectLst/>
+                        </a:rPr>
+                        <a:t>$ 16.626</a:t>
+                      </a:r>
+                      <a:endParaRPr lang="es-AR" sz="1400" b="0" i="0" u="none" strike="noStrike">
+                        <a:effectLst/>
+                        <a:latin typeface="Arial"/>
+                      </a:endParaRPr>
+                    </a:p>
+                  </a:txBody>
+                  <a:tcPr marL="5806" marR="5806" marT="5806" marB="0" anchor="b"/>
+                </a:tc>
+                <a:tc>
+                  <a:txBody>
+                    <a:bodyPr/>
+                    <a:lstStyle/>
+                    <a:p>
+                      <a:pPr algn="ctr" fontAlgn="b"/>
+                      <a:r>
+                        <a:rPr lang="es-AR" sz="1400" u="none" strike="noStrike">
+                          <a:effectLst/>
+                        </a:rPr>
+                        <a:t>1</a:t>
+                      </a:r>
+                      <a:endParaRPr lang="es-AR" sz="1400" b="0" i="0" u="none" strike="noStrike">
+                        <a:effectLst/>
+                        <a:latin typeface="Arial"/>
+                      </a:endParaRPr>
+                    </a:p>
+                  </a:txBody>
+                  <a:tcPr marL="5806" marR="5806" marT="5806" marB="0" anchor="b"/>
+                </a:tc>
+                <a:tc>
+                  <a:txBody>
+                    <a:bodyPr/>
+                    <a:lstStyle/>
+                    <a:p>
+                      <a:pPr algn="ctr" fontAlgn="b"/>
+                      <a:r>
+                        <a:rPr lang="es-AR" sz="1400" u="none" strike="noStrike">
+                          <a:effectLst/>
+                        </a:rPr>
+                        <a:t>1</a:t>
+                      </a:r>
+                      <a:endParaRPr lang="es-AR" sz="1400" b="0" i="0" u="none" strike="noStrike">
+                        <a:effectLst/>
+                        <a:latin typeface="Arial"/>
+                      </a:endParaRPr>
+                    </a:p>
+                  </a:txBody>
+                  <a:tcPr marL="5806" marR="5806" marT="5806" marB="0" anchor="b"/>
+                </a:tc>
+                <a:tc>
+                  <a:txBody>
+                    <a:bodyPr/>
+                    <a:lstStyle/>
+                    <a:p>
+                      <a:pPr algn="ctr" fontAlgn="b"/>
+                      <a:r>
+                        <a:rPr lang="es-AR" sz="1400" u="none" strike="noStrike">
+                          <a:effectLst/>
+                        </a:rPr>
+                        <a:t>1</a:t>
+                      </a:r>
+                      <a:endParaRPr lang="es-AR" sz="1400" b="0" i="0" u="none" strike="noStrike">
+                        <a:effectLst/>
+                        <a:latin typeface="Arial"/>
+                      </a:endParaRPr>
+                    </a:p>
+                  </a:txBody>
+                  <a:tcPr marL="5806" marR="5806" marT="5806" marB="0" anchor="b"/>
+                </a:tc>
+                <a:tc>
+                  <a:txBody>
+                    <a:bodyPr/>
+                    <a:lstStyle/>
+                    <a:p>
+                      <a:pPr algn="ctr" fontAlgn="b"/>
+                      <a:r>
+                        <a:rPr lang="es-AR" sz="1400" u="none" strike="noStrike">
+                          <a:effectLst/>
+                        </a:rPr>
+                        <a:t>1</a:t>
+                      </a:r>
+                      <a:endParaRPr lang="es-AR" sz="1400" b="0" i="0" u="none" strike="noStrike">
+                        <a:effectLst/>
+                        <a:latin typeface="Arial"/>
+                      </a:endParaRPr>
+                    </a:p>
+                  </a:txBody>
+                  <a:tcPr marL="5806" marR="5806" marT="5806" marB="0" anchor="b"/>
+                </a:tc>
+                <a:tc>
+                  <a:txBody>
+                    <a:bodyPr/>
+                    <a:lstStyle/>
+                    <a:p>
+                      <a:pPr algn="ctr" fontAlgn="b"/>
+                      <a:r>
+                        <a:rPr lang="es-AR" sz="1400" u="none" strike="noStrike">
+                          <a:effectLst/>
+                        </a:rPr>
+                        <a:t>1</a:t>
+                      </a:r>
+                      <a:endParaRPr lang="es-AR" sz="1400" b="0" i="0" u="none" strike="noStrike">
+                        <a:effectLst/>
+                        <a:latin typeface="Arial"/>
+                      </a:endParaRPr>
+                    </a:p>
+                  </a:txBody>
+                  <a:tcPr marL="5806" marR="5806" marT="5806" marB="0" anchor="b"/>
+                </a:tc>
+                <a:tc>
+                  <a:txBody>
+                    <a:bodyPr/>
+                    <a:lstStyle/>
+                    <a:p>
+                      <a:pPr algn="ctr" fontAlgn="b"/>
+                      <a:r>
+                        <a:rPr lang="es-AR" sz="1400" u="none" strike="noStrike">
+                          <a:effectLst/>
+                        </a:rPr>
+                        <a:t>1</a:t>
+                      </a:r>
+                      <a:endParaRPr lang="es-AR" sz="1400" b="0" i="0" u="none" strike="noStrike">
+                        <a:effectLst/>
+                        <a:latin typeface="Arial"/>
+                      </a:endParaRPr>
+                    </a:p>
+                  </a:txBody>
+                  <a:tcPr marL="5806" marR="5806" marT="5806" marB="0" anchor="b"/>
+                </a:tc>
+                <a:tc>
+                  <a:txBody>
+                    <a:bodyPr/>
+                    <a:lstStyle/>
+                    <a:p>
+                      <a:pPr algn="ctr" fontAlgn="b"/>
+                      <a:r>
+                        <a:rPr lang="es-AR" sz="1400" u="none" strike="noStrike" dirty="0">
+                          <a:effectLst/>
+                        </a:rPr>
+                        <a:t>1</a:t>
+                      </a:r>
+                      <a:endParaRPr lang="es-AR" sz="1400" b="0" i="0" u="none" strike="noStrike" dirty="0">
+                        <a:effectLst/>
+                        <a:latin typeface="Arial"/>
+                      </a:endParaRPr>
+                    </a:p>
+                  </a:txBody>
+                  <a:tcPr marL="5806" marR="5806" marT="5806" marB="0" anchor="b"/>
+                </a:tc>
+              </a:tr>
+              <a:tr h="98700">
+                <a:tc>
+                  <a:txBody>
+                    <a:bodyPr/>
+                    <a:lstStyle/>
+                    <a:p>
+                      <a:pPr algn="l" fontAlgn="b"/>
+                      <a:r>
+                        <a:rPr lang="es-AR" sz="1400" u="none" strike="noStrike">
+                          <a:effectLst/>
+                        </a:rPr>
+                        <a:t>IT</a:t>
+                      </a:r>
+                      <a:endParaRPr lang="es-AR" sz="1400" b="0" i="0" u="none" strike="noStrike">
+                        <a:effectLst/>
+                        <a:latin typeface="Arial"/>
+                      </a:endParaRPr>
+                    </a:p>
+                  </a:txBody>
+                  <a:tcPr marL="5806" marR="5806" marT="5806" marB="0" anchor="b"/>
+                </a:tc>
+                <a:tc>
+                  <a:txBody>
+                    <a:bodyPr/>
+                    <a:lstStyle/>
+                    <a:p>
+                      <a:pPr algn="r" fontAlgn="b"/>
+                      <a:r>
+                        <a:rPr lang="es-AR" sz="1400" u="none" strike="noStrike">
+                          <a:effectLst/>
+                        </a:rPr>
+                        <a:t>$ 4.000</a:t>
+                      </a:r>
+                      <a:endParaRPr lang="es-AR" sz="1400" b="0" i="0" u="none" strike="noStrike">
+                        <a:effectLst/>
+                        <a:latin typeface="Arial"/>
+                      </a:endParaRPr>
+                    </a:p>
+                  </a:txBody>
+                  <a:tcPr marL="5806" marR="5806" marT="5806" marB="0" anchor="b"/>
+                </a:tc>
+                <a:tc>
+                  <a:txBody>
+                    <a:bodyPr/>
+                    <a:lstStyle/>
+                    <a:p>
+                      <a:pPr algn="r" fontAlgn="b"/>
+                      <a:r>
+                        <a:rPr lang="es-AR" sz="1400" u="none" strike="noStrike">
+                          <a:effectLst/>
+                        </a:rPr>
+                        <a:t>$ 8.313</a:t>
+                      </a:r>
+                      <a:endParaRPr lang="es-AR" sz="1400" b="0" i="0" u="none" strike="noStrike">
+                        <a:effectLst/>
+                        <a:latin typeface="Arial"/>
+                      </a:endParaRPr>
+                    </a:p>
+                  </a:txBody>
+                  <a:tcPr marL="5806" marR="5806" marT="5806" marB="0" anchor="b"/>
+                </a:tc>
+                <a:tc>
+                  <a:txBody>
+                    <a:bodyPr/>
+                    <a:lstStyle/>
+                    <a:p>
+                      <a:pPr algn="ctr" fontAlgn="b"/>
+                      <a:r>
+                        <a:rPr lang="es-AR" sz="1400" u="none" strike="noStrike">
+                          <a:effectLst/>
+                        </a:rPr>
+                        <a:t>1</a:t>
+                      </a:r>
+                      <a:endParaRPr lang="es-AR" sz="1400" b="0" i="0" u="none" strike="noStrike">
+                        <a:effectLst/>
+                        <a:latin typeface="Arial"/>
+                      </a:endParaRPr>
+                    </a:p>
+                  </a:txBody>
+                  <a:tcPr marL="5806" marR="5806" marT="5806" marB="0" anchor="b"/>
+                </a:tc>
+                <a:tc>
+                  <a:txBody>
+                    <a:bodyPr/>
+                    <a:lstStyle/>
+                    <a:p>
+                      <a:pPr algn="ctr" fontAlgn="b"/>
+                      <a:r>
+                        <a:rPr lang="es-AR" sz="1400" u="none" strike="noStrike">
+                          <a:effectLst/>
+                        </a:rPr>
+                        <a:t>1</a:t>
+                      </a:r>
+                      <a:endParaRPr lang="es-AR" sz="1400" b="0" i="0" u="none" strike="noStrike">
+                        <a:effectLst/>
+                        <a:latin typeface="Arial"/>
+                      </a:endParaRPr>
+                    </a:p>
+                  </a:txBody>
+                  <a:tcPr marL="5806" marR="5806" marT="5806" marB="0" anchor="b"/>
+                </a:tc>
+                <a:tc>
+                  <a:txBody>
+                    <a:bodyPr/>
+                    <a:lstStyle/>
+                    <a:p>
+                      <a:pPr algn="ctr" fontAlgn="b"/>
+                      <a:r>
+                        <a:rPr lang="es-AR" sz="1400" u="none" strike="noStrike">
+                          <a:effectLst/>
+                        </a:rPr>
+                        <a:t>1</a:t>
+                      </a:r>
+                      <a:endParaRPr lang="es-AR" sz="1400" b="0" i="0" u="none" strike="noStrike">
+                        <a:effectLst/>
+                        <a:latin typeface="Arial"/>
+                      </a:endParaRPr>
+                    </a:p>
+                  </a:txBody>
+                  <a:tcPr marL="5806" marR="5806" marT="5806" marB="0" anchor="b"/>
+                </a:tc>
+                <a:tc>
+                  <a:txBody>
+                    <a:bodyPr/>
+                    <a:lstStyle/>
+                    <a:p>
+                      <a:pPr algn="ctr" fontAlgn="b"/>
+                      <a:r>
+                        <a:rPr lang="es-AR" sz="1400" u="none" strike="noStrike">
+                          <a:effectLst/>
+                        </a:rPr>
+                        <a:t>1</a:t>
+                      </a:r>
+                      <a:endParaRPr lang="es-AR" sz="1400" b="0" i="0" u="none" strike="noStrike">
+                        <a:effectLst/>
+                        <a:latin typeface="Arial"/>
+                      </a:endParaRPr>
+                    </a:p>
+                  </a:txBody>
+                  <a:tcPr marL="5806" marR="5806" marT="5806" marB="0" anchor="b"/>
+                </a:tc>
+                <a:tc>
+                  <a:txBody>
+                    <a:bodyPr/>
+                    <a:lstStyle/>
+                    <a:p>
+                      <a:pPr algn="ctr" fontAlgn="b"/>
+                      <a:r>
+                        <a:rPr lang="es-AR" sz="1400" u="none" strike="noStrike">
+                          <a:effectLst/>
+                        </a:rPr>
+                        <a:t>1</a:t>
+                      </a:r>
+                      <a:endParaRPr lang="es-AR" sz="1400" b="0" i="0" u="none" strike="noStrike">
+                        <a:effectLst/>
+                        <a:latin typeface="Arial"/>
+                      </a:endParaRPr>
+                    </a:p>
+                  </a:txBody>
+                  <a:tcPr marL="5806" marR="5806" marT="5806" marB="0" anchor="b"/>
+                </a:tc>
+                <a:tc>
+                  <a:txBody>
+                    <a:bodyPr/>
+                    <a:lstStyle/>
+                    <a:p>
+                      <a:pPr algn="ctr" fontAlgn="b"/>
+                      <a:r>
+                        <a:rPr lang="es-AR" sz="1400" u="none" strike="noStrike" dirty="0">
+                          <a:effectLst/>
+                        </a:rPr>
+                        <a:t>1</a:t>
+                      </a:r>
+                      <a:endParaRPr lang="es-AR" sz="1400" b="0" i="0" u="none" strike="noStrike" dirty="0">
+                        <a:effectLst/>
+                        <a:latin typeface="Arial"/>
+                      </a:endParaRPr>
+                    </a:p>
+                  </a:txBody>
+                  <a:tcPr marL="5806" marR="5806" marT="5806" marB="0" anchor="b"/>
+                </a:tc>
+                <a:tc>
+                  <a:txBody>
+                    <a:bodyPr/>
+                    <a:lstStyle/>
+                    <a:p>
+                      <a:pPr algn="ctr" fontAlgn="b"/>
+                      <a:r>
+                        <a:rPr lang="es-AR" sz="1400" u="none" strike="noStrike">
+                          <a:effectLst/>
+                        </a:rPr>
+                        <a:t>1</a:t>
+                      </a:r>
+                      <a:endParaRPr lang="es-AR" sz="1400" b="0" i="0" u="none" strike="noStrike">
+                        <a:effectLst/>
+                        <a:latin typeface="Arial"/>
+                      </a:endParaRPr>
+                    </a:p>
+                  </a:txBody>
+                  <a:tcPr marL="5806" marR="5806" marT="5806" marB="0" anchor="b"/>
+                </a:tc>
+              </a:tr>
+              <a:tr h="98700">
+                <a:tc>
+                  <a:txBody>
+                    <a:bodyPr/>
+                    <a:lstStyle/>
+                    <a:p>
+                      <a:pPr algn="l" fontAlgn="b"/>
+                      <a:r>
+                        <a:rPr lang="es-AR" sz="1400" u="none" strike="noStrike">
+                          <a:effectLst/>
+                        </a:rPr>
+                        <a:t>Programador Senior</a:t>
+                      </a:r>
+                      <a:endParaRPr lang="es-AR" sz="1400" b="0" i="0" u="none" strike="noStrike">
+                        <a:effectLst/>
+                        <a:latin typeface="Arial"/>
+                      </a:endParaRPr>
+                    </a:p>
+                  </a:txBody>
+                  <a:tcPr marL="5806" marR="5806" marT="5806" marB="0" anchor="b"/>
+                </a:tc>
+                <a:tc>
+                  <a:txBody>
+                    <a:bodyPr/>
+                    <a:lstStyle/>
+                    <a:p>
+                      <a:pPr algn="r" fontAlgn="b"/>
+                      <a:r>
+                        <a:rPr lang="es-AR" sz="1400" u="none" strike="noStrike">
+                          <a:effectLst/>
+                        </a:rPr>
+                        <a:t>$ 5.500</a:t>
+                      </a:r>
+                      <a:endParaRPr lang="es-AR" sz="1400" b="0" i="0" u="none" strike="noStrike">
+                        <a:effectLst/>
+                        <a:latin typeface="Arial"/>
+                      </a:endParaRPr>
+                    </a:p>
+                  </a:txBody>
+                  <a:tcPr marL="5806" marR="5806" marT="5806" marB="0" anchor="b"/>
+                </a:tc>
+                <a:tc>
+                  <a:txBody>
+                    <a:bodyPr/>
+                    <a:lstStyle/>
+                    <a:p>
+                      <a:pPr algn="r" fontAlgn="b"/>
+                      <a:r>
+                        <a:rPr lang="es-AR" sz="1400" u="none" strike="noStrike">
+                          <a:effectLst/>
+                        </a:rPr>
+                        <a:t>$ 11.430</a:t>
+                      </a:r>
+                      <a:endParaRPr lang="es-AR" sz="1400" b="0" i="0" u="none" strike="noStrike">
+                        <a:effectLst/>
+                        <a:latin typeface="Arial"/>
+                      </a:endParaRPr>
+                    </a:p>
+                  </a:txBody>
+                  <a:tcPr marL="5806" marR="5806" marT="5806" marB="0" anchor="b"/>
+                </a:tc>
+                <a:tc>
+                  <a:txBody>
+                    <a:bodyPr/>
+                    <a:lstStyle/>
+                    <a:p>
+                      <a:pPr algn="ctr" fontAlgn="b"/>
+                      <a:r>
+                        <a:rPr lang="es-AR" sz="1400" u="none" strike="noStrike">
+                          <a:effectLst/>
+                        </a:rPr>
+                        <a:t>2</a:t>
+                      </a:r>
+                      <a:endParaRPr lang="es-AR" sz="1400" b="0" i="0" u="none" strike="noStrike">
+                        <a:effectLst/>
+                        <a:latin typeface="Arial"/>
+                      </a:endParaRPr>
+                    </a:p>
+                  </a:txBody>
+                  <a:tcPr marL="5806" marR="5806" marT="5806" marB="0" anchor="b"/>
+                </a:tc>
+                <a:tc>
+                  <a:txBody>
+                    <a:bodyPr/>
+                    <a:lstStyle/>
+                    <a:p>
+                      <a:pPr algn="ctr" fontAlgn="b"/>
+                      <a:r>
+                        <a:rPr lang="es-AR" sz="1400" u="none" strike="noStrike">
+                          <a:effectLst/>
+                        </a:rPr>
+                        <a:t>0</a:t>
+                      </a:r>
+                      <a:endParaRPr lang="es-AR" sz="1400" b="0" i="0" u="none" strike="noStrike">
+                        <a:effectLst/>
+                        <a:latin typeface="Arial"/>
+                      </a:endParaRPr>
+                    </a:p>
+                  </a:txBody>
+                  <a:tcPr marL="5806" marR="5806" marT="5806" marB="0" anchor="b"/>
+                </a:tc>
+                <a:tc>
+                  <a:txBody>
+                    <a:bodyPr/>
+                    <a:lstStyle/>
+                    <a:p>
+                      <a:pPr algn="ctr" fontAlgn="b"/>
+                      <a:r>
+                        <a:rPr lang="es-AR" sz="1400" u="none" strike="noStrike">
+                          <a:effectLst/>
+                        </a:rPr>
+                        <a:t>2</a:t>
+                      </a:r>
+                      <a:endParaRPr lang="es-AR" sz="1400" b="0" i="0" u="none" strike="noStrike">
+                        <a:effectLst/>
+                        <a:latin typeface="Arial"/>
+                      </a:endParaRPr>
+                    </a:p>
+                  </a:txBody>
+                  <a:tcPr marL="5806" marR="5806" marT="5806" marB="0" anchor="b"/>
+                </a:tc>
+                <a:tc>
+                  <a:txBody>
+                    <a:bodyPr/>
+                    <a:lstStyle/>
+                    <a:p>
+                      <a:pPr algn="ctr" fontAlgn="b"/>
+                      <a:r>
+                        <a:rPr lang="es-AR" sz="1400" u="none" strike="noStrike">
+                          <a:effectLst/>
+                        </a:rPr>
+                        <a:t>2</a:t>
+                      </a:r>
+                      <a:endParaRPr lang="es-AR" sz="1400" b="0" i="0" u="none" strike="noStrike">
+                        <a:effectLst/>
+                        <a:latin typeface="Arial"/>
+                      </a:endParaRPr>
+                    </a:p>
+                  </a:txBody>
+                  <a:tcPr marL="5806" marR="5806" marT="5806" marB="0" anchor="b"/>
+                </a:tc>
+                <a:tc>
+                  <a:txBody>
+                    <a:bodyPr/>
+                    <a:lstStyle/>
+                    <a:p>
+                      <a:pPr algn="ctr" fontAlgn="b"/>
+                      <a:r>
+                        <a:rPr lang="es-AR" sz="1400" u="none" strike="noStrike">
+                          <a:effectLst/>
+                        </a:rPr>
+                        <a:t>2</a:t>
+                      </a:r>
+                      <a:endParaRPr lang="es-AR" sz="1400" b="0" i="0" u="none" strike="noStrike">
+                        <a:effectLst/>
+                        <a:latin typeface="Arial"/>
+                      </a:endParaRPr>
+                    </a:p>
+                  </a:txBody>
+                  <a:tcPr marL="5806" marR="5806" marT="5806" marB="0" anchor="b"/>
+                </a:tc>
+                <a:tc>
+                  <a:txBody>
+                    <a:bodyPr/>
+                    <a:lstStyle/>
+                    <a:p>
+                      <a:pPr algn="ctr" fontAlgn="b"/>
+                      <a:r>
+                        <a:rPr lang="es-AR" sz="1400" u="none" strike="noStrike">
+                          <a:effectLst/>
+                        </a:rPr>
+                        <a:t>2</a:t>
+                      </a:r>
+                      <a:endParaRPr lang="es-AR" sz="1400" b="0" i="0" u="none" strike="noStrike">
+                        <a:effectLst/>
+                        <a:latin typeface="Arial"/>
+                      </a:endParaRPr>
+                    </a:p>
+                  </a:txBody>
+                  <a:tcPr marL="5806" marR="5806" marT="5806" marB="0" anchor="b"/>
+                </a:tc>
+                <a:tc>
+                  <a:txBody>
+                    <a:bodyPr/>
+                    <a:lstStyle/>
+                    <a:p>
+                      <a:pPr algn="ctr" fontAlgn="b"/>
+                      <a:r>
+                        <a:rPr lang="es-AR" sz="1400" u="none" strike="noStrike">
+                          <a:effectLst/>
+                        </a:rPr>
+                        <a:t>2</a:t>
+                      </a:r>
+                      <a:endParaRPr lang="es-AR" sz="1400" b="0" i="0" u="none" strike="noStrike">
+                        <a:effectLst/>
+                        <a:latin typeface="Arial"/>
+                      </a:endParaRPr>
+                    </a:p>
+                  </a:txBody>
+                  <a:tcPr marL="5806" marR="5806" marT="5806" marB="0" anchor="b"/>
+                </a:tc>
+              </a:tr>
+              <a:tr h="98700">
+                <a:tc>
+                  <a:txBody>
+                    <a:bodyPr/>
+                    <a:lstStyle/>
+                    <a:p>
+                      <a:pPr algn="l" fontAlgn="b"/>
+                      <a:r>
+                        <a:rPr lang="es-AR" sz="1400" u="none" strike="noStrike">
+                          <a:effectLst/>
+                        </a:rPr>
+                        <a:t>Programador SemiSenior</a:t>
+                      </a:r>
+                      <a:endParaRPr lang="es-AR" sz="1400" b="0" i="0" u="none" strike="noStrike">
+                        <a:effectLst/>
+                        <a:latin typeface="Arial"/>
+                      </a:endParaRPr>
+                    </a:p>
+                  </a:txBody>
+                  <a:tcPr marL="5806" marR="5806" marT="5806" marB="0" anchor="b"/>
+                </a:tc>
+                <a:tc>
+                  <a:txBody>
+                    <a:bodyPr/>
+                    <a:lstStyle/>
+                    <a:p>
+                      <a:pPr algn="r" fontAlgn="b"/>
+                      <a:r>
+                        <a:rPr lang="es-AR" sz="1400" u="none" strike="noStrike">
+                          <a:effectLst/>
+                        </a:rPr>
+                        <a:t>$ 4.000</a:t>
+                      </a:r>
+                      <a:endParaRPr lang="es-AR" sz="1400" b="0" i="0" u="none" strike="noStrike">
+                        <a:effectLst/>
+                        <a:latin typeface="Arial"/>
+                      </a:endParaRPr>
+                    </a:p>
+                  </a:txBody>
+                  <a:tcPr marL="5806" marR="5806" marT="5806" marB="0" anchor="b"/>
+                </a:tc>
+                <a:tc>
+                  <a:txBody>
+                    <a:bodyPr/>
+                    <a:lstStyle/>
+                    <a:p>
+                      <a:pPr algn="r" fontAlgn="b"/>
+                      <a:r>
+                        <a:rPr lang="es-AR" sz="1400" u="none" strike="noStrike">
+                          <a:effectLst/>
+                        </a:rPr>
+                        <a:t>$ 8.313</a:t>
+                      </a:r>
+                      <a:endParaRPr lang="es-AR" sz="1400" b="0" i="0" u="none" strike="noStrike">
+                        <a:effectLst/>
+                        <a:latin typeface="Arial"/>
+                      </a:endParaRPr>
+                    </a:p>
+                  </a:txBody>
+                  <a:tcPr marL="5806" marR="5806" marT="5806" marB="0" anchor="b"/>
+                </a:tc>
+                <a:tc>
+                  <a:txBody>
+                    <a:bodyPr/>
+                    <a:lstStyle/>
+                    <a:p>
+                      <a:pPr algn="ctr" fontAlgn="b"/>
+                      <a:r>
+                        <a:rPr lang="es-AR" sz="1400" u="none" strike="noStrike">
+                          <a:effectLst/>
+                        </a:rPr>
+                        <a:t>1</a:t>
+                      </a:r>
+                      <a:endParaRPr lang="es-AR" sz="1400" b="0" i="0" u="none" strike="noStrike">
+                        <a:effectLst/>
+                        <a:latin typeface="Arial"/>
+                      </a:endParaRPr>
+                    </a:p>
+                  </a:txBody>
+                  <a:tcPr marL="5806" marR="5806" marT="5806" marB="0" anchor="b"/>
+                </a:tc>
+                <a:tc>
+                  <a:txBody>
+                    <a:bodyPr/>
+                    <a:lstStyle/>
+                    <a:p>
+                      <a:pPr algn="ctr" fontAlgn="b"/>
+                      <a:r>
+                        <a:rPr lang="es-AR" sz="1400" u="none" strike="noStrike">
+                          <a:effectLst/>
+                        </a:rPr>
+                        <a:t>0</a:t>
+                      </a:r>
+                      <a:endParaRPr lang="es-AR" sz="1400" b="0" i="0" u="none" strike="noStrike">
+                        <a:effectLst/>
+                        <a:latin typeface="Arial"/>
+                      </a:endParaRPr>
+                    </a:p>
+                  </a:txBody>
+                  <a:tcPr marL="5806" marR="5806" marT="5806" marB="0" anchor="b"/>
+                </a:tc>
+                <a:tc>
+                  <a:txBody>
+                    <a:bodyPr/>
+                    <a:lstStyle/>
+                    <a:p>
+                      <a:pPr algn="ctr" fontAlgn="b"/>
+                      <a:r>
+                        <a:rPr lang="es-AR" sz="1400" u="none" strike="noStrike">
+                          <a:effectLst/>
+                        </a:rPr>
+                        <a:t>1</a:t>
+                      </a:r>
+                      <a:endParaRPr lang="es-AR" sz="1400" b="0" i="0" u="none" strike="noStrike">
+                        <a:effectLst/>
+                        <a:latin typeface="Arial"/>
+                      </a:endParaRPr>
+                    </a:p>
+                  </a:txBody>
+                  <a:tcPr marL="5806" marR="5806" marT="5806" marB="0" anchor="b"/>
+                </a:tc>
+                <a:tc>
+                  <a:txBody>
+                    <a:bodyPr/>
+                    <a:lstStyle/>
+                    <a:p>
+                      <a:pPr algn="ctr" fontAlgn="b"/>
+                      <a:r>
+                        <a:rPr lang="es-AR" sz="1400" u="none" strike="noStrike">
+                          <a:effectLst/>
+                        </a:rPr>
+                        <a:t>1</a:t>
+                      </a:r>
+                      <a:endParaRPr lang="es-AR" sz="1400" b="0" i="0" u="none" strike="noStrike">
+                        <a:effectLst/>
+                        <a:latin typeface="Arial"/>
+                      </a:endParaRPr>
+                    </a:p>
+                  </a:txBody>
+                  <a:tcPr marL="5806" marR="5806" marT="5806" marB="0" anchor="b"/>
+                </a:tc>
+                <a:tc>
+                  <a:txBody>
+                    <a:bodyPr/>
+                    <a:lstStyle/>
+                    <a:p>
+                      <a:pPr algn="ctr" fontAlgn="b"/>
+                      <a:r>
+                        <a:rPr lang="es-AR" sz="1400" u="none" strike="noStrike">
+                          <a:effectLst/>
+                        </a:rPr>
+                        <a:t>1</a:t>
+                      </a:r>
+                      <a:endParaRPr lang="es-AR" sz="1400" b="0" i="0" u="none" strike="noStrike">
+                        <a:effectLst/>
+                        <a:latin typeface="Arial"/>
+                      </a:endParaRPr>
+                    </a:p>
+                  </a:txBody>
+                  <a:tcPr marL="5806" marR="5806" marT="5806" marB="0" anchor="b"/>
+                </a:tc>
+                <a:tc>
+                  <a:txBody>
+                    <a:bodyPr/>
+                    <a:lstStyle/>
+                    <a:p>
+                      <a:pPr algn="ctr" fontAlgn="b"/>
+                      <a:r>
+                        <a:rPr lang="es-AR" sz="1400" u="none" strike="noStrike">
+                          <a:effectLst/>
+                        </a:rPr>
+                        <a:t>0</a:t>
+                      </a:r>
+                      <a:endParaRPr lang="es-AR" sz="1400" b="0" i="0" u="none" strike="noStrike">
+                        <a:effectLst/>
+                        <a:latin typeface="Arial"/>
+                      </a:endParaRPr>
+                    </a:p>
+                  </a:txBody>
+                  <a:tcPr marL="5806" marR="5806" marT="5806" marB="0" anchor="b"/>
+                </a:tc>
+                <a:tc>
+                  <a:txBody>
+                    <a:bodyPr/>
+                    <a:lstStyle/>
+                    <a:p>
+                      <a:pPr algn="ctr" fontAlgn="b"/>
+                      <a:r>
+                        <a:rPr lang="es-AR" sz="1400" u="none" strike="noStrike">
+                          <a:effectLst/>
+                        </a:rPr>
+                        <a:t>0</a:t>
+                      </a:r>
+                      <a:endParaRPr lang="es-AR" sz="1400" b="0" i="0" u="none" strike="noStrike">
+                        <a:effectLst/>
+                        <a:latin typeface="Arial"/>
+                      </a:endParaRPr>
+                    </a:p>
+                  </a:txBody>
+                  <a:tcPr marL="5806" marR="5806" marT="5806" marB="0" anchor="b"/>
+                </a:tc>
+              </a:tr>
+              <a:tr h="98700">
+                <a:tc>
+                  <a:txBody>
+                    <a:bodyPr/>
+                    <a:lstStyle/>
+                    <a:p>
+                      <a:pPr algn="l" fontAlgn="b"/>
+                      <a:r>
+                        <a:rPr lang="es-AR" sz="1400" u="none" strike="noStrike">
+                          <a:effectLst/>
+                        </a:rPr>
+                        <a:t>Programador Junior</a:t>
+                      </a:r>
+                      <a:endParaRPr lang="es-AR" sz="1400" b="0" i="0" u="none" strike="noStrike">
+                        <a:effectLst/>
+                        <a:latin typeface="Arial"/>
+                      </a:endParaRPr>
+                    </a:p>
+                  </a:txBody>
+                  <a:tcPr marL="5806" marR="5806" marT="5806" marB="0" anchor="b"/>
+                </a:tc>
+                <a:tc>
+                  <a:txBody>
+                    <a:bodyPr/>
+                    <a:lstStyle/>
+                    <a:p>
+                      <a:pPr algn="r" fontAlgn="b"/>
+                      <a:r>
+                        <a:rPr lang="es-AR" sz="1400" u="none" strike="noStrike">
+                          <a:effectLst/>
+                        </a:rPr>
+                        <a:t>$ 3.000</a:t>
+                      </a:r>
+                      <a:endParaRPr lang="es-AR" sz="1400" b="0" i="0" u="none" strike="noStrike">
+                        <a:effectLst/>
+                        <a:latin typeface="Arial"/>
+                      </a:endParaRPr>
+                    </a:p>
+                  </a:txBody>
+                  <a:tcPr marL="5806" marR="5806" marT="5806" marB="0" anchor="b"/>
+                </a:tc>
+                <a:tc>
+                  <a:txBody>
+                    <a:bodyPr/>
+                    <a:lstStyle/>
+                    <a:p>
+                      <a:pPr algn="r" fontAlgn="b"/>
+                      <a:r>
+                        <a:rPr lang="es-AR" sz="1400" u="none" strike="noStrike">
+                          <a:effectLst/>
+                        </a:rPr>
+                        <a:t>$ 6.235</a:t>
+                      </a:r>
+                      <a:endParaRPr lang="es-AR" sz="1400" b="0" i="0" u="none" strike="noStrike">
+                        <a:effectLst/>
+                        <a:latin typeface="Arial"/>
+                      </a:endParaRPr>
+                    </a:p>
+                  </a:txBody>
+                  <a:tcPr marL="5806" marR="5806" marT="5806" marB="0" anchor="b"/>
+                </a:tc>
+                <a:tc>
+                  <a:txBody>
+                    <a:bodyPr/>
+                    <a:lstStyle/>
+                    <a:p>
+                      <a:pPr algn="ctr" fontAlgn="b"/>
+                      <a:r>
+                        <a:rPr lang="es-AR" sz="1400" u="none" strike="noStrike">
+                          <a:effectLst/>
+                        </a:rPr>
+                        <a:t>2</a:t>
+                      </a:r>
+                      <a:endParaRPr lang="es-AR" sz="1400" b="0" i="0" u="none" strike="noStrike">
+                        <a:effectLst/>
+                        <a:latin typeface="Arial"/>
+                      </a:endParaRPr>
+                    </a:p>
+                  </a:txBody>
+                  <a:tcPr marL="5806" marR="5806" marT="5806" marB="0" anchor="b"/>
+                </a:tc>
+                <a:tc>
+                  <a:txBody>
+                    <a:bodyPr/>
+                    <a:lstStyle/>
+                    <a:p>
+                      <a:pPr algn="ctr" fontAlgn="b"/>
+                      <a:r>
+                        <a:rPr lang="es-AR" sz="1400" u="none" strike="noStrike">
+                          <a:effectLst/>
+                        </a:rPr>
+                        <a:t>2</a:t>
+                      </a:r>
+                      <a:endParaRPr lang="es-AR" sz="1400" b="0" i="0" u="none" strike="noStrike">
+                        <a:effectLst/>
+                        <a:latin typeface="Arial"/>
+                      </a:endParaRPr>
+                    </a:p>
+                  </a:txBody>
+                  <a:tcPr marL="5806" marR="5806" marT="5806" marB="0" anchor="b"/>
+                </a:tc>
+                <a:tc>
+                  <a:txBody>
+                    <a:bodyPr/>
+                    <a:lstStyle/>
+                    <a:p>
+                      <a:pPr algn="ctr" fontAlgn="b"/>
+                      <a:r>
+                        <a:rPr lang="es-AR" sz="1400" u="none" strike="noStrike">
+                          <a:effectLst/>
+                        </a:rPr>
+                        <a:t>2</a:t>
+                      </a:r>
+                      <a:endParaRPr lang="es-AR" sz="1400" b="0" i="0" u="none" strike="noStrike">
+                        <a:effectLst/>
+                        <a:latin typeface="Arial"/>
+                      </a:endParaRPr>
+                    </a:p>
+                  </a:txBody>
+                  <a:tcPr marL="5806" marR="5806" marT="5806" marB="0" anchor="b"/>
+                </a:tc>
+                <a:tc>
+                  <a:txBody>
+                    <a:bodyPr/>
+                    <a:lstStyle/>
+                    <a:p>
+                      <a:pPr algn="ctr" fontAlgn="b"/>
+                      <a:r>
+                        <a:rPr lang="es-AR" sz="1400" u="none" strike="noStrike">
+                          <a:effectLst/>
+                        </a:rPr>
+                        <a:t>2</a:t>
+                      </a:r>
+                      <a:endParaRPr lang="es-AR" sz="1400" b="0" i="0" u="none" strike="noStrike">
+                        <a:effectLst/>
+                        <a:latin typeface="Arial"/>
+                      </a:endParaRPr>
+                    </a:p>
+                  </a:txBody>
+                  <a:tcPr marL="5806" marR="5806" marT="5806" marB="0" anchor="b"/>
+                </a:tc>
+                <a:tc>
+                  <a:txBody>
+                    <a:bodyPr/>
+                    <a:lstStyle/>
+                    <a:p>
+                      <a:pPr algn="ctr" fontAlgn="b"/>
+                      <a:r>
+                        <a:rPr lang="es-AR" sz="1400" u="none" strike="noStrike">
+                          <a:effectLst/>
+                        </a:rPr>
+                        <a:t>2</a:t>
+                      </a:r>
+                      <a:endParaRPr lang="es-AR" sz="1400" b="0" i="0" u="none" strike="noStrike">
+                        <a:effectLst/>
+                        <a:latin typeface="Arial"/>
+                      </a:endParaRPr>
+                    </a:p>
+                  </a:txBody>
+                  <a:tcPr marL="5806" marR="5806" marT="5806" marB="0" anchor="b"/>
+                </a:tc>
+                <a:tc>
+                  <a:txBody>
+                    <a:bodyPr/>
+                    <a:lstStyle/>
+                    <a:p>
+                      <a:pPr algn="ctr" fontAlgn="b"/>
+                      <a:r>
+                        <a:rPr lang="es-AR" sz="1400" u="none" strike="noStrike">
+                          <a:effectLst/>
+                        </a:rPr>
+                        <a:t>0</a:t>
+                      </a:r>
+                      <a:endParaRPr lang="es-AR" sz="1400" b="0" i="0" u="none" strike="noStrike">
+                        <a:effectLst/>
+                        <a:latin typeface="Arial"/>
+                      </a:endParaRPr>
+                    </a:p>
+                  </a:txBody>
+                  <a:tcPr marL="5806" marR="5806" marT="5806" marB="0" anchor="b"/>
+                </a:tc>
+                <a:tc>
+                  <a:txBody>
+                    <a:bodyPr/>
+                    <a:lstStyle/>
+                    <a:p>
+                      <a:pPr algn="ctr" fontAlgn="b"/>
+                      <a:r>
+                        <a:rPr lang="es-AR" sz="1400" u="none" strike="noStrike">
+                          <a:effectLst/>
+                        </a:rPr>
+                        <a:t>0</a:t>
+                      </a:r>
+                      <a:endParaRPr lang="es-AR" sz="1400" b="0" i="0" u="none" strike="noStrike">
+                        <a:effectLst/>
+                        <a:latin typeface="Arial"/>
+                      </a:endParaRPr>
+                    </a:p>
+                  </a:txBody>
+                  <a:tcPr marL="5806" marR="5806" marT="5806" marB="0" anchor="b"/>
+                </a:tc>
+              </a:tr>
+              <a:tr h="98700">
+                <a:tc>
+                  <a:txBody>
+                    <a:bodyPr/>
+                    <a:lstStyle/>
+                    <a:p>
+                      <a:pPr algn="l" fontAlgn="b"/>
+                      <a:r>
+                        <a:rPr lang="es-AR" sz="1400" u="none" strike="noStrike">
+                          <a:effectLst/>
+                        </a:rPr>
+                        <a:t>Tester</a:t>
+                      </a:r>
+                      <a:endParaRPr lang="es-AR" sz="1400" b="0" i="0" u="none" strike="noStrike">
+                        <a:effectLst/>
+                        <a:latin typeface="Arial"/>
+                      </a:endParaRPr>
+                    </a:p>
+                  </a:txBody>
+                  <a:tcPr marL="5806" marR="5806" marT="5806" marB="0" anchor="b"/>
+                </a:tc>
+                <a:tc>
+                  <a:txBody>
+                    <a:bodyPr/>
+                    <a:lstStyle/>
+                    <a:p>
+                      <a:pPr algn="r" fontAlgn="b"/>
+                      <a:r>
+                        <a:rPr lang="es-AR" sz="1400" u="none" strike="noStrike">
+                          <a:effectLst/>
+                        </a:rPr>
+                        <a:t>$ 3.000</a:t>
+                      </a:r>
+                      <a:endParaRPr lang="es-AR" sz="1400" b="0" i="0" u="none" strike="noStrike">
+                        <a:effectLst/>
+                        <a:latin typeface="Arial"/>
+                      </a:endParaRPr>
+                    </a:p>
+                  </a:txBody>
+                  <a:tcPr marL="5806" marR="5806" marT="5806" marB="0" anchor="b"/>
+                </a:tc>
+                <a:tc>
+                  <a:txBody>
+                    <a:bodyPr/>
+                    <a:lstStyle/>
+                    <a:p>
+                      <a:pPr algn="r" fontAlgn="b"/>
+                      <a:r>
+                        <a:rPr lang="es-AR" sz="1400" u="none" strike="noStrike">
+                          <a:effectLst/>
+                        </a:rPr>
+                        <a:t>$ 6.235</a:t>
+                      </a:r>
+                      <a:endParaRPr lang="es-AR" sz="1400" b="0" i="0" u="none" strike="noStrike">
+                        <a:effectLst/>
+                        <a:latin typeface="Arial"/>
+                      </a:endParaRPr>
+                    </a:p>
+                  </a:txBody>
+                  <a:tcPr marL="5806" marR="5806" marT="5806" marB="0" anchor="b"/>
+                </a:tc>
+                <a:tc>
+                  <a:txBody>
+                    <a:bodyPr/>
+                    <a:lstStyle/>
+                    <a:p>
+                      <a:pPr algn="ctr" fontAlgn="b"/>
+                      <a:r>
+                        <a:rPr lang="es-AR" sz="1400" u="none" strike="noStrike">
+                          <a:effectLst/>
+                        </a:rPr>
+                        <a:t>1</a:t>
+                      </a:r>
+                      <a:endParaRPr lang="es-AR" sz="1400" b="0" i="0" u="none" strike="noStrike">
+                        <a:effectLst/>
+                        <a:latin typeface="Arial"/>
+                      </a:endParaRPr>
+                    </a:p>
+                  </a:txBody>
+                  <a:tcPr marL="5806" marR="5806" marT="5806" marB="0" anchor="b"/>
+                </a:tc>
+                <a:tc>
+                  <a:txBody>
+                    <a:bodyPr/>
+                    <a:lstStyle/>
+                    <a:p>
+                      <a:pPr algn="ctr" fontAlgn="b"/>
+                      <a:r>
+                        <a:rPr lang="es-AR" sz="1400" u="none" strike="noStrike">
+                          <a:effectLst/>
+                        </a:rPr>
+                        <a:t>0</a:t>
+                      </a:r>
+                      <a:endParaRPr lang="es-AR" sz="1400" b="0" i="0" u="none" strike="noStrike">
+                        <a:effectLst/>
+                        <a:latin typeface="Arial"/>
+                      </a:endParaRPr>
+                    </a:p>
+                  </a:txBody>
+                  <a:tcPr marL="5806" marR="5806" marT="5806" marB="0" anchor="b"/>
+                </a:tc>
+                <a:tc>
+                  <a:txBody>
+                    <a:bodyPr/>
+                    <a:lstStyle/>
+                    <a:p>
+                      <a:pPr algn="ctr" fontAlgn="b"/>
+                      <a:r>
+                        <a:rPr lang="es-AR" sz="1400" u="none" strike="noStrike">
+                          <a:effectLst/>
+                        </a:rPr>
+                        <a:t>0</a:t>
+                      </a:r>
+                      <a:endParaRPr lang="es-AR" sz="1400" b="0" i="0" u="none" strike="noStrike">
+                        <a:effectLst/>
+                        <a:latin typeface="Arial"/>
+                      </a:endParaRPr>
+                    </a:p>
+                  </a:txBody>
+                  <a:tcPr marL="5806" marR="5806" marT="5806" marB="0" anchor="b"/>
+                </a:tc>
+                <a:tc>
+                  <a:txBody>
+                    <a:bodyPr/>
+                    <a:lstStyle/>
+                    <a:p>
+                      <a:pPr algn="ctr" fontAlgn="b"/>
+                      <a:r>
+                        <a:rPr lang="es-AR" sz="1400" u="none" strike="noStrike">
+                          <a:effectLst/>
+                        </a:rPr>
+                        <a:t>1</a:t>
+                      </a:r>
+                      <a:endParaRPr lang="es-AR" sz="1400" b="0" i="0" u="none" strike="noStrike">
+                        <a:effectLst/>
+                        <a:latin typeface="Arial"/>
+                      </a:endParaRPr>
+                    </a:p>
+                  </a:txBody>
+                  <a:tcPr marL="5806" marR="5806" marT="5806" marB="0" anchor="b"/>
+                </a:tc>
+                <a:tc>
+                  <a:txBody>
+                    <a:bodyPr/>
+                    <a:lstStyle/>
+                    <a:p>
+                      <a:pPr algn="ctr" fontAlgn="b"/>
+                      <a:r>
+                        <a:rPr lang="es-AR" sz="1400" u="none" strike="noStrike">
+                          <a:effectLst/>
+                        </a:rPr>
+                        <a:t>1</a:t>
+                      </a:r>
+                      <a:endParaRPr lang="es-AR" sz="1400" b="0" i="0" u="none" strike="noStrike">
+                        <a:effectLst/>
+                        <a:latin typeface="Arial"/>
+                      </a:endParaRPr>
+                    </a:p>
+                  </a:txBody>
+                  <a:tcPr marL="5806" marR="5806" marT="5806" marB="0" anchor="b"/>
+                </a:tc>
+                <a:tc>
+                  <a:txBody>
+                    <a:bodyPr/>
+                    <a:lstStyle/>
+                    <a:p>
+                      <a:pPr algn="ctr" fontAlgn="b"/>
+                      <a:r>
+                        <a:rPr lang="es-AR" sz="1400" u="none" strike="noStrike">
+                          <a:effectLst/>
+                        </a:rPr>
+                        <a:t>1</a:t>
+                      </a:r>
+                      <a:endParaRPr lang="es-AR" sz="1400" b="0" i="0" u="none" strike="noStrike">
+                        <a:effectLst/>
+                        <a:latin typeface="Arial"/>
+                      </a:endParaRPr>
+                    </a:p>
+                  </a:txBody>
+                  <a:tcPr marL="5806" marR="5806" marT="5806" marB="0" anchor="b"/>
+                </a:tc>
+                <a:tc>
+                  <a:txBody>
+                    <a:bodyPr/>
+                    <a:lstStyle/>
+                    <a:p>
+                      <a:pPr algn="ctr" fontAlgn="b"/>
+                      <a:r>
+                        <a:rPr lang="es-AR" sz="1400" u="none" strike="noStrike">
+                          <a:effectLst/>
+                        </a:rPr>
+                        <a:t>1</a:t>
+                      </a:r>
+                      <a:endParaRPr lang="es-AR" sz="1400" b="0" i="0" u="none" strike="noStrike">
+                        <a:effectLst/>
+                        <a:latin typeface="Arial"/>
+                      </a:endParaRPr>
+                    </a:p>
+                  </a:txBody>
+                  <a:tcPr marL="5806" marR="5806" marT="5806" marB="0" anchor="b"/>
+                </a:tc>
+              </a:tr>
+              <a:tr h="191595">
+                <a:tc>
+                  <a:txBody>
+                    <a:bodyPr/>
+                    <a:lstStyle/>
+                    <a:p>
+                      <a:pPr algn="l" fontAlgn="b"/>
+                      <a:r>
+                        <a:rPr lang="es-AR" sz="1400" u="none" strike="noStrike">
+                          <a:effectLst/>
+                        </a:rPr>
+                        <a:t>Total de Recursos Humanos</a:t>
+                      </a:r>
+                      <a:endParaRPr lang="es-AR" sz="1400" b="1" i="0" u="none" strike="noStrike">
+                        <a:solidFill>
+                          <a:srgbClr val="FFFFFF"/>
+                        </a:solidFill>
+                        <a:effectLst/>
+                        <a:latin typeface="Arial"/>
+                      </a:endParaRPr>
+                    </a:p>
+                  </a:txBody>
+                  <a:tcPr marL="5806" marR="5806" marT="5806" marB="0" anchor="b"/>
+                </a:tc>
+                <a:tc>
+                  <a:txBody>
+                    <a:bodyPr/>
+                    <a:lstStyle/>
+                    <a:p>
+                      <a:pPr algn="r" fontAlgn="b"/>
+                      <a:r>
+                        <a:rPr lang="es-AR" sz="1400" u="none" strike="noStrike">
+                          <a:effectLst/>
+                        </a:rPr>
+                        <a:t> </a:t>
+                      </a:r>
+                      <a:endParaRPr lang="es-AR" sz="1400" b="1" i="0" u="none" strike="noStrike">
+                        <a:solidFill>
+                          <a:srgbClr val="FFFFFF"/>
+                        </a:solidFill>
+                        <a:effectLst/>
+                        <a:latin typeface="Arial"/>
+                      </a:endParaRPr>
+                    </a:p>
+                  </a:txBody>
+                  <a:tcPr marL="5806" marR="5806" marT="5806" marB="0" anchor="b"/>
+                </a:tc>
+                <a:tc>
+                  <a:txBody>
+                    <a:bodyPr/>
+                    <a:lstStyle/>
+                    <a:p>
+                      <a:pPr algn="r" fontAlgn="b"/>
+                      <a:r>
+                        <a:rPr lang="es-AR" sz="1400" u="none" strike="noStrike">
+                          <a:effectLst/>
+                        </a:rPr>
+                        <a:t> </a:t>
+                      </a:r>
+                      <a:endParaRPr lang="es-AR" sz="1400" b="1" i="0" u="none" strike="noStrike">
+                        <a:solidFill>
+                          <a:srgbClr val="FFFFFF"/>
+                        </a:solidFill>
+                        <a:effectLst/>
+                        <a:latin typeface="Arial"/>
+                      </a:endParaRPr>
+                    </a:p>
+                  </a:txBody>
+                  <a:tcPr marL="5806" marR="5806" marT="5806" marB="0" anchor="b"/>
+                </a:tc>
+                <a:tc>
+                  <a:txBody>
+                    <a:bodyPr/>
+                    <a:lstStyle/>
+                    <a:p>
+                      <a:pPr algn="ctr" fontAlgn="b"/>
+                      <a:r>
+                        <a:rPr lang="es-AR" sz="1400" u="none" strike="noStrike">
+                          <a:effectLst/>
+                        </a:rPr>
+                        <a:t>8</a:t>
+                      </a:r>
+                      <a:endParaRPr lang="es-AR" sz="1400" b="1" i="0" u="none" strike="noStrike">
+                        <a:solidFill>
+                          <a:srgbClr val="FFFFFF"/>
+                        </a:solidFill>
+                        <a:effectLst/>
+                        <a:latin typeface="Arial"/>
+                      </a:endParaRPr>
+                    </a:p>
+                  </a:txBody>
+                  <a:tcPr marL="5806" marR="5806" marT="5806" marB="0" anchor="b"/>
+                </a:tc>
+                <a:tc>
+                  <a:txBody>
+                    <a:bodyPr/>
+                    <a:lstStyle/>
+                    <a:p>
+                      <a:pPr algn="ctr" fontAlgn="b"/>
+                      <a:r>
+                        <a:rPr lang="es-AR" sz="1400" u="none" strike="noStrike">
+                          <a:effectLst/>
+                        </a:rPr>
+                        <a:t>4</a:t>
+                      </a:r>
+                      <a:endParaRPr lang="es-AR" sz="1400" b="1" i="0" u="none" strike="noStrike">
+                        <a:solidFill>
+                          <a:srgbClr val="FFFFFF"/>
+                        </a:solidFill>
+                        <a:effectLst/>
+                        <a:latin typeface="Arial"/>
+                      </a:endParaRPr>
+                    </a:p>
+                  </a:txBody>
+                  <a:tcPr marL="5806" marR="5806" marT="5806" marB="0" anchor="b"/>
+                </a:tc>
+                <a:tc>
+                  <a:txBody>
+                    <a:bodyPr/>
+                    <a:lstStyle/>
+                    <a:p>
+                      <a:pPr algn="ctr" fontAlgn="b"/>
+                      <a:r>
+                        <a:rPr lang="es-AR" sz="1400" u="none" strike="noStrike">
+                          <a:effectLst/>
+                        </a:rPr>
+                        <a:t>7</a:t>
+                      </a:r>
+                      <a:endParaRPr lang="es-AR" sz="1400" b="1" i="0" u="none" strike="noStrike">
+                        <a:solidFill>
+                          <a:srgbClr val="FFFFFF"/>
+                        </a:solidFill>
+                        <a:effectLst/>
+                        <a:latin typeface="Arial"/>
+                      </a:endParaRPr>
+                    </a:p>
+                  </a:txBody>
+                  <a:tcPr marL="5806" marR="5806" marT="5806" marB="0" anchor="b"/>
+                </a:tc>
+                <a:tc>
+                  <a:txBody>
+                    <a:bodyPr/>
+                    <a:lstStyle/>
+                    <a:p>
+                      <a:pPr algn="ctr" fontAlgn="b"/>
+                      <a:r>
+                        <a:rPr lang="es-AR" sz="1400" u="none" strike="noStrike">
+                          <a:effectLst/>
+                        </a:rPr>
+                        <a:t>8</a:t>
+                      </a:r>
+                      <a:endParaRPr lang="es-AR" sz="1400" b="1" i="0" u="none" strike="noStrike">
+                        <a:solidFill>
+                          <a:srgbClr val="FFFFFF"/>
+                        </a:solidFill>
+                        <a:effectLst/>
+                        <a:latin typeface="Arial"/>
+                      </a:endParaRPr>
+                    </a:p>
+                  </a:txBody>
+                  <a:tcPr marL="5806" marR="5806" marT="5806" marB="0" anchor="b"/>
+                </a:tc>
+                <a:tc>
+                  <a:txBody>
+                    <a:bodyPr/>
+                    <a:lstStyle/>
+                    <a:p>
+                      <a:pPr algn="ctr" fontAlgn="b"/>
+                      <a:r>
+                        <a:rPr lang="es-AR" sz="1400" u="none" strike="noStrike">
+                          <a:effectLst/>
+                        </a:rPr>
+                        <a:t>8</a:t>
+                      </a:r>
+                      <a:endParaRPr lang="es-AR" sz="1400" b="1" i="0" u="none" strike="noStrike">
+                        <a:solidFill>
+                          <a:srgbClr val="FFFFFF"/>
+                        </a:solidFill>
+                        <a:effectLst/>
+                        <a:latin typeface="Arial"/>
+                      </a:endParaRPr>
+                    </a:p>
+                  </a:txBody>
+                  <a:tcPr marL="5806" marR="5806" marT="5806" marB="0" anchor="b"/>
+                </a:tc>
+                <a:tc>
+                  <a:txBody>
+                    <a:bodyPr/>
+                    <a:lstStyle/>
+                    <a:p>
+                      <a:pPr algn="ctr" fontAlgn="b"/>
+                      <a:r>
+                        <a:rPr lang="es-AR" sz="1400" u="none" strike="noStrike">
+                          <a:effectLst/>
+                        </a:rPr>
+                        <a:t>5</a:t>
+                      </a:r>
+                      <a:endParaRPr lang="es-AR" sz="1400" b="1" i="0" u="none" strike="noStrike">
+                        <a:solidFill>
+                          <a:srgbClr val="FFFFFF"/>
+                        </a:solidFill>
+                        <a:effectLst/>
+                        <a:latin typeface="Arial"/>
+                      </a:endParaRPr>
+                    </a:p>
+                  </a:txBody>
+                  <a:tcPr marL="5806" marR="5806" marT="5806" marB="0" anchor="b"/>
+                </a:tc>
+                <a:tc>
+                  <a:txBody>
+                    <a:bodyPr/>
+                    <a:lstStyle/>
+                    <a:p>
+                      <a:pPr algn="ctr" fontAlgn="b"/>
+                      <a:r>
+                        <a:rPr lang="es-AR" sz="1400" u="none" strike="noStrike" dirty="0">
+                          <a:effectLst/>
+                        </a:rPr>
+                        <a:t>5</a:t>
+                      </a:r>
+                      <a:endParaRPr lang="es-AR" sz="1400" b="1" i="0" u="none" strike="noStrike" dirty="0">
+                        <a:solidFill>
+                          <a:srgbClr val="FFFFFF"/>
+                        </a:solidFill>
+                        <a:effectLst/>
+                        <a:latin typeface="Arial"/>
+                      </a:endParaRPr>
+                    </a:p>
+                  </a:txBody>
+                  <a:tcPr marL="5806" marR="5806" marT="5806" marB="0" anchor="b"/>
+                </a:tc>
+              </a:tr>
+            </a:tbl>
+          </a:graphicData>
+        </a:graphic>
+      </p:graphicFrame>
       <p:sp>
         <p:nvSpPr>
-          <p:cNvPr id="3" name="Content Placeholder 2"/>
+          <p:cNvPr id="4" name="Text Placeholder 3"/>
           <p:cNvSpPr>
             <a:spLocks noGrp="1"/>
           </p:cNvSpPr>
           <p:nvPr>
-            <p:ph idx="1"/>
+            <p:ph type="body" sz="quarter" idx="13"/>
           </p:nvPr>
         </p:nvSpPr>
         <p:spPr/>
@@ -13026,14 +14912,52 @@
           <a:bodyPr/>
           <a:lstStyle/>
           <a:p>
-            <a:endParaRPr lang="es-AR"/>
+            <a:r>
+              <a:rPr lang="es-AR" dirty="0" err="1" smtClean="0"/>
+              <a:t>Utilizacion</a:t>
+            </a:r>
+            <a:r>
+              <a:rPr lang="es-AR" dirty="0" smtClean="0"/>
+              <a:t> de Recursos en el Proyecto</a:t>
+            </a:r>
+            <a:endParaRPr lang="es-AR" dirty="0"/>
+          </a:p>
+        </p:txBody>
+      </p:sp>
+      <p:sp>
+        <p:nvSpPr>
+          <p:cNvPr id="6" name="TextBox 5"/>
+          <p:cNvSpPr txBox="1"/>
+          <p:nvPr/>
+        </p:nvSpPr>
+        <p:spPr>
+          <a:xfrm>
+            <a:off x="1907704" y="4221088"/>
+            <a:ext cx="5400600" cy="369332"/>
+          </a:xfrm>
+          <a:prstGeom prst="rect">
+            <a:avLst/>
+          </a:prstGeom>
+          <a:noFill/>
+        </p:spPr>
+        <p:txBody>
+          <a:bodyPr wrap="square" rtlCol="0">
+            <a:spAutoFit/>
+          </a:bodyPr>
+          <a:lstStyle/>
+          <a:p>
+            <a:r>
+              <a:rPr lang="es-AR" dirty="0" smtClean="0"/>
+              <a:t>Calculando una merma de productividad del 15 %</a:t>
+            </a:r>
+            <a:endParaRPr lang="es-AR" dirty="0"/>
           </a:p>
         </p:txBody>
       </p:sp>
     </p:spTree>
     <p:extLst>
       <p:ext uri="{BB962C8B-B14F-4D97-AF65-F5344CB8AC3E}">
-        <p14:creationId xmlns:p14="http://schemas.microsoft.com/office/powerpoint/2010/main" val="3579918999"/>
+        <p14:creationId xmlns:p14="http://schemas.microsoft.com/office/powerpoint/2010/main" val="4255643014"/>
       </p:ext>
     </p:extLst>
   </p:cSld>
@@ -13076,8 +15000,12 @@
           <a:lstStyle/>
           <a:p>
             <a:r>
+              <a:rPr lang="es-AR" dirty="0" err="1" smtClean="0"/>
+              <a:t>Duracion</a:t>
+            </a:r>
+            <a:r>
               <a:rPr lang="es-AR" dirty="0" smtClean="0"/>
-              <a:t>Costos Mensuales</a:t>
+              <a:t> Total del proyecto</a:t>
             </a:r>
             <a:endParaRPr lang="es-AR" dirty="0"/>
           </a:p>
@@ -13098,14 +15026,26 @@
           <a:bodyPr/>
           <a:lstStyle/>
           <a:p>
-            <a:endParaRPr lang="es-AR"/>
+            <a:r>
+              <a:rPr lang="es-AR" dirty="0" smtClean="0"/>
+              <a:t>6 Meses y Medio (215 </a:t>
+            </a:r>
+            <a:r>
+              <a:rPr lang="es-AR" dirty="0" err="1" smtClean="0"/>
+              <a:t>dias</a:t>
+            </a:r>
+            <a:r>
+              <a:rPr lang="es-AR" dirty="0" smtClean="0"/>
+              <a:t> laborales)</a:t>
+            </a:r>
+            <a:endParaRPr lang="es-AR" dirty="0"/>
           </a:p>
         </p:txBody>
       </p:sp>
     </p:spTree>
     <p:extLst>
       <p:ext uri="{BB962C8B-B14F-4D97-AF65-F5344CB8AC3E}">
-        <p14:creationId xmlns:p14="http://schemas.microsoft.com/office/powerpoint/2010/main" val="880074258"/>
+        <p14:creationId xmlns:p14="http://schemas.microsoft.com/office/powerpoint/2010/main" val="226919251"/>
       </p:ext>
     </p:extLst>
   </p:cSld>
@@ -13149,7 +15089,7 @@
           <a:p>
             <a:r>
               <a:rPr lang="es-AR" dirty="0" smtClean="0"/>
-              <a:t>Entregas</a:t>
+              <a:t>Costos Iniciales</a:t>
             </a:r>
             <a:endParaRPr lang="es-AR" dirty="0"/>
           </a:p>
@@ -13174,29 +15114,10 @@
           </a:p>
         </p:txBody>
       </p:sp>
-      <p:sp>
-        <p:nvSpPr>
-          <p:cNvPr id="4" name="Text Placeholder 3"/>
-          <p:cNvSpPr>
-            <a:spLocks noGrp="1"/>
-          </p:cNvSpPr>
-          <p:nvPr>
-            <p:ph type="body" sz="quarter" idx="13"/>
-          </p:nvPr>
-        </p:nvSpPr>
-        <p:spPr/>
-        <p:txBody>
-          <a:bodyPr/>
-          <a:lstStyle/>
-          <a:p>
-            <a:endParaRPr lang="es-AR"/>
-          </a:p>
-        </p:txBody>
-      </p:sp>
     </p:spTree>
     <p:extLst>
       <p:ext uri="{BB962C8B-B14F-4D97-AF65-F5344CB8AC3E}">
-        <p14:creationId xmlns:p14="http://schemas.microsoft.com/office/powerpoint/2010/main" val="2424612366"/>
+        <p14:creationId xmlns:p14="http://schemas.microsoft.com/office/powerpoint/2010/main" val="3579918999"/>
       </p:ext>
     </p:extLst>
   </p:cSld>
@@ -13240,7 +15161,7 @@
           <a:p>
             <a:r>
               <a:rPr lang="es-AR" dirty="0" smtClean="0"/>
-              <a:t>Pagos y Ganancias</a:t>
+              <a:t>Costos Mensuales</a:t>
             </a:r>
             <a:endParaRPr lang="es-AR" dirty="0"/>
           </a:p>
@@ -13265,29 +15186,10 @@
           </a:p>
         </p:txBody>
       </p:sp>
-      <p:sp>
-        <p:nvSpPr>
-          <p:cNvPr id="4" name="Text Placeholder 3"/>
-          <p:cNvSpPr>
-            <a:spLocks noGrp="1"/>
-          </p:cNvSpPr>
-          <p:nvPr>
-            <p:ph type="body" sz="quarter" idx="13"/>
-          </p:nvPr>
-        </p:nvSpPr>
-        <p:spPr/>
-        <p:txBody>
-          <a:bodyPr/>
-          <a:lstStyle/>
-          <a:p>
-            <a:endParaRPr lang="es-AR"/>
-          </a:p>
-        </p:txBody>
-      </p:sp>
     </p:spTree>
     <p:extLst>
       <p:ext uri="{BB962C8B-B14F-4D97-AF65-F5344CB8AC3E}">
-        <p14:creationId xmlns:p14="http://schemas.microsoft.com/office/powerpoint/2010/main" val="3383677935"/>
+        <p14:creationId xmlns:p14="http://schemas.microsoft.com/office/powerpoint/2010/main" val="880074258"/>
       </p:ext>
     </p:extLst>
   </p:cSld>
@@ -13434,6 +15336,188 @@
     <p:extLst>
       <p:ext uri="{BB962C8B-B14F-4D97-AF65-F5344CB8AC3E}">
         <p14:creationId xmlns:p14="http://schemas.microsoft.com/office/powerpoint/2010/main" val="775365642"/>
+      </p:ext>
+    </p:extLst>
+  </p:cSld>
+  <p:clrMapOvr>
+    <a:masterClrMapping/>
+  </p:clrMapOvr>
+</p:sld>
+</file>
+
+<file path=ppt/slides/slide30.xml><?xml version="1.0" encoding="utf-8"?>
+<p:sld xmlns:a="http://schemas.openxmlformats.org/drawingml/2006/main" xmlns:r="http://schemas.openxmlformats.org/officeDocument/2006/relationships" xmlns:p="http://schemas.openxmlformats.org/presentationml/2006/main">
+  <p:cSld>
+    <p:spTree>
+      <p:nvGrpSpPr>
+        <p:cNvPr id="1" name=""/>
+        <p:cNvGrpSpPr/>
+        <p:nvPr/>
+      </p:nvGrpSpPr>
+      <p:grpSpPr>
+        <a:xfrm>
+          <a:off x="0" y="0"/>
+          <a:ext cx="0" cy="0"/>
+          <a:chOff x="0" y="0"/>
+          <a:chExt cx="0" cy="0"/>
+        </a:xfrm>
+      </p:grpSpPr>
+      <p:sp>
+        <p:nvSpPr>
+          <p:cNvPr id="2" name="Title 1"/>
+          <p:cNvSpPr>
+            <a:spLocks noGrp="1"/>
+          </p:cNvSpPr>
+          <p:nvPr>
+            <p:ph type="title"/>
+          </p:nvPr>
+        </p:nvSpPr>
+        <p:spPr/>
+        <p:txBody>
+          <a:bodyPr/>
+          <a:lstStyle/>
+          <a:p>
+            <a:r>
+              <a:rPr lang="es-AR" dirty="0" smtClean="0"/>
+              <a:t>Entregas</a:t>
+            </a:r>
+            <a:endParaRPr lang="es-AR" dirty="0"/>
+          </a:p>
+        </p:txBody>
+      </p:sp>
+      <p:sp>
+        <p:nvSpPr>
+          <p:cNvPr id="3" name="Content Placeholder 2"/>
+          <p:cNvSpPr>
+            <a:spLocks noGrp="1"/>
+          </p:cNvSpPr>
+          <p:nvPr>
+            <p:ph idx="1"/>
+          </p:nvPr>
+        </p:nvSpPr>
+        <p:spPr/>
+        <p:txBody>
+          <a:bodyPr/>
+          <a:lstStyle/>
+          <a:p>
+            <a:endParaRPr lang="es-AR"/>
+          </a:p>
+        </p:txBody>
+      </p:sp>
+      <p:sp>
+        <p:nvSpPr>
+          <p:cNvPr id="4" name="Text Placeholder 3"/>
+          <p:cNvSpPr>
+            <a:spLocks noGrp="1"/>
+          </p:cNvSpPr>
+          <p:nvPr>
+            <p:ph type="body" sz="quarter" idx="13"/>
+          </p:nvPr>
+        </p:nvSpPr>
+        <p:spPr/>
+        <p:txBody>
+          <a:bodyPr/>
+          <a:lstStyle/>
+          <a:p>
+            <a:endParaRPr lang="es-AR"/>
+          </a:p>
+        </p:txBody>
+      </p:sp>
+    </p:spTree>
+    <p:extLst>
+      <p:ext uri="{BB962C8B-B14F-4D97-AF65-F5344CB8AC3E}">
+        <p14:creationId xmlns:p14="http://schemas.microsoft.com/office/powerpoint/2010/main" val="2424612366"/>
+      </p:ext>
+    </p:extLst>
+  </p:cSld>
+  <p:clrMapOvr>
+    <a:masterClrMapping/>
+  </p:clrMapOvr>
+</p:sld>
+</file>
+
+<file path=ppt/slides/slide31.xml><?xml version="1.0" encoding="utf-8"?>
+<p:sld xmlns:a="http://schemas.openxmlformats.org/drawingml/2006/main" xmlns:r="http://schemas.openxmlformats.org/officeDocument/2006/relationships" xmlns:p="http://schemas.openxmlformats.org/presentationml/2006/main">
+  <p:cSld>
+    <p:spTree>
+      <p:nvGrpSpPr>
+        <p:cNvPr id="1" name=""/>
+        <p:cNvGrpSpPr/>
+        <p:nvPr/>
+      </p:nvGrpSpPr>
+      <p:grpSpPr>
+        <a:xfrm>
+          <a:off x="0" y="0"/>
+          <a:ext cx="0" cy="0"/>
+          <a:chOff x="0" y="0"/>
+          <a:chExt cx="0" cy="0"/>
+        </a:xfrm>
+      </p:grpSpPr>
+      <p:sp>
+        <p:nvSpPr>
+          <p:cNvPr id="2" name="Title 1"/>
+          <p:cNvSpPr>
+            <a:spLocks noGrp="1"/>
+          </p:cNvSpPr>
+          <p:nvPr>
+            <p:ph type="title"/>
+          </p:nvPr>
+        </p:nvSpPr>
+        <p:spPr/>
+        <p:txBody>
+          <a:bodyPr/>
+          <a:lstStyle/>
+          <a:p>
+            <a:r>
+              <a:rPr lang="es-AR" dirty="0" smtClean="0"/>
+              <a:t>Pagos y Ganancias</a:t>
+            </a:r>
+            <a:endParaRPr lang="es-AR" dirty="0"/>
+          </a:p>
+        </p:txBody>
+      </p:sp>
+      <p:sp>
+        <p:nvSpPr>
+          <p:cNvPr id="3" name="Content Placeholder 2"/>
+          <p:cNvSpPr>
+            <a:spLocks noGrp="1"/>
+          </p:cNvSpPr>
+          <p:nvPr>
+            <p:ph idx="1"/>
+          </p:nvPr>
+        </p:nvSpPr>
+        <p:spPr/>
+        <p:txBody>
+          <a:bodyPr/>
+          <a:lstStyle/>
+          <a:p>
+            <a:endParaRPr lang="es-AR"/>
+          </a:p>
+        </p:txBody>
+      </p:sp>
+      <p:sp>
+        <p:nvSpPr>
+          <p:cNvPr id="4" name="Text Placeholder 3"/>
+          <p:cNvSpPr>
+            <a:spLocks noGrp="1"/>
+          </p:cNvSpPr>
+          <p:nvPr>
+            <p:ph type="body" sz="quarter" idx="13"/>
+          </p:nvPr>
+        </p:nvSpPr>
+        <p:spPr/>
+        <p:txBody>
+          <a:bodyPr/>
+          <a:lstStyle/>
+          <a:p>
+            <a:endParaRPr lang="es-AR"/>
+          </a:p>
+        </p:txBody>
+      </p:sp>
+    </p:spTree>
+    <p:extLst>
+      <p:ext uri="{BB962C8B-B14F-4D97-AF65-F5344CB8AC3E}">
+        <p14:creationId xmlns:p14="http://schemas.microsoft.com/office/powerpoint/2010/main" val="3383677935"/>
       </p:ext>
     </p:extLst>
   </p:cSld>

--- a/trunk/Presentacion.pptx
+++ b/trunk/Presentacion.pptx
@@ -186,6 +186,753 @@
 </file>
 
 <file path=ppt/diagrams/colors1.xml><?xml version="1.0" encoding="utf-8"?>
+<dgm:colorsDef xmlns:dgm="http://schemas.openxmlformats.org/drawingml/2006/diagram" xmlns:a="http://schemas.openxmlformats.org/drawingml/2006/main" uniqueId="urn:microsoft.com/office/officeart/2005/8/colors/accent1_2">
+  <dgm:title val=""/>
+  <dgm:desc val=""/>
+  <dgm:catLst>
+    <dgm:cat type="accent1" pri="11200"/>
+  </dgm:catLst>
+  <dgm:styleLbl name="node0">
+    <dgm:fillClrLst meth="repeat">
+      <a:schemeClr val="accent1"/>
+    </dgm:fillClrLst>
+    <dgm:linClrLst meth="repeat">
+      <a:schemeClr val="lt1"/>
+    </dgm:linClrLst>
+    <dgm:effectClrLst/>
+    <dgm:txLinClrLst/>
+    <dgm:txFillClrLst/>
+    <dgm:txEffectClrLst/>
+  </dgm:styleLbl>
+  <dgm:styleLbl name="alignNode1">
+    <dgm:fillClrLst meth="repeat">
+      <a:schemeClr val="accent1"/>
+    </dgm:fillClrLst>
+    <dgm:linClrLst meth="repeat">
+      <a:schemeClr val="accent1"/>
+    </dgm:linClrLst>
+    <dgm:effectClrLst/>
+    <dgm:txLinClrLst/>
+    <dgm:txFillClrLst/>
+    <dgm:txEffectClrLst/>
+  </dgm:styleLbl>
+  <dgm:styleLbl name="node1">
+    <dgm:fillClrLst meth="repeat">
+      <a:schemeClr val="accent1"/>
+    </dgm:fillClrLst>
+    <dgm:linClrLst meth="repeat">
+      <a:schemeClr val="lt1"/>
+    </dgm:linClrLst>
+    <dgm:effectClrLst/>
+    <dgm:txLinClrLst/>
+    <dgm:txFillClrLst/>
+    <dgm:txEffectClrLst/>
+  </dgm:styleLbl>
+  <dgm:styleLbl name="lnNode1">
+    <dgm:fillClrLst meth="repeat">
+      <a:schemeClr val="accent1"/>
+    </dgm:fillClrLst>
+    <dgm:linClrLst meth="repeat">
+      <a:schemeClr val="lt1"/>
+    </dgm:linClrLst>
+    <dgm:effectClrLst/>
+    <dgm:txLinClrLst/>
+    <dgm:txFillClrLst/>
+    <dgm:txEffectClrLst/>
+  </dgm:styleLbl>
+  <dgm:styleLbl name="vennNode1">
+    <dgm:fillClrLst meth="repeat">
+      <a:schemeClr val="accent1">
+        <a:alpha val="50000"/>
+      </a:schemeClr>
+    </dgm:fillClrLst>
+    <dgm:linClrLst meth="repeat">
+      <a:schemeClr val="lt1"/>
+    </dgm:linClrLst>
+    <dgm:effectClrLst/>
+    <dgm:txLinClrLst/>
+    <dgm:txFillClrLst/>
+    <dgm:txEffectClrLst/>
+  </dgm:styleLbl>
+  <dgm:styleLbl name="node2">
+    <dgm:fillClrLst meth="repeat">
+      <a:schemeClr val="accent1"/>
+    </dgm:fillClrLst>
+    <dgm:linClrLst meth="repeat">
+      <a:schemeClr val="lt1"/>
+    </dgm:linClrLst>
+    <dgm:effectClrLst/>
+    <dgm:txLinClrLst/>
+    <dgm:txFillClrLst/>
+    <dgm:txEffectClrLst/>
+  </dgm:styleLbl>
+  <dgm:styleLbl name="node3">
+    <dgm:fillClrLst meth="repeat">
+      <a:schemeClr val="accent1"/>
+    </dgm:fillClrLst>
+    <dgm:linClrLst meth="repeat">
+      <a:schemeClr val="lt1"/>
+    </dgm:linClrLst>
+    <dgm:effectClrLst/>
+    <dgm:txLinClrLst/>
+    <dgm:txFillClrLst/>
+    <dgm:txEffectClrLst/>
+  </dgm:styleLbl>
+  <dgm:styleLbl name="node4">
+    <dgm:fillClrLst meth="repeat">
+      <a:schemeClr val="accent1"/>
+    </dgm:fillClrLst>
+    <dgm:linClrLst meth="repeat">
+      <a:schemeClr val="lt1"/>
+    </dgm:linClrLst>
+    <dgm:effectClrLst/>
+    <dgm:txLinClrLst/>
+    <dgm:txFillClrLst/>
+    <dgm:txEffectClrLst/>
+  </dgm:styleLbl>
+  <dgm:styleLbl name="fgImgPlace1">
+    <dgm:fillClrLst meth="repeat">
+      <a:schemeClr val="accent1">
+        <a:tint val="50000"/>
+      </a:schemeClr>
+    </dgm:fillClrLst>
+    <dgm:linClrLst meth="repeat">
+      <a:schemeClr val="lt1"/>
+    </dgm:linClrLst>
+    <dgm:effectClrLst/>
+    <dgm:txLinClrLst/>
+    <dgm:txFillClrLst meth="repeat">
+      <a:schemeClr val="lt1"/>
+    </dgm:txFillClrLst>
+    <dgm:txEffectClrLst/>
+  </dgm:styleLbl>
+  <dgm:styleLbl name="alignImgPlace1">
+    <dgm:fillClrLst meth="repeat">
+      <a:schemeClr val="accent1">
+        <a:tint val="50000"/>
+      </a:schemeClr>
+    </dgm:fillClrLst>
+    <dgm:linClrLst meth="repeat">
+      <a:schemeClr val="lt1"/>
+    </dgm:linClrLst>
+    <dgm:effectClrLst/>
+    <dgm:txLinClrLst/>
+    <dgm:txFillClrLst meth="repeat">
+      <a:schemeClr val="lt1"/>
+    </dgm:txFillClrLst>
+    <dgm:txEffectClrLst/>
+  </dgm:styleLbl>
+  <dgm:styleLbl name="bgImgPlace1">
+    <dgm:fillClrLst meth="repeat">
+      <a:schemeClr val="accent1">
+        <a:tint val="50000"/>
+      </a:schemeClr>
+    </dgm:fillClrLst>
+    <dgm:linClrLst meth="repeat">
+      <a:schemeClr val="lt1"/>
+    </dgm:linClrLst>
+    <dgm:effectClrLst/>
+    <dgm:txLinClrLst/>
+    <dgm:txFillClrLst meth="repeat">
+      <a:schemeClr val="lt1"/>
+    </dgm:txFillClrLst>
+    <dgm:txEffectClrLst/>
+  </dgm:styleLbl>
+  <dgm:styleLbl name="sibTrans2D1">
+    <dgm:fillClrLst meth="repeat">
+      <a:schemeClr val="accent1">
+        <a:tint val="60000"/>
+      </a:schemeClr>
+    </dgm:fillClrLst>
+    <dgm:linClrLst meth="repeat">
+      <a:schemeClr val="accent1">
+        <a:tint val="60000"/>
+      </a:schemeClr>
+    </dgm:linClrLst>
+    <dgm:effectClrLst/>
+    <dgm:txLinClrLst/>
+    <dgm:txFillClrLst/>
+    <dgm:txEffectClrLst/>
+  </dgm:styleLbl>
+  <dgm:styleLbl name="fgSibTrans2D1">
+    <dgm:fillClrLst meth="repeat">
+      <a:schemeClr val="accent1">
+        <a:tint val="60000"/>
+      </a:schemeClr>
+    </dgm:fillClrLst>
+    <dgm:linClrLst meth="repeat">
+      <a:schemeClr val="accent1">
+        <a:tint val="60000"/>
+      </a:schemeClr>
+    </dgm:linClrLst>
+    <dgm:effectClrLst/>
+    <dgm:txLinClrLst/>
+    <dgm:txFillClrLst/>
+    <dgm:txEffectClrLst/>
+  </dgm:styleLbl>
+  <dgm:styleLbl name="bgSibTrans2D1">
+    <dgm:fillClrLst meth="repeat">
+      <a:schemeClr val="accent1">
+        <a:tint val="60000"/>
+      </a:schemeClr>
+    </dgm:fillClrLst>
+    <dgm:linClrLst meth="repeat">
+      <a:schemeClr val="accent1">
+        <a:tint val="60000"/>
+      </a:schemeClr>
+    </dgm:linClrLst>
+    <dgm:effectClrLst/>
+    <dgm:txLinClrLst/>
+    <dgm:txFillClrLst/>
+    <dgm:txEffectClrLst/>
+  </dgm:styleLbl>
+  <dgm:styleLbl name="sibTrans1D1">
+    <dgm:fillClrLst meth="repeat">
+      <a:schemeClr val="accent1"/>
+    </dgm:fillClrLst>
+    <dgm:linClrLst meth="repeat">
+      <a:schemeClr val="accent1"/>
+    </dgm:linClrLst>
+    <dgm:effectClrLst/>
+    <dgm:txLinClrLst/>
+    <dgm:txFillClrLst meth="repeat">
+      <a:schemeClr val="tx1"/>
+    </dgm:txFillClrLst>
+    <dgm:txEffectClrLst/>
+  </dgm:styleLbl>
+  <dgm:styleLbl name="callout">
+    <dgm:fillClrLst meth="repeat">
+      <a:schemeClr val="accent1"/>
+    </dgm:fillClrLst>
+    <dgm:linClrLst meth="repeat">
+      <a:schemeClr val="accent1">
+        <a:tint val="50000"/>
+      </a:schemeClr>
+    </dgm:linClrLst>
+    <dgm:effectClrLst/>
+    <dgm:txLinClrLst/>
+    <dgm:txFillClrLst meth="repeat">
+      <a:schemeClr val="tx1"/>
+    </dgm:txFillClrLst>
+    <dgm:txEffectClrLst/>
+  </dgm:styleLbl>
+  <dgm:styleLbl name="asst0">
+    <dgm:fillClrLst meth="repeat">
+      <a:schemeClr val="accent1"/>
+    </dgm:fillClrLst>
+    <dgm:linClrLst meth="repeat">
+      <a:schemeClr val="lt1"/>
+    </dgm:linClrLst>
+    <dgm:effectClrLst/>
+    <dgm:txLinClrLst/>
+    <dgm:txFillClrLst/>
+    <dgm:txEffectClrLst/>
+  </dgm:styleLbl>
+  <dgm:styleLbl name="asst1">
+    <dgm:fillClrLst meth="repeat">
+      <a:schemeClr val="accent1"/>
+    </dgm:fillClrLst>
+    <dgm:linClrLst meth="repeat">
+      <a:schemeClr val="lt1"/>
+    </dgm:linClrLst>
+    <dgm:effectClrLst/>
+    <dgm:txLinClrLst/>
+    <dgm:txFillClrLst/>
+    <dgm:txEffectClrLst/>
+  </dgm:styleLbl>
+  <dgm:styleLbl name="asst2">
+    <dgm:fillClrLst meth="repeat">
+      <a:schemeClr val="accent1"/>
+    </dgm:fillClrLst>
+    <dgm:linClrLst meth="repeat">
+      <a:schemeClr val="lt1"/>
+    </dgm:linClrLst>
+    <dgm:effectClrLst/>
+    <dgm:txLinClrLst/>
+    <dgm:txFillClrLst/>
+    <dgm:txEffectClrLst/>
+  </dgm:styleLbl>
+  <dgm:styleLbl name="asst3">
+    <dgm:fillClrLst meth="repeat">
+      <a:schemeClr val="accent1"/>
+    </dgm:fillClrLst>
+    <dgm:linClrLst meth="repeat">
+      <a:schemeClr val="lt1"/>
+    </dgm:linClrLst>
+    <dgm:effectClrLst/>
+    <dgm:txLinClrLst/>
+    <dgm:txFillClrLst/>
+    <dgm:txEffectClrLst/>
+  </dgm:styleLbl>
+  <dgm:styleLbl name="asst4">
+    <dgm:fillClrLst meth="repeat">
+      <a:schemeClr val="accent1"/>
+    </dgm:fillClrLst>
+    <dgm:linClrLst meth="repeat">
+      <a:schemeClr val="lt1"/>
+    </dgm:linClrLst>
+    <dgm:effectClrLst/>
+    <dgm:txLinClrLst/>
+    <dgm:txFillClrLst/>
+    <dgm:txEffectClrLst/>
+  </dgm:styleLbl>
+  <dgm:styleLbl name="parChTrans2D1">
+    <dgm:fillClrLst meth="repeat">
+      <a:schemeClr val="accent1">
+        <a:tint val="60000"/>
+      </a:schemeClr>
+    </dgm:fillClrLst>
+    <dgm:linClrLst meth="repeat">
+      <a:schemeClr val="accent1">
+        <a:tint val="60000"/>
+      </a:schemeClr>
+    </dgm:linClrLst>
+    <dgm:effectClrLst/>
+    <dgm:txLinClrLst/>
+    <dgm:txFillClrLst meth="repeat">
+      <a:schemeClr val="lt1"/>
+    </dgm:txFillClrLst>
+    <dgm:txEffectClrLst/>
+  </dgm:styleLbl>
+  <dgm:styleLbl name="parChTrans2D2">
+    <dgm:fillClrLst meth="repeat">
+      <a:schemeClr val="accent1"/>
+    </dgm:fillClrLst>
+    <dgm:linClrLst meth="repeat">
+      <a:schemeClr val="accent1"/>
+    </dgm:linClrLst>
+    <dgm:effectClrLst/>
+    <dgm:txLinClrLst/>
+    <dgm:txFillClrLst meth="repeat">
+      <a:schemeClr val="lt1"/>
+    </dgm:txFillClrLst>
+    <dgm:txEffectClrLst/>
+  </dgm:styleLbl>
+  <dgm:styleLbl name="parChTrans2D3">
+    <dgm:fillClrLst meth="repeat">
+      <a:schemeClr val="accent1"/>
+    </dgm:fillClrLst>
+    <dgm:linClrLst meth="repeat">
+      <a:schemeClr val="accent1"/>
+    </dgm:linClrLst>
+    <dgm:effectClrLst/>
+    <dgm:txLinClrLst/>
+    <dgm:txFillClrLst meth="repeat">
+      <a:schemeClr val="lt1"/>
+    </dgm:txFillClrLst>
+    <dgm:txEffectClrLst/>
+  </dgm:styleLbl>
+  <dgm:styleLbl name="parChTrans2D4">
+    <dgm:fillClrLst meth="repeat">
+      <a:schemeClr val="accent1"/>
+    </dgm:fillClrLst>
+    <dgm:linClrLst meth="repeat">
+      <a:schemeClr val="accent1"/>
+    </dgm:linClrLst>
+    <dgm:effectClrLst/>
+    <dgm:txLinClrLst/>
+    <dgm:txFillClrLst meth="repeat">
+      <a:schemeClr val="lt1"/>
+    </dgm:txFillClrLst>
+    <dgm:txEffectClrLst/>
+  </dgm:styleLbl>
+  <dgm:styleLbl name="parChTrans1D1">
+    <dgm:fillClrLst meth="repeat">
+      <a:schemeClr val="accent1"/>
+    </dgm:fillClrLst>
+    <dgm:linClrLst meth="repeat">
+      <a:schemeClr val="accent1">
+        <a:shade val="60000"/>
+      </a:schemeClr>
+    </dgm:linClrLst>
+    <dgm:effectClrLst/>
+    <dgm:txLinClrLst/>
+    <dgm:txFillClrLst meth="repeat">
+      <a:schemeClr val="tx1"/>
+    </dgm:txFillClrLst>
+    <dgm:txEffectClrLst/>
+  </dgm:styleLbl>
+  <dgm:styleLbl name="parChTrans1D2">
+    <dgm:fillClrLst meth="repeat">
+      <a:schemeClr val="accent1"/>
+    </dgm:fillClrLst>
+    <dgm:linClrLst meth="repeat">
+      <a:schemeClr val="accent1">
+        <a:shade val="60000"/>
+      </a:schemeClr>
+    </dgm:linClrLst>
+    <dgm:effectClrLst/>
+    <dgm:txLinClrLst/>
+    <dgm:txFillClrLst meth="repeat">
+      <a:schemeClr val="tx1"/>
+    </dgm:txFillClrLst>
+    <dgm:txEffectClrLst/>
+  </dgm:styleLbl>
+  <dgm:styleLbl name="parChTrans1D3">
+    <dgm:fillClrLst meth="repeat">
+      <a:schemeClr val="accent1"/>
+    </dgm:fillClrLst>
+    <dgm:linClrLst meth="repeat">
+      <a:schemeClr val="accent1">
+        <a:shade val="80000"/>
+      </a:schemeClr>
+    </dgm:linClrLst>
+    <dgm:effectClrLst/>
+    <dgm:txLinClrLst/>
+    <dgm:txFillClrLst meth="repeat">
+      <a:schemeClr val="tx1"/>
+    </dgm:txFillClrLst>
+    <dgm:txEffectClrLst/>
+  </dgm:styleLbl>
+  <dgm:styleLbl name="parChTrans1D4">
+    <dgm:fillClrLst meth="repeat">
+      <a:schemeClr val="accent1"/>
+    </dgm:fillClrLst>
+    <dgm:linClrLst meth="repeat">
+      <a:schemeClr val="accent1">
+        <a:shade val="80000"/>
+      </a:schemeClr>
+    </dgm:linClrLst>
+    <dgm:effectClrLst/>
+    <dgm:txLinClrLst/>
+    <dgm:txFillClrLst meth="repeat">
+      <a:schemeClr val="tx1"/>
+    </dgm:txFillClrLst>
+    <dgm:txEffectClrLst/>
+  </dgm:styleLbl>
+  <dgm:styleLbl name="fgAcc1">
+    <dgm:fillClrLst meth="repeat">
+      <a:schemeClr val="lt1">
+        <a:alpha val="90000"/>
+      </a:schemeClr>
+    </dgm:fillClrLst>
+    <dgm:linClrLst meth="repeat">
+      <a:schemeClr val="accent1"/>
+    </dgm:linClrLst>
+    <dgm:effectClrLst/>
+    <dgm:txLinClrLst/>
+    <dgm:txFillClrLst meth="repeat">
+      <a:schemeClr val="dk1"/>
+    </dgm:txFillClrLst>
+    <dgm:txEffectClrLst/>
+  </dgm:styleLbl>
+  <dgm:styleLbl name="conFgAcc1">
+    <dgm:fillClrLst meth="repeat">
+      <a:schemeClr val="lt1">
+        <a:alpha val="90000"/>
+      </a:schemeClr>
+    </dgm:fillClrLst>
+    <dgm:linClrLst meth="repeat">
+      <a:schemeClr val="accent1"/>
+    </dgm:linClrLst>
+    <dgm:effectClrLst/>
+    <dgm:txLinClrLst/>
+    <dgm:txFillClrLst meth="repeat">
+      <a:schemeClr val="dk1"/>
+    </dgm:txFillClrLst>
+    <dgm:txEffectClrLst/>
+  </dgm:styleLbl>
+  <dgm:styleLbl name="alignAcc1">
+    <dgm:fillClrLst meth="repeat">
+      <a:schemeClr val="lt1">
+        <a:alpha val="90000"/>
+      </a:schemeClr>
+    </dgm:fillClrLst>
+    <dgm:linClrLst meth="repeat">
+      <a:schemeClr val="accent1"/>
+    </dgm:linClrLst>
+    <dgm:effectClrLst/>
+    <dgm:txLinClrLst/>
+    <dgm:txFillClrLst meth="repeat">
+      <a:schemeClr val="dk1"/>
+    </dgm:txFillClrLst>
+    <dgm:txEffectClrLst/>
+  </dgm:styleLbl>
+  <dgm:styleLbl name="trAlignAcc1">
+    <dgm:fillClrLst meth="repeat">
+      <a:schemeClr val="lt1">
+        <a:alpha val="40000"/>
+      </a:schemeClr>
+    </dgm:fillClrLst>
+    <dgm:linClrLst meth="repeat">
+      <a:schemeClr val="accent1"/>
+    </dgm:linClrLst>
+    <dgm:effectClrLst/>
+    <dgm:txLinClrLst/>
+    <dgm:txFillClrLst meth="repeat">
+      <a:schemeClr val="dk1"/>
+    </dgm:txFillClrLst>
+    <dgm:txEffectClrLst/>
+  </dgm:styleLbl>
+  <dgm:styleLbl name="bgAcc1">
+    <dgm:fillClrLst meth="repeat">
+      <a:schemeClr val="lt1">
+        <a:alpha val="90000"/>
+      </a:schemeClr>
+    </dgm:fillClrLst>
+    <dgm:linClrLst meth="repeat">
+      <a:schemeClr val="accent1"/>
+    </dgm:linClrLst>
+    <dgm:effectClrLst/>
+    <dgm:txLinClrLst/>
+    <dgm:txFillClrLst meth="repeat">
+      <a:schemeClr val="dk1"/>
+    </dgm:txFillClrLst>
+    <dgm:txEffectClrLst/>
+  </dgm:styleLbl>
+  <dgm:styleLbl name="solidFgAcc1">
+    <dgm:fillClrLst meth="repeat">
+      <a:schemeClr val="lt1"/>
+    </dgm:fillClrLst>
+    <dgm:linClrLst meth="repeat">
+      <a:schemeClr val="accent1"/>
+    </dgm:linClrLst>
+    <dgm:effectClrLst/>
+    <dgm:txLinClrLst/>
+    <dgm:txFillClrLst meth="repeat">
+      <a:schemeClr val="dk1"/>
+    </dgm:txFillClrLst>
+    <dgm:txEffectClrLst/>
+  </dgm:styleLbl>
+  <dgm:styleLbl name="solidAlignAcc1">
+    <dgm:fillClrLst meth="repeat">
+      <a:schemeClr val="lt1"/>
+    </dgm:fillClrLst>
+    <dgm:linClrLst meth="repeat">
+      <a:schemeClr val="accent1"/>
+    </dgm:linClrLst>
+    <dgm:effectClrLst/>
+    <dgm:txLinClrLst/>
+    <dgm:txFillClrLst meth="repeat">
+      <a:schemeClr val="dk1"/>
+    </dgm:txFillClrLst>
+    <dgm:txEffectClrLst/>
+  </dgm:styleLbl>
+  <dgm:styleLbl name="solidBgAcc1">
+    <dgm:fillClrLst meth="repeat">
+      <a:schemeClr val="lt1"/>
+    </dgm:fillClrLst>
+    <dgm:linClrLst meth="repeat">
+      <a:schemeClr val="accent1"/>
+    </dgm:linClrLst>
+    <dgm:effectClrLst/>
+    <dgm:txLinClrLst/>
+    <dgm:txFillClrLst meth="repeat">
+      <a:schemeClr val="dk1"/>
+    </dgm:txFillClrLst>
+    <dgm:txEffectClrLst/>
+  </dgm:styleLbl>
+  <dgm:styleLbl name="fgAccFollowNode1">
+    <dgm:fillClrLst meth="repeat">
+      <a:schemeClr val="accent1">
+        <a:alpha val="90000"/>
+        <a:tint val="40000"/>
+      </a:schemeClr>
+    </dgm:fillClrLst>
+    <dgm:linClrLst meth="repeat">
+      <a:schemeClr val="accent1">
+        <a:alpha val="90000"/>
+        <a:tint val="40000"/>
+      </a:schemeClr>
+    </dgm:linClrLst>
+    <dgm:effectClrLst/>
+    <dgm:txLinClrLst/>
+    <dgm:txFillClrLst meth="repeat">
+      <a:schemeClr val="dk1"/>
+    </dgm:txFillClrLst>
+    <dgm:txEffectClrLst/>
+  </dgm:styleLbl>
+  <dgm:styleLbl name="alignAccFollowNode1">
+    <dgm:fillClrLst meth="repeat">
+      <a:schemeClr val="accent1">
+        <a:alpha val="90000"/>
+        <a:tint val="40000"/>
+      </a:schemeClr>
+    </dgm:fillClrLst>
+    <dgm:linClrLst meth="repeat">
+      <a:schemeClr val="accent1">
+        <a:alpha val="90000"/>
+        <a:tint val="40000"/>
+      </a:schemeClr>
+    </dgm:linClrLst>
+    <dgm:effectClrLst/>
+    <dgm:txLinClrLst/>
+    <dgm:txFillClrLst meth="repeat">
+      <a:schemeClr val="dk1"/>
+    </dgm:txFillClrLst>
+    <dgm:txEffectClrLst/>
+  </dgm:styleLbl>
+  <dgm:styleLbl name="bgAccFollowNode1">
+    <dgm:fillClrLst meth="repeat">
+      <a:schemeClr val="accent1">
+        <a:alpha val="90000"/>
+        <a:tint val="40000"/>
+      </a:schemeClr>
+    </dgm:fillClrLst>
+    <dgm:linClrLst meth="repeat">
+      <a:schemeClr val="accent1">
+        <a:alpha val="90000"/>
+        <a:tint val="40000"/>
+      </a:schemeClr>
+    </dgm:linClrLst>
+    <dgm:effectClrLst/>
+    <dgm:txLinClrLst/>
+    <dgm:txFillClrLst meth="repeat">
+      <a:schemeClr val="dk1"/>
+    </dgm:txFillClrLst>
+    <dgm:txEffectClrLst/>
+  </dgm:styleLbl>
+  <dgm:styleLbl name="fgAcc0">
+    <dgm:fillClrLst meth="repeat">
+      <a:schemeClr val="lt1">
+        <a:alpha val="90000"/>
+      </a:schemeClr>
+    </dgm:fillClrLst>
+    <dgm:linClrLst meth="repeat">
+      <a:schemeClr val="accent1"/>
+    </dgm:linClrLst>
+    <dgm:effectClrLst/>
+    <dgm:txLinClrLst/>
+    <dgm:txFillClrLst meth="repeat">
+      <a:schemeClr val="dk1"/>
+    </dgm:txFillClrLst>
+    <dgm:txEffectClrLst/>
+  </dgm:styleLbl>
+  <dgm:styleLbl name="fgAcc2">
+    <dgm:fillClrLst meth="repeat">
+      <a:schemeClr val="lt1">
+        <a:alpha val="90000"/>
+      </a:schemeClr>
+    </dgm:fillClrLst>
+    <dgm:linClrLst meth="repeat">
+      <a:schemeClr val="accent1"/>
+    </dgm:linClrLst>
+    <dgm:effectClrLst/>
+    <dgm:txLinClrLst/>
+    <dgm:txFillClrLst meth="repeat">
+      <a:schemeClr val="dk1"/>
+    </dgm:txFillClrLst>
+    <dgm:txEffectClrLst/>
+  </dgm:styleLbl>
+  <dgm:styleLbl name="fgAcc3">
+    <dgm:fillClrLst meth="repeat">
+      <a:schemeClr val="lt1">
+        <a:alpha val="90000"/>
+      </a:schemeClr>
+    </dgm:fillClrLst>
+    <dgm:linClrLst meth="repeat">
+      <a:schemeClr val="accent1"/>
+    </dgm:linClrLst>
+    <dgm:effectClrLst/>
+    <dgm:txLinClrLst/>
+    <dgm:txFillClrLst meth="repeat">
+      <a:schemeClr val="dk1"/>
+    </dgm:txFillClrLst>
+    <dgm:txEffectClrLst/>
+  </dgm:styleLbl>
+  <dgm:styleLbl name="fgAcc4">
+    <dgm:fillClrLst meth="repeat">
+      <a:schemeClr val="lt1">
+        <a:alpha val="90000"/>
+      </a:schemeClr>
+    </dgm:fillClrLst>
+    <dgm:linClrLst meth="repeat">
+      <a:schemeClr val="accent1"/>
+    </dgm:linClrLst>
+    <dgm:effectClrLst/>
+    <dgm:txLinClrLst/>
+    <dgm:txFillClrLst meth="repeat">
+      <a:schemeClr val="dk1"/>
+    </dgm:txFillClrLst>
+    <dgm:txEffectClrLst/>
+  </dgm:styleLbl>
+  <dgm:styleLbl name="bgShp">
+    <dgm:fillClrLst meth="repeat">
+      <a:schemeClr val="accent1">
+        <a:tint val="40000"/>
+      </a:schemeClr>
+    </dgm:fillClrLst>
+    <dgm:linClrLst meth="repeat">
+      <a:schemeClr val="accent1"/>
+    </dgm:linClrLst>
+    <dgm:effectClrLst/>
+    <dgm:txLinClrLst/>
+    <dgm:txFillClrLst meth="repeat">
+      <a:schemeClr val="dk1"/>
+    </dgm:txFillClrLst>
+    <dgm:txEffectClrLst/>
+  </dgm:styleLbl>
+  <dgm:styleLbl name="dkBgShp">
+    <dgm:fillClrLst meth="repeat">
+      <a:schemeClr val="accent1">
+        <a:shade val="80000"/>
+      </a:schemeClr>
+    </dgm:fillClrLst>
+    <dgm:linClrLst meth="repeat">
+      <a:schemeClr val="accent1"/>
+    </dgm:linClrLst>
+    <dgm:effectClrLst/>
+    <dgm:txLinClrLst/>
+    <dgm:txFillClrLst meth="repeat">
+      <a:schemeClr val="lt1"/>
+    </dgm:txFillClrLst>
+    <dgm:txEffectClrLst/>
+  </dgm:styleLbl>
+  <dgm:styleLbl name="trBgShp">
+    <dgm:fillClrLst meth="repeat">
+      <a:schemeClr val="accent1">
+        <a:tint val="50000"/>
+        <a:alpha val="40000"/>
+      </a:schemeClr>
+    </dgm:fillClrLst>
+    <dgm:linClrLst meth="repeat">
+      <a:schemeClr val="accent1"/>
+    </dgm:linClrLst>
+    <dgm:effectClrLst/>
+    <dgm:txLinClrLst/>
+    <dgm:txFillClrLst meth="repeat">
+      <a:schemeClr val="lt1"/>
+    </dgm:txFillClrLst>
+    <dgm:txEffectClrLst/>
+  </dgm:styleLbl>
+  <dgm:styleLbl name="fgShp">
+    <dgm:fillClrLst meth="repeat">
+      <a:schemeClr val="accent1">
+        <a:tint val="60000"/>
+      </a:schemeClr>
+    </dgm:fillClrLst>
+    <dgm:linClrLst meth="repeat">
+      <a:schemeClr val="lt1"/>
+    </dgm:linClrLst>
+    <dgm:effectClrLst/>
+    <dgm:txLinClrLst/>
+    <dgm:txFillClrLst meth="repeat">
+      <a:schemeClr val="dk1"/>
+    </dgm:txFillClrLst>
+    <dgm:txEffectClrLst/>
+  </dgm:styleLbl>
+  <dgm:styleLbl name="revTx">
+    <dgm:fillClrLst meth="repeat">
+      <a:schemeClr val="lt1">
+        <a:alpha val="0"/>
+      </a:schemeClr>
+    </dgm:fillClrLst>
+    <dgm:linClrLst meth="repeat">
+      <a:schemeClr val="dk1">
+        <a:alpha val="0"/>
+      </a:schemeClr>
+    </dgm:linClrLst>
+    <dgm:effectClrLst/>
+    <dgm:txLinClrLst/>
+    <dgm:txFillClrLst meth="repeat">
+      <a:schemeClr val="tx1"/>
+    </dgm:txFillClrLst>
+    <dgm:txEffectClrLst/>
+  </dgm:styleLbl>
+</dgm:colorsDef>
+</file>
+
+<file path=ppt/diagrams/colors2.xml><?xml version="1.0" encoding="utf-8"?>
 <dgm:colorsDef xmlns:dgm="http://schemas.openxmlformats.org/drawingml/2006/diagram" xmlns:a="http://schemas.openxmlformats.org/drawingml/2006/main" uniqueId="urn:microsoft.com/office/officeart/2005/8/colors/accent1_2">
   <dgm:title val=""/>
   <dgm:desc val=""/>
@@ -1214,6 +1961,1092 @@
 </dgm:dataModel>
 </file>
 
+<file path=ppt/diagrams/data2.xml><?xml version="1.0" encoding="utf-8"?>
+<dgm:dataModel xmlns:dgm="http://schemas.openxmlformats.org/drawingml/2006/diagram" xmlns:a="http://schemas.openxmlformats.org/drawingml/2006/main">
+  <dgm:ptLst>
+    <dgm:pt modelId="{EC4D4050-3272-4C44-ACAC-B9169C069404}" type="doc">
+      <dgm:prSet loTypeId="urn:microsoft.com/office/officeart/2005/8/layout/vList5" loCatId="list" qsTypeId="urn:microsoft.com/office/officeart/2005/8/quickstyle/simple1" qsCatId="simple" csTypeId="urn:microsoft.com/office/officeart/2005/8/colors/accent1_2" csCatId="accent1" phldr="1"/>
+      <dgm:spPr/>
+      <dgm:t>
+        <a:bodyPr/>
+        <a:lstStyle/>
+        <a:p>
+          <a:endParaRPr lang="es-AR"/>
+        </a:p>
+      </dgm:t>
+    </dgm:pt>
+    <dgm:pt modelId="{ED87D1A3-FF2D-483F-B8E1-29B2A964EFC3}">
+      <dgm:prSet/>
+      <dgm:spPr/>
+      <dgm:t>
+        <a:bodyPr/>
+        <a:lstStyle/>
+        <a:p>
+          <a:pPr rtl="0"/>
+          <a:r>
+            <a:rPr lang="es-ES_tradnl" dirty="0" smtClean="0"/>
+            <a:t>Arquitecto / </a:t>
+          </a:r>
+          <a:r>
+            <a:rPr lang="es-ES_tradnl" dirty="0" err="1" smtClean="0"/>
+            <a:t>Lider</a:t>
+          </a:r>
+          <a:r>
+            <a:rPr lang="es-ES_tradnl" dirty="0" smtClean="0"/>
+            <a:t> </a:t>
+          </a:r>
+          <a:endParaRPr lang="es-AR" dirty="0"/>
+        </a:p>
+      </dgm:t>
+    </dgm:pt>
+    <dgm:pt modelId="{94CDA8F1-C108-4EF1-B4C3-DCCE3E0FA4A1}" type="parTrans" cxnId="{2A2A9C6E-C900-49D0-B937-46455D405AA9}">
+      <dgm:prSet/>
+      <dgm:spPr/>
+      <dgm:t>
+        <a:bodyPr/>
+        <a:lstStyle/>
+        <a:p>
+          <a:endParaRPr lang="es-AR"/>
+        </a:p>
+      </dgm:t>
+    </dgm:pt>
+    <dgm:pt modelId="{F3DA5352-1AFD-40F5-9629-A3635F9F56EE}" type="sibTrans" cxnId="{2A2A9C6E-C900-49D0-B937-46455D405AA9}">
+      <dgm:prSet/>
+      <dgm:spPr/>
+      <dgm:t>
+        <a:bodyPr/>
+        <a:lstStyle/>
+        <a:p>
+          <a:endParaRPr lang="es-AR"/>
+        </a:p>
+      </dgm:t>
+    </dgm:pt>
+    <dgm:pt modelId="{9794F353-7992-4040-B3A8-7FDB7F7F260B}">
+      <dgm:prSet/>
+      <dgm:spPr/>
+      <dgm:t>
+        <a:bodyPr/>
+        <a:lstStyle/>
+        <a:p>
+          <a:pPr rtl="0"/>
+          <a:r>
+            <a:rPr lang="es-ES_tradnl" dirty="0" smtClean="0"/>
+            <a:t>Crear y configurar el ambiente para que los desarrolladores puedan realizar sus tareas.</a:t>
+          </a:r>
+          <a:endParaRPr lang="es-AR" dirty="0"/>
+        </a:p>
+      </dgm:t>
+    </dgm:pt>
+    <dgm:pt modelId="{D87F7843-E41B-431E-87B0-A4A8E26D3A3D}" type="parTrans" cxnId="{A2FEB6C6-A903-4FEB-9DDB-3D4EE53BADBA}">
+      <dgm:prSet/>
+      <dgm:spPr/>
+      <dgm:t>
+        <a:bodyPr/>
+        <a:lstStyle/>
+        <a:p>
+          <a:endParaRPr lang="es-AR"/>
+        </a:p>
+      </dgm:t>
+    </dgm:pt>
+    <dgm:pt modelId="{FF2D297D-362B-4EE5-ACE9-6087D76CD41B}" type="sibTrans" cxnId="{A2FEB6C6-A903-4FEB-9DDB-3D4EE53BADBA}">
+      <dgm:prSet/>
+      <dgm:spPr/>
+      <dgm:t>
+        <a:bodyPr/>
+        <a:lstStyle/>
+        <a:p>
+          <a:endParaRPr lang="es-AR"/>
+        </a:p>
+      </dgm:t>
+    </dgm:pt>
+    <dgm:pt modelId="{2E1B8F2D-76BA-4D44-AB17-B28A2F2701D8}">
+      <dgm:prSet/>
+      <dgm:spPr/>
+      <dgm:t>
+        <a:bodyPr/>
+        <a:lstStyle/>
+        <a:p>
+          <a:pPr rtl="0"/>
+          <a:r>
+            <a:rPr lang="es-ES_tradnl" dirty="0" err="1" smtClean="0"/>
+            <a:t>It</a:t>
+          </a:r>
+          <a:r>
+            <a:rPr lang="es-ES_tradnl" dirty="0" smtClean="0"/>
+            <a:t> </a:t>
+          </a:r>
+          <a:endParaRPr lang="es-AR" dirty="0"/>
+        </a:p>
+      </dgm:t>
+    </dgm:pt>
+    <dgm:pt modelId="{0C18A0A8-0800-4BDA-92AB-A9C1A2EEFCCA}" type="parTrans" cxnId="{791E1EA1-A77B-4924-9414-2D4262673D62}">
+      <dgm:prSet/>
+      <dgm:spPr/>
+      <dgm:t>
+        <a:bodyPr/>
+        <a:lstStyle/>
+        <a:p>
+          <a:endParaRPr lang="es-AR"/>
+        </a:p>
+      </dgm:t>
+    </dgm:pt>
+    <dgm:pt modelId="{5B939842-1244-4CAC-B2BE-32F3CA262929}" type="sibTrans" cxnId="{791E1EA1-A77B-4924-9414-2D4262673D62}">
+      <dgm:prSet/>
+      <dgm:spPr/>
+      <dgm:t>
+        <a:bodyPr/>
+        <a:lstStyle/>
+        <a:p>
+          <a:endParaRPr lang="es-AR"/>
+        </a:p>
+      </dgm:t>
+    </dgm:pt>
+    <dgm:pt modelId="{C1A529C7-CF65-4E0B-B5B6-7332A06FEFD2}">
+      <dgm:prSet/>
+      <dgm:spPr/>
+      <dgm:t>
+        <a:bodyPr/>
+        <a:lstStyle/>
+        <a:p>
+          <a:pPr rtl="0"/>
+          <a:r>
+            <a:rPr lang="es-ES_tradnl" dirty="0" smtClean="0"/>
+            <a:t>Instalar, configurar y mantener el ambiente de desarrollo (</a:t>
+          </a:r>
+          <a:r>
+            <a:rPr lang="es-ES_tradnl" dirty="0" err="1" smtClean="0"/>
+            <a:t>Respositorio</a:t>
+          </a:r>
+          <a:r>
+            <a:rPr lang="es-ES_tradnl" dirty="0" smtClean="0"/>
+            <a:t>, Wiki, </a:t>
+          </a:r>
+          <a:r>
+            <a:rPr lang="es-ES_tradnl" dirty="0" err="1" smtClean="0"/>
+            <a:t>Issue</a:t>
+          </a:r>
+          <a:r>
+            <a:rPr lang="es-ES_tradnl" dirty="0" smtClean="0"/>
+            <a:t> </a:t>
+          </a:r>
+          <a:r>
+            <a:rPr lang="es-ES_tradnl" dirty="0" err="1" smtClean="0"/>
+            <a:t>Tracker</a:t>
+          </a:r>
+          <a:r>
+            <a:rPr lang="es-ES_tradnl" dirty="0" smtClean="0"/>
+            <a:t>)</a:t>
+          </a:r>
+          <a:endParaRPr lang="es-AR" dirty="0"/>
+        </a:p>
+      </dgm:t>
+    </dgm:pt>
+    <dgm:pt modelId="{1275A983-8C38-4D84-A6EE-A04E7D818A6B}" type="parTrans" cxnId="{DE769130-3C76-42D1-8B36-C7D10C8E095B}">
+      <dgm:prSet/>
+      <dgm:spPr/>
+      <dgm:t>
+        <a:bodyPr/>
+        <a:lstStyle/>
+        <a:p>
+          <a:endParaRPr lang="es-AR"/>
+        </a:p>
+      </dgm:t>
+    </dgm:pt>
+    <dgm:pt modelId="{CB39386F-F750-40FB-A9C2-D164BB9C0C5B}" type="sibTrans" cxnId="{DE769130-3C76-42D1-8B36-C7D10C8E095B}">
+      <dgm:prSet/>
+      <dgm:spPr/>
+      <dgm:t>
+        <a:bodyPr/>
+        <a:lstStyle/>
+        <a:p>
+          <a:endParaRPr lang="es-AR"/>
+        </a:p>
+      </dgm:t>
+    </dgm:pt>
+    <dgm:pt modelId="{70B139D8-76E3-4829-A061-AE9DA4CA8E61}">
+      <dgm:prSet/>
+      <dgm:spPr/>
+      <dgm:t>
+        <a:bodyPr/>
+        <a:lstStyle/>
+        <a:p>
+          <a:pPr rtl="0"/>
+          <a:r>
+            <a:rPr lang="es-ES_tradnl" dirty="0" smtClean="0"/>
+            <a:t>Programador Junior </a:t>
+          </a:r>
+          <a:endParaRPr lang="es-AR" dirty="0"/>
+        </a:p>
+      </dgm:t>
+    </dgm:pt>
+    <dgm:pt modelId="{54CB2CB4-FEB7-444B-AE28-13844C324582}" type="parTrans" cxnId="{5C4E5F6B-1843-4C16-B8EF-B5E0833E1748}">
+      <dgm:prSet/>
+      <dgm:spPr/>
+      <dgm:t>
+        <a:bodyPr/>
+        <a:lstStyle/>
+        <a:p>
+          <a:endParaRPr lang="es-AR"/>
+        </a:p>
+      </dgm:t>
+    </dgm:pt>
+    <dgm:pt modelId="{EF38F369-83B7-44D2-914A-F2BF27BC0BF8}" type="sibTrans" cxnId="{5C4E5F6B-1843-4C16-B8EF-B5E0833E1748}">
+      <dgm:prSet/>
+      <dgm:spPr/>
+      <dgm:t>
+        <a:bodyPr/>
+        <a:lstStyle/>
+        <a:p>
+          <a:endParaRPr lang="es-AR"/>
+        </a:p>
+      </dgm:t>
+    </dgm:pt>
+    <dgm:pt modelId="{F9105FDE-30A3-4BE8-A29C-CF5FAD10BFBF}">
+      <dgm:prSet/>
+      <dgm:spPr/>
+      <dgm:t>
+        <a:bodyPr/>
+        <a:lstStyle/>
+        <a:p>
+          <a:pPr rtl="0"/>
+          <a:r>
+            <a:rPr lang="es-ES_tradnl" dirty="0" smtClean="0"/>
+            <a:t>Proveer los ABM de la aplicación y aquellas partes con bajo nivel de dificultad de programación</a:t>
+          </a:r>
+          <a:endParaRPr lang="es-AR" dirty="0"/>
+        </a:p>
+      </dgm:t>
+    </dgm:pt>
+    <dgm:pt modelId="{8917D34B-BBFC-4ADC-91C0-F5B8299F938E}" type="parTrans" cxnId="{736DD9DA-6AA5-4BE7-B854-615D66A98AF2}">
+      <dgm:prSet/>
+      <dgm:spPr/>
+      <dgm:t>
+        <a:bodyPr/>
+        <a:lstStyle/>
+        <a:p>
+          <a:endParaRPr lang="es-AR"/>
+        </a:p>
+      </dgm:t>
+    </dgm:pt>
+    <dgm:pt modelId="{956F1574-9F9A-4965-ABBC-A43137D4B334}" type="sibTrans" cxnId="{736DD9DA-6AA5-4BE7-B854-615D66A98AF2}">
+      <dgm:prSet/>
+      <dgm:spPr/>
+      <dgm:t>
+        <a:bodyPr/>
+        <a:lstStyle/>
+        <a:p>
+          <a:endParaRPr lang="es-AR"/>
+        </a:p>
+      </dgm:t>
+    </dgm:pt>
+    <dgm:pt modelId="{716D5D5F-CE10-4B1A-8644-5774373069AA}">
+      <dgm:prSet/>
+      <dgm:spPr/>
+      <dgm:t>
+        <a:bodyPr/>
+        <a:lstStyle/>
+        <a:p>
+          <a:pPr rtl="0"/>
+          <a:r>
+            <a:rPr lang="es-ES_tradnl" dirty="0" smtClean="0"/>
+            <a:t>Programador </a:t>
+          </a:r>
+          <a:r>
+            <a:rPr lang="es-ES_tradnl" dirty="0" err="1" smtClean="0"/>
+            <a:t>SemiSenior</a:t>
+          </a:r>
+          <a:r>
+            <a:rPr lang="es-ES_tradnl" dirty="0" smtClean="0"/>
+            <a:t> </a:t>
+          </a:r>
+          <a:endParaRPr lang="es-AR" dirty="0"/>
+        </a:p>
+      </dgm:t>
+    </dgm:pt>
+    <dgm:pt modelId="{CBBC06FC-3F40-496B-908A-EA6842B53A9B}" type="parTrans" cxnId="{5F1F76DD-AD8E-4F53-B0A3-85681E3D6551}">
+      <dgm:prSet/>
+      <dgm:spPr/>
+      <dgm:t>
+        <a:bodyPr/>
+        <a:lstStyle/>
+        <a:p>
+          <a:endParaRPr lang="es-AR"/>
+        </a:p>
+      </dgm:t>
+    </dgm:pt>
+    <dgm:pt modelId="{0FD8B018-7A4F-484E-A74F-2F7287D5E9BB}" type="sibTrans" cxnId="{5F1F76DD-AD8E-4F53-B0A3-85681E3D6551}">
+      <dgm:prSet/>
+      <dgm:spPr/>
+      <dgm:t>
+        <a:bodyPr/>
+        <a:lstStyle/>
+        <a:p>
+          <a:endParaRPr lang="es-AR"/>
+        </a:p>
+      </dgm:t>
+    </dgm:pt>
+    <dgm:pt modelId="{3EE6C4F2-4F3F-42A7-9593-7B9CBE58478E}">
+      <dgm:prSet/>
+      <dgm:spPr/>
+      <dgm:t>
+        <a:bodyPr/>
+        <a:lstStyle/>
+        <a:p>
+          <a:pPr rtl="0"/>
+          <a:r>
+            <a:rPr lang="es-ES_tradnl" dirty="0" smtClean="0"/>
+            <a:t>Se le asignaran principalmente las interfaces de usuario. </a:t>
+          </a:r>
+          <a:r>
+            <a:rPr lang="es-ES_tradnl" dirty="0" err="1" smtClean="0"/>
+            <a:t>Debera</a:t>
+          </a:r>
+          <a:r>
+            <a:rPr lang="es-ES_tradnl" dirty="0" smtClean="0"/>
+            <a:t> ser el primer </a:t>
+          </a:r>
+          <a:r>
+            <a:rPr lang="es-ES_tradnl" dirty="0" err="1" smtClean="0"/>
+            <a:t>eslabon</a:t>
+          </a:r>
+          <a:r>
+            <a:rPr lang="es-ES_tradnl" dirty="0" smtClean="0"/>
+            <a:t> de consulta y ayuda para los niveles junior de </a:t>
+          </a:r>
+          <a:r>
+            <a:rPr lang="es-ES_tradnl" dirty="0" err="1" smtClean="0"/>
+            <a:t>seniority</a:t>
+          </a:r>
+          <a:r>
+            <a:rPr lang="es-ES_tradnl" dirty="0" smtClean="0"/>
+            <a:t>.</a:t>
+          </a:r>
+          <a:endParaRPr lang="es-AR" dirty="0"/>
+        </a:p>
+      </dgm:t>
+    </dgm:pt>
+    <dgm:pt modelId="{59E8910C-2F5E-42F5-ABE4-C910E1C292F1}" type="parTrans" cxnId="{755A310F-3D43-40B2-8CD8-0DBBAB84E804}">
+      <dgm:prSet/>
+      <dgm:spPr/>
+      <dgm:t>
+        <a:bodyPr/>
+        <a:lstStyle/>
+        <a:p>
+          <a:endParaRPr lang="es-AR"/>
+        </a:p>
+      </dgm:t>
+    </dgm:pt>
+    <dgm:pt modelId="{4EAEFACD-C5BE-4E68-9CB5-49E049F1849C}" type="sibTrans" cxnId="{755A310F-3D43-40B2-8CD8-0DBBAB84E804}">
+      <dgm:prSet/>
+      <dgm:spPr/>
+      <dgm:t>
+        <a:bodyPr/>
+        <a:lstStyle/>
+        <a:p>
+          <a:endParaRPr lang="es-AR"/>
+        </a:p>
+      </dgm:t>
+    </dgm:pt>
+    <dgm:pt modelId="{F725314F-0C2C-488D-98F4-00A3BF947963}">
+      <dgm:prSet/>
+      <dgm:spPr/>
+      <dgm:t>
+        <a:bodyPr/>
+        <a:lstStyle/>
+        <a:p>
+          <a:pPr rtl="0"/>
+          <a:r>
+            <a:rPr lang="es-ES_tradnl" dirty="0" smtClean="0"/>
+            <a:t>Programador </a:t>
+          </a:r>
+          <a:r>
+            <a:rPr lang="es-ES_tradnl" dirty="0" err="1" smtClean="0"/>
+            <a:t>Senior</a:t>
+          </a:r>
+          <a:endParaRPr lang="es-AR" dirty="0"/>
+        </a:p>
+      </dgm:t>
+    </dgm:pt>
+    <dgm:pt modelId="{DC169CC3-7D5C-4F17-BAB4-E71598E44124}" type="parTrans" cxnId="{F780BD62-09F5-40F3-BFB7-5DC3CFAB41BC}">
+      <dgm:prSet/>
+      <dgm:spPr/>
+      <dgm:t>
+        <a:bodyPr/>
+        <a:lstStyle/>
+        <a:p>
+          <a:endParaRPr lang="es-AR"/>
+        </a:p>
+      </dgm:t>
+    </dgm:pt>
+    <dgm:pt modelId="{B2564F53-17CA-407B-987D-467B58DA745C}" type="sibTrans" cxnId="{F780BD62-09F5-40F3-BFB7-5DC3CFAB41BC}">
+      <dgm:prSet/>
+      <dgm:spPr/>
+      <dgm:t>
+        <a:bodyPr/>
+        <a:lstStyle/>
+        <a:p>
+          <a:endParaRPr lang="es-AR"/>
+        </a:p>
+      </dgm:t>
+    </dgm:pt>
+    <dgm:pt modelId="{601816FA-AC67-4D7F-99D5-C140DAE8C959}">
+      <dgm:prSet/>
+      <dgm:spPr/>
+      <dgm:t>
+        <a:bodyPr/>
+        <a:lstStyle/>
+        <a:p>
+          <a:pPr rtl="0"/>
+          <a:r>
+            <a:rPr lang="es-ES_tradnl" dirty="0" err="1" smtClean="0"/>
+            <a:t>Estara</a:t>
+          </a:r>
+          <a:r>
+            <a:rPr lang="es-ES_tradnl" dirty="0" smtClean="0"/>
+            <a:t> abocado a la integración con el sistema STARS, </a:t>
+          </a:r>
+          <a:r>
+            <a:rPr lang="es-ES_tradnl" dirty="0" err="1" smtClean="0"/>
+            <a:t>modulos</a:t>
+          </a:r>
+          <a:r>
+            <a:rPr lang="es-ES_tradnl" dirty="0" smtClean="0"/>
+            <a:t> de administración y todas aquellas tareas las cuales por complejidad, excedan a los dos primeros niveles.</a:t>
+          </a:r>
+          <a:endParaRPr lang="es-AR" dirty="0"/>
+        </a:p>
+      </dgm:t>
+    </dgm:pt>
+    <dgm:pt modelId="{A4BA5497-7A08-4DDB-B872-0FBD8A6C8973}" type="parTrans" cxnId="{AEA69A85-5327-45B6-9BB9-C7B30E81E05A}">
+      <dgm:prSet/>
+      <dgm:spPr/>
+      <dgm:t>
+        <a:bodyPr/>
+        <a:lstStyle/>
+        <a:p>
+          <a:endParaRPr lang="es-AR"/>
+        </a:p>
+      </dgm:t>
+    </dgm:pt>
+    <dgm:pt modelId="{6040E499-C4E7-43CE-82EB-12955CE64216}" type="sibTrans" cxnId="{AEA69A85-5327-45B6-9BB9-C7B30E81E05A}">
+      <dgm:prSet/>
+      <dgm:spPr/>
+      <dgm:t>
+        <a:bodyPr/>
+        <a:lstStyle/>
+        <a:p>
+          <a:endParaRPr lang="es-AR"/>
+        </a:p>
+      </dgm:t>
+    </dgm:pt>
+    <dgm:pt modelId="{175837BB-6AFE-4043-8DEE-7E4FA72689B4}">
+      <dgm:prSet/>
+      <dgm:spPr/>
+      <dgm:t>
+        <a:bodyPr/>
+        <a:lstStyle/>
+        <a:p>
+          <a:pPr rtl="0"/>
+          <a:r>
+            <a:rPr lang="es-ES_tradnl" dirty="0" err="1" smtClean="0"/>
+            <a:t>Tester</a:t>
+          </a:r>
+          <a:r>
+            <a:rPr lang="es-ES_tradnl" dirty="0" smtClean="0"/>
+            <a:t> </a:t>
+          </a:r>
+          <a:endParaRPr lang="es-AR" dirty="0"/>
+        </a:p>
+      </dgm:t>
+    </dgm:pt>
+    <dgm:pt modelId="{A3CAE195-18E0-4333-8256-C24E968C9E48}" type="parTrans" cxnId="{56533584-8B8F-4C45-84E6-C2725975CD50}">
+      <dgm:prSet/>
+      <dgm:spPr/>
+      <dgm:t>
+        <a:bodyPr/>
+        <a:lstStyle/>
+        <a:p>
+          <a:endParaRPr lang="es-AR"/>
+        </a:p>
+      </dgm:t>
+    </dgm:pt>
+    <dgm:pt modelId="{864928FE-2848-48E2-B8E7-31432512C7DE}" type="sibTrans" cxnId="{56533584-8B8F-4C45-84E6-C2725975CD50}">
+      <dgm:prSet/>
+      <dgm:spPr/>
+      <dgm:t>
+        <a:bodyPr/>
+        <a:lstStyle/>
+        <a:p>
+          <a:endParaRPr lang="es-AR"/>
+        </a:p>
+      </dgm:t>
+    </dgm:pt>
+    <dgm:pt modelId="{639F4800-F426-46D6-A759-E0768CCD1271}">
+      <dgm:prSet/>
+      <dgm:spPr/>
+      <dgm:t>
+        <a:bodyPr/>
+        <a:lstStyle/>
+        <a:p>
+          <a:pPr rtl="0"/>
+          <a:r>
+            <a:rPr lang="es-ES_tradnl" dirty="0" smtClean="0"/>
+            <a:t>Desarrollar </a:t>
+          </a:r>
+          <a:r>
+            <a:rPr lang="es-ES_tradnl" dirty="0" err="1" smtClean="0"/>
+            <a:t>llos</a:t>
+          </a:r>
+          <a:r>
+            <a:rPr lang="es-ES_tradnl" dirty="0" smtClean="0"/>
+            <a:t> test cases para el software. </a:t>
+          </a:r>
+          <a:endParaRPr lang="es-AR" dirty="0"/>
+        </a:p>
+      </dgm:t>
+    </dgm:pt>
+    <dgm:pt modelId="{66BFFABF-E3DB-4654-AA1F-5A17ECF929F1}" type="parTrans" cxnId="{D6DF4B9F-0D97-4B01-8220-F5B354D9F888}">
+      <dgm:prSet/>
+      <dgm:spPr/>
+      <dgm:t>
+        <a:bodyPr/>
+        <a:lstStyle/>
+        <a:p>
+          <a:endParaRPr lang="es-AR"/>
+        </a:p>
+      </dgm:t>
+    </dgm:pt>
+    <dgm:pt modelId="{FE8768F6-1C71-48DA-A2C6-DB709FF51B6B}" type="sibTrans" cxnId="{D6DF4B9F-0D97-4B01-8220-F5B354D9F888}">
+      <dgm:prSet/>
+      <dgm:spPr/>
+      <dgm:t>
+        <a:bodyPr/>
+        <a:lstStyle/>
+        <a:p>
+          <a:endParaRPr lang="es-AR"/>
+        </a:p>
+      </dgm:t>
+    </dgm:pt>
+    <dgm:pt modelId="{6B50C81D-3F47-447E-B160-CB073BDEB9D4}">
+      <dgm:prSet/>
+      <dgm:spPr/>
+      <dgm:t>
+        <a:bodyPr/>
+        <a:lstStyle/>
+        <a:p>
+          <a:pPr rtl="0"/>
+          <a:r>
+            <a:rPr lang="es-ES_tradnl" dirty="0" smtClean="0"/>
+            <a:t>Crear/</a:t>
+          </a:r>
+          <a:r>
+            <a:rPr lang="es-ES_tradnl" dirty="0" err="1" smtClean="0"/>
+            <a:t>customizar</a:t>
+          </a:r>
+          <a:r>
+            <a:rPr lang="es-ES_tradnl" dirty="0" smtClean="0"/>
+            <a:t> </a:t>
+          </a:r>
+          <a:r>
+            <a:rPr lang="es-ES_tradnl" dirty="0" err="1" smtClean="0"/>
+            <a:t>frameworks</a:t>
+          </a:r>
+          <a:r>
+            <a:rPr lang="es-ES_tradnl" dirty="0" smtClean="0"/>
+            <a:t> necesarios para el desarrollo. </a:t>
+          </a:r>
+          <a:endParaRPr lang="es-AR" dirty="0"/>
+        </a:p>
+      </dgm:t>
+    </dgm:pt>
+    <dgm:pt modelId="{DFCDAB05-42C3-470C-BFBB-74388FEAD005}" type="parTrans" cxnId="{A387C2F1-EFBE-4233-8635-47BDC9786D11}">
+      <dgm:prSet/>
+      <dgm:spPr/>
+      <dgm:t>
+        <a:bodyPr/>
+        <a:lstStyle/>
+        <a:p>
+          <a:endParaRPr lang="es-AR"/>
+        </a:p>
+      </dgm:t>
+    </dgm:pt>
+    <dgm:pt modelId="{1ED6A928-707A-49A8-A642-E0430E862DEF}" type="sibTrans" cxnId="{A387C2F1-EFBE-4233-8635-47BDC9786D11}">
+      <dgm:prSet/>
+      <dgm:spPr/>
+      <dgm:t>
+        <a:bodyPr/>
+        <a:lstStyle/>
+        <a:p>
+          <a:endParaRPr lang="es-AR"/>
+        </a:p>
+      </dgm:t>
+    </dgm:pt>
+    <dgm:pt modelId="{9DA1FFA5-9816-4141-B012-B9A96E7FC549}">
+      <dgm:prSet/>
+      <dgm:spPr/>
+      <dgm:t>
+        <a:bodyPr/>
+        <a:lstStyle/>
+        <a:p>
+          <a:pPr rtl="0"/>
+          <a:r>
+            <a:rPr lang="es-ES_tradnl" dirty="0" smtClean="0"/>
+            <a:t>Líder de proyecto. Referente técnico para los desarrolladores, coordinar tareas. Seguimiento del desarrollo día a día.</a:t>
+          </a:r>
+          <a:endParaRPr lang="es-AR" dirty="0"/>
+        </a:p>
+      </dgm:t>
+    </dgm:pt>
+    <dgm:pt modelId="{1BA780BE-0175-4492-935D-A363BE8CCEF2}" type="parTrans" cxnId="{4546A432-BFAA-4B10-AB69-4007F79CD179}">
+      <dgm:prSet/>
+      <dgm:spPr/>
+      <dgm:t>
+        <a:bodyPr/>
+        <a:lstStyle/>
+        <a:p>
+          <a:endParaRPr lang="es-AR"/>
+        </a:p>
+      </dgm:t>
+    </dgm:pt>
+    <dgm:pt modelId="{C59919A9-7A14-4D7E-A88A-E809B7BB5F2E}" type="sibTrans" cxnId="{4546A432-BFAA-4B10-AB69-4007F79CD179}">
+      <dgm:prSet/>
+      <dgm:spPr/>
+      <dgm:t>
+        <a:bodyPr/>
+        <a:lstStyle/>
+        <a:p>
+          <a:endParaRPr lang="es-AR"/>
+        </a:p>
+      </dgm:t>
+    </dgm:pt>
+    <dgm:pt modelId="{C4B580C5-21ED-4752-BD28-3FEA30835B11}">
+      <dgm:prSet/>
+      <dgm:spPr/>
+      <dgm:t>
+        <a:bodyPr/>
+        <a:lstStyle/>
+        <a:p>
+          <a:pPr rtl="0"/>
+          <a:r>
+            <a:rPr lang="es-ES_tradnl" dirty="0" smtClean="0"/>
+            <a:t>Instalar y configurar el ambiente de producción. </a:t>
+          </a:r>
+          <a:endParaRPr lang="es-AR" dirty="0"/>
+        </a:p>
+      </dgm:t>
+    </dgm:pt>
+    <dgm:pt modelId="{5FC4AB37-16B6-4D24-8C6A-0C46B59B2B50}" type="parTrans" cxnId="{845A78B6-E2E2-4FF8-B1B2-6354924CA71E}">
+      <dgm:prSet/>
+      <dgm:spPr/>
+      <dgm:t>
+        <a:bodyPr/>
+        <a:lstStyle/>
+        <a:p>
+          <a:endParaRPr lang="es-AR"/>
+        </a:p>
+      </dgm:t>
+    </dgm:pt>
+    <dgm:pt modelId="{632DD4A9-FDE4-486F-B480-352170B4CAD4}" type="sibTrans" cxnId="{845A78B6-E2E2-4FF8-B1B2-6354924CA71E}">
+      <dgm:prSet/>
+      <dgm:spPr/>
+      <dgm:t>
+        <a:bodyPr/>
+        <a:lstStyle/>
+        <a:p>
+          <a:endParaRPr lang="es-AR"/>
+        </a:p>
+      </dgm:t>
+    </dgm:pt>
+    <dgm:pt modelId="{507E9B45-9707-49EF-95C8-EFAEC815AA20}">
+      <dgm:prSet/>
+      <dgm:spPr/>
+      <dgm:t>
+        <a:bodyPr/>
+        <a:lstStyle/>
+        <a:p>
+          <a:pPr rtl="0"/>
+          <a:r>
+            <a:rPr lang="es-ES_tradnl" dirty="0" smtClean="0"/>
+            <a:t>Llevar a cabo las pruebas. </a:t>
+          </a:r>
+          <a:endParaRPr lang="es-AR" dirty="0"/>
+        </a:p>
+      </dgm:t>
+    </dgm:pt>
+    <dgm:pt modelId="{A0FA32D2-A396-42D1-87AE-3ABE067758B5}" type="parTrans" cxnId="{E9457B98-CAC7-45B3-BD62-CAE6BC8F569C}">
+      <dgm:prSet/>
+      <dgm:spPr/>
+      <dgm:t>
+        <a:bodyPr/>
+        <a:lstStyle/>
+        <a:p>
+          <a:endParaRPr lang="es-AR"/>
+        </a:p>
+      </dgm:t>
+    </dgm:pt>
+    <dgm:pt modelId="{BD9E2C88-2AAF-4CF4-9BD2-42248E0016FB}" type="sibTrans" cxnId="{E9457B98-CAC7-45B3-BD62-CAE6BC8F569C}">
+      <dgm:prSet/>
+      <dgm:spPr/>
+      <dgm:t>
+        <a:bodyPr/>
+        <a:lstStyle/>
+        <a:p>
+          <a:endParaRPr lang="es-AR"/>
+        </a:p>
+      </dgm:t>
+    </dgm:pt>
+    <dgm:pt modelId="{F8F1AC93-0998-4579-8DFF-356BEDC5D398}">
+      <dgm:prSet/>
+      <dgm:spPr/>
+      <dgm:t>
+        <a:bodyPr/>
+        <a:lstStyle/>
+        <a:p>
+          <a:pPr rtl="0"/>
+          <a:r>
+            <a:rPr lang="es-ES_tradnl" dirty="0" smtClean="0"/>
+            <a:t>Crear </a:t>
+          </a:r>
+          <a:r>
+            <a:rPr lang="es-ES_tradnl" dirty="0" err="1" smtClean="0"/>
+            <a:t>ticktes</a:t>
+          </a:r>
+          <a:r>
+            <a:rPr lang="es-ES_tradnl" dirty="0" smtClean="0"/>
+            <a:t> por defectos, mejoras, etc. Utilizando el sistema de </a:t>
+          </a:r>
+          <a:r>
+            <a:rPr lang="es-ES_tradnl" dirty="0" err="1" smtClean="0"/>
+            <a:t>issue</a:t>
+          </a:r>
+          <a:r>
+            <a:rPr lang="es-ES_tradnl" dirty="0" smtClean="0"/>
+            <a:t> </a:t>
+          </a:r>
+          <a:r>
+            <a:rPr lang="es-ES_tradnl" dirty="0" err="1" smtClean="0"/>
+            <a:t>tracker</a:t>
+          </a:r>
+          <a:r>
+            <a:rPr lang="es-ES_tradnl" dirty="0" smtClean="0"/>
+            <a:t>.</a:t>
+          </a:r>
+          <a:endParaRPr lang="es-AR" dirty="0"/>
+        </a:p>
+      </dgm:t>
+    </dgm:pt>
+    <dgm:pt modelId="{DBF9B1DE-1021-4400-A2BD-AEE21DDB6F8E}" type="parTrans" cxnId="{C38749AB-0531-4FFE-8017-7B9B31A6D872}">
+      <dgm:prSet/>
+      <dgm:spPr/>
+      <dgm:t>
+        <a:bodyPr/>
+        <a:lstStyle/>
+        <a:p>
+          <a:endParaRPr lang="es-AR"/>
+        </a:p>
+      </dgm:t>
+    </dgm:pt>
+    <dgm:pt modelId="{FA5C723C-82C5-4F3C-A109-20B9783DB78F}" type="sibTrans" cxnId="{C38749AB-0531-4FFE-8017-7B9B31A6D872}">
+      <dgm:prSet/>
+      <dgm:spPr/>
+      <dgm:t>
+        <a:bodyPr/>
+        <a:lstStyle/>
+        <a:p>
+          <a:endParaRPr lang="es-AR"/>
+        </a:p>
+      </dgm:t>
+    </dgm:pt>
+    <dgm:pt modelId="{E885997B-53E8-4B3F-817D-97444612EE5B}" type="pres">
+      <dgm:prSet presAssocID="{EC4D4050-3272-4C44-ACAC-B9169C069404}" presName="Name0" presStyleCnt="0">
+        <dgm:presLayoutVars>
+          <dgm:dir/>
+          <dgm:animLvl val="lvl"/>
+          <dgm:resizeHandles val="exact"/>
+        </dgm:presLayoutVars>
+      </dgm:prSet>
+      <dgm:spPr/>
+    </dgm:pt>
+    <dgm:pt modelId="{FBF8112D-1CF3-44D6-8B2E-E577AB081A46}" type="pres">
+      <dgm:prSet presAssocID="{ED87D1A3-FF2D-483F-B8E1-29B2A964EFC3}" presName="linNode" presStyleCnt="0"/>
+      <dgm:spPr/>
+    </dgm:pt>
+    <dgm:pt modelId="{A54634F6-3F1E-42BE-BAAC-F27D7325D13F}" type="pres">
+      <dgm:prSet presAssocID="{ED87D1A3-FF2D-483F-B8E1-29B2A964EFC3}" presName="parentText" presStyleLbl="node1" presStyleIdx="0" presStyleCnt="6" custScaleX="49759">
+        <dgm:presLayoutVars>
+          <dgm:chMax val="1"/>
+          <dgm:bulletEnabled val="1"/>
+        </dgm:presLayoutVars>
+      </dgm:prSet>
+      <dgm:spPr/>
+      <dgm:t>
+        <a:bodyPr/>
+        <a:lstStyle/>
+        <a:p>
+          <a:endParaRPr lang="es-AR"/>
+        </a:p>
+      </dgm:t>
+    </dgm:pt>
+    <dgm:pt modelId="{2EC9A3D7-BE3A-45B6-9CAB-13231F68D98C}" type="pres">
+      <dgm:prSet presAssocID="{ED87D1A3-FF2D-483F-B8E1-29B2A964EFC3}" presName="descendantText" presStyleLbl="alignAccFollowNode1" presStyleIdx="0" presStyleCnt="6" custScaleX="125543">
+        <dgm:presLayoutVars>
+          <dgm:bulletEnabled val="1"/>
+        </dgm:presLayoutVars>
+      </dgm:prSet>
+      <dgm:spPr/>
+      <dgm:t>
+        <a:bodyPr/>
+        <a:lstStyle/>
+        <a:p>
+          <a:endParaRPr lang="es-AR"/>
+        </a:p>
+      </dgm:t>
+    </dgm:pt>
+    <dgm:pt modelId="{7256F901-3FBF-4D7A-8B27-0167DDDE61A6}" type="pres">
+      <dgm:prSet presAssocID="{F3DA5352-1AFD-40F5-9629-A3635F9F56EE}" presName="sp" presStyleCnt="0"/>
+      <dgm:spPr/>
+    </dgm:pt>
+    <dgm:pt modelId="{65EE9517-76F2-4F36-BB2F-4B6C570DDF45}" type="pres">
+      <dgm:prSet presAssocID="{2E1B8F2D-76BA-4D44-AB17-B28A2F2701D8}" presName="linNode" presStyleCnt="0"/>
+      <dgm:spPr/>
+    </dgm:pt>
+    <dgm:pt modelId="{52B6B811-7952-42DA-9BA2-D540319F008C}" type="pres">
+      <dgm:prSet presAssocID="{2E1B8F2D-76BA-4D44-AB17-B28A2F2701D8}" presName="parentText" presStyleLbl="node1" presStyleIdx="1" presStyleCnt="6" custScaleX="49758">
+        <dgm:presLayoutVars>
+          <dgm:chMax val="1"/>
+          <dgm:bulletEnabled val="1"/>
+        </dgm:presLayoutVars>
+      </dgm:prSet>
+      <dgm:spPr/>
+      <dgm:t>
+        <a:bodyPr/>
+        <a:lstStyle/>
+        <a:p>
+          <a:endParaRPr lang="es-AR"/>
+        </a:p>
+      </dgm:t>
+    </dgm:pt>
+    <dgm:pt modelId="{00CA5B7A-E9B6-4E1F-88AE-2F4BCAEE2BEE}" type="pres">
+      <dgm:prSet presAssocID="{2E1B8F2D-76BA-4D44-AB17-B28A2F2701D8}" presName="descendantText" presStyleLbl="alignAccFollowNode1" presStyleIdx="1" presStyleCnt="6" custScaleX="125599">
+        <dgm:presLayoutVars>
+          <dgm:bulletEnabled val="1"/>
+        </dgm:presLayoutVars>
+      </dgm:prSet>
+      <dgm:spPr/>
+      <dgm:t>
+        <a:bodyPr/>
+        <a:lstStyle/>
+        <a:p>
+          <a:endParaRPr lang="es-AR"/>
+        </a:p>
+      </dgm:t>
+    </dgm:pt>
+    <dgm:pt modelId="{33DBFDD8-0FDF-4736-A3D0-D149078DC947}" type="pres">
+      <dgm:prSet presAssocID="{5B939842-1244-4CAC-B2BE-32F3CA262929}" presName="sp" presStyleCnt="0"/>
+      <dgm:spPr/>
+    </dgm:pt>
+    <dgm:pt modelId="{4495FA1D-14B0-43B1-8A06-F749226D1EF4}" type="pres">
+      <dgm:prSet presAssocID="{70B139D8-76E3-4829-A061-AE9DA4CA8E61}" presName="linNode" presStyleCnt="0"/>
+      <dgm:spPr/>
+    </dgm:pt>
+    <dgm:pt modelId="{AFCE5C51-BFBB-4AFE-830C-74079CB0C626}" type="pres">
+      <dgm:prSet presAssocID="{70B139D8-76E3-4829-A061-AE9DA4CA8E61}" presName="parentText" presStyleLbl="node1" presStyleIdx="2" presStyleCnt="6" custScaleX="49759">
+        <dgm:presLayoutVars>
+          <dgm:chMax val="1"/>
+          <dgm:bulletEnabled val="1"/>
+        </dgm:presLayoutVars>
+      </dgm:prSet>
+      <dgm:spPr/>
+      <dgm:t>
+        <a:bodyPr/>
+        <a:lstStyle/>
+        <a:p>
+          <a:endParaRPr lang="es-AR"/>
+        </a:p>
+      </dgm:t>
+    </dgm:pt>
+    <dgm:pt modelId="{853ED3EB-CEB3-40F1-A6E1-E21DD3984648}" type="pres">
+      <dgm:prSet presAssocID="{70B139D8-76E3-4829-A061-AE9DA4CA8E61}" presName="descendantText" presStyleLbl="alignAccFollowNode1" presStyleIdx="2" presStyleCnt="6" custScaleX="125598">
+        <dgm:presLayoutVars>
+          <dgm:bulletEnabled val="1"/>
+        </dgm:presLayoutVars>
+      </dgm:prSet>
+      <dgm:spPr/>
+      <dgm:t>
+        <a:bodyPr/>
+        <a:lstStyle/>
+        <a:p>
+          <a:endParaRPr lang="es-AR"/>
+        </a:p>
+      </dgm:t>
+    </dgm:pt>
+    <dgm:pt modelId="{41BE3E8C-89E0-4473-B050-0EFC70C654FC}" type="pres">
+      <dgm:prSet presAssocID="{EF38F369-83B7-44D2-914A-F2BF27BC0BF8}" presName="sp" presStyleCnt="0"/>
+      <dgm:spPr/>
+    </dgm:pt>
+    <dgm:pt modelId="{FB855467-FCEE-45E1-B3C9-163E2464F45B}" type="pres">
+      <dgm:prSet presAssocID="{716D5D5F-CE10-4B1A-8644-5774373069AA}" presName="linNode" presStyleCnt="0"/>
+      <dgm:spPr/>
+    </dgm:pt>
+    <dgm:pt modelId="{A468E0C8-3E4F-4106-ADF5-DFDF2616FB58}" type="pres">
+      <dgm:prSet presAssocID="{716D5D5F-CE10-4B1A-8644-5774373069AA}" presName="parentText" presStyleLbl="node1" presStyleIdx="3" presStyleCnt="6" custScaleX="49759">
+        <dgm:presLayoutVars>
+          <dgm:chMax val="1"/>
+          <dgm:bulletEnabled val="1"/>
+        </dgm:presLayoutVars>
+      </dgm:prSet>
+      <dgm:spPr/>
+      <dgm:t>
+        <a:bodyPr/>
+        <a:lstStyle/>
+        <a:p>
+          <a:endParaRPr lang="es-AR"/>
+        </a:p>
+      </dgm:t>
+    </dgm:pt>
+    <dgm:pt modelId="{E327BABE-5698-4713-9AB7-E15203D95019}" type="pres">
+      <dgm:prSet presAssocID="{716D5D5F-CE10-4B1A-8644-5774373069AA}" presName="descendantText" presStyleLbl="alignAccFollowNode1" presStyleIdx="3" presStyleCnt="6" custScaleX="125067">
+        <dgm:presLayoutVars>
+          <dgm:bulletEnabled val="1"/>
+        </dgm:presLayoutVars>
+      </dgm:prSet>
+      <dgm:spPr/>
+    </dgm:pt>
+    <dgm:pt modelId="{2FEEB28A-31D9-46CF-9219-2288F22BAB25}" type="pres">
+      <dgm:prSet presAssocID="{0FD8B018-7A4F-484E-A74F-2F7287D5E9BB}" presName="sp" presStyleCnt="0"/>
+      <dgm:spPr/>
+    </dgm:pt>
+    <dgm:pt modelId="{5150B64F-C9D2-4370-9F5A-20FDBCCB3D83}" type="pres">
+      <dgm:prSet presAssocID="{F725314F-0C2C-488D-98F4-00A3BF947963}" presName="linNode" presStyleCnt="0"/>
+      <dgm:spPr/>
+    </dgm:pt>
+    <dgm:pt modelId="{3A08988E-B1B6-4341-A1DE-CB79C1CC38F9}" type="pres">
+      <dgm:prSet presAssocID="{F725314F-0C2C-488D-98F4-00A3BF947963}" presName="parentText" presStyleLbl="node1" presStyleIdx="4" presStyleCnt="6" custScaleX="49758">
+        <dgm:presLayoutVars>
+          <dgm:chMax val="1"/>
+          <dgm:bulletEnabled val="1"/>
+        </dgm:presLayoutVars>
+      </dgm:prSet>
+      <dgm:spPr/>
+      <dgm:t>
+        <a:bodyPr/>
+        <a:lstStyle/>
+        <a:p>
+          <a:endParaRPr lang="es-AR"/>
+        </a:p>
+      </dgm:t>
+    </dgm:pt>
+    <dgm:pt modelId="{D8581B53-391F-4F4E-89D7-11E63ED5F679}" type="pres">
+      <dgm:prSet presAssocID="{F725314F-0C2C-488D-98F4-00A3BF947963}" presName="descendantText" presStyleLbl="alignAccFollowNode1" presStyleIdx="4" presStyleCnt="6" custScaleX="124456">
+        <dgm:presLayoutVars>
+          <dgm:bulletEnabled val="1"/>
+        </dgm:presLayoutVars>
+      </dgm:prSet>
+      <dgm:spPr/>
+    </dgm:pt>
+    <dgm:pt modelId="{7426EDFD-3F9C-414E-94C0-BF3A90DF25AA}" type="pres">
+      <dgm:prSet presAssocID="{B2564F53-17CA-407B-987D-467B58DA745C}" presName="sp" presStyleCnt="0"/>
+      <dgm:spPr/>
+    </dgm:pt>
+    <dgm:pt modelId="{AC2F912B-A61E-45BD-BBAB-A9DB1F9715C8}" type="pres">
+      <dgm:prSet presAssocID="{175837BB-6AFE-4043-8DEE-7E4FA72689B4}" presName="linNode" presStyleCnt="0"/>
+      <dgm:spPr/>
+    </dgm:pt>
+    <dgm:pt modelId="{DCC34C6A-92C8-483A-B62C-58FDCAAB2889}" type="pres">
+      <dgm:prSet presAssocID="{175837BB-6AFE-4043-8DEE-7E4FA72689B4}" presName="parentText" presStyleLbl="node1" presStyleIdx="5" presStyleCnt="6" custScaleX="49759">
+        <dgm:presLayoutVars>
+          <dgm:chMax val="1"/>
+          <dgm:bulletEnabled val="1"/>
+        </dgm:presLayoutVars>
+      </dgm:prSet>
+      <dgm:spPr/>
+      <dgm:t>
+        <a:bodyPr/>
+        <a:lstStyle/>
+        <a:p>
+          <a:endParaRPr lang="es-AR"/>
+        </a:p>
+      </dgm:t>
+    </dgm:pt>
+    <dgm:pt modelId="{F9165486-FF39-4423-9C29-129BA43F4654}" type="pres">
+      <dgm:prSet presAssocID="{175837BB-6AFE-4043-8DEE-7E4FA72689B4}" presName="descendantText" presStyleLbl="alignAccFollowNode1" presStyleIdx="5" presStyleCnt="6" custScaleX="125543">
+        <dgm:presLayoutVars>
+          <dgm:bulletEnabled val="1"/>
+        </dgm:presLayoutVars>
+      </dgm:prSet>
+      <dgm:spPr/>
+    </dgm:pt>
+  </dgm:ptLst>
+  <dgm:cxnLst>
+    <dgm:cxn modelId="{5F1F76DD-AD8E-4F53-B0A3-85681E3D6551}" srcId="{EC4D4050-3272-4C44-ACAC-B9169C069404}" destId="{716D5D5F-CE10-4B1A-8644-5774373069AA}" srcOrd="3" destOrd="0" parTransId="{CBBC06FC-3F40-496B-908A-EA6842B53A9B}" sibTransId="{0FD8B018-7A4F-484E-A74F-2F7287D5E9BB}"/>
+    <dgm:cxn modelId="{845A78B6-E2E2-4FF8-B1B2-6354924CA71E}" srcId="{2E1B8F2D-76BA-4D44-AB17-B28A2F2701D8}" destId="{C4B580C5-21ED-4752-BD28-3FEA30835B11}" srcOrd="1" destOrd="0" parTransId="{5FC4AB37-16B6-4D24-8C6A-0C46B59B2B50}" sibTransId="{632DD4A9-FDE4-486F-B480-352170B4CAD4}"/>
+    <dgm:cxn modelId="{C38749AB-0531-4FFE-8017-7B9B31A6D872}" srcId="{175837BB-6AFE-4043-8DEE-7E4FA72689B4}" destId="{F8F1AC93-0998-4579-8DFF-356BEDC5D398}" srcOrd="2" destOrd="0" parTransId="{DBF9B1DE-1021-4400-A2BD-AEE21DDB6F8E}" sibTransId="{FA5C723C-82C5-4F3C-A109-20B9783DB78F}"/>
+    <dgm:cxn modelId="{0BF566ED-0497-4CD8-AFE6-185E1263EFF8}" type="presOf" srcId="{F8F1AC93-0998-4579-8DFF-356BEDC5D398}" destId="{F9165486-FF39-4423-9C29-129BA43F4654}" srcOrd="0" destOrd="2" presId="urn:microsoft.com/office/officeart/2005/8/layout/vList5"/>
+    <dgm:cxn modelId="{D6DF4B9F-0D97-4B01-8220-F5B354D9F888}" srcId="{175837BB-6AFE-4043-8DEE-7E4FA72689B4}" destId="{639F4800-F426-46D6-A759-E0768CCD1271}" srcOrd="0" destOrd="0" parTransId="{66BFFABF-E3DB-4654-AA1F-5A17ECF929F1}" sibTransId="{FE8768F6-1C71-48DA-A2C6-DB709FF51B6B}"/>
+    <dgm:cxn modelId="{6DA0CEDD-80A3-403A-90E2-0297FCA092FE}" type="presOf" srcId="{ED87D1A3-FF2D-483F-B8E1-29B2A964EFC3}" destId="{A54634F6-3F1E-42BE-BAAC-F27D7325D13F}" srcOrd="0" destOrd="0" presId="urn:microsoft.com/office/officeart/2005/8/layout/vList5"/>
+    <dgm:cxn modelId="{301FE68B-C8AF-4DB9-A602-F5136D9E390C}" type="presOf" srcId="{601816FA-AC67-4D7F-99D5-C140DAE8C959}" destId="{D8581B53-391F-4F4E-89D7-11E63ED5F679}" srcOrd="0" destOrd="0" presId="urn:microsoft.com/office/officeart/2005/8/layout/vList5"/>
+    <dgm:cxn modelId="{F94D9C9E-5F38-4CE7-AA2F-66FFFD9B31CD}" type="presOf" srcId="{3EE6C4F2-4F3F-42A7-9593-7B9CBE58478E}" destId="{E327BABE-5698-4713-9AB7-E15203D95019}" srcOrd="0" destOrd="0" presId="urn:microsoft.com/office/officeart/2005/8/layout/vList5"/>
+    <dgm:cxn modelId="{A2FEB6C6-A903-4FEB-9DDB-3D4EE53BADBA}" srcId="{ED87D1A3-FF2D-483F-B8E1-29B2A964EFC3}" destId="{9794F353-7992-4040-B3A8-7FDB7F7F260B}" srcOrd="0" destOrd="0" parTransId="{D87F7843-E41B-431E-87B0-A4A8E26D3A3D}" sibTransId="{FF2D297D-362B-4EE5-ACE9-6087D76CD41B}"/>
+    <dgm:cxn modelId="{5C4E5F6B-1843-4C16-B8EF-B5E0833E1748}" srcId="{EC4D4050-3272-4C44-ACAC-B9169C069404}" destId="{70B139D8-76E3-4829-A061-AE9DA4CA8E61}" srcOrd="2" destOrd="0" parTransId="{54CB2CB4-FEB7-444B-AE28-13844C324582}" sibTransId="{EF38F369-83B7-44D2-914A-F2BF27BC0BF8}"/>
+    <dgm:cxn modelId="{DE769130-3C76-42D1-8B36-C7D10C8E095B}" srcId="{2E1B8F2D-76BA-4D44-AB17-B28A2F2701D8}" destId="{C1A529C7-CF65-4E0B-B5B6-7332A06FEFD2}" srcOrd="0" destOrd="0" parTransId="{1275A983-8C38-4D84-A6EE-A04E7D818A6B}" sibTransId="{CB39386F-F750-40FB-A9C2-D164BB9C0C5B}"/>
+    <dgm:cxn modelId="{2A2A9C6E-C900-49D0-B937-46455D405AA9}" srcId="{EC4D4050-3272-4C44-ACAC-B9169C069404}" destId="{ED87D1A3-FF2D-483F-B8E1-29B2A964EFC3}" srcOrd="0" destOrd="0" parTransId="{94CDA8F1-C108-4EF1-B4C3-DCCE3E0FA4A1}" sibTransId="{F3DA5352-1AFD-40F5-9629-A3635F9F56EE}"/>
+    <dgm:cxn modelId="{AEA69A85-5327-45B6-9BB9-C7B30E81E05A}" srcId="{F725314F-0C2C-488D-98F4-00A3BF947963}" destId="{601816FA-AC67-4D7F-99D5-C140DAE8C959}" srcOrd="0" destOrd="0" parTransId="{A4BA5497-7A08-4DDB-B872-0FBD8A6C8973}" sibTransId="{6040E499-C4E7-43CE-82EB-12955CE64216}"/>
+    <dgm:cxn modelId="{AA6A88C5-589F-4A84-8194-DF263EAB868D}" type="presOf" srcId="{F725314F-0C2C-488D-98F4-00A3BF947963}" destId="{3A08988E-B1B6-4341-A1DE-CB79C1CC38F9}" srcOrd="0" destOrd="0" presId="urn:microsoft.com/office/officeart/2005/8/layout/vList5"/>
+    <dgm:cxn modelId="{56533584-8B8F-4C45-84E6-C2725975CD50}" srcId="{EC4D4050-3272-4C44-ACAC-B9169C069404}" destId="{175837BB-6AFE-4043-8DEE-7E4FA72689B4}" srcOrd="5" destOrd="0" parTransId="{A3CAE195-18E0-4333-8256-C24E968C9E48}" sibTransId="{864928FE-2848-48E2-B8E7-31432512C7DE}"/>
+    <dgm:cxn modelId="{C2FFA636-A67D-47DC-AAE8-600C5BCC8C81}" type="presOf" srcId="{C4B580C5-21ED-4752-BD28-3FEA30835B11}" destId="{00CA5B7A-E9B6-4E1F-88AE-2F4BCAEE2BEE}" srcOrd="0" destOrd="1" presId="urn:microsoft.com/office/officeart/2005/8/layout/vList5"/>
+    <dgm:cxn modelId="{755A310F-3D43-40B2-8CD8-0DBBAB84E804}" srcId="{716D5D5F-CE10-4B1A-8644-5774373069AA}" destId="{3EE6C4F2-4F3F-42A7-9593-7B9CBE58478E}" srcOrd="0" destOrd="0" parTransId="{59E8910C-2F5E-42F5-ABE4-C910E1C292F1}" sibTransId="{4EAEFACD-C5BE-4E68-9CB5-49E049F1849C}"/>
+    <dgm:cxn modelId="{FA0334CD-0551-4038-B2C2-CD0433FBDAE3}" type="presOf" srcId="{9794F353-7992-4040-B3A8-7FDB7F7F260B}" destId="{2EC9A3D7-BE3A-45B6-9CAB-13231F68D98C}" srcOrd="0" destOrd="0" presId="urn:microsoft.com/office/officeart/2005/8/layout/vList5"/>
+    <dgm:cxn modelId="{B0BF5F54-0B17-40F4-A09F-B7096664E9E6}" type="presOf" srcId="{F9105FDE-30A3-4BE8-A29C-CF5FAD10BFBF}" destId="{853ED3EB-CEB3-40F1-A6E1-E21DD3984648}" srcOrd="0" destOrd="0" presId="urn:microsoft.com/office/officeart/2005/8/layout/vList5"/>
+    <dgm:cxn modelId="{E9457B98-CAC7-45B3-BD62-CAE6BC8F569C}" srcId="{175837BB-6AFE-4043-8DEE-7E4FA72689B4}" destId="{507E9B45-9707-49EF-95C8-EFAEC815AA20}" srcOrd="1" destOrd="0" parTransId="{A0FA32D2-A396-42D1-87AE-3ABE067758B5}" sibTransId="{BD9E2C88-2AAF-4CF4-9BD2-42248E0016FB}"/>
+    <dgm:cxn modelId="{3C43DA2D-FC70-4914-9535-560CC9B14E2C}" type="presOf" srcId="{2E1B8F2D-76BA-4D44-AB17-B28A2F2701D8}" destId="{52B6B811-7952-42DA-9BA2-D540319F008C}" srcOrd="0" destOrd="0" presId="urn:microsoft.com/office/officeart/2005/8/layout/vList5"/>
+    <dgm:cxn modelId="{FDD76444-F511-431F-9883-B0BD7E1CAA4B}" type="presOf" srcId="{716D5D5F-CE10-4B1A-8644-5774373069AA}" destId="{A468E0C8-3E4F-4106-ADF5-DFDF2616FB58}" srcOrd="0" destOrd="0" presId="urn:microsoft.com/office/officeart/2005/8/layout/vList5"/>
+    <dgm:cxn modelId="{6AA073CB-344F-4C2D-86AC-543262483FF5}" type="presOf" srcId="{C1A529C7-CF65-4E0B-B5B6-7332A06FEFD2}" destId="{00CA5B7A-E9B6-4E1F-88AE-2F4BCAEE2BEE}" srcOrd="0" destOrd="0" presId="urn:microsoft.com/office/officeart/2005/8/layout/vList5"/>
+    <dgm:cxn modelId="{736DD9DA-6AA5-4BE7-B854-615D66A98AF2}" srcId="{70B139D8-76E3-4829-A061-AE9DA4CA8E61}" destId="{F9105FDE-30A3-4BE8-A29C-CF5FAD10BFBF}" srcOrd="0" destOrd="0" parTransId="{8917D34B-BBFC-4ADC-91C0-F5B8299F938E}" sibTransId="{956F1574-9F9A-4965-ABBC-A43137D4B334}"/>
+    <dgm:cxn modelId="{713800DE-A1B3-458B-9DEB-A5E1CA7DD4A2}" type="presOf" srcId="{639F4800-F426-46D6-A759-E0768CCD1271}" destId="{F9165486-FF39-4423-9C29-129BA43F4654}" srcOrd="0" destOrd="0" presId="urn:microsoft.com/office/officeart/2005/8/layout/vList5"/>
+    <dgm:cxn modelId="{6BA7C1A6-5397-4096-9DB6-16C1346E0761}" type="presOf" srcId="{9DA1FFA5-9816-4141-B012-B9A96E7FC549}" destId="{2EC9A3D7-BE3A-45B6-9CAB-13231F68D98C}" srcOrd="0" destOrd="2" presId="urn:microsoft.com/office/officeart/2005/8/layout/vList5"/>
+    <dgm:cxn modelId="{0F0BFB3A-D74F-41EC-95CD-965310087EBB}" type="presOf" srcId="{EC4D4050-3272-4C44-ACAC-B9169C069404}" destId="{E885997B-53E8-4B3F-817D-97444612EE5B}" srcOrd="0" destOrd="0" presId="urn:microsoft.com/office/officeart/2005/8/layout/vList5"/>
+    <dgm:cxn modelId="{A387C2F1-EFBE-4233-8635-47BDC9786D11}" srcId="{ED87D1A3-FF2D-483F-B8E1-29B2A964EFC3}" destId="{6B50C81D-3F47-447E-B160-CB073BDEB9D4}" srcOrd="1" destOrd="0" parTransId="{DFCDAB05-42C3-470C-BFBB-74388FEAD005}" sibTransId="{1ED6A928-707A-49A8-A642-E0430E862DEF}"/>
+    <dgm:cxn modelId="{4546A432-BFAA-4B10-AB69-4007F79CD179}" srcId="{ED87D1A3-FF2D-483F-B8E1-29B2A964EFC3}" destId="{9DA1FFA5-9816-4141-B012-B9A96E7FC549}" srcOrd="2" destOrd="0" parTransId="{1BA780BE-0175-4492-935D-A363BE8CCEF2}" sibTransId="{C59919A9-7A14-4D7E-A88A-E809B7BB5F2E}"/>
+    <dgm:cxn modelId="{F780BD62-09F5-40F3-BFB7-5DC3CFAB41BC}" srcId="{EC4D4050-3272-4C44-ACAC-B9169C069404}" destId="{F725314F-0C2C-488D-98F4-00A3BF947963}" srcOrd="4" destOrd="0" parTransId="{DC169CC3-7D5C-4F17-BAB4-E71598E44124}" sibTransId="{B2564F53-17CA-407B-987D-467B58DA745C}"/>
+    <dgm:cxn modelId="{C08BB41F-56D9-45CF-B141-2157E81A0C91}" type="presOf" srcId="{6B50C81D-3F47-447E-B160-CB073BDEB9D4}" destId="{2EC9A3D7-BE3A-45B6-9CAB-13231F68D98C}" srcOrd="0" destOrd="1" presId="urn:microsoft.com/office/officeart/2005/8/layout/vList5"/>
+    <dgm:cxn modelId="{24B0F5A3-C24F-4F9E-B50D-509841CD2E2F}" type="presOf" srcId="{70B139D8-76E3-4829-A061-AE9DA4CA8E61}" destId="{AFCE5C51-BFBB-4AFE-830C-74079CB0C626}" srcOrd="0" destOrd="0" presId="urn:microsoft.com/office/officeart/2005/8/layout/vList5"/>
+    <dgm:cxn modelId="{F38CA038-15E2-4A55-9C9D-75400DD76A76}" type="presOf" srcId="{507E9B45-9707-49EF-95C8-EFAEC815AA20}" destId="{F9165486-FF39-4423-9C29-129BA43F4654}" srcOrd="0" destOrd="1" presId="urn:microsoft.com/office/officeart/2005/8/layout/vList5"/>
+    <dgm:cxn modelId="{791E1EA1-A77B-4924-9414-2D4262673D62}" srcId="{EC4D4050-3272-4C44-ACAC-B9169C069404}" destId="{2E1B8F2D-76BA-4D44-AB17-B28A2F2701D8}" srcOrd="1" destOrd="0" parTransId="{0C18A0A8-0800-4BDA-92AB-A9C1A2EEFCCA}" sibTransId="{5B939842-1244-4CAC-B2BE-32F3CA262929}"/>
+    <dgm:cxn modelId="{D89B9C72-1F7D-4D83-9A47-94049F167609}" type="presOf" srcId="{175837BB-6AFE-4043-8DEE-7E4FA72689B4}" destId="{DCC34C6A-92C8-483A-B62C-58FDCAAB2889}" srcOrd="0" destOrd="0" presId="urn:microsoft.com/office/officeart/2005/8/layout/vList5"/>
+    <dgm:cxn modelId="{3F42362B-15F8-4F25-8A3C-F2FEE3B8C9E9}" type="presParOf" srcId="{E885997B-53E8-4B3F-817D-97444612EE5B}" destId="{FBF8112D-1CF3-44D6-8B2E-E577AB081A46}" srcOrd="0" destOrd="0" presId="urn:microsoft.com/office/officeart/2005/8/layout/vList5"/>
+    <dgm:cxn modelId="{A0A311C0-4099-494A-9A22-A1D32CCEE6C5}" type="presParOf" srcId="{FBF8112D-1CF3-44D6-8B2E-E577AB081A46}" destId="{A54634F6-3F1E-42BE-BAAC-F27D7325D13F}" srcOrd="0" destOrd="0" presId="urn:microsoft.com/office/officeart/2005/8/layout/vList5"/>
+    <dgm:cxn modelId="{A84AB8CF-B37E-4B67-8163-B5CECEF5240E}" type="presParOf" srcId="{FBF8112D-1CF3-44D6-8B2E-E577AB081A46}" destId="{2EC9A3D7-BE3A-45B6-9CAB-13231F68D98C}" srcOrd="1" destOrd="0" presId="urn:microsoft.com/office/officeart/2005/8/layout/vList5"/>
+    <dgm:cxn modelId="{8AE37020-1E2D-46F4-A5BF-F2569AD7A000}" type="presParOf" srcId="{E885997B-53E8-4B3F-817D-97444612EE5B}" destId="{7256F901-3FBF-4D7A-8B27-0167DDDE61A6}" srcOrd="1" destOrd="0" presId="urn:microsoft.com/office/officeart/2005/8/layout/vList5"/>
+    <dgm:cxn modelId="{AFDF22FA-49BB-4EDA-AE0C-14F93A2A13AB}" type="presParOf" srcId="{E885997B-53E8-4B3F-817D-97444612EE5B}" destId="{65EE9517-76F2-4F36-BB2F-4B6C570DDF45}" srcOrd="2" destOrd="0" presId="urn:microsoft.com/office/officeart/2005/8/layout/vList5"/>
+    <dgm:cxn modelId="{4120D62A-34F6-4854-8F69-0EB2E33BF00A}" type="presParOf" srcId="{65EE9517-76F2-4F36-BB2F-4B6C570DDF45}" destId="{52B6B811-7952-42DA-9BA2-D540319F008C}" srcOrd="0" destOrd="0" presId="urn:microsoft.com/office/officeart/2005/8/layout/vList5"/>
+    <dgm:cxn modelId="{540EE148-6265-429F-B939-CD7E4523D78F}" type="presParOf" srcId="{65EE9517-76F2-4F36-BB2F-4B6C570DDF45}" destId="{00CA5B7A-E9B6-4E1F-88AE-2F4BCAEE2BEE}" srcOrd="1" destOrd="0" presId="urn:microsoft.com/office/officeart/2005/8/layout/vList5"/>
+    <dgm:cxn modelId="{2E6FCABE-A9A6-4EC5-A41F-F3CEA145C654}" type="presParOf" srcId="{E885997B-53E8-4B3F-817D-97444612EE5B}" destId="{33DBFDD8-0FDF-4736-A3D0-D149078DC947}" srcOrd="3" destOrd="0" presId="urn:microsoft.com/office/officeart/2005/8/layout/vList5"/>
+    <dgm:cxn modelId="{30BBA42D-471F-4177-AEF8-DFCF422C9D95}" type="presParOf" srcId="{E885997B-53E8-4B3F-817D-97444612EE5B}" destId="{4495FA1D-14B0-43B1-8A06-F749226D1EF4}" srcOrd="4" destOrd="0" presId="urn:microsoft.com/office/officeart/2005/8/layout/vList5"/>
+    <dgm:cxn modelId="{AFF4F111-2B11-4274-836B-FA60E858E802}" type="presParOf" srcId="{4495FA1D-14B0-43B1-8A06-F749226D1EF4}" destId="{AFCE5C51-BFBB-4AFE-830C-74079CB0C626}" srcOrd="0" destOrd="0" presId="urn:microsoft.com/office/officeart/2005/8/layout/vList5"/>
+    <dgm:cxn modelId="{8B72B7E5-373A-480D-B247-695747BD4117}" type="presParOf" srcId="{4495FA1D-14B0-43B1-8A06-F749226D1EF4}" destId="{853ED3EB-CEB3-40F1-A6E1-E21DD3984648}" srcOrd="1" destOrd="0" presId="urn:microsoft.com/office/officeart/2005/8/layout/vList5"/>
+    <dgm:cxn modelId="{5D53DB98-3B3E-4DC4-817F-98309F2ED5C0}" type="presParOf" srcId="{E885997B-53E8-4B3F-817D-97444612EE5B}" destId="{41BE3E8C-89E0-4473-B050-0EFC70C654FC}" srcOrd="5" destOrd="0" presId="urn:microsoft.com/office/officeart/2005/8/layout/vList5"/>
+    <dgm:cxn modelId="{FC64E1E1-1999-44E4-BCED-E2AE737B169A}" type="presParOf" srcId="{E885997B-53E8-4B3F-817D-97444612EE5B}" destId="{FB855467-FCEE-45E1-B3C9-163E2464F45B}" srcOrd="6" destOrd="0" presId="urn:microsoft.com/office/officeart/2005/8/layout/vList5"/>
+    <dgm:cxn modelId="{6AD18D65-CA9E-42D4-9AAF-AA760875D4B9}" type="presParOf" srcId="{FB855467-FCEE-45E1-B3C9-163E2464F45B}" destId="{A468E0C8-3E4F-4106-ADF5-DFDF2616FB58}" srcOrd="0" destOrd="0" presId="urn:microsoft.com/office/officeart/2005/8/layout/vList5"/>
+    <dgm:cxn modelId="{1D49A9B4-B945-4252-9304-58A8CC5F6AAC}" type="presParOf" srcId="{FB855467-FCEE-45E1-B3C9-163E2464F45B}" destId="{E327BABE-5698-4713-9AB7-E15203D95019}" srcOrd="1" destOrd="0" presId="urn:microsoft.com/office/officeart/2005/8/layout/vList5"/>
+    <dgm:cxn modelId="{15ADD3B9-074A-4D3A-A412-80E00CEA879E}" type="presParOf" srcId="{E885997B-53E8-4B3F-817D-97444612EE5B}" destId="{2FEEB28A-31D9-46CF-9219-2288F22BAB25}" srcOrd="7" destOrd="0" presId="urn:microsoft.com/office/officeart/2005/8/layout/vList5"/>
+    <dgm:cxn modelId="{B9877B8C-2114-4FFC-87B0-FFA7DBF07058}" type="presParOf" srcId="{E885997B-53E8-4B3F-817D-97444612EE5B}" destId="{5150B64F-C9D2-4370-9F5A-20FDBCCB3D83}" srcOrd="8" destOrd="0" presId="urn:microsoft.com/office/officeart/2005/8/layout/vList5"/>
+    <dgm:cxn modelId="{B4F11240-AEAB-493F-A0A2-195CBFB01E2D}" type="presParOf" srcId="{5150B64F-C9D2-4370-9F5A-20FDBCCB3D83}" destId="{3A08988E-B1B6-4341-A1DE-CB79C1CC38F9}" srcOrd="0" destOrd="0" presId="urn:microsoft.com/office/officeart/2005/8/layout/vList5"/>
+    <dgm:cxn modelId="{4BC01DEE-4A5C-45C2-B9EE-C99AF88CFEAB}" type="presParOf" srcId="{5150B64F-C9D2-4370-9F5A-20FDBCCB3D83}" destId="{D8581B53-391F-4F4E-89D7-11E63ED5F679}" srcOrd="1" destOrd="0" presId="urn:microsoft.com/office/officeart/2005/8/layout/vList5"/>
+    <dgm:cxn modelId="{7FDF6815-03DE-455E-9049-D69AEDE2C5D3}" type="presParOf" srcId="{E885997B-53E8-4B3F-817D-97444612EE5B}" destId="{7426EDFD-3F9C-414E-94C0-BF3A90DF25AA}" srcOrd="9" destOrd="0" presId="urn:microsoft.com/office/officeart/2005/8/layout/vList5"/>
+    <dgm:cxn modelId="{6588D668-6DBF-4831-813A-7A0A2292E948}" type="presParOf" srcId="{E885997B-53E8-4B3F-817D-97444612EE5B}" destId="{AC2F912B-A61E-45BD-BBAB-A9DB1F9715C8}" srcOrd="10" destOrd="0" presId="urn:microsoft.com/office/officeart/2005/8/layout/vList5"/>
+    <dgm:cxn modelId="{34D2DCB4-155F-4624-843E-51DEFCFC5DC3}" type="presParOf" srcId="{AC2F912B-A61E-45BD-BBAB-A9DB1F9715C8}" destId="{DCC34C6A-92C8-483A-B62C-58FDCAAB2889}" srcOrd="0" destOrd="0" presId="urn:microsoft.com/office/officeart/2005/8/layout/vList5"/>
+    <dgm:cxn modelId="{F828DD17-18AD-4FDE-B5AA-63ABAA470B07}" type="presParOf" srcId="{AC2F912B-A61E-45BD-BBAB-A9DB1F9715C8}" destId="{F9165486-FF39-4423-9C29-129BA43F4654}" srcOrd="1" destOrd="0" presId="urn:microsoft.com/office/officeart/2005/8/layout/vList5"/>
+  </dgm:cxnLst>
+  <dgm:bg/>
+  <dgm:whole/>
+  <dgm:extLst>
+    <a:ext uri="http://schemas.microsoft.com/office/drawing/2008/diagram">
+      <dsp:dataModelExt xmlns:dsp="http://schemas.microsoft.com/office/drawing/2008/diagram" relId="rId6" minVer="http://schemas.openxmlformats.org/drawingml/2006/diagram"/>
+    </a:ext>
+  </dgm:extLst>
+</dgm:dataModel>
+</file>
+
 <file path=ppt/diagrams/drawing1.xml><?xml version="1.0" encoding="utf-8"?>
 <dsp:drawing xmlns:dgm="http://schemas.openxmlformats.org/drawingml/2006/diagram" xmlns:dsp="http://schemas.microsoft.com/office/drawing/2008/diagram" xmlns:a="http://schemas.openxmlformats.org/drawingml/2006/main">
   <dsp:spTree>
@@ -1574,6 +3407,1191 @@
 </dsp:drawing>
 </file>
 
+<file path=ppt/diagrams/drawing2.xml><?xml version="1.0" encoding="utf-8"?>
+<dsp:drawing xmlns:dgm="http://schemas.openxmlformats.org/drawingml/2006/diagram" xmlns:dsp="http://schemas.microsoft.com/office/drawing/2008/diagram" xmlns:a="http://schemas.openxmlformats.org/drawingml/2006/main">
+  <dsp:spTree>
+    <dsp:nvGrpSpPr>
+      <dsp:cNvPr id="0" name=""/>
+      <dsp:cNvGrpSpPr/>
+    </dsp:nvGrpSpPr>
+    <dsp:grpSpPr/>
+    <dsp:sp modelId="{2EC9A3D7-BE3A-45B6-9CAB-13231F68D98C}">
+      <dsp:nvSpPr>
+        <dsp:cNvPr id="0" name=""/>
+        <dsp:cNvSpPr/>
+      </dsp:nvSpPr>
+      <dsp:spPr>
+        <a:xfrm rot="5400000">
+          <a:off x="4643239" y="-2980325"/>
+          <a:ext cx="644647" cy="6769227"/>
+        </a:xfrm>
+        <a:prstGeom prst="round2SameRect">
+          <a:avLst/>
+        </a:prstGeom>
+        <a:solidFill>
+          <a:schemeClr val="accent1">
+            <a:alpha val="90000"/>
+            <a:tint val="40000"/>
+            <a:hueOff val="0"/>
+            <a:satOff val="0"/>
+            <a:lumOff val="0"/>
+            <a:alphaOff val="0"/>
+          </a:schemeClr>
+        </a:solidFill>
+        <a:ln w="25400" cap="flat" cmpd="sng" algn="ctr">
+          <a:solidFill>
+            <a:schemeClr val="accent1">
+              <a:alpha val="90000"/>
+              <a:tint val="40000"/>
+              <a:hueOff val="0"/>
+              <a:satOff val="0"/>
+              <a:lumOff val="0"/>
+              <a:alphaOff val="0"/>
+            </a:schemeClr>
+          </a:solidFill>
+          <a:prstDash val="solid"/>
+        </a:ln>
+        <a:effectLst/>
+      </dsp:spPr>
+      <dsp:style>
+        <a:lnRef idx="2">
+          <a:scrgbClr r="0" g="0" b="0"/>
+        </a:lnRef>
+        <a:fillRef idx="1">
+          <a:scrgbClr r="0" g="0" b="0"/>
+        </a:fillRef>
+        <a:effectRef idx="0">
+          <a:scrgbClr r="0" g="0" b="0"/>
+        </a:effectRef>
+        <a:fontRef idx="minor"/>
+      </dsp:style>
+      <dsp:txBody>
+        <a:bodyPr spcFirstLastPara="0" vert="horz" wrap="square" lIns="38100" tIns="19050" rIns="38100" bIns="19050" numCol="1" spcCol="1270" anchor="ctr" anchorCtr="0">
+          <a:noAutofit/>
+        </a:bodyPr>
+        <a:lstStyle/>
+        <a:p>
+          <a:pPr marL="57150" lvl="1" indent="-57150" algn="l" defTabSz="444500" rtl="0">
+            <a:lnSpc>
+              <a:spcPct val="90000"/>
+            </a:lnSpc>
+            <a:spcBef>
+              <a:spcPct val="0"/>
+            </a:spcBef>
+            <a:spcAft>
+              <a:spcPct val="15000"/>
+            </a:spcAft>
+            <a:buChar char="••"/>
+          </a:pPr>
+          <a:r>
+            <a:rPr lang="es-ES_tradnl" sz="1000" kern="1200" dirty="0" smtClean="0"/>
+            <a:t>Crear y configurar el ambiente para que los desarrolladores puedan realizar sus tareas.</a:t>
+          </a:r>
+          <a:endParaRPr lang="es-AR" sz="1000" kern="1200" dirty="0"/>
+        </a:p>
+        <a:p>
+          <a:pPr marL="57150" lvl="1" indent="-57150" algn="l" defTabSz="444500" rtl="0">
+            <a:lnSpc>
+              <a:spcPct val="90000"/>
+            </a:lnSpc>
+            <a:spcBef>
+              <a:spcPct val="0"/>
+            </a:spcBef>
+            <a:spcAft>
+              <a:spcPct val="15000"/>
+            </a:spcAft>
+            <a:buChar char="••"/>
+          </a:pPr>
+          <a:r>
+            <a:rPr lang="es-ES_tradnl" sz="1000" kern="1200" dirty="0" smtClean="0"/>
+            <a:t>Crear/</a:t>
+          </a:r>
+          <a:r>
+            <a:rPr lang="es-ES_tradnl" sz="1000" kern="1200" dirty="0" err="1" smtClean="0"/>
+            <a:t>customizar</a:t>
+          </a:r>
+          <a:r>
+            <a:rPr lang="es-ES_tradnl" sz="1000" kern="1200" dirty="0" smtClean="0"/>
+            <a:t> </a:t>
+          </a:r>
+          <a:r>
+            <a:rPr lang="es-ES_tradnl" sz="1000" kern="1200" dirty="0" err="1" smtClean="0"/>
+            <a:t>frameworks</a:t>
+          </a:r>
+          <a:r>
+            <a:rPr lang="es-ES_tradnl" sz="1000" kern="1200" dirty="0" smtClean="0"/>
+            <a:t> necesarios para el desarrollo. </a:t>
+          </a:r>
+          <a:endParaRPr lang="es-AR" sz="1000" kern="1200" dirty="0"/>
+        </a:p>
+        <a:p>
+          <a:pPr marL="57150" lvl="1" indent="-57150" algn="l" defTabSz="444500" rtl="0">
+            <a:lnSpc>
+              <a:spcPct val="90000"/>
+            </a:lnSpc>
+            <a:spcBef>
+              <a:spcPct val="0"/>
+            </a:spcBef>
+            <a:spcAft>
+              <a:spcPct val="15000"/>
+            </a:spcAft>
+            <a:buChar char="••"/>
+          </a:pPr>
+          <a:r>
+            <a:rPr lang="es-ES_tradnl" sz="1000" kern="1200" dirty="0" smtClean="0"/>
+            <a:t>Líder de proyecto. Referente técnico para los desarrolladores, coordinar tareas. Seguimiento del desarrollo día a día.</a:t>
+          </a:r>
+          <a:endParaRPr lang="es-AR" sz="1000" kern="1200" dirty="0"/>
+        </a:p>
+      </dsp:txBody>
+      <dsp:txXfrm rot="-5400000">
+        <a:off x="1580950" y="113433"/>
+        <a:ext cx="6737758" cy="581709"/>
+      </dsp:txXfrm>
+    </dsp:sp>
+    <dsp:sp modelId="{A54634F6-3F1E-42BE-BAAC-F27D7325D13F}">
+      <dsp:nvSpPr>
+        <dsp:cNvPr id="0" name=""/>
+        <dsp:cNvSpPr/>
+      </dsp:nvSpPr>
+      <dsp:spPr>
+        <a:xfrm>
+          <a:off x="71770" y="1384"/>
+          <a:ext cx="1509179" cy="805808"/>
+        </a:xfrm>
+        <a:prstGeom prst="roundRect">
+          <a:avLst/>
+        </a:prstGeom>
+        <a:solidFill>
+          <a:schemeClr val="accent1">
+            <a:hueOff val="0"/>
+            <a:satOff val="0"/>
+            <a:lumOff val="0"/>
+            <a:alphaOff val="0"/>
+          </a:schemeClr>
+        </a:solidFill>
+        <a:ln w="25400" cap="flat" cmpd="sng" algn="ctr">
+          <a:solidFill>
+            <a:schemeClr val="lt1">
+              <a:hueOff val="0"/>
+              <a:satOff val="0"/>
+              <a:lumOff val="0"/>
+              <a:alphaOff val="0"/>
+            </a:schemeClr>
+          </a:solidFill>
+          <a:prstDash val="solid"/>
+        </a:ln>
+        <a:effectLst/>
+      </dsp:spPr>
+      <dsp:style>
+        <a:lnRef idx="2">
+          <a:scrgbClr r="0" g="0" b="0"/>
+        </a:lnRef>
+        <a:fillRef idx="1">
+          <a:scrgbClr r="0" g="0" b="0"/>
+        </a:fillRef>
+        <a:effectRef idx="0">
+          <a:scrgbClr r="0" g="0" b="0"/>
+        </a:effectRef>
+        <a:fontRef idx="minor">
+          <a:schemeClr val="lt1"/>
+        </a:fontRef>
+      </dsp:style>
+      <dsp:txBody>
+        <a:bodyPr spcFirstLastPara="0" vert="horz" wrap="square" lIns="60960" tIns="30480" rIns="60960" bIns="30480" numCol="1" spcCol="1270" anchor="ctr" anchorCtr="0">
+          <a:noAutofit/>
+        </a:bodyPr>
+        <a:lstStyle/>
+        <a:p>
+          <a:pPr lvl="0" algn="ctr" defTabSz="711200" rtl="0">
+            <a:lnSpc>
+              <a:spcPct val="90000"/>
+            </a:lnSpc>
+            <a:spcBef>
+              <a:spcPct val="0"/>
+            </a:spcBef>
+            <a:spcAft>
+              <a:spcPct val="35000"/>
+            </a:spcAft>
+          </a:pPr>
+          <a:r>
+            <a:rPr lang="es-ES_tradnl" sz="1600" kern="1200" dirty="0" smtClean="0"/>
+            <a:t>Arquitecto / </a:t>
+          </a:r>
+          <a:r>
+            <a:rPr lang="es-ES_tradnl" sz="1600" kern="1200" dirty="0" err="1" smtClean="0"/>
+            <a:t>Lider</a:t>
+          </a:r>
+          <a:r>
+            <a:rPr lang="es-ES_tradnl" sz="1600" kern="1200" dirty="0" smtClean="0"/>
+            <a:t> </a:t>
+          </a:r>
+          <a:endParaRPr lang="es-AR" sz="1600" kern="1200" dirty="0"/>
+        </a:p>
+      </dsp:txBody>
+      <dsp:txXfrm>
+        <a:off x="111106" y="40720"/>
+        <a:ext cx="1430507" cy="727136"/>
+      </dsp:txXfrm>
+    </dsp:sp>
+    <dsp:sp modelId="{00CA5B7A-E9B6-4E1F-88AE-2F4BCAEE2BEE}">
+      <dsp:nvSpPr>
+        <dsp:cNvPr id="0" name=""/>
+        <dsp:cNvSpPr/>
+      </dsp:nvSpPr>
+      <dsp:spPr>
+        <a:xfrm rot="5400000">
+          <a:off x="4644718" y="-2135735"/>
+          <a:ext cx="644647" cy="6772246"/>
+        </a:xfrm>
+        <a:prstGeom prst="round2SameRect">
+          <a:avLst/>
+        </a:prstGeom>
+        <a:solidFill>
+          <a:schemeClr val="accent1">
+            <a:alpha val="90000"/>
+            <a:tint val="40000"/>
+            <a:hueOff val="0"/>
+            <a:satOff val="0"/>
+            <a:lumOff val="0"/>
+            <a:alphaOff val="0"/>
+          </a:schemeClr>
+        </a:solidFill>
+        <a:ln w="25400" cap="flat" cmpd="sng" algn="ctr">
+          <a:solidFill>
+            <a:schemeClr val="accent1">
+              <a:alpha val="90000"/>
+              <a:tint val="40000"/>
+              <a:hueOff val="0"/>
+              <a:satOff val="0"/>
+              <a:lumOff val="0"/>
+              <a:alphaOff val="0"/>
+            </a:schemeClr>
+          </a:solidFill>
+          <a:prstDash val="solid"/>
+        </a:ln>
+        <a:effectLst/>
+      </dsp:spPr>
+      <dsp:style>
+        <a:lnRef idx="2">
+          <a:scrgbClr r="0" g="0" b="0"/>
+        </a:lnRef>
+        <a:fillRef idx="1">
+          <a:scrgbClr r="0" g="0" b="0"/>
+        </a:fillRef>
+        <a:effectRef idx="0">
+          <a:scrgbClr r="0" g="0" b="0"/>
+        </a:effectRef>
+        <a:fontRef idx="minor"/>
+      </dsp:style>
+      <dsp:txBody>
+        <a:bodyPr spcFirstLastPara="0" vert="horz" wrap="square" lIns="38100" tIns="19050" rIns="38100" bIns="19050" numCol="1" spcCol="1270" anchor="ctr" anchorCtr="0">
+          <a:noAutofit/>
+        </a:bodyPr>
+        <a:lstStyle/>
+        <a:p>
+          <a:pPr marL="57150" lvl="1" indent="-57150" algn="l" defTabSz="444500" rtl="0">
+            <a:lnSpc>
+              <a:spcPct val="90000"/>
+            </a:lnSpc>
+            <a:spcBef>
+              <a:spcPct val="0"/>
+            </a:spcBef>
+            <a:spcAft>
+              <a:spcPct val="15000"/>
+            </a:spcAft>
+            <a:buChar char="••"/>
+          </a:pPr>
+          <a:r>
+            <a:rPr lang="es-ES_tradnl" sz="1000" kern="1200" dirty="0" smtClean="0"/>
+            <a:t>Instalar, configurar y mantener el ambiente de desarrollo (</a:t>
+          </a:r>
+          <a:r>
+            <a:rPr lang="es-ES_tradnl" sz="1000" kern="1200" dirty="0" err="1" smtClean="0"/>
+            <a:t>Respositorio</a:t>
+          </a:r>
+          <a:r>
+            <a:rPr lang="es-ES_tradnl" sz="1000" kern="1200" dirty="0" smtClean="0"/>
+            <a:t>, Wiki, </a:t>
+          </a:r>
+          <a:r>
+            <a:rPr lang="es-ES_tradnl" sz="1000" kern="1200" dirty="0" err="1" smtClean="0"/>
+            <a:t>Issue</a:t>
+          </a:r>
+          <a:r>
+            <a:rPr lang="es-ES_tradnl" sz="1000" kern="1200" dirty="0" smtClean="0"/>
+            <a:t> </a:t>
+          </a:r>
+          <a:r>
+            <a:rPr lang="es-ES_tradnl" sz="1000" kern="1200" dirty="0" err="1" smtClean="0"/>
+            <a:t>Tracker</a:t>
+          </a:r>
+          <a:r>
+            <a:rPr lang="es-ES_tradnl" sz="1000" kern="1200" dirty="0" smtClean="0"/>
+            <a:t>)</a:t>
+          </a:r>
+          <a:endParaRPr lang="es-AR" sz="1000" kern="1200" dirty="0"/>
+        </a:p>
+        <a:p>
+          <a:pPr marL="57150" lvl="1" indent="-57150" algn="l" defTabSz="444500" rtl="0">
+            <a:lnSpc>
+              <a:spcPct val="90000"/>
+            </a:lnSpc>
+            <a:spcBef>
+              <a:spcPct val="0"/>
+            </a:spcBef>
+            <a:spcAft>
+              <a:spcPct val="15000"/>
+            </a:spcAft>
+            <a:buChar char="••"/>
+          </a:pPr>
+          <a:r>
+            <a:rPr lang="es-ES_tradnl" sz="1000" kern="1200" dirty="0" smtClean="0"/>
+            <a:t>Instalar y configurar el ambiente de producción. </a:t>
+          </a:r>
+          <a:endParaRPr lang="es-AR" sz="1000" kern="1200" dirty="0"/>
+        </a:p>
+      </dsp:txBody>
+      <dsp:txXfrm rot="-5400000">
+        <a:off x="1580919" y="959533"/>
+        <a:ext cx="6740777" cy="581709"/>
+      </dsp:txXfrm>
+    </dsp:sp>
+    <dsp:sp modelId="{52B6B811-7952-42DA-9BA2-D540319F008C}">
+      <dsp:nvSpPr>
+        <dsp:cNvPr id="0" name=""/>
+        <dsp:cNvSpPr/>
+      </dsp:nvSpPr>
+      <dsp:spPr>
+        <a:xfrm>
+          <a:off x="71770" y="847483"/>
+          <a:ext cx="1509148" cy="805808"/>
+        </a:xfrm>
+        <a:prstGeom prst="roundRect">
+          <a:avLst/>
+        </a:prstGeom>
+        <a:solidFill>
+          <a:schemeClr val="accent1">
+            <a:hueOff val="0"/>
+            <a:satOff val="0"/>
+            <a:lumOff val="0"/>
+            <a:alphaOff val="0"/>
+          </a:schemeClr>
+        </a:solidFill>
+        <a:ln w="25400" cap="flat" cmpd="sng" algn="ctr">
+          <a:solidFill>
+            <a:schemeClr val="lt1">
+              <a:hueOff val="0"/>
+              <a:satOff val="0"/>
+              <a:lumOff val="0"/>
+              <a:alphaOff val="0"/>
+            </a:schemeClr>
+          </a:solidFill>
+          <a:prstDash val="solid"/>
+        </a:ln>
+        <a:effectLst/>
+      </dsp:spPr>
+      <dsp:style>
+        <a:lnRef idx="2">
+          <a:scrgbClr r="0" g="0" b="0"/>
+        </a:lnRef>
+        <a:fillRef idx="1">
+          <a:scrgbClr r="0" g="0" b="0"/>
+        </a:fillRef>
+        <a:effectRef idx="0">
+          <a:scrgbClr r="0" g="0" b="0"/>
+        </a:effectRef>
+        <a:fontRef idx="minor">
+          <a:schemeClr val="lt1"/>
+        </a:fontRef>
+      </dsp:style>
+      <dsp:txBody>
+        <a:bodyPr spcFirstLastPara="0" vert="horz" wrap="square" lIns="60960" tIns="30480" rIns="60960" bIns="30480" numCol="1" spcCol="1270" anchor="ctr" anchorCtr="0">
+          <a:noAutofit/>
+        </a:bodyPr>
+        <a:lstStyle/>
+        <a:p>
+          <a:pPr lvl="0" algn="ctr" defTabSz="711200" rtl="0">
+            <a:lnSpc>
+              <a:spcPct val="90000"/>
+            </a:lnSpc>
+            <a:spcBef>
+              <a:spcPct val="0"/>
+            </a:spcBef>
+            <a:spcAft>
+              <a:spcPct val="35000"/>
+            </a:spcAft>
+          </a:pPr>
+          <a:r>
+            <a:rPr lang="es-ES_tradnl" sz="1600" kern="1200" dirty="0" err="1" smtClean="0"/>
+            <a:t>It</a:t>
+          </a:r>
+          <a:r>
+            <a:rPr lang="es-ES_tradnl" sz="1600" kern="1200" dirty="0" smtClean="0"/>
+            <a:t> </a:t>
+          </a:r>
+          <a:endParaRPr lang="es-AR" sz="1600" kern="1200" dirty="0"/>
+        </a:p>
+      </dsp:txBody>
+      <dsp:txXfrm>
+        <a:off x="111106" y="886819"/>
+        <a:ext cx="1430476" cy="727136"/>
+      </dsp:txXfrm>
+    </dsp:sp>
+    <dsp:sp modelId="{853ED3EB-CEB3-40F1-A6E1-E21DD3984648}">
+      <dsp:nvSpPr>
+        <dsp:cNvPr id="0" name=""/>
+        <dsp:cNvSpPr/>
+      </dsp:nvSpPr>
+      <dsp:spPr>
+        <a:xfrm rot="5400000">
+          <a:off x="4644722" y="-1289609"/>
+          <a:ext cx="644647" cy="6772192"/>
+        </a:xfrm>
+        <a:prstGeom prst="round2SameRect">
+          <a:avLst/>
+        </a:prstGeom>
+        <a:solidFill>
+          <a:schemeClr val="accent1">
+            <a:alpha val="90000"/>
+            <a:tint val="40000"/>
+            <a:hueOff val="0"/>
+            <a:satOff val="0"/>
+            <a:lumOff val="0"/>
+            <a:alphaOff val="0"/>
+          </a:schemeClr>
+        </a:solidFill>
+        <a:ln w="25400" cap="flat" cmpd="sng" algn="ctr">
+          <a:solidFill>
+            <a:schemeClr val="accent1">
+              <a:alpha val="90000"/>
+              <a:tint val="40000"/>
+              <a:hueOff val="0"/>
+              <a:satOff val="0"/>
+              <a:lumOff val="0"/>
+              <a:alphaOff val="0"/>
+            </a:schemeClr>
+          </a:solidFill>
+          <a:prstDash val="solid"/>
+        </a:ln>
+        <a:effectLst/>
+      </dsp:spPr>
+      <dsp:style>
+        <a:lnRef idx="2">
+          <a:scrgbClr r="0" g="0" b="0"/>
+        </a:lnRef>
+        <a:fillRef idx="1">
+          <a:scrgbClr r="0" g="0" b="0"/>
+        </a:fillRef>
+        <a:effectRef idx="0">
+          <a:scrgbClr r="0" g="0" b="0"/>
+        </a:effectRef>
+        <a:fontRef idx="minor"/>
+      </dsp:style>
+      <dsp:txBody>
+        <a:bodyPr spcFirstLastPara="0" vert="horz" wrap="square" lIns="38100" tIns="19050" rIns="38100" bIns="19050" numCol="1" spcCol="1270" anchor="ctr" anchorCtr="0">
+          <a:noAutofit/>
+        </a:bodyPr>
+        <a:lstStyle/>
+        <a:p>
+          <a:pPr marL="57150" lvl="1" indent="-57150" algn="l" defTabSz="444500" rtl="0">
+            <a:lnSpc>
+              <a:spcPct val="90000"/>
+            </a:lnSpc>
+            <a:spcBef>
+              <a:spcPct val="0"/>
+            </a:spcBef>
+            <a:spcAft>
+              <a:spcPct val="15000"/>
+            </a:spcAft>
+            <a:buChar char="••"/>
+          </a:pPr>
+          <a:r>
+            <a:rPr lang="es-ES_tradnl" sz="1000" kern="1200" dirty="0" smtClean="0"/>
+            <a:t>Proveer los ABM de la aplicación y aquellas partes con bajo nivel de dificultad de programación</a:t>
+          </a:r>
+          <a:endParaRPr lang="es-AR" sz="1000" kern="1200" dirty="0"/>
+        </a:p>
+      </dsp:txBody>
+      <dsp:txXfrm rot="-5400000">
+        <a:off x="1580950" y="1805632"/>
+        <a:ext cx="6740723" cy="581709"/>
+      </dsp:txXfrm>
+    </dsp:sp>
+    <dsp:sp modelId="{AFCE5C51-BFBB-4AFE-830C-74079CB0C626}">
+      <dsp:nvSpPr>
+        <dsp:cNvPr id="0" name=""/>
+        <dsp:cNvSpPr/>
+      </dsp:nvSpPr>
+      <dsp:spPr>
+        <a:xfrm>
+          <a:off x="71770" y="1693582"/>
+          <a:ext cx="1509179" cy="805808"/>
+        </a:xfrm>
+        <a:prstGeom prst="roundRect">
+          <a:avLst/>
+        </a:prstGeom>
+        <a:solidFill>
+          <a:schemeClr val="accent1">
+            <a:hueOff val="0"/>
+            <a:satOff val="0"/>
+            <a:lumOff val="0"/>
+            <a:alphaOff val="0"/>
+          </a:schemeClr>
+        </a:solidFill>
+        <a:ln w="25400" cap="flat" cmpd="sng" algn="ctr">
+          <a:solidFill>
+            <a:schemeClr val="lt1">
+              <a:hueOff val="0"/>
+              <a:satOff val="0"/>
+              <a:lumOff val="0"/>
+              <a:alphaOff val="0"/>
+            </a:schemeClr>
+          </a:solidFill>
+          <a:prstDash val="solid"/>
+        </a:ln>
+        <a:effectLst/>
+      </dsp:spPr>
+      <dsp:style>
+        <a:lnRef idx="2">
+          <a:scrgbClr r="0" g="0" b="0"/>
+        </a:lnRef>
+        <a:fillRef idx="1">
+          <a:scrgbClr r="0" g="0" b="0"/>
+        </a:fillRef>
+        <a:effectRef idx="0">
+          <a:scrgbClr r="0" g="0" b="0"/>
+        </a:effectRef>
+        <a:fontRef idx="minor">
+          <a:schemeClr val="lt1"/>
+        </a:fontRef>
+      </dsp:style>
+      <dsp:txBody>
+        <a:bodyPr spcFirstLastPara="0" vert="horz" wrap="square" lIns="60960" tIns="30480" rIns="60960" bIns="30480" numCol="1" spcCol="1270" anchor="ctr" anchorCtr="0">
+          <a:noAutofit/>
+        </a:bodyPr>
+        <a:lstStyle/>
+        <a:p>
+          <a:pPr lvl="0" algn="ctr" defTabSz="711200" rtl="0">
+            <a:lnSpc>
+              <a:spcPct val="90000"/>
+            </a:lnSpc>
+            <a:spcBef>
+              <a:spcPct val="0"/>
+            </a:spcBef>
+            <a:spcAft>
+              <a:spcPct val="35000"/>
+            </a:spcAft>
+          </a:pPr>
+          <a:r>
+            <a:rPr lang="es-ES_tradnl" sz="1600" kern="1200" dirty="0" smtClean="0"/>
+            <a:t>Programador Junior </a:t>
+          </a:r>
+          <a:endParaRPr lang="es-AR" sz="1600" kern="1200" dirty="0"/>
+        </a:p>
+      </dsp:txBody>
+      <dsp:txXfrm>
+        <a:off x="111106" y="1732918"/>
+        <a:ext cx="1430507" cy="727136"/>
+      </dsp:txXfrm>
+    </dsp:sp>
+    <dsp:sp modelId="{E327BABE-5698-4713-9AB7-E15203D95019}">
+      <dsp:nvSpPr>
+        <dsp:cNvPr id="0" name=""/>
+        <dsp:cNvSpPr/>
+      </dsp:nvSpPr>
+      <dsp:spPr>
+        <a:xfrm rot="5400000">
+          <a:off x="4630406" y="-429194"/>
+          <a:ext cx="644647" cy="6743561"/>
+        </a:xfrm>
+        <a:prstGeom prst="round2SameRect">
+          <a:avLst/>
+        </a:prstGeom>
+        <a:solidFill>
+          <a:schemeClr val="accent1">
+            <a:alpha val="90000"/>
+            <a:tint val="40000"/>
+            <a:hueOff val="0"/>
+            <a:satOff val="0"/>
+            <a:lumOff val="0"/>
+            <a:alphaOff val="0"/>
+          </a:schemeClr>
+        </a:solidFill>
+        <a:ln w="25400" cap="flat" cmpd="sng" algn="ctr">
+          <a:solidFill>
+            <a:schemeClr val="accent1">
+              <a:alpha val="90000"/>
+              <a:tint val="40000"/>
+              <a:hueOff val="0"/>
+              <a:satOff val="0"/>
+              <a:lumOff val="0"/>
+              <a:alphaOff val="0"/>
+            </a:schemeClr>
+          </a:solidFill>
+          <a:prstDash val="solid"/>
+        </a:ln>
+        <a:effectLst/>
+      </dsp:spPr>
+      <dsp:style>
+        <a:lnRef idx="2">
+          <a:scrgbClr r="0" g="0" b="0"/>
+        </a:lnRef>
+        <a:fillRef idx="1">
+          <a:scrgbClr r="0" g="0" b="0"/>
+        </a:fillRef>
+        <a:effectRef idx="0">
+          <a:scrgbClr r="0" g="0" b="0"/>
+        </a:effectRef>
+        <a:fontRef idx="minor"/>
+      </dsp:style>
+      <dsp:txBody>
+        <a:bodyPr spcFirstLastPara="0" vert="horz" wrap="square" lIns="38100" tIns="19050" rIns="38100" bIns="19050" numCol="1" spcCol="1270" anchor="ctr" anchorCtr="0">
+          <a:noAutofit/>
+        </a:bodyPr>
+        <a:lstStyle/>
+        <a:p>
+          <a:pPr marL="57150" lvl="1" indent="-57150" algn="l" defTabSz="444500" rtl="0">
+            <a:lnSpc>
+              <a:spcPct val="90000"/>
+            </a:lnSpc>
+            <a:spcBef>
+              <a:spcPct val="0"/>
+            </a:spcBef>
+            <a:spcAft>
+              <a:spcPct val="15000"/>
+            </a:spcAft>
+            <a:buChar char="••"/>
+          </a:pPr>
+          <a:r>
+            <a:rPr lang="es-ES_tradnl" sz="1000" kern="1200" dirty="0" smtClean="0"/>
+            <a:t>Se le asignaran principalmente las interfaces de usuario. </a:t>
+          </a:r>
+          <a:r>
+            <a:rPr lang="es-ES_tradnl" sz="1000" kern="1200" dirty="0" err="1" smtClean="0"/>
+            <a:t>Debera</a:t>
+          </a:r>
+          <a:r>
+            <a:rPr lang="es-ES_tradnl" sz="1000" kern="1200" dirty="0" smtClean="0"/>
+            <a:t> ser el primer </a:t>
+          </a:r>
+          <a:r>
+            <a:rPr lang="es-ES_tradnl" sz="1000" kern="1200" dirty="0" err="1" smtClean="0"/>
+            <a:t>eslabon</a:t>
+          </a:r>
+          <a:r>
+            <a:rPr lang="es-ES_tradnl" sz="1000" kern="1200" dirty="0" smtClean="0"/>
+            <a:t> de consulta y ayuda para los niveles junior de </a:t>
+          </a:r>
+          <a:r>
+            <a:rPr lang="es-ES_tradnl" sz="1000" kern="1200" dirty="0" err="1" smtClean="0"/>
+            <a:t>seniority</a:t>
+          </a:r>
+          <a:r>
+            <a:rPr lang="es-ES_tradnl" sz="1000" kern="1200" dirty="0" smtClean="0"/>
+            <a:t>.</a:t>
+          </a:r>
+          <a:endParaRPr lang="es-AR" sz="1000" kern="1200" dirty="0"/>
+        </a:p>
+      </dsp:txBody>
+      <dsp:txXfrm rot="-5400000">
+        <a:off x="1580950" y="2651731"/>
+        <a:ext cx="6712092" cy="581709"/>
+      </dsp:txXfrm>
+    </dsp:sp>
+    <dsp:sp modelId="{A468E0C8-3E4F-4106-ADF5-DFDF2616FB58}">
+      <dsp:nvSpPr>
+        <dsp:cNvPr id="0" name=""/>
+        <dsp:cNvSpPr/>
+      </dsp:nvSpPr>
+      <dsp:spPr>
+        <a:xfrm>
+          <a:off x="71770" y="2539681"/>
+          <a:ext cx="1509179" cy="805808"/>
+        </a:xfrm>
+        <a:prstGeom prst="roundRect">
+          <a:avLst/>
+        </a:prstGeom>
+        <a:solidFill>
+          <a:schemeClr val="accent1">
+            <a:hueOff val="0"/>
+            <a:satOff val="0"/>
+            <a:lumOff val="0"/>
+            <a:alphaOff val="0"/>
+          </a:schemeClr>
+        </a:solidFill>
+        <a:ln w="25400" cap="flat" cmpd="sng" algn="ctr">
+          <a:solidFill>
+            <a:schemeClr val="lt1">
+              <a:hueOff val="0"/>
+              <a:satOff val="0"/>
+              <a:lumOff val="0"/>
+              <a:alphaOff val="0"/>
+            </a:schemeClr>
+          </a:solidFill>
+          <a:prstDash val="solid"/>
+        </a:ln>
+        <a:effectLst/>
+      </dsp:spPr>
+      <dsp:style>
+        <a:lnRef idx="2">
+          <a:scrgbClr r="0" g="0" b="0"/>
+        </a:lnRef>
+        <a:fillRef idx="1">
+          <a:scrgbClr r="0" g="0" b="0"/>
+        </a:fillRef>
+        <a:effectRef idx="0">
+          <a:scrgbClr r="0" g="0" b="0"/>
+        </a:effectRef>
+        <a:fontRef idx="minor">
+          <a:schemeClr val="lt1"/>
+        </a:fontRef>
+      </dsp:style>
+      <dsp:txBody>
+        <a:bodyPr spcFirstLastPara="0" vert="horz" wrap="square" lIns="60960" tIns="30480" rIns="60960" bIns="30480" numCol="1" spcCol="1270" anchor="ctr" anchorCtr="0">
+          <a:noAutofit/>
+        </a:bodyPr>
+        <a:lstStyle/>
+        <a:p>
+          <a:pPr lvl="0" algn="ctr" defTabSz="711200" rtl="0">
+            <a:lnSpc>
+              <a:spcPct val="90000"/>
+            </a:lnSpc>
+            <a:spcBef>
+              <a:spcPct val="0"/>
+            </a:spcBef>
+            <a:spcAft>
+              <a:spcPct val="35000"/>
+            </a:spcAft>
+          </a:pPr>
+          <a:r>
+            <a:rPr lang="es-ES_tradnl" sz="1600" kern="1200" dirty="0" smtClean="0"/>
+            <a:t>Programador </a:t>
+          </a:r>
+          <a:r>
+            <a:rPr lang="es-ES_tradnl" sz="1600" kern="1200" dirty="0" err="1" smtClean="0"/>
+            <a:t>SemiSenior</a:t>
+          </a:r>
+          <a:r>
+            <a:rPr lang="es-ES_tradnl" sz="1600" kern="1200" dirty="0" smtClean="0"/>
+            <a:t> </a:t>
+          </a:r>
+          <a:endParaRPr lang="es-AR" sz="1600" kern="1200" dirty="0"/>
+        </a:p>
+      </dsp:txBody>
+      <dsp:txXfrm>
+        <a:off x="111106" y="2579017"/>
+        <a:ext cx="1430507" cy="727136"/>
+      </dsp:txXfrm>
+    </dsp:sp>
+    <dsp:sp modelId="{D8581B53-391F-4F4E-89D7-11E63ED5F679}">
+      <dsp:nvSpPr>
+        <dsp:cNvPr id="0" name=""/>
+        <dsp:cNvSpPr/>
+      </dsp:nvSpPr>
+      <dsp:spPr>
+        <a:xfrm rot="5400000">
+          <a:off x="4613903" y="433377"/>
+          <a:ext cx="644647" cy="6710616"/>
+        </a:xfrm>
+        <a:prstGeom prst="round2SameRect">
+          <a:avLst/>
+        </a:prstGeom>
+        <a:solidFill>
+          <a:schemeClr val="accent1">
+            <a:alpha val="90000"/>
+            <a:tint val="40000"/>
+            <a:hueOff val="0"/>
+            <a:satOff val="0"/>
+            <a:lumOff val="0"/>
+            <a:alphaOff val="0"/>
+          </a:schemeClr>
+        </a:solidFill>
+        <a:ln w="25400" cap="flat" cmpd="sng" algn="ctr">
+          <a:solidFill>
+            <a:schemeClr val="accent1">
+              <a:alpha val="90000"/>
+              <a:tint val="40000"/>
+              <a:hueOff val="0"/>
+              <a:satOff val="0"/>
+              <a:lumOff val="0"/>
+              <a:alphaOff val="0"/>
+            </a:schemeClr>
+          </a:solidFill>
+          <a:prstDash val="solid"/>
+        </a:ln>
+        <a:effectLst/>
+      </dsp:spPr>
+      <dsp:style>
+        <a:lnRef idx="2">
+          <a:scrgbClr r="0" g="0" b="0"/>
+        </a:lnRef>
+        <a:fillRef idx="1">
+          <a:scrgbClr r="0" g="0" b="0"/>
+        </a:fillRef>
+        <a:effectRef idx="0">
+          <a:scrgbClr r="0" g="0" b="0"/>
+        </a:effectRef>
+        <a:fontRef idx="minor"/>
+      </dsp:style>
+      <dsp:txBody>
+        <a:bodyPr spcFirstLastPara="0" vert="horz" wrap="square" lIns="38100" tIns="19050" rIns="38100" bIns="19050" numCol="1" spcCol="1270" anchor="ctr" anchorCtr="0">
+          <a:noAutofit/>
+        </a:bodyPr>
+        <a:lstStyle/>
+        <a:p>
+          <a:pPr marL="57150" lvl="1" indent="-57150" algn="l" defTabSz="444500" rtl="0">
+            <a:lnSpc>
+              <a:spcPct val="90000"/>
+            </a:lnSpc>
+            <a:spcBef>
+              <a:spcPct val="0"/>
+            </a:spcBef>
+            <a:spcAft>
+              <a:spcPct val="15000"/>
+            </a:spcAft>
+            <a:buChar char="••"/>
+          </a:pPr>
+          <a:r>
+            <a:rPr lang="es-ES_tradnl" sz="1000" kern="1200" dirty="0" err="1" smtClean="0"/>
+            <a:t>Estara</a:t>
+          </a:r>
+          <a:r>
+            <a:rPr lang="es-ES_tradnl" sz="1000" kern="1200" dirty="0" smtClean="0"/>
+            <a:t> abocado a la integración con el sistema STARS, </a:t>
+          </a:r>
+          <a:r>
+            <a:rPr lang="es-ES_tradnl" sz="1000" kern="1200" dirty="0" err="1" smtClean="0"/>
+            <a:t>modulos</a:t>
+          </a:r>
+          <a:r>
+            <a:rPr lang="es-ES_tradnl" sz="1000" kern="1200" dirty="0" smtClean="0"/>
+            <a:t> de administración y todas aquellas tareas las cuales por complejidad, excedan a los dos primeros niveles.</a:t>
+          </a:r>
+          <a:endParaRPr lang="es-AR" sz="1000" kern="1200" dirty="0"/>
+        </a:p>
+      </dsp:txBody>
+      <dsp:txXfrm rot="-5400000">
+        <a:off x="1580919" y="3497831"/>
+        <a:ext cx="6679147" cy="581709"/>
+      </dsp:txXfrm>
+    </dsp:sp>
+    <dsp:sp modelId="{3A08988E-B1B6-4341-A1DE-CB79C1CC38F9}">
+      <dsp:nvSpPr>
+        <dsp:cNvPr id="0" name=""/>
+        <dsp:cNvSpPr/>
+      </dsp:nvSpPr>
+      <dsp:spPr>
+        <a:xfrm>
+          <a:off x="71770" y="3385780"/>
+          <a:ext cx="1509148" cy="805808"/>
+        </a:xfrm>
+        <a:prstGeom prst="roundRect">
+          <a:avLst/>
+        </a:prstGeom>
+        <a:solidFill>
+          <a:schemeClr val="accent1">
+            <a:hueOff val="0"/>
+            <a:satOff val="0"/>
+            <a:lumOff val="0"/>
+            <a:alphaOff val="0"/>
+          </a:schemeClr>
+        </a:solidFill>
+        <a:ln w="25400" cap="flat" cmpd="sng" algn="ctr">
+          <a:solidFill>
+            <a:schemeClr val="lt1">
+              <a:hueOff val="0"/>
+              <a:satOff val="0"/>
+              <a:lumOff val="0"/>
+              <a:alphaOff val="0"/>
+            </a:schemeClr>
+          </a:solidFill>
+          <a:prstDash val="solid"/>
+        </a:ln>
+        <a:effectLst/>
+      </dsp:spPr>
+      <dsp:style>
+        <a:lnRef idx="2">
+          <a:scrgbClr r="0" g="0" b="0"/>
+        </a:lnRef>
+        <a:fillRef idx="1">
+          <a:scrgbClr r="0" g="0" b="0"/>
+        </a:fillRef>
+        <a:effectRef idx="0">
+          <a:scrgbClr r="0" g="0" b="0"/>
+        </a:effectRef>
+        <a:fontRef idx="minor">
+          <a:schemeClr val="lt1"/>
+        </a:fontRef>
+      </dsp:style>
+      <dsp:txBody>
+        <a:bodyPr spcFirstLastPara="0" vert="horz" wrap="square" lIns="60960" tIns="30480" rIns="60960" bIns="30480" numCol="1" spcCol="1270" anchor="ctr" anchorCtr="0">
+          <a:noAutofit/>
+        </a:bodyPr>
+        <a:lstStyle/>
+        <a:p>
+          <a:pPr lvl="0" algn="ctr" defTabSz="711200" rtl="0">
+            <a:lnSpc>
+              <a:spcPct val="90000"/>
+            </a:lnSpc>
+            <a:spcBef>
+              <a:spcPct val="0"/>
+            </a:spcBef>
+            <a:spcAft>
+              <a:spcPct val="35000"/>
+            </a:spcAft>
+          </a:pPr>
+          <a:r>
+            <a:rPr lang="es-ES_tradnl" sz="1600" kern="1200" dirty="0" smtClean="0"/>
+            <a:t>Programador </a:t>
+          </a:r>
+          <a:r>
+            <a:rPr lang="es-ES_tradnl" sz="1600" kern="1200" dirty="0" err="1" smtClean="0"/>
+            <a:t>Senior</a:t>
+          </a:r>
+          <a:endParaRPr lang="es-AR" sz="1600" kern="1200" dirty="0"/>
+        </a:p>
+      </dsp:txBody>
+      <dsp:txXfrm>
+        <a:off x="111106" y="3425116"/>
+        <a:ext cx="1430476" cy="727136"/>
+      </dsp:txXfrm>
+    </dsp:sp>
+    <dsp:sp modelId="{F9165486-FF39-4423-9C29-129BA43F4654}">
+      <dsp:nvSpPr>
+        <dsp:cNvPr id="0" name=""/>
+        <dsp:cNvSpPr/>
+      </dsp:nvSpPr>
+      <dsp:spPr>
+        <a:xfrm rot="5400000">
+          <a:off x="4643239" y="1250171"/>
+          <a:ext cx="644647" cy="6769227"/>
+        </a:xfrm>
+        <a:prstGeom prst="round2SameRect">
+          <a:avLst/>
+        </a:prstGeom>
+        <a:solidFill>
+          <a:schemeClr val="accent1">
+            <a:alpha val="90000"/>
+            <a:tint val="40000"/>
+            <a:hueOff val="0"/>
+            <a:satOff val="0"/>
+            <a:lumOff val="0"/>
+            <a:alphaOff val="0"/>
+          </a:schemeClr>
+        </a:solidFill>
+        <a:ln w="25400" cap="flat" cmpd="sng" algn="ctr">
+          <a:solidFill>
+            <a:schemeClr val="accent1">
+              <a:alpha val="90000"/>
+              <a:tint val="40000"/>
+              <a:hueOff val="0"/>
+              <a:satOff val="0"/>
+              <a:lumOff val="0"/>
+              <a:alphaOff val="0"/>
+            </a:schemeClr>
+          </a:solidFill>
+          <a:prstDash val="solid"/>
+        </a:ln>
+        <a:effectLst/>
+      </dsp:spPr>
+      <dsp:style>
+        <a:lnRef idx="2">
+          <a:scrgbClr r="0" g="0" b="0"/>
+        </a:lnRef>
+        <a:fillRef idx="1">
+          <a:scrgbClr r="0" g="0" b="0"/>
+        </a:fillRef>
+        <a:effectRef idx="0">
+          <a:scrgbClr r="0" g="0" b="0"/>
+        </a:effectRef>
+        <a:fontRef idx="minor"/>
+      </dsp:style>
+      <dsp:txBody>
+        <a:bodyPr spcFirstLastPara="0" vert="horz" wrap="square" lIns="38100" tIns="19050" rIns="38100" bIns="19050" numCol="1" spcCol="1270" anchor="ctr" anchorCtr="0">
+          <a:noAutofit/>
+        </a:bodyPr>
+        <a:lstStyle/>
+        <a:p>
+          <a:pPr marL="57150" lvl="1" indent="-57150" algn="l" defTabSz="444500" rtl="0">
+            <a:lnSpc>
+              <a:spcPct val="90000"/>
+            </a:lnSpc>
+            <a:spcBef>
+              <a:spcPct val="0"/>
+            </a:spcBef>
+            <a:spcAft>
+              <a:spcPct val="15000"/>
+            </a:spcAft>
+            <a:buChar char="••"/>
+          </a:pPr>
+          <a:r>
+            <a:rPr lang="es-ES_tradnl" sz="1000" kern="1200" dirty="0" smtClean="0"/>
+            <a:t>Desarrollar </a:t>
+          </a:r>
+          <a:r>
+            <a:rPr lang="es-ES_tradnl" sz="1000" kern="1200" dirty="0" err="1" smtClean="0"/>
+            <a:t>llos</a:t>
+          </a:r>
+          <a:r>
+            <a:rPr lang="es-ES_tradnl" sz="1000" kern="1200" dirty="0" smtClean="0"/>
+            <a:t> test cases para el software. </a:t>
+          </a:r>
+          <a:endParaRPr lang="es-AR" sz="1000" kern="1200" dirty="0"/>
+        </a:p>
+        <a:p>
+          <a:pPr marL="57150" lvl="1" indent="-57150" algn="l" defTabSz="444500" rtl="0">
+            <a:lnSpc>
+              <a:spcPct val="90000"/>
+            </a:lnSpc>
+            <a:spcBef>
+              <a:spcPct val="0"/>
+            </a:spcBef>
+            <a:spcAft>
+              <a:spcPct val="15000"/>
+            </a:spcAft>
+            <a:buChar char="••"/>
+          </a:pPr>
+          <a:r>
+            <a:rPr lang="es-ES_tradnl" sz="1000" kern="1200" dirty="0" smtClean="0"/>
+            <a:t>Llevar a cabo las pruebas. </a:t>
+          </a:r>
+          <a:endParaRPr lang="es-AR" sz="1000" kern="1200" dirty="0"/>
+        </a:p>
+        <a:p>
+          <a:pPr marL="57150" lvl="1" indent="-57150" algn="l" defTabSz="444500" rtl="0">
+            <a:lnSpc>
+              <a:spcPct val="90000"/>
+            </a:lnSpc>
+            <a:spcBef>
+              <a:spcPct val="0"/>
+            </a:spcBef>
+            <a:spcAft>
+              <a:spcPct val="15000"/>
+            </a:spcAft>
+            <a:buChar char="••"/>
+          </a:pPr>
+          <a:r>
+            <a:rPr lang="es-ES_tradnl" sz="1000" kern="1200" dirty="0" smtClean="0"/>
+            <a:t>Crear </a:t>
+          </a:r>
+          <a:r>
+            <a:rPr lang="es-ES_tradnl" sz="1000" kern="1200" dirty="0" err="1" smtClean="0"/>
+            <a:t>ticktes</a:t>
+          </a:r>
+          <a:r>
+            <a:rPr lang="es-ES_tradnl" sz="1000" kern="1200" dirty="0" smtClean="0"/>
+            <a:t> por defectos, mejoras, etc. Utilizando el sistema de </a:t>
+          </a:r>
+          <a:r>
+            <a:rPr lang="es-ES_tradnl" sz="1000" kern="1200" dirty="0" err="1" smtClean="0"/>
+            <a:t>issue</a:t>
+          </a:r>
+          <a:r>
+            <a:rPr lang="es-ES_tradnl" sz="1000" kern="1200" dirty="0" smtClean="0"/>
+            <a:t> </a:t>
+          </a:r>
+          <a:r>
+            <a:rPr lang="es-ES_tradnl" sz="1000" kern="1200" dirty="0" err="1" smtClean="0"/>
+            <a:t>tracker</a:t>
+          </a:r>
+          <a:r>
+            <a:rPr lang="es-ES_tradnl" sz="1000" kern="1200" dirty="0" smtClean="0"/>
+            <a:t>.</a:t>
+          </a:r>
+          <a:endParaRPr lang="es-AR" sz="1000" kern="1200" dirty="0"/>
+        </a:p>
+      </dsp:txBody>
+      <dsp:txXfrm rot="-5400000">
+        <a:off x="1580950" y="4343930"/>
+        <a:ext cx="6737758" cy="581709"/>
+      </dsp:txXfrm>
+    </dsp:sp>
+    <dsp:sp modelId="{DCC34C6A-92C8-483A-B62C-58FDCAAB2889}">
+      <dsp:nvSpPr>
+        <dsp:cNvPr id="0" name=""/>
+        <dsp:cNvSpPr/>
+      </dsp:nvSpPr>
+      <dsp:spPr>
+        <a:xfrm>
+          <a:off x="71770" y="4231880"/>
+          <a:ext cx="1509179" cy="805808"/>
+        </a:xfrm>
+        <a:prstGeom prst="roundRect">
+          <a:avLst/>
+        </a:prstGeom>
+        <a:solidFill>
+          <a:schemeClr val="accent1">
+            <a:hueOff val="0"/>
+            <a:satOff val="0"/>
+            <a:lumOff val="0"/>
+            <a:alphaOff val="0"/>
+          </a:schemeClr>
+        </a:solidFill>
+        <a:ln w="25400" cap="flat" cmpd="sng" algn="ctr">
+          <a:solidFill>
+            <a:schemeClr val="lt1">
+              <a:hueOff val="0"/>
+              <a:satOff val="0"/>
+              <a:lumOff val="0"/>
+              <a:alphaOff val="0"/>
+            </a:schemeClr>
+          </a:solidFill>
+          <a:prstDash val="solid"/>
+        </a:ln>
+        <a:effectLst/>
+      </dsp:spPr>
+      <dsp:style>
+        <a:lnRef idx="2">
+          <a:scrgbClr r="0" g="0" b="0"/>
+        </a:lnRef>
+        <a:fillRef idx="1">
+          <a:scrgbClr r="0" g="0" b="0"/>
+        </a:fillRef>
+        <a:effectRef idx="0">
+          <a:scrgbClr r="0" g="0" b="0"/>
+        </a:effectRef>
+        <a:fontRef idx="minor">
+          <a:schemeClr val="lt1"/>
+        </a:fontRef>
+      </dsp:style>
+      <dsp:txBody>
+        <a:bodyPr spcFirstLastPara="0" vert="horz" wrap="square" lIns="60960" tIns="30480" rIns="60960" bIns="30480" numCol="1" spcCol="1270" anchor="ctr" anchorCtr="0">
+          <a:noAutofit/>
+        </a:bodyPr>
+        <a:lstStyle/>
+        <a:p>
+          <a:pPr lvl="0" algn="ctr" defTabSz="711200" rtl="0">
+            <a:lnSpc>
+              <a:spcPct val="90000"/>
+            </a:lnSpc>
+            <a:spcBef>
+              <a:spcPct val="0"/>
+            </a:spcBef>
+            <a:spcAft>
+              <a:spcPct val="35000"/>
+            </a:spcAft>
+          </a:pPr>
+          <a:r>
+            <a:rPr lang="es-ES_tradnl" sz="1600" kern="1200" dirty="0" err="1" smtClean="0"/>
+            <a:t>Tester</a:t>
+          </a:r>
+          <a:r>
+            <a:rPr lang="es-ES_tradnl" sz="1600" kern="1200" dirty="0" smtClean="0"/>
+            <a:t> </a:t>
+          </a:r>
+          <a:endParaRPr lang="es-AR" sz="1600" kern="1200" dirty="0"/>
+        </a:p>
+      </dsp:txBody>
+      <dsp:txXfrm>
+        <a:off x="111106" y="4271216"/>
+        <a:ext cx="1430507" cy="727136"/>
+      </dsp:txXfrm>
+    </dsp:sp>
+  </dsp:spTree>
+</dsp:drawing>
+</file>
+
 <file path=ppt/diagrams/layout1.xml><?xml version="1.0" encoding="utf-8"?>
 <dgm:layoutDef xmlns:dgm="http://schemas.openxmlformats.org/drawingml/2006/diagram" xmlns:a="http://schemas.openxmlformats.org/drawingml/2006/main" uniqueId="urn:microsoft.com/office/officeart/2005/8/layout/matrix3">
   <dgm:title val=""/>
@@ -1793,7 +4811,1274 @@
 </dgm:layoutDef>
 </file>
 
+<file path=ppt/diagrams/layout2.xml><?xml version="1.0" encoding="utf-8"?>
+<dgm:layoutDef xmlns:dgm="http://schemas.openxmlformats.org/drawingml/2006/diagram" xmlns:a="http://schemas.openxmlformats.org/drawingml/2006/main" uniqueId="urn:microsoft.com/office/officeart/2005/8/layout/vList5">
+  <dgm:title val=""/>
+  <dgm:desc val=""/>
+  <dgm:catLst>
+    <dgm:cat type="list" pri="15000"/>
+    <dgm:cat type="convert" pri="2000"/>
+  </dgm:catLst>
+  <dgm:sampData>
+    <dgm:dataModel>
+      <dgm:ptLst>
+        <dgm:pt modelId="0" type="doc"/>
+        <dgm:pt modelId="1">
+          <dgm:prSet phldr="1"/>
+        </dgm:pt>
+        <dgm:pt modelId="11">
+          <dgm:prSet phldr="1"/>
+        </dgm:pt>
+        <dgm:pt modelId="12">
+          <dgm:prSet phldr="1"/>
+        </dgm:pt>
+        <dgm:pt modelId="2">
+          <dgm:prSet phldr="1"/>
+        </dgm:pt>
+        <dgm:pt modelId="21">
+          <dgm:prSet phldr="1"/>
+        </dgm:pt>
+        <dgm:pt modelId="22">
+          <dgm:prSet phldr="1"/>
+        </dgm:pt>
+        <dgm:pt modelId="3">
+          <dgm:prSet phldr="1"/>
+        </dgm:pt>
+        <dgm:pt modelId="31">
+          <dgm:prSet phldr="1"/>
+        </dgm:pt>
+        <dgm:pt modelId="32">
+          <dgm:prSet phldr="1"/>
+        </dgm:pt>
+      </dgm:ptLst>
+      <dgm:cxnLst>
+        <dgm:cxn modelId="4" srcId="0" destId="1" srcOrd="0" destOrd="0"/>
+        <dgm:cxn modelId="5" srcId="0" destId="2" srcOrd="1" destOrd="0"/>
+        <dgm:cxn modelId="6" srcId="0" destId="3" srcOrd="2" destOrd="0"/>
+        <dgm:cxn modelId="13" srcId="1" destId="11" srcOrd="0" destOrd="0"/>
+        <dgm:cxn modelId="14" srcId="1" destId="12" srcOrd="1" destOrd="0"/>
+        <dgm:cxn modelId="23" srcId="2" destId="21" srcOrd="0" destOrd="0"/>
+        <dgm:cxn modelId="24" srcId="2" destId="22" srcOrd="1" destOrd="0"/>
+        <dgm:cxn modelId="33" srcId="3" destId="31" srcOrd="0" destOrd="0"/>
+        <dgm:cxn modelId="34" srcId="3" destId="32" srcOrd="1" destOrd="0"/>
+      </dgm:cxnLst>
+      <dgm:bg/>
+      <dgm:whole/>
+    </dgm:dataModel>
+  </dgm:sampData>
+  <dgm:styleData>
+    <dgm:dataModel>
+      <dgm:ptLst>
+        <dgm:pt modelId="0" type="doc"/>
+        <dgm:pt modelId="1"/>
+        <dgm:pt modelId="11"/>
+        <dgm:pt modelId="2"/>
+        <dgm:pt modelId="21"/>
+      </dgm:ptLst>
+      <dgm:cxnLst>
+        <dgm:cxn modelId="4" srcId="0" destId="1" srcOrd="0" destOrd="0"/>
+        <dgm:cxn modelId="5" srcId="0" destId="2" srcOrd="1" destOrd="0"/>
+        <dgm:cxn modelId="13" srcId="1" destId="11" srcOrd="0" destOrd="0"/>
+        <dgm:cxn modelId="23" srcId="2" destId="21" srcOrd="0" destOrd="0"/>
+      </dgm:cxnLst>
+      <dgm:bg/>
+      <dgm:whole/>
+    </dgm:dataModel>
+  </dgm:styleData>
+  <dgm:clrData>
+    <dgm:dataModel>
+      <dgm:ptLst>
+        <dgm:pt modelId="0" type="doc"/>
+        <dgm:pt modelId="1"/>
+        <dgm:pt modelId="11"/>
+        <dgm:pt modelId="2"/>
+        <dgm:pt modelId="21"/>
+        <dgm:pt modelId="3"/>
+        <dgm:pt modelId="31"/>
+        <dgm:pt modelId="4"/>
+        <dgm:pt modelId="41"/>
+      </dgm:ptLst>
+      <dgm:cxnLst>
+        <dgm:cxn modelId="5" srcId="0" destId="1" srcOrd="0" destOrd="0"/>
+        <dgm:cxn modelId="6" srcId="0" destId="2" srcOrd="1" destOrd="0"/>
+        <dgm:cxn modelId="7" srcId="0" destId="3" srcOrd="2" destOrd="0"/>
+        <dgm:cxn modelId="8" srcId="0" destId="4" srcOrd="3" destOrd="0"/>
+        <dgm:cxn modelId="13" srcId="1" destId="11" srcOrd="0" destOrd="0"/>
+        <dgm:cxn modelId="23" srcId="2" destId="21" srcOrd="0" destOrd="0"/>
+        <dgm:cxn modelId="33" srcId="3" destId="31" srcOrd="0" destOrd="0"/>
+        <dgm:cxn modelId="43" srcId="4" destId="41" srcOrd="0" destOrd="0"/>
+      </dgm:cxnLst>
+      <dgm:bg/>
+      <dgm:whole/>
+    </dgm:dataModel>
+  </dgm:clrData>
+  <dgm:layoutNode name="Name0">
+    <dgm:varLst>
+      <dgm:dir/>
+      <dgm:animLvl val="lvl"/>
+      <dgm:resizeHandles val="exact"/>
+    </dgm:varLst>
+    <dgm:choose name="Name1">
+      <dgm:if name="Name2" func="var" arg="dir" op="equ" val="norm">
+        <dgm:alg type="lin">
+          <dgm:param type="linDir" val="fromT"/>
+          <dgm:param type="nodeHorzAlign" val="l"/>
+        </dgm:alg>
+      </dgm:if>
+      <dgm:else name="Name3">
+        <dgm:alg type="lin">
+          <dgm:param type="linDir" val="fromT"/>
+          <dgm:param type="nodeHorzAlign" val="r"/>
+        </dgm:alg>
+      </dgm:else>
+    </dgm:choose>
+    <dgm:shape xmlns:r="http://schemas.openxmlformats.org/officeDocument/2006/relationships" r:blip="">
+      <dgm:adjLst/>
+    </dgm:shape>
+    <dgm:presOf/>
+    <dgm:constrLst>
+      <dgm:constr type="h" for="ch" forName="linNode" refType="h"/>
+      <dgm:constr type="w" for="ch" forName="linNode" refType="w"/>
+      <dgm:constr type="h" for="ch" forName="sp" refType="h" fact="0.05"/>
+      <dgm:constr type="primFontSz" for="des" forName="parentText" op="equ" val="65"/>
+      <dgm:constr type="secFontSz" for="des" forName="descendantText" op="equ"/>
+    </dgm:constrLst>
+    <dgm:ruleLst/>
+    <dgm:forEach name="Name4" axis="ch" ptType="node">
+      <dgm:layoutNode name="linNode">
+        <dgm:choose name="Name5">
+          <dgm:if name="Name6" func="var" arg="dir" op="equ" val="norm">
+            <dgm:alg type="lin">
+              <dgm:param type="linDir" val="fromL"/>
+            </dgm:alg>
+          </dgm:if>
+          <dgm:else name="Name7">
+            <dgm:alg type="lin">
+              <dgm:param type="linDir" val="fromR"/>
+            </dgm:alg>
+          </dgm:else>
+        </dgm:choose>
+        <dgm:shape xmlns:r="http://schemas.openxmlformats.org/officeDocument/2006/relationships" r:blip="">
+          <dgm:adjLst/>
+        </dgm:shape>
+        <dgm:presOf/>
+        <dgm:constrLst>
+          <dgm:constr type="w" for="ch" forName="parentText" refType="w" fact="0.36"/>
+          <dgm:constr type="w" for="ch" forName="descendantText" refType="w" fact="0.64"/>
+          <dgm:constr type="h" for="ch" forName="parentText" refType="h"/>
+          <dgm:constr type="h" for="ch" forName="descendantText" refType="h" refFor="ch" refForName="parentText" fact="0.8"/>
+        </dgm:constrLst>
+        <dgm:ruleLst/>
+        <dgm:layoutNode name="parentText">
+          <dgm:varLst>
+            <dgm:chMax val="1"/>
+            <dgm:bulletEnabled val="1"/>
+          </dgm:varLst>
+          <dgm:alg type="tx"/>
+          <dgm:shape xmlns:r="http://schemas.openxmlformats.org/officeDocument/2006/relationships" type="roundRect" r:blip="" zOrderOff="3">
+            <dgm:adjLst/>
+          </dgm:shape>
+          <dgm:presOf axis="self" ptType="node"/>
+          <dgm:constrLst>
+            <dgm:constr type="tMarg" refType="primFontSz" fact="0.15"/>
+            <dgm:constr type="bMarg" refType="primFontSz" fact="0.15"/>
+            <dgm:constr type="lMarg" refType="primFontSz" fact="0.3"/>
+            <dgm:constr type="rMarg" refType="primFontSz" fact="0.3"/>
+          </dgm:constrLst>
+          <dgm:ruleLst>
+            <dgm:rule type="primFontSz" val="5" fact="NaN" max="NaN"/>
+          </dgm:ruleLst>
+        </dgm:layoutNode>
+        <dgm:choose name="Name8">
+          <dgm:if name="Name9" axis="ch" ptType="node" func="cnt" op="gte" val="1">
+            <dgm:layoutNode name="descendantText" styleLbl="alignAccFollowNode1">
+              <dgm:varLst>
+                <dgm:bulletEnabled val="1"/>
+              </dgm:varLst>
+              <dgm:alg type="tx">
+                <dgm:param type="stBulletLvl" val="1"/>
+                <dgm:param type="txAnchorVertCh" val="mid"/>
+              </dgm:alg>
+              <dgm:choose name="Name10">
+                <dgm:if name="Name11" func="var" arg="dir" op="equ" val="norm">
+                  <dgm:shape xmlns:r="http://schemas.openxmlformats.org/officeDocument/2006/relationships" rot="90" type="round2SameRect" r:blip="">
+                    <dgm:adjLst/>
+                  </dgm:shape>
+                </dgm:if>
+                <dgm:else name="Name12">
+                  <dgm:shape xmlns:r="http://schemas.openxmlformats.org/officeDocument/2006/relationships" rot="-90" type="round2SameRect" r:blip="">
+                    <dgm:adjLst/>
+                  </dgm:shape>
+                </dgm:else>
+              </dgm:choose>
+              <dgm:presOf axis="des" ptType="node"/>
+              <dgm:constrLst>
+                <dgm:constr type="secFontSz" val="65"/>
+                <dgm:constr type="primFontSz" refType="secFontSz"/>
+                <dgm:constr type="lMarg" refType="secFontSz" fact="0.3"/>
+                <dgm:constr type="rMarg" refType="secFontSz" fact="0.3"/>
+                <dgm:constr type="tMarg" refType="secFontSz" fact="0.15"/>
+                <dgm:constr type="bMarg" refType="secFontSz" fact="0.15"/>
+              </dgm:constrLst>
+              <dgm:ruleLst>
+                <dgm:rule type="secFontSz" val="5" fact="NaN" max="NaN"/>
+              </dgm:ruleLst>
+            </dgm:layoutNode>
+          </dgm:if>
+          <dgm:else name="Name13"/>
+        </dgm:choose>
+      </dgm:layoutNode>
+      <dgm:forEach name="Name14" axis="followSib" ptType="sibTrans" cnt="1">
+        <dgm:layoutNode name="sp">
+          <dgm:alg type="sp"/>
+          <dgm:shape xmlns:r="http://schemas.openxmlformats.org/officeDocument/2006/relationships" r:blip="">
+            <dgm:adjLst/>
+          </dgm:shape>
+          <dgm:presOf/>
+          <dgm:constrLst/>
+          <dgm:ruleLst/>
+        </dgm:layoutNode>
+      </dgm:forEach>
+    </dgm:forEach>
+  </dgm:layoutNode>
+</dgm:layoutDef>
+</file>
+
 <file path=ppt/diagrams/quickStyle1.xml><?xml version="1.0" encoding="utf-8"?>
+<dgm:styleDef xmlns:dgm="http://schemas.openxmlformats.org/drawingml/2006/diagram" xmlns:a="http://schemas.openxmlformats.org/drawingml/2006/main" uniqueId="urn:microsoft.com/office/officeart/2005/8/quickstyle/simple1">
+  <dgm:title val=""/>
+  <dgm:desc val=""/>
+  <dgm:catLst>
+    <dgm:cat type="simple" pri="10100"/>
+  </dgm:catLst>
+  <dgm:scene3d>
+    <a:camera prst="orthographicFront"/>
+    <a:lightRig rig="threePt" dir="t"/>
+  </dgm:scene3d>
+  <dgm:styleLbl name="node0">
+    <dgm:scene3d>
+      <a:camera prst="orthographicFront"/>
+      <a:lightRig rig="threePt" dir="t"/>
+    </dgm:scene3d>
+    <dgm:sp3d/>
+    <dgm:txPr/>
+    <dgm:style>
+      <a:lnRef idx="2">
+        <a:scrgbClr r="0" g="0" b="0"/>
+      </a:lnRef>
+      <a:fillRef idx="1">
+        <a:scrgbClr r="0" g="0" b="0"/>
+      </a:fillRef>
+      <a:effectRef idx="0">
+        <a:scrgbClr r="0" g="0" b="0"/>
+      </a:effectRef>
+      <a:fontRef idx="minor">
+        <a:schemeClr val="lt1"/>
+      </a:fontRef>
+    </dgm:style>
+  </dgm:styleLbl>
+  <dgm:styleLbl name="lnNode1">
+    <dgm:scene3d>
+      <a:camera prst="orthographicFront"/>
+      <a:lightRig rig="threePt" dir="t"/>
+    </dgm:scene3d>
+    <dgm:sp3d/>
+    <dgm:txPr/>
+    <dgm:style>
+      <a:lnRef idx="2">
+        <a:scrgbClr r="0" g="0" b="0"/>
+      </a:lnRef>
+      <a:fillRef idx="1">
+        <a:scrgbClr r="0" g="0" b="0"/>
+      </a:fillRef>
+      <a:effectRef idx="0">
+        <a:scrgbClr r="0" g="0" b="0"/>
+      </a:effectRef>
+      <a:fontRef idx="minor">
+        <a:schemeClr val="lt1"/>
+      </a:fontRef>
+    </dgm:style>
+  </dgm:styleLbl>
+  <dgm:styleLbl name="vennNode1">
+    <dgm:scene3d>
+      <a:camera prst="orthographicFront"/>
+      <a:lightRig rig="threePt" dir="t"/>
+    </dgm:scene3d>
+    <dgm:sp3d/>
+    <dgm:txPr/>
+    <dgm:style>
+      <a:lnRef idx="2">
+        <a:scrgbClr r="0" g="0" b="0"/>
+      </a:lnRef>
+      <a:fillRef idx="1">
+        <a:scrgbClr r="0" g="0" b="0"/>
+      </a:fillRef>
+      <a:effectRef idx="0">
+        <a:scrgbClr r="0" g="0" b="0"/>
+      </a:effectRef>
+      <a:fontRef idx="minor">
+        <a:schemeClr val="tx1"/>
+      </a:fontRef>
+    </dgm:style>
+  </dgm:styleLbl>
+  <dgm:styleLbl name="alignNode1">
+    <dgm:scene3d>
+      <a:camera prst="orthographicFront"/>
+      <a:lightRig rig="threePt" dir="t"/>
+    </dgm:scene3d>
+    <dgm:sp3d/>
+    <dgm:txPr/>
+    <dgm:style>
+      <a:lnRef idx="2">
+        <a:scrgbClr r="0" g="0" b="0"/>
+      </a:lnRef>
+      <a:fillRef idx="1">
+        <a:scrgbClr r="0" g="0" b="0"/>
+      </a:fillRef>
+      <a:effectRef idx="0">
+        <a:scrgbClr r="0" g="0" b="0"/>
+      </a:effectRef>
+      <a:fontRef idx="minor">
+        <a:schemeClr val="lt1"/>
+      </a:fontRef>
+    </dgm:style>
+  </dgm:styleLbl>
+  <dgm:styleLbl name="node1">
+    <dgm:scene3d>
+      <a:camera prst="orthographicFront"/>
+      <a:lightRig rig="threePt" dir="t"/>
+    </dgm:scene3d>
+    <dgm:sp3d/>
+    <dgm:txPr/>
+    <dgm:style>
+      <a:lnRef idx="2">
+        <a:scrgbClr r="0" g="0" b="0"/>
+      </a:lnRef>
+      <a:fillRef idx="1">
+        <a:scrgbClr r="0" g="0" b="0"/>
+      </a:fillRef>
+      <a:effectRef idx="0">
+        <a:scrgbClr r="0" g="0" b="0"/>
+      </a:effectRef>
+      <a:fontRef idx="minor">
+        <a:schemeClr val="lt1"/>
+      </a:fontRef>
+    </dgm:style>
+  </dgm:styleLbl>
+  <dgm:styleLbl name="node2">
+    <dgm:scene3d>
+      <a:camera prst="orthographicFront"/>
+      <a:lightRig rig="threePt" dir="t"/>
+    </dgm:scene3d>
+    <dgm:sp3d/>
+    <dgm:txPr/>
+    <dgm:style>
+      <a:lnRef idx="2">
+        <a:scrgbClr r="0" g="0" b="0"/>
+      </a:lnRef>
+      <a:fillRef idx="1">
+        <a:scrgbClr r="0" g="0" b="0"/>
+      </a:fillRef>
+      <a:effectRef idx="0">
+        <a:scrgbClr r="0" g="0" b="0"/>
+      </a:effectRef>
+      <a:fontRef idx="minor">
+        <a:schemeClr val="lt1"/>
+      </a:fontRef>
+    </dgm:style>
+  </dgm:styleLbl>
+  <dgm:styleLbl name="node3">
+    <dgm:scene3d>
+      <a:camera prst="orthographicFront"/>
+      <a:lightRig rig="threePt" dir="t"/>
+    </dgm:scene3d>
+    <dgm:sp3d/>
+    <dgm:txPr/>
+    <dgm:style>
+      <a:lnRef idx="2">
+        <a:scrgbClr r="0" g="0" b="0"/>
+      </a:lnRef>
+      <a:fillRef idx="1">
+        <a:scrgbClr r="0" g="0" b="0"/>
+      </a:fillRef>
+      <a:effectRef idx="0">
+        <a:scrgbClr r="0" g="0" b="0"/>
+      </a:effectRef>
+      <a:fontRef idx="minor">
+        <a:schemeClr val="lt1"/>
+      </a:fontRef>
+    </dgm:style>
+  </dgm:styleLbl>
+  <dgm:styleLbl name="node4">
+    <dgm:scene3d>
+      <a:camera prst="orthographicFront"/>
+      <a:lightRig rig="threePt" dir="t"/>
+    </dgm:scene3d>
+    <dgm:sp3d/>
+    <dgm:txPr/>
+    <dgm:style>
+      <a:lnRef idx="2">
+        <a:scrgbClr r="0" g="0" b="0"/>
+      </a:lnRef>
+      <a:fillRef idx="1">
+        <a:scrgbClr r="0" g="0" b="0"/>
+      </a:fillRef>
+      <a:effectRef idx="0">
+        <a:scrgbClr r="0" g="0" b="0"/>
+      </a:effectRef>
+      <a:fontRef idx="minor">
+        <a:schemeClr val="lt1"/>
+      </a:fontRef>
+    </dgm:style>
+  </dgm:styleLbl>
+  <dgm:styleLbl name="fgImgPlace1">
+    <dgm:scene3d>
+      <a:camera prst="orthographicFront"/>
+      <a:lightRig rig="threePt" dir="t"/>
+    </dgm:scene3d>
+    <dgm:sp3d/>
+    <dgm:txPr/>
+    <dgm:style>
+      <a:lnRef idx="2">
+        <a:scrgbClr r="0" g="0" b="0"/>
+      </a:lnRef>
+      <a:fillRef idx="1">
+        <a:scrgbClr r="0" g="0" b="0"/>
+      </a:fillRef>
+      <a:effectRef idx="0">
+        <a:scrgbClr r="0" g="0" b="0"/>
+      </a:effectRef>
+      <a:fontRef idx="minor"/>
+    </dgm:style>
+  </dgm:styleLbl>
+  <dgm:styleLbl name="alignImgPlace1">
+    <dgm:scene3d>
+      <a:camera prst="orthographicFront"/>
+      <a:lightRig rig="threePt" dir="t"/>
+    </dgm:scene3d>
+    <dgm:sp3d/>
+    <dgm:txPr/>
+    <dgm:style>
+      <a:lnRef idx="2">
+        <a:scrgbClr r="0" g="0" b="0"/>
+      </a:lnRef>
+      <a:fillRef idx="1">
+        <a:scrgbClr r="0" g="0" b="0"/>
+      </a:fillRef>
+      <a:effectRef idx="0">
+        <a:scrgbClr r="0" g="0" b="0"/>
+      </a:effectRef>
+      <a:fontRef idx="minor"/>
+    </dgm:style>
+  </dgm:styleLbl>
+  <dgm:styleLbl name="bgImgPlace1">
+    <dgm:scene3d>
+      <a:camera prst="orthographicFront"/>
+      <a:lightRig rig="threePt" dir="t"/>
+    </dgm:scene3d>
+    <dgm:sp3d/>
+    <dgm:txPr/>
+    <dgm:style>
+      <a:lnRef idx="2">
+        <a:scrgbClr r="0" g="0" b="0"/>
+      </a:lnRef>
+      <a:fillRef idx="1">
+        <a:scrgbClr r="0" g="0" b="0"/>
+      </a:fillRef>
+      <a:effectRef idx="0">
+        <a:scrgbClr r="0" g="0" b="0"/>
+      </a:effectRef>
+      <a:fontRef idx="minor"/>
+    </dgm:style>
+  </dgm:styleLbl>
+  <dgm:styleLbl name="sibTrans2D1">
+    <dgm:scene3d>
+      <a:camera prst="orthographicFront"/>
+      <a:lightRig rig="threePt" dir="t"/>
+    </dgm:scene3d>
+    <dgm:sp3d/>
+    <dgm:txPr/>
+    <dgm:style>
+      <a:lnRef idx="0">
+        <a:scrgbClr r="0" g="0" b="0"/>
+      </a:lnRef>
+      <a:fillRef idx="1">
+        <a:scrgbClr r="0" g="0" b="0"/>
+      </a:fillRef>
+      <a:effectRef idx="0">
+        <a:scrgbClr r="0" g="0" b="0"/>
+      </a:effectRef>
+      <a:fontRef idx="minor">
+        <a:schemeClr val="lt1"/>
+      </a:fontRef>
+    </dgm:style>
+  </dgm:styleLbl>
+  <dgm:styleLbl name="fgSibTrans2D1">
+    <dgm:scene3d>
+      <a:camera prst="orthographicFront"/>
+      <a:lightRig rig="threePt" dir="t"/>
+    </dgm:scene3d>
+    <dgm:sp3d/>
+    <dgm:txPr/>
+    <dgm:style>
+      <a:lnRef idx="0">
+        <a:scrgbClr r="0" g="0" b="0"/>
+      </a:lnRef>
+      <a:fillRef idx="1">
+        <a:scrgbClr r="0" g="0" b="0"/>
+      </a:fillRef>
+      <a:effectRef idx="0">
+        <a:scrgbClr r="0" g="0" b="0"/>
+      </a:effectRef>
+      <a:fontRef idx="minor">
+        <a:schemeClr val="lt1"/>
+      </a:fontRef>
+    </dgm:style>
+  </dgm:styleLbl>
+  <dgm:styleLbl name="bgSibTrans2D1">
+    <dgm:scene3d>
+      <a:camera prst="orthographicFront"/>
+      <a:lightRig rig="threePt" dir="t"/>
+    </dgm:scene3d>
+    <dgm:sp3d/>
+    <dgm:txPr/>
+    <dgm:style>
+      <a:lnRef idx="0">
+        <a:scrgbClr r="0" g="0" b="0"/>
+      </a:lnRef>
+      <a:fillRef idx="1">
+        <a:scrgbClr r="0" g="0" b="0"/>
+      </a:fillRef>
+      <a:effectRef idx="0">
+        <a:scrgbClr r="0" g="0" b="0"/>
+      </a:effectRef>
+      <a:fontRef idx="minor">
+        <a:schemeClr val="lt1"/>
+      </a:fontRef>
+    </dgm:style>
+  </dgm:styleLbl>
+  <dgm:styleLbl name="sibTrans1D1">
+    <dgm:scene3d>
+      <a:camera prst="orthographicFront"/>
+      <a:lightRig rig="threePt" dir="t"/>
+    </dgm:scene3d>
+    <dgm:sp3d/>
+    <dgm:txPr/>
+    <dgm:style>
+      <a:lnRef idx="1">
+        <a:scrgbClr r="0" g="0" b="0"/>
+      </a:lnRef>
+      <a:fillRef idx="0">
+        <a:scrgbClr r="0" g="0" b="0"/>
+      </a:fillRef>
+      <a:effectRef idx="0">
+        <a:scrgbClr r="0" g="0" b="0"/>
+      </a:effectRef>
+      <a:fontRef idx="minor"/>
+    </dgm:style>
+  </dgm:styleLbl>
+  <dgm:styleLbl name="callout">
+    <dgm:scene3d>
+      <a:camera prst="orthographicFront"/>
+      <a:lightRig rig="threePt" dir="t"/>
+    </dgm:scene3d>
+    <dgm:sp3d/>
+    <dgm:txPr/>
+    <dgm:style>
+      <a:lnRef idx="2">
+        <a:scrgbClr r="0" g="0" b="0"/>
+      </a:lnRef>
+      <a:fillRef idx="1">
+        <a:scrgbClr r="0" g="0" b="0"/>
+      </a:fillRef>
+      <a:effectRef idx="0">
+        <a:scrgbClr r="0" g="0" b="0"/>
+      </a:effectRef>
+      <a:fontRef idx="minor"/>
+    </dgm:style>
+  </dgm:styleLbl>
+  <dgm:styleLbl name="asst0">
+    <dgm:scene3d>
+      <a:camera prst="orthographicFront"/>
+      <a:lightRig rig="threePt" dir="t"/>
+    </dgm:scene3d>
+    <dgm:sp3d/>
+    <dgm:txPr/>
+    <dgm:style>
+      <a:lnRef idx="2">
+        <a:scrgbClr r="0" g="0" b="0"/>
+      </a:lnRef>
+      <a:fillRef idx="1">
+        <a:scrgbClr r="0" g="0" b="0"/>
+      </a:fillRef>
+      <a:effectRef idx="0">
+        <a:scrgbClr r="0" g="0" b="0"/>
+      </a:effectRef>
+      <a:fontRef idx="minor">
+        <a:schemeClr val="lt1"/>
+      </a:fontRef>
+    </dgm:style>
+  </dgm:styleLbl>
+  <dgm:styleLbl name="asst1">
+    <dgm:scene3d>
+      <a:camera prst="orthographicFront"/>
+      <a:lightRig rig="threePt" dir="t"/>
+    </dgm:scene3d>
+    <dgm:sp3d/>
+    <dgm:txPr/>
+    <dgm:style>
+      <a:lnRef idx="2">
+        <a:scrgbClr r="0" g="0" b="0"/>
+      </a:lnRef>
+      <a:fillRef idx="1">
+        <a:scrgbClr r="0" g="0" b="0"/>
+      </a:fillRef>
+      <a:effectRef idx="0">
+        <a:scrgbClr r="0" g="0" b="0"/>
+      </a:effectRef>
+      <a:fontRef idx="minor">
+        <a:schemeClr val="lt1"/>
+      </a:fontRef>
+    </dgm:style>
+  </dgm:styleLbl>
+  <dgm:styleLbl name="asst2">
+    <dgm:scene3d>
+      <a:camera prst="orthographicFront"/>
+      <a:lightRig rig="threePt" dir="t"/>
+    </dgm:scene3d>
+    <dgm:sp3d/>
+    <dgm:txPr/>
+    <dgm:style>
+      <a:lnRef idx="2">
+        <a:scrgbClr r="0" g="0" b="0"/>
+      </a:lnRef>
+      <a:fillRef idx="1">
+        <a:scrgbClr r="0" g="0" b="0"/>
+      </a:fillRef>
+      <a:effectRef idx="0">
+        <a:scrgbClr r="0" g="0" b="0"/>
+      </a:effectRef>
+      <a:fontRef idx="minor">
+        <a:schemeClr val="lt1"/>
+      </a:fontRef>
+    </dgm:style>
+  </dgm:styleLbl>
+  <dgm:styleLbl name="asst3">
+    <dgm:scene3d>
+      <a:camera prst="orthographicFront"/>
+      <a:lightRig rig="threePt" dir="t"/>
+    </dgm:scene3d>
+    <dgm:sp3d/>
+    <dgm:txPr/>
+    <dgm:style>
+      <a:lnRef idx="2">
+        <a:scrgbClr r="0" g="0" b="0"/>
+      </a:lnRef>
+      <a:fillRef idx="1">
+        <a:scrgbClr r="0" g="0" b="0"/>
+      </a:fillRef>
+      <a:effectRef idx="0">
+        <a:scrgbClr r="0" g="0" b="0"/>
+      </a:effectRef>
+      <a:fontRef idx="minor">
+        <a:schemeClr val="lt1"/>
+      </a:fontRef>
+    </dgm:style>
+  </dgm:styleLbl>
+  <dgm:styleLbl name="asst4">
+    <dgm:scene3d>
+      <a:camera prst="orthographicFront"/>
+      <a:lightRig rig="threePt" dir="t"/>
+    </dgm:scene3d>
+    <dgm:sp3d/>
+    <dgm:txPr/>
+    <dgm:style>
+      <a:lnRef idx="2">
+        <a:scrgbClr r="0" g="0" b="0"/>
+      </a:lnRef>
+      <a:fillRef idx="1">
+        <a:scrgbClr r="0" g="0" b="0"/>
+      </a:fillRef>
+      <a:effectRef idx="0">
+        <a:scrgbClr r="0" g="0" b="0"/>
+      </a:effectRef>
+      <a:fontRef idx="minor">
+        <a:schemeClr val="lt1"/>
+      </a:fontRef>
+    </dgm:style>
+  </dgm:styleLbl>
+  <dgm:styleLbl name="parChTrans2D1">
+    <dgm:scene3d>
+      <a:camera prst="orthographicFront"/>
+      <a:lightRig rig="threePt" dir="t"/>
+    </dgm:scene3d>
+    <dgm:sp3d/>
+    <dgm:txPr/>
+    <dgm:style>
+      <a:lnRef idx="2">
+        <a:scrgbClr r="0" g="0" b="0"/>
+      </a:lnRef>
+      <a:fillRef idx="1">
+        <a:scrgbClr r="0" g="0" b="0"/>
+      </a:fillRef>
+      <a:effectRef idx="0">
+        <a:scrgbClr r="0" g="0" b="0"/>
+      </a:effectRef>
+      <a:fontRef idx="minor">
+        <a:schemeClr val="lt1"/>
+      </a:fontRef>
+    </dgm:style>
+  </dgm:styleLbl>
+  <dgm:styleLbl name="parChTrans2D2">
+    <dgm:scene3d>
+      <a:camera prst="orthographicFront"/>
+      <a:lightRig rig="threePt" dir="t"/>
+    </dgm:scene3d>
+    <dgm:sp3d/>
+    <dgm:txPr/>
+    <dgm:style>
+      <a:lnRef idx="2">
+        <a:scrgbClr r="0" g="0" b="0"/>
+      </a:lnRef>
+      <a:fillRef idx="1">
+        <a:scrgbClr r="0" g="0" b="0"/>
+      </a:fillRef>
+      <a:effectRef idx="0">
+        <a:scrgbClr r="0" g="0" b="0"/>
+      </a:effectRef>
+      <a:fontRef idx="minor">
+        <a:schemeClr val="lt1"/>
+      </a:fontRef>
+    </dgm:style>
+  </dgm:styleLbl>
+  <dgm:styleLbl name="parChTrans2D3">
+    <dgm:scene3d>
+      <a:camera prst="orthographicFront"/>
+      <a:lightRig rig="threePt" dir="t"/>
+    </dgm:scene3d>
+    <dgm:sp3d/>
+    <dgm:txPr/>
+    <dgm:style>
+      <a:lnRef idx="2">
+        <a:scrgbClr r="0" g="0" b="0"/>
+      </a:lnRef>
+      <a:fillRef idx="1">
+        <a:scrgbClr r="0" g="0" b="0"/>
+      </a:fillRef>
+      <a:effectRef idx="0">
+        <a:scrgbClr r="0" g="0" b="0"/>
+      </a:effectRef>
+      <a:fontRef idx="minor">
+        <a:schemeClr val="lt1"/>
+      </a:fontRef>
+    </dgm:style>
+  </dgm:styleLbl>
+  <dgm:styleLbl name="parChTrans2D4">
+    <dgm:scene3d>
+      <a:camera prst="orthographicFront"/>
+      <a:lightRig rig="threePt" dir="t"/>
+    </dgm:scene3d>
+    <dgm:sp3d/>
+    <dgm:txPr/>
+    <dgm:style>
+      <a:lnRef idx="2">
+        <a:scrgbClr r="0" g="0" b="0"/>
+      </a:lnRef>
+      <a:fillRef idx="1">
+        <a:scrgbClr r="0" g="0" b="0"/>
+      </a:fillRef>
+      <a:effectRef idx="0">
+        <a:scrgbClr r="0" g="0" b="0"/>
+      </a:effectRef>
+      <a:fontRef idx="minor">
+        <a:schemeClr val="lt1"/>
+      </a:fontRef>
+    </dgm:style>
+  </dgm:styleLbl>
+  <dgm:styleLbl name="parChTrans1D1">
+    <dgm:scene3d>
+      <a:camera prst="orthographicFront"/>
+      <a:lightRig rig="threePt" dir="t"/>
+    </dgm:scene3d>
+    <dgm:sp3d/>
+    <dgm:txPr/>
+    <dgm:style>
+      <a:lnRef idx="2">
+        <a:scrgbClr r="0" g="0" b="0"/>
+      </a:lnRef>
+      <a:fillRef idx="0">
+        <a:scrgbClr r="0" g="0" b="0"/>
+      </a:fillRef>
+      <a:effectRef idx="0">
+        <a:scrgbClr r="0" g="0" b="0"/>
+      </a:effectRef>
+      <a:fontRef idx="minor"/>
+    </dgm:style>
+  </dgm:styleLbl>
+  <dgm:styleLbl name="parChTrans1D2">
+    <dgm:scene3d>
+      <a:camera prst="orthographicFront"/>
+      <a:lightRig rig="threePt" dir="t"/>
+    </dgm:scene3d>
+    <dgm:sp3d/>
+    <dgm:txPr/>
+    <dgm:style>
+      <a:lnRef idx="2">
+        <a:scrgbClr r="0" g="0" b="0"/>
+      </a:lnRef>
+      <a:fillRef idx="0">
+        <a:scrgbClr r="0" g="0" b="0"/>
+      </a:fillRef>
+      <a:effectRef idx="0">
+        <a:scrgbClr r="0" g="0" b="0"/>
+      </a:effectRef>
+      <a:fontRef idx="minor"/>
+    </dgm:style>
+  </dgm:styleLbl>
+  <dgm:styleLbl name="parChTrans1D3">
+    <dgm:scene3d>
+      <a:camera prst="orthographicFront"/>
+      <a:lightRig rig="threePt" dir="t"/>
+    </dgm:scene3d>
+    <dgm:sp3d/>
+    <dgm:txPr/>
+    <dgm:style>
+      <a:lnRef idx="2">
+        <a:scrgbClr r="0" g="0" b="0"/>
+      </a:lnRef>
+      <a:fillRef idx="0">
+        <a:scrgbClr r="0" g="0" b="0"/>
+      </a:fillRef>
+      <a:effectRef idx="0">
+        <a:scrgbClr r="0" g="0" b="0"/>
+      </a:effectRef>
+      <a:fontRef idx="minor"/>
+    </dgm:style>
+  </dgm:styleLbl>
+  <dgm:styleLbl name="parChTrans1D4">
+    <dgm:scene3d>
+      <a:camera prst="orthographicFront"/>
+      <a:lightRig rig="threePt" dir="t"/>
+    </dgm:scene3d>
+    <dgm:sp3d/>
+    <dgm:txPr/>
+    <dgm:style>
+      <a:lnRef idx="2">
+        <a:scrgbClr r="0" g="0" b="0"/>
+      </a:lnRef>
+      <a:fillRef idx="0">
+        <a:scrgbClr r="0" g="0" b="0"/>
+      </a:fillRef>
+      <a:effectRef idx="0">
+        <a:scrgbClr r="0" g="0" b="0"/>
+      </a:effectRef>
+      <a:fontRef idx="minor"/>
+    </dgm:style>
+  </dgm:styleLbl>
+  <dgm:styleLbl name="fgAcc1">
+    <dgm:scene3d>
+      <a:camera prst="orthographicFront"/>
+      <a:lightRig rig="threePt" dir="t"/>
+    </dgm:scene3d>
+    <dgm:sp3d/>
+    <dgm:txPr/>
+    <dgm:style>
+      <a:lnRef idx="2">
+        <a:scrgbClr r="0" g="0" b="0"/>
+      </a:lnRef>
+      <a:fillRef idx="1">
+        <a:scrgbClr r="0" g="0" b="0"/>
+      </a:fillRef>
+      <a:effectRef idx="0">
+        <a:scrgbClr r="0" g="0" b="0"/>
+      </a:effectRef>
+      <a:fontRef idx="minor"/>
+    </dgm:style>
+  </dgm:styleLbl>
+  <dgm:styleLbl name="conFgAcc1">
+    <dgm:scene3d>
+      <a:camera prst="orthographicFront"/>
+      <a:lightRig rig="threePt" dir="t"/>
+    </dgm:scene3d>
+    <dgm:sp3d/>
+    <dgm:txPr/>
+    <dgm:style>
+      <a:lnRef idx="2">
+        <a:scrgbClr r="0" g="0" b="0"/>
+      </a:lnRef>
+      <a:fillRef idx="1">
+        <a:scrgbClr r="0" g="0" b="0"/>
+      </a:fillRef>
+      <a:effectRef idx="0">
+        <a:scrgbClr r="0" g="0" b="0"/>
+      </a:effectRef>
+      <a:fontRef idx="minor"/>
+    </dgm:style>
+  </dgm:styleLbl>
+  <dgm:styleLbl name="alignAcc1">
+    <dgm:scene3d>
+      <a:camera prst="orthographicFront"/>
+      <a:lightRig rig="threePt" dir="t"/>
+    </dgm:scene3d>
+    <dgm:sp3d/>
+    <dgm:txPr/>
+    <dgm:style>
+      <a:lnRef idx="2">
+        <a:scrgbClr r="0" g="0" b="0"/>
+      </a:lnRef>
+      <a:fillRef idx="1">
+        <a:scrgbClr r="0" g="0" b="0"/>
+      </a:fillRef>
+      <a:effectRef idx="0">
+        <a:scrgbClr r="0" g="0" b="0"/>
+      </a:effectRef>
+      <a:fontRef idx="minor"/>
+    </dgm:style>
+  </dgm:styleLbl>
+  <dgm:styleLbl name="trAlignAcc1">
+    <dgm:scene3d>
+      <a:camera prst="orthographicFront"/>
+      <a:lightRig rig="threePt" dir="t"/>
+    </dgm:scene3d>
+    <dgm:sp3d/>
+    <dgm:txPr/>
+    <dgm:style>
+      <a:lnRef idx="1">
+        <a:scrgbClr r="0" g="0" b="0"/>
+      </a:lnRef>
+      <a:fillRef idx="1">
+        <a:scrgbClr r="0" g="0" b="0"/>
+      </a:fillRef>
+      <a:effectRef idx="0">
+        <a:scrgbClr r="0" g="0" b="0"/>
+      </a:effectRef>
+      <a:fontRef idx="minor"/>
+    </dgm:style>
+  </dgm:styleLbl>
+  <dgm:styleLbl name="bgAcc1">
+    <dgm:scene3d>
+      <a:camera prst="orthographicFront"/>
+      <a:lightRig rig="threePt" dir="t"/>
+    </dgm:scene3d>
+    <dgm:sp3d/>
+    <dgm:txPr/>
+    <dgm:style>
+      <a:lnRef idx="2">
+        <a:scrgbClr r="0" g="0" b="0"/>
+      </a:lnRef>
+      <a:fillRef idx="1">
+        <a:scrgbClr r="0" g="0" b="0"/>
+      </a:fillRef>
+      <a:effectRef idx="0">
+        <a:scrgbClr r="0" g="0" b="0"/>
+      </a:effectRef>
+      <a:fontRef idx="minor"/>
+    </dgm:style>
+  </dgm:styleLbl>
+  <dgm:styleLbl name="solidFgAcc1">
+    <dgm:scene3d>
+      <a:camera prst="orthographicFront"/>
+      <a:lightRig rig="threePt" dir="t"/>
+    </dgm:scene3d>
+    <dgm:sp3d/>
+    <dgm:txPr/>
+    <dgm:style>
+      <a:lnRef idx="2">
+        <a:scrgbClr r="0" g="0" b="0"/>
+      </a:lnRef>
+      <a:fillRef idx="1">
+        <a:scrgbClr r="0" g="0" b="0"/>
+      </a:fillRef>
+      <a:effectRef idx="0">
+        <a:scrgbClr r="0" g="0" b="0"/>
+      </a:effectRef>
+      <a:fontRef idx="minor"/>
+    </dgm:style>
+  </dgm:styleLbl>
+  <dgm:styleLbl name="solidAlignAcc1">
+    <dgm:scene3d>
+      <a:camera prst="orthographicFront"/>
+      <a:lightRig rig="threePt" dir="t"/>
+    </dgm:scene3d>
+    <dgm:sp3d/>
+    <dgm:txPr/>
+    <dgm:style>
+      <a:lnRef idx="2">
+        <a:scrgbClr r="0" g="0" b="0"/>
+      </a:lnRef>
+      <a:fillRef idx="1">
+        <a:scrgbClr r="0" g="0" b="0"/>
+      </a:fillRef>
+      <a:effectRef idx="0">
+        <a:scrgbClr r="0" g="0" b="0"/>
+      </a:effectRef>
+      <a:fontRef idx="minor"/>
+    </dgm:style>
+  </dgm:styleLbl>
+  <dgm:styleLbl name="solidBgAcc1">
+    <dgm:scene3d>
+      <a:camera prst="orthographicFront"/>
+      <a:lightRig rig="threePt" dir="t"/>
+    </dgm:scene3d>
+    <dgm:sp3d/>
+    <dgm:txPr/>
+    <dgm:style>
+      <a:lnRef idx="2">
+        <a:scrgbClr r="0" g="0" b="0"/>
+      </a:lnRef>
+      <a:fillRef idx="1">
+        <a:scrgbClr r="0" g="0" b="0"/>
+      </a:fillRef>
+      <a:effectRef idx="0">
+        <a:scrgbClr r="0" g="0" b="0"/>
+      </a:effectRef>
+      <a:fontRef idx="minor"/>
+    </dgm:style>
+  </dgm:styleLbl>
+  <dgm:styleLbl name="fgAccFollowNode1">
+    <dgm:scene3d>
+      <a:camera prst="orthographicFront"/>
+      <a:lightRig rig="threePt" dir="t"/>
+    </dgm:scene3d>
+    <dgm:sp3d/>
+    <dgm:txPr/>
+    <dgm:style>
+      <a:lnRef idx="2">
+        <a:scrgbClr r="0" g="0" b="0"/>
+      </a:lnRef>
+      <a:fillRef idx="1">
+        <a:scrgbClr r="0" g="0" b="0"/>
+      </a:fillRef>
+      <a:effectRef idx="0">
+        <a:scrgbClr r="0" g="0" b="0"/>
+      </a:effectRef>
+      <a:fontRef idx="minor"/>
+    </dgm:style>
+  </dgm:styleLbl>
+  <dgm:styleLbl name="alignAccFollowNode1">
+    <dgm:scene3d>
+      <a:camera prst="orthographicFront"/>
+      <a:lightRig rig="threePt" dir="t"/>
+    </dgm:scene3d>
+    <dgm:sp3d/>
+    <dgm:txPr/>
+    <dgm:style>
+      <a:lnRef idx="2">
+        <a:scrgbClr r="0" g="0" b="0"/>
+      </a:lnRef>
+      <a:fillRef idx="1">
+        <a:scrgbClr r="0" g="0" b="0"/>
+      </a:fillRef>
+      <a:effectRef idx="0">
+        <a:scrgbClr r="0" g="0" b="0"/>
+      </a:effectRef>
+      <a:fontRef idx="minor"/>
+    </dgm:style>
+  </dgm:styleLbl>
+  <dgm:styleLbl name="bgAccFollowNode1">
+    <dgm:scene3d>
+      <a:camera prst="orthographicFront"/>
+      <a:lightRig rig="threePt" dir="t"/>
+    </dgm:scene3d>
+    <dgm:sp3d/>
+    <dgm:txPr/>
+    <dgm:style>
+      <a:lnRef idx="2">
+        <a:scrgbClr r="0" g="0" b="0"/>
+      </a:lnRef>
+      <a:fillRef idx="1">
+        <a:scrgbClr r="0" g="0" b="0"/>
+      </a:fillRef>
+      <a:effectRef idx="0">
+        <a:scrgbClr r="0" g="0" b="0"/>
+      </a:effectRef>
+      <a:fontRef idx="minor"/>
+    </dgm:style>
+  </dgm:styleLbl>
+  <dgm:styleLbl name="fgAcc0">
+    <dgm:scene3d>
+      <a:camera prst="orthographicFront"/>
+      <a:lightRig rig="threePt" dir="t"/>
+    </dgm:scene3d>
+    <dgm:sp3d/>
+    <dgm:txPr/>
+    <dgm:style>
+      <a:lnRef idx="2">
+        <a:scrgbClr r="0" g="0" b="0"/>
+      </a:lnRef>
+      <a:fillRef idx="1">
+        <a:scrgbClr r="0" g="0" b="0"/>
+      </a:fillRef>
+      <a:effectRef idx="0">
+        <a:scrgbClr r="0" g="0" b="0"/>
+      </a:effectRef>
+      <a:fontRef idx="minor"/>
+    </dgm:style>
+  </dgm:styleLbl>
+  <dgm:styleLbl name="fgAcc2">
+    <dgm:scene3d>
+      <a:camera prst="orthographicFront"/>
+      <a:lightRig rig="threePt" dir="t"/>
+    </dgm:scene3d>
+    <dgm:sp3d/>
+    <dgm:txPr/>
+    <dgm:style>
+      <a:lnRef idx="2">
+        <a:scrgbClr r="0" g="0" b="0"/>
+      </a:lnRef>
+      <a:fillRef idx="1">
+        <a:scrgbClr r="0" g="0" b="0"/>
+      </a:fillRef>
+      <a:effectRef idx="0">
+        <a:scrgbClr r="0" g="0" b="0"/>
+      </a:effectRef>
+      <a:fontRef idx="minor"/>
+    </dgm:style>
+  </dgm:styleLbl>
+  <dgm:styleLbl name="fgAcc3">
+    <dgm:scene3d>
+      <a:camera prst="orthographicFront"/>
+      <a:lightRig rig="threePt" dir="t"/>
+    </dgm:scene3d>
+    <dgm:sp3d/>
+    <dgm:txPr/>
+    <dgm:style>
+      <a:lnRef idx="2">
+        <a:scrgbClr r="0" g="0" b="0"/>
+      </a:lnRef>
+      <a:fillRef idx="1">
+        <a:scrgbClr r="0" g="0" b="0"/>
+      </a:fillRef>
+      <a:effectRef idx="0">
+        <a:scrgbClr r="0" g="0" b="0"/>
+      </a:effectRef>
+      <a:fontRef idx="minor"/>
+    </dgm:style>
+  </dgm:styleLbl>
+  <dgm:styleLbl name="fgAcc4">
+    <dgm:scene3d>
+      <a:camera prst="orthographicFront"/>
+      <a:lightRig rig="threePt" dir="t"/>
+    </dgm:scene3d>
+    <dgm:sp3d/>
+    <dgm:txPr/>
+    <dgm:style>
+      <a:lnRef idx="2">
+        <a:scrgbClr r="0" g="0" b="0"/>
+      </a:lnRef>
+      <a:fillRef idx="1">
+        <a:scrgbClr r="0" g="0" b="0"/>
+      </a:fillRef>
+      <a:effectRef idx="0">
+        <a:scrgbClr r="0" g="0" b="0"/>
+      </a:effectRef>
+      <a:fontRef idx="minor"/>
+    </dgm:style>
+  </dgm:styleLbl>
+  <dgm:styleLbl name="bgShp">
+    <dgm:scene3d>
+      <a:camera prst="orthographicFront"/>
+      <a:lightRig rig="threePt" dir="t"/>
+    </dgm:scene3d>
+    <dgm:sp3d/>
+    <dgm:txPr/>
+    <dgm:style>
+      <a:lnRef idx="0">
+        <a:scrgbClr r="0" g="0" b="0"/>
+      </a:lnRef>
+      <a:fillRef idx="1">
+        <a:scrgbClr r="0" g="0" b="0"/>
+      </a:fillRef>
+      <a:effectRef idx="0">
+        <a:scrgbClr r="0" g="0" b="0"/>
+      </a:effectRef>
+      <a:fontRef idx="minor"/>
+    </dgm:style>
+  </dgm:styleLbl>
+  <dgm:styleLbl name="dkBgShp">
+    <dgm:scene3d>
+      <a:camera prst="orthographicFront"/>
+      <a:lightRig rig="threePt" dir="t"/>
+    </dgm:scene3d>
+    <dgm:sp3d/>
+    <dgm:txPr/>
+    <dgm:style>
+      <a:lnRef idx="0">
+        <a:scrgbClr r="0" g="0" b="0"/>
+      </a:lnRef>
+      <a:fillRef idx="1">
+        <a:scrgbClr r="0" g="0" b="0"/>
+      </a:fillRef>
+      <a:effectRef idx="0">
+        <a:scrgbClr r="0" g="0" b="0"/>
+      </a:effectRef>
+      <a:fontRef idx="minor"/>
+    </dgm:style>
+  </dgm:styleLbl>
+  <dgm:styleLbl name="trBgShp">
+    <dgm:scene3d>
+      <a:camera prst="orthographicFront"/>
+      <a:lightRig rig="threePt" dir="t"/>
+    </dgm:scene3d>
+    <dgm:sp3d/>
+    <dgm:txPr/>
+    <dgm:style>
+      <a:lnRef idx="0">
+        <a:scrgbClr r="0" g="0" b="0"/>
+      </a:lnRef>
+      <a:fillRef idx="1">
+        <a:scrgbClr r="0" g="0" b="0"/>
+      </a:fillRef>
+      <a:effectRef idx="0">
+        <a:scrgbClr r="0" g="0" b="0"/>
+      </a:effectRef>
+      <a:fontRef idx="minor"/>
+    </dgm:style>
+  </dgm:styleLbl>
+  <dgm:styleLbl name="fgShp">
+    <dgm:scene3d>
+      <a:camera prst="orthographicFront"/>
+      <a:lightRig rig="threePt" dir="t"/>
+    </dgm:scene3d>
+    <dgm:sp3d/>
+    <dgm:txPr/>
+    <dgm:style>
+      <a:lnRef idx="2">
+        <a:scrgbClr r="0" g="0" b="0"/>
+      </a:lnRef>
+      <a:fillRef idx="1">
+        <a:scrgbClr r="0" g="0" b="0"/>
+      </a:fillRef>
+      <a:effectRef idx="0">
+        <a:scrgbClr r="0" g="0" b="0"/>
+      </a:effectRef>
+      <a:fontRef idx="minor"/>
+    </dgm:style>
+  </dgm:styleLbl>
+  <dgm:styleLbl name="revTx">
+    <dgm:scene3d>
+      <a:camera prst="orthographicFront"/>
+      <a:lightRig rig="threePt" dir="t"/>
+    </dgm:scene3d>
+    <dgm:sp3d/>
+    <dgm:txPr/>
+    <dgm:style>
+      <a:lnRef idx="0">
+        <a:scrgbClr r="0" g="0" b="0"/>
+      </a:lnRef>
+      <a:fillRef idx="0">
+        <a:scrgbClr r="0" g="0" b="0"/>
+      </a:fillRef>
+      <a:effectRef idx="0">
+        <a:scrgbClr r="0" g="0" b="0"/>
+      </a:effectRef>
+      <a:fontRef idx="minor"/>
+    </dgm:style>
+  </dgm:styleLbl>
+</dgm:styleDef>
+</file>
+
+<file path=ppt/diagrams/quickStyle2.xml><?xml version="1.0" encoding="utf-8"?>
 <dgm:styleDef xmlns:dgm="http://schemas.openxmlformats.org/drawingml/2006/diagram" xmlns:a="http://schemas.openxmlformats.org/drawingml/2006/main" uniqueId="urn:microsoft.com/office/officeart/2005/8/quickstyle/simple1">
   <dgm:title val=""/>
   <dgm:desc val=""/>
@@ -8588,41 +12873,104 @@
           </a:p>
         </p:txBody>
       </p:sp>
+      <p:sp>
+        <p:nvSpPr>
+          <p:cNvPr id="7" name="TextBox 6"/>
+          <p:cNvSpPr txBox="1"/>
+          <p:nvPr/>
+        </p:nvSpPr>
+        <p:spPr>
+          <a:xfrm>
+            <a:off x="971600" y="3140968"/>
+            <a:ext cx="7416824" cy="369332"/>
+          </a:xfrm>
+          <a:prstGeom prst="rect">
+            <a:avLst/>
+          </a:prstGeom>
+          <a:noFill/>
+        </p:spPr>
+        <p:txBody>
+          <a:bodyPr wrap="square" rtlCol="0">
+            <a:spAutoFit/>
+          </a:bodyPr>
+          <a:lstStyle/>
+          <a:p>
+            <a:r>
+              <a:rPr lang="es-AR" dirty="0" smtClean="0"/>
+              <a:t>Se Espera un crecimiento total en 5 años de aproximadamente 250 </a:t>
+            </a:r>
+            <a:r>
+              <a:rPr lang="es-AR" dirty="0" err="1" smtClean="0"/>
+              <a:t>gb</a:t>
+            </a:r>
+            <a:r>
+              <a:rPr lang="es-AR" dirty="0" smtClean="0"/>
+              <a:t>.</a:t>
+            </a:r>
+            <a:endParaRPr lang="es-AR" dirty="0"/>
+          </a:p>
+        </p:txBody>
+      </p:sp>
       <p:graphicFrame>
         <p:nvGraphicFramePr>
-          <p:cNvPr id="6" name="Content Placeholder 5"/>
+          <p:cNvPr id="3" name="Table 2"/>
           <p:cNvGraphicFramePr>
             <a:graphicFrameLocks noGrp="1"/>
           </p:cNvGraphicFramePr>
           <p:nvPr>
-            <p:ph idx="1"/>
             <p:extLst>
               <p:ext uri="{D42A27DB-BD31-4B8C-83A1-F6EECF244321}">
-                <p14:modId xmlns:p14="http://schemas.microsoft.com/office/powerpoint/2010/main" val="1463225951"/>
+                <p14:modId xmlns:p14="http://schemas.microsoft.com/office/powerpoint/2010/main" val="632918248"/>
               </p:ext>
             </p:extLst>
           </p:nvPr>
         </p:nvGraphicFramePr>
         <p:xfrm>
-          <a:off x="1331640" y="1844824"/>
-          <a:ext cx="6828323" cy="1062990"/>
+          <a:off x="1115616" y="1628800"/>
+          <a:ext cx="7056784" cy="1116330"/>
         </p:xfrm>
         <a:graphic>
           <a:graphicData uri="http://schemas.openxmlformats.org/drawingml/2006/table">
             <a:tbl>
-              <a:tblPr>
+              <a:tblPr firstRow="1" bandRow="1">
                 <a:tableStyleId>{5C22544A-7EE6-4342-B048-85BDC9FD1C3A}</a:tableStyleId>
               </a:tblPr>
               <a:tblGrid>
-                <a:gridCol w="973842"/>
-                <a:gridCol w="974556"/>
-                <a:gridCol w="974556"/>
-                <a:gridCol w="974556"/>
-                <a:gridCol w="974556"/>
-                <a:gridCol w="974556"/>
-                <a:gridCol w="981701"/>
+                <a:gridCol w="1008112"/>
+                <a:gridCol w="1008112"/>
+                <a:gridCol w="1008112"/>
+                <a:gridCol w="1008112"/>
+                <a:gridCol w="1008112"/>
+                <a:gridCol w="1008112"/>
+                <a:gridCol w="1008112"/>
               </a:tblGrid>
-              <a:tr h="0">
+              <a:tr h="370840">
+                <a:tc>
+                  <a:txBody>
+                    <a:bodyPr/>
+                    <a:lstStyle/>
+                    <a:p>
+                      <a:pPr>
+                        <a:spcAft>
+                          <a:spcPts val="800"/>
+                        </a:spcAft>
+                      </a:pPr>
+                      <a:r>
+                        <a:rPr lang="es-AR" sz="2000" b="1" dirty="0">
+                          <a:effectLst/>
+                        </a:rPr>
+                        <a:t>Año</a:t>
+                      </a:r>
+                      <a:endParaRPr lang="es-AR" sz="2000" b="1" dirty="0">
+                        <a:effectLst/>
+                        <a:latin typeface="Verdana"/>
+                        <a:ea typeface="Times New Roman"/>
+                        <a:cs typeface="Times New Roman"/>
+                      </a:endParaRPr>
+                    </a:p>
+                  </a:txBody>
+                  <a:tcPr marL="34925" marR="34925" marT="34925" marB="34925"/>
+                </a:tc>
                 <a:tc>
                   <a:txBody>
                     <a:bodyPr/>
@@ -8637,7 +12985,7 @@
                         <a:rPr lang="es-AR" sz="2000" dirty="0">
                           <a:effectLst/>
                         </a:rPr>
-                        <a:t>Año</a:t>
+                        <a:t>1</a:t>
                       </a:r>
                       <a:endParaRPr lang="es-AR" sz="2000" dirty="0">
                         <a:effectLst/>
@@ -8660,12 +13008,12 @@
                         </a:spcAft>
                       </a:pPr>
                       <a:r>
-                        <a:rPr lang="es-AR" sz="2000">
+                        <a:rPr lang="es-AR" sz="2000" dirty="0">
                           <a:effectLst/>
                         </a:rPr>
-                        <a:t>1</a:t>
+                        <a:t>2</a:t>
                       </a:r>
-                      <a:endParaRPr lang="es-AR" sz="2000">
+                      <a:endParaRPr lang="es-AR" sz="2000" dirty="0">
                         <a:effectLst/>
                         <a:latin typeface="Verdana"/>
                         <a:ea typeface="Times New Roman"/>
@@ -8686,12 +13034,12 @@
                         </a:spcAft>
                       </a:pPr>
                       <a:r>
-                        <a:rPr lang="es-AR" sz="2000">
+                        <a:rPr lang="es-AR" sz="2000" dirty="0">
                           <a:effectLst/>
                         </a:rPr>
-                        <a:t>2</a:t>
+                        <a:t>3</a:t>
                       </a:r>
-                      <a:endParaRPr lang="es-AR" sz="2000">
+                      <a:endParaRPr lang="es-AR" sz="2000" dirty="0">
                         <a:effectLst/>
                         <a:latin typeface="Verdana"/>
                         <a:ea typeface="Times New Roman"/>
@@ -8712,12 +13060,12 @@
                         </a:spcAft>
                       </a:pPr>
                       <a:r>
-                        <a:rPr lang="es-AR" sz="2000">
+                        <a:rPr lang="es-AR" sz="2000" dirty="0">
                           <a:effectLst/>
                         </a:rPr>
-                        <a:t>3</a:t>
+                        <a:t>4</a:t>
                       </a:r>
-                      <a:endParaRPr lang="es-AR" sz="2000">
+                      <a:endParaRPr lang="es-AR" sz="2000" dirty="0">
                         <a:effectLst/>
                         <a:latin typeface="Verdana"/>
                         <a:ea typeface="Times New Roman"/>
@@ -8738,12 +13086,12 @@
                         </a:spcAft>
                       </a:pPr>
                       <a:r>
-                        <a:rPr lang="es-AR" sz="2000">
+                        <a:rPr lang="es-AR" sz="2000" dirty="0">
                           <a:effectLst/>
                         </a:rPr>
-                        <a:t>4</a:t>
+                        <a:t>5</a:t>
                       </a:r>
-                      <a:endParaRPr lang="es-AR" sz="2000">
+                      <a:endParaRPr lang="es-AR" sz="2000" dirty="0">
                         <a:effectLst/>
                         <a:latin typeface="Verdana"/>
                         <a:ea typeface="Times New Roman"/>
@@ -8764,12 +13112,40 @@
                         </a:spcAft>
                       </a:pPr>
                       <a:r>
-                        <a:rPr lang="es-AR" sz="2000">
+                        <a:rPr lang="es-AR" sz="2000" dirty="0">
                           <a:effectLst/>
                         </a:rPr>
-                        <a:t>5</a:t>
+                        <a:t>Total</a:t>
                       </a:r>
-                      <a:endParaRPr lang="es-AR" sz="2000">
+                      <a:endParaRPr lang="es-AR" sz="2000" dirty="0">
+                        <a:effectLst/>
+                        <a:latin typeface="Verdana"/>
+                        <a:ea typeface="Times New Roman"/>
+                        <a:cs typeface="Times New Roman"/>
+                      </a:endParaRPr>
+                    </a:p>
+                  </a:txBody>
+                  <a:tcPr marL="34925" marR="34925" marT="34925" marB="34925"/>
+                </a:tc>
+              </a:tr>
+              <a:tr h="370840">
+                <a:tc>
+                  <a:txBody>
+                    <a:bodyPr/>
+                    <a:lstStyle/>
+                    <a:p>
+                      <a:pPr>
+                        <a:spcAft>
+                          <a:spcPts val="800"/>
+                        </a:spcAft>
+                      </a:pPr>
+                      <a:r>
+                        <a:rPr lang="es-AR" sz="1800" b="1">
+                          <a:effectLst/>
+                        </a:rPr>
+                        <a:t>Factor</a:t>
+                      </a:r>
+                      <a:endParaRPr lang="es-AR" sz="2000" b="1">
                         <a:effectLst/>
                         <a:latin typeface="Verdana"/>
                         <a:ea typeface="Times New Roman"/>
@@ -8790,40 +13166,12 @@
                         </a:spcAft>
                       </a:pPr>
                       <a:r>
-                        <a:rPr lang="es-AR" sz="2000">
+                        <a:rPr lang="es-AR" sz="1800" dirty="0">
                           <a:effectLst/>
                         </a:rPr>
-                        <a:t>Total</a:t>
+                        <a:t>1</a:t>
                       </a:r>
-                      <a:endParaRPr lang="es-AR" sz="2000">
-                        <a:effectLst/>
-                        <a:latin typeface="Verdana"/>
-                        <a:ea typeface="Times New Roman"/>
-                        <a:cs typeface="Times New Roman"/>
-                      </a:endParaRPr>
-                    </a:p>
-                  </a:txBody>
-                  <a:tcPr marL="34925" marR="34925" marT="34925" marB="34925"/>
-                </a:tc>
-              </a:tr>
-              <a:tr h="0">
-                <a:tc>
-                  <a:txBody>
-                    <a:bodyPr/>
-                    <a:lstStyle/>
-                    <a:p>
-                      <a:pPr>
-                        <a:spcAft>
-                          <a:spcPts val="800"/>
-                        </a:spcAft>
-                      </a:pPr>
-                      <a:r>
-                        <a:rPr lang="es-AR" sz="1800">
-                          <a:effectLst/>
-                        </a:rPr>
-                        <a:t>Factor</a:t>
-                      </a:r>
-                      <a:endParaRPr lang="es-AR" sz="2000">
+                      <a:endParaRPr lang="es-AR" sz="2000" dirty="0">
                         <a:effectLst/>
                         <a:latin typeface="Verdana"/>
                         <a:ea typeface="Times New Roman"/>
@@ -8844,12 +13192,12 @@
                         </a:spcAft>
                       </a:pPr>
                       <a:r>
-                        <a:rPr lang="es-AR" sz="1800">
+                        <a:rPr lang="es-AR" sz="1800" dirty="0">
                           <a:effectLst/>
                         </a:rPr>
-                        <a:t>1</a:t>
+                        <a:t>1,2</a:t>
                       </a:r>
-                      <a:endParaRPr lang="es-AR" sz="2000">
+                      <a:endParaRPr lang="es-AR" sz="2000" dirty="0">
                         <a:effectLst/>
                         <a:latin typeface="Verdana"/>
                         <a:ea typeface="Times New Roman"/>
@@ -8870,12 +13218,12 @@
                         </a:spcAft>
                       </a:pPr>
                       <a:r>
-                        <a:rPr lang="es-AR" sz="1800">
+                        <a:rPr lang="es-AR" sz="1800" dirty="0">
                           <a:effectLst/>
                         </a:rPr>
-                        <a:t>1,2</a:t>
+                        <a:t>1,44</a:t>
                       </a:r>
-                      <a:endParaRPr lang="es-AR" sz="2000">
+                      <a:endParaRPr lang="es-AR" sz="2000" dirty="0">
                         <a:effectLst/>
                         <a:latin typeface="Verdana"/>
                         <a:ea typeface="Times New Roman"/>
@@ -8896,12 +13244,12 @@
                         </a:spcAft>
                       </a:pPr>
                       <a:r>
-                        <a:rPr lang="es-AR" sz="1800">
+                        <a:rPr lang="es-AR" sz="1800" dirty="0">
                           <a:effectLst/>
                         </a:rPr>
-                        <a:t>1,44</a:t>
+                        <a:t>1,728</a:t>
                       </a:r>
-                      <a:endParaRPr lang="es-AR" sz="2000">
+                      <a:endParaRPr lang="es-AR" sz="2000" dirty="0">
                         <a:effectLst/>
                         <a:latin typeface="Verdana"/>
                         <a:ea typeface="Times New Roman"/>
@@ -8922,38 +13270,12 @@
                         </a:spcAft>
                       </a:pPr>
                       <a:r>
-                        <a:rPr lang="es-AR" sz="1800">
-                          <a:effectLst/>
-                        </a:rPr>
-                        <a:t>1,728</a:t>
-                      </a:r>
-                      <a:endParaRPr lang="es-AR" sz="2000">
-                        <a:effectLst/>
-                        <a:latin typeface="Verdana"/>
-                        <a:ea typeface="Times New Roman"/>
-                        <a:cs typeface="Times New Roman"/>
-                      </a:endParaRPr>
-                    </a:p>
-                  </a:txBody>
-                  <a:tcPr marL="34925" marR="34925" marT="34925" marB="34925"/>
-                </a:tc>
-                <a:tc>
-                  <a:txBody>
-                    <a:bodyPr/>
-                    <a:lstStyle/>
-                    <a:p>
-                      <a:pPr>
-                        <a:spcAft>
-                          <a:spcPts val="800"/>
-                        </a:spcAft>
-                      </a:pPr>
-                      <a:r>
-                        <a:rPr lang="es-AR" sz="1800">
+                        <a:rPr lang="es-AR" sz="1800" dirty="0">
                           <a:effectLst/>
                         </a:rPr>
                         <a:t>2,0736</a:t>
                       </a:r>
-                      <a:endParaRPr lang="es-AR" sz="2000">
+                      <a:endParaRPr lang="es-AR" sz="2000" dirty="0">
                         <a:effectLst/>
                         <a:latin typeface="Verdana"/>
                         <a:ea typeface="Times New Roman"/>
@@ -8990,7 +13312,7 @@
                   <a:tcPr marL="34925" marR="34925" marT="34925" marB="34925"/>
                 </a:tc>
               </a:tr>
-              <a:tr h="0">
+              <a:tr h="370840">
                 <a:tc>
                   <a:txBody>
                     <a:bodyPr/>
@@ -9002,12 +13324,12 @@
                         </a:spcAft>
                       </a:pPr>
                       <a:r>
-                        <a:rPr lang="es-AR" sz="1800">
+                        <a:rPr lang="es-AR" sz="1800" b="1" dirty="0">
                           <a:effectLst/>
                         </a:rPr>
                         <a:t>GB</a:t>
                       </a:r>
-                      <a:endParaRPr lang="es-AR" sz="2000">
+                      <a:endParaRPr lang="es-AR" sz="2000" b="1" dirty="0">
                         <a:effectLst/>
                         <a:latin typeface="Verdana"/>
                         <a:ea typeface="Times New Roman"/>
@@ -9080,64 +13402,12 @@
                         </a:spcAft>
                       </a:pPr>
                       <a:r>
-                        <a:rPr lang="es-AR" sz="1800">
+                        <a:rPr lang="es-AR" sz="1800" dirty="0">
                           <a:effectLst/>
                         </a:rPr>
                         <a:t>43,2</a:t>
                       </a:r>
-                      <a:endParaRPr lang="es-AR" sz="2000">
-                        <a:effectLst/>
-                        <a:latin typeface="Verdana"/>
-                        <a:ea typeface="Times New Roman"/>
-                        <a:cs typeface="Times New Roman"/>
-                      </a:endParaRPr>
-                    </a:p>
-                  </a:txBody>
-                  <a:tcPr marL="34925" marR="34925" marT="34925" marB="34925"/>
-                </a:tc>
-                <a:tc>
-                  <a:txBody>
-                    <a:bodyPr/>
-                    <a:lstStyle/>
-                    <a:p>
-                      <a:pPr>
-                        <a:spcAft>
-                          <a:spcPts val="800"/>
-                        </a:spcAft>
-                      </a:pPr>
-                      <a:r>
-                        <a:rPr lang="es-AR" sz="1800">
-                          <a:effectLst/>
-                        </a:rPr>
-                        <a:t>51,84</a:t>
-                      </a:r>
-                      <a:endParaRPr lang="es-AR" sz="2000">
-                        <a:effectLst/>
-                        <a:latin typeface="Verdana"/>
-                        <a:ea typeface="Times New Roman"/>
-                        <a:cs typeface="Times New Roman"/>
-                      </a:endParaRPr>
-                    </a:p>
-                  </a:txBody>
-                  <a:tcPr marL="34925" marR="34925" marT="34925" marB="34925"/>
-                </a:tc>
-                <a:tc>
-                  <a:txBody>
-                    <a:bodyPr/>
-                    <a:lstStyle/>
-                    <a:p>
-                      <a:pPr>
-                        <a:spcAft>
-                          <a:spcPts val="800"/>
-                        </a:spcAft>
-                      </a:pPr>
-                      <a:r>
-                        <a:rPr lang="es-AR" sz="1800">
-                          <a:effectLst/>
-                        </a:rPr>
-                        <a:t>62,208</a:t>
-                      </a:r>
-                      <a:endParaRPr lang="es-AR" sz="2000">
+                      <a:endParaRPr lang="es-AR" sz="2000" dirty="0">
                         <a:effectLst/>
                         <a:latin typeface="Verdana"/>
                         <a:ea typeface="Times New Roman"/>
@@ -9161,9 +13431,71 @@
                         <a:rPr lang="es-AR" sz="1800" dirty="0">
                           <a:effectLst/>
                         </a:rPr>
+                        <a:t>51,84</a:t>
+                      </a:r>
+                      <a:endParaRPr lang="es-AR" sz="2000" dirty="0">
+                        <a:effectLst/>
+                        <a:latin typeface="Verdana"/>
+                        <a:ea typeface="Times New Roman"/>
+                        <a:cs typeface="Times New Roman"/>
+                      </a:endParaRPr>
+                    </a:p>
+                  </a:txBody>
+                  <a:tcPr marL="34925" marR="34925" marT="34925" marB="34925"/>
+                </a:tc>
+                <a:tc>
+                  <a:txBody>
+                    <a:bodyPr/>
+                    <a:lstStyle/>
+                    <a:p>
+                      <a:pPr>
+                        <a:spcAft>
+                          <a:spcPts val="800"/>
+                        </a:spcAft>
+                      </a:pPr>
+                      <a:r>
+                        <a:rPr lang="es-AR" sz="1800" dirty="0">
+                          <a:effectLst/>
+                        </a:rPr>
+                        <a:t>62,208</a:t>
+                      </a:r>
+                      <a:endParaRPr lang="es-AR" sz="2000" dirty="0">
+                        <a:effectLst/>
+                        <a:latin typeface="Verdana"/>
+                        <a:ea typeface="Times New Roman"/>
+                        <a:cs typeface="Times New Roman"/>
+                      </a:endParaRPr>
+                    </a:p>
+                  </a:txBody>
+                  <a:tcPr marL="34925" marR="34925" marT="34925" marB="34925"/>
+                </a:tc>
+                <a:tc>
+                  <a:txBody>
+                    <a:bodyPr/>
+                    <a:lstStyle/>
+                    <a:p>
+                      <a:pPr>
+                        <a:spcAft>
+                          <a:spcPts val="800"/>
+                        </a:spcAft>
+                      </a:pPr>
+                      <a:r>
+                        <a:rPr lang="es-AR" sz="1800" b="1" dirty="0">
+                          <a:solidFill>
+                            <a:schemeClr val="accent6">
+                              <a:lumMod val="50000"/>
+                            </a:schemeClr>
+                          </a:solidFill>
+                          <a:effectLst/>
+                        </a:rPr>
                         <a:t>233,248</a:t>
                       </a:r>
-                      <a:endParaRPr lang="es-AR" sz="2000" dirty="0">
+                      <a:endParaRPr lang="es-AR" sz="2000" b="1" dirty="0">
+                        <a:solidFill>
+                          <a:schemeClr val="accent6">
+                            <a:lumMod val="50000"/>
+                          </a:schemeClr>
+                        </a:solidFill>
                         <a:effectLst/>
                         <a:latin typeface="Verdana"/>
                         <a:ea typeface="Times New Roman"/>
@@ -9178,44 +13510,6 @@
           </a:graphicData>
         </a:graphic>
       </p:graphicFrame>
-      <p:sp>
-        <p:nvSpPr>
-          <p:cNvPr id="7" name="TextBox 6"/>
-          <p:cNvSpPr txBox="1"/>
-          <p:nvPr/>
-        </p:nvSpPr>
-        <p:spPr>
-          <a:xfrm>
-            <a:off x="899592" y="3068960"/>
-            <a:ext cx="7416824" cy="369332"/>
-          </a:xfrm>
-          <a:prstGeom prst="rect">
-            <a:avLst/>
-          </a:prstGeom>
-          <a:noFill/>
-        </p:spPr>
-        <p:txBody>
-          <a:bodyPr wrap="square" rtlCol="0">
-            <a:spAutoFit/>
-          </a:bodyPr>
-          <a:lstStyle/>
-          <a:p>
-            <a:r>
-              <a:rPr lang="es-AR" dirty="0" smtClean="0"/>
-              <a:t>Se Espera un crecimiento total en 5 años de aproximadamente 250 </a:t>
-            </a:r>
-            <a:r>
-              <a:rPr lang="es-AR" dirty="0" err="1" smtClean="0"/>
-              <a:t>gb</a:t>
-            </a:r>
-            <a:r>
-              <a:rPr lang="es-AR" dirty="0" smtClean="0"/>
-              <a:t>.</a:t>
-            </a:r>
-            <a:endParaRPr lang="es-AR" dirty="0"/>
-          </a:p>
-        </p:txBody>
-      </p:sp>
     </p:spTree>
     <p:extLst>
       <p:ext uri="{BB962C8B-B14F-4D97-AF65-F5344CB8AC3E}">
@@ -9226,6 +13520,13 @@
   <p:clrMapOvr>
     <a:masterClrMapping/>
   </p:clrMapOvr>
+  <p:timing>
+    <p:tnLst>
+      <p:par>
+        <p:cTn id="1" dur="indefinite" restart="never" nodeType="tmRoot"/>
+      </p:par>
+    </p:tnLst>
+  </p:timing>
 </p:sld>
 </file>
 
@@ -9279,19 +13580,36 @@
             <p:ph idx="1"/>
           </p:nvPr>
         </p:nvSpPr>
-        <p:spPr/>
+        <p:spPr>
+          <a:xfrm>
+            <a:off x="683568" y="1124744"/>
+            <a:ext cx="7888287" cy="4573587"/>
+          </a:xfrm>
+        </p:spPr>
         <p:txBody>
           <a:bodyPr/>
           <a:lstStyle/>
           <a:p>
+            <a:pPr marL="0" indent="0">
+              <a:buNone/>
+            </a:pPr>
             <a:r>
               <a:rPr lang="es-AR" b="1" dirty="0" err="1"/>
               <a:t>Debian</a:t>
             </a:r>
             <a:r>
               <a:rPr lang="es-AR" b="1" dirty="0"/>
-              <a:t> GNU/Linux 5.0 para servidores</a:t>
-            </a:r>
+              <a:t> GNU/Linux 5.0 para </a:t>
+            </a:r>
+            <a:r>
+              <a:rPr lang="es-AR" b="1" dirty="0" smtClean="0"/>
+              <a:t>servidores</a:t>
+            </a:r>
+          </a:p>
+          <a:p>
+            <a:pPr marL="0" indent="0">
+              <a:buNone/>
+            </a:pPr>
             <a:endParaRPr lang="es-AR" dirty="0"/>
           </a:p>
           <a:p>
@@ -9350,7 +13668,7 @@
               <a:t>Debian</a:t>
             </a:r>
             <a:r>
-              <a:rPr lang="es-AR"/>
+              <a:rPr lang="es-AR" dirty="0"/>
               <a:t>, que cualquier actualización será de estabilidad, rendimiento o seguridad y nunca se agregarán nuevas funcionalidades que puedan romper con la compatibilidad hacia atrás.</a:t>
             </a:r>
           </a:p>
@@ -9410,6 +13728,13 @@
   <p:clrMapOvr>
     <a:masterClrMapping/>
   </p:clrMapOvr>
+  <p:timing>
+    <p:tnLst>
+      <p:par>
+        <p:cTn id="1" dur="indefinite" restart="never" nodeType="tmRoot"/>
+      </p:par>
+    </p:tnLst>
+  </p:timing>
 </p:sld>
 </file>
 
@@ -9470,8 +13795,8 @@
         </p:nvSpPr>
         <p:spPr>
           <a:xfrm>
-            <a:off x="755576" y="764704"/>
-            <a:ext cx="7888287" cy="5400600"/>
+            <a:off x="611560" y="764704"/>
+            <a:ext cx="8136904" cy="5400600"/>
           </a:xfrm>
         </p:spPr>
         <p:txBody>
@@ -9552,7 +13877,15 @@
           <a:p>
             <a:r>
               <a:rPr lang="es-AR" sz="1600" dirty="0"/>
-              <a:t>Con está integración el </a:t>
+              <a:t>Con </a:t>
+            </a:r>
+            <a:r>
+              <a:rPr lang="es-AR" sz="1600" dirty="0" smtClean="0"/>
+              <a:t>esta </a:t>
+            </a:r>
+            <a:r>
+              <a:rPr lang="es-AR" sz="1600" dirty="0"/>
+              <a:t>integración el </a:t>
             </a:r>
             <a:r>
               <a:rPr lang="es-AR" sz="1600" dirty="0" err="1"/>
@@ -9596,6 +13929,9 @@
             </a:r>
           </a:p>
           <a:p>
+            <a:pPr marL="0" indent="0">
+              <a:buNone/>
+            </a:pPr>
             <a:endParaRPr lang="es-AR" sz="1600" dirty="0" smtClean="0"/>
           </a:p>
           <a:p>
@@ -9728,6 +14064,13 @@
   <p:clrMapOvr>
     <a:masterClrMapping/>
   </p:clrMapOvr>
+  <p:timing>
+    <p:tnLst>
+      <p:par>
+        <p:cTn id="1" dur="indefinite" restart="never" nodeType="tmRoot"/>
+      </p:par>
+    </p:tnLst>
+  </p:timing>
 </p:sld>
 </file>
 
@@ -9838,6 +14181,13 @@
   <p:clrMapOvr>
     <a:masterClrMapping/>
   </p:clrMapOvr>
+  <p:timing>
+    <p:tnLst>
+      <p:par>
+        <p:cTn id="1" dur="indefinite" restart="never" nodeType="tmRoot"/>
+      </p:par>
+    </p:tnLst>
+  </p:timing>
 </p:sld>
 </file>
 
@@ -9944,6 +14294,13 @@
   <p:clrMapOvr>
     <a:masterClrMapping/>
   </p:clrMapOvr>
+  <p:timing>
+    <p:tnLst>
+      <p:par>
+        <p:cTn id="1" dur="indefinite" restart="never" nodeType="tmRoot"/>
+      </p:par>
+    </p:tnLst>
+  </p:timing>
 </p:sld>
 </file>
 
@@ -10012,49 +14369,105 @@
               <a:t>Se propuso un Sistema de </a:t>
             </a:r>
             <a:r>
+              <a:rPr lang="es-AR" dirty="0" err="1"/>
+              <a:t>C</a:t>
+            </a:r>
+            <a:r>
+              <a:rPr lang="es-AR" dirty="0" err="1" smtClean="0"/>
+              <a:t>luster</a:t>
+            </a:r>
+            <a:r>
+              <a:rPr lang="es-AR" dirty="0" smtClean="0"/>
+              <a:t> </a:t>
+            </a:r>
+            <a:r>
+              <a:rPr lang="es-AR" dirty="0" smtClean="0"/>
+              <a:t>con 2 servidores en las capas de aplicación y </a:t>
+            </a:r>
+            <a:r>
+              <a:rPr lang="es-AR" dirty="0" err="1" smtClean="0"/>
+              <a:t>database</a:t>
+            </a:r>
+            <a:r>
+              <a:rPr lang="es-AR" dirty="0" smtClean="0"/>
+              <a:t>, proporcionando la </a:t>
+            </a:r>
+            <a:r>
+              <a:rPr lang="es-AR" dirty="0" err="1" smtClean="0"/>
+              <a:t>replicacion</a:t>
+            </a:r>
+            <a:r>
+              <a:rPr lang="es-AR" dirty="0" smtClean="0"/>
+              <a:t> </a:t>
+            </a:r>
+            <a:r>
+              <a:rPr lang="es-AR" dirty="0" smtClean="0"/>
+              <a:t>de datos necesaria para seguir funcionando en caso de falla de uno de los servidores</a:t>
+            </a:r>
+          </a:p>
+          <a:p>
+            <a:endParaRPr lang="es-AR" dirty="0"/>
+          </a:p>
+          <a:p>
+            <a:r>
+              <a:rPr lang="es-AR" dirty="0" smtClean="0"/>
+              <a:t>El sistema </a:t>
+            </a:r>
+            <a:r>
+              <a:rPr lang="es-AR" dirty="0" smtClean="0"/>
+              <a:t>será </a:t>
+            </a:r>
+            <a:r>
+              <a:rPr lang="es-AR" dirty="0" smtClean="0"/>
+              <a:t>configurado mediante </a:t>
+            </a:r>
+            <a:r>
+              <a:rPr lang="es-AR" dirty="0" err="1" smtClean="0"/>
+              <a:t>Herthbeat</a:t>
+            </a:r>
+            <a:r>
+              <a:rPr lang="es-AR" dirty="0" smtClean="0"/>
+              <a:t> como infraestructura de </a:t>
+            </a:r>
+            <a:r>
               <a:rPr lang="es-AR" dirty="0" err="1" smtClean="0"/>
               <a:t>cluster</a:t>
             </a:r>
             <a:r>
               <a:rPr lang="es-AR" dirty="0" smtClean="0"/>
-              <a:t> con 2 servidores en las capas de aplicación y </a:t>
+              <a:t> y </a:t>
             </a:r>
             <a:r>
               <a:rPr lang="es-AR" dirty="0" err="1" smtClean="0"/>
-              <a:t>database</a:t>
+              <a:t>Pacemaker</a:t>
             </a:r>
             <a:r>
               <a:rPr lang="es-AR" dirty="0" smtClean="0"/>
-              <a:t>, proporcionando la </a:t>
+              <a:t> 2.0.0 como </a:t>
             </a:r>
             <a:r>
               <a:rPr lang="es-AR" dirty="0" err="1" smtClean="0"/>
-              <a:t>replicacion</a:t>
+              <a:t>cluster</a:t>
             </a:r>
             <a:r>
               <a:rPr lang="es-AR" dirty="0" smtClean="0"/>
-              <a:t> de datos necesaria para seguir funcionando en caso de falla de uno de los servidores</a:t>
-            </a:r>
-          </a:p>
-          <a:p>
-            <a:endParaRPr lang="es-AR" dirty="0"/>
-          </a:p>
-          <a:p>
+              <a:t> </a:t>
+            </a:r>
+            <a:r>
+              <a:rPr lang="es-AR" dirty="0" err="1" smtClean="0"/>
+              <a:t>resource</a:t>
+            </a:r>
             <a:r>
               <a:rPr lang="es-AR" dirty="0" smtClean="0"/>
-              <a:t>El sistema </a:t>
+              <a:t> manager que manejara el </a:t>
             </a:r>
             <a:r>
               <a:rPr lang="es-AR" dirty="0" err="1" smtClean="0"/>
-              <a:t>sera</a:t>
+              <a:t>start</a:t>
             </a:r>
             <a:r>
               <a:rPr lang="es-AR" dirty="0" smtClean="0"/>
-              <a:t> configurado mediante </a:t>
-            </a:r>
-            <a:r>
-              <a:rPr lang="es-AR" dirty="0" err="1" smtClean="0"/>
-              <a:t>Herthbeat</a:t>
+              <a:t> y stop de los servicios para una gran disponibilidad de los mismos</a:t>
             </a:r>
             <a:endParaRPr lang="es-AR" dirty="0" smtClean="0"/>
           </a:p>
@@ -10070,6 +14483,13 @@
   <p:clrMapOvr>
     <a:masterClrMapping/>
   </p:clrMapOvr>
+  <p:timing>
+    <p:tnLst>
+      <p:par>
+        <p:cTn id="1" dur="indefinite" restart="never" nodeType="tmRoot"/>
+      </p:par>
+    </p:tnLst>
+  </p:timing>
 </p:sld>
 </file>
 
@@ -10405,6 +14825,13 @@
   <p:clrMapOvr>
     <a:masterClrMapping/>
   </p:clrMapOvr>
+  <p:timing>
+    <p:tnLst>
+      <p:par>
+        <p:cTn id="1" dur="indefinite" restart="never" nodeType="tmRoot"/>
+      </p:par>
+    </p:tnLst>
+  </p:timing>
 </p:sld>
 </file>
 
@@ -12466,6 +16893,13 @@
   <p:clrMapOvr>
     <a:masterClrMapping/>
   </p:clrMapOvr>
+  <p:timing>
+    <p:tnLst>
+      <p:par>
+        <p:cTn id="1" dur="indefinite" restart="never" nodeType="tmRoot"/>
+      </p:par>
+    </p:tnLst>
+  </p:timing>
 </p:sld>
 </file>
 
@@ -12509,25 +16943,31 @@
           </a:p>
         </p:txBody>
       </p:sp>
-      <p:sp>
-        <p:nvSpPr>
-          <p:cNvPr id="3" name="Content Placeholder 2"/>
-          <p:cNvSpPr>
-            <a:spLocks noGrp="1"/>
-          </p:cNvSpPr>
+      <p:graphicFrame>
+        <p:nvGraphicFramePr>
+          <p:cNvPr id="6" name="Content Placeholder 5"/>
+          <p:cNvGraphicFramePr>
+            <a:graphicFrameLocks noGrp="1"/>
+          </p:cNvGraphicFramePr>
           <p:nvPr>
             <p:ph idx="1"/>
+            <p:extLst>
+              <p:ext uri="{D42A27DB-BD31-4B8C-83A1-F6EECF244321}">
+                <p14:modId xmlns:p14="http://schemas.microsoft.com/office/powerpoint/2010/main" val="3349302367"/>
+              </p:ext>
+            </p:extLst>
           </p:nvPr>
-        </p:nvSpPr>
-        <p:spPr/>
-        <p:txBody>
-          <a:bodyPr/>
-          <a:lstStyle/>
-          <a:p>
-            <a:endParaRPr lang="es-AR" dirty="0"/>
-          </a:p>
-        </p:txBody>
-      </p:sp>
+        </p:nvGraphicFramePr>
+        <p:xfrm>
+          <a:off x="467544" y="980728"/>
+          <a:ext cx="8424936" cy="5039073"/>
+        </p:xfrm>
+        <a:graphic>
+          <a:graphicData uri="http://schemas.openxmlformats.org/drawingml/2006/diagram">
+            <dgm:relIds xmlns:dgm="http://schemas.openxmlformats.org/drawingml/2006/diagram" xmlns:r="http://schemas.openxmlformats.org/officeDocument/2006/relationships" r:dm="rId2" r:lo="rId3" r:qs="rId4" r:cs="rId5"/>
+          </a:graphicData>
+        </a:graphic>
+      </p:graphicFrame>
       <p:sp>
         <p:nvSpPr>
           <p:cNvPr id="4" name="Text Placeholder 3"/>
@@ -12561,6 +17001,13 @@
   <p:clrMapOvr>
     <a:masterClrMapping/>
   </p:clrMapOvr>
+  <p:timing>
+    <p:tnLst>
+      <p:par>
+        <p:cTn id="1" dur="indefinite" restart="never" nodeType="tmRoot"/>
+      </p:par>
+    </p:tnLst>
+  </p:timing>
 </p:sld>
 </file>
 
@@ -12604,49 +17051,72 @@
           </a:p>
         </p:txBody>
       </p:sp>
+      <p:sp>
+        <p:nvSpPr>
+          <p:cNvPr id="4" name="Text Placeholder 3"/>
+          <p:cNvSpPr>
+            <a:spLocks noGrp="1"/>
+          </p:cNvSpPr>
+          <p:nvPr>
+            <p:ph type="body" sz="quarter" idx="13"/>
+          </p:nvPr>
+        </p:nvSpPr>
+        <p:spPr/>
+        <p:txBody>
+          <a:bodyPr/>
+          <a:lstStyle/>
+          <a:p>
+            <a:r>
+              <a:rPr lang="es-AR" dirty="0" smtClean="0"/>
+              <a:t>Empleados - Sueldos</a:t>
+            </a:r>
+            <a:endParaRPr lang="es-AR" dirty="0"/>
+          </a:p>
+        </p:txBody>
+      </p:sp>
       <p:graphicFrame>
         <p:nvGraphicFramePr>
-          <p:cNvPr id="5" name="Content Placeholder 4"/>
+          <p:cNvPr id="3" name="Table 2"/>
           <p:cNvGraphicFramePr>
             <a:graphicFrameLocks noGrp="1"/>
           </p:cNvGraphicFramePr>
           <p:nvPr>
-            <p:ph idx="1"/>
             <p:extLst>
               <p:ext uri="{D42A27DB-BD31-4B8C-83A1-F6EECF244321}">
-                <p14:modId xmlns:p14="http://schemas.microsoft.com/office/powerpoint/2010/main" val="810653241"/>
+                <p14:modId xmlns:p14="http://schemas.microsoft.com/office/powerpoint/2010/main" val="930571881"/>
               </p:ext>
             </p:extLst>
           </p:nvPr>
         </p:nvGraphicFramePr>
         <p:xfrm>
-          <a:off x="2915816" y="1916832"/>
-          <a:ext cx="3600400" cy="1808118"/>
+          <a:off x="1547664" y="1556792"/>
+          <a:ext cx="6096000" cy="2478405"/>
         </p:xfrm>
         <a:graphic>
           <a:graphicData uri="http://schemas.openxmlformats.org/drawingml/2006/table">
             <a:tbl>
-              <a:tblPr>
+              <a:tblPr firstRow="1" bandRow="1">
                 <a:tableStyleId>{5C22544A-7EE6-4342-B048-85BDC9FD1C3A}</a:tableStyleId>
               </a:tblPr>
               <a:tblGrid>
-                <a:gridCol w="2735499"/>
-                <a:gridCol w="864901"/>
+                <a:gridCol w="2520280"/>
+                <a:gridCol w="1543720"/>
+                <a:gridCol w="2032000"/>
               </a:tblGrid>
-              <a:tr h="261768">
+              <a:tr h="139040">
                 <a:tc>
                   <a:txBody>
                     <a:bodyPr/>
                     <a:lstStyle/>
                     <a:p>
-                      <a:pPr algn="l" fontAlgn="b"/>
+                      <a:pPr algn="ctr" fontAlgn="b"/>
                       <a:r>
-                        <a:rPr lang="es-AR" sz="1600" u="none" strike="noStrike">
+                        <a:rPr lang="es-AR" sz="1600" u="none" strike="noStrike" dirty="0">
                           <a:effectLst/>
                         </a:rPr>
                         <a:t>Concepto</a:t>
                       </a:r>
-                      <a:endParaRPr lang="es-AR" sz="1600" b="1" i="0" u="none" strike="noStrike">
+                      <a:endParaRPr lang="es-AR" sz="1600" b="1" i="0" u="none" strike="noStrike" dirty="0">
                         <a:solidFill>
                           <a:srgbClr val="FFFFFF"/>
                         </a:solidFill>
@@ -12680,21 +17150,50 @@
                   </a:txBody>
                   <a:tcPr marL="9525" marR="9525" marT="9525" marB="0" anchor="b"/>
                 </a:tc>
-              </a:tr>
-              <a:tr h="257725">
                 <a:tc>
                   <a:txBody>
                     <a:bodyPr/>
                     <a:lstStyle/>
                     <a:p>
-                      <a:pPr algn="l" fontAlgn="b"/>
+                      <a:pPr algn="ctr" fontAlgn="b"/>
                       <a:r>
-                        <a:rPr lang="es-AR" sz="1600" u="none" strike="noStrike">
+                        <a:rPr lang="es-AR" sz="1600" u="none" strike="noStrike" dirty="0">
                           <a:effectLst/>
                         </a:rPr>
-                        <a:t>Arquitecto / Lider</a:t>
+                        <a:t>Unitario Total</a:t>
                       </a:r>
-                      <a:endParaRPr lang="es-AR" sz="1600" b="0" i="0" u="none" strike="noStrike">
+                      <a:endParaRPr lang="es-AR" sz="1600" b="1" i="0" u="none" strike="noStrike" dirty="0">
+                        <a:solidFill>
+                          <a:srgbClr val="FFFFFF"/>
+                        </a:solidFill>
+                        <a:effectLst/>
+                        <a:latin typeface="Arial"/>
+                      </a:endParaRPr>
+                    </a:p>
+                  </a:txBody>
+                  <a:tcPr marL="5806" marR="5806" marT="5806" marB="0" anchor="b"/>
+                </a:tc>
+              </a:tr>
+              <a:tr h="370840">
+                <a:tc>
+                  <a:txBody>
+                    <a:bodyPr/>
+                    <a:lstStyle/>
+                    <a:p>
+                      <a:pPr algn="ctr" fontAlgn="b"/>
+                      <a:r>
+                        <a:rPr lang="es-AR" sz="1600" u="none" strike="noStrike" dirty="0">
+                          <a:effectLst/>
+                        </a:rPr>
+                        <a:t>Arquitecto / </a:t>
+                      </a:r>
+                      <a:r>
+                        <a:rPr lang="es-AR" sz="1600" u="none" strike="noStrike" dirty="0" err="1">
+                          <a:effectLst/>
+                        </a:rPr>
+                        <a:t>Lider</a:t>
+                      </a:r>
+                      <a:endParaRPr lang="es-AR" sz="1600" b="0" i="0" u="none" strike="noStrike" dirty="0">
                         <a:effectLst/>
                         <a:latin typeface="Arial"/>
                       </a:endParaRPr>
@@ -12707,36 +17206,14 @@
                     <a:bodyPr/>
                     <a:lstStyle/>
                     <a:p>
-                      <a:pPr algn="r" fontAlgn="b"/>
+                      <a:pPr algn="ctr" fontAlgn="b"/>
                       <a:r>
-                        <a:rPr lang="es-AR" sz="1600" u="none" strike="noStrike">
+                        <a:rPr lang="es-AR" sz="1600" u="none" strike="noStrike" dirty="0">
                           <a:effectLst/>
                         </a:rPr>
                         <a:t>$ 8.000</a:t>
                       </a:r>
-                      <a:endParaRPr lang="es-AR" sz="1600" b="0" i="0" u="none" strike="noStrike">
-                        <a:effectLst/>
-                        <a:latin typeface="Arial"/>
-                      </a:endParaRPr>
-                    </a:p>
-                  </a:txBody>
-                  <a:tcPr marL="9525" marR="9525" marT="9525" marB="0" anchor="b"/>
-                </a:tc>
-              </a:tr>
-              <a:tr h="257725">
-                <a:tc>
-                  <a:txBody>
-                    <a:bodyPr/>
-                    <a:lstStyle/>
-                    <a:p>
-                      <a:pPr algn="l" fontAlgn="b"/>
-                      <a:r>
-                        <a:rPr lang="es-AR" sz="1600" u="none" strike="noStrike">
-                          <a:effectLst/>
-                        </a:rPr>
-                        <a:t>IT</a:t>
-                      </a:r>
-                      <a:endParaRPr lang="es-AR" sz="1600" b="0" i="0" u="none" strike="noStrike">
+                      <a:endParaRPr lang="es-AR" sz="1600" b="0" i="0" u="none" strike="noStrike" dirty="0">
                         <a:effectLst/>
                         <a:latin typeface="Arial"/>
                       </a:endParaRPr>
@@ -12749,36 +17226,36 @@
                     <a:bodyPr/>
                     <a:lstStyle/>
                     <a:p>
-                      <a:pPr algn="r" fontAlgn="b"/>
+                      <a:pPr algn="ctr" fontAlgn="b"/>
                       <a:r>
-                        <a:rPr lang="es-AR" sz="1600" u="none" strike="noStrike">
+                        <a:rPr lang="es-AR" sz="1600" u="none" strike="noStrike" dirty="0">
                           <a:effectLst/>
                         </a:rPr>
-                        <a:t>$ 4.000</a:t>
+                        <a:t>$ 16.626</a:t>
                       </a:r>
-                      <a:endParaRPr lang="es-AR" sz="1600" b="0" i="0" u="none" strike="noStrike">
+                      <a:endParaRPr lang="es-AR" sz="1600" b="0" i="0" u="none" strike="noStrike" dirty="0">
                         <a:effectLst/>
                         <a:latin typeface="Arial"/>
                       </a:endParaRPr>
                     </a:p>
                   </a:txBody>
-                  <a:tcPr marL="9525" marR="9525" marT="9525" marB="0" anchor="b"/>
+                  <a:tcPr marL="5806" marR="5806" marT="5806" marB="0" anchor="b"/>
                 </a:tc>
               </a:tr>
-              <a:tr h="257725">
+              <a:tr h="370840">
                 <a:tc>
                   <a:txBody>
                     <a:bodyPr/>
                     <a:lstStyle/>
                     <a:p>
-                      <a:pPr algn="l" fontAlgn="b"/>
+                      <a:pPr algn="ctr" fontAlgn="b"/>
                       <a:r>
-                        <a:rPr lang="es-AR" sz="1600" u="none" strike="noStrike">
+                        <a:rPr lang="es-AR" sz="1600" u="none" strike="noStrike" dirty="0">
                           <a:effectLst/>
                         </a:rPr>
-                        <a:t>Programador Senior</a:t>
+                        <a:t>IT</a:t>
                       </a:r>
-                      <a:endParaRPr lang="es-AR" sz="1600" b="0" i="0" u="none" strike="noStrike">
+                      <a:endParaRPr lang="es-AR" sz="1600" b="0" i="0" u="none" strike="noStrike" dirty="0">
                         <a:effectLst/>
                         <a:latin typeface="Arial"/>
                       </a:endParaRPr>
@@ -12791,36 +17268,14 @@
                     <a:bodyPr/>
                     <a:lstStyle/>
                     <a:p>
-                      <a:pPr algn="r" fontAlgn="b"/>
+                      <a:pPr algn="ctr" fontAlgn="b"/>
                       <a:r>
-                        <a:rPr lang="es-AR" sz="1600" u="none" strike="noStrike">
+                        <a:rPr lang="es-AR" sz="1600" u="none" strike="noStrike" dirty="0">
                           <a:effectLst/>
                         </a:rPr>
-                        <a:t>$ 5.500</a:t>
+                        <a:t>$ 4.000</a:t>
                       </a:r>
-                      <a:endParaRPr lang="es-AR" sz="1600" b="0" i="0" u="none" strike="noStrike">
-                        <a:effectLst/>
-                        <a:latin typeface="Arial"/>
-                      </a:endParaRPr>
-                    </a:p>
-                  </a:txBody>
-                  <a:tcPr marL="9525" marR="9525" marT="9525" marB="0" anchor="b"/>
-                </a:tc>
-              </a:tr>
-              <a:tr h="257725">
-                <a:tc>
-                  <a:txBody>
-                    <a:bodyPr/>
-                    <a:lstStyle/>
-                    <a:p>
-                      <a:pPr algn="l" fontAlgn="b"/>
-                      <a:r>
-                        <a:rPr lang="es-AR" sz="1600" u="none" strike="noStrike">
-                          <a:effectLst/>
-                        </a:rPr>
-                        <a:t>Programador SemiSenior</a:t>
-                      </a:r>
-                      <a:endParaRPr lang="es-AR" sz="1600" b="0" i="0" u="none" strike="noStrike">
+                      <a:endParaRPr lang="es-AR" sz="1600" b="0" i="0" u="none" strike="noStrike" dirty="0">
                         <a:effectLst/>
                         <a:latin typeface="Arial"/>
                       </a:endParaRPr>
@@ -12833,14 +17288,42 @@
                     <a:bodyPr/>
                     <a:lstStyle/>
                     <a:p>
-                      <a:pPr algn="r" fontAlgn="b"/>
+                      <a:pPr algn="ctr" fontAlgn="b"/>
                       <a:r>
-                        <a:rPr lang="es-AR" sz="1600" u="none" strike="noStrike">
+                        <a:rPr lang="es-AR" sz="1600" u="none" strike="noStrike" dirty="0">
                           <a:effectLst/>
                         </a:rPr>
-                        <a:t>$ 4.000</a:t>
+                        <a:t>$ 8.313</a:t>
                       </a:r>
-                      <a:endParaRPr lang="es-AR" sz="1600" b="0" i="0" u="none" strike="noStrike">
+                      <a:endParaRPr lang="es-AR" sz="1600" b="0" i="0" u="none" strike="noStrike" dirty="0">
+                        <a:effectLst/>
+                        <a:latin typeface="Arial"/>
+                      </a:endParaRPr>
+                    </a:p>
+                  </a:txBody>
+                  <a:tcPr marL="5806" marR="5806" marT="5806" marB="0" anchor="b"/>
+                </a:tc>
+              </a:tr>
+              <a:tr h="370840">
+                <a:tc>
+                  <a:txBody>
+                    <a:bodyPr/>
+                    <a:lstStyle/>
+                    <a:p>
+                      <a:pPr algn="ctr" fontAlgn="b"/>
+                      <a:r>
+                        <a:rPr lang="es-AR" sz="1600" u="none" strike="noStrike" dirty="0">
+                          <a:effectLst/>
+                        </a:rPr>
+                        <a:t>Programador </a:t>
+                      </a:r>
+                      <a:r>
+                        <a:rPr lang="es-AR" sz="1600" u="none" strike="noStrike" dirty="0" err="1">
+                          <a:effectLst/>
+                        </a:rPr>
+                        <a:t>Senior</a:t>
+                      </a:r>
+                      <a:endParaRPr lang="es-AR" sz="1600" b="0" i="0" u="none" strike="noStrike" dirty="0">
                         <a:effectLst/>
                         <a:latin typeface="Arial"/>
                       </a:endParaRPr>
@@ -12848,14 +17331,122 @@
                   </a:txBody>
                   <a:tcPr marL="9525" marR="9525" marT="9525" marB="0" anchor="b"/>
                 </a:tc>
-              </a:tr>
-              <a:tr h="257725">
                 <a:tc>
                   <a:txBody>
                     <a:bodyPr/>
                     <a:lstStyle/>
                     <a:p>
-                      <a:pPr algn="l" fontAlgn="b"/>
+                      <a:pPr algn="ctr" fontAlgn="b"/>
+                      <a:r>
+                        <a:rPr lang="es-AR" sz="1600" u="none" strike="noStrike" dirty="0">
+                          <a:effectLst/>
+                        </a:rPr>
+                        <a:t>$ 5.500</a:t>
+                      </a:r>
+                      <a:endParaRPr lang="es-AR" sz="1600" b="0" i="0" u="none" strike="noStrike" dirty="0">
+                        <a:effectLst/>
+                        <a:latin typeface="Arial"/>
+                      </a:endParaRPr>
+                    </a:p>
+                  </a:txBody>
+                  <a:tcPr marL="9525" marR="9525" marT="9525" marB="0" anchor="b"/>
+                </a:tc>
+                <a:tc>
+                  <a:txBody>
+                    <a:bodyPr/>
+                    <a:lstStyle/>
+                    <a:p>
+                      <a:pPr algn="ctr" fontAlgn="b"/>
+                      <a:r>
+                        <a:rPr lang="es-AR" sz="1600" u="none" strike="noStrike" dirty="0">
+                          <a:effectLst/>
+                        </a:rPr>
+                        <a:t>$ 11.430</a:t>
+                      </a:r>
+                      <a:endParaRPr lang="es-AR" sz="1600" b="0" i="0" u="none" strike="noStrike" dirty="0">
+                        <a:effectLst/>
+                        <a:latin typeface="Arial"/>
+                      </a:endParaRPr>
+                    </a:p>
+                  </a:txBody>
+                  <a:tcPr marL="5806" marR="5806" marT="5806" marB="0" anchor="b"/>
+                </a:tc>
+              </a:tr>
+              <a:tr h="370840">
+                <a:tc>
+                  <a:txBody>
+                    <a:bodyPr/>
+                    <a:lstStyle/>
+                    <a:p>
+                      <a:pPr algn="ctr" fontAlgn="b"/>
+                      <a:r>
+                        <a:rPr lang="es-AR" sz="1600" u="none" strike="noStrike" dirty="0">
+                          <a:effectLst/>
+                        </a:rPr>
+                        <a:t>Programador </a:t>
+                      </a:r>
+                      <a:r>
+                        <a:rPr lang="es-AR" sz="1600" u="none" strike="noStrike" dirty="0" err="1">
+                          <a:effectLst/>
+                        </a:rPr>
+                        <a:t>SemiSenior</a:t>
+                      </a:r>
+                      <a:endParaRPr lang="es-AR" sz="1600" b="0" i="0" u="none" strike="noStrike" dirty="0">
+                        <a:effectLst/>
+                        <a:latin typeface="Arial"/>
+                      </a:endParaRPr>
+                    </a:p>
+                  </a:txBody>
+                  <a:tcPr marL="9525" marR="9525" marT="9525" marB="0" anchor="b"/>
+                </a:tc>
+                <a:tc>
+                  <a:txBody>
+                    <a:bodyPr/>
+                    <a:lstStyle/>
+                    <a:p>
+                      <a:pPr algn="ctr" fontAlgn="b"/>
+                      <a:r>
+                        <a:rPr lang="es-AR" sz="1600" u="none" strike="noStrike" dirty="0">
+                          <a:effectLst/>
+                        </a:rPr>
+                        <a:t>$ 4.000</a:t>
+                      </a:r>
+                      <a:endParaRPr lang="es-AR" sz="1600" b="0" i="0" u="none" strike="noStrike" dirty="0">
+                        <a:effectLst/>
+                        <a:latin typeface="Arial"/>
+                      </a:endParaRPr>
+                    </a:p>
+                  </a:txBody>
+                  <a:tcPr marL="9525" marR="9525" marT="9525" marB="0" anchor="b"/>
+                </a:tc>
+                <a:tc>
+                  <a:txBody>
+                    <a:bodyPr/>
+                    <a:lstStyle/>
+                    <a:p>
+                      <a:pPr algn="ctr" fontAlgn="b"/>
+                      <a:r>
+                        <a:rPr lang="es-AR" sz="1600" u="none" strike="noStrike" dirty="0">
+                          <a:effectLst/>
+                        </a:rPr>
+                        <a:t>$ 8.313</a:t>
+                      </a:r>
+                      <a:endParaRPr lang="es-AR" sz="1600" b="0" i="0" u="none" strike="noStrike" dirty="0">
+                        <a:effectLst/>
+                        <a:latin typeface="Arial"/>
+                      </a:endParaRPr>
+                    </a:p>
+                  </a:txBody>
+                  <a:tcPr marL="5806" marR="5806" marT="5806" marB="0" anchor="b"/>
+                </a:tc>
+              </a:tr>
+              <a:tr h="370840">
+                <a:tc>
+                  <a:txBody>
+                    <a:bodyPr/>
+                    <a:lstStyle/>
+                    <a:p>
+                      <a:pPr algn="ctr" fontAlgn="b"/>
                       <a:r>
                         <a:rPr lang="es-AR" sz="1600" u="none" strike="noStrike">
                           <a:effectLst/>
@@ -12875,14 +17466,14 @@
                     <a:bodyPr/>
                     <a:lstStyle/>
                     <a:p>
-                      <a:pPr algn="r" fontAlgn="b"/>
+                      <a:pPr algn="ctr" fontAlgn="b"/>
                       <a:r>
-                        <a:rPr lang="es-AR" sz="1600" u="none" strike="noStrike">
+                        <a:rPr lang="es-AR" sz="1600" u="none" strike="noStrike" dirty="0">
                           <a:effectLst/>
                         </a:rPr>
                         <a:t>$ 3.000</a:t>
                       </a:r>
-                      <a:endParaRPr lang="es-AR" sz="1600" b="0" i="0" u="none" strike="noStrike">
+                      <a:endParaRPr lang="es-AR" sz="1600" b="0" i="0" u="none" strike="noStrike" dirty="0">
                         <a:effectLst/>
                         <a:latin typeface="Arial"/>
                       </a:endParaRPr>
@@ -12890,14 +17481,34 @@
                   </a:txBody>
                   <a:tcPr marL="9525" marR="9525" marT="9525" marB="0" anchor="b"/>
                 </a:tc>
-              </a:tr>
-              <a:tr h="257725">
                 <a:tc>
                   <a:txBody>
                     <a:bodyPr/>
                     <a:lstStyle/>
                     <a:p>
-                      <a:pPr algn="l" fontAlgn="b"/>
+                      <a:pPr algn="ctr" fontAlgn="b"/>
+                      <a:r>
+                        <a:rPr lang="es-AR" sz="1600" u="none" strike="noStrike" dirty="0">
+                          <a:effectLst/>
+                        </a:rPr>
+                        <a:t>$ 6.235</a:t>
+                      </a:r>
+                      <a:endParaRPr lang="es-AR" sz="1600" b="0" i="0" u="none" strike="noStrike" dirty="0">
+                        <a:effectLst/>
+                        <a:latin typeface="Arial"/>
+                      </a:endParaRPr>
+                    </a:p>
+                  </a:txBody>
+                  <a:tcPr marL="5806" marR="5806" marT="5806" marB="0" anchor="b"/>
+                </a:tc>
+              </a:tr>
+              <a:tr h="370840">
+                <a:tc>
+                  <a:txBody>
+                    <a:bodyPr/>
+                    <a:lstStyle/>
+                    <a:p>
+                      <a:pPr algn="ctr" fontAlgn="b"/>
                       <a:r>
                         <a:rPr lang="es-AR" sz="1600" u="none" strike="noStrike">
                           <a:effectLst/>
@@ -12917,7 +17528,7 @@
                     <a:bodyPr/>
                     <a:lstStyle/>
                     <a:p>
-                      <a:pPr algn="r" fontAlgn="b"/>
+                      <a:pPr algn="ctr" fontAlgn="b"/>
                       <a:r>
                         <a:rPr lang="es-AR" sz="1600" u="none" strike="noStrike" dirty="0">
                           <a:effectLst/>
@@ -12932,34 +17543,31 @@
                   </a:txBody>
                   <a:tcPr marL="9525" marR="9525" marT="9525" marB="0" anchor="b"/>
                 </a:tc>
+                <a:tc>
+                  <a:txBody>
+                    <a:bodyPr/>
+                    <a:lstStyle/>
+                    <a:p>
+                      <a:pPr algn="ctr" fontAlgn="b"/>
+                      <a:r>
+                        <a:rPr lang="es-AR" sz="1600" u="none" strike="noStrike" dirty="0">
+                          <a:effectLst/>
+                        </a:rPr>
+                        <a:t>$ 6.235</a:t>
+                      </a:r>
+                      <a:endParaRPr lang="es-AR" sz="1600" b="0" i="0" u="none" strike="noStrike" dirty="0">
+                        <a:effectLst/>
+                        <a:latin typeface="Arial"/>
+                      </a:endParaRPr>
+                    </a:p>
+                  </a:txBody>
+                  <a:tcPr marL="5806" marR="5806" marT="5806" marB="0" anchor="b"/>
+                </a:tc>
               </a:tr>
             </a:tbl>
           </a:graphicData>
         </a:graphic>
       </p:graphicFrame>
-      <p:sp>
-        <p:nvSpPr>
-          <p:cNvPr id="4" name="Text Placeholder 3"/>
-          <p:cNvSpPr>
-            <a:spLocks noGrp="1"/>
-          </p:cNvSpPr>
-          <p:nvPr>
-            <p:ph type="body" sz="quarter" idx="13"/>
-          </p:nvPr>
-        </p:nvSpPr>
-        <p:spPr/>
-        <p:txBody>
-          <a:bodyPr/>
-          <a:lstStyle/>
-          <a:p>
-            <a:r>
-              <a:rPr lang="es-AR" dirty="0" smtClean="0"/>
-              <a:t>Empleados - Sueldos</a:t>
-            </a:r>
-            <a:endParaRPr lang="es-AR" dirty="0"/>
-          </a:p>
-        </p:txBody>
-      </p:sp>
     </p:spTree>
     <p:extLst>
       <p:ext uri="{BB962C8B-B14F-4D97-AF65-F5344CB8AC3E}">
@@ -12970,6 +17578,13 @@
   <p:clrMapOvr>
     <a:masterClrMapping/>
   </p:clrMapOvr>
+  <p:timing>
+    <p:tnLst>
+      <p:par>
+        <p:cTn id="1" dur="indefinite" restart="never" nodeType="tmRoot"/>
+      </p:par>
+    </p:tnLst>
+  </p:timing>
 </p:sld>
 </file>
 
@@ -13013,57 +17628,113 @@
           </a:p>
         </p:txBody>
       </p:sp>
+      <p:sp>
+        <p:nvSpPr>
+          <p:cNvPr id="4" name="Text Placeholder 3"/>
+          <p:cNvSpPr>
+            <a:spLocks noGrp="1"/>
+          </p:cNvSpPr>
+          <p:nvPr>
+            <p:ph type="body" sz="quarter" idx="13"/>
+          </p:nvPr>
+        </p:nvSpPr>
+        <p:spPr/>
+        <p:txBody>
+          <a:bodyPr/>
+          <a:lstStyle/>
+          <a:p>
+            <a:r>
+              <a:rPr lang="es-AR" dirty="0" err="1" smtClean="0"/>
+              <a:t>Utilizacion</a:t>
+            </a:r>
+            <a:r>
+              <a:rPr lang="es-AR" dirty="0" smtClean="0"/>
+              <a:t> de Recursos en el Proyecto</a:t>
+            </a:r>
+            <a:endParaRPr lang="es-AR" dirty="0"/>
+          </a:p>
+        </p:txBody>
+      </p:sp>
+      <p:sp>
+        <p:nvSpPr>
+          <p:cNvPr id="6" name="TextBox 5"/>
+          <p:cNvSpPr txBox="1"/>
+          <p:nvPr/>
+        </p:nvSpPr>
+        <p:spPr>
+          <a:xfrm>
+            <a:off x="1907704" y="4221088"/>
+            <a:ext cx="5400600" cy="369332"/>
+          </a:xfrm>
+          <a:prstGeom prst="rect">
+            <a:avLst/>
+          </a:prstGeom>
+          <a:noFill/>
+        </p:spPr>
+        <p:txBody>
+          <a:bodyPr wrap="square" rtlCol="0">
+            <a:spAutoFit/>
+          </a:bodyPr>
+          <a:lstStyle/>
+          <a:p>
+            <a:r>
+              <a:rPr lang="es-AR" dirty="0" smtClean="0"/>
+              <a:t>Calculando una merma de productividad del 15 %</a:t>
+            </a:r>
+            <a:endParaRPr lang="es-AR" dirty="0"/>
+          </a:p>
+        </p:txBody>
+      </p:sp>
       <p:graphicFrame>
         <p:nvGraphicFramePr>
-          <p:cNvPr id="5" name="Content Placeholder 4"/>
+          <p:cNvPr id="3" name="Table 2"/>
           <p:cNvGraphicFramePr>
             <a:graphicFrameLocks noGrp="1"/>
           </p:cNvGraphicFramePr>
           <p:nvPr>
-            <p:ph idx="1"/>
             <p:extLst>
               <p:ext uri="{D42A27DB-BD31-4B8C-83A1-F6EECF244321}">
-                <p14:modId xmlns:p14="http://schemas.microsoft.com/office/powerpoint/2010/main" val="688047208"/>
+                <p14:modId xmlns:p14="http://schemas.microsoft.com/office/powerpoint/2010/main" val="3620008205"/>
               </p:ext>
             </p:extLst>
           </p:nvPr>
         </p:nvGraphicFramePr>
         <p:xfrm>
-          <a:off x="323529" y="1484784"/>
-          <a:ext cx="8136903" cy="2399214"/>
+          <a:off x="467548" y="1268760"/>
+          <a:ext cx="8352922" cy="3337560"/>
         </p:xfrm>
         <a:graphic>
           <a:graphicData uri="http://schemas.openxmlformats.org/drawingml/2006/table">
             <a:tbl>
-              <a:tblPr>
+              <a:tblPr firstRow="1" bandRow="1">
                 <a:tableStyleId>{5C22544A-7EE6-4342-B048-85BDC9FD1C3A}</a:tableStyleId>
               </a:tblPr>
               <a:tblGrid>
-                <a:gridCol w="1904971"/>
-                <a:gridCol w="654557"/>
-                <a:gridCol w="1168090"/>
-                <a:gridCol w="665285"/>
-                <a:gridCol w="598283"/>
-                <a:gridCol w="623898"/>
-                <a:gridCol w="623898"/>
-                <a:gridCol w="623898"/>
-                <a:gridCol w="623898"/>
-                <a:gridCol w="650125"/>
+                <a:gridCol w="1491590"/>
+                <a:gridCol w="671217"/>
+                <a:gridCol w="1267855"/>
+                <a:gridCol w="894957"/>
+                <a:gridCol w="671217"/>
+                <a:gridCol w="671217"/>
+                <a:gridCol w="596638"/>
+                <a:gridCol w="671217"/>
+                <a:gridCol w="745797"/>
+                <a:gridCol w="671217"/>
               </a:tblGrid>
-              <a:tr h="100249">
+              <a:tr h="370840">
                 <a:tc>
                   <a:txBody>
                     <a:bodyPr/>
                     <a:lstStyle/>
                     <a:p>
-                      <a:pPr algn="r" fontAlgn="b"/>
+                      <a:pPr algn="ctr" fontAlgn="b"/>
                       <a:r>
-                        <a:rPr lang="es-AR" sz="1400" u="none" strike="noStrike">
+                        <a:rPr lang="es-AR" sz="1400" u="none" strike="noStrike" dirty="0">
                           <a:effectLst/>
                         </a:rPr>
                         <a:t>Período</a:t>
                       </a:r>
-                      <a:endParaRPr lang="es-AR" sz="1400" b="1" i="0" u="none" strike="noStrike">
+                      <a:endParaRPr lang="es-AR" sz="1400" b="1" i="0" u="none" strike="noStrike" dirty="0">
                         <a:solidFill>
                           <a:srgbClr val="FFFFFF"/>
                         </a:solidFill>
@@ -13217,20 +17888,20 @@
                   <a:tcPr/>
                 </a:tc>
               </a:tr>
-              <a:tr h="100249">
+              <a:tr h="370840">
                 <a:tc>
                   <a:txBody>
                     <a:bodyPr/>
                     <a:lstStyle/>
                     <a:p>
-                      <a:pPr algn="l" fontAlgn="b"/>
+                      <a:pPr algn="ctr" fontAlgn="b"/>
                       <a:r>
-                        <a:rPr lang="es-AR" sz="1400" u="none" strike="noStrike">
+                        <a:rPr lang="es-AR" sz="1400" u="none" strike="noStrike" dirty="0">
                           <a:effectLst/>
                         </a:rPr>
                         <a:t>Concepto</a:t>
                       </a:r>
-                      <a:endParaRPr lang="es-AR" sz="1400" b="1" i="0" u="none" strike="noStrike">
+                      <a:endParaRPr lang="es-AR" sz="1400" b="1" i="0" u="none" strike="noStrike" dirty="0">
                         <a:solidFill>
                           <a:srgbClr val="FFFFFF"/>
                         </a:solidFill>
@@ -13248,12 +17919,12 @@
                     <a:p>
                       <a:pPr algn="ctr" fontAlgn="b"/>
                       <a:r>
-                        <a:rPr lang="es-AR" sz="1400" u="none" strike="noStrike">
+                        <a:rPr lang="es-AR" sz="1400" b="1" u="none" strike="noStrike" dirty="0">
                           <a:effectLst/>
                         </a:rPr>
                         <a:t>Neto</a:t>
                       </a:r>
-                      <a:endParaRPr lang="es-AR" sz="1400" b="1" i="0" u="none" strike="noStrike">
+                      <a:endParaRPr lang="es-AR" sz="1400" b="1" i="0" u="none" strike="noStrike" dirty="0">
                         <a:solidFill>
                           <a:srgbClr val="FFFFFF"/>
                         </a:solidFill>
@@ -13271,12 +17942,12 @@
                     <a:p>
                       <a:pPr algn="ctr" fontAlgn="b"/>
                       <a:r>
-                        <a:rPr lang="es-AR" sz="1400" u="none" strike="noStrike">
+                        <a:rPr lang="es-AR" sz="1400" u="none" strike="noStrike" dirty="0">
                           <a:effectLst/>
                         </a:rPr>
                         <a:t>Unitario Total</a:t>
                       </a:r>
-                      <a:endParaRPr lang="es-AR" sz="1400" b="1" i="0" u="none" strike="noStrike">
+                      <a:endParaRPr lang="es-AR" sz="1400" b="1" i="0" u="none" strike="noStrike" dirty="0">
                         <a:solidFill>
                           <a:srgbClr val="FFFFFF"/>
                         </a:solidFill>
@@ -13317,12 +17988,12 @@
                     <a:p>
                       <a:pPr algn="ctr" fontAlgn="b"/>
                       <a:r>
-                        <a:rPr lang="es-AR" sz="1400" u="none" strike="noStrike">
+                        <a:rPr lang="es-AR" sz="1400" u="none" strike="noStrike" dirty="0">
                           <a:effectLst/>
                         </a:rPr>
                         <a:t>1</a:t>
                       </a:r>
-                      <a:endParaRPr lang="es-AR" sz="1400" b="1" i="0" u="none" strike="noStrike">
+                      <a:endParaRPr lang="es-AR" sz="1400" b="1" i="0" u="none" strike="noStrike" dirty="0">
                         <a:solidFill>
                           <a:srgbClr val="FFFFFF"/>
                         </a:solidFill>
@@ -13449,60 +18120,26 @@
                   <a:tcPr marL="5806" marR="5806" marT="5806" marB="0" anchor="b"/>
                 </a:tc>
               </a:tr>
-              <a:tr h="98700">
+              <a:tr h="370840">
                 <a:tc>
                   <a:txBody>
                     <a:bodyPr/>
                     <a:lstStyle/>
                     <a:p>
-                      <a:pPr algn="l" fontAlgn="b"/>
+                      <a:pPr algn="ctr" fontAlgn="b"/>
                       <a:r>
-                        <a:rPr lang="es-AR" sz="1400" u="none" strike="noStrike">
+                        <a:rPr lang="es-AR" sz="1400" u="none" strike="noStrike" dirty="0">
                           <a:effectLst/>
                         </a:rPr>
-                        <a:t>Arquitecto / Lider</a:t>
+                        <a:t>Arquitecto / </a:t>
                       </a:r>
-                      <a:endParaRPr lang="es-AR" sz="1400" b="0" i="0" u="none" strike="noStrike">
-                        <a:effectLst/>
-                        <a:latin typeface="Arial"/>
-                      </a:endParaRPr>
-                    </a:p>
-                  </a:txBody>
-                  <a:tcPr marL="5806" marR="5806" marT="5806" marB="0" anchor="b"/>
-                </a:tc>
-                <a:tc>
-                  <a:txBody>
-                    <a:bodyPr/>
-                    <a:lstStyle/>
-                    <a:p>
-                      <a:pPr algn="r" fontAlgn="b"/>
                       <a:r>
-                        <a:rPr lang="es-AR" sz="1400" u="none" strike="noStrike">
+                        <a:rPr lang="es-AR" sz="1400" u="none" strike="noStrike" dirty="0" err="1">
                           <a:effectLst/>
                         </a:rPr>
-                        <a:t>$ 8.000</a:t>
+                        <a:t>Lider</a:t>
                       </a:r>
-                      <a:endParaRPr lang="es-AR" sz="1400" b="0" i="0" u="none" strike="noStrike">
-                        <a:effectLst/>
-                        <a:latin typeface="Arial"/>
-                      </a:endParaRPr>
-                    </a:p>
-                  </a:txBody>
-                  <a:tcPr marL="5806" marR="5806" marT="5806" marB="0" anchor="b"/>
-                </a:tc>
-                <a:tc>
-                  <a:txBody>
-                    <a:bodyPr/>
-                    <a:lstStyle/>
-                    <a:p>
-                      <a:pPr algn="r" fontAlgn="b"/>
-                      <a:r>
-                        <a:rPr lang="es-AR" sz="1400" u="none" strike="noStrike">
-                          <a:effectLst/>
-                        </a:rPr>
-                        <a:t>$ 16.626</a:t>
-                      </a:r>
-                      <a:endParaRPr lang="es-AR" sz="1400" b="0" i="0" u="none" strike="noStrike">
+                      <a:endParaRPr lang="es-AR" sz="1400" b="0" i="0" u="none" strike="noStrike" dirty="0">
                         <a:effectLst/>
                         <a:latin typeface="Arial"/>
                       </a:endParaRPr>
@@ -13517,12 +18154,12 @@
                     <a:p>
                       <a:pPr algn="ctr" fontAlgn="b"/>
                       <a:r>
-                        <a:rPr lang="es-AR" sz="1400" u="none" strike="noStrike">
+                        <a:rPr lang="es-AR" sz="1400" b="1" u="none" strike="noStrike" dirty="0">
                           <a:effectLst/>
                         </a:rPr>
-                        <a:t>1</a:t>
+                        <a:t>$ 8.000</a:t>
                       </a:r>
-                      <a:endParaRPr lang="es-AR" sz="1400" b="0" i="0" u="none" strike="noStrike">
+                      <a:endParaRPr lang="es-AR" sz="1400" b="1" i="0" u="none" strike="noStrike" dirty="0">
                         <a:effectLst/>
                         <a:latin typeface="Arial"/>
                       </a:endParaRPr>
@@ -13537,12 +18174,12 @@
                     <a:p>
                       <a:pPr algn="ctr" fontAlgn="b"/>
                       <a:r>
-                        <a:rPr lang="es-AR" sz="1400" u="none" strike="noStrike">
+                        <a:rPr lang="es-AR" sz="1400" u="none" strike="noStrike" dirty="0">
                           <a:effectLst/>
                         </a:rPr>
-                        <a:t>1</a:t>
+                        <a:t>$ 16.626</a:t>
                       </a:r>
-                      <a:endParaRPr lang="es-AR" sz="1400" b="0" i="0" u="none" strike="noStrike">
+                      <a:endParaRPr lang="es-AR" sz="1400" b="0" i="0" u="none" strike="noStrike" dirty="0">
                         <a:effectLst/>
                         <a:latin typeface="Arial"/>
                       </a:endParaRPr>
@@ -13557,12 +18194,12 @@
                     <a:p>
                       <a:pPr algn="ctr" fontAlgn="b"/>
                       <a:r>
-                        <a:rPr lang="es-AR" sz="1400" u="none" strike="noStrike">
+                        <a:rPr lang="es-AR" sz="1400" u="none" strike="noStrike" dirty="0">
                           <a:effectLst/>
                         </a:rPr>
                         <a:t>1</a:t>
                       </a:r>
-                      <a:endParaRPr lang="es-AR" sz="1400" b="0" i="0" u="none" strike="noStrike">
+                      <a:endParaRPr lang="es-AR" sz="1400" b="0" i="0" u="none" strike="noStrike" dirty="0">
                         <a:effectLst/>
                         <a:latin typeface="Arial"/>
                       </a:endParaRPr>
@@ -13577,12 +18214,12 @@
                     <a:p>
                       <a:pPr algn="ctr" fontAlgn="b"/>
                       <a:r>
-                        <a:rPr lang="es-AR" sz="1400" u="none" strike="noStrike">
+                        <a:rPr lang="es-AR" sz="1400" u="none" strike="noStrike" dirty="0">
                           <a:effectLst/>
                         </a:rPr>
                         <a:t>1</a:t>
                       </a:r>
-                      <a:endParaRPr lang="es-AR" sz="1400" b="0" i="0" u="none" strike="noStrike">
+                      <a:endParaRPr lang="es-AR" sz="1400" b="0" i="0" u="none" strike="noStrike" dirty="0">
                         <a:effectLst/>
                         <a:latin typeface="Arial"/>
                       </a:endParaRPr>
@@ -13597,12 +18234,52 @@
                     <a:p>
                       <a:pPr algn="ctr" fontAlgn="b"/>
                       <a:r>
-                        <a:rPr lang="es-AR" sz="1400" u="none" strike="noStrike">
+                        <a:rPr lang="es-AR" sz="1400" u="none" strike="noStrike" dirty="0">
                           <a:effectLst/>
                         </a:rPr>
                         <a:t>1</a:t>
                       </a:r>
-                      <a:endParaRPr lang="es-AR" sz="1400" b="0" i="0" u="none" strike="noStrike">
+                      <a:endParaRPr lang="es-AR" sz="1400" b="0" i="0" u="none" strike="noStrike" dirty="0">
+                        <a:effectLst/>
+                        <a:latin typeface="Arial"/>
+                      </a:endParaRPr>
+                    </a:p>
+                  </a:txBody>
+                  <a:tcPr marL="5806" marR="5806" marT="5806" marB="0" anchor="b"/>
+                </a:tc>
+                <a:tc>
+                  <a:txBody>
+                    <a:bodyPr/>
+                    <a:lstStyle/>
+                    <a:p>
+                      <a:pPr algn="ctr" fontAlgn="b"/>
+                      <a:r>
+                        <a:rPr lang="es-AR" sz="1400" u="none" strike="noStrike" dirty="0">
+                          <a:effectLst/>
+                        </a:rPr>
+                        <a:t>1</a:t>
+                      </a:r>
+                      <a:endParaRPr lang="es-AR" sz="1400" b="0" i="0" u="none" strike="noStrike" dirty="0">
+                        <a:effectLst/>
+                        <a:latin typeface="Arial"/>
+                      </a:endParaRPr>
+                    </a:p>
+                  </a:txBody>
+                  <a:tcPr marL="5806" marR="5806" marT="5806" marB="0" anchor="b"/>
+                </a:tc>
+                <a:tc>
+                  <a:txBody>
+                    <a:bodyPr/>
+                    <a:lstStyle/>
+                    <a:p>
+                      <a:pPr algn="ctr" fontAlgn="b"/>
+                      <a:r>
+                        <a:rPr lang="es-AR" sz="1400" u="none" strike="noStrike" dirty="0">
+                          <a:effectLst/>
+                        </a:rPr>
+                        <a:t>1</a:t>
+                      </a:r>
+                      <a:endParaRPr lang="es-AR" sz="1400" b="0" i="0" u="none" strike="noStrike" dirty="0">
                         <a:effectLst/>
                         <a:latin typeface="Arial"/>
                       </a:endParaRPr>
@@ -13651,60 +18328,20 @@
                   <a:tcPr marL="5806" marR="5806" marT="5806" marB="0" anchor="b"/>
                 </a:tc>
               </a:tr>
-              <a:tr h="98700">
+              <a:tr h="370840">
                 <a:tc>
                   <a:txBody>
                     <a:bodyPr/>
                     <a:lstStyle/>
                     <a:p>
-                      <a:pPr algn="l" fontAlgn="b"/>
+                      <a:pPr algn="ctr" fontAlgn="b"/>
                       <a:r>
-                        <a:rPr lang="es-AR" sz="1400" u="none" strike="noStrike">
+                        <a:rPr lang="es-AR" sz="1400" u="none" strike="noStrike" dirty="0">
                           <a:effectLst/>
                         </a:rPr>
                         <a:t>IT</a:t>
                       </a:r>
-                      <a:endParaRPr lang="es-AR" sz="1400" b="0" i="0" u="none" strike="noStrike">
-                        <a:effectLst/>
-                        <a:latin typeface="Arial"/>
-                      </a:endParaRPr>
-                    </a:p>
-                  </a:txBody>
-                  <a:tcPr marL="5806" marR="5806" marT="5806" marB="0" anchor="b"/>
-                </a:tc>
-                <a:tc>
-                  <a:txBody>
-                    <a:bodyPr/>
-                    <a:lstStyle/>
-                    <a:p>
-                      <a:pPr algn="r" fontAlgn="b"/>
-                      <a:r>
-                        <a:rPr lang="es-AR" sz="1400" u="none" strike="noStrike">
-                          <a:effectLst/>
-                        </a:rPr>
-                        <a:t>$ 4.000</a:t>
-                      </a:r>
-                      <a:endParaRPr lang="es-AR" sz="1400" b="0" i="0" u="none" strike="noStrike">
-                        <a:effectLst/>
-                        <a:latin typeface="Arial"/>
-                      </a:endParaRPr>
-                    </a:p>
-                  </a:txBody>
-                  <a:tcPr marL="5806" marR="5806" marT="5806" marB="0" anchor="b"/>
-                </a:tc>
-                <a:tc>
-                  <a:txBody>
-                    <a:bodyPr/>
-                    <a:lstStyle/>
-                    <a:p>
-                      <a:pPr algn="r" fontAlgn="b"/>
-                      <a:r>
-                        <a:rPr lang="es-AR" sz="1400" u="none" strike="noStrike">
-                          <a:effectLst/>
-                        </a:rPr>
-                        <a:t>$ 8.313</a:t>
-                      </a:r>
-                      <a:endParaRPr lang="es-AR" sz="1400" b="0" i="0" u="none" strike="noStrike">
+                      <a:endParaRPr lang="es-AR" sz="1400" b="0" i="0" u="none" strike="noStrike" dirty="0">
                         <a:effectLst/>
                         <a:latin typeface="Arial"/>
                       </a:endParaRPr>
@@ -13719,12 +18356,12 @@
                     <a:p>
                       <a:pPr algn="ctr" fontAlgn="b"/>
                       <a:r>
-                        <a:rPr lang="es-AR" sz="1400" u="none" strike="noStrike">
+                        <a:rPr lang="es-AR" sz="1400" b="1" u="none" strike="noStrike" dirty="0">
                           <a:effectLst/>
                         </a:rPr>
-                        <a:t>1</a:t>
+                        <a:t>$ 4.000</a:t>
                       </a:r>
-                      <a:endParaRPr lang="es-AR" sz="1400" b="0" i="0" u="none" strike="noStrike">
+                      <a:endParaRPr lang="es-AR" sz="1400" b="1" i="0" u="none" strike="noStrike" dirty="0">
                         <a:effectLst/>
                         <a:latin typeface="Arial"/>
                       </a:endParaRPr>
@@ -13739,12 +18376,12 @@
                     <a:p>
                       <a:pPr algn="ctr" fontAlgn="b"/>
                       <a:r>
-                        <a:rPr lang="es-AR" sz="1400" u="none" strike="noStrike">
+                        <a:rPr lang="es-AR" sz="1400" u="none" strike="noStrike" dirty="0">
                           <a:effectLst/>
                         </a:rPr>
-                        <a:t>1</a:t>
+                        <a:t>$ 8.313</a:t>
                       </a:r>
-                      <a:endParaRPr lang="es-AR" sz="1400" b="0" i="0" u="none" strike="noStrike">
+                      <a:endParaRPr lang="es-AR" sz="1400" b="0" i="0" u="none" strike="noStrike" dirty="0">
                         <a:effectLst/>
                         <a:latin typeface="Arial"/>
                       </a:endParaRPr>
@@ -13839,6 +18476,46 @@
                     <a:p>
                       <a:pPr algn="ctr" fontAlgn="b"/>
                       <a:r>
+                        <a:rPr lang="es-AR" sz="1400" u="none" strike="noStrike" dirty="0">
+                          <a:effectLst/>
+                        </a:rPr>
+                        <a:t>1</a:t>
+                      </a:r>
+                      <a:endParaRPr lang="es-AR" sz="1400" b="0" i="0" u="none" strike="noStrike" dirty="0">
+                        <a:effectLst/>
+                        <a:latin typeface="Arial"/>
+                      </a:endParaRPr>
+                    </a:p>
+                  </a:txBody>
+                  <a:tcPr marL="5806" marR="5806" marT="5806" marB="0" anchor="b"/>
+                </a:tc>
+                <a:tc>
+                  <a:txBody>
+                    <a:bodyPr/>
+                    <a:lstStyle/>
+                    <a:p>
+                      <a:pPr algn="ctr" fontAlgn="b"/>
+                      <a:r>
+                        <a:rPr lang="es-AR" sz="1400" u="none" strike="noStrike" dirty="0">
+                          <a:effectLst/>
+                        </a:rPr>
+                        <a:t>1</a:t>
+                      </a:r>
+                      <a:endParaRPr lang="es-AR" sz="1400" b="0" i="0" u="none" strike="noStrike" dirty="0">
+                        <a:effectLst/>
+                        <a:latin typeface="Arial"/>
+                      </a:endParaRPr>
+                    </a:p>
+                  </a:txBody>
+                  <a:tcPr marL="5806" marR="5806" marT="5806" marB="0" anchor="b"/>
+                </a:tc>
+                <a:tc>
+                  <a:txBody>
+                    <a:bodyPr/>
+                    <a:lstStyle/>
+                    <a:p>
+                      <a:pPr algn="ctr" fontAlgn="b"/>
+                      <a:r>
                         <a:rPr lang="es-AR" sz="1400" u="none" strike="noStrike">
                           <a:effectLst/>
                         </a:rPr>
@@ -13853,20 +18530,32 @@
                   <a:tcPr marL="5806" marR="5806" marT="5806" marB="0" anchor="b"/>
                 </a:tc>
               </a:tr>
-              <a:tr h="98700">
+              <a:tr h="370840">
                 <a:tc>
                   <a:txBody>
                     <a:bodyPr/>
                     <a:lstStyle/>
                     <a:p>
-                      <a:pPr algn="l" fontAlgn="b"/>
+                      <a:pPr algn="ctr" fontAlgn="b"/>
                       <a:r>
-                        <a:rPr lang="es-AR" sz="1400" u="none" strike="noStrike">
+                        <a:rPr lang="es-AR" sz="1400" u="none" strike="noStrike" dirty="0" err="1" smtClean="0">
                           <a:effectLst/>
                         </a:rPr>
-                        <a:t>Programador Senior</a:t>
+                        <a:t>Prog</a:t>
                       </a:r>
-                      <a:endParaRPr lang="es-AR" sz="1400" b="0" i="0" u="none" strike="noStrike">
+                      <a:r>
+                        <a:rPr lang="es-AR" sz="1400" u="none" strike="noStrike" dirty="0" smtClean="0">
+                          <a:effectLst/>
+                        </a:rPr>
+                        <a:t> </a:t>
+                      </a:r>
+                      <a:r>
+                        <a:rPr lang="es-AR" sz="1400" u="none" strike="noStrike" dirty="0" err="1">
+                          <a:effectLst/>
+                        </a:rPr>
+                        <a:t>Senior</a:t>
+                      </a:r>
+                      <a:endParaRPr lang="es-AR" sz="1400" b="0" i="0" u="none" strike="noStrike" dirty="0">
                         <a:effectLst/>
                         <a:latin typeface="Arial"/>
                       </a:endParaRPr>
@@ -13879,14 +18568,14 @@
                     <a:bodyPr/>
                     <a:lstStyle/>
                     <a:p>
-                      <a:pPr algn="r" fontAlgn="b"/>
+                      <a:pPr algn="ctr" fontAlgn="b"/>
                       <a:r>
-                        <a:rPr lang="es-AR" sz="1400" u="none" strike="noStrike">
+                        <a:rPr lang="es-AR" sz="1400" b="1" u="none" strike="noStrike" dirty="0">
                           <a:effectLst/>
                         </a:rPr>
                         <a:t>$ 5.500</a:t>
                       </a:r>
-                      <a:endParaRPr lang="es-AR" sz="1400" b="0" i="0" u="none" strike="noStrike">
+                      <a:endParaRPr lang="es-AR" sz="1400" b="1" i="0" u="none" strike="noStrike" dirty="0">
                         <a:effectLst/>
                         <a:latin typeface="Arial"/>
                       </a:endParaRPr>
@@ -13899,14 +18588,14 @@
                     <a:bodyPr/>
                     <a:lstStyle/>
                     <a:p>
-                      <a:pPr algn="r" fontAlgn="b"/>
+                      <a:pPr algn="ctr" fontAlgn="b"/>
                       <a:r>
-                        <a:rPr lang="es-AR" sz="1400" u="none" strike="noStrike">
+                        <a:rPr lang="es-AR" sz="1400" u="none" strike="noStrike" dirty="0">
                           <a:effectLst/>
                         </a:rPr>
                         <a:t>$ 11.430</a:t>
                       </a:r>
-                      <a:endParaRPr lang="es-AR" sz="1400" b="0" i="0" u="none" strike="noStrike">
+                      <a:endParaRPr lang="es-AR" sz="1400" b="0" i="0" u="none" strike="noStrike" dirty="0">
                         <a:effectLst/>
                         <a:latin typeface="Arial"/>
                       </a:endParaRPr>
@@ -14001,12 +18690,12 @@
                     <a:p>
                       <a:pPr algn="ctr" fontAlgn="b"/>
                       <a:r>
-                        <a:rPr lang="es-AR" sz="1400" u="none" strike="noStrike">
+                        <a:rPr lang="es-AR" sz="1400" u="none" strike="noStrike" dirty="0">
                           <a:effectLst/>
                         </a:rPr>
                         <a:t>2</a:t>
                       </a:r>
-                      <a:endParaRPr lang="es-AR" sz="1400" b="0" i="0" u="none" strike="noStrike">
+                      <a:endParaRPr lang="es-AR" sz="1400" b="0" i="0" u="none" strike="noStrike" dirty="0">
                         <a:effectLst/>
                         <a:latin typeface="Arial"/>
                       </a:endParaRPr>
@@ -14055,20 +18744,32 @@
                   <a:tcPr marL="5806" marR="5806" marT="5806" marB="0" anchor="b"/>
                 </a:tc>
               </a:tr>
-              <a:tr h="98700">
+              <a:tr h="370840">
                 <a:tc>
                   <a:txBody>
                     <a:bodyPr/>
                     <a:lstStyle/>
                     <a:p>
-                      <a:pPr algn="l" fontAlgn="b"/>
+                      <a:pPr algn="ctr" fontAlgn="b"/>
                       <a:r>
-                        <a:rPr lang="es-AR" sz="1400" u="none" strike="noStrike">
+                        <a:rPr lang="es-AR" sz="1400" u="none" strike="noStrike" dirty="0" err="1" smtClean="0">
                           <a:effectLst/>
                         </a:rPr>
-                        <a:t>Programador SemiSenior</a:t>
+                        <a:t>Prog</a:t>
                       </a:r>
-                      <a:endParaRPr lang="es-AR" sz="1400" b="0" i="0" u="none" strike="noStrike">
+                      <a:r>
+                        <a:rPr lang="es-AR" sz="1400" u="none" strike="noStrike" dirty="0" smtClean="0">
+                          <a:effectLst/>
+                        </a:rPr>
+                        <a:t> </a:t>
+                      </a:r>
+                      <a:r>
+                        <a:rPr lang="es-AR" sz="1400" u="none" strike="noStrike" dirty="0" err="1">
+                          <a:effectLst/>
+                        </a:rPr>
+                        <a:t>SemiSenior</a:t>
+                      </a:r>
+                      <a:endParaRPr lang="es-AR" sz="1400" b="0" i="0" u="none" strike="noStrike" dirty="0">
                         <a:effectLst/>
                         <a:latin typeface="Arial"/>
                       </a:endParaRPr>
@@ -14081,14 +18782,14 @@
                     <a:bodyPr/>
                     <a:lstStyle/>
                     <a:p>
-                      <a:pPr algn="r" fontAlgn="b"/>
+                      <a:pPr algn="ctr" fontAlgn="b"/>
                       <a:r>
-                        <a:rPr lang="es-AR" sz="1400" u="none" strike="noStrike">
+                        <a:rPr lang="es-AR" sz="1400" b="1" u="none" strike="noStrike" dirty="0">
                           <a:effectLst/>
                         </a:rPr>
                         <a:t>$ 4.000</a:t>
                       </a:r>
-                      <a:endParaRPr lang="es-AR" sz="1400" b="0" i="0" u="none" strike="noStrike">
+                      <a:endParaRPr lang="es-AR" sz="1400" b="1" i="0" u="none" strike="noStrike" dirty="0">
                         <a:effectLst/>
                         <a:latin typeface="Arial"/>
                       </a:endParaRPr>
@@ -14101,14 +18802,14 @@
                     <a:bodyPr/>
                     <a:lstStyle/>
                     <a:p>
-                      <a:pPr algn="r" fontAlgn="b"/>
+                      <a:pPr algn="ctr" fontAlgn="b"/>
                       <a:r>
-                        <a:rPr lang="es-AR" sz="1400" u="none" strike="noStrike">
+                        <a:rPr lang="es-AR" sz="1400" u="none" strike="noStrike" dirty="0">
                           <a:effectLst/>
                         </a:rPr>
                         <a:t>$ 8.313</a:t>
                       </a:r>
-                      <a:endParaRPr lang="es-AR" sz="1400" b="0" i="0" u="none" strike="noStrike">
+                      <a:endParaRPr lang="es-AR" sz="1400" b="0" i="0" u="none" strike="noStrike" dirty="0">
                         <a:effectLst/>
                         <a:latin typeface="Arial"/>
                       </a:endParaRPr>
@@ -14203,12 +18904,12 @@
                     <a:p>
                       <a:pPr algn="ctr" fontAlgn="b"/>
                       <a:r>
-                        <a:rPr lang="es-AR" sz="1400" u="none" strike="noStrike">
+                        <a:rPr lang="es-AR" sz="1400" u="none" strike="noStrike" dirty="0">
                           <a:effectLst/>
                         </a:rPr>
                         <a:t>1</a:t>
                       </a:r>
-                      <a:endParaRPr lang="es-AR" sz="1400" b="0" i="0" u="none" strike="noStrike">
+                      <a:endParaRPr lang="es-AR" sz="1400" b="0" i="0" u="none" strike="noStrike" dirty="0">
                         <a:effectLst/>
                         <a:latin typeface="Arial"/>
                       </a:endParaRPr>
@@ -14223,12 +18924,12 @@
                     <a:p>
                       <a:pPr algn="ctr" fontAlgn="b"/>
                       <a:r>
-                        <a:rPr lang="es-AR" sz="1400" u="none" strike="noStrike">
+                        <a:rPr lang="es-AR" sz="1400" u="none" strike="noStrike" dirty="0">
                           <a:effectLst/>
                         </a:rPr>
                         <a:t>0</a:t>
                       </a:r>
-                      <a:endParaRPr lang="es-AR" sz="1400" b="0" i="0" u="none" strike="noStrike">
+                      <a:endParaRPr lang="es-AR" sz="1400" b="0" i="0" u="none" strike="noStrike" dirty="0">
                         <a:effectLst/>
                         <a:latin typeface="Arial"/>
                       </a:endParaRPr>
@@ -14257,20 +18958,32 @@
                   <a:tcPr marL="5806" marR="5806" marT="5806" marB="0" anchor="b"/>
                 </a:tc>
               </a:tr>
-              <a:tr h="98700">
+              <a:tr h="370840">
                 <a:tc>
                   <a:txBody>
                     <a:bodyPr/>
                     <a:lstStyle/>
                     <a:p>
-                      <a:pPr algn="l" fontAlgn="b"/>
+                      <a:pPr algn="ctr" fontAlgn="b"/>
                       <a:r>
-                        <a:rPr lang="es-AR" sz="1400" u="none" strike="noStrike">
+                        <a:rPr lang="es-AR" sz="1400" u="none" strike="noStrike" dirty="0" err="1" smtClean="0">
                           <a:effectLst/>
                         </a:rPr>
-                        <a:t>Programador Junior</a:t>
+                        <a:t>Prog</a:t>
                       </a:r>
-                      <a:endParaRPr lang="es-AR" sz="1400" b="0" i="0" u="none" strike="noStrike">
+                      <a:r>
+                        <a:rPr lang="es-AR" sz="1400" u="none" strike="noStrike" baseline="0" dirty="0" smtClean="0">
+                          <a:effectLst/>
+                        </a:rPr>
+                        <a:t> </a:t>
+                      </a:r>
+                      <a:r>
+                        <a:rPr lang="es-AR" sz="1400" u="none" strike="noStrike" dirty="0" smtClean="0">
+                          <a:effectLst/>
+                        </a:rPr>
+                        <a:t>Junior</a:t>
+                      </a:r>
+                      <a:endParaRPr lang="es-AR" sz="1400" b="0" i="0" u="none" strike="noStrike" dirty="0">
                         <a:effectLst/>
                         <a:latin typeface="Arial"/>
                       </a:endParaRPr>
@@ -14283,14 +18996,14 @@
                     <a:bodyPr/>
                     <a:lstStyle/>
                     <a:p>
-                      <a:pPr algn="r" fontAlgn="b"/>
+                      <a:pPr algn="ctr" fontAlgn="b"/>
                       <a:r>
-                        <a:rPr lang="es-AR" sz="1400" u="none" strike="noStrike">
+                        <a:rPr lang="es-AR" sz="1400" b="1" u="none" strike="noStrike" dirty="0">
                           <a:effectLst/>
                         </a:rPr>
                         <a:t>$ 3.000</a:t>
                       </a:r>
-                      <a:endParaRPr lang="es-AR" sz="1400" b="0" i="0" u="none" strike="noStrike">
+                      <a:endParaRPr lang="es-AR" sz="1400" b="1" i="0" u="none" strike="noStrike" dirty="0">
                         <a:effectLst/>
                         <a:latin typeface="Arial"/>
                       </a:endParaRPr>
@@ -14303,14 +19016,54 @@
                     <a:bodyPr/>
                     <a:lstStyle/>
                     <a:p>
-                      <a:pPr algn="r" fontAlgn="b"/>
+                      <a:pPr algn="ctr" fontAlgn="b"/>
                       <a:r>
-                        <a:rPr lang="es-AR" sz="1400" u="none" strike="noStrike">
+                        <a:rPr lang="es-AR" sz="1400" u="none" strike="noStrike" dirty="0">
                           <a:effectLst/>
                         </a:rPr>
                         <a:t>$ 6.235</a:t>
                       </a:r>
-                      <a:endParaRPr lang="es-AR" sz="1400" b="0" i="0" u="none" strike="noStrike">
+                      <a:endParaRPr lang="es-AR" sz="1400" b="0" i="0" u="none" strike="noStrike" dirty="0">
+                        <a:effectLst/>
+                        <a:latin typeface="Arial"/>
+                      </a:endParaRPr>
+                    </a:p>
+                  </a:txBody>
+                  <a:tcPr marL="5806" marR="5806" marT="5806" marB="0" anchor="b"/>
+                </a:tc>
+                <a:tc>
+                  <a:txBody>
+                    <a:bodyPr/>
+                    <a:lstStyle/>
+                    <a:p>
+                      <a:pPr algn="ctr" fontAlgn="b"/>
+                      <a:r>
+                        <a:rPr lang="es-AR" sz="1400" u="none" strike="noStrike" dirty="0">
+                          <a:effectLst/>
+                        </a:rPr>
+                        <a:t>2</a:t>
+                      </a:r>
+                      <a:endParaRPr lang="es-AR" sz="1400" b="0" i="0" u="none" strike="noStrike" dirty="0">
+                        <a:effectLst/>
+                        <a:latin typeface="Arial"/>
+                      </a:endParaRPr>
+                    </a:p>
+                  </a:txBody>
+                  <a:tcPr marL="5806" marR="5806" marT="5806" marB="0" anchor="b"/>
+                </a:tc>
+                <a:tc>
+                  <a:txBody>
+                    <a:bodyPr/>
+                    <a:lstStyle/>
+                    <a:p>
+                      <a:pPr algn="ctr" fontAlgn="b"/>
+                      <a:r>
+                        <a:rPr lang="es-AR" sz="1400" u="none" strike="noStrike" dirty="0">
+                          <a:effectLst/>
+                        </a:rPr>
+                        <a:t>2</a:t>
+                      </a:r>
+                      <a:endParaRPr lang="es-AR" sz="1400" b="0" i="0" u="none" strike="noStrike" dirty="0">
                         <a:effectLst/>
                         <a:latin typeface="Arial"/>
                       </a:endParaRPr>
@@ -14365,12 +19118,12 @@
                     <a:p>
                       <a:pPr algn="ctr" fontAlgn="b"/>
                       <a:r>
-                        <a:rPr lang="es-AR" sz="1400" u="none" strike="noStrike">
+                        <a:rPr lang="es-AR" sz="1400" u="none" strike="noStrike" dirty="0">
                           <a:effectLst/>
                         </a:rPr>
                         <a:t>2</a:t>
                       </a:r>
-                      <a:endParaRPr lang="es-AR" sz="1400" b="0" i="0" u="none" strike="noStrike">
+                      <a:endParaRPr lang="es-AR" sz="1400" b="0" i="0" u="none" strike="noStrike" dirty="0">
                         <a:effectLst/>
                         <a:latin typeface="Arial"/>
                       </a:endParaRPr>
@@ -14385,52 +19138,12 @@
                     <a:p>
                       <a:pPr algn="ctr" fontAlgn="b"/>
                       <a:r>
-                        <a:rPr lang="es-AR" sz="1400" u="none" strike="noStrike">
-                          <a:effectLst/>
-                        </a:rPr>
-                        <a:t>2</a:t>
-                      </a:r>
-                      <a:endParaRPr lang="es-AR" sz="1400" b="0" i="0" u="none" strike="noStrike">
-                        <a:effectLst/>
-                        <a:latin typeface="Arial"/>
-                      </a:endParaRPr>
-                    </a:p>
-                  </a:txBody>
-                  <a:tcPr marL="5806" marR="5806" marT="5806" marB="0" anchor="b"/>
-                </a:tc>
-                <a:tc>
-                  <a:txBody>
-                    <a:bodyPr/>
-                    <a:lstStyle/>
-                    <a:p>
-                      <a:pPr algn="ctr" fontAlgn="b"/>
-                      <a:r>
-                        <a:rPr lang="es-AR" sz="1400" u="none" strike="noStrike">
-                          <a:effectLst/>
-                        </a:rPr>
-                        <a:t>2</a:t>
-                      </a:r>
-                      <a:endParaRPr lang="es-AR" sz="1400" b="0" i="0" u="none" strike="noStrike">
-                        <a:effectLst/>
-                        <a:latin typeface="Arial"/>
-                      </a:endParaRPr>
-                    </a:p>
-                  </a:txBody>
-                  <a:tcPr marL="5806" marR="5806" marT="5806" marB="0" anchor="b"/>
-                </a:tc>
-                <a:tc>
-                  <a:txBody>
-                    <a:bodyPr/>
-                    <a:lstStyle/>
-                    <a:p>
-                      <a:pPr algn="ctr" fontAlgn="b"/>
-                      <a:r>
-                        <a:rPr lang="es-AR" sz="1400" u="none" strike="noStrike">
+                        <a:rPr lang="es-AR" sz="1400" u="none" strike="noStrike" dirty="0">
                           <a:effectLst/>
                         </a:rPr>
                         <a:t>0</a:t>
                       </a:r>
-                      <a:endParaRPr lang="es-AR" sz="1400" b="0" i="0" u="none" strike="noStrike">
+                      <a:endParaRPr lang="es-AR" sz="1400" b="0" i="0" u="none" strike="noStrike" dirty="0">
                         <a:effectLst/>
                         <a:latin typeface="Arial"/>
                       </a:endParaRPr>
@@ -14459,20 +19172,20 @@
                   <a:tcPr marL="5806" marR="5806" marT="5806" marB="0" anchor="b"/>
                 </a:tc>
               </a:tr>
-              <a:tr h="98700">
+              <a:tr h="370840">
                 <a:tc>
                   <a:txBody>
                     <a:bodyPr/>
                     <a:lstStyle/>
                     <a:p>
-                      <a:pPr algn="l" fontAlgn="b"/>
+                      <a:pPr algn="ctr" fontAlgn="b"/>
                       <a:r>
-                        <a:rPr lang="es-AR" sz="1400" u="none" strike="noStrike">
+                        <a:rPr lang="es-AR" sz="1400" u="none" strike="noStrike" dirty="0" err="1">
                           <a:effectLst/>
                         </a:rPr>
                         <a:t>Tester</a:t>
                       </a:r>
-                      <a:endParaRPr lang="es-AR" sz="1400" b="0" i="0" u="none" strike="noStrike">
+                      <a:endParaRPr lang="es-AR" sz="1400" b="0" i="0" u="none" strike="noStrike" dirty="0">
                         <a:effectLst/>
                         <a:latin typeface="Arial"/>
                       </a:endParaRPr>
@@ -14485,14 +19198,14 @@
                     <a:bodyPr/>
                     <a:lstStyle/>
                     <a:p>
-                      <a:pPr algn="r" fontAlgn="b"/>
+                      <a:pPr algn="ctr" fontAlgn="b"/>
                       <a:r>
-                        <a:rPr lang="es-AR" sz="1400" u="none" strike="noStrike">
+                        <a:rPr lang="es-AR" sz="1400" b="1" u="none" strike="noStrike" dirty="0">
                           <a:effectLst/>
                         </a:rPr>
                         <a:t>$ 3.000</a:t>
                       </a:r>
-                      <a:endParaRPr lang="es-AR" sz="1400" b="0" i="0" u="none" strike="noStrike">
+                      <a:endParaRPr lang="es-AR" sz="1400" b="1" i="0" u="none" strike="noStrike" dirty="0">
                         <a:effectLst/>
                         <a:latin typeface="Arial"/>
                       </a:endParaRPr>
@@ -14505,14 +19218,14 @@
                     <a:bodyPr/>
                     <a:lstStyle/>
                     <a:p>
-                      <a:pPr algn="r" fontAlgn="b"/>
+                      <a:pPr algn="ctr" fontAlgn="b"/>
                       <a:r>
-                        <a:rPr lang="es-AR" sz="1400" u="none" strike="noStrike">
+                        <a:rPr lang="es-AR" sz="1400" u="none" strike="noStrike" dirty="0">
                           <a:effectLst/>
                         </a:rPr>
                         <a:t>$ 6.235</a:t>
                       </a:r>
-                      <a:endParaRPr lang="es-AR" sz="1400" b="0" i="0" u="none" strike="noStrike">
+                      <a:endParaRPr lang="es-AR" sz="1400" b="0" i="0" u="none" strike="noStrike" dirty="0">
                         <a:effectLst/>
                         <a:latin typeface="Arial"/>
                       </a:endParaRPr>
@@ -14567,12 +19280,32 @@
                     <a:p>
                       <a:pPr algn="ctr" fontAlgn="b"/>
                       <a:r>
-                        <a:rPr lang="es-AR" sz="1400" u="none" strike="noStrike">
+                        <a:rPr lang="es-AR" sz="1400" u="none" strike="noStrike" dirty="0">
                           <a:effectLst/>
                         </a:rPr>
                         <a:t>0</a:t>
                       </a:r>
-                      <a:endParaRPr lang="es-AR" sz="1400" b="0" i="0" u="none" strike="noStrike">
+                      <a:endParaRPr lang="es-AR" sz="1400" b="0" i="0" u="none" strike="noStrike" dirty="0">
+                        <a:effectLst/>
+                        <a:latin typeface="Arial"/>
+                      </a:endParaRPr>
+                    </a:p>
+                  </a:txBody>
+                  <a:tcPr marL="5806" marR="5806" marT="5806" marB="0" anchor="b"/>
+                </a:tc>
+                <a:tc>
+                  <a:txBody>
+                    <a:bodyPr/>
+                    <a:lstStyle/>
+                    <a:p>
+                      <a:pPr algn="ctr" fontAlgn="b"/>
+                      <a:r>
+                        <a:rPr lang="es-AR" sz="1400" u="none" strike="noStrike" dirty="0">
+                          <a:effectLst/>
+                        </a:rPr>
+                        <a:t>1</a:t>
+                      </a:r>
+                      <a:endParaRPr lang="es-AR" sz="1400" b="0" i="0" u="none" strike="noStrike" dirty="0">
                         <a:effectLst/>
                         <a:latin typeface="Arial"/>
                       </a:endParaRPr>
@@ -14607,12 +19340,12 @@
                     <a:p>
                       <a:pPr algn="ctr" fontAlgn="b"/>
                       <a:r>
-                        <a:rPr lang="es-AR" sz="1400" u="none" strike="noStrike">
+                        <a:rPr lang="es-AR" sz="1400" u="none" strike="noStrike" dirty="0">
                           <a:effectLst/>
                         </a:rPr>
                         <a:t>1</a:t>
                       </a:r>
-                      <a:endParaRPr lang="es-AR" sz="1400" b="0" i="0" u="none" strike="noStrike">
+                      <a:endParaRPr lang="es-AR" sz="1400" b="0" i="0" u="none" strike="noStrike" dirty="0">
                         <a:effectLst/>
                         <a:latin typeface="Arial"/>
                       </a:endParaRPr>
@@ -14627,32 +19360,12 @@
                     <a:p>
                       <a:pPr algn="ctr" fontAlgn="b"/>
                       <a:r>
-                        <a:rPr lang="es-AR" sz="1400" u="none" strike="noStrike">
+                        <a:rPr lang="es-AR" sz="1400" u="none" strike="noStrike" dirty="0">
                           <a:effectLst/>
                         </a:rPr>
                         <a:t>1</a:t>
                       </a:r>
-                      <a:endParaRPr lang="es-AR" sz="1400" b="0" i="0" u="none" strike="noStrike">
-                        <a:effectLst/>
-                        <a:latin typeface="Arial"/>
-                      </a:endParaRPr>
-                    </a:p>
-                  </a:txBody>
-                  <a:tcPr marL="5806" marR="5806" marT="5806" marB="0" anchor="b"/>
-                </a:tc>
-                <a:tc>
-                  <a:txBody>
-                    <a:bodyPr/>
-                    <a:lstStyle/>
-                    <a:p>
-                      <a:pPr algn="ctr" fontAlgn="b"/>
-                      <a:r>
-                        <a:rPr lang="es-AR" sz="1400" u="none" strike="noStrike">
-                          <a:effectLst/>
-                        </a:rPr>
-                        <a:t>1</a:t>
-                      </a:r>
-                      <a:endParaRPr lang="es-AR" sz="1400" b="0" i="0" u="none" strike="noStrike">
+                      <a:endParaRPr lang="es-AR" sz="1400" b="0" i="0" u="none" strike="noStrike" dirty="0">
                         <a:effectLst/>
                         <a:latin typeface="Arial"/>
                       </a:endParaRPr>
@@ -14661,20 +19374,26 @@
                   <a:tcPr marL="5806" marR="5806" marT="5806" marB="0" anchor="b"/>
                 </a:tc>
               </a:tr>
-              <a:tr h="191595">
+              <a:tr h="370840">
                 <a:tc>
                   <a:txBody>
                     <a:bodyPr/>
                     <a:lstStyle/>
                     <a:p>
-                      <a:pPr algn="l" fontAlgn="b"/>
+                      <a:pPr algn="ctr" fontAlgn="b"/>
                       <a:r>
-                        <a:rPr lang="es-AR" sz="1400" u="none" strike="noStrike">
+                        <a:rPr lang="es-AR" sz="1400" u="none" strike="noStrike" dirty="0">
                           <a:effectLst/>
                         </a:rPr>
-                        <a:t>Total de Recursos Humanos</a:t>
+                        <a:t>Total de </a:t>
                       </a:r>
-                      <a:endParaRPr lang="es-AR" sz="1400" b="1" i="0" u="none" strike="noStrike">
+                      <a:r>
+                        <a:rPr lang="es-AR" sz="1400" u="none" strike="noStrike" dirty="0" smtClean="0">
+                          <a:effectLst/>
+                        </a:rPr>
+                        <a:t>RRHH</a:t>
+                      </a:r>
+                      <a:endParaRPr lang="es-AR" sz="1400" b="1" i="0" u="none" strike="noStrike" dirty="0">
                         <a:solidFill>
                           <a:srgbClr val="FFFFFF"/>
                         </a:solidFill>
@@ -14690,7 +19409,7 @@
                     <a:bodyPr/>
                     <a:lstStyle/>
                     <a:p>
-                      <a:pPr algn="r" fontAlgn="b"/>
+                      <a:pPr algn="ctr" fontAlgn="b"/>
                       <a:r>
                         <a:rPr lang="es-AR" sz="1400" u="none" strike="noStrike">
                           <a:effectLst/>
@@ -14713,7 +19432,7 @@
                     <a:bodyPr/>
                     <a:lstStyle/>
                     <a:p>
-                      <a:pPr algn="r" fontAlgn="b"/>
+                      <a:pPr algn="ctr" fontAlgn="b"/>
                       <a:r>
                         <a:rPr lang="es-AR" sz="1400" u="none" strike="noStrike">
                           <a:effectLst/>
@@ -14830,12 +19549,12 @@
                     <a:p>
                       <a:pPr algn="ctr" fontAlgn="b"/>
                       <a:r>
-                        <a:rPr lang="es-AR" sz="1400" u="none" strike="noStrike">
+                        <a:rPr lang="es-AR" sz="1400" u="none" strike="noStrike" dirty="0">
                           <a:effectLst/>
                         </a:rPr>
                         <a:t>8</a:t>
                       </a:r>
-                      <a:endParaRPr lang="es-AR" sz="1400" b="1" i="0" u="none" strike="noStrike">
+                      <a:endParaRPr lang="es-AR" sz="1400" b="1" i="0" u="none" strike="noStrike" dirty="0">
                         <a:solidFill>
                           <a:srgbClr val="FFFFFF"/>
                         </a:solidFill>
@@ -14853,12 +19572,12 @@
                     <a:p>
                       <a:pPr algn="ctr" fontAlgn="b"/>
                       <a:r>
-                        <a:rPr lang="es-AR" sz="1400" u="none" strike="noStrike">
+                        <a:rPr lang="es-AR" sz="1400" u="none" strike="noStrike" dirty="0">
                           <a:effectLst/>
                         </a:rPr>
                         <a:t>5</a:t>
                       </a:r>
-                      <a:endParaRPr lang="es-AR" sz="1400" b="1" i="0" u="none" strike="noStrike">
+                      <a:endParaRPr lang="es-AR" sz="1400" b="1" i="0" u="none" strike="noStrike" dirty="0">
                         <a:solidFill>
                           <a:srgbClr val="FFFFFF"/>
                         </a:solidFill>
@@ -14897,63 +19616,6 @@
           </a:graphicData>
         </a:graphic>
       </p:graphicFrame>
-      <p:sp>
-        <p:nvSpPr>
-          <p:cNvPr id="4" name="Text Placeholder 3"/>
-          <p:cNvSpPr>
-            <a:spLocks noGrp="1"/>
-          </p:cNvSpPr>
-          <p:nvPr>
-            <p:ph type="body" sz="quarter" idx="13"/>
-          </p:nvPr>
-        </p:nvSpPr>
-        <p:spPr/>
-        <p:txBody>
-          <a:bodyPr/>
-          <a:lstStyle/>
-          <a:p>
-            <a:r>
-              <a:rPr lang="es-AR" dirty="0" err="1" smtClean="0"/>
-              <a:t>Utilizacion</a:t>
-            </a:r>
-            <a:r>
-              <a:rPr lang="es-AR" dirty="0" smtClean="0"/>
-              <a:t> de Recursos en el Proyecto</a:t>
-            </a:r>
-            <a:endParaRPr lang="es-AR" dirty="0"/>
-          </a:p>
-        </p:txBody>
-      </p:sp>
-      <p:sp>
-        <p:nvSpPr>
-          <p:cNvPr id="6" name="TextBox 5"/>
-          <p:cNvSpPr txBox="1"/>
-          <p:nvPr/>
-        </p:nvSpPr>
-        <p:spPr>
-          <a:xfrm>
-            <a:off x="1907704" y="4221088"/>
-            <a:ext cx="5400600" cy="369332"/>
-          </a:xfrm>
-          <a:prstGeom prst="rect">
-            <a:avLst/>
-          </a:prstGeom>
-          <a:noFill/>
-        </p:spPr>
-        <p:txBody>
-          <a:bodyPr wrap="square" rtlCol="0">
-            <a:spAutoFit/>
-          </a:bodyPr>
-          <a:lstStyle/>
-          <a:p>
-            <a:r>
-              <a:rPr lang="es-AR" dirty="0" smtClean="0"/>
-              <a:t>Calculando una merma de productividad del 15 %</a:t>
-            </a:r>
-            <a:endParaRPr lang="es-AR" dirty="0"/>
-          </a:p>
-        </p:txBody>
-      </p:sp>
     </p:spTree>
     <p:extLst>
       <p:ext uri="{BB962C8B-B14F-4D97-AF65-F5344CB8AC3E}">
@@ -14964,6 +19626,13 @@
   <p:clrMapOvr>
     <a:masterClrMapping/>
   </p:clrMapOvr>
+  <p:timing>
+    <p:tnLst>
+      <p:par>
+        <p:cTn id="1" dur="indefinite" restart="never" nodeType="tmRoot"/>
+      </p:par>
+    </p:tnLst>
+  </p:timing>
 </p:sld>
 </file>
 
@@ -15717,6 +20386,13 @@
   <p:clrMapOvr>
     <a:masterClrMapping/>
   </p:clrMapOvr>
+  <p:timing>
+    <p:tnLst>
+      <p:par>
+        <p:cTn id="1" dur="indefinite" restart="never" nodeType="tmRoot"/>
+      </p:par>
+    </p:tnLst>
+  </p:timing>
 </p:sld>
 </file>
 
@@ -16013,6 +20689,13 @@
   <p:clrMapOvr>
     <a:masterClrMapping/>
   </p:clrMapOvr>
+  <p:timing>
+    <p:tnLst>
+      <p:par>
+        <p:cTn id="1" dur="indefinite" restart="never" nodeType="tmRoot"/>
+      </p:par>
+    </p:tnLst>
+  </p:timing>
 </p:sld>
 </file>
 
@@ -16363,11 +21046,19 @@
             <p:ph idx="1"/>
           </p:nvPr>
         </p:nvSpPr>
-        <p:spPr/>
+        <p:spPr>
+          <a:xfrm>
+            <a:off x="683568" y="1412776"/>
+            <a:ext cx="7888287" cy="4573587"/>
+          </a:xfrm>
+        </p:spPr>
         <p:txBody>
           <a:bodyPr/>
           <a:lstStyle/>
           <a:p>
+            <a:pPr marL="0" indent="0">
+              <a:buNone/>
+            </a:pPr>
             <a:r>
               <a:rPr lang="es-AR" b="1" dirty="0" err="1"/>
               <a:t>PostgreSQL</a:t>
@@ -16390,27 +21081,54 @@
           </a:p>
           <a:p>
             <a:r>
+              <a:rPr lang="es-ES_tradnl" b="1" dirty="0" smtClean="0"/>
+              <a:t>Rendimiento Optimo: </a:t>
+            </a:r>
+            <a:r>
+              <a:rPr lang="es-ES_tradnl" dirty="0" smtClean="0"/>
+              <a:t>provee </a:t>
+            </a:r>
+            <a:r>
               <a:rPr lang="es-ES_tradnl" dirty="0"/>
-              <a:t>Este motor permite optimizar su rendimiento de manera completa ya que provee un gran número de configuraciones para asegurar un uso óptimo de los recursos. </a:t>
+              <a:t>un gran número de configuraciones para asegurar un uso óptimo de los recursos. </a:t>
             </a:r>
             <a:endParaRPr lang="es-ES_tradnl" dirty="0" smtClean="0"/>
           </a:p>
           <a:p>
             <a:r>
-              <a:rPr lang="es-ES_tradnl" dirty="0" smtClean="0"/>
-              <a:t>Optimizar </a:t>
-            </a:r>
-            <a:r>
-              <a:rPr lang="es-ES_tradnl" dirty="0" err="1"/>
-              <a:t>PostreSQL</a:t>
-            </a:r>
-            <a:r>
-              <a:rPr lang="es-ES_tradnl" dirty="0"/>
-              <a:t> en un server con una alta capacidad de cómputo provee una solución adecuada para aplicaciones donde se exija un número elevado de transacciones concurrentes</a:t>
-            </a:r>
-            <a:r>
-              <a:rPr lang="es-ES_tradnl" dirty="0" smtClean="0"/>
-              <a:t>.. </a:t>
+              <a:rPr lang="es-AR" b="1" dirty="0" smtClean="0"/>
+              <a:t>Alta concurrencia: </a:t>
+            </a:r>
+            <a:r>
+              <a:rPr lang="es-AR" dirty="0" smtClean="0"/>
+              <a:t>Mediante </a:t>
+            </a:r>
+            <a:r>
+              <a:rPr lang="es-AR" dirty="0"/>
+              <a:t>un sistema denominado MVCC (Acceso concurrente </a:t>
+            </a:r>
+            <a:r>
+              <a:rPr lang="es-AR" dirty="0" err="1" smtClean="0"/>
+              <a:t>multiversión</a:t>
+            </a:r>
+            <a:r>
+              <a:rPr lang="es-AR" dirty="0" smtClean="0"/>
+              <a:t>) permite </a:t>
+            </a:r>
+            <a:r>
+              <a:rPr lang="es-AR" dirty="0"/>
+              <a:t>que mientras un proceso escribe en una tabla, otros accedan a la misma tabla sin necesidad de bloqueos. </a:t>
+            </a:r>
+            <a:endParaRPr lang="es-AR" dirty="0" smtClean="0"/>
+          </a:p>
+          <a:p>
+            <a:r>
+              <a:rPr lang="es-AR" b="1" dirty="0" smtClean="0"/>
+              <a:t>Licencias: </a:t>
+            </a:r>
+            <a:r>
+              <a:rPr lang="es-AR" dirty="0" smtClean="0"/>
+              <a:t>Sin Costo Asociado de licencias</a:t>
             </a:r>
             <a:endParaRPr lang="es-AR" dirty="0"/>
           </a:p>
@@ -16465,8 +21183,8 @@
         </p:blipFill>
         <p:spPr bwMode="auto">
           <a:xfrm>
-            <a:off x="5940152" y="3789040"/>
-            <a:ext cx="2552700" cy="1981201"/>
+            <a:off x="6948264" y="188640"/>
+            <a:ext cx="2007101" cy="1557751"/>
           </a:xfrm>
           <a:prstGeom prst="rect">
             <a:avLst/>
@@ -16546,14 +21264,32 @@
             <p:ph idx="1"/>
           </p:nvPr>
         </p:nvSpPr>
-        <p:spPr/>
+        <p:spPr>
+          <a:xfrm>
+            <a:off x="467544" y="1196753"/>
+            <a:ext cx="8352927" cy="4823048"/>
+          </a:xfrm>
+        </p:spPr>
         <p:txBody>
           <a:bodyPr/>
           <a:lstStyle/>
           <a:p>
             <a:r>
+              <a:rPr lang="es-ES_tradnl" dirty="0" smtClean="0"/>
+              <a:t>Tratamiento de Peticiones</a:t>
+            </a:r>
+          </a:p>
+          <a:p>
+            <a:pPr marL="0" indent="0">
+              <a:buNone/>
+            </a:pPr>
+            <a:r>
+              <a:rPr lang="es-ES_tradnl" dirty="0" smtClean="0"/>
+              <a:t>Cada </a:t>
+            </a:r>
+            <a:r>
               <a:rPr lang="es-ES_tradnl" dirty="0"/>
-              <a:t>Cada vez que </a:t>
+              <a:t>vez que </a:t>
             </a:r>
             <a:r>
               <a:rPr lang="es-ES_tradnl" dirty="0" err="1"/>
@@ -16617,8 +21353,8 @@
         </p:blipFill>
         <p:spPr bwMode="auto">
           <a:xfrm>
-            <a:off x="782105" y="2852936"/>
-            <a:ext cx="7750335" cy="2847156"/>
+            <a:off x="482091" y="2636912"/>
+            <a:ext cx="8338381" cy="3063180"/>
           </a:xfrm>
           <a:prstGeom prst="rect">
             <a:avLst/>
@@ -16653,6 +21389,13 @@
   <p:clrMapOvr>
     <a:masterClrMapping/>
   </p:clrMapOvr>
+  <p:timing>
+    <p:tnLst>
+      <p:par>
+        <p:cTn id="1" dur="indefinite" restart="never" nodeType="tmRoot"/>
+      </p:par>
+    </p:tnLst>
+  </p:timing>
 </p:sld>
 </file>
 
@@ -16696,59 +21439,87 @@
           </a:p>
         </p:txBody>
       </p:sp>
+      <p:sp>
+        <p:nvSpPr>
+          <p:cNvPr id="4" name="Text Placeholder 3"/>
+          <p:cNvSpPr>
+            <a:spLocks noGrp="1"/>
+          </p:cNvSpPr>
+          <p:nvPr>
+            <p:ph type="body" sz="quarter" idx="13"/>
+          </p:nvPr>
+        </p:nvSpPr>
+        <p:spPr/>
+        <p:txBody>
+          <a:bodyPr/>
+          <a:lstStyle/>
+          <a:p>
+            <a:r>
+              <a:rPr lang="es-AR" dirty="0" smtClean="0"/>
+              <a:t>Volumen</a:t>
+            </a:r>
+            <a:endParaRPr lang="es-AR" dirty="0"/>
+          </a:p>
+        </p:txBody>
+      </p:sp>
       <p:graphicFrame>
         <p:nvGraphicFramePr>
-          <p:cNvPr id="5" name="Content Placeholder 4"/>
+          <p:cNvPr id="3" name="Table 2"/>
           <p:cNvGraphicFramePr>
             <a:graphicFrameLocks noGrp="1"/>
           </p:cNvGraphicFramePr>
           <p:nvPr>
-            <p:ph idx="1"/>
             <p:extLst>
               <p:ext uri="{D42A27DB-BD31-4B8C-83A1-F6EECF244321}">
-                <p14:modId xmlns:p14="http://schemas.microsoft.com/office/powerpoint/2010/main" val="2748435166"/>
+                <p14:modId xmlns:p14="http://schemas.microsoft.com/office/powerpoint/2010/main" val="3831173765"/>
               </p:ext>
             </p:extLst>
           </p:nvPr>
         </p:nvGraphicFramePr>
         <p:xfrm>
-          <a:off x="1403648" y="1556792"/>
-          <a:ext cx="6264696" cy="3696840"/>
+          <a:off x="1732136" y="1535832"/>
+          <a:ext cx="6368256" cy="3302000"/>
         </p:xfrm>
         <a:graphic>
           <a:graphicData uri="http://schemas.openxmlformats.org/drawingml/2006/table">
             <a:tbl>
-              <a:tblPr>
-                <a:tableStyleId>{5C22544A-7EE6-4342-B048-85BDC9FD1C3A}</a:tableStyleId>
+              <a:tblPr firstRow="1" bandRow="1">
+                <a:tableStyleId>{F5AB1C69-6EDB-4FF4-983F-18BD219EF322}</a:tableStyleId>
               </a:tblPr>
               <a:tblGrid>
-                <a:gridCol w="4032447"/>
-                <a:gridCol w="2232249"/>
+                <a:gridCol w="3921213"/>
+                <a:gridCol w="2447043"/>
               </a:tblGrid>
-              <a:tr h="250296">
+              <a:tr h="0">
                 <a:tc>
                   <a:txBody>
                     <a:bodyPr/>
                     <a:lstStyle/>
                     <a:p>
-                      <a:pPr>
+                      <a:pPr marL="0" marR="0" indent="0" algn="l" defTabSz="914400" rtl="0" eaLnBrk="1" fontAlgn="auto" latinLnBrk="0" hangingPunct="1">
                         <a:lnSpc>
-                          <a:spcPct val="150000"/>
+                          <a:spcPct val="100000"/>
                         </a:lnSpc>
                         <a:spcBef>
-                          <a:spcPts val="600"/>
+                          <a:spcPts val="0"/>
                         </a:spcBef>
                         <a:spcAft>
-                          <a:spcPts val="200"/>
+                          <a:spcPts val="0"/>
                         </a:spcAft>
+                        <a:buClrTx/>
+                        <a:buSzTx/>
+                        <a:buFontTx/>
+                        <a:buNone/>
+                        <a:tabLst/>
+                        <a:defRPr/>
                       </a:pPr>
                       <a:r>
-                        <a:rPr lang="es-AR" sz="1600" dirty="0">
+                        <a:rPr lang="es-AR" sz="1600" dirty="0" smtClean="0">
                           <a:effectLst/>
                         </a:rPr>
                         <a:t>Tamaño medio de fila</a:t>
                       </a:r>
-                      <a:endParaRPr lang="es-AR" sz="1600" dirty="0">
+                      <a:endParaRPr lang="es-AR" sz="1600" dirty="0" smtClean="0">
                         <a:effectLst/>
                         <a:latin typeface="Verdana"/>
                         <a:ea typeface="Times New Roman"/>
@@ -16756,31 +21527,37 @@
                       </a:endParaRPr>
                     </a:p>
                   </a:txBody>
-                  <a:tcPr marL="22500" marR="22500" marT="22500" marB="22500"/>
+                  <a:tcPr/>
                 </a:tc>
                 <a:tc>
                   <a:txBody>
                     <a:bodyPr/>
                     <a:lstStyle/>
                     <a:p>
-                      <a:pPr>
+                      <a:pPr marL="0" marR="0" indent="0" algn="l" defTabSz="914400" rtl="0" eaLnBrk="1" fontAlgn="auto" latinLnBrk="0" hangingPunct="1">
                         <a:lnSpc>
-                          <a:spcPct val="150000"/>
+                          <a:spcPct val="100000"/>
                         </a:lnSpc>
                         <a:spcBef>
-                          <a:spcPts val="600"/>
+                          <a:spcPts val="0"/>
                         </a:spcBef>
                         <a:spcAft>
-                          <a:spcPts val="200"/>
+                          <a:spcPts val="0"/>
                         </a:spcAft>
+                        <a:buClrTx/>
+                        <a:buSzTx/>
+                        <a:buFontTx/>
+                        <a:buNone/>
+                        <a:tabLst/>
+                        <a:defRPr/>
                       </a:pPr>
                       <a:r>
-                        <a:rPr lang="es-AR" sz="1600" dirty="0">
+                        <a:rPr lang="es-AR" sz="1600" dirty="0" smtClean="0">
                           <a:effectLst/>
                         </a:rPr>
                         <a:t>50 Bytes</a:t>
                       </a:r>
-                      <a:endParaRPr lang="es-AR" sz="1600" dirty="0">
+                      <a:endParaRPr lang="es-AR" sz="1600" dirty="0" smtClean="0">
                         <a:effectLst/>
                         <a:latin typeface="Verdana"/>
                         <a:ea typeface="Times New Roman"/>
@@ -16788,10 +21565,10 @@
                       </a:endParaRPr>
                     </a:p>
                   </a:txBody>
-                  <a:tcPr marL="22500" marR="22500" marT="22500" marB="22500"/>
+                  <a:tcPr/>
                 </a:tc>
               </a:tr>
-              <a:tr h="250296">
+              <a:tr h="370840">
                 <a:tc>
                   <a:txBody>
                     <a:bodyPr/>
@@ -16841,12 +21618,12 @@
                         </a:spcAft>
                       </a:pPr>
                       <a:r>
-                        <a:rPr lang="es-AR" sz="1600">
+                        <a:rPr lang="es-AR" sz="1600" dirty="0">
                           <a:effectLst/>
                         </a:rPr>
                         <a:t>35</a:t>
                       </a:r>
-                      <a:endParaRPr lang="es-AR" sz="1600">
+                      <a:endParaRPr lang="es-AR" sz="1600" dirty="0">
                         <a:effectLst/>
                         <a:latin typeface="Verdana"/>
                         <a:ea typeface="Times New Roman"/>
@@ -16857,7 +21634,7 @@
                   <a:tcPr marL="22500" marR="22500" marT="22500" marB="22500"/>
                 </a:tc>
               </a:tr>
-              <a:tr h="250296">
+              <a:tr h="370840">
                 <a:tc>
                   <a:txBody>
                     <a:bodyPr/>
@@ -16907,12 +21684,12 @@
                         </a:spcAft>
                       </a:pPr>
                       <a:r>
-                        <a:rPr lang="es-AR" sz="1600">
+                        <a:rPr lang="es-AR" sz="1600" dirty="0">
                           <a:effectLst/>
                         </a:rPr>
                         <a:t>2000</a:t>
                       </a:r>
-                      <a:endParaRPr lang="es-AR" sz="1600">
+                      <a:endParaRPr lang="es-AR" sz="1600" dirty="0">
                         <a:effectLst/>
                         <a:latin typeface="Verdana"/>
                         <a:ea typeface="Times New Roman"/>
@@ -16923,7 +21700,7 @@
                   <a:tcPr marL="22500" marR="22500" marT="22500" marB="22500"/>
                 </a:tc>
               </a:tr>
-              <a:tr h="250296">
+              <a:tr h="370840">
                 <a:tc>
                   <a:txBody>
                     <a:bodyPr/>
@@ -16995,7 +21772,7 @@
                   <a:tcPr marL="22500" marR="22500" marT="22500" marB="22500"/>
                 </a:tc>
               </a:tr>
-              <a:tr h="250296">
+              <a:tr h="370840">
                 <a:tc>
                   <a:txBody>
                     <a:bodyPr/>
@@ -17013,12 +21790,12 @@
                         </a:spcAft>
                       </a:pPr>
                       <a:r>
-                        <a:rPr lang="es-ES_tradnl" sz="1600">
+                        <a:rPr lang="es-ES_tradnl" sz="1600" dirty="0">
                           <a:effectLst/>
                         </a:rPr>
                         <a:t>Crecimiento anual Máx. estimado de la DB</a:t>
                       </a:r>
-                      <a:endParaRPr lang="es-AR" sz="1600">
+                      <a:endParaRPr lang="es-AR" sz="1600" dirty="0">
                         <a:effectLst/>
                         <a:latin typeface="Verdana"/>
                         <a:ea typeface="Times New Roman"/>
@@ -17061,7 +21838,7 @@
                   <a:tcPr marL="22500" marR="22500" marT="22500" marB="22500"/>
                 </a:tc>
               </a:tr>
-              <a:tr h="255908">
+              <a:tr h="370840">
                 <a:tc>
                   <a:txBody>
                     <a:bodyPr/>
@@ -17127,7 +21904,7 @@
                   <a:tcPr marL="22500" marR="22500" marT="22500" marB="22500"/>
                 </a:tc>
               </a:tr>
-              <a:tr h="250296">
+              <a:tr h="370840">
                 <a:tc>
                   <a:txBody>
                     <a:bodyPr/>
@@ -17193,7 +21970,7 @@
                   <a:tcPr marL="22500" marR="22500" marT="22500" marB="22500"/>
                 </a:tc>
               </a:tr>
-              <a:tr h="250296">
+              <a:tr h="370840">
                 <a:tc>
                   <a:txBody>
                     <a:bodyPr/>
@@ -17211,12 +21988,12 @@
                         </a:spcAft>
                       </a:pPr>
                       <a:r>
-                        <a:rPr lang="es-AR" sz="1600">
+                        <a:rPr lang="es-AR" sz="1600" dirty="0">
                           <a:effectLst/>
                         </a:rPr>
                         <a:t>Coeficiente de Seguridad </a:t>
                       </a:r>
-                      <a:endParaRPr lang="es-AR" sz="1600">
+                      <a:endParaRPr lang="es-AR" sz="1600" dirty="0">
                         <a:effectLst/>
                         <a:latin typeface="Verdana"/>
                         <a:ea typeface="Times New Roman"/>
@@ -17259,7 +22036,7 @@
                   <a:tcPr marL="22500" marR="22500" marT="22500" marB="22500"/>
                 </a:tc>
               </a:tr>
-              <a:tr h="296275">
+              <a:tr h="370840">
                 <a:tc>
                   <a:txBody>
                     <a:bodyPr/>
@@ -17277,7 +22054,7 @@
                         </a:spcAft>
                       </a:pPr>
                       <a:r>
-                        <a:rPr lang="es-AR" sz="1600" b="1" dirty="0">
+                        <a:rPr lang="es-AR" sz="1600" dirty="0">
                           <a:effectLst/>
                         </a:rPr>
                         <a:t>Total Anual por instancia</a:t>
@@ -17309,7 +22086,7 @@
                         </a:spcAft>
                       </a:pPr>
                       <a:r>
-                        <a:rPr lang="es-AR" sz="1600" b="1" dirty="0">
+                        <a:rPr lang="es-AR" sz="1600" dirty="0">
                           <a:effectLst/>
                         </a:rPr>
                         <a:t>29380 MB ≈ 30 GB</a:t>
@@ -17329,29 +22106,6 @@
           </a:graphicData>
         </a:graphic>
       </p:graphicFrame>
-      <p:sp>
-        <p:nvSpPr>
-          <p:cNvPr id="4" name="Text Placeholder 3"/>
-          <p:cNvSpPr>
-            <a:spLocks noGrp="1"/>
-          </p:cNvSpPr>
-          <p:nvPr>
-            <p:ph type="body" sz="quarter" idx="13"/>
-          </p:nvPr>
-        </p:nvSpPr>
-        <p:spPr/>
-        <p:txBody>
-          <a:bodyPr/>
-          <a:lstStyle/>
-          <a:p>
-            <a:r>
-              <a:rPr lang="es-AR" dirty="0" smtClean="0"/>
-              <a:t>Volumen</a:t>
-            </a:r>
-            <a:endParaRPr lang="es-AR" dirty="0"/>
-          </a:p>
-        </p:txBody>
-      </p:sp>
     </p:spTree>
     <p:extLst>
       <p:ext uri="{BB962C8B-B14F-4D97-AF65-F5344CB8AC3E}">
@@ -17362,6 +22116,13 @@
   <p:clrMapOvr>
     <a:masterClrMapping/>
   </p:clrMapOvr>
+  <p:timing>
+    <p:tnLst>
+      <p:par>
+        <p:cTn id="1" dur="indefinite" restart="never" nodeType="tmRoot"/>
+      </p:par>
+    </p:tnLst>
+  </p:timing>
 </p:sld>
 </file>
 

--- a/trunk/Presentacion.pptx
+++ b/trunk/Presentacion.pptx
@@ -4930,15 +4930,15 @@
     </dgm:pt>
   </dgm:ptLst>
   <dgm:cxnLst>
-    <dgm:cxn modelId="{203B300A-3121-4092-B27F-9FCAA2945E93}" srcId="{5CC0189D-A6BE-4AD5-8B46-21BA52E18158}" destId="{7E1C23DB-9934-4A91-835F-E8FC5C871BB1}" srcOrd="0" destOrd="0" parTransId="{8DB05654-7979-4B3E-B1D4-300B5E2E267A}" sibTransId="{CCA77AA1-E36D-42AE-A40E-889B119F3E56}"/>
-    <dgm:cxn modelId="{3FB6A10D-921E-4B6E-A5BC-B6F62CF6209E}" type="presOf" srcId="{7E1C23DB-9934-4A91-835F-E8FC5C871BB1}" destId="{0B479511-0485-41A9-8D6E-6612999C0428}" srcOrd="0" destOrd="0" presId="urn:microsoft.com/office/officeart/2005/8/layout/funnel1"/>
-    <dgm:cxn modelId="{1F1D2D82-EBD3-41BF-B44C-6F4125263089}" type="presOf" srcId="{5CC0189D-A6BE-4AD5-8B46-21BA52E18158}" destId="{38508442-1FF1-4EF5-BFFF-1195C7C4F7B6}" srcOrd="0" destOrd="0" presId="urn:microsoft.com/office/officeart/2005/8/layout/funnel1"/>
+    <dgm:cxn modelId="{F1039596-F131-4E02-8E4E-83C0F3B0E423}" type="presOf" srcId="{E3BF5E8E-8B2F-46A5-907B-0A54E4A06381}" destId="{461F9C32-0970-47D1-ACDA-EC852A01FBF5}" srcOrd="0" destOrd="0" presId="urn:microsoft.com/office/officeart/2005/8/layout/funnel1"/>
+    <dgm:cxn modelId="{B294C8E9-D4B7-4CB8-B7F4-4E8444C20845}" srcId="{5CC0189D-A6BE-4AD5-8B46-21BA52E18158}" destId="{0EAF78A8-169D-4902-BABE-934DE415E202}" srcOrd="2" destOrd="0" parTransId="{D3B591DD-1776-4A80-84D7-3734D2BFA38C}" sibTransId="{F265CEE0-E629-4D31-AD45-AC9AED38E2FE}"/>
     <dgm:cxn modelId="{1847E8B8-0002-4238-B69F-5D608CA2CB40}" type="presOf" srcId="{0EAF78A8-169D-4902-BABE-934DE415E202}" destId="{68E2B038-45B8-4DA3-80AA-E36F2C2525D1}" srcOrd="0" destOrd="0" presId="urn:microsoft.com/office/officeart/2005/8/layout/funnel1"/>
     <dgm:cxn modelId="{7CECF02E-1F25-4554-B99A-B82EE423D5ED}" type="presOf" srcId="{E036C96C-A1C3-4DF5-A900-F10D1FCAE020}" destId="{16F10AFA-07C3-49B5-9711-49A0F96F8FE1}" srcOrd="0" destOrd="0" presId="urn:microsoft.com/office/officeart/2005/8/layout/funnel1"/>
+    <dgm:cxn modelId="{1F1D2D82-EBD3-41BF-B44C-6F4125263089}" type="presOf" srcId="{5CC0189D-A6BE-4AD5-8B46-21BA52E18158}" destId="{38508442-1FF1-4EF5-BFFF-1195C7C4F7B6}" srcOrd="0" destOrd="0" presId="urn:microsoft.com/office/officeart/2005/8/layout/funnel1"/>
+    <dgm:cxn modelId="{203B300A-3121-4092-B27F-9FCAA2945E93}" srcId="{5CC0189D-A6BE-4AD5-8B46-21BA52E18158}" destId="{7E1C23DB-9934-4A91-835F-E8FC5C871BB1}" srcOrd="0" destOrd="0" parTransId="{8DB05654-7979-4B3E-B1D4-300B5E2E267A}" sibTransId="{CCA77AA1-E36D-42AE-A40E-889B119F3E56}"/>
+    <dgm:cxn modelId="{328FBFE1-D2C9-4C1B-95FA-0C36DA2E1FA7}" srcId="{5CC0189D-A6BE-4AD5-8B46-21BA52E18158}" destId="{E3BF5E8E-8B2F-46A5-907B-0A54E4A06381}" srcOrd="1" destOrd="0" parTransId="{1912ABC6-308E-43FC-A980-CC40C6BBBAD9}" sibTransId="{54D4ADF7-2D3A-4478-BAF2-407E2A8F458C}"/>
+    <dgm:cxn modelId="{3FB6A10D-921E-4B6E-A5BC-B6F62CF6209E}" type="presOf" srcId="{7E1C23DB-9934-4A91-835F-E8FC5C871BB1}" destId="{0B479511-0485-41A9-8D6E-6612999C0428}" srcOrd="0" destOrd="0" presId="urn:microsoft.com/office/officeart/2005/8/layout/funnel1"/>
     <dgm:cxn modelId="{C5351B09-A05D-4268-B7E0-F780E46248FC}" srcId="{5CC0189D-A6BE-4AD5-8B46-21BA52E18158}" destId="{E036C96C-A1C3-4DF5-A900-F10D1FCAE020}" srcOrd="3" destOrd="0" parTransId="{A28B6BB9-EEF5-42DB-842F-296813269667}" sibTransId="{C05D2876-7D20-40BD-8DE1-2661F8DDA9C9}"/>
-    <dgm:cxn modelId="{F1039596-F131-4E02-8E4E-83C0F3B0E423}" type="presOf" srcId="{E3BF5E8E-8B2F-46A5-907B-0A54E4A06381}" destId="{461F9C32-0970-47D1-ACDA-EC852A01FBF5}" srcOrd="0" destOrd="0" presId="urn:microsoft.com/office/officeart/2005/8/layout/funnel1"/>
-    <dgm:cxn modelId="{328FBFE1-D2C9-4C1B-95FA-0C36DA2E1FA7}" srcId="{5CC0189D-A6BE-4AD5-8B46-21BA52E18158}" destId="{E3BF5E8E-8B2F-46A5-907B-0A54E4A06381}" srcOrd="1" destOrd="0" parTransId="{1912ABC6-308E-43FC-A980-CC40C6BBBAD9}" sibTransId="{54D4ADF7-2D3A-4478-BAF2-407E2A8F458C}"/>
-    <dgm:cxn modelId="{B294C8E9-D4B7-4CB8-B7F4-4E8444C20845}" srcId="{5CC0189D-A6BE-4AD5-8B46-21BA52E18158}" destId="{0EAF78A8-169D-4902-BABE-934DE415E202}" srcOrd="2" destOrd="0" parTransId="{D3B591DD-1776-4A80-84D7-3734D2BFA38C}" sibTransId="{F265CEE0-E629-4D31-AD45-AC9AED38E2FE}"/>
     <dgm:cxn modelId="{3807EB30-37A5-489A-9184-6D14C95CB75D}" type="presParOf" srcId="{38508442-1FF1-4EF5-BFFF-1195C7C4F7B6}" destId="{84230425-8911-4DF5-B1EE-44033221809B}" srcOrd="0" destOrd="0" presId="urn:microsoft.com/office/officeart/2005/8/layout/funnel1"/>
     <dgm:cxn modelId="{1CEC27E3-FD38-4CAD-A755-A3A0C752D878}" type="presParOf" srcId="{38508442-1FF1-4EF5-BFFF-1195C7C4F7B6}" destId="{15FD6BE3-6814-456F-BFBA-53D7050E5ED1}" srcOrd="1" destOrd="0" presId="urn:microsoft.com/office/officeart/2005/8/layout/funnel1"/>
     <dgm:cxn modelId="{8F96FB1F-48BA-42CF-9B9D-97931F6C1B3B}" type="presParOf" srcId="{38508442-1FF1-4EF5-BFFF-1195C7C4F7B6}" destId="{16F10AFA-07C3-49B5-9711-49A0F96F8FE1}" srcOrd="2" destOrd="0" presId="urn:microsoft.com/office/officeart/2005/8/layout/funnel1"/>
@@ -4951,7 +4951,7 @@
   <dgm:whole/>
   <dgm:extLst>
     <a:ext uri="http://schemas.microsoft.com/office/drawing/2008/diagram">
-      <dsp:dataModelExt xmlns:dsp="http://schemas.microsoft.com/office/drawing/2008/diagram" relId="rId6" minVer="http://schemas.openxmlformats.org/drawingml/2006/diagram"/>
+      <dsp:dataModelExt xmlns:dsp="http://schemas.microsoft.com/office/drawing/2008/diagram" xmlns="" relId="rId6" minVer="http://schemas.openxmlformats.org/drawingml/2006/diagram"/>
     </a:ext>
   </dgm:extLst>
 </dgm:dataModel>
@@ -5168,6 +5168,13 @@
         </dgm:presLayoutVars>
       </dgm:prSet>
       <dgm:spPr/>
+      <dgm:t>
+        <a:bodyPr/>
+        <a:lstStyle/>
+        <a:p>
+          <a:endParaRPr lang="es-AR"/>
+        </a:p>
+      </dgm:t>
     </dgm:pt>
     <dgm:pt modelId="{953E3B99-C1ED-4B6D-A1E3-8AB80C7B4B0B}" type="pres">
       <dgm:prSet presAssocID="{B2EE7840-871B-4B94-84F7-3A29FFA268B1}" presName="node" presStyleLbl="node1" presStyleIdx="0" presStyleCnt="5">
@@ -5176,6 +5183,13 @@
         </dgm:presLayoutVars>
       </dgm:prSet>
       <dgm:spPr/>
+      <dgm:t>
+        <a:bodyPr/>
+        <a:lstStyle/>
+        <a:p>
+          <a:endParaRPr lang="es-AR"/>
+        </a:p>
+      </dgm:t>
     </dgm:pt>
     <dgm:pt modelId="{57086187-52CB-419E-B946-E8BC7788B0F6}" type="pres">
       <dgm:prSet presAssocID="{A95DAB7C-70BA-40DE-B600-15BFC3997050}" presName="spacerL" presStyleCnt="0"/>
@@ -5184,6 +5198,13 @@
     <dgm:pt modelId="{F5A507C8-E12D-4088-A9DD-BFE0897B89C2}" type="pres">
       <dgm:prSet presAssocID="{A95DAB7C-70BA-40DE-B600-15BFC3997050}" presName="sibTrans" presStyleLbl="sibTrans2D1" presStyleIdx="0" presStyleCnt="4" custScaleX="49401" custScaleY="51197"/>
       <dgm:spPr/>
+      <dgm:t>
+        <a:bodyPr/>
+        <a:lstStyle/>
+        <a:p>
+          <a:endParaRPr lang="es-AR"/>
+        </a:p>
+      </dgm:t>
     </dgm:pt>
     <dgm:pt modelId="{A85145D0-4FC9-45D2-AA18-75016F322039}" type="pres">
       <dgm:prSet presAssocID="{A95DAB7C-70BA-40DE-B600-15BFC3997050}" presName="spacerR" presStyleCnt="0"/>
@@ -5196,6 +5217,13 @@
         </dgm:presLayoutVars>
       </dgm:prSet>
       <dgm:spPr/>
+      <dgm:t>
+        <a:bodyPr/>
+        <a:lstStyle/>
+        <a:p>
+          <a:endParaRPr lang="es-AR"/>
+        </a:p>
+      </dgm:t>
     </dgm:pt>
     <dgm:pt modelId="{1CD0D243-EA27-47B8-9631-81A235C434B9}" type="pres">
       <dgm:prSet presAssocID="{B99E24FE-FFCE-460B-BDF5-FBD010259723}" presName="spacerL" presStyleCnt="0"/>
@@ -5204,6 +5232,13 @@
     <dgm:pt modelId="{15F56C05-4F70-465B-9C45-DEBF62872B3E}" type="pres">
       <dgm:prSet presAssocID="{B99E24FE-FFCE-460B-BDF5-FBD010259723}" presName="sibTrans" presStyleLbl="sibTrans2D1" presStyleIdx="1" presStyleCnt="4" custScaleX="55093" custScaleY="49344"/>
       <dgm:spPr/>
+      <dgm:t>
+        <a:bodyPr/>
+        <a:lstStyle/>
+        <a:p>
+          <a:endParaRPr lang="es-AR"/>
+        </a:p>
+      </dgm:t>
     </dgm:pt>
     <dgm:pt modelId="{D3F55F93-7C74-4D9D-BD62-E54228B5A901}" type="pres">
       <dgm:prSet presAssocID="{B99E24FE-FFCE-460B-BDF5-FBD010259723}" presName="spacerR" presStyleCnt="0"/>
@@ -5216,6 +5251,13 @@
         </dgm:presLayoutVars>
       </dgm:prSet>
       <dgm:spPr/>
+      <dgm:t>
+        <a:bodyPr/>
+        <a:lstStyle/>
+        <a:p>
+          <a:endParaRPr lang="es-AR"/>
+        </a:p>
+      </dgm:t>
     </dgm:pt>
     <dgm:pt modelId="{AFF26BE2-ABC6-42DF-B7A3-8CFD7FEF2744}" type="pres">
       <dgm:prSet presAssocID="{BB049A0F-B2BC-4FC6-A236-B0353A69EBD8}" presName="spacerL" presStyleCnt="0"/>
@@ -5224,6 +5266,13 @@
     <dgm:pt modelId="{35F0FCA2-96EE-4708-902B-56C18B5E5071}" type="pres">
       <dgm:prSet presAssocID="{BB049A0F-B2BC-4FC6-A236-B0353A69EBD8}" presName="sibTrans" presStyleLbl="sibTrans2D1" presStyleIdx="2" presStyleCnt="4" custScaleX="48926" custScaleY="47458"/>
       <dgm:spPr/>
+      <dgm:t>
+        <a:bodyPr/>
+        <a:lstStyle/>
+        <a:p>
+          <a:endParaRPr lang="es-AR"/>
+        </a:p>
+      </dgm:t>
     </dgm:pt>
     <dgm:pt modelId="{796E0848-1C7E-4D75-919D-36458266AB97}" type="pres">
       <dgm:prSet presAssocID="{BB049A0F-B2BC-4FC6-A236-B0353A69EBD8}" presName="spacerR" presStyleCnt="0"/>
@@ -5251,6 +5300,13 @@
     <dgm:pt modelId="{7DDA335B-F91E-457D-ACDB-FB36C280C2BD}" type="pres">
       <dgm:prSet presAssocID="{FFFA5A1F-4EEE-49AE-B25D-676679ED9C8D}" presName="sibTrans" presStyleLbl="sibTrans2D1" presStyleIdx="3" presStyleCnt="4"/>
       <dgm:spPr/>
+      <dgm:t>
+        <a:bodyPr/>
+        <a:lstStyle/>
+        <a:p>
+          <a:endParaRPr lang="es-AR"/>
+        </a:p>
+      </dgm:t>
     </dgm:pt>
     <dgm:pt modelId="{F63EBE15-0041-4447-891F-8B40D7D6EA4A}" type="pres">
       <dgm:prSet presAssocID="{FFFA5A1F-4EEE-49AE-B25D-676679ED9C8D}" presName="spacerR" presStyleCnt="0"/>
@@ -5273,21 +5329,21 @@
     </dgm:pt>
   </dgm:ptLst>
   <dgm:cxnLst>
-    <dgm:cxn modelId="{4F18F8DE-6441-4D6F-A823-21E28D81937E}" srcId="{054146FF-EB74-4030-8D58-7D8ECEE720F6}" destId="{D2F63A2A-CCFD-4500-A27A-54EB92BCD831}" srcOrd="3" destOrd="0" parTransId="{FEB014B8-8D17-4C98-B6BA-B9C3221B5CD5}" sibTransId="{FFFA5A1F-4EEE-49AE-B25D-676679ED9C8D}"/>
-    <dgm:cxn modelId="{0907D553-A824-43DA-9BC1-B63F7E9F4FC3}" type="presOf" srcId="{20B1ADE3-2A33-4A5F-A82D-4E0ED466D408}" destId="{4E927192-F7FB-4B90-A773-227E4DE7750D}" srcOrd="0" destOrd="0" presId="urn:microsoft.com/office/officeart/2005/8/layout/equation1"/>
     <dgm:cxn modelId="{0F91B86C-624D-43FB-8180-B12AE5D77E67}" srcId="{054146FF-EB74-4030-8D58-7D8ECEE720F6}" destId="{20B1ADE3-2A33-4A5F-A82D-4E0ED466D408}" srcOrd="1" destOrd="0" parTransId="{AB4F562F-C1F0-438D-8ECE-3C7284409D82}" sibTransId="{B99E24FE-FFCE-460B-BDF5-FBD010259723}"/>
-    <dgm:cxn modelId="{D8B15B31-80CE-40CD-9CC0-A1EDB0D3734E}" type="presOf" srcId="{FFFA5A1F-4EEE-49AE-B25D-676679ED9C8D}" destId="{7DDA335B-F91E-457D-ACDB-FB36C280C2BD}" srcOrd="0" destOrd="0" presId="urn:microsoft.com/office/officeart/2005/8/layout/equation1"/>
+    <dgm:cxn modelId="{5DC4FDA4-8B2A-4126-8E21-6A12F09883BF}" srcId="{054146FF-EB74-4030-8D58-7D8ECEE720F6}" destId="{B2EE7840-871B-4B94-84F7-3A29FFA268B1}" srcOrd="0" destOrd="0" parTransId="{B616B468-A1A7-4D8D-9D96-94E9F2CE2ED7}" sibTransId="{A95DAB7C-70BA-40DE-B600-15BFC3997050}"/>
     <dgm:cxn modelId="{7F6E51B6-6B8C-4375-B143-91693DF53D74}" type="presOf" srcId="{054146FF-EB74-4030-8D58-7D8ECEE720F6}" destId="{80E2C269-723A-4089-9580-9658E5B6CFB6}" srcOrd="0" destOrd="0" presId="urn:microsoft.com/office/officeart/2005/8/layout/equation1"/>
-    <dgm:cxn modelId="{AB527A52-8E7F-4BD5-A849-C82CEBF8712E}" type="presOf" srcId="{BA1E463F-4A7E-45DF-BE06-18A8C1DC59B0}" destId="{A6BEB3CC-4EBB-48B9-988E-91BBE3A249DF}" srcOrd="0" destOrd="0" presId="urn:microsoft.com/office/officeart/2005/8/layout/equation1"/>
+    <dgm:cxn modelId="{47C993B0-50A0-460E-B84A-58A852754338}" type="presOf" srcId="{B99E24FE-FFCE-460B-BDF5-FBD010259723}" destId="{15F56C05-4F70-465B-9C45-DEBF62872B3E}" srcOrd="0" destOrd="0" presId="urn:microsoft.com/office/officeart/2005/8/layout/equation1"/>
     <dgm:cxn modelId="{9382657F-2C7B-4D07-92F8-0907E99E97F0}" type="presOf" srcId="{F021C3EC-EC1E-4859-8ADD-1E1B599847C1}" destId="{B3D2F53E-E6BD-42AD-9651-5DFA2C4CF076}" srcOrd="0" destOrd="0" presId="urn:microsoft.com/office/officeart/2005/8/layout/equation1"/>
     <dgm:cxn modelId="{98705CD7-9FD0-44BB-9498-18738841BF44}" srcId="{054146FF-EB74-4030-8D58-7D8ECEE720F6}" destId="{F021C3EC-EC1E-4859-8ADD-1E1B599847C1}" srcOrd="2" destOrd="0" parTransId="{4A34F6E3-624E-45CA-81E7-863E2A780B05}" sibTransId="{BB049A0F-B2BC-4FC6-A236-B0353A69EBD8}"/>
-    <dgm:cxn modelId="{5DC4FDA4-8B2A-4126-8E21-6A12F09883BF}" srcId="{054146FF-EB74-4030-8D58-7D8ECEE720F6}" destId="{B2EE7840-871B-4B94-84F7-3A29FFA268B1}" srcOrd="0" destOrd="0" parTransId="{B616B468-A1A7-4D8D-9D96-94E9F2CE2ED7}" sibTransId="{A95DAB7C-70BA-40DE-B600-15BFC3997050}"/>
+    <dgm:cxn modelId="{165999D6-061A-4304-804B-284A35E3142A}" type="presOf" srcId="{A95DAB7C-70BA-40DE-B600-15BFC3997050}" destId="{F5A507C8-E12D-4088-A9DD-BFE0897B89C2}" srcOrd="0" destOrd="0" presId="urn:microsoft.com/office/officeart/2005/8/layout/equation1"/>
+    <dgm:cxn modelId="{4F18F8DE-6441-4D6F-A823-21E28D81937E}" srcId="{054146FF-EB74-4030-8D58-7D8ECEE720F6}" destId="{D2F63A2A-CCFD-4500-A27A-54EB92BCD831}" srcOrd="3" destOrd="0" parTransId="{FEB014B8-8D17-4C98-B6BA-B9C3221B5CD5}" sibTransId="{FFFA5A1F-4EEE-49AE-B25D-676679ED9C8D}"/>
+    <dgm:cxn modelId="{D8B15B31-80CE-40CD-9CC0-A1EDB0D3734E}" type="presOf" srcId="{FFFA5A1F-4EEE-49AE-B25D-676679ED9C8D}" destId="{7DDA335B-F91E-457D-ACDB-FB36C280C2BD}" srcOrd="0" destOrd="0" presId="urn:microsoft.com/office/officeart/2005/8/layout/equation1"/>
+    <dgm:cxn modelId="{AB527A52-8E7F-4BD5-A849-C82CEBF8712E}" type="presOf" srcId="{BA1E463F-4A7E-45DF-BE06-18A8C1DC59B0}" destId="{A6BEB3CC-4EBB-48B9-988E-91BBE3A249DF}" srcOrd="0" destOrd="0" presId="urn:microsoft.com/office/officeart/2005/8/layout/equation1"/>
+    <dgm:cxn modelId="{7582822C-7499-47C0-B796-87EF51C0C9F4}" type="presOf" srcId="{BB049A0F-B2BC-4FC6-A236-B0353A69EBD8}" destId="{35F0FCA2-96EE-4708-902B-56C18B5E5071}" srcOrd="0" destOrd="0" presId="urn:microsoft.com/office/officeart/2005/8/layout/equation1"/>
+    <dgm:cxn modelId="{0907D553-A824-43DA-9BC1-B63F7E9F4FC3}" type="presOf" srcId="{20B1ADE3-2A33-4A5F-A82D-4E0ED466D408}" destId="{4E927192-F7FB-4B90-A773-227E4DE7750D}" srcOrd="0" destOrd="0" presId="urn:microsoft.com/office/officeart/2005/8/layout/equation1"/>
+    <dgm:cxn modelId="{130F9D65-DBC9-4F12-9CE8-8112735A81CF}" srcId="{054146FF-EB74-4030-8D58-7D8ECEE720F6}" destId="{BA1E463F-4A7E-45DF-BE06-18A8C1DC59B0}" srcOrd="4" destOrd="0" parTransId="{F52EABF6-066C-4B04-82D4-C1EE1EF3A3B1}" sibTransId="{0D7CF63D-0C27-4563-A84F-90085376FE4F}"/>
+    <dgm:cxn modelId="{33F6DBE2-2E53-420E-9F03-5BFE7771EBD1}" type="presOf" srcId="{D2F63A2A-CCFD-4500-A27A-54EB92BCD831}" destId="{0A052003-6206-40DE-9655-AD5B659E67DC}" srcOrd="0" destOrd="0" presId="urn:microsoft.com/office/officeart/2005/8/layout/equation1"/>
     <dgm:cxn modelId="{30946877-1BD2-4488-9DC2-C466B7AEFA0C}" type="presOf" srcId="{B2EE7840-871B-4B94-84F7-3A29FFA268B1}" destId="{953E3B99-C1ED-4B6D-A1E3-8AB80C7B4B0B}" srcOrd="0" destOrd="0" presId="urn:microsoft.com/office/officeart/2005/8/layout/equation1"/>
-    <dgm:cxn modelId="{130F9D65-DBC9-4F12-9CE8-8112735A81CF}" srcId="{054146FF-EB74-4030-8D58-7D8ECEE720F6}" destId="{BA1E463F-4A7E-45DF-BE06-18A8C1DC59B0}" srcOrd="4" destOrd="0" parTransId="{F52EABF6-066C-4B04-82D4-C1EE1EF3A3B1}" sibTransId="{0D7CF63D-0C27-4563-A84F-90085376FE4F}"/>
-    <dgm:cxn modelId="{7582822C-7499-47C0-B796-87EF51C0C9F4}" type="presOf" srcId="{BB049A0F-B2BC-4FC6-A236-B0353A69EBD8}" destId="{35F0FCA2-96EE-4708-902B-56C18B5E5071}" srcOrd="0" destOrd="0" presId="urn:microsoft.com/office/officeart/2005/8/layout/equation1"/>
-    <dgm:cxn modelId="{47C993B0-50A0-460E-B84A-58A852754338}" type="presOf" srcId="{B99E24FE-FFCE-460B-BDF5-FBD010259723}" destId="{15F56C05-4F70-465B-9C45-DEBF62872B3E}" srcOrd="0" destOrd="0" presId="urn:microsoft.com/office/officeart/2005/8/layout/equation1"/>
-    <dgm:cxn modelId="{165999D6-061A-4304-804B-284A35E3142A}" type="presOf" srcId="{A95DAB7C-70BA-40DE-B600-15BFC3997050}" destId="{F5A507C8-E12D-4088-A9DD-BFE0897B89C2}" srcOrd="0" destOrd="0" presId="urn:microsoft.com/office/officeart/2005/8/layout/equation1"/>
-    <dgm:cxn modelId="{33F6DBE2-2E53-420E-9F03-5BFE7771EBD1}" type="presOf" srcId="{D2F63A2A-CCFD-4500-A27A-54EB92BCD831}" destId="{0A052003-6206-40DE-9655-AD5B659E67DC}" srcOrd="0" destOrd="0" presId="urn:microsoft.com/office/officeart/2005/8/layout/equation1"/>
     <dgm:cxn modelId="{E7AFA241-4C61-4178-AACE-5DBCDF7C73B4}" type="presParOf" srcId="{80E2C269-723A-4089-9580-9658E5B6CFB6}" destId="{953E3B99-C1ED-4B6D-A1E3-8AB80C7B4B0B}" srcOrd="0" destOrd="0" presId="urn:microsoft.com/office/officeart/2005/8/layout/equation1"/>
     <dgm:cxn modelId="{33F54388-57B5-4E64-829A-C374E278A22D}" type="presParOf" srcId="{80E2C269-723A-4089-9580-9658E5B6CFB6}" destId="{57086187-52CB-419E-B946-E8BC7788B0F6}" srcOrd="1" destOrd="0" presId="urn:microsoft.com/office/officeart/2005/8/layout/equation1"/>
     <dgm:cxn modelId="{55752776-9A6B-4531-8F91-52EC4CC8BF04}" type="presParOf" srcId="{80E2C269-723A-4089-9580-9658E5B6CFB6}" destId="{F5A507C8-E12D-4088-A9DD-BFE0897B89C2}" srcOrd="2" destOrd="0" presId="urn:microsoft.com/office/officeart/2005/8/layout/equation1"/>
@@ -5310,7 +5366,7 @@
   <dgm:whole/>
   <dgm:extLst>
     <a:ext uri="http://schemas.microsoft.com/office/drawing/2008/diagram">
-      <dsp:dataModelExt xmlns:dsp="http://schemas.microsoft.com/office/drawing/2008/diagram" relId="rId6" minVer="http://schemas.openxmlformats.org/drawingml/2006/diagram"/>
+      <dsp:dataModelExt xmlns:dsp="http://schemas.microsoft.com/office/drawing/2008/diagram" xmlns="" relId="rId6" minVer="http://schemas.openxmlformats.org/drawingml/2006/diagram"/>
     </a:ext>
   </dgm:extLst>
 </dgm:dataModel>
@@ -5580,15 +5636,15 @@
     </dgm:pt>
   </dgm:ptLst>
   <dgm:cxnLst>
+    <dgm:cxn modelId="{F4D75074-69C0-43BD-84BC-376911FD705F}" srcId="{6C563E53-F598-431D-A12D-F840AB39FD7C}" destId="{BF22CE88-6279-4938-9932-90F87E2E652B}" srcOrd="1" destOrd="0" parTransId="{FB001114-C665-4F4F-BDF3-349F2C36EAB2}" sibTransId="{B81300FA-D941-451E-8294-C01B3F5B1A28}"/>
+    <dgm:cxn modelId="{4FF5DCE5-F15D-451C-8B09-A433A0B56355}" type="presOf" srcId="{9F1EC3D2-9E6D-4DA6-A006-E2D7F1B46918}" destId="{D9C24C38-FEE6-4B15-B8DF-A6A513B440BA}" srcOrd="0" destOrd="0" presId="urn:microsoft.com/office/officeart/2005/8/layout/matrix3"/>
+    <dgm:cxn modelId="{CB27D06B-1C1E-458D-95D1-3E21B6364003}" srcId="{6C563E53-F598-431D-A12D-F840AB39FD7C}" destId="{00FD98B2-04B6-44AB-8A2B-A06888116A33}" srcOrd="3" destOrd="0" parTransId="{6348E2BC-C919-4230-8B6E-43EAF43A161A}" sibTransId="{AAE3D6FB-BF3A-40C7-91D0-2E0709F4621A}"/>
+    <dgm:cxn modelId="{7808CC28-D2A6-4992-8A8B-D5DA68914F7E}" type="presOf" srcId="{BF22CE88-6279-4938-9932-90F87E2E652B}" destId="{DA299C92-D329-4A72-AD1E-F7EEC12CAD0B}" srcOrd="0" destOrd="0" presId="urn:microsoft.com/office/officeart/2005/8/layout/matrix3"/>
     <dgm:cxn modelId="{67899A86-E6A9-4409-BB9A-282CE61353D7}" type="presOf" srcId="{6C563E53-F598-431D-A12D-F840AB39FD7C}" destId="{261B374D-669E-41D4-9CE3-A317EDB799CC}" srcOrd="0" destOrd="0" presId="urn:microsoft.com/office/officeart/2005/8/layout/matrix3"/>
-    <dgm:cxn modelId="{D5FCD9F8-C380-457A-BA4E-F50033F4984C}" type="presOf" srcId="{00FD98B2-04B6-44AB-8A2B-A06888116A33}" destId="{3441E9DC-1996-49B4-B113-744669B83F2B}" srcOrd="0" destOrd="0" presId="urn:microsoft.com/office/officeart/2005/8/layout/matrix3"/>
-    <dgm:cxn modelId="{CB27D06B-1C1E-458D-95D1-3E21B6364003}" srcId="{6C563E53-F598-431D-A12D-F840AB39FD7C}" destId="{00FD98B2-04B6-44AB-8A2B-A06888116A33}" srcOrd="3" destOrd="0" parTransId="{6348E2BC-C919-4230-8B6E-43EAF43A161A}" sibTransId="{AAE3D6FB-BF3A-40C7-91D0-2E0709F4621A}"/>
-    <dgm:cxn modelId="{0538BBAF-5709-41DC-BDD0-0CA6FCCAA080}" srcId="{6C563E53-F598-431D-A12D-F840AB39FD7C}" destId="{912B805B-34AA-4A17-93B5-D94F5F25E7C2}" srcOrd="2" destOrd="0" parTransId="{E48C5B7A-EFDB-4178-A384-965F80DCFAFD}" sibTransId="{B5495137-A6D0-4F32-BF03-7EA2B4552FFD}"/>
-    <dgm:cxn modelId="{4FF5DCE5-F15D-451C-8B09-A433A0B56355}" type="presOf" srcId="{9F1EC3D2-9E6D-4DA6-A006-E2D7F1B46918}" destId="{D9C24C38-FEE6-4B15-B8DF-A6A513B440BA}" srcOrd="0" destOrd="0" presId="urn:microsoft.com/office/officeart/2005/8/layout/matrix3"/>
-    <dgm:cxn modelId="{F4D75074-69C0-43BD-84BC-376911FD705F}" srcId="{6C563E53-F598-431D-A12D-F840AB39FD7C}" destId="{BF22CE88-6279-4938-9932-90F87E2E652B}" srcOrd="1" destOrd="0" parTransId="{FB001114-C665-4F4F-BDF3-349F2C36EAB2}" sibTransId="{B81300FA-D941-451E-8294-C01B3F5B1A28}"/>
-    <dgm:cxn modelId="{7808CC28-D2A6-4992-8A8B-D5DA68914F7E}" type="presOf" srcId="{BF22CE88-6279-4938-9932-90F87E2E652B}" destId="{DA299C92-D329-4A72-AD1E-F7EEC12CAD0B}" srcOrd="0" destOrd="0" presId="urn:microsoft.com/office/officeart/2005/8/layout/matrix3"/>
     <dgm:cxn modelId="{EFC85217-3D55-4BC2-AEF3-A7734125052B}" srcId="{6C563E53-F598-431D-A12D-F840AB39FD7C}" destId="{9F1EC3D2-9E6D-4DA6-A006-E2D7F1B46918}" srcOrd="0" destOrd="0" parTransId="{5271766C-FCC3-40CF-9700-299BDB07CF62}" sibTransId="{686E2CAF-2546-40A3-9DAC-7516C70FE73F}"/>
     <dgm:cxn modelId="{D524A3EC-2CE8-492A-9376-6B566B6C825D}" type="presOf" srcId="{912B805B-34AA-4A17-93B5-D94F5F25E7C2}" destId="{848D594F-8696-46AC-B732-EDD83B603BEA}" srcOrd="0" destOrd="0" presId="urn:microsoft.com/office/officeart/2005/8/layout/matrix3"/>
+    <dgm:cxn modelId="{D5FCD9F8-C380-457A-BA4E-F50033F4984C}" type="presOf" srcId="{00FD98B2-04B6-44AB-8A2B-A06888116A33}" destId="{3441E9DC-1996-49B4-B113-744669B83F2B}" srcOrd="0" destOrd="0" presId="urn:microsoft.com/office/officeart/2005/8/layout/matrix3"/>
+    <dgm:cxn modelId="{0538BBAF-5709-41DC-BDD0-0CA6FCCAA080}" srcId="{6C563E53-F598-431D-A12D-F840AB39FD7C}" destId="{912B805B-34AA-4A17-93B5-D94F5F25E7C2}" srcOrd="2" destOrd="0" parTransId="{E48C5B7A-EFDB-4178-A384-965F80DCFAFD}" sibTransId="{B5495137-A6D0-4F32-BF03-7EA2B4552FFD}"/>
     <dgm:cxn modelId="{07F77C03-1ECF-4369-819D-8CAA2C14EBEE}" type="presParOf" srcId="{261B374D-669E-41D4-9CE3-A317EDB799CC}" destId="{4F428F06-F9DF-4CA1-9AB7-A8AB6C680FC8}" srcOrd="0" destOrd="0" presId="urn:microsoft.com/office/officeart/2005/8/layout/matrix3"/>
     <dgm:cxn modelId="{B624B4FE-68DD-4FA8-AB4F-A4DD61A352C2}" type="presParOf" srcId="{261B374D-669E-41D4-9CE3-A317EDB799CC}" destId="{D9C24C38-FEE6-4B15-B8DF-A6A513B440BA}" srcOrd="1" destOrd="0" presId="urn:microsoft.com/office/officeart/2005/8/layout/matrix3"/>
     <dgm:cxn modelId="{2F08D2D5-6E0A-40EC-AC5C-B04FBCC918D6}" type="presParOf" srcId="{261B374D-669E-41D4-9CE3-A317EDB799CC}" destId="{DA299C92-D329-4A72-AD1E-F7EEC12CAD0B}" srcOrd="2" destOrd="0" presId="urn:microsoft.com/office/officeart/2005/8/layout/matrix3"/>
@@ -5599,7 +5655,7 @@
   <dgm:whole/>
   <dgm:extLst>
     <a:ext uri="http://schemas.microsoft.com/office/drawing/2008/diagram">
-      <dsp:dataModelExt xmlns:dsp="http://schemas.microsoft.com/office/drawing/2008/diagram" relId="rId6" minVer="http://schemas.openxmlformats.org/drawingml/2006/diagram"/>
+      <dsp:dataModelExt xmlns:dsp="http://schemas.microsoft.com/office/drawing/2008/diagram" xmlns="" relId="rId6" minVer="http://schemas.openxmlformats.org/drawingml/2006/diagram"/>
     </a:ext>
   </dgm:extLst>
 </dgm:dataModel>
@@ -5999,11 +6055,7 @@
           </a:r>
           <a:r>
             <a:rPr lang="es-AR" sz="1400" dirty="0" smtClean="0"/>
-            <a:t> </a:t>
-          </a:r>
-          <a:r>
-            <a:rPr lang="es-AR" sz="1400" dirty="0" smtClean="0"/>
-            <a:t>con soporte de protocolos SMTP e IMAP,</a:t>
+            <a:t> con soporte de protocolos SMTP e IMAP,</a:t>
           </a:r>
           <a:endParaRPr lang="es-AR" sz="1400" dirty="0"/>
         </a:p>
@@ -6419,35 +6471,35 @@
     </dgm:pt>
   </dgm:ptLst>
   <dgm:cxnLst>
-    <dgm:cxn modelId="{D75F5533-0208-4045-89AB-DAF7388CCF45}" type="presOf" srcId="{10AA7AAB-A650-4206-818F-9BC8B1A71645}" destId="{58AA91FC-5E5E-4E8A-A777-1DB30FEFC137}" srcOrd="0" destOrd="0" presId="urn:microsoft.com/office/officeart/2005/8/layout/vList2"/>
-    <dgm:cxn modelId="{F27DF3A5-3884-45B5-B2B6-8A0AFAF5F8DA}" type="presOf" srcId="{ECF4AB84-D522-4A91-87BB-68353F147B48}" destId="{BCACB113-B4EF-490E-BCB5-FAFB6F3FD927}" srcOrd="0" destOrd="1" presId="urn:microsoft.com/office/officeart/2005/8/layout/vList2"/>
-    <dgm:cxn modelId="{9F0113ED-CA5F-4EBB-9DA0-8A45A4395F27}" type="presOf" srcId="{49F12827-628A-42D8-BFBE-BAB5AF935B5E}" destId="{6B5A8189-5D9D-4514-88F4-9023B2E223DA}" srcOrd="0" destOrd="0" presId="urn:microsoft.com/office/officeart/2005/8/layout/vList2"/>
+    <dgm:cxn modelId="{C4A4015D-8288-479B-A95E-EE97D7FC8CD0}" srcId="{4A3F727A-CB4B-4520-B2A1-A7B3704A1EB6}" destId="{C513935B-6CB5-437A-8734-979EF78B57F0}" srcOrd="0" destOrd="0" parTransId="{F77D151B-1CE4-4ADB-A3E6-5BBBBB74C8AD}" sibTransId="{443C99C2-49CE-41E0-B18A-67BC89E2389F}"/>
+    <dgm:cxn modelId="{F52D15E4-23D4-4DAE-8ABB-09AC18D987D7}" srcId="{49F12827-628A-42D8-BFBE-BAB5AF935B5E}" destId="{DFA46616-EC7C-4BC2-9E44-7D3B544355C0}" srcOrd="0" destOrd="0" parTransId="{EC677DF1-5D78-4B02-928A-9D8EA274622C}" sibTransId="{95CBE018-50A4-425A-B081-1F2C6C35854F}"/>
+    <dgm:cxn modelId="{0C46E0CE-2D42-484F-B9D7-7831086E90E3}" srcId="{C513935B-6CB5-437A-8734-979EF78B57F0}" destId="{5A801206-6EE2-4F17-BA93-1B27CB443D2D}" srcOrd="0" destOrd="0" parTransId="{D6822F1D-5296-48A8-834A-C3A125C6CCF0}" sibTransId="{F1F5CCD7-B1E2-4FB1-B5AD-AF5A0B979446}"/>
+    <dgm:cxn modelId="{7DB9681D-9882-4F56-A97F-E9B880BCF1A7}" srcId="{10AA7AAB-A650-4206-818F-9BC8B1A71645}" destId="{A7C5E10B-3962-4337-A24A-3AB2A53DDBC3}" srcOrd="0" destOrd="0" parTransId="{912FBB4E-5801-41D2-A9A0-5435A880B83F}" sibTransId="{3DF2B0C0-C827-4178-B6F7-8970B27DF2D2}"/>
+    <dgm:cxn modelId="{4ADF9A20-62B1-47E2-A993-ED40FDA82B40}" type="presOf" srcId="{1E3BF2E6-847B-4106-8AE9-D97866FC95BB}" destId="{AD18DDDF-DFA3-4154-A25E-71FCE66A0114}" srcOrd="0" destOrd="0" presId="urn:microsoft.com/office/officeart/2005/8/layout/vList2"/>
+    <dgm:cxn modelId="{5CFB5843-DEBA-4719-AEDD-8B3C490EA5FB}" srcId="{4A3F727A-CB4B-4520-B2A1-A7B3704A1EB6}" destId="{10AA7AAB-A650-4206-818F-9BC8B1A71645}" srcOrd="3" destOrd="0" parTransId="{01A97F24-81D3-4FA8-930A-8832AE6DACD2}" sibTransId="{E84C1B58-7911-4BDC-9237-E769615898F3}"/>
+    <dgm:cxn modelId="{F1D31A33-42C8-4A93-A693-80A5783E6CCE}" srcId="{C127160D-40C8-477F-89C0-5A9036CB4E34}" destId="{CAE34EAB-A2D3-4B3A-97A6-1CF8C7E65479}" srcOrd="0" destOrd="0" parTransId="{EA08A805-5AA6-4E93-9BF8-98AC8EB6FC6C}" sibTransId="{BDCBF1B3-9739-4D5E-9995-8066E9C3BAAA}"/>
+    <dgm:cxn modelId="{8BD992D6-F2A1-4C18-96F9-4C6A36392AA4}" srcId="{6EEF4B9E-9EE9-4E93-936C-382F3D32E36B}" destId="{F73BF26A-D5A5-4FE6-80A7-CF096A3130E2}" srcOrd="2" destOrd="0" parTransId="{2FD4C98A-2108-43AB-AD46-BA12E7541E4F}" sibTransId="{3B7380D3-928D-45A4-A61E-F85E034AC7FF}"/>
+    <dgm:cxn modelId="{377A2F23-3A72-4322-8173-25C41D3B34AA}" type="presOf" srcId="{D0CB32A1-A692-43F8-9E8E-9FE2F6FE82A2}" destId="{BCACB113-B4EF-490E-BCB5-FAFB6F3FD927}" srcOrd="0" destOrd="0" presId="urn:microsoft.com/office/officeart/2005/8/layout/vList2"/>
+    <dgm:cxn modelId="{0F73D717-58C1-4EC0-9E65-DC3DCB2B3329}" type="presOf" srcId="{CAE34EAB-A2D3-4B3A-97A6-1CF8C7E65479}" destId="{1D39A20F-B53A-4910-AEF5-B95BF1A193D6}" srcOrd="0" destOrd="0" presId="urn:microsoft.com/office/officeart/2005/8/layout/vList2"/>
     <dgm:cxn modelId="{33B3C07E-2A1D-45A8-A9D5-79AA3DE47750}" srcId="{4A3F727A-CB4B-4520-B2A1-A7B3704A1EB6}" destId="{49F12827-628A-42D8-BFBE-BAB5AF935B5E}" srcOrd="5" destOrd="0" parTransId="{8AFD00B9-0361-481D-826C-49AA09A05322}" sibTransId="{4D99D9AD-9E12-44EB-8455-894EC56E3EEB}"/>
     <dgm:cxn modelId="{3DEDFB89-A32A-4513-AD8D-EDCD0EF245C8}" srcId="{6EEF4B9E-9EE9-4E93-936C-382F3D32E36B}" destId="{D0CB32A1-A692-43F8-9E8E-9FE2F6FE82A2}" srcOrd="0" destOrd="0" parTransId="{6E5D55EE-68F0-44CF-B7D8-BD5178DCF8D8}" sibTransId="{9E9FF9AD-3EC5-4BAA-90E9-FC18B5CF0EDC}"/>
+    <dgm:cxn modelId="{73E900AE-21DD-46EF-8EB8-6F983A80AE2A}" type="presOf" srcId="{4A3F727A-CB4B-4520-B2A1-A7B3704A1EB6}" destId="{02A8E02E-CE47-44CB-B096-1F884AC41F0B}" srcOrd="0" destOrd="0" presId="urn:microsoft.com/office/officeart/2005/8/layout/vList2"/>
+    <dgm:cxn modelId="{6429C3F3-7A75-484D-BAAC-9692F6219420}" type="presOf" srcId="{C513935B-6CB5-437A-8734-979EF78B57F0}" destId="{3461AA4A-595B-4FA7-8D5B-F4CBB5C7AB7C}" srcOrd="0" destOrd="0" presId="urn:microsoft.com/office/officeart/2005/8/layout/vList2"/>
+    <dgm:cxn modelId="{77693A76-B57A-492C-A450-43781D836AFB}" srcId="{6EEF4B9E-9EE9-4E93-936C-382F3D32E36B}" destId="{ECF4AB84-D522-4A91-87BB-68353F147B48}" srcOrd="1" destOrd="0" parTransId="{8C2A2CB9-F92C-4910-BB04-96C30D90931B}" sibTransId="{E4C2BDDA-DF7F-4CDC-BB73-F8B3318CCEAF}"/>
+    <dgm:cxn modelId="{D75F5533-0208-4045-89AB-DAF7388CCF45}" type="presOf" srcId="{10AA7AAB-A650-4206-818F-9BC8B1A71645}" destId="{58AA91FC-5E5E-4E8A-A777-1DB30FEFC137}" srcOrd="0" destOrd="0" presId="urn:microsoft.com/office/officeart/2005/8/layout/vList2"/>
+    <dgm:cxn modelId="{12B04871-770A-4CD8-843D-231765191E3D}" type="presOf" srcId="{C147641D-272C-46E5-BF77-37D5959CDB25}" destId="{22020B45-4CD5-4DAB-AB65-6BA1E5431B1A}" srcOrd="0" destOrd="0" presId="urn:microsoft.com/office/officeart/2005/8/layout/vList2"/>
+    <dgm:cxn modelId="{F27DF3A5-3884-45B5-B2B6-8A0AFAF5F8DA}" type="presOf" srcId="{ECF4AB84-D522-4A91-87BB-68353F147B48}" destId="{BCACB113-B4EF-490E-BCB5-FAFB6F3FD927}" srcOrd="0" destOrd="1" presId="urn:microsoft.com/office/officeart/2005/8/layout/vList2"/>
+    <dgm:cxn modelId="{9849386D-7FD0-4397-9292-CFA06E851028}" type="presOf" srcId="{F73BF26A-D5A5-4FE6-80A7-CF096A3130E2}" destId="{BCACB113-B4EF-490E-BCB5-FAFB6F3FD927}" srcOrd="0" destOrd="2" presId="urn:microsoft.com/office/officeart/2005/8/layout/vList2"/>
+    <dgm:cxn modelId="{93B31A8E-159E-45E5-AD04-162B5E468EBA}" type="presOf" srcId="{DFA46616-EC7C-4BC2-9E44-7D3B544355C0}" destId="{95C08100-11F7-468D-8DCC-572AAD5AF82F}" srcOrd="0" destOrd="0" presId="urn:microsoft.com/office/officeart/2005/8/layout/vList2"/>
+    <dgm:cxn modelId="{2D4004A9-EF13-43C5-95E6-91FC4BE02A17}" srcId="{4A3F727A-CB4B-4520-B2A1-A7B3704A1EB6}" destId="{C127160D-40C8-477F-89C0-5A9036CB4E34}" srcOrd="4" destOrd="0" parTransId="{72DD754A-27A9-4FE6-ACED-C8B6EB62787B}" sibTransId="{1102A198-9953-4561-98EF-2460D51653E4}"/>
+    <dgm:cxn modelId="{16F6AEC3-2DAD-4D2D-B5C5-DAD79D57A871}" srcId="{1E3BF2E6-847B-4106-8AE9-D97866FC95BB}" destId="{C147641D-272C-46E5-BF77-37D5959CDB25}" srcOrd="0" destOrd="0" parTransId="{0B4046DC-F377-4D53-BD01-9519F6E19233}" sibTransId="{F1B590EE-FE5A-4323-A191-EB932B885FDD}"/>
+    <dgm:cxn modelId="{6EFA4BC6-8077-4876-B180-43C1C9316249}" type="presOf" srcId="{5A801206-6EE2-4F17-BA93-1B27CB443D2D}" destId="{40D9C759-7C34-4316-97A3-888F8F90970F}" srcOrd="0" destOrd="0" presId="urn:microsoft.com/office/officeart/2005/8/layout/vList2"/>
+    <dgm:cxn modelId="{C793888F-B7FA-46EF-A331-24807B3A573B}" srcId="{4A3F727A-CB4B-4520-B2A1-A7B3704A1EB6}" destId="{1E3BF2E6-847B-4106-8AE9-D97866FC95BB}" srcOrd="2" destOrd="0" parTransId="{1A8017CA-E949-497C-BE0B-9E807A02F73A}" sibTransId="{5DFBAD2D-3700-462E-B75E-6C1B9FF72486}"/>
+    <dgm:cxn modelId="{9CE8FA81-BA80-41AE-AAA0-FA1AA209BC7E}" type="presOf" srcId="{A7C5E10B-3962-4337-A24A-3AB2A53DDBC3}" destId="{3A5423AF-ECA0-44F6-9530-45D1521DC22F}" srcOrd="0" destOrd="0" presId="urn:microsoft.com/office/officeart/2005/8/layout/vList2"/>
+    <dgm:cxn modelId="{F97EFC78-4464-4D22-99C9-E5D1F03289F1}" srcId="{4A3F727A-CB4B-4520-B2A1-A7B3704A1EB6}" destId="{6EEF4B9E-9EE9-4E93-936C-382F3D32E36B}" srcOrd="1" destOrd="0" parTransId="{713D46E3-9C15-4313-87F5-C991FC2EA8A4}" sibTransId="{48BD913F-3272-462C-AAC0-F2DA26795107}"/>
     <dgm:cxn modelId="{399B9F22-F364-499B-B70F-7B888CBAB3FC}" type="presOf" srcId="{6EEF4B9E-9EE9-4E93-936C-382F3D32E36B}" destId="{B62203EA-9CA9-4DCB-BD94-22DB43F1F9DF}" srcOrd="0" destOrd="0" presId="urn:microsoft.com/office/officeart/2005/8/layout/vList2"/>
-    <dgm:cxn modelId="{16F6AEC3-2DAD-4D2D-B5C5-DAD79D57A871}" srcId="{1E3BF2E6-847B-4106-8AE9-D97866FC95BB}" destId="{C147641D-272C-46E5-BF77-37D5959CDB25}" srcOrd="0" destOrd="0" parTransId="{0B4046DC-F377-4D53-BD01-9519F6E19233}" sibTransId="{F1B590EE-FE5A-4323-A191-EB932B885FDD}"/>
-    <dgm:cxn modelId="{12B04871-770A-4CD8-843D-231765191E3D}" type="presOf" srcId="{C147641D-272C-46E5-BF77-37D5959CDB25}" destId="{22020B45-4CD5-4DAB-AB65-6BA1E5431B1A}" srcOrd="0" destOrd="0" presId="urn:microsoft.com/office/officeart/2005/8/layout/vList2"/>
-    <dgm:cxn modelId="{73E900AE-21DD-46EF-8EB8-6F983A80AE2A}" type="presOf" srcId="{4A3F727A-CB4B-4520-B2A1-A7B3704A1EB6}" destId="{02A8E02E-CE47-44CB-B096-1F884AC41F0B}" srcOrd="0" destOrd="0" presId="urn:microsoft.com/office/officeart/2005/8/layout/vList2"/>
-    <dgm:cxn modelId="{2D4004A9-EF13-43C5-95E6-91FC4BE02A17}" srcId="{4A3F727A-CB4B-4520-B2A1-A7B3704A1EB6}" destId="{C127160D-40C8-477F-89C0-5A9036CB4E34}" srcOrd="4" destOrd="0" parTransId="{72DD754A-27A9-4FE6-ACED-C8B6EB62787B}" sibTransId="{1102A198-9953-4561-98EF-2460D51653E4}"/>
-    <dgm:cxn modelId="{93B31A8E-159E-45E5-AD04-162B5E468EBA}" type="presOf" srcId="{DFA46616-EC7C-4BC2-9E44-7D3B544355C0}" destId="{95C08100-11F7-468D-8DCC-572AAD5AF82F}" srcOrd="0" destOrd="0" presId="urn:microsoft.com/office/officeart/2005/8/layout/vList2"/>
-    <dgm:cxn modelId="{0F73D717-58C1-4EC0-9E65-DC3DCB2B3329}" type="presOf" srcId="{CAE34EAB-A2D3-4B3A-97A6-1CF8C7E65479}" destId="{1D39A20F-B53A-4910-AEF5-B95BF1A193D6}" srcOrd="0" destOrd="0" presId="urn:microsoft.com/office/officeart/2005/8/layout/vList2"/>
-    <dgm:cxn modelId="{9849386D-7FD0-4397-9292-CFA06E851028}" type="presOf" srcId="{F73BF26A-D5A5-4FE6-80A7-CF096A3130E2}" destId="{BCACB113-B4EF-490E-BCB5-FAFB6F3FD927}" srcOrd="0" destOrd="2" presId="urn:microsoft.com/office/officeart/2005/8/layout/vList2"/>
-    <dgm:cxn modelId="{F97EFC78-4464-4D22-99C9-E5D1F03289F1}" srcId="{4A3F727A-CB4B-4520-B2A1-A7B3704A1EB6}" destId="{6EEF4B9E-9EE9-4E93-936C-382F3D32E36B}" srcOrd="1" destOrd="0" parTransId="{713D46E3-9C15-4313-87F5-C991FC2EA8A4}" sibTransId="{48BD913F-3272-462C-AAC0-F2DA26795107}"/>
+    <dgm:cxn modelId="{9F0113ED-CA5F-4EBB-9DA0-8A45A4395F27}" type="presOf" srcId="{49F12827-628A-42D8-BFBE-BAB5AF935B5E}" destId="{6B5A8189-5D9D-4514-88F4-9023B2E223DA}" srcOrd="0" destOrd="0" presId="urn:microsoft.com/office/officeart/2005/8/layout/vList2"/>
     <dgm:cxn modelId="{A6BF5F81-2529-4FB2-856A-1CB50998CA21}" type="presOf" srcId="{C127160D-40C8-477F-89C0-5A9036CB4E34}" destId="{3AA5D271-FD38-44E3-BA3C-E7B276598F8B}" srcOrd="0" destOrd="0" presId="urn:microsoft.com/office/officeart/2005/8/layout/vList2"/>
-    <dgm:cxn modelId="{8BD992D6-F2A1-4C18-96F9-4C6A36392AA4}" srcId="{6EEF4B9E-9EE9-4E93-936C-382F3D32E36B}" destId="{F73BF26A-D5A5-4FE6-80A7-CF096A3130E2}" srcOrd="2" destOrd="0" parTransId="{2FD4C98A-2108-43AB-AD46-BA12E7541E4F}" sibTransId="{3B7380D3-928D-45A4-A61E-F85E034AC7FF}"/>
-    <dgm:cxn modelId="{4ADF9A20-62B1-47E2-A993-ED40FDA82B40}" type="presOf" srcId="{1E3BF2E6-847B-4106-8AE9-D97866FC95BB}" destId="{AD18DDDF-DFA3-4154-A25E-71FCE66A0114}" srcOrd="0" destOrd="0" presId="urn:microsoft.com/office/officeart/2005/8/layout/vList2"/>
-    <dgm:cxn modelId="{0C46E0CE-2D42-484F-B9D7-7831086E90E3}" srcId="{C513935B-6CB5-437A-8734-979EF78B57F0}" destId="{5A801206-6EE2-4F17-BA93-1B27CB443D2D}" srcOrd="0" destOrd="0" parTransId="{D6822F1D-5296-48A8-834A-C3A125C6CCF0}" sibTransId="{F1F5CCD7-B1E2-4FB1-B5AD-AF5A0B979446}"/>
-    <dgm:cxn modelId="{C793888F-B7FA-46EF-A331-24807B3A573B}" srcId="{4A3F727A-CB4B-4520-B2A1-A7B3704A1EB6}" destId="{1E3BF2E6-847B-4106-8AE9-D97866FC95BB}" srcOrd="2" destOrd="0" parTransId="{1A8017CA-E949-497C-BE0B-9E807A02F73A}" sibTransId="{5DFBAD2D-3700-462E-B75E-6C1B9FF72486}"/>
-    <dgm:cxn modelId="{77693A76-B57A-492C-A450-43781D836AFB}" srcId="{6EEF4B9E-9EE9-4E93-936C-382F3D32E36B}" destId="{ECF4AB84-D522-4A91-87BB-68353F147B48}" srcOrd="1" destOrd="0" parTransId="{8C2A2CB9-F92C-4910-BB04-96C30D90931B}" sibTransId="{E4C2BDDA-DF7F-4CDC-BB73-F8B3318CCEAF}"/>
-    <dgm:cxn modelId="{5CFB5843-DEBA-4719-AEDD-8B3C490EA5FB}" srcId="{4A3F727A-CB4B-4520-B2A1-A7B3704A1EB6}" destId="{10AA7AAB-A650-4206-818F-9BC8B1A71645}" srcOrd="3" destOrd="0" parTransId="{01A97F24-81D3-4FA8-930A-8832AE6DACD2}" sibTransId="{E84C1B58-7911-4BDC-9237-E769615898F3}"/>
-    <dgm:cxn modelId="{377A2F23-3A72-4322-8173-25C41D3B34AA}" type="presOf" srcId="{D0CB32A1-A692-43F8-9E8E-9FE2F6FE82A2}" destId="{BCACB113-B4EF-490E-BCB5-FAFB6F3FD927}" srcOrd="0" destOrd="0" presId="urn:microsoft.com/office/officeart/2005/8/layout/vList2"/>
-    <dgm:cxn modelId="{F1D31A33-42C8-4A93-A693-80A5783E6CCE}" srcId="{C127160D-40C8-477F-89C0-5A9036CB4E34}" destId="{CAE34EAB-A2D3-4B3A-97A6-1CF8C7E65479}" srcOrd="0" destOrd="0" parTransId="{EA08A805-5AA6-4E93-9BF8-98AC8EB6FC6C}" sibTransId="{BDCBF1B3-9739-4D5E-9995-8066E9C3BAAA}"/>
-    <dgm:cxn modelId="{7DB9681D-9882-4F56-A97F-E9B880BCF1A7}" srcId="{10AA7AAB-A650-4206-818F-9BC8B1A71645}" destId="{A7C5E10B-3962-4337-A24A-3AB2A53DDBC3}" srcOrd="0" destOrd="0" parTransId="{912FBB4E-5801-41D2-A9A0-5435A880B83F}" sibTransId="{3DF2B0C0-C827-4178-B6F7-8970B27DF2D2}"/>
-    <dgm:cxn modelId="{6429C3F3-7A75-484D-BAAC-9692F6219420}" type="presOf" srcId="{C513935B-6CB5-437A-8734-979EF78B57F0}" destId="{3461AA4A-595B-4FA7-8D5B-F4CBB5C7AB7C}" srcOrd="0" destOrd="0" presId="urn:microsoft.com/office/officeart/2005/8/layout/vList2"/>
-    <dgm:cxn modelId="{6EFA4BC6-8077-4876-B180-43C1C9316249}" type="presOf" srcId="{5A801206-6EE2-4F17-BA93-1B27CB443D2D}" destId="{40D9C759-7C34-4316-97A3-888F8F90970F}" srcOrd="0" destOrd="0" presId="urn:microsoft.com/office/officeart/2005/8/layout/vList2"/>
-    <dgm:cxn modelId="{C4A4015D-8288-479B-A95E-EE97D7FC8CD0}" srcId="{4A3F727A-CB4B-4520-B2A1-A7B3704A1EB6}" destId="{C513935B-6CB5-437A-8734-979EF78B57F0}" srcOrd="0" destOrd="0" parTransId="{F77D151B-1CE4-4ADB-A3E6-5BBBBB74C8AD}" sibTransId="{443C99C2-49CE-41E0-B18A-67BC89E2389F}"/>
-    <dgm:cxn modelId="{9CE8FA81-BA80-41AE-AAA0-FA1AA209BC7E}" type="presOf" srcId="{A7C5E10B-3962-4337-A24A-3AB2A53DDBC3}" destId="{3A5423AF-ECA0-44F6-9530-45D1521DC22F}" srcOrd="0" destOrd="0" presId="urn:microsoft.com/office/officeart/2005/8/layout/vList2"/>
-    <dgm:cxn modelId="{F52D15E4-23D4-4DAE-8ABB-09AC18D987D7}" srcId="{49F12827-628A-42D8-BFBE-BAB5AF935B5E}" destId="{DFA46616-EC7C-4BC2-9E44-7D3B544355C0}" srcOrd="0" destOrd="0" parTransId="{EC677DF1-5D78-4B02-928A-9D8EA274622C}" sibTransId="{95CBE018-50A4-425A-B081-1F2C6C35854F}"/>
     <dgm:cxn modelId="{469017DF-B803-41DD-9955-A9DE1E70DD4A}" type="presParOf" srcId="{02A8E02E-CE47-44CB-B096-1F884AC41F0B}" destId="{3461AA4A-595B-4FA7-8D5B-F4CBB5C7AB7C}" srcOrd="0" destOrd="0" presId="urn:microsoft.com/office/officeart/2005/8/layout/vList2"/>
     <dgm:cxn modelId="{B1693E54-723E-48B6-828F-764A40F3D479}" type="presParOf" srcId="{02A8E02E-CE47-44CB-B096-1F884AC41F0B}" destId="{40D9C759-7C34-4316-97A3-888F8F90970F}" srcOrd="1" destOrd="0" presId="urn:microsoft.com/office/officeart/2005/8/layout/vList2"/>
     <dgm:cxn modelId="{093F5045-C0CC-48C9-97DC-26BC874C0D54}" type="presParOf" srcId="{02A8E02E-CE47-44CB-B096-1F884AC41F0B}" destId="{B62203EA-9CA9-4DCB-BD94-22DB43F1F9DF}" srcOrd="2" destOrd="0" presId="urn:microsoft.com/office/officeart/2005/8/layout/vList2"/>
@@ -6465,7 +6517,7 @@
   <dgm:whole/>
   <dgm:extLst>
     <a:ext uri="http://schemas.microsoft.com/office/drawing/2008/diagram">
-      <dsp:dataModelExt xmlns:dsp="http://schemas.microsoft.com/office/drawing/2008/diagram" relId="rId6" minVer="http://schemas.openxmlformats.org/drawingml/2006/diagram"/>
+      <dsp:dataModelExt xmlns:dsp="http://schemas.microsoft.com/office/drawing/2008/diagram" xmlns="" relId="rId6" minVer="http://schemas.openxmlformats.org/drawingml/2006/diagram"/>
     </a:ext>
   </dgm:extLst>
 </dgm:dataModel>
@@ -6963,23 +7015,23 @@
     </dgm:pt>
   </dgm:ptLst>
   <dgm:cxnLst>
-    <dgm:cxn modelId="{40D41202-78B2-46E8-940A-7A37A95EB61F}" type="presOf" srcId="{7B825991-3AB0-418E-AA4D-BCB3D81AF23B}" destId="{131A7ED7-3280-4AE2-8862-ED87382174A6}" srcOrd="0" destOrd="0" presId="urn:microsoft.com/office/officeart/2005/8/layout/vList2"/>
+    <dgm:cxn modelId="{217458AA-A7D2-4547-B140-59BBD2247C00}" srcId="{D1F71463-E2C3-4548-A34D-38AE2A536C1E}" destId="{02D12979-6691-4C92-81F8-EE98B341ABF9}" srcOrd="0" destOrd="0" parTransId="{7328EAF9-658A-40C2-8C4D-F156E9337002}" sibTransId="{0FAC407E-5AC5-48D4-AFAD-1F11E706665C}"/>
+    <dgm:cxn modelId="{CBCCD366-4F3B-4EE1-A2B0-9285C30F3FBF}" type="presOf" srcId="{DE0D4904-91B5-4773-8880-C1D519BCB562}" destId="{04102B4A-4FE9-4B7F-A879-F3238133133D}" srcOrd="0" destOrd="0" presId="urn:microsoft.com/office/officeart/2005/8/layout/vList2"/>
     <dgm:cxn modelId="{C6A66EEF-0BAF-4554-8C42-47FF3473DDF6}" type="presOf" srcId="{B3D99B85-4740-411C-BC00-E78BCB5791F5}" destId="{E24ED862-6B7E-4981-91C8-CD955827A0FF}" srcOrd="0" destOrd="0" presId="urn:microsoft.com/office/officeart/2005/8/layout/vList2"/>
+    <dgm:cxn modelId="{1E2064C1-D7E9-4429-816C-D6E374403E21}" srcId="{02D12979-6691-4C92-81F8-EE98B341ABF9}" destId="{991FACE5-140F-48C9-AD7A-7C250C822C7F}" srcOrd="0" destOrd="0" parTransId="{DE2C19DF-45EA-4B60-9938-4CC10D884FD9}" sibTransId="{2A65C1D8-2385-4EDF-8275-37E06BF7627A}"/>
     <dgm:cxn modelId="{6336AE1A-3439-4919-AE80-A492241F7CE6}" srcId="{A46624DA-8995-4636-831A-8A23D514FF25}" destId="{B3D99B85-4740-411C-BC00-E78BCB5791F5}" srcOrd="0" destOrd="0" parTransId="{4A98FFC2-57DA-4CF4-8CFD-5B9913447AD1}" sibTransId="{D269B68E-C44C-43BD-A5A0-6ED92E196DD5}"/>
     <dgm:cxn modelId="{AAD8AE4E-07BB-405E-B597-8475761F6D94}" srcId="{D1F71463-E2C3-4548-A34D-38AE2A536C1E}" destId="{7B825991-3AB0-418E-AA4D-BCB3D81AF23B}" srcOrd="3" destOrd="0" parTransId="{D54DA21F-FED1-417B-A69A-78D94629889A}" sibTransId="{A8EE44E0-0E56-4E19-878A-F6D5C952421A}"/>
-    <dgm:cxn modelId="{1E2064C1-D7E9-4429-816C-D6E374403E21}" srcId="{02D12979-6691-4C92-81F8-EE98B341ABF9}" destId="{991FACE5-140F-48C9-AD7A-7C250C822C7F}" srcOrd="0" destOrd="0" parTransId="{DE2C19DF-45EA-4B60-9938-4CC10D884FD9}" sibTransId="{2A65C1D8-2385-4EDF-8275-37E06BF7627A}"/>
+    <dgm:cxn modelId="{8364BF38-F717-4DCF-A4CA-9D57C4C6D08B}" type="presOf" srcId="{D71B4D76-6D38-4F45-89A7-9A045BCB3683}" destId="{52A9EA06-9FEF-4DE7-9DC2-83B65D57FC03}" srcOrd="0" destOrd="0" presId="urn:microsoft.com/office/officeart/2005/8/layout/vList2"/>
+    <dgm:cxn modelId="{417B06E8-014C-460B-B86F-DA0D8DAF7F0B}" srcId="{DE0D4904-91B5-4773-8880-C1D519BCB562}" destId="{D71B4D76-6D38-4F45-89A7-9A045BCB3683}" srcOrd="0" destOrd="0" parTransId="{0036E7AD-5AFB-42C7-8AAE-AE8015B84361}" sibTransId="{059A65DC-F520-494E-961D-82A5C8402DA9}"/>
+    <dgm:cxn modelId="{BFD6578B-4F18-41F0-9888-2FFAD76FD0E9}" type="presOf" srcId="{725D7CFD-A05F-4198-B0EE-BD1F9F3E055A}" destId="{60AC448E-668E-41EF-BDEC-4520010FF2EA}" srcOrd="0" destOrd="0" presId="urn:microsoft.com/office/officeart/2005/8/layout/vList2"/>
+    <dgm:cxn modelId="{99A82EFE-C1D3-40C3-91FA-FE53B1B4D26E}" type="presOf" srcId="{A46624DA-8995-4636-831A-8A23D514FF25}" destId="{94364C8F-A32F-4E9B-A40A-85BE8E04CC65}" srcOrd="0" destOrd="0" presId="urn:microsoft.com/office/officeart/2005/8/layout/vList2"/>
+    <dgm:cxn modelId="{790B9526-925C-4ECB-86EF-5C680608D595}" srcId="{7B825991-3AB0-418E-AA4D-BCB3D81AF23B}" destId="{725D7CFD-A05F-4198-B0EE-BD1F9F3E055A}" srcOrd="0" destOrd="0" parTransId="{EBFE4770-C717-4588-B9AE-834DC2D3D52E}" sibTransId="{20606636-C437-4844-91FE-002EED317ED9}"/>
+    <dgm:cxn modelId="{8D1E9B44-1166-4CB4-AFCD-E9C9AAD82687}" srcId="{D1F71463-E2C3-4548-A34D-38AE2A536C1E}" destId="{A46624DA-8995-4636-831A-8A23D514FF25}" srcOrd="1" destOrd="0" parTransId="{F9802AB8-BE8E-4B90-9CE1-31E706ECC013}" sibTransId="{7D54C525-9E06-4F6C-BA80-BDDD05825B35}"/>
+    <dgm:cxn modelId="{40D41202-78B2-46E8-940A-7A37A95EB61F}" type="presOf" srcId="{7B825991-3AB0-418E-AA4D-BCB3D81AF23B}" destId="{131A7ED7-3280-4AE2-8862-ED87382174A6}" srcOrd="0" destOrd="0" presId="urn:microsoft.com/office/officeart/2005/8/layout/vList2"/>
+    <dgm:cxn modelId="{F290DEA4-6A49-4BA9-871E-4624E3079986}" type="presOf" srcId="{991FACE5-140F-48C9-AD7A-7C250C822C7F}" destId="{78380837-DCBE-4EF8-B563-0904675AB387}" srcOrd="0" destOrd="0" presId="urn:microsoft.com/office/officeart/2005/8/layout/vList2"/>
     <dgm:cxn modelId="{4BDF8925-A5BB-4A4F-8D7D-ACE441A75E78}" type="presOf" srcId="{D1F71463-E2C3-4548-A34D-38AE2A536C1E}" destId="{440815F6-5AB7-4803-9A36-DC8B1E13406E}" srcOrd="0" destOrd="0" presId="urn:microsoft.com/office/officeart/2005/8/layout/vList2"/>
-    <dgm:cxn modelId="{8364BF38-F717-4DCF-A4CA-9D57C4C6D08B}" type="presOf" srcId="{D71B4D76-6D38-4F45-89A7-9A045BCB3683}" destId="{52A9EA06-9FEF-4DE7-9DC2-83B65D57FC03}" srcOrd="0" destOrd="0" presId="urn:microsoft.com/office/officeart/2005/8/layout/vList2"/>
-    <dgm:cxn modelId="{790B9526-925C-4ECB-86EF-5C680608D595}" srcId="{7B825991-3AB0-418E-AA4D-BCB3D81AF23B}" destId="{725D7CFD-A05F-4198-B0EE-BD1F9F3E055A}" srcOrd="0" destOrd="0" parTransId="{EBFE4770-C717-4588-B9AE-834DC2D3D52E}" sibTransId="{20606636-C437-4844-91FE-002EED317ED9}"/>
-    <dgm:cxn modelId="{417B06E8-014C-460B-B86F-DA0D8DAF7F0B}" srcId="{DE0D4904-91B5-4773-8880-C1D519BCB562}" destId="{D71B4D76-6D38-4F45-89A7-9A045BCB3683}" srcOrd="0" destOrd="0" parTransId="{0036E7AD-5AFB-42C7-8AAE-AE8015B84361}" sibTransId="{059A65DC-F520-494E-961D-82A5C8402DA9}"/>
-    <dgm:cxn modelId="{217458AA-A7D2-4547-B140-59BBD2247C00}" srcId="{D1F71463-E2C3-4548-A34D-38AE2A536C1E}" destId="{02D12979-6691-4C92-81F8-EE98B341ABF9}" srcOrd="0" destOrd="0" parTransId="{7328EAF9-658A-40C2-8C4D-F156E9337002}" sibTransId="{0FAC407E-5AC5-48D4-AFAD-1F11E706665C}"/>
     <dgm:cxn modelId="{4609F504-149C-4C4C-8816-153ACA6BC5D4}" srcId="{D1F71463-E2C3-4548-A34D-38AE2A536C1E}" destId="{DE0D4904-91B5-4773-8880-C1D519BCB562}" srcOrd="2" destOrd="0" parTransId="{FE789DE8-66CA-414F-8337-C1E676F7F38D}" sibTransId="{29608850-9849-4B83-BBD4-C7E8FE27C4D5}"/>
-    <dgm:cxn modelId="{BFD6578B-4F18-41F0-9888-2FFAD76FD0E9}" type="presOf" srcId="{725D7CFD-A05F-4198-B0EE-BD1F9F3E055A}" destId="{60AC448E-668E-41EF-BDEC-4520010FF2EA}" srcOrd="0" destOrd="0" presId="urn:microsoft.com/office/officeart/2005/8/layout/vList2"/>
     <dgm:cxn modelId="{CD9D9B0F-A855-43A5-9DE7-6CA90144A0B1}" type="presOf" srcId="{02D12979-6691-4C92-81F8-EE98B341ABF9}" destId="{847F76D4-0478-42F7-BFC1-8139E61BFB61}" srcOrd="0" destOrd="0" presId="urn:microsoft.com/office/officeart/2005/8/layout/vList2"/>
-    <dgm:cxn modelId="{CBCCD366-4F3B-4EE1-A2B0-9285C30F3FBF}" type="presOf" srcId="{DE0D4904-91B5-4773-8880-C1D519BCB562}" destId="{04102B4A-4FE9-4B7F-A879-F3238133133D}" srcOrd="0" destOrd="0" presId="urn:microsoft.com/office/officeart/2005/8/layout/vList2"/>
-    <dgm:cxn modelId="{F290DEA4-6A49-4BA9-871E-4624E3079986}" type="presOf" srcId="{991FACE5-140F-48C9-AD7A-7C250C822C7F}" destId="{78380837-DCBE-4EF8-B563-0904675AB387}" srcOrd="0" destOrd="0" presId="urn:microsoft.com/office/officeart/2005/8/layout/vList2"/>
-    <dgm:cxn modelId="{99A82EFE-C1D3-40C3-91FA-FE53B1B4D26E}" type="presOf" srcId="{A46624DA-8995-4636-831A-8A23D514FF25}" destId="{94364C8F-A32F-4E9B-A40A-85BE8E04CC65}" srcOrd="0" destOrd="0" presId="urn:microsoft.com/office/officeart/2005/8/layout/vList2"/>
-    <dgm:cxn modelId="{8D1E9B44-1166-4CB4-AFCD-E9C9AAD82687}" srcId="{D1F71463-E2C3-4548-A34D-38AE2A536C1E}" destId="{A46624DA-8995-4636-831A-8A23D514FF25}" srcOrd="1" destOrd="0" parTransId="{F9802AB8-BE8E-4B90-9CE1-31E706ECC013}" sibTransId="{7D54C525-9E06-4F6C-BA80-BDDD05825B35}"/>
     <dgm:cxn modelId="{A3F857D2-1A63-4842-8D14-1908D484DB5E}" type="presParOf" srcId="{440815F6-5AB7-4803-9A36-DC8B1E13406E}" destId="{847F76D4-0478-42F7-BFC1-8139E61BFB61}" srcOrd="0" destOrd="0" presId="urn:microsoft.com/office/officeart/2005/8/layout/vList2"/>
     <dgm:cxn modelId="{2B7DBBAA-4134-47BC-85B2-95FAE4A2AD53}" type="presParOf" srcId="{440815F6-5AB7-4803-9A36-DC8B1E13406E}" destId="{78380837-DCBE-4EF8-B563-0904675AB387}" srcOrd="1" destOrd="0" presId="urn:microsoft.com/office/officeart/2005/8/layout/vList2"/>
     <dgm:cxn modelId="{653C760E-8A6D-4946-9537-6E0A08AB488A}" type="presParOf" srcId="{440815F6-5AB7-4803-9A36-DC8B1E13406E}" destId="{94364C8F-A32F-4E9B-A40A-85BE8E04CC65}" srcOrd="2" destOrd="0" presId="urn:microsoft.com/office/officeart/2005/8/layout/vList2"/>
@@ -6993,7 +7045,7 @@
   <dgm:whole/>
   <dgm:extLst>
     <a:ext uri="http://schemas.microsoft.com/office/drawing/2008/diagram">
-      <dsp:dataModelExt xmlns:dsp="http://schemas.microsoft.com/office/drawing/2008/diagram" relId="rId6" minVer="http://schemas.openxmlformats.org/drawingml/2006/diagram"/>
+      <dsp:dataModelExt xmlns:dsp="http://schemas.microsoft.com/office/drawing/2008/diagram" xmlns="" relId="rId6" minVer="http://schemas.openxmlformats.org/drawingml/2006/diagram"/>
     </a:ext>
   </dgm:extLst>
 </dgm:dataModel>
@@ -8121,41 +8173,41 @@
     </dgm:pt>
   </dgm:ptLst>
   <dgm:cxnLst>
+    <dgm:cxn modelId="{F780BD62-09F5-40F3-BFB7-5DC3CFAB41BC}" srcId="{EC4D4050-3272-4C44-ACAC-B9169C069404}" destId="{F725314F-0C2C-488D-98F4-00A3BF947963}" srcOrd="4" destOrd="0" parTransId="{DC169CC3-7D5C-4F17-BAB4-E71598E44124}" sibTransId="{B2564F53-17CA-407B-987D-467B58DA745C}"/>
+    <dgm:cxn modelId="{6AA073CB-344F-4C2D-86AC-543262483FF5}" type="presOf" srcId="{C1A529C7-CF65-4E0B-B5B6-7332A06FEFD2}" destId="{00CA5B7A-E9B6-4E1F-88AE-2F4BCAEE2BEE}" srcOrd="0" destOrd="0" presId="urn:microsoft.com/office/officeart/2005/8/layout/vList5"/>
+    <dgm:cxn modelId="{791E1EA1-A77B-4924-9414-2D4262673D62}" srcId="{EC4D4050-3272-4C44-ACAC-B9169C069404}" destId="{2E1B8F2D-76BA-4D44-AB17-B28A2F2701D8}" srcOrd="1" destOrd="0" parTransId="{0C18A0A8-0800-4BDA-92AB-A9C1A2EEFCCA}" sibTransId="{5B939842-1244-4CAC-B2BE-32F3CA262929}"/>
+    <dgm:cxn modelId="{C2FFA636-A67D-47DC-AAE8-600C5BCC8C81}" type="presOf" srcId="{C4B580C5-21ED-4752-BD28-3FEA30835B11}" destId="{00CA5B7A-E9B6-4E1F-88AE-2F4BCAEE2BEE}" srcOrd="0" destOrd="1" presId="urn:microsoft.com/office/officeart/2005/8/layout/vList5"/>
+    <dgm:cxn modelId="{AEA69A85-5327-45B6-9BB9-C7B30E81E05A}" srcId="{F725314F-0C2C-488D-98F4-00A3BF947963}" destId="{601816FA-AC67-4D7F-99D5-C140DAE8C959}" srcOrd="0" destOrd="0" parTransId="{A4BA5497-7A08-4DDB-B872-0FBD8A6C8973}" sibTransId="{6040E499-C4E7-43CE-82EB-12955CE64216}"/>
+    <dgm:cxn modelId="{0BF566ED-0497-4CD8-AFE6-185E1263EFF8}" type="presOf" srcId="{F8F1AC93-0998-4579-8DFF-356BEDC5D398}" destId="{F9165486-FF39-4423-9C29-129BA43F4654}" srcOrd="0" destOrd="2" presId="urn:microsoft.com/office/officeart/2005/8/layout/vList5"/>
+    <dgm:cxn modelId="{A2FEB6C6-A903-4FEB-9DDB-3D4EE53BADBA}" srcId="{ED87D1A3-FF2D-483F-B8E1-29B2A964EFC3}" destId="{9794F353-7992-4040-B3A8-7FDB7F7F260B}" srcOrd="0" destOrd="0" parTransId="{D87F7843-E41B-431E-87B0-A4A8E26D3A3D}" sibTransId="{FF2D297D-362B-4EE5-ACE9-6087D76CD41B}"/>
+    <dgm:cxn modelId="{845A78B6-E2E2-4FF8-B1B2-6354924CA71E}" srcId="{2E1B8F2D-76BA-4D44-AB17-B28A2F2701D8}" destId="{C4B580C5-21ED-4752-BD28-3FEA30835B11}" srcOrd="1" destOrd="0" parTransId="{5FC4AB37-16B6-4D24-8C6A-0C46B59B2B50}" sibTransId="{632DD4A9-FDE4-486F-B480-352170B4CAD4}"/>
     <dgm:cxn modelId="{5F1F76DD-AD8E-4F53-B0A3-85681E3D6551}" srcId="{EC4D4050-3272-4C44-ACAC-B9169C069404}" destId="{716D5D5F-CE10-4B1A-8644-5774373069AA}" srcOrd="3" destOrd="0" parTransId="{CBBC06FC-3F40-496B-908A-EA6842B53A9B}" sibTransId="{0FD8B018-7A4F-484E-A74F-2F7287D5E9BB}"/>
-    <dgm:cxn modelId="{845A78B6-E2E2-4FF8-B1B2-6354924CA71E}" srcId="{2E1B8F2D-76BA-4D44-AB17-B28A2F2701D8}" destId="{C4B580C5-21ED-4752-BD28-3FEA30835B11}" srcOrd="1" destOrd="0" parTransId="{5FC4AB37-16B6-4D24-8C6A-0C46B59B2B50}" sibTransId="{632DD4A9-FDE4-486F-B480-352170B4CAD4}"/>
+    <dgm:cxn modelId="{E9457B98-CAC7-45B3-BD62-CAE6BC8F569C}" srcId="{175837BB-6AFE-4043-8DEE-7E4FA72689B4}" destId="{507E9B45-9707-49EF-95C8-EFAEC815AA20}" srcOrd="1" destOrd="0" parTransId="{A0FA32D2-A396-42D1-87AE-3ABE067758B5}" sibTransId="{BD9E2C88-2AAF-4CF4-9BD2-42248E0016FB}"/>
+    <dgm:cxn modelId="{F94D9C9E-5F38-4CE7-AA2F-66FFFD9B31CD}" type="presOf" srcId="{3EE6C4F2-4F3F-42A7-9593-7B9CBE58478E}" destId="{E327BABE-5698-4713-9AB7-E15203D95019}" srcOrd="0" destOrd="0" presId="urn:microsoft.com/office/officeart/2005/8/layout/vList5"/>
+    <dgm:cxn modelId="{24B0F5A3-C24F-4F9E-B50D-509841CD2E2F}" type="presOf" srcId="{70B139D8-76E3-4829-A061-AE9DA4CA8E61}" destId="{AFCE5C51-BFBB-4AFE-830C-74079CB0C626}" srcOrd="0" destOrd="0" presId="urn:microsoft.com/office/officeart/2005/8/layout/vList5"/>
+    <dgm:cxn modelId="{2A2A9C6E-C900-49D0-B937-46455D405AA9}" srcId="{EC4D4050-3272-4C44-ACAC-B9169C069404}" destId="{ED87D1A3-FF2D-483F-B8E1-29B2A964EFC3}" srcOrd="0" destOrd="0" parTransId="{94CDA8F1-C108-4EF1-B4C3-DCCE3E0FA4A1}" sibTransId="{F3DA5352-1AFD-40F5-9629-A3635F9F56EE}"/>
+    <dgm:cxn modelId="{5C4E5F6B-1843-4C16-B8EF-B5E0833E1748}" srcId="{EC4D4050-3272-4C44-ACAC-B9169C069404}" destId="{70B139D8-76E3-4829-A061-AE9DA4CA8E61}" srcOrd="2" destOrd="0" parTransId="{54CB2CB4-FEB7-444B-AE28-13844C324582}" sibTransId="{EF38F369-83B7-44D2-914A-F2BF27BC0BF8}"/>
+    <dgm:cxn modelId="{755A310F-3D43-40B2-8CD8-0DBBAB84E804}" srcId="{716D5D5F-CE10-4B1A-8644-5774373069AA}" destId="{3EE6C4F2-4F3F-42A7-9593-7B9CBE58478E}" srcOrd="0" destOrd="0" parTransId="{59E8910C-2F5E-42F5-ABE4-C910E1C292F1}" sibTransId="{4EAEFACD-C5BE-4E68-9CB5-49E049F1849C}"/>
+    <dgm:cxn modelId="{713800DE-A1B3-458B-9DEB-A5E1CA7DD4A2}" type="presOf" srcId="{639F4800-F426-46D6-A759-E0768CCD1271}" destId="{F9165486-FF39-4423-9C29-129BA43F4654}" srcOrd="0" destOrd="0" presId="urn:microsoft.com/office/officeart/2005/8/layout/vList5"/>
+    <dgm:cxn modelId="{736DD9DA-6AA5-4BE7-B854-615D66A98AF2}" srcId="{70B139D8-76E3-4829-A061-AE9DA4CA8E61}" destId="{F9105FDE-30A3-4BE8-A29C-CF5FAD10BFBF}" srcOrd="0" destOrd="0" parTransId="{8917D34B-BBFC-4ADC-91C0-F5B8299F938E}" sibTransId="{956F1574-9F9A-4965-ABBC-A43137D4B334}"/>
+    <dgm:cxn modelId="{3C43DA2D-FC70-4914-9535-560CC9B14E2C}" type="presOf" srcId="{2E1B8F2D-76BA-4D44-AB17-B28A2F2701D8}" destId="{52B6B811-7952-42DA-9BA2-D540319F008C}" srcOrd="0" destOrd="0" presId="urn:microsoft.com/office/officeart/2005/8/layout/vList5"/>
+    <dgm:cxn modelId="{F38CA038-15E2-4A55-9C9D-75400DD76A76}" type="presOf" srcId="{507E9B45-9707-49EF-95C8-EFAEC815AA20}" destId="{F9165486-FF39-4423-9C29-129BA43F4654}" srcOrd="0" destOrd="1" presId="urn:microsoft.com/office/officeart/2005/8/layout/vList5"/>
+    <dgm:cxn modelId="{0F0BFB3A-D74F-41EC-95CD-965310087EBB}" type="presOf" srcId="{EC4D4050-3272-4C44-ACAC-B9169C069404}" destId="{E885997B-53E8-4B3F-817D-97444612EE5B}" srcOrd="0" destOrd="0" presId="urn:microsoft.com/office/officeart/2005/8/layout/vList5"/>
     <dgm:cxn modelId="{C38749AB-0531-4FFE-8017-7B9B31A6D872}" srcId="{175837BB-6AFE-4043-8DEE-7E4FA72689B4}" destId="{F8F1AC93-0998-4579-8DFF-356BEDC5D398}" srcOrd="2" destOrd="0" parTransId="{DBF9B1DE-1021-4400-A2BD-AEE21DDB6F8E}" sibTransId="{FA5C723C-82C5-4F3C-A109-20B9783DB78F}"/>
-    <dgm:cxn modelId="{0BF566ED-0497-4CD8-AFE6-185E1263EFF8}" type="presOf" srcId="{F8F1AC93-0998-4579-8DFF-356BEDC5D398}" destId="{F9165486-FF39-4423-9C29-129BA43F4654}" srcOrd="0" destOrd="2" presId="urn:microsoft.com/office/officeart/2005/8/layout/vList5"/>
+    <dgm:cxn modelId="{DE769130-3C76-42D1-8B36-C7D10C8E095B}" srcId="{2E1B8F2D-76BA-4D44-AB17-B28A2F2701D8}" destId="{C1A529C7-CF65-4E0B-B5B6-7332A06FEFD2}" srcOrd="0" destOrd="0" parTransId="{1275A983-8C38-4D84-A6EE-A04E7D818A6B}" sibTransId="{CB39386F-F750-40FB-A9C2-D164BB9C0C5B}"/>
+    <dgm:cxn modelId="{FA0334CD-0551-4038-B2C2-CD0433FBDAE3}" type="presOf" srcId="{9794F353-7992-4040-B3A8-7FDB7F7F260B}" destId="{2EC9A3D7-BE3A-45B6-9CAB-13231F68D98C}" srcOrd="0" destOrd="0" presId="urn:microsoft.com/office/officeart/2005/8/layout/vList5"/>
+    <dgm:cxn modelId="{FDD76444-F511-431F-9883-B0BD7E1CAA4B}" type="presOf" srcId="{716D5D5F-CE10-4B1A-8644-5774373069AA}" destId="{A468E0C8-3E4F-4106-ADF5-DFDF2616FB58}" srcOrd="0" destOrd="0" presId="urn:microsoft.com/office/officeart/2005/8/layout/vList5"/>
+    <dgm:cxn modelId="{A387C2F1-EFBE-4233-8635-47BDC9786D11}" srcId="{ED87D1A3-FF2D-483F-B8E1-29B2A964EFC3}" destId="{6B50C81D-3F47-447E-B160-CB073BDEB9D4}" srcOrd="1" destOrd="0" parTransId="{DFCDAB05-42C3-470C-BFBB-74388FEAD005}" sibTransId="{1ED6A928-707A-49A8-A642-E0430E862DEF}"/>
+    <dgm:cxn modelId="{D89B9C72-1F7D-4D83-9A47-94049F167609}" type="presOf" srcId="{175837BB-6AFE-4043-8DEE-7E4FA72689B4}" destId="{DCC34C6A-92C8-483A-B62C-58FDCAAB2889}" srcOrd="0" destOrd="0" presId="urn:microsoft.com/office/officeart/2005/8/layout/vList5"/>
+    <dgm:cxn modelId="{C08BB41F-56D9-45CF-B141-2157E81A0C91}" type="presOf" srcId="{6B50C81D-3F47-447E-B160-CB073BDEB9D4}" destId="{2EC9A3D7-BE3A-45B6-9CAB-13231F68D98C}" srcOrd="0" destOrd="1" presId="urn:microsoft.com/office/officeart/2005/8/layout/vList5"/>
+    <dgm:cxn modelId="{6BA7C1A6-5397-4096-9DB6-16C1346E0761}" type="presOf" srcId="{9DA1FFA5-9816-4141-B012-B9A96E7FC549}" destId="{2EC9A3D7-BE3A-45B6-9CAB-13231F68D98C}" srcOrd="0" destOrd="2" presId="urn:microsoft.com/office/officeart/2005/8/layout/vList5"/>
+    <dgm:cxn modelId="{56533584-8B8F-4C45-84E6-C2725975CD50}" srcId="{EC4D4050-3272-4C44-ACAC-B9169C069404}" destId="{175837BB-6AFE-4043-8DEE-7E4FA72689B4}" srcOrd="5" destOrd="0" parTransId="{A3CAE195-18E0-4333-8256-C24E968C9E48}" sibTransId="{864928FE-2848-48E2-B8E7-31432512C7DE}"/>
+    <dgm:cxn modelId="{AA6A88C5-589F-4A84-8194-DF263EAB868D}" type="presOf" srcId="{F725314F-0C2C-488D-98F4-00A3BF947963}" destId="{3A08988E-B1B6-4341-A1DE-CB79C1CC38F9}" srcOrd="0" destOrd="0" presId="urn:microsoft.com/office/officeart/2005/8/layout/vList5"/>
     <dgm:cxn modelId="{D6DF4B9F-0D97-4B01-8220-F5B354D9F888}" srcId="{175837BB-6AFE-4043-8DEE-7E4FA72689B4}" destId="{639F4800-F426-46D6-A759-E0768CCD1271}" srcOrd="0" destOrd="0" parTransId="{66BFFABF-E3DB-4654-AA1F-5A17ECF929F1}" sibTransId="{FE8768F6-1C71-48DA-A2C6-DB709FF51B6B}"/>
+    <dgm:cxn modelId="{B0BF5F54-0B17-40F4-A09F-B7096664E9E6}" type="presOf" srcId="{F9105FDE-30A3-4BE8-A29C-CF5FAD10BFBF}" destId="{853ED3EB-CEB3-40F1-A6E1-E21DD3984648}" srcOrd="0" destOrd="0" presId="urn:microsoft.com/office/officeart/2005/8/layout/vList5"/>
+    <dgm:cxn modelId="{4546A432-BFAA-4B10-AB69-4007F79CD179}" srcId="{ED87D1A3-FF2D-483F-B8E1-29B2A964EFC3}" destId="{9DA1FFA5-9816-4141-B012-B9A96E7FC549}" srcOrd="2" destOrd="0" parTransId="{1BA780BE-0175-4492-935D-A363BE8CCEF2}" sibTransId="{C59919A9-7A14-4D7E-A88A-E809B7BB5F2E}"/>
+    <dgm:cxn modelId="{301FE68B-C8AF-4DB9-A602-F5136D9E390C}" type="presOf" srcId="{601816FA-AC67-4D7F-99D5-C140DAE8C959}" destId="{D8581B53-391F-4F4E-89D7-11E63ED5F679}" srcOrd="0" destOrd="0" presId="urn:microsoft.com/office/officeart/2005/8/layout/vList5"/>
     <dgm:cxn modelId="{6DA0CEDD-80A3-403A-90E2-0297FCA092FE}" type="presOf" srcId="{ED87D1A3-FF2D-483F-B8E1-29B2A964EFC3}" destId="{A54634F6-3F1E-42BE-BAAC-F27D7325D13F}" srcOrd="0" destOrd="0" presId="urn:microsoft.com/office/officeart/2005/8/layout/vList5"/>
-    <dgm:cxn modelId="{301FE68B-C8AF-4DB9-A602-F5136D9E390C}" type="presOf" srcId="{601816FA-AC67-4D7F-99D5-C140DAE8C959}" destId="{D8581B53-391F-4F4E-89D7-11E63ED5F679}" srcOrd="0" destOrd="0" presId="urn:microsoft.com/office/officeart/2005/8/layout/vList5"/>
-    <dgm:cxn modelId="{F94D9C9E-5F38-4CE7-AA2F-66FFFD9B31CD}" type="presOf" srcId="{3EE6C4F2-4F3F-42A7-9593-7B9CBE58478E}" destId="{E327BABE-5698-4713-9AB7-E15203D95019}" srcOrd="0" destOrd="0" presId="urn:microsoft.com/office/officeart/2005/8/layout/vList5"/>
-    <dgm:cxn modelId="{A2FEB6C6-A903-4FEB-9DDB-3D4EE53BADBA}" srcId="{ED87D1A3-FF2D-483F-B8E1-29B2A964EFC3}" destId="{9794F353-7992-4040-B3A8-7FDB7F7F260B}" srcOrd="0" destOrd="0" parTransId="{D87F7843-E41B-431E-87B0-A4A8E26D3A3D}" sibTransId="{FF2D297D-362B-4EE5-ACE9-6087D76CD41B}"/>
-    <dgm:cxn modelId="{5C4E5F6B-1843-4C16-B8EF-B5E0833E1748}" srcId="{EC4D4050-3272-4C44-ACAC-B9169C069404}" destId="{70B139D8-76E3-4829-A061-AE9DA4CA8E61}" srcOrd="2" destOrd="0" parTransId="{54CB2CB4-FEB7-444B-AE28-13844C324582}" sibTransId="{EF38F369-83B7-44D2-914A-F2BF27BC0BF8}"/>
-    <dgm:cxn modelId="{DE769130-3C76-42D1-8B36-C7D10C8E095B}" srcId="{2E1B8F2D-76BA-4D44-AB17-B28A2F2701D8}" destId="{C1A529C7-CF65-4E0B-B5B6-7332A06FEFD2}" srcOrd="0" destOrd="0" parTransId="{1275A983-8C38-4D84-A6EE-A04E7D818A6B}" sibTransId="{CB39386F-F750-40FB-A9C2-D164BB9C0C5B}"/>
-    <dgm:cxn modelId="{2A2A9C6E-C900-49D0-B937-46455D405AA9}" srcId="{EC4D4050-3272-4C44-ACAC-B9169C069404}" destId="{ED87D1A3-FF2D-483F-B8E1-29B2A964EFC3}" srcOrd="0" destOrd="0" parTransId="{94CDA8F1-C108-4EF1-B4C3-DCCE3E0FA4A1}" sibTransId="{F3DA5352-1AFD-40F5-9629-A3635F9F56EE}"/>
-    <dgm:cxn modelId="{AEA69A85-5327-45B6-9BB9-C7B30E81E05A}" srcId="{F725314F-0C2C-488D-98F4-00A3BF947963}" destId="{601816FA-AC67-4D7F-99D5-C140DAE8C959}" srcOrd="0" destOrd="0" parTransId="{A4BA5497-7A08-4DDB-B872-0FBD8A6C8973}" sibTransId="{6040E499-C4E7-43CE-82EB-12955CE64216}"/>
-    <dgm:cxn modelId="{AA6A88C5-589F-4A84-8194-DF263EAB868D}" type="presOf" srcId="{F725314F-0C2C-488D-98F4-00A3BF947963}" destId="{3A08988E-B1B6-4341-A1DE-CB79C1CC38F9}" srcOrd="0" destOrd="0" presId="urn:microsoft.com/office/officeart/2005/8/layout/vList5"/>
-    <dgm:cxn modelId="{56533584-8B8F-4C45-84E6-C2725975CD50}" srcId="{EC4D4050-3272-4C44-ACAC-B9169C069404}" destId="{175837BB-6AFE-4043-8DEE-7E4FA72689B4}" srcOrd="5" destOrd="0" parTransId="{A3CAE195-18E0-4333-8256-C24E968C9E48}" sibTransId="{864928FE-2848-48E2-B8E7-31432512C7DE}"/>
-    <dgm:cxn modelId="{C2FFA636-A67D-47DC-AAE8-600C5BCC8C81}" type="presOf" srcId="{C4B580C5-21ED-4752-BD28-3FEA30835B11}" destId="{00CA5B7A-E9B6-4E1F-88AE-2F4BCAEE2BEE}" srcOrd="0" destOrd="1" presId="urn:microsoft.com/office/officeart/2005/8/layout/vList5"/>
-    <dgm:cxn modelId="{755A310F-3D43-40B2-8CD8-0DBBAB84E804}" srcId="{716D5D5F-CE10-4B1A-8644-5774373069AA}" destId="{3EE6C4F2-4F3F-42A7-9593-7B9CBE58478E}" srcOrd="0" destOrd="0" parTransId="{59E8910C-2F5E-42F5-ABE4-C910E1C292F1}" sibTransId="{4EAEFACD-C5BE-4E68-9CB5-49E049F1849C}"/>
-    <dgm:cxn modelId="{FA0334CD-0551-4038-B2C2-CD0433FBDAE3}" type="presOf" srcId="{9794F353-7992-4040-B3A8-7FDB7F7F260B}" destId="{2EC9A3D7-BE3A-45B6-9CAB-13231F68D98C}" srcOrd="0" destOrd="0" presId="urn:microsoft.com/office/officeart/2005/8/layout/vList5"/>
-    <dgm:cxn modelId="{B0BF5F54-0B17-40F4-A09F-B7096664E9E6}" type="presOf" srcId="{F9105FDE-30A3-4BE8-A29C-CF5FAD10BFBF}" destId="{853ED3EB-CEB3-40F1-A6E1-E21DD3984648}" srcOrd="0" destOrd="0" presId="urn:microsoft.com/office/officeart/2005/8/layout/vList5"/>
-    <dgm:cxn modelId="{E9457B98-CAC7-45B3-BD62-CAE6BC8F569C}" srcId="{175837BB-6AFE-4043-8DEE-7E4FA72689B4}" destId="{507E9B45-9707-49EF-95C8-EFAEC815AA20}" srcOrd="1" destOrd="0" parTransId="{A0FA32D2-A396-42D1-87AE-3ABE067758B5}" sibTransId="{BD9E2C88-2AAF-4CF4-9BD2-42248E0016FB}"/>
-    <dgm:cxn modelId="{3C43DA2D-FC70-4914-9535-560CC9B14E2C}" type="presOf" srcId="{2E1B8F2D-76BA-4D44-AB17-B28A2F2701D8}" destId="{52B6B811-7952-42DA-9BA2-D540319F008C}" srcOrd="0" destOrd="0" presId="urn:microsoft.com/office/officeart/2005/8/layout/vList5"/>
-    <dgm:cxn modelId="{FDD76444-F511-431F-9883-B0BD7E1CAA4B}" type="presOf" srcId="{716D5D5F-CE10-4B1A-8644-5774373069AA}" destId="{A468E0C8-3E4F-4106-ADF5-DFDF2616FB58}" srcOrd="0" destOrd="0" presId="urn:microsoft.com/office/officeart/2005/8/layout/vList5"/>
-    <dgm:cxn modelId="{6AA073CB-344F-4C2D-86AC-543262483FF5}" type="presOf" srcId="{C1A529C7-CF65-4E0B-B5B6-7332A06FEFD2}" destId="{00CA5B7A-E9B6-4E1F-88AE-2F4BCAEE2BEE}" srcOrd="0" destOrd="0" presId="urn:microsoft.com/office/officeart/2005/8/layout/vList5"/>
-    <dgm:cxn modelId="{736DD9DA-6AA5-4BE7-B854-615D66A98AF2}" srcId="{70B139D8-76E3-4829-A061-AE9DA4CA8E61}" destId="{F9105FDE-30A3-4BE8-A29C-CF5FAD10BFBF}" srcOrd="0" destOrd="0" parTransId="{8917D34B-BBFC-4ADC-91C0-F5B8299F938E}" sibTransId="{956F1574-9F9A-4965-ABBC-A43137D4B334}"/>
-    <dgm:cxn modelId="{713800DE-A1B3-458B-9DEB-A5E1CA7DD4A2}" type="presOf" srcId="{639F4800-F426-46D6-A759-E0768CCD1271}" destId="{F9165486-FF39-4423-9C29-129BA43F4654}" srcOrd="0" destOrd="0" presId="urn:microsoft.com/office/officeart/2005/8/layout/vList5"/>
-    <dgm:cxn modelId="{6BA7C1A6-5397-4096-9DB6-16C1346E0761}" type="presOf" srcId="{9DA1FFA5-9816-4141-B012-B9A96E7FC549}" destId="{2EC9A3D7-BE3A-45B6-9CAB-13231F68D98C}" srcOrd="0" destOrd="2" presId="urn:microsoft.com/office/officeart/2005/8/layout/vList5"/>
-    <dgm:cxn modelId="{0F0BFB3A-D74F-41EC-95CD-965310087EBB}" type="presOf" srcId="{EC4D4050-3272-4C44-ACAC-B9169C069404}" destId="{E885997B-53E8-4B3F-817D-97444612EE5B}" srcOrd="0" destOrd="0" presId="urn:microsoft.com/office/officeart/2005/8/layout/vList5"/>
-    <dgm:cxn modelId="{4546A432-BFAA-4B10-AB69-4007F79CD179}" srcId="{ED87D1A3-FF2D-483F-B8E1-29B2A964EFC3}" destId="{9DA1FFA5-9816-4141-B012-B9A96E7FC549}" srcOrd="2" destOrd="0" parTransId="{1BA780BE-0175-4492-935D-A363BE8CCEF2}" sibTransId="{C59919A9-7A14-4D7E-A88A-E809B7BB5F2E}"/>
-    <dgm:cxn modelId="{A387C2F1-EFBE-4233-8635-47BDC9786D11}" srcId="{ED87D1A3-FF2D-483F-B8E1-29B2A964EFC3}" destId="{6B50C81D-3F47-447E-B160-CB073BDEB9D4}" srcOrd="1" destOrd="0" parTransId="{DFCDAB05-42C3-470C-BFBB-74388FEAD005}" sibTransId="{1ED6A928-707A-49A8-A642-E0430E862DEF}"/>
-    <dgm:cxn modelId="{C08BB41F-56D9-45CF-B141-2157E81A0C91}" type="presOf" srcId="{6B50C81D-3F47-447E-B160-CB073BDEB9D4}" destId="{2EC9A3D7-BE3A-45B6-9CAB-13231F68D98C}" srcOrd="0" destOrd="1" presId="urn:microsoft.com/office/officeart/2005/8/layout/vList5"/>
-    <dgm:cxn modelId="{F780BD62-09F5-40F3-BFB7-5DC3CFAB41BC}" srcId="{EC4D4050-3272-4C44-ACAC-B9169C069404}" destId="{F725314F-0C2C-488D-98F4-00A3BF947963}" srcOrd="4" destOrd="0" parTransId="{DC169CC3-7D5C-4F17-BAB4-E71598E44124}" sibTransId="{B2564F53-17CA-407B-987D-467B58DA745C}"/>
-    <dgm:cxn modelId="{24B0F5A3-C24F-4F9E-B50D-509841CD2E2F}" type="presOf" srcId="{70B139D8-76E3-4829-A061-AE9DA4CA8E61}" destId="{AFCE5C51-BFBB-4AFE-830C-74079CB0C626}" srcOrd="0" destOrd="0" presId="urn:microsoft.com/office/officeart/2005/8/layout/vList5"/>
-    <dgm:cxn modelId="{F38CA038-15E2-4A55-9C9D-75400DD76A76}" type="presOf" srcId="{507E9B45-9707-49EF-95C8-EFAEC815AA20}" destId="{F9165486-FF39-4423-9C29-129BA43F4654}" srcOrd="0" destOrd="1" presId="urn:microsoft.com/office/officeart/2005/8/layout/vList5"/>
-    <dgm:cxn modelId="{791E1EA1-A77B-4924-9414-2D4262673D62}" srcId="{EC4D4050-3272-4C44-ACAC-B9169C069404}" destId="{2E1B8F2D-76BA-4D44-AB17-B28A2F2701D8}" srcOrd="1" destOrd="0" parTransId="{0C18A0A8-0800-4BDA-92AB-A9C1A2EEFCCA}" sibTransId="{5B939842-1244-4CAC-B2BE-32F3CA262929}"/>
-    <dgm:cxn modelId="{D89B9C72-1F7D-4D83-9A47-94049F167609}" type="presOf" srcId="{175837BB-6AFE-4043-8DEE-7E4FA72689B4}" destId="{DCC34C6A-92C8-483A-B62C-58FDCAAB2889}" srcOrd="0" destOrd="0" presId="urn:microsoft.com/office/officeart/2005/8/layout/vList5"/>
     <dgm:cxn modelId="{3F42362B-15F8-4F25-8A3C-F2FEE3B8C9E9}" type="presParOf" srcId="{E885997B-53E8-4B3F-817D-97444612EE5B}" destId="{FBF8112D-1CF3-44D6-8B2E-E577AB081A46}" srcOrd="0" destOrd="0" presId="urn:microsoft.com/office/officeart/2005/8/layout/vList5"/>
     <dgm:cxn modelId="{A0A311C0-4099-494A-9A22-A1D32CCEE6C5}" type="presParOf" srcId="{FBF8112D-1CF3-44D6-8B2E-E577AB081A46}" destId="{A54634F6-3F1E-42BE-BAAC-F27D7325D13F}" srcOrd="0" destOrd="0" presId="urn:microsoft.com/office/officeart/2005/8/layout/vList5"/>
     <dgm:cxn modelId="{A84AB8CF-B37E-4B67-8163-B5CECEF5240E}" type="presParOf" srcId="{FBF8112D-1CF3-44D6-8B2E-E577AB081A46}" destId="{2EC9A3D7-BE3A-45B6-9CAB-13231F68D98C}" srcOrd="1" destOrd="0" presId="urn:microsoft.com/office/officeart/2005/8/layout/vList5"/>
@@ -8184,14 +8236,14 @@
   <dgm:whole/>
   <dgm:extLst>
     <a:ext uri="http://schemas.microsoft.com/office/drawing/2008/diagram">
-      <dsp:dataModelExt xmlns:dsp="http://schemas.microsoft.com/office/drawing/2008/diagram" relId="rId6" minVer="http://schemas.openxmlformats.org/drawingml/2006/diagram"/>
+      <dsp:dataModelExt xmlns:dsp="http://schemas.microsoft.com/office/drawing/2008/diagram" xmlns="" relId="rId6" minVer="http://schemas.openxmlformats.org/drawingml/2006/diagram"/>
     </a:ext>
   </dgm:extLst>
 </dgm:dataModel>
 </file>
 
 <file path=ppt/diagrams/drawing1.xml><?xml version="1.0" encoding="utf-8"?>
-<dsp:drawing xmlns:dgm="http://schemas.openxmlformats.org/drawingml/2006/diagram" xmlns:dsp="http://schemas.microsoft.com/office/drawing/2008/diagram" xmlns:a="http://schemas.openxmlformats.org/drawingml/2006/main">
+<dsp:drawing xmlns:dgm="http://schemas.openxmlformats.org/drawingml/2006/diagram" xmlns:a="http://schemas.openxmlformats.org/drawingml/2006/main" xmlns:dsp="http://schemas.microsoft.com/office/drawing/2008/diagram">
   <dsp:spTree>
     <dsp:nvGrpSpPr>
       <dsp:cNvPr id="0" name=""/>
@@ -8420,8 +8472,8 @@
         </a:p>
       </dsp:txBody>
       <dsp:txXfrm>
-        <a:off x="3591096" y="1932172"/>
-        <a:ext cx="1002139" cy="1002139"/>
+        <a:off x="3383546" y="1724622"/>
+        <a:ext cx="1417239" cy="1417239"/>
       </dsp:txXfrm>
     </dsp:sp>
     <dsp:sp modelId="{461F9C32-0970-47D1-ACDA-EC852A01FBF5}">
@@ -8497,8 +8549,8 @@
         </a:p>
       </dsp:txBody>
       <dsp:txXfrm>
-        <a:off x="2619557" y="884744"/>
-        <a:ext cx="1002139" cy="1002139"/>
+        <a:off x="2412007" y="677194"/>
+        <a:ext cx="1417239" cy="1417239"/>
       </dsp:txXfrm>
     </dsp:sp>
     <dsp:sp modelId="{0B479511-0485-41A9-8D6E-6612999C0428}">
@@ -8578,8 +8630,8 @@
         </a:p>
       </dsp:txBody>
       <dsp:txXfrm>
-        <a:off x="4025716" y="526271"/>
-        <a:ext cx="1002139" cy="1002139"/>
+        <a:off x="3818166" y="318721"/>
+        <a:ext cx="1417239" cy="1417239"/>
       </dsp:txXfrm>
     </dsp:sp>
     <dsp:sp modelId="{D3CD3D52-2E39-489D-BF0A-B4D60F746CF0}">
@@ -8635,3936 +8687,61 @@
 </file>
 
 <file path=ppt/diagrams/drawing2.xml><?xml version="1.0" encoding="utf-8"?>
-<dsp:drawing xmlns:dgm="http://schemas.openxmlformats.org/drawingml/2006/diagram" xmlns:dsp="http://schemas.microsoft.com/office/drawing/2008/diagram" xmlns:a="http://schemas.openxmlformats.org/drawingml/2006/main">
+<dsp:drawing xmlns:dgm="http://schemas.openxmlformats.org/drawingml/2006/diagram" xmlns:a="http://schemas.openxmlformats.org/drawingml/2006/main" xmlns:dsp="http://schemas.microsoft.com/office/drawing/2008/diagram">
   <dsp:spTree>
     <dsp:nvGrpSpPr>
       <dsp:cNvPr id="0" name=""/>
       <dsp:cNvGrpSpPr/>
     </dsp:nvGrpSpPr>
     <dsp:grpSpPr/>
-    <dsp:sp modelId="{953E3B99-C1ED-4B6D-A1E3-8AB80C7B4B0B}">
-      <dsp:nvSpPr>
-        <dsp:cNvPr id="0" name=""/>
-        <dsp:cNvSpPr/>
-      </dsp:nvSpPr>
-      <dsp:spPr>
-        <a:xfrm>
-          <a:off x="2349" y="1705552"/>
-          <a:ext cx="1162482" cy="1162482"/>
-        </a:xfrm>
-        <a:prstGeom prst="ellipse">
-          <a:avLst/>
-        </a:prstGeom>
-        <a:solidFill>
-          <a:schemeClr val="accent1">
-            <a:hueOff val="0"/>
-            <a:satOff val="0"/>
-            <a:lumOff val="0"/>
-            <a:alphaOff val="0"/>
-          </a:schemeClr>
-        </a:solidFill>
-        <a:ln>
-          <a:noFill/>
-        </a:ln>
-        <a:effectLst>
-          <a:outerShdw blurRad="40000" dist="23000" dir="5400000" rotWithShape="0">
-            <a:srgbClr val="000000">
-              <a:alpha val="35000"/>
-            </a:srgbClr>
-          </a:outerShdw>
-        </a:effectLst>
-        <a:scene3d>
-          <a:camera prst="orthographicFront">
-            <a:rot lat="0" lon="0" rev="0"/>
-          </a:camera>
-          <a:lightRig rig="contrasting" dir="t">
-            <a:rot lat="0" lon="0" rev="1200000"/>
-          </a:lightRig>
-        </a:scene3d>
-        <a:sp3d contourW="19050" prstMaterial="metal">
-          <a:bevelT w="88900" h="203200"/>
-          <a:bevelB w="165100" h="254000"/>
-        </a:sp3d>
-      </dsp:spPr>
-      <dsp:style>
-        <a:lnRef idx="0">
-          <a:scrgbClr r="0" g="0" b="0"/>
-        </a:lnRef>
-        <a:fillRef idx="1">
-          <a:scrgbClr r="0" g="0" b="0"/>
-        </a:fillRef>
-        <a:effectRef idx="2">
-          <a:scrgbClr r="0" g="0" b="0"/>
-        </a:effectRef>
-        <a:fontRef idx="minor">
-          <a:schemeClr val="lt1"/>
-        </a:fontRef>
-      </dsp:style>
-      <dsp:txBody>
-        <a:bodyPr spcFirstLastPara="0" vert="horz" wrap="square" lIns="17780" tIns="17780" rIns="17780" bIns="17780" numCol="1" spcCol="1270" anchor="ctr" anchorCtr="0">
-          <a:noAutofit/>
-        </a:bodyPr>
-        <a:lstStyle/>
-        <a:p>
-          <a:pPr lvl="0" algn="ctr" defTabSz="622300">
-            <a:lnSpc>
-              <a:spcPct val="90000"/>
-            </a:lnSpc>
-            <a:spcBef>
-              <a:spcPct val="0"/>
-            </a:spcBef>
-            <a:spcAft>
-              <a:spcPct val="35000"/>
-            </a:spcAft>
-          </a:pPr>
-          <a:r>
-            <a:rPr lang="es-AR" sz="1400" kern="1200" dirty="0" err="1" smtClean="0"/>
-            <a:t>Postgres</a:t>
-          </a:r>
-          <a:endParaRPr lang="es-AR" sz="1400" kern="1200" dirty="0"/>
-        </a:p>
-      </dsp:txBody>
-      <dsp:txXfrm>
-        <a:off x="172591" y="1875794"/>
-        <a:ext cx="821998" cy="821998"/>
-      </dsp:txXfrm>
-    </dsp:sp>
-    <dsp:sp modelId="{F5A507C8-E12D-4088-A9DD-BFE0897B89C2}">
-      <dsp:nvSpPr>
-        <dsp:cNvPr id="0" name=""/>
-        <dsp:cNvSpPr/>
-      </dsp:nvSpPr>
-      <dsp:spPr>
-        <a:xfrm>
-          <a:off x="1259225" y="2114198"/>
-          <a:ext cx="333081" cy="345190"/>
-        </a:xfrm>
-        <a:prstGeom prst="mathPlus">
-          <a:avLst/>
-        </a:prstGeom>
-        <a:solidFill>
-          <a:schemeClr val="accent1">
-            <a:tint val="60000"/>
-            <a:hueOff val="0"/>
-            <a:satOff val="0"/>
-            <a:lumOff val="0"/>
-            <a:alphaOff val="0"/>
-          </a:schemeClr>
-        </a:solidFill>
-        <a:ln>
-          <a:noFill/>
-        </a:ln>
-        <a:effectLst/>
-        <a:scene3d>
-          <a:camera prst="orthographicFront">
-            <a:rot lat="0" lon="0" rev="0"/>
-          </a:camera>
-          <a:lightRig rig="contrasting" dir="t">
-            <a:rot lat="0" lon="0" rev="1200000"/>
-          </a:lightRig>
-        </a:scene3d>
-        <a:sp3d z="-182000" contourW="19050" prstMaterial="metal">
-          <a:bevelT w="88900" h="203200"/>
-          <a:bevelB w="165100" h="254000"/>
-        </a:sp3d>
-      </dsp:spPr>
-      <dsp:style>
-        <a:lnRef idx="0">
-          <a:scrgbClr r="0" g="0" b="0"/>
-        </a:lnRef>
-        <a:fillRef idx="1">
-          <a:scrgbClr r="0" g="0" b="0"/>
-        </a:fillRef>
-        <a:effectRef idx="0">
-          <a:scrgbClr r="0" g="0" b="0"/>
-        </a:effectRef>
-        <a:fontRef idx="minor">
-          <a:schemeClr val="lt1"/>
-        </a:fontRef>
-      </dsp:style>
-      <dsp:txBody>
-        <a:bodyPr spcFirstLastPara="0" vert="horz" wrap="square" lIns="0" tIns="0" rIns="0" bIns="0" numCol="1" spcCol="1270" anchor="ctr" anchorCtr="0">
-          <a:noAutofit/>
-        </a:bodyPr>
-        <a:lstStyle/>
-        <a:p>
-          <a:pPr lvl="0" algn="ctr" defTabSz="488950">
-            <a:lnSpc>
-              <a:spcPct val="90000"/>
-            </a:lnSpc>
-            <a:spcBef>
-              <a:spcPct val="0"/>
-            </a:spcBef>
-            <a:spcAft>
-              <a:spcPct val="35000"/>
-            </a:spcAft>
-          </a:pPr>
-          <a:endParaRPr lang="es-AR" sz="1100" kern="1200"/>
-        </a:p>
-      </dsp:txBody>
-      <dsp:txXfrm>
-        <a:off x="1303375" y="2247623"/>
-        <a:ext cx="244781" cy="78340"/>
-      </dsp:txXfrm>
-    </dsp:sp>
-    <dsp:sp modelId="{4E927192-F7FB-4B90-A773-227E4DE7750D}">
-      <dsp:nvSpPr>
-        <dsp:cNvPr id="0" name=""/>
-        <dsp:cNvSpPr/>
-      </dsp:nvSpPr>
-      <dsp:spPr>
-        <a:xfrm>
-          <a:off x="1686700" y="1705552"/>
-          <a:ext cx="1162482" cy="1162482"/>
-        </a:xfrm>
-        <a:prstGeom prst="ellipse">
-          <a:avLst/>
-        </a:prstGeom>
-        <a:solidFill>
-          <a:schemeClr val="accent1">
-            <a:hueOff val="0"/>
-            <a:satOff val="0"/>
-            <a:lumOff val="0"/>
-            <a:alphaOff val="0"/>
-          </a:schemeClr>
-        </a:solidFill>
-        <a:ln>
-          <a:noFill/>
-        </a:ln>
-        <a:effectLst>
-          <a:outerShdw blurRad="40000" dist="23000" dir="5400000" rotWithShape="0">
-            <a:srgbClr val="000000">
-              <a:alpha val="35000"/>
-            </a:srgbClr>
-          </a:outerShdw>
-        </a:effectLst>
-        <a:scene3d>
-          <a:camera prst="orthographicFront">
-            <a:rot lat="0" lon="0" rev="0"/>
-          </a:camera>
-          <a:lightRig rig="contrasting" dir="t">
-            <a:rot lat="0" lon="0" rev="1200000"/>
-          </a:lightRig>
-        </a:scene3d>
-        <a:sp3d contourW="19050" prstMaterial="metal">
-          <a:bevelT w="88900" h="203200"/>
-          <a:bevelB w="165100" h="254000"/>
-        </a:sp3d>
-      </dsp:spPr>
-      <dsp:style>
-        <a:lnRef idx="0">
-          <a:scrgbClr r="0" g="0" b="0"/>
-        </a:lnRef>
-        <a:fillRef idx="1">
-          <a:scrgbClr r="0" g="0" b="0"/>
-        </a:fillRef>
-        <a:effectRef idx="2">
-          <a:scrgbClr r="0" g="0" b="0"/>
-        </a:effectRef>
-        <a:fontRef idx="minor">
-          <a:schemeClr val="lt1"/>
-        </a:fontRef>
-      </dsp:style>
-      <dsp:txBody>
-        <a:bodyPr spcFirstLastPara="0" vert="horz" wrap="square" lIns="20320" tIns="20320" rIns="20320" bIns="20320" numCol="1" spcCol="1270" anchor="ctr" anchorCtr="0">
-          <a:noAutofit/>
-        </a:bodyPr>
-        <a:lstStyle/>
-        <a:p>
-          <a:pPr lvl="0" algn="ctr" defTabSz="711200">
-            <a:lnSpc>
-              <a:spcPct val="90000"/>
-            </a:lnSpc>
-            <a:spcBef>
-              <a:spcPct val="0"/>
-            </a:spcBef>
-            <a:spcAft>
-              <a:spcPct val="35000"/>
-            </a:spcAft>
-          </a:pPr>
-          <a:r>
-            <a:rPr lang="es-AR" sz="1600" kern="1200" dirty="0" smtClean="0"/>
-            <a:t>Linux Server</a:t>
-          </a:r>
-          <a:endParaRPr lang="es-AR" sz="1600" kern="1200" dirty="0"/>
-        </a:p>
-      </dsp:txBody>
-      <dsp:txXfrm>
-        <a:off x="1856942" y="1875794"/>
-        <a:ext cx="821998" cy="821998"/>
-      </dsp:txXfrm>
-    </dsp:sp>
-    <dsp:sp modelId="{15F56C05-4F70-465B-9C45-DEBF62872B3E}">
-      <dsp:nvSpPr>
-        <dsp:cNvPr id="0" name=""/>
-        <dsp:cNvSpPr/>
-      </dsp:nvSpPr>
-      <dsp:spPr>
-        <a:xfrm>
-          <a:off x="2943576" y="2120445"/>
-          <a:ext cx="371459" cy="332696"/>
-        </a:xfrm>
-        <a:prstGeom prst="mathPlus">
-          <a:avLst/>
-        </a:prstGeom>
-        <a:solidFill>
-          <a:schemeClr val="accent1">
-            <a:tint val="60000"/>
-            <a:hueOff val="0"/>
-            <a:satOff val="0"/>
-            <a:lumOff val="0"/>
-            <a:alphaOff val="0"/>
-          </a:schemeClr>
-        </a:solidFill>
-        <a:ln>
-          <a:noFill/>
-        </a:ln>
-        <a:effectLst/>
-        <a:scene3d>
-          <a:camera prst="orthographicFront">
-            <a:rot lat="0" lon="0" rev="0"/>
-          </a:camera>
-          <a:lightRig rig="contrasting" dir="t">
-            <a:rot lat="0" lon="0" rev="1200000"/>
-          </a:lightRig>
-        </a:scene3d>
-        <a:sp3d z="-182000" contourW="19050" prstMaterial="metal">
-          <a:bevelT w="88900" h="203200"/>
-          <a:bevelB w="165100" h="254000"/>
-        </a:sp3d>
-      </dsp:spPr>
-      <dsp:style>
-        <a:lnRef idx="0">
-          <a:scrgbClr r="0" g="0" b="0"/>
-        </a:lnRef>
-        <a:fillRef idx="1">
-          <a:scrgbClr r="0" g="0" b="0"/>
-        </a:fillRef>
-        <a:effectRef idx="0">
-          <a:scrgbClr r="0" g="0" b="0"/>
-        </a:effectRef>
-        <a:fontRef idx="minor">
-          <a:schemeClr val="lt1"/>
-        </a:fontRef>
-      </dsp:style>
-      <dsp:txBody>
-        <a:bodyPr spcFirstLastPara="0" vert="horz" wrap="square" lIns="0" tIns="0" rIns="0" bIns="0" numCol="1" spcCol="1270" anchor="ctr" anchorCtr="0">
-          <a:noAutofit/>
-        </a:bodyPr>
-        <a:lstStyle/>
-        <a:p>
-          <a:pPr lvl="0" algn="ctr" defTabSz="488950">
-            <a:lnSpc>
-              <a:spcPct val="90000"/>
-            </a:lnSpc>
-            <a:spcBef>
-              <a:spcPct val="0"/>
-            </a:spcBef>
-            <a:spcAft>
-              <a:spcPct val="35000"/>
-            </a:spcAft>
-          </a:pPr>
-          <a:endParaRPr lang="es-AR" sz="1100" kern="1200"/>
-        </a:p>
-      </dsp:txBody>
-      <dsp:txXfrm>
-        <a:off x="2992813" y="2247668"/>
-        <a:ext cx="272985" cy="78250"/>
-      </dsp:txXfrm>
-    </dsp:sp>
-    <dsp:sp modelId="{B3D2F53E-E6BD-42AD-9651-5DFA2C4CF076}">
-      <dsp:nvSpPr>
-        <dsp:cNvPr id="0" name=""/>
-        <dsp:cNvSpPr/>
-      </dsp:nvSpPr>
-      <dsp:spPr>
-        <a:xfrm>
-          <a:off x="3409429" y="1705552"/>
-          <a:ext cx="1162482" cy="1162482"/>
-        </a:xfrm>
-        <a:prstGeom prst="ellipse">
-          <a:avLst/>
-        </a:prstGeom>
-        <a:solidFill>
-          <a:schemeClr val="accent1">
-            <a:hueOff val="0"/>
-            <a:satOff val="0"/>
-            <a:lumOff val="0"/>
-            <a:alphaOff val="0"/>
-          </a:schemeClr>
-        </a:solidFill>
-        <a:ln>
-          <a:noFill/>
-        </a:ln>
-        <a:effectLst>
-          <a:outerShdw blurRad="40000" dist="23000" dir="5400000" rotWithShape="0">
-            <a:srgbClr val="000000">
-              <a:alpha val="35000"/>
-            </a:srgbClr>
-          </a:outerShdw>
-        </a:effectLst>
-        <a:scene3d>
-          <a:camera prst="orthographicFront">
-            <a:rot lat="0" lon="0" rev="0"/>
-          </a:camera>
-          <a:lightRig rig="contrasting" dir="t">
-            <a:rot lat="0" lon="0" rev="1200000"/>
-          </a:lightRig>
-        </a:scene3d>
-        <a:sp3d contourW="19050" prstMaterial="metal">
-          <a:bevelT w="88900" h="203200"/>
-          <a:bevelB w="165100" h="254000"/>
-        </a:sp3d>
-      </dsp:spPr>
-      <dsp:style>
-        <a:lnRef idx="0">
-          <a:scrgbClr r="0" g="0" b="0"/>
-        </a:lnRef>
-        <a:fillRef idx="1">
-          <a:scrgbClr r="0" g="0" b="0"/>
-        </a:fillRef>
-        <a:effectRef idx="2">
-          <a:scrgbClr r="0" g="0" b="0"/>
-        </a:effectRef>
-        <a:fontRef idx="minor">
-          <a:schemeClr val="lt1"/>
-        </a:fontRef>
-      </dsp:style>
-      <dsp:txBody>
-        <a:bodyPr spcFirstLastPara="0" vert="horz" wrap="square" lIns="20320" tIns="20320" rIns="20320" bIns="20320" numCol="1" spcCol="1270" anchor="ctr" anchorCtr="0">
-          <a:noAutofit/>
-        </a:bodyPr>
-        <a:lstStyle/>
-        <a:p>
-          <a:pPr lvl="0" algn="ctr" defTabSz="711200">
-            <a:lnSpc>
-              <a:spcPct val="90000"/>
-            </a:lnSpc>
-            <a:spcBef>
-              <a:spcPct val="0"/>
-            </a:spcBef>
-            <a:spcAft>
-              <a:spcPct val="35000"/>
-            </a:spcAft>
-          </a:pPr>
-          <a:r>
-            <a:rPr lang="es-AR" sz="1600" kern="1200" dirty="0" smtClean="0"/>
-            <a:t>Linux Desktop</a:t>
-          </a:r>
-          <a:endParaRPr lang="es-AR" sz="1600" kern="1200" dirty="0"/>
-        </a:p>
-      </dsp:txBody>
-      <dsp:txXfrm>
-        <a:off x="3579671" y="1875794"/>
-        <a:ext cx="821998" cy="821998"/>
-      </dsp:txXfrm>
-    </dsp:sp>
-    <dsp:sp modelId="{35F0FCA2-96EE-4708-902B-56C18B5E5071}">
-      <dsp:nvSpPr>
-        <dsp:cNvPr id="0" name=""/>
-        <dsp:cNvSpPr/>
-      </dsp:nvSpPr>
-      <dsp:spPr>
-        <a:xfrm>
-          <a:off x="4666305" y="2126803"/>
-          <a:ext cx="329878" cy="319980"/>
-        </a:xfrm>
-        <a:prstGeom prst="mathPlus">
-          <a:avLst/>
-        </a:prstGeom>
-        <a:solidFill>
-          <a:schemeClr val="accent1">
-            <a:tint val="60000"/>
-            <a:hueOff val="0"/>
-            <a:satOff val="0"/>
-            <a:lumOff val="0"/>
-            <a:alphaOff val="0"/>
-          </a:schemeClr>
-        </a:solidFill>
-        <a:ln>
-          <a:noFill/>
-        </a:ln>
-        <a:effectLst/>
-        <a:scene3d>
-          <a:camera prst="orthographicFront">
-            <a:rot lat="0" lon="0" rev="0"/>
-          </a:camera>
-          <a:lightRig rig="contrasting" dir="t">
-            <a:rot lat="0" lon="0" rev="1200000"/>
-          </a:lightRig>
-        </a:scene3d>
-        <a:sp3d z="-182000" contourW="19050" prstMaterial="metal">
-          <a:bevelT w="88900" h="203200"/>
-          <a:bevelB w="165100" h="254000"/>
-        </a:sp3d>
-      </dsp:spPr>
-      <dsp:style>
-        <a:lnRef idx="0">
-          <a:scrgbClr r="0" g="0" b="0"/>
-        </a:lnRef>
-        <a:fillRef idx="1">
-          <a:scrgbClr r="0" g="0" b="0"/>
-        </a:fillRef>
-        <a:effectRef idx="0">
-          <a:scrgbClr r="0" g="0" b="0"/>
-        </a:effectRef>
-        <a:fontRef idx="minor">
-          <a:schemeClr val="lt1"/>
-        </a:fontRef>
-      </dsp:style>
-      <dsp:txBody>
-        <a:bodyPr spcFirstLastPara="0" vert="horz" wrap="square" lIns="0" tIns="0" rIns="0" bIns="0" numCol="1" spcCol="1270" anchor="ctr" anchorCtr="0">
-          <a:noAutofit/>
-        </a:bodyPr>
-        <a:lstStyle/>
-        <a:p>
-          <a:pPr lvl="0" algn="ctr" defTabSz="488950">
-            <a:lnSpc>
-              <a:spcPct val="90000"/>
-            </a:lnSpc>
-            <a:spcBef>
-              <a:spcPct val="0"/>
-            </a:spcBef>
-            <a:spcAft>
-              <a:spcPct val="35000"/>
-            </a:spcAft>
-          </a:pPr>
-          <a:endParaRPr lang="es-AR" sz="1100" kern="1200"/>
-        </a:p>
-      </dsp:txBody>
-      <dsp:txXfrm>
-        <a:off x="4710030" y="2249163"/>
-        <a:ext cx="242428" cy="75260"/>
-      </dsp:txXfrm>
-    </dsp:sp>
-    <dsp:sp modelId="{0A052003-6206-40DE-9655-AD5B659E67DC}">
-      <dsp:nvSpPr>
-        <dsp:cNvPr id="0" name=""/>
-        <dsp:cNvSpPr/>
-      </dsp:nvSpPr>
-      <dsp:spPr>
-        <a:xfrm>
-          <a:off x="5090578" y="1705552"/>
-          <a:ext cx="1162482" cy="1162482"/>
-        </a:xfrm>
-        <a:prstGeom prst="ellipse">
-          <a:avLst/>
-        </a:prstGeom>
-        <a:solidFill>
-          <a:schemeClr val="accent1">
-            <a:hueOff val="0"/>
-            <a:satOff val="0"/>
-            <a:lumOff val="0"/>
-            <a:alphaOff val="0"/>
-          </a:schemeClr>
-        </a:solidFill>
-        <a:ln>
-          <a:noFill/>
-        </a:ln>
-        <a:effectLst>
-          <a:outerShdw blurRad="40000" dist="23000" dir="5400000" rotWithShape="0">
-            <a:srgbClr val="000000">
-              <a:alpha val="35000"/>
-            </a:srgbClr>
-          </a:outerShdw>
-        </a:effectLst>
-        <a:scene3d>
-          <a:camera prst="orthographicFront">
-            <a:rot lat="0" lon="0" rev="0"/>
-          </a:camera>
-          <a:lightRig rig="contrasting" dir="t">
-            <a:rot lat="0" lon="0" rev="1200000"/>
-          </a:lightRig>
-        </a:scene3d>
-        <a:sp3d contourW="19050" prstMaterial="metal">
-          <a:bevelT w="88900" h="203200"/>
-          <a:bevelB w="165100" h="254000"/>
-        </a:sp3d>
-      </dsp:spPr>
-      <dsp:style>
-        <a:lnRef idx="0">
-          <a:scrgbClr r="0" g="0" b="0"/>
-        </a:lnRef>
-        <a:fillRef idx="1">
-          <a:scrgbClr r="0" g="0" b="0"/>
-        </a:fillRef>
-        <a:effectRef idx="2">
-          <a:scrgbClr r="0" g="0" b="0"/>
-        </a:effectRef>
-        <a:fontRef idx="minor">
-          <a:schemeClr val="lt1"/>
-        </a:fontRef>
-      </dsp:style>
-      <dsp:txBody>
-        <a:bodyPr spcFirstLastPara="0" vert="horz" wrap="square" lIns="20320" tIns="20320" rIns="20320" bIns="20320" numCol="1" spcCol="1270" anchor="ctr" anchorCtr="0">
-          <a:noAutofit/>
-        </a:bodyPr>
-        <a:lstStyle/>
-        <a:p>
-          <a:pPr lvl="0" algn="ctr" defTabSz="711200">
-            <a:lnSpc>
-              <a:spcPct val="90000"/>
-            </a:lnSpc>
-            <a:spcBef>
-              <a:spcPct val="0"/>
-            </a:spcBef>
-            <a:spcAft>
-              <a:spcPct val="35000"/>
-            </a:spcAft>
-          </a:pPr>
-          <a:r>
-            <a:rPr lang="es-AR" sz="1600" kern="1200" dirty="0" smtClean="0"/>
-            <a:t>Apache </a:t>
-          </a:r>
-          <a:r>
-            <a:rPr lang="es-AR" sz="1600" kern="1200" dirty="0" err="1" smtClean="0"/>
-            <a:t>Tomcat</a:t>
-          </a:r>
-          <a:endParaRPr lang="es-AR" sz="1600" kern="1200" dirty="0"/>
-        </a:p>
-      </dsp:txBody>
-      <dsp:txXfrm>
-        <a:off x="5260820" y="1875794"/>
-        <a:ext cx="821998" cy="821998"/>
-      </dsp:txXfrm>
-    </dsp:sp>
-    <dsp:sp modelId="{7DDA335B-F91E-457D-ACDB-FB36C280C2BD}">
-      <dsp:nvSpPr>
-        <dsp:cNvPr id="0" name=""/>
-        <dsp:cNvSpPr/>
-      </dsp:nvSpPr>
-      <dsp:spPr>
-        <a:xfrm>
-          <a:off x="6347454" y="1949673"/>
-          <a:ext cx="674239" cy="674239"/>
-        </a:xfrm>
-        <a:prstGeom prst="mathEqual">
-          <a:avLst/>
-        </a:prstGeom>
-        <a:solidFill>
-          <a:schemeClr val="accent1">
-            <a:tint val="60000"/>
-            <a:hueOff val="0"/>
-            <a:satOff val="0"/>
-            <a:lumOff val="0"/>
-            <a:alphaOff val="0"/>
-          </a:schemeClr>
-        </a:solidFill>
-        <a:ln>
-          <a:noFill/>
-        </a:ln>
-        <a:effectLst/>
-        <a:scene3d>
-          <a:camera prst="orthographicFront">
-            <a:rot lat="0" lon="0" rev="0"/>
-          </a:camera>
-          <a:lightRig rig="contrasting" dir="t">
-            <a:rot lat="0" lon="0" rev="1200000"/>
-          </a:lightRig>
-        </a:scene3d>
-        <a:sp3d z="-182000" contourW="19050" prstMaterial="metal">
-          <a:bevelT w="88900" h="203200"/>
-          <a:bevelB w="165100" h="254000"/>
-        </a:sp3d>
-      </dsp:spPr>
-      <dsp:style>
-        <a:lnRef idx="0">
-          <a:scrgbClr r="0" g="0" b="0"/>
-        </a:lnRef>
-        <a:fillRef idx="1">
-          <a:scrgbClr r="0" g="0" b="0"/>
-        </a:fillRef>
-        <a:effectRef idx="0">
-          <a:scrgbClr r="0" g="0" b="0"/>
-        </a:effectRef>
-        <a:fontRef idx="minor">
-          <a:schemeClr val="lt1"/>
-        </a:fontRef>
-      </dsp:style>
-      <dsp:txBody>
-        <a:bodyPr spcFirstLastPara="0" vert="horz" wrap="square" lIns="0" tIns="0" rIns="0" bIns="0" numCol="1" spcCol="1270" anchor="ctr" anchorCtr="0">
-          <a:noAutofit/>
-        </a:bodyPr>
-        <a:lstStyle/>
-        <a:p>
-          <a:pPr lvl="0" algn="ctr" defTabSz="622300">
-            <a:lnSpc>
-              <a:spcPct val="90000"/>
-            </a:lnSpc>
-            <a:spcBef>
-              <a:spcPct val="0"/>
-            </a:spcBef>
-            <a:spcAft>
-              <a:spcPct val="35000"/>
-            </a:spcAft>
-          </a:pPr>
-          <a:endParaRPr lang="es-AR" sz="1400" kern="1200"/>
-        </a:p>
-      </dsp:txBody>
-      <dsp:txXfrm>
-        <a:off x="6436824" y="2088566"/>
-        <a:ext cx="495499" cy="396453"/>
-      </dsp:txXfrm>
-    </dsp:sp>
-    <dsp:sp modelId="{A6BEB3CC-4EBB-48B9-988E-91BBE3A249DF}">
-      <dsp:nvSpPr>
-        <dsp:cNvPr id="0" name=""/>
-        <dsp:cNvSpPr/>
-      </dsp:nvSpPr>
-      <dsp:spPr>
-        <a:xfrm>
-          <a:off x="7116087" y="1705552"/>
-          <a:ext cx="1162482" cy="1162482"/>
-        </a:xfrm>
-        <a:prstGeom prst="ellipse">
-          <a:avLst/>
-        </a:prstGeom>
-        <a:solidFill>
-          <a:schemeClr val="accent1">
-            <a:hueOff val="0"/>
-            <a:satOff val="0"/>
-            <a:lumOff val="0"/>
-            <a:alphaOff val="0"/>
-          </a:schemeClr>
-        </a:solidFill>
-        <a:ln>
-          <a:noFill/>
-        </a:ln>
-        <a:effectLst>
-          <a:outerShdw blurRad="40000" dist="23000" dir="5400000" rotWithShape="0">
-            <a:srgbClr val="000000">
-              <a:alpha val="35000"/>
-            </a:srgbClr>
-          </a:outerShdw>
-        </a:effectLst>
-        <a:scene3d>
-          <a:camera prst="orthographicFront">
-            <a:rot lat="0" lon="0" rev="0"/>
-          </a:camera>
-          <a:lightRig rig="contrasting" dir="t">
-            <a:rot lat="0" lon="0" rev="1200000"/>
-          </a:lightRig>
-        </a:scene3d>
-        <a:sp3d contourW="19050" prstMaterial="metal">
-          <a:bevelT w="88900" h="203200"/>
-          <a:bevelB w="165100" h="254000"/>
-        </a:sp3d>
-      </dsp:spPr>
-      <dsp:style>
-        <a:lnRef idx="0">
-          <a:scrgbClr r="0" g="0" b="0"/>
-        </a:lnRef>
-        <a:fillRef idx="1">
-          <a:scrgbClr r="0" g="0" b="0"/>
-        </a:fillRef>
-        <a:effectRef idx="2">
-          <a:scrgbClr r="0" g="0" b="0"/>
-        </a:effectRef>
-        <a:fontRef idx="minor">
-          <a:schemeClr val="lt1"/>
-        </a:fontRef>
-      </dsp:style>
-      <dsp:txBody>
-        <a:bodyPr spcFirstLastPara="0" vert="horz" wrap="square" lIns="50800" tIns="50800" rIns="50800" bIns="50800" numCol="1" spcCol="1270" anchor="ctr" anchorCtr="0">
-          <a:noAutofit/>
-        </a:bodyPr>
-        <a:lstStyle/>
-        <a:p>
-          <a:pPr lvl="0" algn="ctr" defTabSz="1778000">
-            <a:lnSpc>
-              <a:spcPct val="90000"/>
-            </a:lnSpc>
-            <a:spcBef>
-              <a:spcPct val="0"/>
-            </a:spcBef>
-            <a:spcAft>
-              <a:spcPct val="35000"/>
-            </a:spcAft>
-          </a:pPr>
-          <a:r>
-            <a:rPr lang="es-AR" sz="4000" kern="1200" dirty="0" smtClean="0"/>
-            <a:t>$0</a:t>
-          </a:r>
-          <a:endParaRPr lang="es-AR" sz="4000" kern="1200" dirty="0"/>
-        </a:p>
-      </dsp:txBody>
-      <dsp:txXfrm>
-        <a:off x="7286329" y="1875794"/>
-        <a:ext cx="821998" cy="821998"/>
-      </dsp:txXfrm>
-    </dsp:sp>
   </dsp:spTree>
 </dsp:drawing>
 </file>
 
 <file path=ppt/diagrams/drawing3.xml><?xml version="1.0" encoding="utf-8"?>
-<dsp:drawing xmlns:dgm="http://schemas.openxmlformats.org/drawingml/2006/diagram" xmlns:dsp="http://schemas.microsoft.com/office/drawing/2008/diagram" xmlns:a="http://schemas.openxmlformats.org/drawingml/2006/main">
+<dsp:drawing xmlns:dgm="http://schemas.openxmlformats.org/drawingml/2006/diagram" xmlns:a="http://schemas.openxmlformats.org/drawingml/2006/main" xmlns:dsp="http://schemas.microsoft.com/office/drawing/2008/diagram">
   <dsp:spTree>
     <dsp:nvGrpSpPr>
       <dsp:cNvPr id="0" name=""/>
       <dsp:cNvGrpSpPr/>
     </dsp:nvGrpSpPr>
     <dsp:grpSpPr/>
-    <dsp:sp modelId="{4F428F06-F9DF-4CA1-9AB7-A8AB6C680FC8}">
-      <dsp:nvSpPr>
-        <dsp:cNvPr id="0" name=""/>
-        <dsp:cNvSpPr/>
-      </dsp:nvSpPr>
-      <dsp:spPr>
-        <a:xfrm>
-          <a:off x="1657349" y="0"/>
-          <a:ext cx="4573587" cy="4573587"/>
-        </a:xfrm>
-        <a:prstGeom prst="diamond">
-          <a:avLst/>
-        </a:prstGeom>
-        <a:solidFill>
-          <a:schemeClr val="accent1">
-            <a:tint val="40000"/>
-            <a:hueOff val="0"/>
-            <a:satOff val="0"/>
-            <a:lumOff val="0"/>
-            <a:alphaOff val="0"/>
-          </a:schemeClr>
-        </a:solidFill>
-        <a:ln w="9525" cap="flat" cmpd="sng" algn="ctr">
-          <a:solidFill>
-            <a:schemeClr val="accent1">
-              <a:hueOff val="0"/>
-              <a:satOff val="0"/>
-              <a:lumOff val="0"/>
-              <a:alphaOff val="0"/>
-            </a:schemeClr>
-          </a:solidFill>
-          <a:prstDash val="solid"/>
-        </a:ln>
-        <a:effectLst/>
-        <a:scene3d>
-          <a:camera prst="orthographicFront">
-            <a:rot lat="0" lon="0" rev="0"/>
-          </a:camera>
-          <a:lightRig rig="contrasting" dir="t">
-            <a:rot lat="0" lon="0" rev="1200000"/>
-          </a:lightRig>
-        </a:scene3d>
-        <a:sp3d z="-300000" prstMaterial="plastic"/>
-      </dsp:spPr>
-      <dsp:style>
-        <a:lnRef idx="1">
-          <a:scrgbClr r="0" g="0" b="0"/>
-        </a:lnRef>
-        <a:fillRef idx="1">
-          <a:scrgbClr r="0" g="0" b="0"/>
-        </a:fillRef>
-        <a:effectRef idx="0">
-          <a:scrgbClr r="0" g="0" b="0"/>
-        </a:effectRef>
-        <a:fontRef idx="minor"/>
-      </dsp:style>
-    </dsp:sp>
-    <dsp:sp modelId="{D9C24C38-FEE6-4B15-B8DF-A6A513B440BA}">
-      <dsp:nvSpPr>
-        <dsp:cNvPr id="0" name=""/>
-        <dsp:cNvSpPr/>
-      </dsp:nvSpPr>
-      <dsp:spPr>
-        <a:xfrm>
-          <a:off x="2091840" y="434490"/>
-          <a:ext cx="1783698" cy="1783698"/>
-        </a:xfrm>
-        <a:prstGeom prst="roundRect">
-          <a:avLst/>
-        </a:prstGeom>
-        <a:solidFill>
-          <a:schemeClr val="accent1">
-            <a:hueOff val="0"/>
-            <a:satOff val="0"/>
-            <a:lumOff val="0"/>
-            <a:alphaOff val="0"/>
-          </a:schemeClr>
-        </a:solidFill>
-        <a:ln>
-          <a:noFill/>
-        </a:ln>
-        <a:effectLst>
-          <a:outerShdw blurRad="40000" dist="23000" dir="5400000" rotWithShape="0">
-            <a:srgbClr val="000000">
-              <a:alpha val="35000"/>
-            </a:srgbClr>
-          </a:outerShdw>
-        </a:effectLst>
-        <a:scene3d>
-          <a:camera prst="orthographicFront">
-            <a:rot lat="0" lon="0" rev="0"/>
-          </a:camera>
-          <a:lightRig rig="contrasting" dir="t">
-            <a:rot lat="0" lon="0" rev="1200000"/>
-          </a:lightRig>
-        </a:scene3d>
-        <a:sp3d contourW="19050" prstMaterial="metal">
-          <a:bevelT w="88900" h="203200"/>
-          <a:bevelB w="165100" h="254000"/>
-        </a:sp3d>
-      </dsp:spPr>
-      <dsp:style>
-        <a:lnRef idx="0">
-          <a:scrgbClr r="0" g="0" b="0"/>
-        </a:lnRef>
-        <a:fillRef idx="1">
-          <a:scrgbClr r="0" g="0" b="0"/>
-        </a:fillRef>
-        <a:effectRef idx="2">
-          <a:scrgbClr r="0" g="0" b="0"/>
-        </a:effectRef>
-        <a:fontRef idx="minor">
-          <a:schemeClr val="lt1"/>
-        </a:fontRef>
-      </dsp:style>
-      <dsp:txBody>
-        <a:bodyPr spcFirstLastPara="0" vert="horz" wrap="square" lIns="95250" tIns="95250" rIns="95250" bIns="95250" numCol="1" spcCol="1270" anchor="ctr" anchorCtr="0">
-          <a:noAutofit/>
-        </a:bodyPr>
-        <a:lstStyle/>
-        <a:p>
-          <a:pPr lvl="0" algn="ctr" defTabSz="1111250" rtl="0">
-            <a:lnSpc>
-              <a:spcPct val="90000"/>
-            </a:lnSpc>
-            <a:spcBef>
-              <a:spcPct val="0"/>
-            </a:spcBef>
-            <a:spcAft>
-              <a:spcPct val="35000"/>
-            </a:spcAft>
-          </a:pPr>
-          <a:r>
-            <a:rPr lang="es-AR" sz="2500" kern="1200" smtClean="0"/>
-            <a:t>Backups</a:t>
-          </a:r>
-          <a:endParaRPr lang="es-AR" sz="2500" kern="1200"/>
-        </a:p>
-      </dsp:txBody>
-      <dsp:txXfrm>
-        <a:off x="2178913" y="521563"/>
-        <a:ext cx="1609552" cy="1609552"/>
-      </dsp:txXfrm>
-    </dsp:sp>
-    <dsp:sp modelId="{DA299C92-D329-4A72-AD1E-F7EEC12CAD0B}">
-      <dsp:nvSpPr>
-        <dsp:cNvPr id="0" name=""/>
-        <dsp:cNvSpPr/>
-      </dsp:nvSpPr>
-      <dsp:spPr>
-        <a:xfrm>
-          <a:off x="4012747" y="434490"/>
-          <a:ext cx="1783698" cy="1783698"/>
-        </a:xfrm>
-        <a:prstGeom prst="roundRect">
-          <a:avLst/>
-        </a:prstGeom>
-        <a:solidFill>
-          <a:schemeClr val="accent1">
-            <a:hueOff val="0"/>
-            <a:satOff val="0"/>
-            <a:lumOff val="0"/>
-            <a:alphaOff val="0"/>
-          </a:schemeClr>
-        </a:solidFill>
-        <a:ln>
-          <a:noFill/>
-        </a:ln>
-        <a:effectLst>
-          <a:outerShdw blurRad="40000" dist="23000" dir="5400000" rotWithShape="0">
-            <a:srgbClr val="000000">
-              <a:alpha val="35000"/>
-            </a:srgbClr>
-          </a:outerShdw>
-        </a:effectLst>
-        <a:scene3d>
-          <a:camera prst="orthographicFront">
-            <a:rot lat="0" lon="0" rev="0"/>
-          </a:camera>
-          <a:lightRig rig="contrasting" dir="t">
-            <a:rot lat="0" lon="0" rev="1200000"/>
-          </a:lightRig>
-        </a:scene3d>
-        <a:sp3d contourW="19050" prstMaterial="metal">
-          <a:bevelT w="88900" h="203200"/>
-          <a:bevelB w="165100" h="254000"/>
-        </a:sp3d>
-      </dsp:spPr>
-      <dsp:style>
-        <a:lnRef idx="0">
-          <a:scrgbClr r="0" g="0" b="0"/>
-        </a:lnRef>
-        <a:fillRef idx="1">
-          <a:scrgbClr r="0" g="0" b="0"/>
-        </a:fillRef>
-        <a:effectRef idx="2">
-          <a:scrgbClr r="0" g="0" b="0"/>
-        </a:effectRef>
-        <a:fontRef idx="minor">
-          <a:schemeClr val="lt1"/>
-        </a:fontRef>
-      </dsp:style>
-      <dsp:txBody>
-        <a:bodyPr spcFirstLastPara="0" vert="horz" wrap="square" lIns="95250" tIns="95250" rIns="95250" bIns="95250" numCol="1" spcCol="1270" anchor="ctr" anchorCtr="0">
-          <a:noAutofit/>
-        </a:bodyPr>
-        <a:lstStyle/>
-        <a:p>
-          <a:pPr lvl="0" algn="ctr" defTabSz="1111250" rtl="0">
-            <a:lnSpc>
-              <a:spcPct val="90000"/>
-            </a:lnSpc>
-            <a:spcBef>
-              <a:spcPct val="0"/>
-            </a:spcBef>
-            <a:spcAft>
-              <a:spcPct val="35000"/>
-            </a:spcAft>
-          </a:pPr>
-          <a:r>
-            <a:rPr lang="es-AR" sz="2500" kern="1200" smtClean="0"/>
-            <a:t>Cluster</a:t>
-          </a:r>
-          <a:endParaRPr lang="es-AR" sz="2500" kern="1200"/>
-        </a:p>
-      </dsp:txBody>
-      <dsp:txXfrm>
-        <a:off x="4099820" y="521563"/>
-        <a:ext cx="1609552" cy="1609552"/>
-      </dsp:txXfrm>
-    </dsp:sp>
-    <dsp:sp modelId="{848D594F-8696-46AC-B732-EDD83B603BEA}">
-      <dsp:nvSpPr>
-        <dsp:cNvPr id="0" name=""/>
-        <dsp:cNvSpPr/>
-      </dsp:nvSpPr>
-      <dsp:spPr>
-        <a:xfrm>
-          <a:off x="2091840" y="2355397"/>
-          <a:ext cx="1783698" cy="1783698"/>
-        </a:xfrm>
-        <a:prstGeom prst="roundRect">
-          <a:avLst/>
-        </a:prstGeom>
-        <a:solidFill>
-          <a:schemeClr val="accent1">
-            <a:hueOff val="0"/>
-            <a:satOff val="0"/>
-            <a:lumOff val="0"/>
-            <a:alphaOff val="0"/>
-          </a:schemeClr>
-        </a:solidFill>
-        <a:ln>
-          <a:noFill/>
-        </a:ln>
-        <a:effectLst>
-          <a:outerShdw blurRad="40000" dist="23000" dir="5400000" rotWithShape="0">
-            <a:srgbClr val="000000">
-              <a:alpha val="35000"/>
-            </a:srgbClr>
-          </a:outerShdw>
-        </a:effectLst>
-        <a:scene3d>
-          <a:camera prst="orthographicFront">
-            <a:rot lat="0" lon="0" rev="0"/>
-          </a:camera>
-          <a:lightRig rig="contrasting" dir="t">
-            <a:rot lat="0" lon="0" rev="1200000"/>
-          </a:lightRig>
-        </a:scene3d>
-        <a:sp3d contourW="19050" prstMaterial="metal">
-          <a:bevelT w="88900" h="203200"/>
-          <a:bevelB w="165100" h="254000"/>
-        </a:sp3d>
-      </dsp:spPr>
-      <dsp:style>
-        <a:lnRef idx="0">
-          <a:scrgbClr r="0" g="0" b="0"/>
-        </a:lnRef>
-        <a:fillRef idx="1">
-          <a:scrgbClr r="0" g="0" b="0"/>
-        </a:fillRef>
-        <a:effectRef idx="2">
-          <a:scrgbClr r="0" g="0" b="0"/>
-        </a:effectRef>
-        <a:fontRef idx="minor">
-          <a:schemeClr val="lt1"/>
-        </a:fontRef>
-      </dsp:style>
-      <dsp:txBody>
-        <a:bodyPr spcFirstLastPara="0" vert="horz" wrap="square" lIns="95250" tIns="95250" rIns="95250" bIns="95250" numCol="1" spcCol="1270" anchor="ctr" anchorCtr="0">
-          <a:noAutofit/>
-        </a:bodyPr>
-        <a:lstStyle/>
-        <a:p>
-          <a:pPr lvl="0" algn="ctr" defTabSz="1111250" rtl="0">
-            <a:lnSpc>
-              <a:spcPct val="90000"/>
-            </a:lnSpc>
-            <a:spcBef>
-              <a:spcPct val="0"/>
-            </a:spcBef>
-            <a:spcAft>
-              <a:spcPct val="35000"/>
-            </a:spcAft>
-          </a:pPr>
-          <a:r>
-            <a:rPr lang="es-AR" sz="2500" kern="1200" dirty="0" smtClean="0"/>
-            <a:t>NAS Storage con RAID5</a:t>
-          </a:r>
-          <a:endParaRPr lang="es-AR" sz="2500" kern="1200" dirty="0"/>
-        </a:p>
-      </dsp:txBody>
-      <dsp:txXfrm>
-        <a:off x="2178913" y="2442470"/>
-        <a:ext cx="1609552" cy="1609552"/>
-      </dsp:txXfrm>
-    </dsp:sp>
-    <dsp:sp modelId="{3441E9DC-1996-49B4-B113-744669B83F2B}">
-      <dsp:nvSpPr>
-        <dsp:cNvPr id="0" name=""/>
-        <dsp:cNvSpPr/>
-      </dsp:nvSpPr>
-      <dsp:spPr>
-        <a:xfrm>
-          <a:off x="4012747" y="2355397"/>
-          <a:ext cx="1783698" cy="1783698"/>
-        </a:xfrm>
-        <a:prstGeom prst="roundRect">
-          <a:avLst/>
-        </a:prstGeom>
-        <a:solidFill>
-          <a:schemeClr val="accent1">
-            <a:hueOff val="0"/>
-            <a:satOff val="0"/>
-            <a:lumOff val="0"/>
-            <a:alphaOff val="0"/>
-          </a:schemeClr>
-        </a:solidFill>
-        <a:ln>
-          <a:noFill/>
-        </a:ln>
-        <a:effectLst>
-          <a:outerShdw blurRad="40000" dist="23000" dir="5400000" rotWithShape="0">
-            <a:srgbClr val="000000">
-              <a:alpha val="35000"/>
-            </a:srgbClr>
-          </a:outerShdw>
-        </a:effectLst>
-        <a:scene3d>
-          <a:camera prst="orthographicFront">
-            <a:rot lat="0" lon="0" rev="0"/>
-          </a:camera>
-          <a:lightRig rig="contrasting" dir="t">
-            <a:rot lat="0" lon="0" rev="1200000"/>
-          </a:lightRig>
-        </a:scene3d>
-        <a:sp3d contourW="19050" prstMaterial="metal">
-          <a:bevelT w="88900" h="203200"/>
-          <a:bevelB w="165100" h="254000"/>
-        </a:sp3d>
-      </dsp:spPr>
-      <dsp:style>
-        <a:lnRef idx="0">
-          <a:scrgbClr r="0" g="0" b="0"/>
-        </a:lnRef>
-        <a:fillRef idx="1">
-          <a:scrgbClr r="0" g="0" b="0"/>
-        </a:fillRef>
-        <a:effectRef idx="2">
-          <a:scrgbClr r="0" g="0" b="0"/>
-        </a:effectRef>
-        <a:fontRef idx="minor">
-          <a:schemeClr val="lt1"/>
-        </a:fontRef>
-      </dsp:style>
-      <dsp:txBody>
-        <a:bodyPr spcFirstLastPara="0" vert="horz" wrap="square" lIns="95250" tIns="95250" rIns="95250" bIns="95250" numCol="1" spcCol="1270" anchor="ctr" anchorCtr="0">
-          <a:noAutofit/>
-        </a:bodyPr>
-        <a:lstStyle/>
-        <a:p>
-          <a:pPr lvl="0" algn="ctr" defTabSz="1111250" rtl="0">
-            <a:lnSpc>
-              <a:spcPct val="90000"/>
-            </a:lnSpc>
-            <a:spcBef>
-              <a:spcPct val="0"/>
-            </a:spcBef>
-            <a:spcAft>
-              <a:spcPct val="35000"/>
-            </a:spcAft>
-          </a:pPr>
-          <a:r>
-            <a:rPr lang="es-AR" sz="2500" kern="1200" dirty="0" smtClean="0"/>
-            <a:t>Conexión Duplicada</a:t>
-          </a:r>
-          <a:endParaRPr lang="es-AR" sz="2500" kern="1200" dirty="0"/>
-        </a:p>
-      </dsp:txBody>
-      <dsp:txXfrm>
-        <a:off x="4099820" y="2442470"/>
-        <a:ext cx="1609552" cy="1609552"/>
-      </dsp:txXfrm>
-    </dsp:sp>
   </dsp:spTree>
 </dsp:drawing>
 </file>
 
 <file path=ppt/diagrams/drawing4.xml><?xml version="1.0" encoding="utf-8"?>
-<dsp:drawing xmlns:dgm="http://schemas.openxmlformats.org/drawingml/2006/diagram" xmlns:dsp="http://schemas.microsoft.com/office/drawing/2008/diagram" xmlns:a="http://schemas.openxmlformats.org/drawingml/2006/main">
+<dsp:drawing xmlns:dgm="http://schemas.openxmlformats.org/drawingml/2006/diagram" xmlns:a="http://schemas.openxmlformats.org/drawingml/2006/main" xmlns:dsp="http://schemas.microsoft.com/office/drawing/2008/diagram">
   <dsp:spTree>
     <dsp:nvGrpSpPr>
       <dsp:cNvPr id="0" name=""/>
       <dsp:cNvGrpSpPr/>
     </dsp:nvGrpSpPr>
     <dsp:grpSpPr/>
-    <dsp:sp modelId="{3461AA4A-595B-4FA7-8D5B-F4CBB5C7AB7C}">
-      <dsp:nvSpPr>
-        <dsp:cNvPr id="0" name=""/>
-        <dsp:cNvSpPr/>
-      </dsp:nvSpPr>
-      <dsp:spPr>
-        <a:xfrm>
-          <a:off x="0" y="27611"/>
-          <a:ext cx="8496943" cy="421200"/>
-        </a:xfrm>
-        <a:prstGeom prst="roundRect">
-          <a:avLst/>
-        </a:prstGeom>
-        <a:solidFill>
-          <a:schemeClr val="accent1">
-            <a:hueOff val="0"/>
-            <a:satOff val="0"/>
-            <a:lumOff val="0"/>
-            <a:alphaOff val="0"/>
-          </a:schemeClr>
-        </a:solidFill>
-        <a:ln>
-          <a:noFill/>
-        </a:ln>
-        <a:effectLst/>
-        <a:scene3d>
-          <a:camera prst="orthographicFront"/>
-          <a:lightRig rig="chilly" dir="t"/>
-        </a:scene3d>
-        <a:sp3d prstMaterial="translucentPowder">
-          <a:bevelT w="127000" h="25400" prst="softRound"/>
-        </a:sp3d>
-      </dsp:spPr>
-      <dsp:style>
-        <a:lnRef idx="0">
-          <a:scrgbClr r="0" g="0" b="0"/>
-        </a:lnRef>
-        <a:fillRef idx="1">
-          <a:scrgbClr r="0" g="0" b="0"/>
-        </a:fillRef>
-        <a:effectRef idx="0">
-          <a:scrgbClr r="0" g="0" b="0"/>
-        </a:effectRef>
-        <a:fontRef idx="minor">
-          <a:schemeClr val="lt1"/>
-        </a:fontRef>
-      </dsp:style>
-      <dsp:txBody>
-        <a:bodyPr spcFirstLastPara="0" vert="horz" wrap="square" lIns="68580" tIns="68580" rIns="68580" bIns="68580" numCol="1" spcCol="1270" anchor="ctr" anchorCtr="0">
-          <a:noAutofit/>
-        </a:bodyPr>
-        <a:lstStyle/>
-        <a:p>
-          <a:pPr lvl="0" algn="l" defTabSz="800100" rtl="0">
-            <a:lnSpc>
-              <a:spcPct val="90000"/>
-            </a:lnSpc>
-            <a:spcBef>
-              <a:spcPct val="0"/>
-            </a:spcBef>
-            <a:spcAft>
-              <a:spcPct val="35000"/>
-            </a:spcAft>
-          </a:pPr>
-          <a:r>
-            <a:rPr lang="es-AR" sz="1800" b="1" kern="1200" dirty="0" smtClean="0"/>
-            <a:t>Email</a:t>
-          </a:r>
-          <a:endParaRPr lang="es-AR" sz="1800" kern="1200" dirty="0"/>
-        </a:p>
-      </dsp:txBody>
-      <dsp:txXfrm>
-        <a:off x="20561" y="48172"/>
-        <a:ext cx="8455821" cy="380078"/>
-      </dsp:txXfrm>
-    </dsp:sp>
-    <dsp:sp modelId="{40D9C759-7C34-4316-97A3-888F8F90970F}">
-      <dsp:nvSpPr>
-        <dsp:cNvPr id="0" name=""/>
-        <dsp:cNvSpPr/>
-      </dsp:nvSpPr>
-      <dsp:spPr>
-        <a:xfrm>
-          <a:off x="0" y="448811"/>
-          <a:ext cx="8496943" cy="298080"/>
-        </a:xfrm>
-        <a:prstGeom prst="rect">
-          <a:avLst/>
-        </a:prstGeom>
-        <a:noFill/>
-        <a:ln>
-          <a:noFill/>
-        </a:ln>
-        <a:effectLst/>
-      </dsp:spPr>
-      <dsp:style>
-        <a:lnRef idx="0">
-          <a:scrgbClr r="0" g="0" b="0"/>
-        </a:lnRef>
-        <a:fillRef idx="0">
-          <a:scrgbClr r="0" g="0" b="0"/>
-        </a:fillRef>
-        <a:effectRef idx="0">
-          <a:scrgbClr r="0" g="0" b="0"/>
-        </a:effectRef>
-        <a:fontRef idx="minor"/>
-      </dsp:style>
-      <dsp:txBody>
-        <a:bodyPr spcFirstLastPara="0" vert="horz" wrap="square" lIns="269778" tIns="17780" rIns="99568" bIns="17780" numCol="1" spcCol="1270" anchor="t" anchorCtr="0">
-          <a:noAutofit/>
-        </a:bodyPr>
-        <a:lstStyle/>
-        <a:p>
-          <a:pPr marL="114300" lvl="1" indent="-114300" algn="l" defTabSz="622300" rtl="0">
-            <a:lnSpc>
-              <a:spcPct val="90000"/>
-            </a:lnSpc>
-            <a:spcBef>
-              <a:spcPct val="0"/>
-            </a:spcBef>
-            <a:spcAft>
-              <a:spcPct val="20000"/>
-            </a:spcAft>
-            <a:buChar char="••"/>
-          </a:pPr>
-          <a:r>
-            <a:rPr lang="es-AR" sz="1400" kern="1200" dirty="0" err="1" smtClean="0"/>
-            <a:t>Postfix</a:t>
-          </a:r>
-          <a:r>
-            <a:rPr lang="es-AR" sz="1400" kern="1200" dirty="0" smtClean="0"/>
-            <a:t> </a:t>
-          </a:r>
-          <a:r>
-            <a:rPr lang="es-AR" sz="1400" kern="1200" dirty="0" smtClean="0"/>
-            <a:t>con soporte de protocolos SMTP e IMAP,</a:t>
-          </a:r>
-          <a:endParaRPr lang="es-AR" sz="1400" kern="1200" dirty="0"/>
-        </a:p>
-      </dsp:txBody>
-      <dsp:txXfrm>
-        <a:off x="0" y="448811"/>
-        <a:ext cx="8496943" cy="298080"/>
-      </dsp:txXfrm>
-    </dsp:sp>
-    <dsp:sp modelId="{B62203EA-9CA9-4DCB-BD94-22DB43F1F9DF}">
-      <dsp:nvSpPr>
-        <dsp:cNvPr id="0" name=""/>
-        <dsp:cNvSpPr/>
-      </dsp:nvSpPr>
-      <dsp:spPr>
-        <a:xfrm>
-          <a:off x="0" y="746891"/>
-          <a:ext cx="8496943" cy="421200"/>
-        </a:xfrm>
-        <a:prstGeom prst="roundRect">
-          <a:avLst/>
-        </a:prstGeom>
-        <a:solidFill>
-          <a:schemeClr val="accent1">
-            <a:hueOff val="0"/>
-            <a:satOff val="0"/>
-            <a:lumOff val="0"/>
-            <a:alphaOff val="0"/>
-          </a:schemeClr>
-        </a:solidFill>
-        <a:ln>
-          <a:noFill/>
-        </a:ln>
-        <a:effectLst/>
-        <a:scene3d>
-          <a:camera prst="orthographicFront"/>
-          <a:lightRig rig="chilly" dir="t"/>
-        </a:scene3d>
-        <a:sp3d prstMaterial="translucentPowder">
-          <a:bevelT w="127000" h="25400" prst="softRound"/>
-        </a:sp3d>
-      </dsp:spPr>
-      <dsp:style>
-        <a:lnRef idx="0">
-          <a:scrgbClr r="0" g="0" b="0"/>
-        </a:lnRef>
-        <a:fillRef idx="1">
-          <a:scrgbClr r="0" g="0" b="0"/>
-        </a:fillRef>
-        <a:effectRef idx="0">
-          <a:scrgbClr r="0" g="0" b="0"/>
-        </a:effectRef>
-        <a:fontRef idx="minor">
-          <a:schemeClr val="lt1"/>
-        </a:fontRef>
-      </dsp:style>
-      <dsp:txBody>
-        <a:bodyPr spcFirstLastPara="0" vert="horz" wrap="square" lIns="68580" tIns="68580" rIns="68580" bIns="68580" numCol="1" spcCol="1270" anchor="ctr" anchorCtr="0">
-          <a:noAutofit/>
-        </a:bodyPr>
-        <a:lstStyle/>
-        <a:p>
-          <a:pPr lvl="0" algn="l" defTabSz="800100" rtl="0">
-            <a:lnSpc>
-              <a:spcPct val="90000"/>
-            </a:lnSpc>
-            <a:spcBef>
-              <a:spcPct val="0"/>
-            </a:spcBef>
-            <a:spcAft>
-              <a:spcPct val="35000"/>
-            </a:spcAft>
-          </a:pPr>
-          <a:r>
-            <a:rPr lang="es-AR" sz="1800" b="1" kern="1200" dirty="0" err="1" smtClean="0"/>
-            <a:t>Networking</a:t>
-          </a:r>
-          <a:endParaRPr lang="es-AR" sz="1800" kern="1200" dirty="0"/>
-        </a:p>
-      </dsp:txBody>
-      <dsp:txXfrm>
-        <a:off x="20561" y="767452"/>
-        <a:ext cx="8455821" cy="380078"/>
-      </dsp:txXfrm>
-    </dsp:sp>
-    <dsp:sp modelId="{BCACB113-B4EF-490E-BCB5-FAFB6F3FD927}">
-      <dsp:nvSpPr>
-        <dsp:cNvPr id="0" name=""/>
-        <dsp:cNvSpPr/>
-      </dsp:nvSpPr>
-      <dsp:spPr>
-        <a:xfrm>
-          <a:off x="0" y="1168091"/>
-          <a:ext cx="8496943" cy="670680"/>
-        </a:xfrm>
-        <a:prstGeom prst="rect">
-          <a:avLst/>
-        </a:prstGeom>
-        <a:noFill/>
-        <a:ln>
-          <a:noFill/>
-        </a:ln>
-        <a:effectLst/>
-      </dsp:spPr>
-      <dsp:style>
-        <a:lnRef idx="0">
-          <a:scrgbClr r="0" g="0" b="0"/>
-        </a:lnRef>
-        <a:fillRef idx="0">
-          <a:scrgbClr r="0" g="0" b="0"/>
-        </a:fillRef>
-        <a:effectRef idx="0">
-          <a:scrgbClr r="0" g="0" b="0"/>
-        </a:effectRef>
-        <a:fontRef idx="minor"/>
-      </dsp:style>
-      <dsp:txBody>
-        <a:bodyPr spcFirstLastPara="0" vert="horz" wrap="square" lIns="269778" tIns="17780" rIns="99568" bIns="17780" numCol="1" spcCol="1270" anchor="t" anchorCtr="0">
-          <a:noAutofit/>
-        </a:bodyPr>
-        <a:lstStyle/>
-        <a:p>
-          <a:pPr marL="114300" lvl="1" indent="-114300" algn="l" defTabSz="622300" rtl="0">
-            <a:lnSpc>
-              <a:spcPct val="90000"/>
-            </a:lnSpc>
-            <a:spcBef>
-              <a:spcPct val="0"/>
-            </a:spcBef>
-            <a:spcAft>
-              <a:spcPct val="20000"/>
-            </a:spcAft>
-            <a:buChar char="••"/>
-          </a:pPr>
-          <a:r>
-            <a:rPr lang="es-AR" sz="1400" u="sng" kern="1200" dirty="0" smtClean="0"/>
-            <a:t>DNS</a:t>
-          </a:r>
-          <a:r>
-            <a:rPr lang="es-AR" sz="1400" kern="1200" dirty="0" smtClean="0"/>
-            <a:t>: Bind9.</a:t>
-          </a:r>
-          <a:endParaRPr lang="es-AR" sz="1400" kern="1200" dirty="0"/>
-        </a:p>
-        <a:p>
-          <a:pPr marL="114300" lvl="1" indent="-114300" algn="l" defTabSz="622300" rtl="0">
-            <a:lnSpc>
-              <a:spcPct val="90000"/>
-            </a:lnSpc>
-            <a:spcBef>
-              <a:spcPct val="0"/>
-            </a:spcBef>
-            <a:spcAft>
-              <a:spcPct val="20000"/>
-            </a:spcAft>
-            <a:buChar char="••"/>
-          </a:pPr>
-          <a:r>
-            <a:rPr lang="es-AR" sz="1400" u="sng" kern="1200" dirty="0" smtClean="0"/>
-            <a:t>DHCP</a:t>
-          </a:r>
-          <a:r>
-            <a:rPr lang="es-AR" sz="1400" kern="1200" dirty="0" smtClean="0"/>
-            <a:t>: Proporcionado por el SO.</a:t>
-          </a:r>
-          <a:endParaRPr lang="es-AR" sz="1400" kern="1200" dirty="0"/>
-        </a:p>
-        <a:p>
-          <a:pPr marL="114300" lvl="1" indent="-114300" algn="l" defTabSz="622300" rtl="0">
-            <a:lnSpc>
-              <a:spcPct val="90000"/>
-            </a:lnSpc>
-            <a:spcBef>
-              <a:spcPct val="0"/>
-            </a:spcBef>
-            <a:spcAft>
-              <a:spcPct val="20000"/>
-            </a:spcAft>
-            <a:buChar char="••"/>
-          </a:pPr>
-          <a:r>
-            <a:rPr lang="es-AR" sz="1400" u="sng" kern="1200" smtClean="0"/>
-            <a:t>LDAP</a:t>
-          </a:r>
-          <a:r>
-            <a:rPr lang="es-AR" sz="1400" kern="1200" smtClean="0"/>
-            <a:t>: OpenLDAP</a:t>
-          </a:r>
-          <a:endParaRPr lang="es-AR" sz="1400" kern="1200"/>
-        </a:p>
-      </dsp:txBody>
-      <dsp:txXfrm>
-        <a:off x="0" y="1168091"/>
-        <a:ext cx="8496943" cy="670680"/>
-      </dsp:txXfrm>
-    </dsp:sp>
-    <dsp:sp modelId="{AD18DDDF-DFA3-4154-A25E-71FCE66A0114}">
-      <dsp:nvSpPr>
-        <dsp:cNvPr id="0" name=""/>
-        <dsp:cNvSpPr/>
-      </dsp:nvSpPr>
-      <dsp:spPr>
-        <a:xfrm>
-          <a:off x="0" y="1838771"/>
-          <a:ext cx="8496943" cy="421200"/>
-        </a:xfrm>
-        <a:prstGeom prst="roundRect">
-          <a:avLst/>
-        </a:prstGeom>
-        <a:solidFill>
-          <a:schemeClr val="accent1">
-            <a:hueOff val="0"/>
-            <a:satOff val="0"/>
-            <a:lumOff val="0"/>
-            <a:alphaOff val="0"/>
-          </a:schemeClr>
-        </a:solidFill>
-        <a:ln>
-          <a:noFill/>
-        </a:ln>
-        <a:effectLst/>
-        <a:scene3d>
-          <a:camera prst="orthographicFront"/>
-          <a:lightRig rig="chilly" dir="t"/>
-        </a:scene3d>
-        <a:sp3d prstMaterial="translucentPowder">
-          <a:bevelT w="127000" h="25400" prst="softRound"/>
-        </a:sp3d>
-      </dsp:spPr>
-      <dsp:style>
-        <a:lnRef idx="0">
-          <a:scrgbClr r="0" g="0" b="0"/>
-        </a:lnRef>
-        <a:fillRef idx="1">
-          <a:scrgbClr r="0" g="0" b="0"/>
-        </a:fillRef>
-        <a:effectRef idx="0">
-          <a:scrgbClr r="0" g="0" b="0"/>
-        </a:effectRef>
-        <a:fontRef idx="minor">
-          <a:schemeClr val="lt1"/>
-        </a:fontRef>
-      </dsp:style>
-      <dsp:txBody>
-        <a:bodyPr spcFirstLastPara="0" vert="horz" wrap="square" lIns="68580" tIns="68580" rIns="68580" bIns="68580" numCol="1" spcCol="1270" anchor="ctr" anchorCtr="0">
-          <a:noAutofit/>
-        </a:bodyPr>
-        <a:lstStyle/>
-        <a:p>
-          <a:pPr lvl="0" algn="l" defTabSz="800100" rtl="0">
-            <a:lnSpc>
-              <a:spcPct val="90000"/>
-            </a:lnSpc>
-            <a:spcBef>
-              <a:spcPct val="0"/>
-            </a:spcBef>
-            <a:spcAft>
-              <a:spcPct val="35000"/>
-            </a:spcAft>
-          </a:pPr>
-          <a:r>
-            <a:rPr lang="es-AR" sz="1800" b="1" kern="1200" dirty="0" smtClean="0"/>
-            <a:t>SCM</a:t>
-          </a:r>
-          <a:r>
-            <a:rPr lang="es-AR" sz="1800" kern="1200" dirty="0" smtClean="0"/>
-            <a:t> (</a:t>
-          </a:r>
-          <a:r>
-            <a:rPr lang="es-AR" sz="1800" kern="1200" dirty="0" err="1" smtClean="0"/>
-            <a:t>Source</a:t>
-          </a:r>
-          <a:r>
-            <a:rPr lang="es-AR" sz="1800" kern="1200" dirty="0" smtClean="0"/>
-            <a:t> control manager):</a:t>
-          </a:r>
-          <a:endParaRPr lang="es-AR" sz="1800" kern="1200" dirty="0"/>
-        </a:p>
-      </dsp:txBody>
-      <dsp:txXfrm>
-        <a:off x="20561" y="1859332"/>
-        <a:ext cx="8455821" cy="380078"/>
-      </dsp:txXfrm>
-    </dsp:sp>
-    <dsp:sp modelId="{22020B45-4CD5-4DAB-AB65-6BA1E5431B1A}">
-      <dsp:nvSpPr>
-        <dsp:cNvPr id="0" name=""/>
-        <dsp:cNvSpPr/>
-      </dsp:nvSpPr>
-      <dsp:spPr>
-        <a:xfrm>
-          <a:off x="0" y="2259971"/>
-          <a:ext cx="8496943" cy="409860"/>
-        </a:xfrm>
-        <a:prstGeom prst="rect">
-          <a:avLst/>
-        </a:prstGeom>
-        <a:noFill/>
-        <a:ln>
-          <a:noFill/>
-        </a:ln>
-        <a:effectLst/>
-      </dsp:spPr>
-      <dsp:style>
-        <a:lnRef idx="0">
-          <a:scrgbClr r="0" g="0" b="0"/>
-        </a:lnRef>
-        <a:fillRef idx="0">
-          <a:scrgbClr r="0" g="0" b="0"/>
-        </a:fillRef>
-        <a:effectRef idx="0">
-          <a:scrgbClr r="0" g="0" b="0"/>
-        </a:effectRef>
-        <a:fontRef idx="minor"/>
-      </dsp:style>
-      <dsp:txBody>
-        <a:bodyPr spcFirstLastPara="0" vert="horz" wrap="square" lIns="269778" tIns="17780" rIns="99568" bIns="17780" numCol="1" spcCol="1270" anchor="t" anchorCtr="0">
-          <a:noAutofit/>
-        </a:bodyPr>
-        <a:lstStyle/>
-        <a:p>
-          <a:pPr marL="114300" lvl="1" indent="-114300" algn="l" defTabSz="622300" rtl="0">
-            <a:lnSpc>
-              <a:spcPct val="90000"/>
-            </a:lnSpc>
-            <a:spcBef>
-              <a:spcPct val="0"/>
-            </a:spcBef>
-            <a:spcAft>
-              <a:spcPct val="20000"/>
-            </a:spcAft>
-            <a:buChar char="••"/>
-          </a:pPr>
-          <a:r>
-            <a:rPr lang="es-AR" sz="1400" kern="1200" smtClean="0"/>
-            <a:t>GIT</a:t>
-          </a:r>
-          <a:r>
-            <a:rPr lang="es-AR" sz="1400" kern="1200" dirty="0" smtClean="0"/>
-            <a:t>: Esta herramienta de versionado es la más avanzada de su clase. Es distribuido, cada desarrollador tiene su propia copia del código.</a:t>
-          </a:r>
-          <a:endParaRPr lang="es-AR" sz="1400" kern="1200" dirty="0"/>
-        </a:p>
-      </dsp:txBody>
-      <dsp:txXfrm>
-        <a:off x="0" y="2259971"/>
-        <a:ext cx="8496943" cy="409860"/>
-      </dsp:txXfrm>
-    </dsp:sp>
-    <dsp:sp modelId="{58AA91FC-5E5E-4E8A-A777-1DB30FEFC137}">
-      <dsp:nvSpPr>
-        <dsp:cNvPr id="0" name=""/>
-        <dsp:cNvSpPr/>
-      </dsp:nvSpPr>
-      <dsp:spPr>
-        <a:xfrm>
-          <a:off x="0" y="2669831"/>
-          <a:ext cx="8496943" cy="421200"/>
-        </a:xfrm>
-        <a:prstGeom prst="roundRect">
-          <a:avLst/>
-        </a:prstGeom>
-        <a:solidFill>
-          <a:schemeClr val="accent1">
-            <a:hueOff val="0"/>
-            <a:satOff val="0"/>
-            <a:lumOff val="0"/>
-            <a:alphaOff val="0"/>
-          </a:schemeClr>
-        </a:solidFill>
-        <a:ln>
-          <a:noFill/>
-        </a:ln>
-        <a:effectLst/>
-        <a:scene3d>
-          <a:camera prst="orthographicFront"/>
-          <a:lightRig rig="chilly" dir="t"/>
-        </a:scene3d>
-        <a:sp3d prstMaterial="translucentPowder">
-          <a:bevelT w="127000" h="25400" prst="softRound"/>
-        </a:sp3d>
-      </dsp:spPr>
-      <dsp:style>
-        <a:lnRef idx="0">
-          <a:scrgbClr r="0" g="0" b="0"/>
-        </a:lnRef>
-        <a:fillRef idx="1">
-          <a:scrgbClr r="0" g="0" b="0"/>
-        </a:fillRef>
-        <a:effectRef idx="0">
-          <a:scrgbClr r="0" g="0" b="0"/>
-        </a:effectRef>
-        <a:fontRef idx="minor">
-          <a:schemeClr val="lt1"/>
-        </a:fontRef>
-      </dsp:style>
-      <dsp:txBody>
-        <a:bodyPr spcFirstLastPara="0" vert="horz" wrap="square" lIns="68580" tIns="68580" rIns="68580" bIns="68580" numCol="1" spcCol="1270" anchor="ctr" anchorCtr="0">
-          <a:noAutofit/>
-        </a:bodyPr>
-        <a:lstStyle/>
-        <a:p>
-          <a:pPr lvl="0" algn="l" defTabSz="800100" rtl="0">
-            <a:lnSpc>
-              <a:spcPct val="90000"/>
-            </a:lnSpc>
-            <a:spcBef>
-              <a:spcPct val="0"/>
-            </a:spcBef>
-            <a:spcAft>
-              <a:spcPct val="35000"/>
-            </a:spcAft>
-          </a:pPr>
-          <a:r>
-            <a:rPr lang="es-AR" sz="1800" b="1" kern="1200" dirty="0" smtClean="0"/>
-            <a:t>Documentación</a:t>
-          </a:r>
-          <a:endParaRPr lang="es-AR" sz="1800" kern="1200" dirty="0"/>
-        </a:p>
-      </dsp:txBody>
-      <dsp:txXfrm>
-        <a:off x="20561" y="2690392"/>
-        <a:ext cx="8455821" cy="380078"/>
-      </dsp:txXfrm>
-    </dsp:sp>
-    <dsp:sp modelId="{3A5423AF-ECA0-44F6-9530-45D1521DC22F}">
-      <dsp:nvSpPr>
-        <dsp:cNvPr id="0" name=""/>
-        <dsp:cNvSpPr/>
-      </dsp:nvSpPr>
-      <dsp:spPr>
-        <a:xfrm>
-          <a:off x="0" y="3091031"/>
-          <a:ext cx="8496943" cy="298080"/>
-        </a:xfrm>
-        <a:prstGeom prst="rect">
-          <a:avLst/>
-        </a:prstGeom>
-        <a:noFill/>
-        <a:ln>
-          <a:noFill/>
-        </a:ln>
-        <a:effectLst/>
-      </dsp:spPr>
-      <dsp:style>
-        <a:lnRef idx="0">
-          <a:scrgbClr r="0" g="0" b="0"/>
-        </a:lnRef>
-        <a:fillRef idx="0">
-          <a:scrgbClr r="0" g="0" b="0"/>
-        </a:fillRef>
-        <a:effectRef idx="0">
-          <a:scrgbClr r="0" g="0" b="0"/>
-        </a:effectRef>
-        <a:fontRef idx="minor"/>
-      </dsp:style>
-      <dsp:txBody>
-        <a:bodyPr spcFirstLastPara="0" vert="horz" wrap="square" lIns="269778" tIns="17780" rIns="99568" bIns="17780" numCol="1" spcCol="1270" anchor="t" anchorCtr="0">
-          <a:noAutofit/>
-        </a:bodyPr>
-        <a:lstStyle/>
-        <a:p>
-          <a:pPr marL="114300" lvl="1" indent="-114300" algn="l" defTabSz="622300" rtl="0">
-            <a:lnSpc>
-              <a:spcPct val="90000"/>
-            </a:lnSpc>
-            <a:spcBef>
-              <a:spcPct val="0"/>
-            </a:spcBef>
-            <a:spcAft>
-              <a:spcPct val="20000"/>
-            </a:spcAft>
-            <a:buChar char="••"/>
-          </a:pPr>
-          <a:r>
-            <a:rPr lang="es-AR" sz="1400" kern="1200" dirty="0" err="1" smtClean="0"/>
-            <a:t>Twiki</a:t>
-          </a:r>
-          <a:r>
-            <a:rPr lang="es-AR" sz="1400" kern="1200" dirty="0" smtClean="0"/>
-            <a:t>.</a:t>
-          </a:r>
-          <a:endParaRPr lang="es-AR" sz="1400" kern="1200" dirty="0"/>
-        </a:p>
-      </dsp:txBody>
-      <dsp:txXfrm>
-        <a:off x="0" y="3091031"/>
-        <a:ext cx="8496943" cy="298080"/>
-      </dsp:txXfrm>
-    </dsp:sp>
-    <dsp:sp modelId="{3AA5D271-FD38-44E3-BA3C-E7B276598F8B}">
-      <dsp:nvSpPr>
-        <dsp:cNvPr id="0" name=""/>
-        <dsp:cNvSpPr/>
-      </dsp:nvSpPr>
-      <dsp:spPr>
-        <a:xfrm>
-          <a:off x="0" y="3389112"/>
-          <a:ext cx="8496943" cy="421200"/>
-        </a:xfrm>
-        <a:prstGeom prst="roundRect">
-          <a:avLst/>
-        </a:prstGeom>
-        <a:solidFill>
-          <a:schemeClr val="accent1">
-            <a:hueOff val="0"/>
-            <a:satOff val="0"/>
-            <a:lumOff val="0"/>
-            <a:alphaOff val="0"/>
-          </a:schemeClr>
-        </a:solidFill>
-        <a:ln>
-          <a:noFill/>
-        </a:ln>
-        <a:effectLst/>
-        <a:scene3d>
-          <a:camera prst="orthographicFront"/>
-          <a:lightRig rig="chilly" dir="t"/>
-        </a:scene3d>
-        <a:sp3d prstMaterial="translucentPowder">
-          <a:bevelT w="127000" h="25400" prst="softRound"/>
-        </a:sp3d>
-      </dsp:spPr>
-      <dsp:style>
-        <a:lnRef idx="0">
-          <a:scrgbClr r="0" g="0" b="0"/>
-        </a:lnRef>
-        <a:fillRef idx="1">
-          <a:scrgbClr r="0" g="0" b="0"/>
-        </a:fillRef>
-        <a:effectRef idx="0">
-          <a:scrgbClr r="0" g="0" b="0"/>
-        </a:effectRef>
-        <a:fontRef idx="minor">
-          <a:schemeClr val="lt1"/>
-        </a:fontRef>
-      </dsp:style>
-      <dsp:txBody>
-        <a:bodyPr spcFirstLastPara="0" vert="horz" wrap="square" lIns="68580" tIns="68580" rIns="68580" bIns="68580" numCol="1" spcCol="1270" anchor="ctr" anchorCtr="0">
-          <a:noAutofit/>
-        </a:bodyPr>
-        <a:lstStyle/>
-        <a:p>
-          <a:pPr lvl="0" algn="l" defTabSz="800100" rtl="0">
-            <a:lnSpc>
-              <a:spcPct val="90000"/>
-            </a:lnSpc>
-            <a:spcBef>
-              <a:spcPct val="0"/>
-            </a:spcBef>
-            <a:spcAft>
-              <a:spcPct val="35000"/>
-            </a:spcAft>
-          </a:pPr>
-          <a:r>
-            <a:rPr lang="es-AR" sz="1800" b="1" kern="1200" dirty="0" smtClean="0"/>
-            <a:t>BTS</a:t>
-          </a:r>
-          <a:endParaRPr lang="es-AR" sz="1800" kern="1200" dirty="0"/>
-        </a:p>
-      </dsp:txBody>
-      <dsp:txXfrm>
-        <a:off x="20561" y="3409673"/>
-        <a:ext cx="8455821" cy="380078"/>
-      </dsp:txXfrm>
-    </dsp:sp>
-    <dsp:sp modelId="{1D39A20F-B53A-4910-AEF5-B95BF1A193D6}">
-      <dsp:nvSpPr>
-        <dsp:cNvPr id="0" name=""/>
-        <dsp:cNvSpPr/>
-      </dsp:nvSpPr>
-      <dsp:spPr>
-        <a:xfrm>
-          <a:off x="0" y="3810312"/>
-          <a:ext cx="8496943" cy="298080"/>
-        </a:xfrm>
-        <a:prstGeom prst="rect">
-          <a:avLst/>
-        </a:prstGeom>
-        <a:noFill/>
-        <a:ln>
-          <a:noFill/>
-        </a:ln>
-        <a:effectLst/>
-      </dsp:spPr>
-      <dsp:style>
-        <a:lnRef idx="0">
-          <a:scrgbClr r="0" g="0" b="0"/>
-        </a:lnRef>
-        <a:fillRef idx="0">
-          <a:scrgbClr r="0" g="0" b="0"/>
-        </a:fillRef>
-        <a:effectRef idx="0">
-          <a:scrgbClr r="0" g="0" b="0"/>
-        </a:effectRef>
-        <a:fontRef idx="minor"/>
-      </dsp:style>
-      <dsp:txBody>
-        <a:bodyPr spcFirstLastPara="0" vert="horz" wrap="square" lIns="269778" tIns="17780" rIns="99568" bIns="17780" numCol="1" spcCol="1270" anchor="t" anchorCtr="0">
-          <a:noAutofit/>
-        </a:bodyPr>
-        <a:lstStyle/>
-        <a:p>
-          <a:pPr marL="114300" lvl="1" indent="-114300" algn="l" defTabSz="622300" rtl="0">
-            <a:lnSpc>
-              <a:spcPct val="90000"/>
-            </a:lnSpc>
-            <a:spcBef>
-              <a:spcPct val="0"/>
-            </a:spcBef>
-            <a:spcAft>
-              <a:spcPct val="20000"/>
-            </a:spcAft>
-            <a:buChar char="••"/>
-          </a:pPr>
-          <a:r>
-            <a:rPr lang="es-AR" sz="1400" kern="1200" dirty="0" smtClean="0"/>
-            <a:t>El Bug tracking </a:t>
-          </a:r>
-          <a:r>
-            <a:rPr lang="es-AR" sz="1400" kern="1200" dirty="0" err="1" smtClean="0"/>
-            <a:t>system</a:t>
-          </a:r>
-          <a:r>
-            <a:rPr lang="es-AR" sz="1400" kern="1200" dirty="0" smtClean="0"/>
-            <a:t> seleccionado es Mantis.</a:t>
-          </a:r>
-          <a:endParaRPr lang="es-AR" sz="1400" kern="1200" dirty="0"/>
-        </a:p>
-      </dsp:txBody>
-      <dsp:txXfrm>
-        <a:off x="0" y="3810312"/>
-        <a:ext cx="8496943" cy="298080"/>
-      </dsp:txXfrm>
-    </dsp:sp>
-    <dsp:sp modelId="{6B5A8189-5D9D-4514-88F4-9023B2E223DA}">
-      <dsp:nvSpPr>
-        <dsp:cNvPr id="0" name=""/>
-        <dsp:cNvSpPr/>
-      </dsp:nvSpPr>
-      <dsp:spPr>
-        <a:xfrm>
-          <a:off x="0" y="4108392"/>
-          <a:ext cx="8496943" cy="421200"/>
-        </a:xfrm>
-        <a:prstGeom prst="roundRect">
-          <a:avLst/>
-        </a:prstGeom>
-        <a:solidFill>
-          <a:schemeClr val="accent1">
-            <a:hueOff val="0"/>
-            <a:satOff val="0"/>
-            <a:lumOff val="0"/>
-            <a:alphaOff val="0"/>
-          </a:schemeClr>
-        </a:solidFill>
-        <a:ln>
-          <a:noFill/>
-        </a:ln>
-        <a:effectLst/>
-        <a:scene3d>
-          <a:camera prst="orthographicFront"/>
-          <a:lightRig rig="chilly" dir="t"/>
-        </a:scene3d>
-        <a:sp3d prstMaterial="translucentPowder">
-          <a:bevelT w="127000" h="25400" prst="softRound"/>
-        </a:sp3d>
-      </dsp:spPr>
-      <dsp:style>
-        <a:lnRef idx="0">
-          <a:scrgbClr r="0" g="0" b="0"/>
-        </a:lnRef>
-        <a:fillRef idx="1">
-          <a:scrgbClr r="0" g="0" b="0"/>
-        </a:fillRef>
-        <a:effectRef idx="0">
-          <a:scrgbClr r="0" g="0" b="0"/>
-        </a:effectRef>
-        <a:fontRef idx="minor">
-          <a:schemeClr val="lt1"/>
-        </a:fontRef>
-      </dsp:style>
-      <dsp:txBody>
-        <a:bodyPr spcFirstLastPara="0" vert="horz" wrap="square" lIns="68580" tIns="68580" rIns="68580" bIns="68580" numCol="1" spcCol="1270" anchor="ctr" anchorCtr="0">
-          <a:noAutofit/>
-        </a:bodyPr>
-        <a:lstStyle/>
-        <a:p>
-          <a:pPr lvl="0" algn="l" defTabSz="800100" rtl="0">
-            <a:lnSpc>
-              <a:spcPct val="90000"/>
-            </a:lnSpc>
-            <a:spcBef>
-              <a:spcPct val="0"/>
-            </a:spcBef>
-            <a:spcAft>
-              <a:spcPct val="35000"/>
-            </a:spcAft>
-          </a:pPr>
-          <a:r>
-            <a:rPr lang="es-AR" sz="1800" b="1" kern="1200" dirty="0" err="1" smtClean="0"/>
-            <a:t>Maven</a:t>
-          </a:r>
-          <a:endParaRPr lang="es-AR" sz="1800" kern="1200" dirty="0"/>
-        </a:p>
-      </dsp:txBody>
-      <dsp:txXfrm>
-        <a:off x="20561" y="4128953"/>
-        <a:ext cx="8455821" cy="380078"/>
-      </dsp:txXfrm>
-    </dsp:sp>
-    <dsp:sp modelId="{95C08100-11F7-468D-8DCC-572AAD5AF82F}">
-      <dsp:nvSpPr>
-        <dsp:cNvPr id="0" name=""/>
-        <dsp:cNvSpPr/>
-      </dsp:nvSpPr>
-      <dsp:spPr>
-        <a:xfrm>
-          <a:off x="0" y="4529592"/>
-          <a:ext cx="8496943" cy="409860"/>
-        </a:xfrm>
-        <a:prstGeom prst="rect">
-          <a:avLst/>
-        </a:prstGeom>
-        <a:noFill/>
-        <a:ln>
-          <a:noFill/>
-        </a:ln>
-        <a:effectLst/>
-      </dsp:spPr>
-      <dsp:style>
-        <a:lnRef idx="0">
-          <a:scrgbClr r="0" g="0" b="0"/>
-        </a:lnRef>
-        <a:fillRef idx="0">
-          <a:scrgbClr r="0" g="0" b="0"/>
-        </a:fillRef>
-        <a:effectRef idx="0">
-          <a:scrgbClr r="0" g="0" b="0"/>
-        </a:effectRef>
-        <a:fontRef idx="minor"/>
-      </dsp:style>
-      <dsp:txBody>
-        <a:bodyPr spcFirstLastPara="0" vert="horz" wrap="square" lIns="269778" tIns="17780" rIns="99568" bIns="17780" numCol="1" spcCol="1270" anchor="t" anchorCtr="0">
-          <a:noAutofit/>
-        </a:bodyPr>
-        <a:lstStyle/>
-        <a:p>
-          <a:pPr marL="114300" lvl="1" indent="-114300" algn="l" defTabSz="622300" rtl="0">
-            <a:lnSpc>
-              <a:spcPct val="90000"/>
-            </a:lnSpc>
-            <a:spcBef>
-              <a:spcPct val="0"/>
-            </a:spcBef>
-            <a:spcAft>
-              <a:spcPct val="20000"/>
-            </a:spcAft>
-            <a:buChar char="••"/>
-          </a:pPr>
-          <a:r>
-            <a:rPr lang="es-AR" sz="1400" kern="1200" dirty="0" smtClean="0"/>
-            <a:t>Se instalará un repositorio local de </a:t>
-          </a:r>
-          <a:r>
-            <a:rPr lang="es-AR" sz="1400" kern="1200" dirty="0" err="1" smtClean="0"/>
-            <a:t>Jakarta</a:t>
-          </a:r>
-          <a:r>
-            <a:rPr lang="es-AR" sz="1400" kern="1200" dirty="0" smtClean="0"/>
-            <a:t> </a:t>
-          </a:r>
-          <a:r>
-            <a:rPr lang="es-AR" sz="1400" kern="1200" dirty="0" err="1" smtClean="0"/>
-            <a:t>Maven</a:t>
-          </a:r>
-          <a:r>
-            <a:rPr lang="es-AR" sz="1400" kern="1200" dirty="0" smtClean="0"/>
-            <a:t>, para proveer paquetes de librerías y los paquetes propios de la aplicación.</a:t>
-          </a:r>
-          <a:endParaRPr lang="es-AR" sz="1400" kern="1200" dirty="0"/>
-        </a:p>
-      </dsp:txBody>
-      <dsp:txXfrm>
-        <a:off x="0" y="4529592"/>
-        <a:ext cx="8496943" cy="409860"/>
-      </dsp:txXfrm>
-    </dsp:sp>
   </dsp:spTree>
 </dsp:drawing>
 </file>
 
 <file path=ppt/diagrams/drawing5.xml><?xml version="1.0" encoding="utf-8"?>
-<dsp:drawing xmlns:dgm="http://schemas.openxmlformats.org/drawingml/2006/diagram" xmlns:dsp="http://schemas.microsoft.com/office/drawing/2008/diagram" xmlns:a="http://schemas.openxmlformats.org/drawingml/2006/main">
+<dsp:drawing xmlns:dgm="http://schemas.openxmlformats.org/drawingml/2006/diagram" xmlns:a="http://schemas.openxmlformats.org/drawingml/2006/main" xmlns:dsp="http://schemas.microsoft.com/office/drawing/2008/diagram">
   <dsp:spTree>
     <dsp:nvGrpSpPr>
       <dsp:cNvPr id="0" name=""/>
       <dsp:cNvGrpSpPr/>
     </dsp:nvGrpSpPr>
     <dsp:grpSpPr/>
-    <dsp:sp modelId="{847F76D4-0478-42F7-BFC1-8139E61BFB61}">
-      <dsp:nvSpPr>
-        <dsp:cNvPr id="0" name=""/>
-        <dsp:cNvSpPr/>
-      </dsp:nvSpPr>
-      <dsp:spPr>
-        <a:xfrm>
-          <a:off x="0" y="91906"/>
-          <a:ext cx="8424935" cy="538200"/>
-        </a:xfrm>
-        <a:prstGeom prst="roundRect">
-          <a:avLst/>
-        </a:prstGeom>
-        <a:solidFill>
-          <a:schemeClr val="accent1">
-            <a:hueOff val="0"/>
-            <a:satOff val="0"/>
-            <a:lumOff val="0"/>
-            <a:alphaOff val="0"/>
-          </a:schemeClr>
-        </a:solidFill>
-        <a:ln>
-          <a:noFill/>
-        </a:ln>
-        <a:effectLst/>
-        <a:scene3d>
-          <a:camera prst="orthographicFront"/>
-          <a:lightRig rig="chilly" dir="t"/>
-        </a:scene3d>
-        <a:sp3d prstMaterial="translucentPowder">
-          <a:bevelT w="127000" h="25400" prst="softRound"/>
-        </a:sp3d>
-      </dsp:spPr>
-      <dsp:style>
-        <a:lnRef idx="0">
-          <a:scrgbClr r="0" g="0" b="0"/>
-        </a:lnRef>
-        <a:fillRef idx="1">
-          <a:scrgbClr r="0" g="0" b="0"/>
-        </a:fillRef>
-        <a:effectRef idx="0">
-          <a:scrgbClr r="0" g="0" b="0"/>
-        </a:effectRef>
-        <a:fontRef idx="minor">
-          <a:schemeClr val="lt1"/>
-        </a:fontRef>
-      </dsp:style>
-      <dsp:txBody>
-        <a:bodyPr spcFirstLastPara="0" vert="horz" wrap="square" lIns="87630" tIns="87630" rIns="87630" bIns="87630" numCol="1" spcCol="1270" anchor="ctr" anchorCtr="0">
-          <a:noAutofit/>
-        </a:bodyPr>
-        <a:lstStyle/>
-        <a:p>
-          <a:pPr lvl="0" algn="l" defTabSz="1022350" rtl="0">
-            <a:lnSpc>
-              <a:spcPct val="90000"/>
-            </a:lnSpc>
-            <a:spcBef>
-              <a:spcPct val="0"/>
-            </a:spcBef>
-            <a:spcAft>
-              <a:spcPct val="35000"/>
-            </a:spcAft>
-          </a:pPr>
-          <a:r>
-            <a:rPr lang="es-ES_tradnl" sz="2300" kern="1200" dirty="0" smtClean="0"/>
-            <a:t>Entorno de Desarrollo mediante virtualización con </a:t>
-          </a:r>
-          <a:r>
-            <a:rPr lang="es-ES_tradnl" sz="2300" b="1" kern="1200" dirty="0" smtClean="0"/>
-            <a:t>XEN</a:t>
-          </a:r>
-          <a:endParaRPr lang="es-AR" sz="2300" kern="1200" dirty="0"/>
-        </a:p>
-      </dsp:txBody>
-      <dsp:txXfrm>
-        <a:off x="26273" y="118179"/>
-        <a:ext cx="8372389" cy="485654"/>
-      </dsp:txXfrm>
-    </dsp:sp>
-    <dsp:sp modelId="{78380837-DCBE-4EF8-B563-0904675AB387}">
-      <dsp:nvSpPr>
-        <dsp:cNvPr id="0" name=""/>
-        <dsp:cNvSpPr/>
-      </dsp:nvSpPr>
-      <dsp:spPr>
-        <a:xfrm>
-          <a:off x="0" y="630106"/>
-          <a:ext cx="8424935" cy="535612"/>
-        </a:xfrm>
-        <a:prstGeom prst="rect">
-          <a:avLst/>
-        </a:prstGeom>
-        <a:noFill/>
-        <a:ln>
-          <a:noFill/>
-        </a:ln>
-        <a:effectLst/>
-      </dsp:spPr>
-      <dsp:style>
-        <a:lnRef idx="0">
-          <a:scrgbClr r="0" g="0" b="0"/>
-        </a:lnRef>
-        <a:fillRef idx="0">
-          <a:scrgbClr r="0" g="0" b="0"/>
-        </a:fillRef>
-        <a:effectRef idx="0">
-          <a:scrgbClr r="0" g="0" b="0"/>
-        </a:effectRef>
-        <a:fontRef idx="minor"/>
-      </dsp:style>
-      <dsp:txBody>
-        <a:bodyPr spcFirstLastPara="0" vert="horz" wrap="square" lIns="267492" tIns="29210" rIns="163576" bIns="29210" numCol="1" spcCol="1270" anchor="t" anchorCtr="0">
-          <a:noAutofit/>
-        </a:bodyPr>
-        <a:lstStyle/>
-        <a:p>
-          <a:pPr marL="171450" lvl="1" indent="-171450" algn="l" defTabSz="800100" rtl="0">
-            <a:lnSpc>
-              <a:spcPct val="90000"/>
-            </a:lnSpc>
-            <a:spcBef>
-              <a:spcPct val="0"/>
-            </a:spcBef>
-            <a:spcAft>
-              <a:spcPct val="20000"/>
-            </a:spcAft>
-            <a:buChar char="••"/>
-          </a:pPr>
-          <a:r>
-            <a:rPr lang="es-ES_tradnl" sz="1800" kern="1200" dirty="0" smtClean="0"/>
-            <a:t>Se configurarán varias máquinas virtuales para crear ambientes de desarrollo y </a:t>
-          </a:r>
-          <a:r>
-            <a:rPr lang="es-ES_tradnl" sz="1800" kern="1200" dirty="0" err="1" smtClean="0"/>
-            <a:t>testing</a:t>
-          </a:r>
-          <a:r>
-            <a:rPr lang="es-ES_tradnl" sz="1800" kern="1200" dirty="0" smtClean="0"/>
-            <a:t>. </a:t>
-          </a:r>
-          <a:endParaRPr lang="es-AR" sz="1800" kern="1200" dirty="0"/>
-        </a:p>
-      </dsp:txBody>
-      <dsp:txXfrm>
-        <a:off x="0" y="630106"/>
-        <a:ext cx="8424935" cy="535612"/>
-      </dsp:txXfrm>
-    </dsp:sp>
-    <dsp:sp modelId="{94364C8F-A32F-4E9B-A40A-85BE8E04CC65}">
-      <dsp:nvSpPr>
-        <dsp:cNvPr id="0" name=""/>
-        <dsp:cNvSpPr/>
-      </dsp:nvSpPr>
-      <dsp:spPr>
-        <a:xfrm>
-          <a:off x="0" y="1165718"/>
-          <a:ext cx="8424935" cy="538200"/>
-        </a:xfrm>
-        <a:prstGeom prst="roundRect">
-          <a:avLst/>
-        </a:prstGeom>
-        <a:solidFill>
-          <a:schemeClr val="accent1">
-            <a:hueOff val="0"/>
-            <a:satOff val="0"/>
-            <a:lumOff val="0"/>
-            <a:alphaOff val="0"/>
-          </a:schemeClr>
-        </a:solidFill>
-        <a:ln>
-          <a:noFill/>
-        </a:ln>
-        <a:effectLst/>
-        <a:scene3d>
-          <a:camera prst="orthographicFront"/>
-          <a:lightRig rig="chilly" dir="t"/>
-        </a:scene3d>
-        <a:sp3d prstMaterial="translucentPowder">
-          <a:bevelT w="127000" h="25400" prst="softRound"/>
-        </a:sp3d>
-      </dsp:spPr>
-      <dsp:style>
-        <a:lnRef idx="0">
-          <a:scrgbClr r="0" g="0" b="0"/>
-        </a:lnRef>
-        <a:fillRef idx="1">
-          <a:scrgbClr r="0" g="0" b="0"/>
-        </a:fillRef>
-        <a:effectRef idx="0">
-          <a:scrgbClr r="0" g="0" b="0"/>
-        </a:effectRef>
-        <a:fontRef idx="minor">
-          <a:schemeClr val="lt1"/>
-        </a:fontRef>
-      </dsp:style>
-      <dsp:txBody>
-        <a:bodyPr spcFirstLastPara="0" vert="horz" wrap="square" lIns="87630" tIns="87630" rIns="87630" bIns="87630" numCol="1" spcCol="1270" anchor="ctr" anchorCtr="0">
-          <a:noAutofit/>
-        </a:bodyPr>
-        <a:lstStyle/>
-        <a:p>
-          <a:pPr lvl="0" algn="l" defTabSz="1022350" rtl="0">
-            <a:lnSpc>
-              <a:spcPct val="90000"/>
-            </a:lnSpc>
-            <a:spcBef>
-              <a:spcPct val="0"/>
-            </a:spcBef>
-            <a:spcAft>
-              <a:spcPct val="35000"/>
-            </a:spcAft>
-          </a:pPr>
-          <a:r>
-            <a:rPr lang="es-AR" sz="2300" b="1" kern="1200" dirty="0" smtClean="0"/>
-            <a:t>Ambiente de Desarrollo</a:t>
-          </a:r>
-          <a:endParaRPr lang="es-AR" sz="2300" kern="1200" dirty="0"/>
-        </a:p>
-      </dsp:txBody>
-      <dsp:txXfrm>
-        <a:off x="26273" y="1191991"/>
-        <a:ext cx="8372389" cy="485654"/>
-      </dsp:txXfrm>
-    </dsp:sp>
-    <dsp:sp modelId="{E24ED862-6B7E-4981-91C8-CD955827A0FF}">
-      <dsp:nvSpPr>
-        <dsp:cNvPr id="0" name=""/>
-        <dsp:cNvSpPr/>
-      </dsp:nvSpPr>
-      <dsp:spPr>
-        <a:xfrm>
-          <a:off x="0" y="1703918"/>
-          <a:ext cx="8424935" cy="535612"/>
-        </a:xfrm>
-        <a:prstGeom prst="rect">
-          <a:avLst/>
-        </a:prstGeom>
-        <a:noFill/>
-        <a:ln>
-          <a:noFill/>
-        </a:ln>
-        <a:effectLst/>
-      </dsp:spPr>
-      <dsp:style>
-        <a:lnRef idx="0">
-          <a:scrgbClr r="0" g="0" b="0"/>
-        </a:lnRef>
-        <a:fillRef idx="0">
-          <a:scrgbClr r="0" g="0" b="0"/>
-        </a:fillRef>
-        <a:effectRef idx="0">
-          <a:scrgbClr r="0" g="0" b="0"/>
-        </a:effectRef>
-        <a:fontRef idx="minor"/>
-      </dsp:style>
-      <dsp:txBody>
-        <a:bodyPr spcFirstLastPara="0" vert="horz" wrap="square" lIns="267492" tIns="29210" rIns="163576" bIns="29210" numCol="1" spcCol="1270" anchor="t" anchorCtr="0">
-          <a:noAutofit/>
-        </a:bodyPr>
-        <a:lstStyle/>
-        <a:p>
-          <a:pPr marL="171450" lvl="1" indent="-171450" algn="l" defTabSz="800100" rtl="0">
-            <a:lnSpc>
-              <a:spcPct val="90000"/>
-            </a:lnSpc>
-            <a:spcBef>
-              <a:spcPct val="0"/>
-            </a:spcBef>
-            <a:spcAft>
-              <a:spcPct val="20000"/>
-            </a:spcAft>
-            <a:buChar char="••"/>
-          </a:pPr>
-          <a:r>
-            <a:rPr lang="es-AR" sz="1800" kern="1200" smtClean="0"/>
-            <a:t>Se </a:t>
-          </a:r>
-          <a:r>
-            <a:rPr lang="es-AR" sz="1800" kern="1200" dirty="0" smtClean="0"/>
-            <a:t>mantendrá un ambiente de aplicaciones similar al productivo pero que estará a disposición de los desarrolladores para probar el sistema.</a:t>
-          </a:r>
-          <a:endParaRPr lang="es-AR" sz="1800" kern="1200" dirty="0"/>
-        </a:p>
-      </dsp:txBody>
-      <dsp:txXfrm>
-        <a:off x="0" y="1703918"/>
-        <a:ext cx="8424935" cy="535612"/>
-      </dsp:txXfrm>
-    </dsp:sp>
-    <dsp:sp modelId="{04102B4A-4FE9-4B7F-A879-F3238133133D}">
-      <dsp:nvSpPr>
-        <dsp:cNvPr id="0" name=""/>
-        <dsp:cNvSpPr/>
-      </dsp:nvSpPr>
-      <dsp:spPr>
-        <a:xfrm>
-          <a:off x="0" y="2239531"/>
-          <a:ext cx="8424935" cy="538200"/>
-        </a:xfrm>
-        <a:prstGeom prst="roundRect">
-          <a:avLst/>
-        </a:prstGeom>
-        <a:solidFill>
-          <a:schemeClr val="accent1">
-            <a:hueOff val="0"/>
-            <a:satOff val="0"/>
-            <a:lumOff val="0"/>
-            <a:alphaOff val="0"/>
-          </a:schemeClr>
-        </a:solidFill>
-        <a:ln>
-          <a:noFill/>
-        </a:ln>
-        <a:effectLst/>
-        <a:scene3d>
-          <a:camera prst="orthographicFront"/>
-          <a:lightRig rig="chilly" dir="t"/>
-        </a:scene3d>
-        <a:sp3d prstMaterial="translucentPowder">
-          <a:bevelT w="127000" h="25400" prst="softRound"/>
-        </a:sp3d>
-      </dsp:spPr>
-      <dsp:style>
-        <a:lnRef idx="0">
-          <a:scrgbClr r="0" g="0" b="0"/>
-        </a:lnRef>
-        <a:fillRef idx="1">
-          <a:scrgbClr r="0" g="0" b="0"/>
-        </a:fillRef>
-        <a:effectRef idx="0">
-          <a:scrgbClr r="0" g="0" b="0"/>
-        </a:effectRef>
-        <a:fontRef idx="minor">
-          <a:schemeClr val="lt1"/>
-        </a:fontRef>
-      </dsp:style>
-      <dsp:txBody>
-        <a:bodyPr spcFirstLastPara="0" vert="horz" wrap="square" lIns="87630" tIns="87630" rIns="87630" bIns="87630" numCol="1" spcCol="1270" anchor="ctr" anchorCtr="0">
-          <a:noAutofit/>
-        </a:bodyPr>
-        <a:lstStyle/>
-        <a:p>
-          <a:pPr lvl="0" algn="l" defTabSz="1022350" rtl="0">
-            <a:lnSpc>
-              <a:spcPct val="90000"/>
-            </a:lnSpc>
-            <a:spcBef>
-              <a:spcPct val="0"/>
-            </a:spcBef>
-            <a:spcAft>
-              <a:spcPct val="35000"/>
-            </a:spcAft>
-          </a:pPr>
-          <a:r>
-            <a:rPr lang="es-AR" sz="2300" b="1" kern="1200" dirty="0" smtClean="0"/>
-            <a:t>Ambiente de QA</a:t>
-          </a:r>
-          <a:endParaRPr lang="es-AR" sz="2300" kern="1200" dirty="0"/>
-        </a:p>
-      </dsp:txBody>
-      <dsp:txXfrm>
-        <a:off x="26273" y="2265804"/>
-        <a:ext cx="8372389" cy="485654"/>
-      </dsp:txXfrm>
-    </dsp:sp>
-    <dsp:sp modelId="{52A9EA06-9FEF-4DE7-9DC2-83B65D57FC03}">
-      <dsp:nvSpPr>
-        <dsp:cNvPr id="0" name=""/>
-        <dsp:cNvSpPr/>
-      </dsp:nvSpPr>
-      <dsp:spPr>
-        <a:xfrm>
-          <a:off x="0" y="2777731"/>
-          <a:ext cx="8424935" cy="1023615"/>
-        </a:xfrm>
-        <a:prstGeom prst="rect">
-          <a:avLst/>
-        </a:prstGeom>
-        <a:noFill/>
-        <a:ln>
-          <a:noFill/>
-        </a:ln>
-        <a:effectLst/>
-      </dsp:spPr>
-      <dsp:style>
-        <a:lnRef idx="0">
-          <a:scrgbClr r="0" g="0" b="0"/>
-        </a:lnRef>
-        <a:fillRef idx="0">
-          <a:scrgbClr r="0" g="0" b="0"/>
-        </a:fillRef>
-        <a:effectRef idx="0">
-          <a:scrgbClr r="0" g="0" b="0"/>
-        </a:effectRef>
-        <a:fontRef idx="minor"/>
-      </dsp:style>
-      <dsp:txBody>
-        <a:bodyPr spcFirstLastPara="0" vert="horz" wrap="square" lIns="267492" tIns="29210" rIns="163576" bIns="29210" numCol="1" spcCol="1270" anchor="t" anchorCtr="0">
-          <a:noAutofit/>
-        </a:bodyPr>
-        <a:lstStyle/>
-        <a:p>
-          <a:pPr marL="171450" lvl="1" indent="-171450" algn="l" defTabSz="800100" rtl="0">
-            <a:lnSpc>
-              <a:spcPct val="90000"/>
-            </a:lnSpc>
-            <a:spcBef>
-              <a:spcPct val="0"/>
-            </a:spcBef>
-            <a:spcAft>
-              <a:spcPct val="20000"/>
-            </a:spcAft>
-            <a:buChar char="••"/>
-          </a:pPr>
-          <a:r>
-            <a:rPr lang="es-AR" sz="1800" kern="1200" dirty="0" smtClean="0"/>
-            <a:t>Similar al de desarrollo pero se utilizará para el </a:t>
-          </a:r>
-          <a:r>
-            <a:rPr lang="es-AR" sz="1800" kern="1200" dirty="0" err="1" smtClean="0"/>
-            <a:t>testing</a:t>
-          </a:r>
-          <a:r>
-            <a:rPr lang="es-AR" sz="1800" kern="1200" dirty="0" smtClean="0"/>
-            <a:t> integral de la aplicación y deberá mantenerse estable, las versiones que pasen los test en este ambiente se consideraran lo suficientemente estable para ser instalados en producción.</a:t>
-          </a:r>
-          <a:endParaRPr lang="es-AR" sz="1800" kern="1200" dirty="0"/>
-        </a:p>
-      </dsp:txBody>
-      <dsp:txXfrm>
-        <a:off x="0" y="2777731"/>
-        <a:ext cx="8424935" cy="1023615"/>
-      </dsp:txXfrm>
-    </dsp:sp>
-    <dsp:sp modelId="{131A7ED7-3280-4AE2-8862-ED87382174A6}">
-      <dsp:nvSpPr>
-        <dsp:cNvPr id="0" name=""/>
-        <dsp:cNvSpPr/>
-      </dsp:nvSpPr>
-      <dsp:spPr>
-        <a:xfrm>
-          <a:off x="0" y="3801346"/>
-          <a:ext cx="8424935" cy="538200"/>
-        </a:xfrm>
-        <a:prstGeom prst="roundRect">
-          <a:avLst/>
-        </a:prstGeom>
-        <a:solidFill>
-          <a:schemeClr val="accent1">
-            <a:hueOff val="0"/>
-            <a:satOff val="0"/>
-            <a:lumOff val="0"/>
-            <a:alphaOff val="0"/>
-          </a:schemeClr>
-        </a:solidFill>
-        <a:ln>
-          <a:noFill/>
-        </a:ln>
-        <a:effectLst/>
-        <a:scene3d>
-          <a:camera prst="orthographicFront"/>
-          <a:lightRig rig="chilly" dir="t"/>
-        </a:scene3d>
-        <a:sp3d prstMaterial="translucentPowder">
-          <a:bevelT w="127000" h="25400" prst="softRound"/>
-        </a:sp3d>
-      </dsp:spPr>
-      <dsp:style>
-        <a:lnRef idx="0">
-          <a:scrgbClr r="0" g="0" b="0"/>
-        </a:lnRef>
-        <a:fillRef idx="1">
-          <a:scrgbClr r="0" g="0" b="0"/>
-        </a:fillRef>
-        <a:effectRef idx="0">
-          <a:scrgbClr r="0" g="0" b="0"/>
-        </a:effectRef>
-        <a:fontRef idx="minor">
-          <a:schemeClr val="lt1"/>
-        </a:fontRef>
-      </dsp:style>
-      <dsp:txBody>
-        <a:bodyPr spcFirstLastPara="0" vert="horz" wrap="square" lIns="87630" tIns="87630" rIns="87630" bIns="87630" numCol="1" spcCol="1270" anchor="ctr" anchorCtr="0">
-          <a:noAutofit/>
-        </a:bodyPr>
-        <a:lstStyle/>
-        <a:p>
-          <a:pPr lvl="0" algn="l" defTabSz="1022350" rtl="0">
-            <a:lnSpc>
-              <a:spcPct val="90000"/>
-            </a:lnSpc>
-            <a:spcBef>
-              <a:spcPct val="0"/>
-            </a:spcBef>
-            <a:spcAft>
-              <a:spcPct val="35000"/>
-            </a:spcAft>
-          </a:pPr>
-          <a:r>
-            <a:rPr lang="es-AR" sz="2300" b="1" kern="1200" dirty="0" smtClean="0"/>
-            <a:t>Base de datos</a:t>
-          </a:r>
-          <a:endParaRPr lang="es-AR" sz="2300" kern="1200" dirty="0"/>
-        </a:p>
-      </dsp:txBody>
-      <dsp:txXfrm>
-        <a:off x="26273" y="3827619"/>
-        <a:ext cx="8372389" cy="485654"/>
-      </dsp:txXfrm>
-    </dsp:sp>
-    <dsp:sp modelId="{60AC448E-668E-41EF-BDEC-4520010FF2EA}">
-      <dsp:nvSpPr>
-        <dsp:cNvPr id="0" name=""/>
-        <dsp:cNvSpPr/>
-      </dsp:nvSpPr>
-      <dsp:spPr>
-        <a:xfrm>
-          <a:off x="0" y="4339546"/>
-          <a:ext cx="8424935" cy="535612"/>
-        </a:xfrm>
-        <a:prstGeom prst="rect">
-          <a:avLst/>
-        </a:prstGeom>
-        <a:noFill/>
-        <a:ln>
-          <a:noFill/>
-        </a:ln>
-        <a:effectLst/>
-      </dsp:spPr>
-      <dsp:style>
-        <a:lnRef idx="0">
-          <a:scrgbClr r="0" g="0" b="0"/>
-        </a:lnRef>
-        <a:fillRef idx="0">
-          <a:scrgbClr r="0" g="0" b="0"/>
-        </a:fillRef>
-        <a:effectRef idx="0">
-          <a:scrgbClr r="0" g="0" b="0"/>
-        </a:effectRef>
-        <a:fontRef idx="minor"/>
-      </dsp:style>
-      <dsp:txBody>
-        <a:bodyPr spcFirstLastPara="0" vert="horz" wrap="square" lIns="267492" tIns="29210" rIns="163576" bIns="29210" numCol="1" spcCol="1270" anchor="t" anchorCtr="0">
-          <a:noAutofit/>
-        </a:bodyPr>
-        <a:lstStyle/>
-        <a:p>
-          <a:pPr marL="171450" lvl="1" indent="-171450" algn="l" defTabSz="800100" rtl="0">
-            <a:lnSpc>
-              <a:spcPct val="90000"/>
-            </a:lnSpc>
-            <a:spcBef>
-              <a:spcPct val="0"/>
-            </a:spcBef>
-            <a:spcAft>
-              <a:spcPct val="20000"/>
-            </a:spcAft>
-            <a:buChar char="••"/>
-          </a:pPr>
-          <a:r>
-            <a:rPr lang="es-AR" sz="1800" kern="1200" dirty="0" smtClean="0"/>
-            <a:t>Se instalará la misma base de datos seleccionada para el sistema. Se utilizará para desarrollo y </a:t>
-          </a:r>
-          <a:r>
-            <a:rPr lang="es-AR" sz="1800" kern="1200" dirty="0" err="1" smtClean="0"/>
-            <a:t>testing</a:t>
-          </a:r>
-          <a:r>
-            <a:rPr lang="es-AR" sz="1800" kern="1200" dirty="0" smtClean="0"/>
-            <a:t>.</a:t>
-          </a:r>
-          <a:endParaRPr lang="es-AR" sz="1800" kern="1200" dirty="0"/>
-        </a:p>
-      </dsp:txBody>
-      <dsp:txXfrm>
-        <a:off x="0" y="4339546"/>
-        <a:ext cx="8424935" cy="535612"/>
-      </dsp:txXfrm>
-    </dsp:sp>
   </dsp:spTree>
 </dsp:drawing>
 </file>
 
 <file path=ppt/diagrams/drawing6.xml><?xml version="1.0" encoding="utf-8"?>
-<dsp:drawing xmlns:dgm="http://schemas.openxmlformats.org/drawingml/2006/diagram" xmlns:dsp="http://schemas.microsoft.com/office/drawing/2008/diagram" xmlns:a="http://schemas.openxmlformats.org/drawingml/2006/main">
+<dsp:drawing xmlns:dgm="http://schemas.openxmlformats.org/drawingml/2006/diagram" xmlns:a="http://schemas.openxmlformats.org/drawingml/2006/main" xmlns:dsp="http://schemas.microsoft.com/office/drawing/2008/diagram">
   <dsp:spTree>
     <dsp:nvGrpSpPr>
       <dsp:cNvPr id="0" name=""/>
       <dsp:cNvGrpSpPr/>
     </dsp:nvGrpSpPr>
     <dsp:grpSpPr/>
-    <dsp:sp modelId="{2EC9A3D7-BE3A-45B6-9CAB-13231F68D98C}">
-      <dsp:nvSpPr>
-        <dsp:cNvPr id="0" name=""/>
-        <dsp:cNvSpPr/>
-      </dsp:nvSpPr>
-      <dsp:spPr>
-        <a:xfrm rot="5400000">
-          <a:off x="4643239" y="-2980325"/>
-          <a:ext cx="644647" cy="6769227"/>
-        </a:xfrm>
-        <a:prstGeom prst="round2SameRect">
-          <a:avLst/>
-        </a:prstGeom>
-        <a:solidFill>
-          <a:schemeClr val="accent1">
-            <a:alpha val="90000"/>
-            <a:tint val="40000"/>
-            <a:hueOff val="0"/>
-            <a:satOff val="0"/>
-            <a:lumOff val="0"/>
-            <a:alphaOff val="0"/>
-          </a:schemeClr>
-        </a:solidFill>
-        <a:ln w="9525" cap="flat" cmpd="sng" algn="ctr">
-          <a:solidFill>
-            <a:schemeClr val="accent1">
-              <a:alpha val="90000"/>
-              <a:tint val="40000"/>
-              <a:hueOff val="0"/>
-              <a:satOff val="0"/>
-              <a:lumOff val="0"/>
-              <a:alphaOff val="0"/>
-            </a:schemeClr>
-          </a:solidFill>
-          <a:prstDash val="solid"/>
-        </a:ln>
-        <a:effectLst/>
-        <a:scene3d>
-          <a:camera prst="orthographicFront"/>
-          <a:lightRig rig="chilly" dir="t"/>
-        </a:scene3d>
-        <a:sp3d extrusionH="1700" prstMaterial="dkEdge">
-          <a:bevelT w="25400" h="6350" prst="softRound"/>
-          <a:bevelB w="0" h="0" prst="convex"/>
-        </a:sp3d>
-      </dsp:spPr>
-      <dsp:style>
-        <a:lnRef idx="1">
-          <a:scrgbClr r="0" g="0" b="0"/>
-        </a:lnRef>
-        <a:fillRef idx="1">
-          <a:scrgbClr r="0" g="0" b="0"/>
-        </a:fillRef>
-        <a:effectRef idx="0">
-          <a:scrgbClr r="0" g="0" b="0"/>
-        </a:effectRef>
-        <a:fontRef idx="minor"/>
-      </dsp:style>
-      <dsp:txBody>
-        <a:bodyPr spcFirstLastPara="0" vert="horz" wrap="square" lIns="38100" tIns="19050" rIns="38100" bIns="19050" numCol="1" spcCol="1270" anchor="ctr" anchorCtr="0">
-          <a:noAutofit/>
-        </a:bodyPr>
-        <a:lstStyle/>
-        <a:p>
-          <a:pPr marL="57150" lvl="1" indent="-57150" algn="l" defTabSz="444500" rtl="0">
-            <a:lnSpc>
-              <a:spcPct val="90000"/>
-            </a:lnSpc>
-            <a:spcBef>
-              <a:spcPct val="0"/>
-            </a:spcBef>
-            <a:spcAft>
-              <a:spcPct val="15000"/>
-            </a:spcAft>
-            <a:buChar char="••"/>
-          </a:pPr>
-          <a:r>
-            <a:rPr lang="es-ES_tradnl" sz="1000" kern="1200" dirty="0" smtClean="0"/>
-            <a:t>Crear y configurar el ambiente para que los desarrolladores puedan realizar sus tareas.</a:t>
-          </a:r>
-          <a:endParaRPr lang="es-AR" sz="1000" kern="1200" dirty="0"/>
-        </a:p>
-        <a:p>
-          <a:pPr marL="57150" lvl="1" indent="-57150" algn="l" defTabSz="444500" rtl="0">
-            <a:lnSpc>
-              <a:spcPct val="90000"/>
-            </a:lnSpc>
-            <a:spcBef>
-              <a:spcPct val="0"/>
-            </a:spcBef>
-            <a:spcAft>
-              <a:spcPct val="15000"/>
-            </a:spcAft>
-            <a:buChar char="••"/>
-          </a:pPr>
-          <a:r>
-            <a:rPr lang="es-ES_tradnl" sz="1000" kern="1200" dirty="0" smtClean="0"/>
-            <a:t>Crear/</a:t>
-          </a:r>
-          <a:r>
-            <a:rPr lang="es-ES_tradnl" sz="1000" kern="1200" dirty="0" err="1" smtClean="0"/>
-            <a:t>customizar</a:t>
-          </a:r>
-          <a:r>
-            <a:rPr lang="es-ES_tradnl" sz="1000" kern="1200" dirty="0" smtClean="0"/>
-            <a:t> </a:t>
-          </a:r>
-          <a:r>
-            <a:rPr lang="es-ES_tradnl" sz="1000" kern="1200" dirty="0" err="1" smtClean="0"/>
-            <a:t>frameworks</a:t>
-          </a:r>
-          <a:r>
-            <a:rPr lang="es-ES_tradnl" sz="1000" kern="1200" dirty="0" smtClean="0"/>
-            <a:t> necesarios para el desarrollo. </a:t>
-          </a:r>
-          <a:endParaRPr lang="es-AR" sz="1000" kern="1200" dirty="0"/>
-        </a:p>
-        <a:p>
-          <a:pPr marL="57150" lvl="1" indent="-57150" algn="l" defTabSz="444500" rtl="0">
-            <a:lnSpc>
-              <a:spcPct val="90000"/>
-            </a:lnSpc>
-            <a:spcBef>
-              <a:spcPct val="0"/>
-            </a:spcBef>
-            <a:spcAft>
-              <a:spcPct val="15000"/>
-            </a:spcAft>
-            <a:buChar char="••"/>
-          </a:pPr>
-          <a:r>
-            <a:rPr lang="es-ES_tradnl" sz="1000" kern="1200" dirty="0" smtClean="0"/>
-            <a:t>Líder de proyecto. Referente técnico para los desarrolladores, coordinar tareas. Seguimiento del desarrollo día a día.</a:t>
-          </a:r>
-          <a:endParaRPr lang="es-AR" sz="1000" kern="1200" dirty="0"/>
-        </a:p>
-      </dsp:txBody>
-      <dsp:txXfrm rot="-5400000">
-        <a:off x="1580950" y="113433"/>
-        <a:ext cx="6737758" cy="581709"/>
-      </dsp:txXfrm>
-    </dsp:sp>
-    <dsp:sp modelId="{A54634F6-3F1E-42BE-BAAC-F27D7325D13F}">
-      <dsp:nvSpPr>
-        <dsp:cNvPr id="0" name=""/>
-        <dsp:cNvSpPr/>
-      </dsp:nvSpPr>
-      <dsp:spPr>
-        <a:xfrm>
-          <a:off x="71770" y="1384"/>
-          <a:ext cx="1509179" cy="805808"/>
-        </a:xfrm>
-        <a:prstGeom prst="roundRect">
-          <a:avLst/>
-        </a:prstGeom>
-        <a:solidFill>
-          <a:schemeClr val="accent1">
-            <a:hueOff val="0"/>
-            <a:satOff val="0"/>
-            <a:lumOff val="0"/>
-            <a:alphaOff val="0"/>
-          </a:schemeClr>
-        </a:solidFill>
-        <a:ln>
-          <a:noFill/>
-        </a:ln>
-        <a:effectLst/>
-        <a:scene3d>
-          <a:camera prst="orthographicFront"/>
-          <a:lightRig rig="chilly" dir="t"/>
-        </a:scene3d>
-        <a:sp3d prstMaterial="translucentPowder">
-          <a:bevelT w="127000" h="25400" prst="softRound"/>
-        </a:sp3d>
-      </dsp:spPr>
-      <dsp:style>
-        <a:lnRef idx="0">
-          <a:scrgbClr r="0" g="0" b="0"/>
-        </a:lnRef>
-        <a:fillRef idx="1">
-          <a:scrgbClr r="0" g="0" b="0"/>
-        </a:fillRef>
-        <a:effectRef idx="0">
-          <a:scrgbClr r="0" g="0" b="0"/>
-        </a:effectRef>
-        <a:fontRef idx="minor">
-          <a:schemeClr val="lt1"/>
-        </a:fontRef>
-      </dsp:style>
-      <dsp:txBody>
-        <a:bodyPr spcFirstLastPara="0" vert="horz" wrap="square" lIns="60960" tIns="30480" rIns="60960" bIns="30480" numCol="1" spcCol="1270" anchor="ctr" anchorCtr="0">
-          <a:noAutofit/>
-        </a:bodyPr>
-        <a:lstStyle/>
-        <a:p>
-          <a:pPr lvl="0" algn="ctr" defTabSz="711200" rtl="0">
-            <a:lnSpc>
-              <a:spcPct val="90000"/>
-            </a:lnSpc>
-            <a:spcBef>
-              <a:spcPct val="0"/>
-            </a:spcBef>
-            <a:spcAft>
-              <a:spcPct val="35000"/>
-            </a:spcAft>
-          </a:pPr>
-          <a:r>
-            <a:rPr lang="es-ES_tradnl" sz="1600" kern="1200" dirty="0" smtClean="0"/>
-            <a:t>Arquitecto / </a:t>
-          </a:r>
-          <a:r>
-            <a:rPr lang="es-ES_tradnl" sz="1600" kern="1200" dirty="0" err="1" smtClean="0"/>
-            <a:t>Lider</a:t>
-          </a:r>
-          <a:r>
-            <a:rPr lang="es-ES_tradnl" sz="1600" kern="1200" dirty="0" smtClean="0"/>
-            <a:t> </a:t>
-          </a:r>
-          <a:endParaRPr lang="es-AR" sz="1600" kern="1200" dirty="0"/>
-        </a:p>
-      </dsp:txBody>
-      <dsp:txXfrm>
-        <a:off x="111106" y="40720"/>
-        <a:ext cx="1430507" cy="727136"/>
-      </dsp:txXfrm>
-    </dsp:sp>
-    <dsp:sp modelId="{00CA5B7A-E9B6-4E1F-88AE-2F4BCAEE2BEE}">
-      <dsp:nvSpPr>
-        <dsp:cNvPr id="0" name=""/>
-        <dsp:cNvSpPr/>
-      </dsp:nvSpPr>
-      <dsp:spPr>
-        <a:xfrm rot="5400000">
-          <a:off x="4644718" y="-2135735"/>
-          <a:ext cx="644647" cy="6772246"/>
-        </a:xfrm>
-        <a:prstGeom prst="round2SameRect">
-          <a:avLst/>
-        </a:prstGeom>
-        <a:solidFill>
-          <a:schemeClr val="accent1">
-            <a:alpha val="90000"/>
-            <a:tint val="40000"/>
-            <a:hueOff val="0"/>
-            <a:satOff val="0"/>
-            <a:lumOff val="0"/>
-            <a:alphaOff val="0"/>
-          </a:schemeClr>
-        </a:solidFill>
-        <a:ln w="9525" cap="flat" cmpd="sng" algn="ctr">
-          <a:solidFill>
-            <a:schemeClr val="accent1">
-              <a:alpha val="90000"/>
-              <a:tint val="40000"/>
-              <a:hueOff val="0"/>
-              <a:satOff val="0"/>
-              <a:lumOff val="0"/>
-              <a:alphaOff val="0"/>
-            </a:schemeClr>
-          </a:solidFill>
-          <a:prstDash val="solid"/>
-        </a:ln>
-        <a:effectLst/>
-        <a:scene3d>
-          <a:camera prst="orthographicFront"/>
-          <a:lightRig rig="chilly" dir="t"/>
-        </a:scene3d>
-        <a:sp3d extrusionH="1700" prstMaterial="dkEdge">
-          <a:bevelT w="25400" h="6350" prst="softRound"/>
-          <a:bevelB w="0" h="0" prst="convex"/>
-        </a:sp3d>
-      </dsp:spPr>
-      <dsp:style>
-        <a:lnRef idx="1">
-          <a:scrgbClr r="0" g="0" b="0"/>
-        </a:lnRef>
-        <a:fillRef idx="1">
-          <a:scrgbClr r="0" g="0" b="0"/>
-        </a:fillRef>
-        <a:effectRef idx="0">
-          <a:scrgbClr r="0" g="0" b="0"/>
-        </a:effectRef>
-        <a:fontRef idx="minor"/>
-      </dsp:style>
-      <dsp:txBody>
-        <a:bodyPr spcFirstLastPara="0" vert="horz" wrap="square" lIns="38100" tIns="19050" rIns="38100" bIns="19050" numCol="1" spcCol="1270" anchor="ctr" anchorCtr="0">
-          <a:noAutofit/>
-        </a:bodyPr>
-        <a:lstStyle/>
-        <a:p>
-          <a:pPr marL="57150" lvl="1" indent="-57150" algn="l" defTabSz="444500" rtl="0">
-            <a:lnSpc>
-              <a:spcPct val="90000"/>
-            </a:lnSpc>
-            <a:spcBef>
-              <a:spcPct val="0"/>
-            </a:spcBef>
-            <a:spcAft>
-              <a:spcPct val="15000"/>
-            </a:spcAft>
-            <a:buChar char="••"/>
-          </a:pPr>
-          <a:r>
-            <a:rPr lang="es-ES_tradnl" sz="1000" kern="1200" dirty="0" smtClean="0"/>
-            <a:t>Instalar, configurar y mantener el ambiente de desarrollo (</a:t>
-          </a:r>
-          <a:r>
-            <a:rPr lang="es-ES_tradnl" sz="1000" kern="1200" dirty="0" err="1" smtClean="0"/>
-            <a:t>Respositorio</a:t>
-          </a:r>
-          <a:r>
-            <a:rPr lang="es-ES_tradnl" sz="1000" kern="1200" dirty="0" smtClean="0"/>
-            <a:t>, Wiki, </a:t>
-          </a:r>
-          <a:r>
-            <a:rPr lang="es-ES_tradnl" sz="1000" kern="1200" dirty="0" err="1" smtClean="0"/>
-            <a:t>Issue</a:t>
-          </a:r>
-          <a:r>
-            <a:rPr lang="es-ES_tradnl" sz="1000" kern="1200" dirty="0" smtClean="0"/>
-            <a:t> </a:t>
-          </a:r>
-          <a:r>
-            <a:rPr lang="es-ES_tradnl" sz="1000" kern="1200" dirty="0" err="1" smtClean="0"/>
-            <a:t>Tracker</a:t>
-          </a:r>
-          <a:r>
-            <a:rPr lang="es-ES_tradnl" sz="1000" kern="1200" dirty="0" smtClean="0"/>
-            <a:t>)</a:t>
-          </a:r>
-          <a:endParaRPr lang="es-AR" sz="1000" kern="1200" dirty="0"/>
-        </a:p>
-        <a:p>
-          <a:pPr marL="57150" lvl="1" indent="-57150" algn="l" defTabSz="444500" rtl="0">
-            <a:lnSpc>
-              <a:spcPct val="90000"/>
-            </a:lnSpc>
-            <a:spcBef>
-              <a:spcPct val="0"/>
-            </a:spcBef>
-            <a:spcAft>
-              <a:spcPct val="15000"/>
-            </a:spcAft>
-            <a:buChar char="••"/>
-          </a:pPr>
-          <a:r>
-            <a:rPr lang="es-ES_tradnl" sz="1000" kern="1200" dirty="0" smtClean="0"/>
-            <a:t>Instalar y configurar el ambiente de producción. </a:t>
-          </a:r>
-          <a:endParaRPr lang="es-AR" sz="1000" kern="1200" dirty="0"/>
-        </a:p>
-      </dsp:txBody>
-      <dsp:txXfrm rot="-5400000">
-        <a:off x="1580919" y="959533"/>
-        <a:ext cx="6740777" cy="581709"/>
-      </dsp:txXfrm>
-    </dsp:sp>
-    <dsp:sp modelId="{52B6B811-7952-42DA-9BA2-D540319F008C}">
-      <dsp:nvSpPr>
-        <dsp:cNvPr id="0" name=""/>
-        <dsp:cNvSpPr/>
-      </dsp:nvSpPr>
-      <dsp:spPr>
-        <a:xfrm>
-          <a:off x="71770" y="847483"/>
-          <a:ext cx="1509148" cy="805808"/>
-        </a:xfrm>
-        <a:prstGeom prst="roundRect">
-          <a:avLst/>
-        </a:prstGeom>
-        <a:solidFill>
-          <a:schemeClr val="accent1">
-            <a:hueOff val="0"/>
-            <a:satOff val="0"/>
-            <a:lumOff val="0"/>
-            <a:alphaOff val="0"/>
-          </a:schemeClr>
-        </a:solidFill>
-        <a:ln>
-          <a:noFill/>
-        </a:ln>
-        <a:effectLst/>
-        <a:scene3d>
-          <a:camera prst="orthographicFront"/>
-          <a:lightRig rig="chilly" dir="t"/>
-        </a:scene3d>
-        <a:sp3d prstMaterial="translucentPowder">
-          <a:bevelT w="127000" h="25400" prst="softRound"/>
-        </a:sp3d>
-      </dsp:spPr>
-      <dsp:style>
-        <a:lnRef idx="0">
-          <a:scrgbClr r="0" g="0" b="0"/>
-        </a:lnRef>
-        <a:fillRef idx="1">
-          <a:scrgbClr r="0" g="0" b="0"/>
-        </a:fillRef>
-        <a:effectRef idx="0">
-          <a:scrgbClr r="0" g="0" b="0"/>
-        </a:effectRef>
-        <a:fontRef idx="minor">
-          <a:schemeClr val="lt1"/>
-        </a:fontRef>
-      </dsp:style>
-      <dsp:txBody>
-        <a:bodyPr spcFirstLastPara="0" vert="horz" wrap="square" lIns="60960" tIns="30480" rIns="60960" bIns="30480" numCol="1" spcCol="1270" anchor="ctr" anchorCtr="0">
-          <a:noAutofit/>
-        </a:bodyPr>
-        <a:lstStyle/>
-        <a:p>
-          <a:pPr lvl="0" algn="ctr" defTabSz="711200" rtl="0">
-            <a:lnSpc>
-              <a:spcPct val="90000"/>
-            </a:lnSpc>
-            <a:spcBef>
-              <a:spcPct val="0"/>
-            </a:spcBef>
-            <a:spcAft>
-              <a:spcPct val="35000"/>
-            </a:spcAft>
-          </a:pPr>
-          <a:r>
-            <a:rPr lang="es-ES_tradnl" sz="1600" kern="1200" dirty="0" err="1" smtClean="0"/>
-            <a:t>It</a:t>
-          </a:r>
-          <a:r>
-            <a:rPr lang="es-ES_tradnl" sz="1600" kern="1200" dirty="0" smtClean="0"/>
-            <a:t> </a:t>
-          </a:r>
-          <a:endParaRPr lang="es-AR" sz="1600" kern="1200" dirty="0"/>
-        </a:p>
-      </dsp:txBody>
-      <dsp:txXfrm>
-        <a:off x="111106" y="886819"/>
-        <a:ext cx="1430476" cy="727136"/>
-      </dsp:txXfrm>
-    </dsp:sp>
-    <dsp:sp modelId="{853ED3EB-CEB3-40F1-A6E1-E21DD3984648}">
-      <dsp:nvSpPr>
-        <dsp:cNvPr id="0" name=""/>
-        <dsp:cNvSpPr/>
-      </dsp:nvSpPr>
-      <dsp:spPr>
-        <a:xfrm rot="5400000">
-          <a:off x="4644722" y="-1289609"/>
-          <a:ext cx="644647" cy="6772192"/>
-        </a:xfrm>
-        <a:prstGeom prst="round2SameRect">
-          <a:avLst/>
-        </a:prstGeom>
-        <a:solidFill>
-          <a:schemeClr val="accent1">
-            <a:alpha val="90000"/>
-            <a:tint val="40000"/>
-            <a:hueOff val="0"/>
-            <a:satOff val="0"/>
-            <a:lumOff val="0"/>
-            <a:alphaOff val="0"/>
-          </a:schemeClr>
-        </a:solidFill>
-        <a:ln w="9525" cap="flat" cmpd="sng" algn="ctr">
-          <a:solidFill>
-            <a:schemeClr val="accent1">
-              <a:alpha val="90000"/>
-              <a:tint val="40000"/>
-              <a:hueOff val="0"/>
-              <a:satOff val="0"/>
-              <a:lumOff val="0"/>
-              <a:alphaOff val="0"/>
-            </a:schemeClr>
-          </a:solidFill>
-          <a:prstDash val="solid"/>
-        </a:ln>
-        <a:effectLst/>
-        <a:scene3d>
-          <a:camera prst="orthographicFront"/>
-          <a:lightRig rig="chilly" dir="t"/>
-        </a:scene3d>
-        <a:sp3d extrusionH="1700" prstMaterial="dkEdge">
-          <a:bevelT w="25400" h="6350" prst="softRound"/>
-          <a:bevelB w="0" h="0" prst="convex"/>
-        </a:sp3d>
-      </dsp:spPr>
-      <dsp:style>
-        <a:lnRef idx="1">
-          <a:scrgbClr r="0" g="0" b="0"/>
-        </a:lnRef>
-        <a:fillRef idx="1">
-          <a:scrgbClr r="0" g="0" b="0"/>
-        </a:fillRef>
-        <a:effectRef idx="0">
-          <a:scrgbClr r="0" g="0" b="0"/>
-        </a:effectRef>
-        <a:fontRef idx="minor"/>
-      </dsp:style>
-      <dsp:txBody>
-        <a:bodyPr spcFirstLastPara="0" vert="horz" wrap="square" lIns="38100" tIns="19050" rIns="38100" bIns="19050" numCol="1" spcCol="1270" anchor="ctr" anchorCtr="0">
-          <a:noAutofit/>
-        </a:bodyPr>
-        <a:lstStyle/>
-        <a:p>
-          <a:pPr marL="57150" lvl="1" indent="-57150" algn="l" defTabSz="444500" rtl="0">
-            <a:lnSpc>
-              <a:spcPct val="90000"/>
-            </a:lnSpc>
-            <a:spcBef>
-              <a:spcPct val="0"/>
-            </a:spcBef>
-            <a:spcAft>
-              <a:spcPct val="15000"/>
-            </a:spcAft>
-            <a:buChar char="••"/>
-          </a:pPr>
-          <a:r>
-            <a:rPr lang="es-ES_tradnl" sz="1000" kern="1200" dirty="0" smtClean="0"/>
-            <a:t>Proveer los ABM de la aplicación y aquellas partes con bajo nivel de dificultad de programación</a:t>
-          </a:r>
-          <a:endParaRPr lang="es-AR" sz="1000" kern="1200" dirty="0"/>
-        </a:p>
-      </dsp:txBody>
-      <dsp:txXfrm rot="-5400000">
-        <a:off x="1580950" y="1805632"/>
-        <a:ext cx="6740723" cy="581709"/>
-      </dsp:txXfrm>
-    </dsp:sp>
-    <dsp:sp modelId="{AFCE5C51-BFBB-4AFE-830C-74079CB0C626}">
-      <dsp:nvSpPr>
-        <dsp:cNvPr id="0" name=""/>
-        <dsp:cNvSpPr/>
-      </dsp:nvSpPr>
-      <dsp:spPr>
-        <a:xfrm>
-          <a:off x="71770" y="1693582"/>
-          <a:ext cx="1509179" cy="805808"/>
-        </a:xfrm>
-        <a:prstGeom prst="roundRect">
-          <a:avLst/>
-        </a:prstGeom>
-        <a:solidFill>
-          <a:schemeClr val="accent1">
-            <a:hueOff val="0"/>
-            <a:satOff val="0"/>
-            <a:lumOff val="0"/>
-            <a:alphaOff val="0"/>
-          </a:schemeClr>
-        </a:solidFill>
-        <a:ln>
-          <a:noFill/>
-        </a:ln>
-        <a:effectLst/>
-        <a:scene3d>
-          <a:camera prst="orthographicFront"/>
-          <a:lightRig rig="chilly" dir="t"/>
-        </a:scene3d>
-        <a:sp3d prstMaterial="translucentPowder">
-          <a:bevelT w="127000" h="25400" prst="softRound"/>
-        </a:sp3d>
-      </dsp:spPr>
-      <dsp:style>
-        <a:lnRef idx="0">
-          <a:scrgbClr r="0" g="0" b="0"/>
-        </a:lnRef>
-        <a:fillRef idx="1">
-          <a:scrgbClr r="0" g="0" b="0"/>
-        </a:fillRef>
-        <a:effectRef idx="0">
-          <a:scrgbClr r="0" g="0" b="0"/>
-        </a:effectRef>
-        <a:fontRef idx="minor">
-          <a:schemeClr val="lt1"/>
-        </a:fontRef>
-      </dsp:style>
-      <dsp:txBody>
-        <a:bodyPr spcFirstLastPara="0" vert="horz" wrap="square" lIns="60960" tIns="30480" rIns="60960" bIns="30480" numCol="1" spcCol="1270" anchor="ctr" anchorCtr="0">
-          <a:noAutofit/>
-        </a:bodyPr>
-        <a:lstStyle/>
-        <a:p>
-          <a:pPr lvl="0" algn="ctr" defTabSz="711200" rtl="0">
-            <a:lnSpc>
-              <a:spcPct val="90000"/>
-            </a:lnSpc>
-            <a:spcBef>
-              <a:spcPct val="0"/>
-            </a:spcBef>
-            <a:spcAft>
-              <a:spcPct val="35000"/>
-            </a:spcAft>
-          </a:pPr>
-          <a:r>
-            <a:rPr lang="es-ES_tradnl" sz="1600" kern="1200" dirty="0" smtClean="0"/>
-            <a:t>Programador Junior </a:t>
-          </a:r>
-          <a:endParaRPr lang="es-AR" sz="1600" kern="1200" dirty="0"/>
-        </a:p>
-      </dsp:txBody>
-      <dsp:txXfrm>
-        <a:off x="111106" y="1732918"/>
-        <a:ext cx="1430507" cy="727136"/>
-      </dsp:txXfrm>
-    </dsp:sp>
-    <dsp:sp modelId="{E327BABE-5698-4713-9AB7-E15203D95019}">
-      <dsp:nvSpPr>
-        <dsp:cNvPr id="0" name=""/>
-        <dsp:cNvSpPr/>
-      </dsp:nvSpPr>
-      <dsp:spPr>
-        <a:xfrm rot="5400000">
-          <a:off x="4630406" y="-429194"/>
-          <a:ext cx="644647" cy="6743561"/>
-        </a:xfrm>
-        <a:prstGeom prst="round2SameRect">
-          <a:avLst/>
-        </a:prstGeom>
-        <a:solidFill>
-          <a:schemeClr val="accent1">
-            <a:alpha val="90000"/>
-            <a:tint val="40000"/>
-            <a:hueOff val="0"/>
-            <a:satOff val="0"/>
-            <a:lumOff val="0"/>
-            <a:alphaOff val="0"/>
-          </a:schemeClr>
-        </a:solidFill>
-        <a:ln w="9525" cap="flat" cmpd="sng" algn="ctr">
-          <a:solidFill>
-            <a:schemeClr val="accent1">
-              <a:alpha val="90000"/>
-              <a:tint val="40000"/>
-              <a:hueOff val="0"/>
-              <a:satOff val="0"/>
-              <a:lumOff val="0"/>
-              <a:alphaOff val="0"/>
-            </a:schemeClr>
-          </a:solidFill>
-          <a:prstDash val="solid"/>
-        </a:ln>
-        <a:effectLst/>
-        <a:scene3d>
-          <a:camera prst="orthographicFront"/>
-          <a:lightRig rig="chilly" dir="t"/>
-        </a:scene3d>
-        <a:sp3d extrusionH="1700" prstMaterial="dkEdge">
-          <a:bevelT w="25400" h="6350" prst="softRound"/>
-          <a:bevelB w="0" h="0" prst="convex"/>
-        </a:sp3d>
-      </dsp:spPr>
-      <dsp:style>
-        <a:lnRef idx="1">
-          <a:scrgbClr r="0" g="0" b="0"/>
-        </a:lnRef>
-        <a:fillRef idx="1">
-          <a:scrgbClr r="0" g="0" b="0"/>
-        </a:fillRef>
-        <a:effectRef idx="0">
-          <a:scrgbClr r="0" g="0" b="0"/>
-        </a:effectRef>
-        <a:fontRef idx="minor"/>
-      </dsp:style>
-      <dsp:txBody>
-        <a:bodyPr spcFirstLastPara="0" vert="horz" wrap="square" lIns="38100" tIns="19050" rIns="38100" bIns="19050" numCol="1" spcCol="1270" anchor="ctr" anchorCtr="0">
-          <a:noAutofit/>
-        </a:bodyPr>
-        <a:lstStyle/>
-        <a:p>
-          <a:pPr marL="57150" lvl="1" indent="-57150" algn="l" defTabSz="444500" rtl="0">
-            <a:lnSpc>
-              <a:spcPct val="90000"/>
-            </a:lnSpc>
-            <a:spcBef>
-              <a:spcPct val="0"/>
-            </a:spcBef>
-            <a:spcAft>
-              <a:spcPct val="15000"/>
-            </a:spcAft>
-            <a:buChar char="••"/>
-          </a:pPr>
-          <a:r>
-            <a:rPr lang="es-ES_tradnl" sz="1000" kern="1200" dirty="0" smtClean="0"/>
-            <a:t>Se le asignaran principalmente las interfaces de usuario. </a:t>
-          </a:r>
-          <a:r>
-            <a:rPr lang="es-ES_tradnl" sz="1000" kern="1200" dirty="0" err="1" smtClean="0"/>
-            <a:t>Debera</a:t>
-          </a:r>
-          <a:r>
-            <a:rPr lang="es-ES_tradnl" sz="1000" kern="1200" dirty="0" smtClean="0"/>
-            <a:t> ser el primer </a:t>
-          </a:r>
-          <a:r>
-            <a:rPr lang="es-ES_tradnl" sz="1000" kern="1200" dirty="0" err="1" smtClean="0"/>
-            <a:t>eslabon</a:t>
-          </a:r>
-          <a:r>
-            <a:rPr lang="es-ES_tradnl" sz="1000" kern="1200" dirty="0" smtClean="0"/>
-            <a:t> de consulta y ayuda para los niveles junior de </a:t>
-          </a:r>
-          <a:r>
-            <a:rPr lang="es-ES_tradnl" sz="1000" kern="1200" dirty="0" err="1" smtClean="0"/>
-            <a:t>seniority</a:t>
-          </a:r>
-          <a:r>
-            <a:rPr lang="es-ES_tradnl" sz="1000" kern="1200" dirty="0" smtClean="0"/>
-            <a:t>.</a:t>
-          </a:r>
-          <a:endParaRPr lang="es-AR" sz="1000" kern="1200" dirty="0"/>
-        </a:p>
-      </dsp:txBody>
-      <dsp:txXfrm rot="-5400000">
-        <a:off x="1580950" y="2651731"/>
-        <a:ext cx="6712092" cy="581709"/>
-      </dsp:txXfrm>
-    </dsp:sp>
-    <dsp:sp modelId="{A468E0C8-3E4F-4106-ADF5-DFDF2616FB58}">
-      <dsp:nvSpPr>
-        <dsp:cNvPr id="0" name=""/>
-        <dsp:cNvSpPr/>
-      </dsp:nvSpPr>
-      <dsp:spPr>
-        <a:xfrm>
-          <a:off x="71770" y="2539681"/>
-          <a:ext cx="1509179" cy="805808"/>
-        </a:xfrm>
-        <a:prstGeom prst="roundRect">
-          <a:avLst/>
-        </a:prstGeom>
-        <a:solidFill>
-          <a:schemeClr val="accent1">
-            <a:hueOff val="0"/>
-            <a:satOff val="0"/>
-            <a:lumOff val="0"/>
-            <a:alphaOff val="0"/>
-          </a:schemeClr>
-        </a:solidFill>
-        <a:ln>
-          <a:noFill/>
-        </a:ln>
-        <a:effectLst/>
-        <a:scene3d>
-          <a:camera prst="orthographicFront"/>
-          <a:lightRig rig="chilly" dir="t"/>
-        </a:scene3d>
-        <a:sp3d prstMaterial="translucentPowder">
-          <a:bevelT w="127000" h="25400" prst="softRound"/>
-        </a:sp3d>
-      </dsp:spPr>
-      <dsp:style>
-        <a:lnRef idx="0">
-          <a:scrgbClr r="0" g="0" b="0"/>
-        </a:lnRef>
-        <a:fillRef idx="1">
-          <a:scrgbClr r="0" g="0" b="0"/>
-        </a:fillRef>
-        <a:effectRef idx="0">
-          <a:scrgbClr r="0" g="0" b="0"/>
-        </a:effectRef>
-        <a:fontRef idx="minor">
-          <a:schemeClr val="lt1"/>
-        </a:fontRef>
-      </dsp:style>
-      <dsp:txBody>
-        <a:bodyPr spcFirstLastPara="0" vert="horz" wrap="square" lIns="60960" tIns="30480" rIns="60960" bIns="30480" numCol="1" spcCol="1270" anchor="ctr" anchorCtr="0">
-          <a:noAutofit/>
-        </a:bodyPr>
-        <a:lstStyle/>
-        <a:p>
-          <a:pPr lvl="0" algn="ctr" defTabSz="711200" rtl="0">
-            <a:lnSpc>
-              <a:spcPct val="90000"/>
-            </a:lnSpc>
-            <a:spcBef>
-              <a:spcPct val="0"/>
-            </a:spcBef>
-            <a:spcAft>
-              <a:spcPct val="35000"/>
-            </a:spcAft>
-          </a:pPr>
-          <a:r>
-            <a:rPr lang="es-ES_tradnl" sz="1600" kern="1200" dirty="0" smtClean="0"/>
-            <a:t>Programador </a:t>
-          </a:r>
-          <a:r>
-            <a:rPr lang="es-ES_tradnl" sz="1600" kern="1200" dirty="0" err="1" smtClean="0"/>
-            <a:t>SemiSenior</a:t>
-          </a:r>
-          <a:r>
-            <a:rPr lang="es-ES_tradnl" sz="1600" kern="1200" dirty="0" smtClean="0"/>
-            <a:t> </a:t>
-          </a:r>
-          <a:endParaRPr lang="es-AR" sz="1600" kern="1200" dirty="0"/>
-        </a:p>
-      </dsp:txBody>
-      <dsp:txXfrm>
-        <a:off x="111106" y="2579017"/>
-        <a:ext cx="1430507" cy="727136"/>
-      </dsp:txXfrm>
-    </dsp:sp>
-    <dsp:sp modelId="{D8581B53-391F-4F4E-89D7-11E63ED5F679}">
-      <dsp:nvSpPr>
-        <dsp:cNvPr id="0" name=""/>
-        <dsp:cNvSpPr/>
-      </dsp:nvSpPr>
-      <dsp:spPr>
-        <a:xfrm rot="5400000">
-          <a:off x="4613903" y="433377"/>
-          <a:ext cx="644647" cy="6710616"/>
-        </a:xfrm>
-        <a:prstGeom prst="round2SameRect">
-          <a:avLst/>
-        </a:prstGeom>
-        <a:solidFill>
-          <a:schemeClr val="accent1">
-            <a:alpha val="90000"/>
-            <a:tint val="40000"/>
-            <a:hueOff val="0"/>
-            <a:satOff val="0"/>
-            <a:lumOff val="0"/>
-            <a:alphaOff val="0"/>
-          </a:schemeClr>
-        </a:solidFill>
-        <a:ln w="9525" cap="flat" cmpd="sng" algn="ctr">
-          <a:solidFill>
-            <a:schemeClr val="accent1">
-              <a:alpha val="90000"/>
-              <a:tint val="40000"/>
-              <a:hueOff val="0"/>
-              <a:satOff val="0"/>
-              <a:lumOff val="0"/>
-              <a:alphaOff val="0"/>
-            </a:schemeClr>
-          </a:solidFill>
-          <a:prstDash val="solid"/>
-        </a:ln>
-        <a:effectLst/>
-        <a:scene3d>
-          <a:camera prst="orthographicFront"/>
-          <a:lightRig rig="chilly" dir="t"/>
-        </a:scene3d>
-        <a:sp3d extrusionH="1700" prstMaterial="dkEdge">
-          <a:bevelT w="25400" h="6350" prst="softRound"/>
-          <a:bevelB w="0" h="0" prst="convex"/>
-        </a:sp3d>
-      </dsp:spPr>
-      <dsp:style>
-        <a:lnRef idx="1">
-          <a:scrgbClr r="0" g="0" b="0"/>
-        </a:lnRef>
-        <a:fillRef idx="1">
-          <a:scrgbClr r="0" g="0" b="0"/>
-        </a:fillRef>
-        <a:effectRef idx="0">
-          <a:scrgbClr r="0" g="0" b="0"/>
-        </a:effectRef>
-        <a:fontRef idx="minor"/>
-      </dsp:style>
-      <dsp:txBody>
-        <a:bodyPr spcFirstLastPara="0" vert="horz" wrap="square" lIns="38100" tIns="19050" rIns="38100" bIns="19050" numCol="1" spcCol="1270" anchor="ctr" anchorCtr="0">
-          <a:noAutofit/>
-        </a:bodyPr>
-        <a:lstStyle/>
-        <a:p>
-          <a:pPr marL="57150" lvl="1" indent="-57150" algn="l" defTabSz="444500" rtl="0">
-            <a:lnSpc>
-              <a:spcPct val="90000"/>
-            </a:lnSpc>
-            <a:spcBef>
-              <a:spcPct val="0"/>
-            </a:spcBef>
-            <a:spcAft>
-              <a:spcPct val="15000"/>
-            </a:spcAft>
-            <a:buChar char="••"/>
-          </a:pPr>
-          <a:r>
-            <a:rPr lang="es-ES_tradnl" sz="1000" kern="1200" dirty="0" err="1" smtClean="0"/>
-            <a:t>Estara</a:t>
-          </a:r>
-          <a:r>
-            <a:rPr lang="es-ES_tradnl" sz="1000" kern="1200" dirty="0" smtClean="0"/>
-            <a:t> abocado a la integración con el sistema STARS, </a:t>
-          </a:r>
-          <a:r>
-            <a:rPr lang="es-ES_tradnl" sz="1000" kern="1200" dirty="0" err="1" smtClean="0"/>
-            <a:t>modulos</a:t>
-          </a:r>
-          <a:r>
-            <a:rPr lang="es-ES_tradnl" sz="1000" kern="1200" dirty="0" smtClean="0"/>
-            <a:t> de administración y todas aquellas tareas las cuales por complejidad, excedan a los dos primeros niveles.</a:t>
-          </a:r>
-          <a:endParaRPr lang="es-AR" sz="1000" kern="1200" dirty="0"/>
-        </a:p>
-      </dsp:txBody>
-      <dsp:txXfrm rot="-5400000">
-        <a:off x="1580919" y="3497831"/>
-        <a:ext cx="6679147" cy="581709"/>
-      </dsp:txXfrm>
-    </dsp:sp>
-    <dsp:sp modelId="{3A08988E-B1B6-4341-A1DE-CB79C1CC38F9}">
-      <dsp:nvSpPr>
-        <dsp:cNvPr id="0" name=""/>
-        <dsp:cNvSpPr/>
-      </dsp:nvSpPr>
-      <dsp:spPr>
-        <a:xfrm>
-          <a:off x="71770" y="3385780"/>
-          <a:ext cx="1509148" cy="805808"/>
-        </a:xfrm>
-        <a:prstGeom prst="roundRect">
-          <a:avLst/>
-        </a:prstGeom>
-        <a:solidFill>
-          <a:schemeClr val="accent1">
-            <a:hueOff val="0"/>
-            <a:satOff val="0"/>
-            <a:lumOff val="0"/>
-            <a:alphaOff val="0"/>
-          </a:schemeClr>
-        </a:solidFill>
-        <a:ln>
-          <a:noFill/>
-        </a:ln>
-        <a:effectLst/>
-        <a:scene3d>
-          <a:camera prst="orthographicFront"/>
-          <a:lightRig rig="chilly" dir="t"/>
-        </a:scene3d>
-        <a:sp3d prstMaterial="translucentPowder">
-          <a:bevelT w="127000" h="25400" prst="softRound"/>
-        </a:sp3d>
-      </dsp:spPr>
-      <dsp:style>
-        <a:lnRef idx="0">
-          <a:scrgbClr r="0" g="0" b="0"/>
-        </a:lnRef>
-        <a:fillRef idx="1">
-          <a:scrgbClr r="0" g="0" b="0"/>
-        </a:fillRef>
-        <a:effectRef idx="0">
-          <a:scrgbClr r="0" g="0" b="0"/>
-        </a:effectRef>
-        <a:fontRef idx="minor">
-          <a:schemeClr val="lt1"/>
-        </a:fontRef>
-      </dsp:style>
-      <dsp:txBody>
-        <a:bodyPr spcFirstLastPara="0" vert="horz" wrap="square" lIns="60960" tIns="30480" rIns="60960" bIns="30480" numCol="1" spcCol="1270" anchor="ctr" anchorCtr="0">
-          <a:noAutofit/>
-        </a:bodyPr>
-        <a:lstStyle/>
-        <a:p>
-          <a:pPr lvl="0" algn="ctr" defTabSz="711200" rtl="0">
-            <a:lnSpc>
-              <a:spcPct val="90000"/>
-            </a:lnSpc>
-            <a:spcBef>
-              <a:spcPct val="0"/>
-            </a:spcBef>
-            <a:spcAft>
-              <a:spcPct val="35000"/>
-            </a:spcAft>
-          </a:pPr>
-          <a:r>
-            <a:rPr lang="es-ES_tradnl" sz="1600" kern="1200" dirty="0" smtClean="0"/>
-            <a:t>Programador </a:t>
-          </a:r>
-          <a:r>
-            <a:rPr lang="es-ES_tradnl" sz="1600" kern="1200" dirty="0" err="1" smtClean="0"/>
-            <a:t>Senior</a:t>
-          </a:r>
-          <a:endParaRPr lang="es-AR" sz="1600" kern="1200" dirty="0"/>
-        </a:p>
-      </dsp:txBody>
-      <dsp:txXfrm>
-        <a:off x="111106" y="3425116"/>
-        <a:ext cx="1430476" cy="727136"/>
-      </dsp:txXfrm>
-    </dsp:sp>
-    <dsp:sp modelId="{F9165486-FF39-4423-9C29-129BA43F4654}">
-      <dsp:nvSpPr>
-        <dsp:cNvPr id="0" name=""/>
-        <dsp:cNvSpPr/>
-      </dsp:nvSpPr>
-      <dsp:spPr>
-        <a:xfrm rot="5400000">
-          <a:off x="4643239" y="1250171"/>
-          <a:ext cx="644647" cy="6769227"/>
-        </a:xfrm>
-        <a:prstGeom prst="round2SameRect">
-          <a:avLst/>
-        </a:prstGeom>
-        <a:solidFill>
-          <a:schemeClr val="accent1">
-            <a:alpha val="90000"/>
-            <a:tint val="40000"/>
-            <a:hueOff val="0"/>
-            <a:satOff val="0"/>
-            <a:lumOff val="0"/>
-            <a:alphaOff val="0"/>
-          </a:schemeClr>
-        </a:solidFill>
-        <a:ln w="9525" cap="flat" cmpd="sng" algn="ctr">
-          <a:solidFill>
-            <a:schemeClr val="accent1">
-              <a:alpha val="90000"/>
-              <a:tint val="40000"/>
-              <a:hueOff val="0"/>
-              <a:satOff val="0"/>
-              <a:lumOff val="0"/>
-              <a:alphaOff val="0"/>
-            </a:schemeClr>
-          </a:solidFill>
-          <a:prstDash val="solid"/>
-        </a:ln>
-        <a:effectLst/>
-        <a:scene3d>
-          <a:camera prst="orthographicFront"/>
-          <a:lightRig rig="chilly" dir="t"/>
-        </a:scene3d>
-        <a:sp3d extrusionH="1700" prstMaterial="dkEdge">
-          <a:bevelT w="25400" h="6350" prst="softRound"/>
-          <a:bevelB w="0" h="0" prst="convex"/>
-        </a:sp3d>
-      </dsp:spPr>
-      <dsp:style>
-        <a:lnRef idx="1">
-          <a:scrgbClr r="0" g="0" b="0"/>
-        </a:lnRef>
-        <a:fillRef idx="1">
-          <a:scrgbClr r="0" g="0" b="0"/>
-        </a:fillRef>
-        <a:effectRef idx="0">
-          <a:scrgbClr r="0" g="0" b="0"/>
-        </a:effectRef>
-        <a:fontRef idx="minor"/>
-      </dsp:style>
-      <dsp:txBody>
-        <a:bodyPr spcFirstLastPara="0" vert="horz" wrap="square" lIns="38100" tIns="19050" rIns="38100" bIns="19050" numCol="1" spcCol="1270" anchor="ctr" anchorCtr="0">
-          <a:noAutofit/>
-        </a:bodyPr>
-        <a:lstStyle/>
-        <a:p>
-          <a:pPr marL="57150" lvl="1" indent="-57150" algn="l" defTabSz="444500" rtl="0">
-            <a:lnSpc>
-              <a:spcPct val="90000"/>
-            </a:lnSpc>
-            <a:spcBef>
-              <a:spcPct val="0"/>
-            </a:spcBef>
-            <a:spcAft>
-              <a:spcPct val="15000"/>
-            </a:spcAft>
-            <a:buChar char="••"/>
-          </a:pPr>
-          <a:r>
-            <a:rPr lang="es-ES_tradnl" sz="1000" kern="1200" dirty="0" smtClean="0"/>
-            <a:t>Desarrollar </a:t>
-          </a:r>
-          <a:r>
-            <a:rPr lang="es-ES_tradnl" sz="1000" kern="1200" dirty="0" err="1" smtClean="0"/>
-            <a:t>llos</a:t>
-          </a:r>
-          <a:r>
-            <a:rPr lang="es-ES_tradnl" sz="1000" kern="1200" dirty="0" smtClean="0"/>
-            <a:t> test cases para el software. </a:t>
-          </a:r>
-          <a:endParaRPr lang="es-AR" sz="1000" kern="1200" dirty="0"/>
-        </a:p>
-        <a:p>
-          <a:pPr marL="57150" lvl="1" indent="-57150" algn="l" defTabSz="444500" rtl="0">
-            <a:lnSpc>
-              <a:spcPct val="90000"/>
-            </a:lnSpc>
-            <a:spcBef>
-              <a:spcPct val="0"/>
-            </a:spcBef>
-            <a:spcAft>
-              <a:spcPct val="15000"/>
-            </a:spcAft>
-            <a:buChar char="••"/>
-          </a:pPr>
-          <a:r>
-            <a:rPr lang="es-ES_tradnl" sz="1000" kern="1200" dirty="0" smtClean="0"/>
-            <a:t>Llevar a cabo las pruebas. </a:t>
-          </a:r>
-          <a:endParaRPr lang="es-AR" sz="1000" kern="1200" dirty="0"/>
-        </a:p>
-        <a:p>
-          <a:pPr marL="57150" lvl="1" indent="-57150" algn="l" defTabSz="444500" rtl="0">
-            <a:lnSpc>
-              <a:spcPct val="90000"/>
-            </a:lnSpc>
-            <a:spcBef>
-              <a:spcPct val="0"/>
-            </a:spcBef>
-            <a:spcAft>
-              <a:spcPct val="15000"/>
-            </a:spcAft>
-            <a:buChar char="••"/>
-          </a:pPr>
-          <a:r>
-            <a:rPr lang="es-ES_tradnl" sz="1000" kern="1200" dirty="0" smtClean="0"/>
-            <a:t>Crear </a:t>
-          </a:r>
-          <a:r>
-            <a:rPr lang="es-ES_tradnl" sz="1000" kern="1200" dirty="0" err="1" smtClean="0"/>
-            <a:t>ticktes</a:t>
-          </a:r>
-          <a:r>
-            <a:rPr lang="es-ES_tradnl" sz="1000" kern="1200" dirty="0" smtClean="0"/>
-            <a:t> por defectos, mejoras, etc. Utilizando el sistema de </a:t>
-          </a:r>
-          <a:r>
-            <a:rPr lang="es-ES_tradnl" sz="1000" kern="1200" dirty="0" err="1" smtClean="0"/>
-            <a:t>issue</a:t>
-          </a:r>
-          <a:r>
-            <a:rPr lang="es-ES_tradnl" sz="1000" kern="1200" dirty="0" smtClean="0"/>
-            <a:t> </a:t>
-          </a:r>
-          <a:r>
-            <a:rPr lang="es-ES_tradnl" sz="1000" kern="1200" dirty="0" err="1" smtClean="0"/>
-            <a:t>tracker</a:t>
-          </a:r>
-          <a:r>
-            <a:rPr lang="es-ES_tradnl" sz="1000" kern="1200" dirty="0" smtClean="0"/>
-            <a:t>.</a:t>
-          </a:r>
-          <a:endParaRPr lang="es-AR" sz="1000" kern="1200" dirty="0"/>
-        </a:p>
-      </dsp:txBody>
-      <dsp:txXfrm rot="-5400000">
-        <a:off x="1580950" y="4343930"/>
-        <a:ext cx="6737758" cy="581709"/>
-      </dsp:txXfrm>
-    </dsp:sp>
-    <dsp:sp modelId="{DCC34C6A-92C8-483A-B62C-58FDCAAB2889}">
-      <dsp:nvSpPr>
-        <dsp:cNvPr id="0" name=""/>
-        <dsp:cNvSpPr/>
-      </dsp:nvSpPr>
-      <dsp:spPr>
-        <a:xfrm>
-          <a:off x="71770" y="4231880"/>
-          <a:ext cx="1509179" cy="805808"/>
-        </a:xfrm>
-        <a:prstGeom prst="roundRect">
-          <a:avLst/>
-        </a:prstGeom>
-        <a:solidFill>
-          <a:schemeClr val="accent1">
-            <a:hueOff val="0"/>
-            <a:satOff val="0"/>
-            <a:lumOff val="0"/>
-            <a:alphaOff val="0"/>
-          </a:schemeClr>
-        </a:solidFill>
-        <a:ln>
-          <a:noFill/>
-        </a:ln>
-        <a:effectLst/>
-        <a:scene3d>
-          <a:camera prst="orthographicFront"/>
-          <a:lightRig rig="chilly" dir="t"/>
-        </a:scene3d>
-        <a:sp3d prstMaterial="translucentPowder">
-          <a:bevelT w="127000" h="25400" prst="softRound"/>
-        </a:sp3d>
-      </dsp:spPr>
-      <dsp:style>
-        <a:lnRef idx="0">
-          <a:scrgbClr r="0" g="0" b="0"/>
-        </a:lnRef>
-        <a:fillRef idx="1">
-          <a:scrgbClr r="0" g="0" b="0"/>
-        </a:fillRef>
-        <a:effectRef idx="0">
-          <a:scrgbClr r="0" g="0" b="0"/>
-        </a:effectRef>
-        <a:fontRef idx="minor">
-          <a:schemeClr val="lt1"/>
-        </a:fontRef>
-      </dsp:style>
-      <dsp:txBody>
-        <a:bodyPr spcFirstLastPara="0" vert="horz" wrap="square" lIns="60960" tIns="30480" rIns="60960" bIns="30480" numCol="1" spcCol="1270" anchor="ctr" anchorCtr="0">
-          <a:noAutofit/>
-        </a:bodyPr>
-        <a:lstStyle/>
-        <a:p>
-          <a:pPr lvl="0" algn="ctr" defTabSz="711200" rtl="0">
-            <a:lnSpc>
-              <a:spcPct val="90000"/>
-            </a:lnSpc>
-            <a:spcBef>
-              <a:spcPct val="0"/>
-            </a:spcBef>
-            <a:spcAft>
-              <a:spcPct val="35000"/>
-            </a:spcAft>
-          </a:pPr>
-          <a:r>
-            <a:rPr lang="es-ES_tradnl" sz="1600" kern="1200" dirty="0" err="1" smtClean="0"/>
-            <a:t>Tester</a:t>
-          </a:r>
-          <a:r>
-            <a:rPr lang="es-ES_tradnl" sz="1600" kern="1200" dirty="0" smtClean="0"/>
-            <a:t> </a:t>
-          </a:r>
-          <a:endParaRPr lang="es-AR" sz="1600" kern="1200" dirty="0"/>
-        </a:p>
-      </dsp:txBody>
-      <dsp:txXfrm>
-        <a:off x="111106" y="4271216"/>
-        <a:ext cx="1430507" cy="727136"/>
-      </dsp:txXfrm>
-    </dsp:sp>
   </dsp:spTree>
 </dsp:drawing>
 </file>
@@ -21153,7 +17330,7 @@
               <a:pPr>
                 <a:defRPr/>
               </a:pPr>
-              <a:t>‹#›</a:t>
+              <a:t>‹Nº›</a:t>
             </a:fld>
             <a:endParaRPr lang="en-US"/>
           </a:p>
@@ -21162,7 +17339,7 @@
     </p:spTree>
     <p:extLst>
       <p:ext uri="{BB962C8B-B14F-4D97-AF65-F5344CB8AC3E}">
-        <p14:creationId xmlns:p14="http://schemas.microsoft.com/office/powerpoint/2010/main" val="2195258505"/>
+        <p14:creationId xmlns:p14="http://schemas.microsoft.com/office/powerpoint/2010/main" xmlns="" val="2195258505"/>
       </p:ext>
     </p:extLst>
   </p:cSld>
@@ -21331,7 +17508,7 @@
           </a:ln>
           <a:extLst>
             <a:ext uri="{909E8E84-426E-40DD-AFC4-6F175D3DCCD1}">
-              <a14:hiddenFill xmlns:a14="http://schemas.microsoft.com/office/drawing/2010/main">
+              <a14:hiddenFill xmlns:a14="http://schemas.microsoft.com/office/drawing/2010/main" xmlns="">
                 <a:solidFill>
                   <a:srgbClr val="FFFFFF"/>
                 </a:solidFill>
@@ -21354,14 +17531,14 @@
           <a:noFill/>
           <a:extLst>
             <a:ext uri="{909E8E84-426E-40DD-AFC4-6F175D3DCCD1}">
-              <a14:hiddenFill xmlns:a14="http://schemas.microsoft.com/office/drawing/2010/main">
+              <a14:hiddenFill xmlns:a14="http://schemas.microsoft.com/office/drawing/2010/main" xmlns="">
                 <a:solidFill>
                   <a:srgbClr val="FFFFFF"/>
                 </a:solidFill>
               </a14:hiddenFill>
             </a:ext>
             <a:ext uri="{91240B29-F687-4F45-9708-019B960494DF}">
-              <a14:hiddenLine xmlns:a14="http://schemas.microsoft.com/office/drawing/2010/main" w="9525">
+              <a14:hiddenLine xmlns:a14="http://schemas.microsoft.com/office/drawing/2010/main" xmlns="" w="9525">
                 <a:solidFill>
                   <a:srgbClr val="000000"/>
                 </a:solidFill>
@@ -21402,14 +17579,14 @@
         <p:spPr bwMode="auto">
           <a:extLst>
             <a:ext uri="{909E8E84-426E-40DD-AFC4-6F175D3DCCD1}">
-              <a14:hiddenFill xmlns:a14="http://schemas.microsoft.com/office/drawing/2010/main">
+              <a14:hiddenFill xmlns:a14="http://schemas.microsoft.com/office/drawing/2010/main" xmlns="">
                 <a:solidFill>
                   <a:srgbClr val="FFFFFF"/>
                 </a:solidFill>
               </a14:hiddenFill>
             </a:ext>
             <a:ext uri="{91240B29-F687-4F45-9708-019B960494DF}">
-              <a14:hiddenLine xmlns:a14="http://schemas.microsoft.com/office/drawing/2010/main" w="9525">
+              <a14:hiddenLine xmlns:a14="http://schemas.microsoft.com/office/drawing/2010/main" xmlns="" w="9525">
                 <a:solidFill>
                   <a:srgbClr val="000000"/>
                 </a:solidFill>
@@ -21604,7 +17781,7 @@
           </a:ln>
           <a:extLst>
             <a:ext uri="{91240B29-F687-4F45-9708-019B960494DF}">
-              <a14:hiddenLine xmlns:a14="http://schemas.microsoft.com/office/drawing/2010/main" w="9525">
+              <a14:hiddenLine xmlns:a14="http://schemas.microsoft.com/office/drawing/2010/main" xmlns="" w="9525">
                 <a:solidFill>
                   <a:srgbClr val="000000"/>
                 </a:solidFill>
@@ -21647,7 +17824,7 @@
           </a:ln>
           <a:extLst>
             <a:ext uri="{91240B29-F687-4F45-9708-019B960494DF}">
-              <a14:hiddenLine xmlns:a14="http://schemas.microsoft.com/office/drawing/2010/main" w="9525">
+              <a14:hiddenLine xmlns:a14="http://schemas.microsoft.com/office/drawing/2010/main" xmlns="" w="9525">
                 <a:solidFill>
                   <a:srgbClr val="000000"/>
                 </a:solidFill>
@@ -21690,7 +17867,7 @@
           </a:ln>
           <a:extLst>
             <a:ext uri="{91240B29-F687-4F45-9708-019B960494DF}">
-              <a14:hiddenLine xmlns:a14="http://schemas.microsoft.com/office/drawing/2010/main" w="9525">
+              <a14:hiddenLine xmlns:a14="http://schemas.microsoft.com/office/drawing/2010/main" xmlns="" w="9525">
                 <a:solidFill>
                   <a:srgbClr val="000000"/>
                 </a:solidFill>
@@ -21736,7 +17913,7 @@
           </a:ln>
           <a:extLst>
             <a:ext uri="{909E8E84-426E-40DD-AFC4-6F175D3DCCD1}">
-              <a14:hiddenFill xmlns:a14="http://schemas.microsoft.com/office/drawing/2010/main">
+              <a14:hiddenFill xmlns:a14="http://schemas.microsoft.com/office/drawing/2010/main" xmlns="">
                 <a:noFill/>
               </a14:hiddenFill>
             </a:ext>
@@ -21774,7 +17951,7 @@
           </a:ln>
           <a:extLst>
             <a:ext uri="{91240B29-F687-4F45-9708-019B960494DF}">
-              <a14:hiddenLine xmlns:a14="http://schemas.microsoft.com/office/drawing/2010/main" w="9525">
+              <a14:hiddenLine xmlns:a14="http://schemas.microsoft.com/office/drawing/2010/main" xmlns="" w="9525">
                 <a:solidFill>
                   <a:srgbClr val="000000"/>
                 </a:solidFill>
@@ -21933,7 +18110,7 @@
     </p:spTree>
     <p:extLst>
       <p:ext uri="{BB962C8B-B14F-4D97-AF65-F5344CB8AC3E}">
-        <p14:creationId xmlns:p14="http://schemas.microsoft.com/office/powerpoint/2010/main" val="3127134859"/>
+        <p14:creationId xmlns:p14="http://schemas.microsoft.com/office/powerpoint/2010/main" xmlns="" val="3127134859"/>
       </p:ext>
     </p:extLst>
   </p:cSld>
@@ -21984,7 +18161,7 @@
           </a:ln>
           <a:extLst>
             <a:ext uri="{91240B29-F687-4F45-9708-019B960494DF}">
-              <a14:hiddenLine xmlns:a14="http://schemas.microsoft.com/office/drawing/2010/main" w="9525">
+              <a14:hiddenLine xmlns:a14="http://schemas.microsoft.com/office/drawing/2010/main" xmlns="" w="9525">
                 <a:solidFill>
                   <a:srgbClr val="000000"/>
                 </a:solidFill>
@@ -22027,7 +18204,7 @@
           </a:ln>
           <a:extLst>
             <a:ext uri="{91240B29-F687-4F45-9708-019B960494DF}">
-              <a14:hiddenLine xmlns:a14="http://schemas.microsoft.com/office/drawing/2010/main" w="9525">
+              <a14:hiddenLine xmlns:a14="http://schemas.microsoft.com/office/drawing/2010/main" xmlns="" w="9525">
                 <a:solidFill>
                   <a:srgbClr val="000000"/>
                 </a:solidFill>
@@ -22058,7 +18235,7 @@
           <a:blip r:embed="rId2" cstate="print">
             <a:extLst>
               <a:ext uri="{28A0092B-C50C-407E-A947-70E740481C1C}">
-                <a14:useLocalDpi xmlns:a14="http://schemas.microsoft.com/office/drawing/2010/main" val="0"/>
+                <a14:useLocalDpi xmlns:a14="http://schemas.microsoft.com/office/drawing/2010/main" xmlns="" val="0"/>
               </a:ext>
             </a:extLst>
           </a:blip>
@@ -22081,14 +18258,14 @@
           </a:ln>
           <a:extLst>
             <a:ext uri="{909E8E84-426E-40DD-AFC4-6F175D3DCCD1}">
-              <a14:hiddenFill xmlns:a14="http://schemas.microsoft.com/office/drawing/2010/main">
+              <a14:hiddenFill xmlns:a14="http://schemas.microsoft.com/office/drawing/2010/main" xmlns="">
                 <a:solidFill>
                   <a:srgbClr val="FFFFFF"/>
                 </a:solidFill>
               </a14:hiddenFill>
             </a:ext>
             <a:ext uri="{91240B29-F687-4F45-9708-019B960494DF}">
-              <a14:hiddenLine xmlns:a14="http://schemas.microsoft.com/office/drawing/2010/main" w="9525">
+              <a14:hiddenLine xmlns:a14="http://schemas.microsoft.com/office/drawing/2010/main" xmlns="" w="9525">
                 <a:solidFill>
                   <a:srgbClr val="000000"/>
                 </a:solidFill>
@@ -22124,7 +18301,7 @@
           </a:ln>
           <a:extLst>
             <a:ext uri="{91240B29-F687-4F45-9708-019B960494DF}">
-              <a14:hiddenLine xmlns:a14="http://schemas.microsoft.com/office/drawing/2010/main" w="9525">
+              <a14:hiddenLine xmlns:a14="http://schemas.microsoft.com/office/drawing/2010/main" xmlns="" w="9525">
                 <a:solidFill>
                   <a:srgbClr val="000000"/>
                 </a:solidFill>
@@ -22167,7 +18344,7 @@
           </a:ln>
           <a:extLst>
             <a:ext uri="{91240B29-F687-4F45-9708-019B960494DF}">
-              <a14:hiddenLine xmlns:a14="http://schemas.microsoft.com/office/drawing/2010/main" w="9525">
+              <a14:hiddenLine xmlns:a14="http://schemas.microsoft.com/office/drawing/2010/main" xmlns="" w="9525">
                 <a:solidFill>
                   <a:srgbClr val="000000"/>
                 </a:solidFill>
@@ -22208,14 +18385,14 @@
           </a:ln>
           <a:extLst>
             <a:ext uri="{909E8E84-426E-40DD-AFC4-6F175D3DCCD1}">
-              <a14:hiddenFill xmlns:a14="http://schemas.microsoft.com/office/drawing/2010/main">
+              <a14:hiddenFill xmlns:a14="http://schemas.microsoft.com/office/drawing/2010/main" xmlns="">
                 <a:solidFill>
                   <a:srgbClr val="FFFFFF"/>
                 </a:solidFill>
               </a14:hiddenFill>
             </a:ext>
             <a:ext uri="{91240B29-F687-4F45-9708-019B960494DF}">
-              <a14:hiddenLine xmlns:a14="http://schemas.microsoft.com/office/drawing/2010/main" w="9525">
+              <a14:hiddenLine xmlns:a14="http://schemas.microsoft.com/office/drawing/2010/main" xmlns="" w="9525">
                 <a:solidFill>
                   <a:srgbClr val="000000"/>
                 </a:solidFill>
@@ -22558,7 +18735,7 @@
     </p:spTree>
     <p:extLst>
       <p:ext uri="{BB962C8B-B14F-4D97-AF65-F5344CB8AC3E}">
-        <p14:creationId xmlns:p14="http://schemas.microsoft.com/office/powerpoint/2010/main" val="3040220056"/>
+        <p14:creationId xmlns:p14="http://schemas.microsoft.com/office/powerpoint/2010/main" xmlns="" val="3040220056"/>
       </p:ext>
     </p:extLst>
   </p:cSld>
@@ -22708,7 +18885,7 @@
     </p:spTree>
     <p:extLst>
       <p:ext uri="{BB962C8B-B14F-4D97-AF65-F5344CB8AC3E}">
-        <p14:creationId xmlns:p14="http://schemas.microsoft.com/office/powerpoint/2010/main" val="1140711510"/>
+        <p14:creationId xmlns:p14="http://schemas.microsoft.com/office/powerpoint/2010/main" xmlns="" val="1140711510"/>
       </p:ext>
     </p:extLst>
   </p:cSld>
@@ -22759,7 +18936,7 @@
           </a:ln>
           <a:extLst>
             <a:ext uri="{91240B29-F687-4F45-9708-019B960494DF}">
-              <a14:hiddenLine xmlns:a14="http://schemas.microsoft.com/office/drawing/2010/main" w="9525">
+              <a14:hiddenLine xmlns:a14="http://schemas.microsoft.com/office/drawing/2010/main" xmlns="" w="9525">
                 <a:solidFill>
                   <a:srgbClr val="000000"/>
                 </a:solidFill>
@@ -22802,7 +18979,7 @@
           </a:ln>
           <a:extLst>
             <a:ext uri="{91240B29-F687-4F45-9708-019B960494DF}">
-              <a14:hiddenLine xmlns:a14="http://schemas.microsoft.com/office/drawing/2010/main" w="9525">
+              <a14:hiddenLine xmlns:a14="http://schemas.microsoft.com/office/drawing/2010/main" xmlns="" w="9525">
                 <a:solidFill>
                   <a:srgbClr val="000000"/>
                 </a:solidFill>
@@ -22845,7 +19022,7 @@
           </a:ln>
           <a:extLst>
             <a:ext uri="{91240B29-F687-4F45-9708-019B960494DF}">
-              <a14:hiddenLine xmlns:a14="http://schemas.microsoft.com/office/drawing/2010/main" w="9525">
+              <a14:hiddenLine xmlns:a14="http://schemas.microsoft.com/office/drawing/2010/main" xmlns="" w="9525">
                 <a:solidFill>
                   <a:srgbClr val="000000"/>
                 </a:solidFill>
@@ -22888,7 +19065,7 @@
           </a:ln>
           <a:extLst>
             <a:ext uri="{91240B29-F687-4F45-9708-019B960494DF}">
-              <a14:hiddenLine xmlns:a14="http://schemas.microsoft.com/office/drawing/2010/main" w="9525">
+              <a14:hiddenLine xmlns:a14="http://schemas.microsoft.com/office/drawing/2010/main" xmlns="" w="9525">
                 <a:solidFill>
                   <a:srgbClr val="000000"/>
                 </a:solidFill>
@@ -22929,14 +19106,14 @@
           </a:ln>
           <a:extLst>
             <a:ext uri="{909E8E84-426E-40DD-AFC4-6F175D3DCCD1}">
-              <a14:hiddenFill xmlns:a14="http://schemas.microsoft.com/office/drawing/2010/main">
+              <a14:hiddenFill xmlns:a14="http://schemas.microsoft.com/office/drawing/2010/main" xmlns="">
                 <a:solidFill>
                   <a:srgbClr val="FFFFFF"/>
                 </a:solidFill>
               </a14:hiddenFill>
             </a:ext>
             <a:ext uri="{91240B29-F687-4F45-9708-019B960494DF}">
-              <a14:hiddenLine xmlns:a14="http://schemas.microsoft.com/office/drawing/2010/main" w="9525">
+              <a14:hiddenLine xmlns:a14="http://schemas.microsoft.com/office/drawing/2010/main" xmlns="" w="9525">
                 <a:solidFill>
                   <a:srgbClr val="000000"/>
                 </a:solidFill>
@@ -23124,7 +19301,7 @@
     </p:spTree>
     <p:extLst>
       <p:ext uri="{BB962C8B-B14F-4D97-AF65-F5344CB8AC3E}">
-        <p14:creationId xmlns:p14="http://schemas.microsoft.com/office/powerpoint/2010/main" val="4244114203"/>
+        <p14:creationId xmlns:p14="http://schemas.microsoft.com/office/powerpoint/2010/main" xmlns="" val="4244114203"/>
       </p:ext>
     </p:extLst>
   </p:cSld>
@@ -23201,7 +19378,7 @@
               <a:pPr>
                 <a:defRPr/>
               </a:pPr>
-              <a:t>‹#›</a:t>
+              <a:t>‹Nº›</a:t>
             </a:fld>
             <a:endParaRPr lang="es-AR"/>
           </a:p>
@@ -23210,7 +19387,7 @@
     </p:spTree>
     <p:extLst>
       <p:ext uri="{BB962C8B-B14F-4D97-AF65-F5344CB8AC3E}">
-        <p14:creationId xmlns:p14="http://schemas.microsoft.com/office/powerpoint/2010/main" val="56139698"/>
+        <p14:creationId xmlns:p14="http://schemas.microsoft.com/office/powerpoint/2010/main" xmlns="" val="56139698"/>
       </p:ext>
     </p:extLst>
   </p:cSld>
@@ -23332,7 +19509,7 @@
               <a:pPr>
                 <a:defRPr/>
               </a:pPr>
-              <a:t>‹#›</a:t>
+              <a:t>‹Nº›</a:t>
             </a:fld>
             <a:endParaRPr lang="es-AR"/>
           </a:p>
@@ -23341,7 +19518,7 @@
     </p:spTree>
     <p:extLst>
       <p:ext uri="{BB962C8B-B14F-4D97-AF65-F5344CB8AC3E}">
-        <p14:creationId xmlns:p14="http://schemas.microsoft.com/office/powerpoint/2010/main" val="3343650448"/>
+        <p14:creationId xmlns:p14="http://schemas.microsoft.com/office/powerpoint/2010/main" xmlns="" val="3343650448"/>
       </p:ext>
     </p:extLst>
   </p:cSld>
@@ -23737,7 +19914,7 @@
               <a:pPr>
                 <a:defRPr/>
               </a:pPr>
-              <a:t>‹#›</a:t>
+              <a:t>‹Nº›</a:t>
             </a:fld>
             <a:endParaRPr lang="es-AR"/>
           </a:p>
@@ -23746,7 +19923,7 @@
     </p:spTree>
     <p:extLst>
       <p:ext uri="{BB962C8B-B14F-4D97-AF65-F5344CB8AC3E}">
-        <p14:creationId xmlns:p14="http://schemas.microsoft.com/office/powerpoint/2010/main" val="903326216"/>
+        <p14:creationId xmlns:p14="http://schemas.microsoft.com/office/powerpoint/2010/main" xmlns="" val="903326216"/>
       </p:ext>
     </p:extLst>
   </p:cSld>
@@ -24279,7 +20456,7 @@
               <a:pPr>
                 <a:defRPr/>
               </a:pPr>
-              <a:t>‹#›</a:t>
+              <a:t>‹Nº›</a:t>
             </a:fld>
             <a:endParaRPr lang="es-AR"/>
           </a:p>
@@ -24288,7 +20465,7 @@
     </p:spTree>
     <p:extLst>
       <p:ext uri="{BB962C8B-B14F-4D97-AF65-F5344CB8AC3E}">
-        <p14:creationId xmlns:p14="http://schemas.microsoft.com/office/powerpoint/2010/main" val="2325624655"/>
+        <p14:creationId xmlns:p14="http://schemas.microsoft.com/office/powerpoint/2010/main" xmlns="" val="2325624655"/>
       </p:ext>
     </p:extLst>
   </p:cSld>
@@ -25070,7 +21247,7 @@
               <a:pPr>
                 <a:defRPr/>
               </a:pPr>
-              <a:t>‹#›</a:t>
+              <a:t>‹Nº›</a:t>
             </a:fld>
             <a:endParaRPr lang="es-AR"/>
           </a:p>
@@ -25079,7 +21256,7 @@
     </p:spTree>
     <p:extLst>
       <p:ext uri="{BB962C8B-B14F-4D97-AF65-F5344CB8AC3E}">
-        <p14:creationId xmlns:p14="http://schemas.microsoft.com/office/powerpoint/2010/main" val="1817379133"/>
+        <p14:creationId xmlns:p14="http://schemas.microsoft.com/office/powerpoint/2010/main" xmlns="" val="1817379133"/>
       </p:ext>
     </p:extLst>
   </p:cSld>
@@ -25649,7 +21826,7 @@
               <a:pPr>
                 <a:defRPr/>
               </a:pPr>
-              <a:t>‹#›</a:t>
+              <a:t>‹Nº›</a:t>
             </a:fld>
             <a:endParaRPr lang="es-AR"/>
           </a:p>
@@ -25658,7 +21835,7 @@
     </p:spTree>
     <p:extLst>
       <p:ext uri="{BB962C8B-B14F-4D97-AF65-F5344CB8AC3E}">
-        <p14:creationId xmlns:p14="http://schemas.microsoft.com/office/powerpoint/2010/main" val="2898183012"/>
+        <p14:creationId xmlns:p14="http://schemas.microsoft.com/office/powerpoint/2010/main" xmlns="" val="2898183012"/>
       </p:ext>
     </p:extLst>
   </p:cSld>
@@ -25714,14 +21891,14 @@
           </a:ln>
           <a:extLst>
             <a:ext uri="{909E8E84-426E-40DD-AFC4-6F175D3DCCD1}">
-              <a14:hiddenFill xmlns:a14="http://schemas.microsoft.com/office/drawing/2010/main">
+              <a14:hiddenFill xmlns:a14="http://schemas.microsoft.com/office/drawing/2010/main" xmlns="">
                 <a:solidFill>
                   <a:srgbClr val="FFFFFF"/>
                 </a:solidFill>
               </a14:hiddenFill>
             </a:ext>
             <a:ext uri="{91240B29-F687-4F45-9708-019B960494DF}">
-              <a14:hiddenLine xmlns:a14="http://schemas.microsoft.com/office/drawing/2010/main" w="9525">
+              <a14:hiddenLine xmlns:a14="http://schemas.microsoft.com/office/drawing/2010/main" xmlns="" w="9525">
                 <a:solidFill>
                   <a:srgbClr val="000000"/>
                 </a:solidFill>
@@ -25772,14 +21949,14 @@
           </a:ln>
           <a:extLst>
             <a:ext uri="{909E8E84-426E-40DD-AFC4-6F175D3DCCD1}">
-              <a14:hiddenFill xmlns:a14="http://schemas.microsoft.com/office/drawing/2010/main">
+              <a14:hiddenFill xmlns:a14="http://schemas.microsoft.com/office/drawing/2010/main" xmlns="">
                 <a:solidFill>
                   <a:srgbClr val="FFFFFF"/>
                 </a:solidFill>
               </a14:hiddenFill>
             </a:ext>
             <a:ext uri="{91240B29-F687-4F45-9708-019B960494DF}">
-              <a14:hiddenLine xmlns:a14="http://schemas.microsoft.com/office/drawing/2010/main" w="9525">
+              <a14:hiddenLine xmlns:a14="http://schemas.microsoft.com/office/drawing/2010/main" xmlns="" w="9525">
                 <a:solidFill>
                   <a:srgbClr val="000000"/>
                 </a:solidFill>
@@ -25884,7 +22061,7 @@
               <a:pPr>
                 <a:defRPr/>
               </a:pPr>
-              <a:t>‹#›</a:t>
+              <a:t>‹Nº›</a:t>
             </a:fld>
             <a:endParaRPr lang="es-AR"/>
           </a:p>
@@ -25914,7 +22091,7 @@
           </a:ln>
           <a:extLst>
             <a:ext uri="{91240B29-F687-4F45-9708-019B960494DF}">
-              <a14:hiddenLine xmlns:a14="http://schemas.microsoft.com/office/drawing/2010/main" w="9525">
+              <a14:hiddenLine xmlns:a14="http://schemas.microsoft.com/office/drawing/2010/main" xmlns="" w="9525">
                 <a:solidFill>
                   <a:srgbClr val="000000"/>
                 </a:solidFill>
@@ -25957,7 +22134,7 @@
           </a:ln>
           <a:extLst>
             <a:ext uri="{91240B29-F687-4F45-9708-019B960494DF}">
-              <a14:hiddenLine xmlns:a14="http://schemas.microsoft.com/office/drawing/2010/main" w="9525">
+              <a14:hiddenLine xmlns:a14="http://schemas.microsoft.com/office/drawing/2010/main" xmlns="" w="9525">
                 <a:solidFill>
                   <a:srgbClr val="000000"/>
                 </a:solidFill>
@@ -26000,7 +22177,7 @@
           </a:ln>
           <a:extLst>
             <a:ext uri="{91240B29-F687-4F45-9708-019B960494DF}">
-              <a14:hiddenLine xmlns:a14="http://schemas.microsoft.com/office/drawing/2010/main" w="9525">
+              <a14:hiddenLine xmlns:a14="http://schemas.microsoft.com/office/drawing/2010/main" xmlns="" w="9525">
                 <a:solidFill>
                   <a:srgbClr val="000000"/>
                 </a:solidFill>
@@ -26041,14 +22218,14 @@
           </a:ln>
           <a:extLst>
             <a:ext uri="{909E8E84-426E-40DD-AFC4-6F175D3DCCD1}">
-              <a14:hiddenFill xmlns:a14="http://schemas.microsoft.com/office/drawing/2010/main">
+              <a14:hiddenFill xmlns:a14="http://schemas.microsoft.com/office/drawing/2010/main" xmlns="">
                 <a:solidFill>
                   <a:srgbClr val="FFFFFF"/>
                 </a:solidFill>
               </a14:hiddenFill>
             </a:ext>
             <a:ext uri="{91240B29-F687-4F45-9708-019B960494DF}">
-              <a14:hiddenLine xmlns:a14="http://schemas.microsoft.com/office/drawing/2010/main" w="9525">
+              <a14:hiddenLine xmlns:a14="http://schemas.microsoft.com/office/drawing/2010/main" xmlns="" w="9525">
                 <a:solidFill>
                   <a:srgbClr val="000000"/>
                 </a:solidFill>
@@ -26625,7 +22802,7 @@
           <p:nvPr>
             <p:extLst>
               <p:ext uri="{D42A27DB-BD31-4B8C-83A1-F6EECF244321}">
-                <p14:modId xmlns:p14="http://schemas.microsoft.com/office/powerpoint/2010/main" val="3831173765"/>
+                <p14:modId xmlns:p14="http://schemas.microsoft.com/office/powerpoint/2010/main" xmlns="" val="3831173765"/>
               </p:ext>
             </p:extLst>
           </p:nvPr>
@@ -27263,7 +23440,7 @@
     </p:spTree>
     <p:extLst>
       <p:ext uri="{BB962C8B-B14F-4D97-AF65-F5344CB8AC3E}">
-        <p14:creationId xmlns:p14="http://schemas.microsoft.com/office/powerpoint/2010/main" val="1539515098"/>
+        <p14:creationId xmlns:p14="http://schemas.microsoft.com/office/powerpoint/2010/main" xmlns="" val="1539515098"/>
       </p:ext>
     </p:extLst>
   </p:cSld>
@@ -27390,7 +23567,7 @@
           <p:nvPr>
             <p:extLst>
               <p:ext uri="{D42A27DB-BD31-4B8C-83A1-F6EECF244321}">
-                <p14:modId xmlns:p14="http://schemas.microsoft.com/office/powerpoint/2010/main" val="1878942588"/>
+                <p14:modId xmlns:p14="http://schemas.microsoft.com/office/powerpoint/2010/main" xmlns="" val="1878942588"/>
               </p:ext>
             </p:extLst>
           </p:nvPr>
@@ -27978,7 +24155,7 @@
     </p:spTree>
     <p:extLst>
       <p:ext uri="{BB962C8B-B14F-4D97-AF65-F5344CB8AC3E}">
-        <p14:creationId xmlns:p14="http://schemas.microsoft.com/office/powerpoint/2010/main" val="2431889775"/>
+        <p14:creationId xmlns:p14="http://schemas.microsoft.com/office/powerpoint/2010/main" xmlns="" val="2431889775"/>
       </p:ext>
     </p:extLst>
   </p:cSld>
@@ -28151,10 +24328,10 @@
           <p:nvPr/>
         </p:nvPicPr>
         <p:blipFill>
-          <a:blip r:embed="rId2">
+          <a:blip r:embed="rId2" cstate="print">
             <a:extLst>
               <a:ext uri="{28A0092B-C50C-407E-A947-70E740481C1C}">
-                <a14:useLocalDpi xmlns:a14="http://schemas.microsoft.com/office/drawing/2010/main" val="0"/>
+                <a14:useLocalDpi xmlns:a14="http://schemas.microsoft.com/office/drawing/2010/main" xmlns="" val="0"/>
               </a:ext>
             </a:extLst>
           </a:blip>
@@ -28174,7 +24351,7 @@
           <a:noFill/>
           <a:extLst>
             <a:ext uri="{909E8E84-426E-40DD-AFC4-6F175D3DCCD1}">
-              <a14:hiddenFill xmlns:a14="http://schemas.microsoft.com/office/drawing/2010/main">
+              <a14:hiddenFill xmlns:a14="http://schemas.microsoft.com/office/drawing/2010/main" xmlns="">
                 <a:solidFill>
                   <a:srgbClr val="FFFFFF"/>
                 </a:solidFill>
@@ -28186,7 +24363,7 @@
     </p:spTree>
     <p:extLst>
       <p:ext uri="{BB962C8B-B14F-4D97-AF65-F5344CB8AC3E}">
-        <p14:creationId xmlns:p14="http://schemas.microsoft.com/office/powerpoint/2010/main" val="3923392858"/>
+        <p14:creationId xmlns:p14="http://schemas.microsoft.com/office/powerpoint/2010/main" xmlns="" val="3923392858"/>
       </p:ext>
     </p:extLst>
   </p:cSld>
@@ -28253,7 +24430,7 @@
             <p:ph idx="1"/>
             <p:extLst>
               <p:ext uri="{D42A27DB-BD31-4B8C-83A1-F6EECF244321}">
-                <p14:modId xmlns:p14="http://schemas.microsoft.com/office/powerpoint/2010/main" val="3203259136"/>
+                <p14:modId xmlns:p14="http://schemas.microsoft.com/office/powerpoint/2010/main" xmlns="" val="3203259136"/>
               </p:ext>
             </p:extLst>
           </p:nvPr>
@@ -28271,7 +24448,7 @@
     </p:spTree>
     <p:extLst>
       <p:ext uri="{BB962C8B-B14F-4D97-AF65-F5344CB8AC3E}">
-        <p14:creationId xmlns:p14="http://schemas.microsoft.com/office/powerpoint/2010/main" val="1877718619"/>
+        <p14:creationId xmlns:p14="http://schemas.microsoft.com/office/powerpoint/2010/main" xmlns="" val="1877718619"/>
       </p:ext>
     </p:extLst>
   </p:cSld>
@@ -28607,7 +24784,7 @@
     </p:spTree>
     <p:extLst>
       <p:ext uri="{BB962C8B-B14F-4D97-AF65-F5344CB8AC3E}">
-        <p14:creationId xmlns:p14="http://schemas.microsoft.com/office/powerpoint/2010/main" val="2692732909"/>
+        <p14:creationId xmlns:p14="http://schemas.microsoft.com/office/powerpoint/2010/main" xmlns="" val="2692732909"/>
       </p:ext>
     </p:extLst>
   </p:cSld>
@@ -28673,10 +24850,10 @@
           <p:nvPr/>
         </p:nvPicPr>
         <p:blipFill rotWithShape="1">
-          <a:blip r:embed="rId2">
+          <a:blip r:embed="rId2" cstate="print">
             <a:extLst>
               <a:ext uri="{28A0092B-C50C-407E-A947-70E740481C1C}">
-                <a14:useLocalDpi xmlns:a14="http://schemas.microsoft.com/office/drawing/2010/main" val="0"/>
+                <a14:useLocalDpi xmlns:a14="http://schemas.microsoft.com/office/drawing/2010/main" xmlns="" val="0"/>
               </a:ext>
             </a:extLst>
           </a:blip>
@@ -28698,14 +24875,14 @@
           <a:effectLst/>
           <a:extLst>
             <a:ext uri="{909E8E84-426E-40DD-AFC4-6F175D3DCCD1}">
-              <a14:hiddenFill xmlns:a14="http://schemas.microsoft.com/office/drawing/2010/main">
+              <a14:hiddenFill xmlns:a14="http://schemas.microsoft.com/office/drawing/2010/main" xmlns="">
                 <a:solidFill>
                   <a:schemeClr val="accent1"/>
                 </a:solidFill>
               </a14:hiddenFill>
             </a:ext>
             <a:ext uri="{91240B29-F687-4F45-9708-019B960494DF}">
-              <a14:hiddenLine xmlns:a14="http://schemas.microsoft.com/office/drawing/2010/main" w="9525">
+              <a14:hiddenLine xmlns:a14="http://schemas.microsoft.com/office/drawing/2010/main" xmlns="" w="9525">
                 <a:solidFill>
                   <a:schemeClr val="tx1"/>
                 </a:solidFill>
@@ -28715,7 +24892,7 @@
               </a14:hiddenLine>
             </a:ext>
             <a:ext uri="{AF507438-7753-43E0-B8FC-AC1667EBCBE1}">
-              <a14:hiddenEffects xmlns:a14="http://schemas.microsoft.com/office/drawing/2010/main">
+              <a14:hiddenEffects xmlns:a14="http://schemas.microsoft.com/office/drawing/2010/main" xmlns="">
                 <a:effectLst>
                   <a:outerShdw dist="35921" dir="2700000" algn="ctr" rotWithShape="0">
                     <a:schemeClr val="bg2"/>
@@ -28791,7 +24968,7 @@
             <p:ph idx="1"/>
             <p:extLst>
               <p:ext uri="{D42A27DB-BD31-4B8C-83A1-F6EECF244321}">
-                <p14:modId xmlns:p14="http://schemas.microsoft.com/office/powerpoint/2010/main" val="3959133929"/>
+                <p14:modId xmlns:p14="http://schemas.microsoft.com/office/powerpoint/2010/main" xmlns="" val="3959133929"/>
               </p:ext>
             </p:extLst>
           </p:nvPr>
@@ -28837,7 +25014,7 @@
     </p:spTree>
     <p:extLst>
       <p:ext uri="{BB962C8B-B14F-4D97-AF65-F5344CB8AC3E}">
-        <p14:creationId xmlns:p14="http://schemas.microsoft.com/office/powerpoint/2010/main" val="1301525904"/>
+        <p14:creationId xmlns:p14="http://schemas.microsoft.com/office/powerpoint/2010/main" xmlns="" val="1301525904"/>
       </p:ext>
     </p:extLst>
   </p:cSld>
@@ -29009,7 +25186,7 @@
     </p:spTree>
     <p:extLst>
       <p:ext uri="{BB962C8B-B14F-4D97-AF65-F5344CB8AC3E}">
-        <p14:creationId xmlns:p14="http://schemas.microsoft.com/office/powerpoint/2010/main" val="3479238844"/>
+        <p14:creationId xmlns:p14="http://schemas.microsoft.com/office/powerpoint/2010/main" xmlns="" val="3479238844"/>
       </p:ext>
     </p:extLst>
   </p:cSld>
@@ -29150,10 +25327,10 @@
           <p:nvPr/>
         </p:nvPicPr>
         <p:blipFill rotWithShape="1">
-          <a:blip r:embed="rId2">
+          <a:blip r:embed="rId2" cstate="print">
             <a:extLst>
               <a:ext uri="{28A0092B-C50C-407E-A947-70E740481C1C}">
-                <a14:useLocalDpi xmlns:a14="http://schemas.microsoft.com/office/drawing/2010/main" val="0"/>
+                <a14:useLocalDpi xmlns:a14="http://schemas.microsoft.com/office/drawing/2010/main" xmlns="" val="0"/>
               </a:ext>
             </a:extLst>
           </a:blip>
@@ -29175,14 +25352,14 @@
           <a:effectLst/>
           <a:extLst>
             <a:ext uri="{909E8E84-426E-40DD-AFC4-6F175D3DCCD1}">
-              <a14:hiddenFill xmlns:a14="http://schemas.microsoft.com/office/drawing/2010/main">
+              <a14:hiddenFill xmlns:a14="http://schemas.microsoft.com/office/drawing/2010/main" xmlns="">
                 <a:solidFill>
                   <a:schemeClr val="accent1"/>
                 </a:solidFill>
               </a14:hiddenFill>
             </a:ext>
             <a:ext uri="{91240B29-F687-4F45-9708-019B960494DF}">
-              <a14:hiddenLine xmlns:a14="http://schemas.microsoft.com/office/drawing/2010/main" w="9525">
+              <a14:hiddenLine xmlns:a14="http://schemas.microsoft.com/office/drawing/2010/main" xmlns="" w="9525">
                 <a:solidFill>
                   <a:schemeClr val="tx1"/>
                 </a:solidFill>
@@ -29192,7 +25369,7 @@
               </a14:hiddenLine>
             </a:ext>
             <a:ext uri="{AF507438-7753-43E0-B8FC-AC1667EBCBE1}">
-              <a14:hiddenEffects xmlns:a14="http://schemas.microsoft.com/office/drawing/2010/main">
+              <a14:hiddenEffects xmlns:a14="http://schemas.microsoft.com/office/drawing/2010/main" xmlns="">
                 <a:effectLst>
                   <a:outerShdw dist="35921" dir="2700000" algn="ctr" rotWithShape="0">
                     <a:schemeClr val="bg2"/>
@@ -29212,10 +25389,10 @@
           <p:nvPr/>
         </p:nvPicPr>
         <p:blipFill>
-          <a:blip r:embed="rId3">
+          <a:blip r:embed="rId3" cstate="print">
             <a:extLst>
               <a:ext uri="{28A0092B-C50C-407E-A947-70E740481C1C}">
-                <a14:useLocalDpi xmlns:a14="http://schemas.microsoft.com/office/drawing/2010/main" val="0"/>
+                <a14:useLocalDpi xmlns:a14="http://schemas.microsoft.com/office/drawing/2010/main" xmlns="" val="0"/>
               </a:ext>
             </a:extLst>
           </a:blip>
@@ -29240,7 +25417,7 @@
           </a:ln>
           <a:extLst>
             <a:ext uri="{91240B29-F687-4F45-9708-019B960494DF}">
-              <a14:hiddenLine xmlns:a14="http://schemas.microsoft.com/office/drawing/2010/main" w="9525">
+              <a14:hiddenLine xmlns:a14="http://schemas.microsoft.com/office/drawing/2010/main" xmlns="" w="9525">
                 <a:solidFill>
                   <a:srgbClr val="000000"/>
                 </a:solidFill>
@@ -29255,7 +25432,7 @@
     </p:spTree>
     <p:extLst>
       <p:ext uri="{BB962C8B-B14F-4D97-AF65-F5344CB8AC3E}">
-        <p14:creationId xmlns:p14="http://schemas.microsoft.com/office/powerpoint/2010/main" val="3659663556"/>
+        <p14:creationId xmlns:p14="http://schemas.microsoft.com/office/powerpoint/2010/main" xmlns="" val="3659663556"/>
       </p:ext>
     </p:extLst>
   </p:cSld>
@@ -29364,10 +25541,10 @@
           <p:nvPr/>
         </p:nvPicPr>
         <p:blipFill rotWithShape="1">
-          <a:blip r:embed="rId2">
+          <a:blip r:embed="rId2" cstate="print">
             <a:extLst>
               <a:ext uri="{28A0092B-C50C-407E-A947-70E740481C1C}">
-                <a14:useLocalDpi xmlns:a14="http://schemas.microsoft.com/office/drawing/2010/main" val="0"/>
+                <a14:useLocalDpi xmlns:a14="http://schemas.microsoft.com/office/drawing/2010/main" xmlns="" val="0"/>
               </a:ext>
             </a:extLst>
           </a:blip>
@@ -29389,14 +25566,14 @@
           <a:effectLst/>
           <a:extLst>
             <a:ext uri="{909E8E84-426E-40DD-AFC4-6F175D3DCCD1}">
-              <a14:hiddenFill xmlns:a14="http://schemas.microsoft.com/office/drawing/2010/main">
+              <a14:hiddenFill xmlns:a14="http://schemas.microsoft.com/office/drawing/2010/main" xmlns="">
                 <a:solidFill>
                   <a:schemeClr val="accent1"/>
                 </a:solidFill>
               </a14:hiddenFill>
             </a:ext>
             <a:ext uri="{91240B29-F687-4F45-9708-019B960494DF}">
-              <a14:hiddenLine xmlns:a14="http://schemas.microsoft.com/office/drawing/2010/main" w="9525">
+              <a14:hiddenLine xmlns:a14="http://schemas.microsoft.com/office/drawing/2010/main" xmlns="" w="9525">
                 <a:solidFill>
                   <a:schemeClr val="tx1"/>
                 </a:solidFill>
@@ -29406,7 +25583,7 @@
               </a14:hiddenLine>
             </a:ext>
             <a:ext uri="{AF507438-7753-43E0-B8FC-AC1667EBCBE1}">
-              <a14:hiddenEffects xmlns:a14="http://schemas.microsoft.com/office/drawing/2010/main">
+              <a14:hiddenEffects xmlns:a14="http://schemas.microsoft.com/office/drawing/2010/main" xmlns="">
                 <a:effectLst>
                   <a:outerShdw dist="35921" dir="2700000" algn="ctr" rotWithShape="0">
                     <a:schemeClr val="bg2"/>
@@ -29420,7 +25597,7 @@
     </p:spTree>
     <p:extLst>
       <p:ext uri="{BB962C8B-B14F-4D97-AF65-F5344CB8AC3E}">
-        <p14:creationId xmlns:p14="http://schemas.microsoft.com/office/powerpoint/2010/main" val="3504431627"/>
+        <p14:creationId xmlns:p14="http://schemas.microsoft.com/office/powerpoint/2010/main" xmlns="" val="3504431627"/>
       </p:ext>
     </p:extLst>
   </p:cSld>
@@ -29610,10 +25787,10 @@
           <p:nvPr/>
         </p:nvPicPr>
         <p:blipFill>
-          <a:blip r:embed="rId2">
+          <a:blip r:embed="rId2" cstate="print">
             <a:extLst>
               <a:ext uri="{28A0092B-C50C-407E-A947-70E740481C1C}">
-                <a14:useLocalDpi xmlns:a14="http://schemas.microsoft.com/office/drawing/2010/main" val="0"/>
+                <a14:useLocalDpi xmlns:a14="http://schemas.microsoft.com/office/drawing/2010/main" xmlns="" val="0"/>
               </a:ext>
             </a:extLst>
           </a:blip>
@@ -29637,14 +25814,14 @@
           <a:effectLst/>
           <a:extLst>
             <a:ext uri="{909E8E84-426E-40DD-AFC4-6F175D3DCCD1}">
-              <a14:hiddenFill xmlns:a14="http://schemas.microsoft.com/office/drawing/2010/main">
+              <a14:hiddenFill xmlns:a14="http://schemas.microsoft.com/office/drawing/2010/main" xmlns="">
                 <a:solidFill>
                   <a:schemeClr val="accent1"/>
                 </a:solidFill>
               </a14:hiddenFill>
             </a:ext>
             <a:ext uri="{91240B29-F687-4F45-9708-019B960494DF}">
-              <a14:hiddenLine xmlns:a14="http://schemas.microsoft.com/office/drawing/2010/main" w="9525">
+              <a14:hiddenLine xmlns:a14="http://schemas.microsoft.com/office/drawing/2010/main" xmlns="" w="9525">
                 <a:solidFill>
                   <a:schemeClr val="tx1"/>
                 </a:solidFill>
@@ -29654,7 +25831,7 @@
               </a14:hiddenLine>
             </a:ext>
             <a:ext uri="{AF507438-7753-43E0-B8FC-AC1667EBCBE1}">
-              <a14:hiddenEffects xmlns:a14="http://schemas.microsoft.com/office/drawing/2010/main">
+              <a14:hiddenEffects xmlns:a14="http://schemas.microsoft.com/office/drawing/2010/main" xmlns="">
                 <a:effectLst>
                   <a:outerShdw dist="35921" dir="2700000" algn="ctr" rotWithShape="0">
                     <a:schemeClr val="bg2"/>
@@ -29674,10 +25851,10 @@
           <p:nvPr/>
         </p:nvPicPr>
         <p:blipFill>
-          <a:blip r:embed="rId3">
+          <a:blip r:embed="rId3" cstate="print">
             <a:extLst>
               <a:ext uri="{28A0092B-C50C-407E-A947-70E740481C1C}">
-                <a14:useLocalDpi xmlns:a14="http://schemas.microsoft.com/office/drawing/2010/main" val="0"/>
+                <a14:useLocalDpi xmlns:a14="http://schemas.microsoft.com/office/drawing/2010/main" xmlns="" val="0"/>
               </a:ext>
             </a:extLst>
           </a:blip>
@@ -29701,14 +25878,14 @@
           <a:effectLst/>
           <a:extLst>
             <a:ext uri="{909E8E84-426E-40DD-AFC4-6F175D3DCCD1}">
-              <a14:hiddenFill xmlns:a14="http://schemas.microsoft.com/office/drawing/2010/main">
+              <a14:hiddenFill xmlns:a14="http://schemas.microsoft.com/office/drawing/2010/main" xmlns="">
                 <a:solidFill>
                   <a:schemeClr val="accent1"/>
                 </a:solidFill>
               </a14:hiddenFill>
             </a:ext>
             <a:ext uri="{91240B29-F687-4F45-9708-019B960494DF}">
-              <a14:hiddenLine xmlns:a14="http://schemas.microsoft.com/office/drawing/2010/main" w="9525">
+              <a14:hiddenLine xmlns:a14="http://schemas.microsoft.com/office/drawing/2010/main" xmlns="" w="9525">
                 <a:solidFill>
                   <a:schemeClr val="tx1"/>
                 </a:solidFill>
@@ -29718,7 +25895,7 @@
               </a14:hiddenLine>
             </a:ext>
             <a:ext uri="{AF507438-7753-43E0-B8FC-AC1667EBCBE1}">
-              <a14:hiddenEffects xmlns:a14="http://schemas.microsoft.com/office/drawing/2010/main">
+              <a14:hiddenEffects xmlns:a14="http://schemas.microsoft.com/office/drawing/2010/main" xmlns="">
                 <a:effectLst>
                   <a:outerShdw dist="35921" dir="2700000" algn="ctr" rotWithShape="0">
                     <a:schemeClr val="bg2"/>
@@ -29732,7 +25909,7 @@
     </p:spTree>
     <p:extLst>
       <p:ext uri="{BB962C8B-B14F-4D97-AF65-F5344CB8AC3E}">
-        <p14:creationId xmlns:p14="http://schemas.microsoft.com/office/powerpoint/2010/main" val="4129571723"/>
+        <p14:creationId xmlns:p14="http://schemas.microsoft.com/office/powerpoint/2010/main" xmlns="" val="4129571723"/>
       </p:ext>
     </p:extLst>
   </p:cSld>
@@ -30070,7 +26247,7 @@
           <p:nvPr>
             <p:extLst>
               <p:ext uri="{D42A27DB-BD31-4B8C-83A1-F6EECF244321}">
-                <p14:modId xmlns:p14="http://schemas.microsoft.com/office/powerpoint/2010/main" val="2761716887"/>
+                <p14:modId xmlns:p14="http://schemas.microsoft.com/office/powerpoint/2010/main" xmlns="" val="2761716887"/>
               </p:ext>
             </p:extLst>
           </p:nvPr>
@@ -30432,7 +26609,7 @@
           <p:nvPr>
             <p:extLst>
               <p:ext uri="{D42A27DB-BD31-4B8C-83A1-F6EECF244321}">
-                <p14:modId xmlns:p14="http://schemas.microsoft.com/office/powerpoint/2010/main" val="3211033930"/>
+                <p14:modId xmlns:p14="http://schemas.microsoft.com/office/powerpoint/2010/main" xmlns="" val="3211033930"/>
               </p:ext>
             </p:extLst>
           </p:nvPr>
@@ -30872,7 +27049,7 @@
     </p:spTree>
     <p:extLst>
       <p:ext uri="{BB962C8B-B14F-4D97-AF65-F5344CB8AC3E}">
-        <p14:creationId xmlns:p14="http://schemas.microsoft.com/office/powerpoint/2010/main" val="131759340"/>
+        <p14:creationId xmlns:p14="http://schemas.microsoft.com/office/powerpoint/2010/main" xmlns="" val="131759340"/>
       </p:ext>
     </p:extLst>
   </p:cSld>
@@ -30938,10 +27115,10 @@
           <p:nvPr/>
         </p:nvPicPr>
         <p:blipFill>
-          <a:blip r:embed="rId2">
+          <a:blip r:embed="rId2" cstate="print">
             <a:extLst>
               <a:ext uri="{28A0092B-C50C-407E-A947-70E740481C1C}">
-                <a14:useLocalDpi xmlns:a14="http://schemas.microsoft.com/office/drawing/2010/main" val="0"/>
+                <a14:useLocalDpi xmlns:a14="http://schemas.microsoft.com/office/drawing/2010/main" xmlns="" val="0"/>
               </a:ext>
             </a:extLst>
           </a:blip>
@@ -30968,7 +27145,7 @@
           </a:ln>
           <a:extLst>
             <a:ext uri="{91240B29-F687-4F45-9708-019B960494DF}">
-              <a14:hiddenLine xmlns:a14="http://schemas.microsoft.com/office/drawing/2010/main" w="9525">
+              <a14:hiddenLine xmlns:a14="http://schemas.microsoft.com/office/drawing/2010/main" xmlns="" w="9525">
                 <a:solidFill>
                   <a:srgbClr val="000000"/>
                 </a:solidFill>
@@ -30983,7 +27160,7 @@
     </p:spTree>
     <p:extLst>
       <p:ext uri="{BB962C8B-B14F-4D97-AF65-F5344CB8AC3E}">
-        <p14:creationId xmlns:p14="http://schemas.microsoft.com/office/powerpoint/2010/main" val="2913108884"/>
+        <p14:creationId xmlns:p14="http://schemas.microsoft.com/office/powerpoint/2010/main" xmlns="" val="2913108884"/>
       </p:ext>
     </p:extLst>
   </p:cSld>
@@ -31050,7 +27227,7 @@
             <p:ph idx="1"/>
             <p:extLst>
               <p:ext uri="{D42A27DB-BD31-4B8C-83A1-F6EECF244321}">
-                <p14:modId xmlns:p14="http://schemas.microsoft.com/office/powerpoint/2010/main" val="3499670489"/>
+                <p14:modId xmlns:p14="http://schemas.microsoft.com/office/powerpoint/2010/main" xmlns="" val="3499670489"/>
               </p:ext>
             </p:extLst>
           </p:nvPr>
@@ -31096,7 +27273,7 @@
     </p:spTree>
     <p:extLst>
       <p:ext uri="{BB962C8B-B14F-4D97-AF65-F5344CB8AC3E}">
-        <p14:creationId xmlns:p14="http://schemas.microsoft.com/office/powerpoint/2010/main" val="2942693383"/>
+        <p14:creationId xmlns:p14="http://schemas.microsoft.com/office/powerpoint/2010/main" xmlns="" val="2942693383"/>
       </p:ext>
     </p:extLst>
   </p:cSld>
@@ -31162,7 +27339,7 @@
             <p:ph idx="1"/>
             <p:extLst>
               <p:ext uri="{D42A27DB-BD31-4B8C-83A1-F6EECF244321}">
-                <p14:modId xmlns:p14="http://schemas.microsoft.com/office/powerpoint/2010/main" val="3654750395"/>
+                <p14:modId xmlns:p14="http://schemas.microsoft.com/office/powerpoint/2010/main" xmlns="" val="3654750395"/>
               </p:ext>
             </p:extLst>
           </p:nvPr>
@@ -31213,7 +27390,7 @@
     </p:spTree>
     <p:extLst>
       <p:ext uri="{BB962C8B-B14F-4D97-AF65-F5344CB8AC3E}">
-        <p14:creationId xmlns:p14="http://schemas.microsoft.com/office/powerpoint/2010/main" val="3786510650"/>
+        <p14:creationId xmlns:p14="http://schemas.microsoft.com/office/powerpoint/2010/main" xmlns="" val="3786510650"/>
       </p:ext>
     </p:extLst>
   </p:cSld>
@@ -31376,7 +27553,7 @@
     </p:spTree>
     <p:extLst>
       <p:ext uri="{BB962C8B-B14F-4D97-AF65-F5344CB8AC3E}">
-        <p14:creationId xmlns:p14="http://schemas.microsoft.com/office/powerpoint/2010/main" val="793879350"/>
+        <p14:creationId xmlns:p14="http://schemas.microsoft.com/office/powerpoint/2010/main" xmlns="" val="793879350"/>
       </p:ext>
     </p:extLst>
   </p:cSld>
@@ -31443,7 +27620,7 @@
             <p:ph idx="1"/>
             <p:extLst>
               <p:ext uri="{D42A27DB-BD31-4B8C-83A1-F6EECF244321}">
-                <p14:modId xmlns:p14="http://schemas.microsoft.com/office/powerpoint/2010/main" val="1333096185"/>
+                <p14:modId xmlns:p14="http://schemas.microsoft.com/office/powerpoint/2010/main" xmlns="" val="1333096185"/>
               </p:ext>
             </p:extLst>
           </p:nvPr>
@@ -31484,7 +27661,7 @@
     </p:spTree>
     <p:extLst>
       <p:ext uri="{BB962C8B-B14F-4D97-AF65-F5344CB8AC3E}">
-        <p14:creationId xmlns:p14="http://schemas.microsoft.com/office/powerpoint/2010/main" val="2924164480"/>
+        <p14:creationId xmlns:p14="http://schemas.microsoft.com/office/powerpoint/2010/main" xmlns="" val="2924164480"/>
       </p:ext>
     </p:extLst>
   </p:cSld>
@@ -31573,7 +27750,7 @@
           <p:nvPr>
             <p:extLst>
               <p:ext uri="{D42A27DB-BD31-4B8C-83A1-F6EECF244321}">
-                <p14:modId xmlns:p14="http://schemas.microsoft.com/office/powerpoint/2010/main" val="2821742954"/>
+                <p14:modId xmlns:p14="http://schemas.microsoft.com/office/powerpoint/2010/main" xmlns="" val="2821742954"/>
               </p:ext>
             </p:extLst>
           </p:nvPr>
@@ -32061,7 +28238,7 @@
     </p:spTree>
     <p:extLst>
       <p:ext uri="{BB962C8B-B14F-4D97-AF65-F5344CB8AC3E}">
-        <p14:creationId xmlns:p14="http://schemas.microsoft.com/office/powerpoint/2010/main" val="2773491677"/>
+        <p14:creationId xmlns:p14="http://schemas.microsoft.com/office/powerpoint/2010/main" xmlns="" val="2773491677"/>
       </p:ext>
     </p:extLst>
   </p:cSld>
@@ -32184,7 +28361,7 @@
           <p:nvPr>
             <p:extLst>
               <p:ext uri="{D42A27DB-BD31-4B8C-83A1-F6EECF244321}">
-                <p14:modId xmlns:p14="http://schemas.microsoft.com/office/powerpoint/2010/main" val="3246509033"/>
+                <p14:modId xmlns:p14="http://schemas.microsoft.com/office/powerpoint/2010/main" xmlns="" val="3246509033"/>
               </p:ext>
             </p:extLst>
           </p:nvPr>
@@ -34109,7 +30286,7 @@
     </p:spTree>
     <p:extLst>
       <p:ext uri="{BB962C8B-B14F-4D97-AF65-F5344CB8AC3E}">
-        <p14:creationId xmlns:p14="http://schemas.microsoft.com/office/powerpoint/2010/main" val="4255643014"/>
+        <p14:creationId xmlns:p14="http://schemas.microsoft.com/office/powerpoint/2010/main" xmlns="" val="4255643014"/>
       </p:ext>
     </p:extLst>
   </p:cSld>
@@ -34204,7 +30381,7 @@
     </p:spTree>
     <p:extLst>
       <p:ext uri="{BB962C8B-B14F-4D97-AF65-F5344CB8AC3E}">
-        <p14:creationId xmlns:p14="http://schemas.microsoft.com/office/powerpoint/2010/main" val="226919251"/>
+        <p14:creationId xmlns:p14="http://schemas.microsoft.com/office/powerpoint/2010/main" xmlns="" val="226919251"/>
       </p:ext>
     </p:extLst>
   </p:cSld>
@@ -34314,10 +30491,10 @@
           <p:nvPr/>
         </p:nvPicPr>
         <p:blipFill>
-          <a:blip r:embed="rId2">
+          <a:blip r:embed="rId2" cstate="print">
             <a:extLst>
               <a:ext uri="{28A0092B-C50C-407E-A947-70E740481C1C}">
-                <a14:useLocalDpi xmlns:a14="http://schemas.microsoft.com/office/drawing/2010/main" val="0"/>
+                <a14:useLocalDpi xmlns:a14="http://schemas.microsoft.com/office/drawing/2010/main" xmlns="" val="0"/>
               </a:ext>
             </a:extLst>
           </a:blip>
@@ -34342,7 +30519,7 @@
           </a:ln>
           <a:extLst>
             <a:ext uri="{91240B29-F687-4F45-9708-019B960494DF}">
-              <a14:hiddenLine xmlns:a14="http://schemas.microsoft.com/office/drawing/2010/main" w="9525">
+              <a14:hiddenLine xmlns:a14="http://schemas.microsoft.com/office/drawing/2010/main" xmlns="" w="9525">
                 <a:solidFill>
                   <a:srgbClr val="000000"/>
                 </a:solidFill>
@@ -34357,7 +30534,7 @@
     </p:spTree>
     <p:extLst>
       <p:ext uri="{BB962C8B-B14F-4D97-AF65-F5344CB8AC3E}">
-        <p14:creationId xmlns:p14="http://schemas.microsoft.com/office/powerpoint/2010/main" val="775365642"/>
+        <p14:creationId xmlns:p14="http://schemas.microsoft.com/office/powerpoint/2010/main" xmlns="" val="775365642"/>
       </p:ext>
     </p:extLst>
   </p:cSld>
@@ -34436,7 +30613,7 @@
     </p:spTree>
     <p:extLst>
       <p:ext uri="{BB962C8B-B14F-4D97-AF65-F5344CB8AC3E}">
-        <p14:creationId xmlns:p14="http://schemas.microsoft.com/office/powerpoint/2010/main" val="3579918999"/>
+        <p14:creationId xmlns:p14="http://schemas.microsoft.com/office/powerpoint/2010/main" xmlns="" val="3579918999"/>
       </p:ext>
     </p:extLst>
   </p:cSld>
@@ -34508,7 +30685,7 @@
     </p:spTree>
     <p:extLst>
       <p:ext uri="{BB962C8B-B14F-4D97-AF65-F5344CB8AC3E}">
-        <p14:creationId xmlns:p14="http://schemas.microsoft.com/office/powerpoint/2010/main" val="880074258"/>
+        <p14:creationId xmlns:p14="http://schemas.microsoft.com/office/powerpoint/2010/main" xmlns="" val="880074258"/>
       </p:ext>
     </p:extLst>
   </p:cSld>
@@ -34611,14 +30788,14 @@
           <a:effectLst/>
           <a:extLst>
             <a:ext uri="{909E8E84-426E-40DD-AFC4-6F175D3DCCD1}">
-              <a14:hiddenFill xmlns:a14="http://schemas.microsoft.com/office/drawing/2010/main">
+              <a14:hiddenFill xmlns:a14="http://schemas.microsoft.com/office/drawing/2010/main" xmlns="">
                 <a:solidFill>
                   <a:schemeClr val="accent1"/>
                 </a:solidFill>
               </a14:hiddenFill>
             </a:ext>
             <a:ext uri="{91240B29-F687-4F45-9708-019B960494DF}">
-              <a14:hiddenLine xmlns:a14="http://schemas.microsoft.com/office/drawing/2010/main" w="9525">
+              <a14:hiddenLine xmlns:a14="http://schemas.microsoft.com/office/drawing/2010/main" xmlns="" w="9525">
                 <a:solidFill>
                   <a:schemeClr val="tx1"/>
                 </a:solidFill>
@@ -34628,7 +30805,7 @@
               </a14:hiddenLine>
             </a:ext>
             <a:ext uri="{AF507438-7753-43E0-B8FC-AC1667EBCBE1}">
-              <a14:hiddenEffects xmlns:a14="http://schemas.microsoft.com/office/drawing/2010/main">
+              <a14:hiddenEffects xmlns:a14="http://schemas.microsoft.com/office/drawing/2010/main" xmlns="">
                 <a:effectLst>
                   <a:outerShdw dist="35921" dir="2700000" algn="ctr" rotWithShape="0">
                     <a:schemeClr val="bg2"/>
@@ -34888,7 +31065,7 @@
           <p:nvPr>
             <p:extLst>
               <p:ext uri="{D42A27DB-BD31-4B8C-83A1-F6EECF244321}">
-                <p14:modId xmlns:p14="http://schemas.microsoft.com/office/powerpoint/2010/main" val="1577044298"/>
+                <p14:modId xmlns:p14="http://schemas.microsoft.com/office/powerpoint/2010/main" xmlns="" val="1577044298"/>
               </p:ext>
             </p:extLst>
           </p:nvPr>
@@ -34952,7 +31129,7 @@
                       <a:pPr algn="ctr"/>
                       <a:r>
                         <a:rPr lang="es-AR" sz="1800" dirty="0" smtClean="0"/>
-                        <a:t>26/6</a:t>
+                        <a:t>28/6</a:t>
                       </a:r>
                       <a:endParaRPr lang="es-AR" sz="1800" dirty="0"/>
                     </a:p>
@@ -34967,7 +31144,7 @@
                       <a:pPr algn="ctr"/>
                       <a:r>
                         <a:rPr lang="es-AR" sz="1800" dirty="0" smtClean="0"/>
-                        <a:t>12/8</a:t>
+                        <a:t>16/8</a:t>
                       </a:r>
                       <a:endParaRPr lang="es-AR" sz="1800" dirty="0"/>
                     </a:p>
@@ -35258,7 +31435,7 @@
     </p:spTree>
     <p:extLst>
       <p:ext uri="{BB962C8B-B14F-4D97-AF65-F5344CB8AC3E}">
-        <p14:creationId xmlns:p14="http://schemas.microsoft.com/office/powerpoint/2010/main" val="2424612366"/>
+        <p14:creationId xmlns:p14="http://schemas.microsoft.com/office/powerpoint/2010/main" xmlns="" val="2424612366"/>
       </p:ext>
     </p:extLst>
   </p:cSld>
@@ -35347,14 +31524,14 @@
           <p:nvPr>
             <p:extLst>
               <p:ext uri="{D42A27DB-BD31-4B8C-83A1-F6EECF244321}">
-                <p14:modId xmlns:p14="http://schemas.microsoft.com/office/powerpoint/2010/main" val="486293382"/>
+                <p14:modId xmlns:p14="http://schemas.microsoft.com/office/powerpoint/2010/main" xmlns="" val="486293382"/>
               </p:ext>
             </p:extLst>
           </p:nvPr>
         </p:nvGraphicFramePr>
         <p:xfrm>
-          <a:off x="611560" y="1124744"/>
-          <a:ext cx="8064896" cy="4857331"/>
+          <a:off x="467544" y="908720"/>
+          <a:ext cx="8136904" cy="5151120"/>
         </p:xfrm>
         <a:graphic>
           <a:graphicData uri="http://schemas.openxmlformats.org/drawingml/2006/table">
@@ -35363,10 +31540,10 @@
                 <a:tableStyleId>{F5AB1C69-6EDB-4FF4-983F-18BD219EF322}</a:tableStyleId>
               </a:tblPr>
               <a:tblGrid>
-                <a:gridCol w="1759614"/>
-                <a:gridCol w="6305282"/>
+                <a:gridCol w="1775325"/>
+                <a:gridCol w="6361579"/>
               </a:tblGrid>
-              <a:tr h="336141">
+              <a:tr h="272693">
                 <a:tc>
                   <a:txBody>
                     <a:bodyPr/>
@@ -35396,7 +31573,7 @@
                   <a:tcPr/>
                 </a:tc>
               </a:tr>
-              <a:tr h="1049863">
+              <a:tr h="845348">
                 <a:tc>
                   <a:txBody>
                     <a:bodyPr/>
@@ -35546,7 +31723,7 @@
                   <a:tcPr/>
                 </a:tc>
               </a:tr>
-              <a:tr h="1243260">
+              <a:tr h="1036233">
                 <a:tc>
                   <a:txBody>
                     <a:bodyPr/>
@@ -35661,7 +31838,65 @@
                         <a:rPr lang="es-ES_tradnl" sz="1400" dirty="0" smtClean="0">
                           <a:effectLst/>
                         </a:rPr>
-                        <a:t>seguimiento de patologías, información de encuestas,</a:t>
+                        <a:t>Información </a:t>
+                      </a:r>
+                      <a:r>
+                        <a:rPr lang="es-ES_tradnl" sz="1400" dirty="0" smtClean="0">
+                          <a:effectLst/>
+                        </a:rPr>
+                        <a:t>de encuestas</a:t>
+                      </a:r>
+                      <a:r>
+                        <a:rPr lang="es-ES_tradnl" sz="1400" dirty="0" smtClean="0">
+                          <a:effectLst/>
+                        </a:rPr>
+                        <a:t>, gestión de perfiles de usuario</a:t>
+                      </a:r>
+                      <a:endParaRPr lang="es-ES_tradnl" sz="1400" dirty="0" smtClean="0">
+                        <a:effectLst/>
+                      </a:endParaRPr>
+                    </a:p>
+                    <a:p>
+                      <a:pPr marL="0" marR="0" indent="0" algn="l" defTabSz="914400" rtl="0" eaLnBrk="1" fontAlgn="auto" latinLnBrk="0" hangingPunct="1">
+                        <a:lnSpc>
+                          <a:spcPct val="100000"/>
+                        </a:lnSpc>
+                        <a:spcBef>
+                          <a:spcPts val="0"/>
+                        </a:spcBef>
+                        <a:spcAft>
+                          <a:spcPts val="0"/>
+                        </a:spcAft>
+                        <a:buClrTx/>
+                        <a:buSzTx/>
+                        <a:buFontTx/>
+                        <a:buNone/>
+                        <a:tabLst/>
+                        <a:defRPr/>
+                      </a:pPr>
+                      <a:r>
+                        <a:rPr lang="es-ES_tradnl" sz="1400" dirty="0" smtClean="0">
+                          <a:effectLst/>
+                        </a:rPr>
+                        <a:t>Portal</a:t>
+                      </a:r>
+                      <a:r>
+                        <a:rPr lang="es-ES_tradnl" sz="1400" baseline="0" dirty="0" smtClean="0">
+                          <a:effectLst/>
+                        </a:rPr>
+                        <a:t> </a:t>
+                      </a:r>
+                      <a:r>
+                        <a:rPr lang="es-ES_tradnl" sz="1400" dirty="0" smtClean="0">
+                          <a:effectLst/>
+                        </a:rPr>
+                        <a:t>web </a:t>
+                      </a:r>
+                      <a:r>
+                        <a:rPr lang="es-ES_tradnl" sz="1400" dirty="0" smtClean="0">
+                          <a:effectLst/>
+                        </a:rPr>
+                        <a:t>para el ciudadano con chat y consultas externas</a:t>
                       </a:r>
                     </a:p>
                     <a:p>
@@ -35686,32 +31921,13 @@
                         <a:rPr lang="es-ES_tradnl" sz="1400" dirty="0" smtClean="0">
                           <a:effectLst/>
                         </a:rPr>
-                        <a:t>Interfaz web para el ciudadano con chat y consultas externas</a:t>
+                        <a:t>Trazabilidad </a:t>
                       </a:r>
-                    </a:p>
-                    <a:p>
-                      <a:pPr marL="0" marR="0" indent="0" algn="l" defTabSz="914400" rtl="0" eaLnBrk="1" fontAlgn="auto" latinLnBrk="0" hangingPunct="1">
-                        <a:lnSpc>
-                          <a:spcPct val="100000"/>
-                        </a:lnSpc>
-                        <a:spcBef>
-                          <a:spcPts val="0"/>
-                        </a:spcBef>
-                        <a:spcAft>
-                          <a:spcPts val="0"/>
-                        </a:spcAft>
-                        <a:buClrTx/>
-                        <a:buSzTx/>
-                        <a:buFontTx/>
-                        <a:buNone/>
-                        <a:tabLst/>
-                        <a:defRPr/>
-                      </a:pPr>
                       <a:r>
                         <a:rPr lang="es-ES_tradnl" sz="1400" dirty="0" smtClean="0">
                           <a:effectLst/>
                         </a:rPr>
-                        <a:t>trazabilidad y registro de uso</a:t>
+                        <a:t>y registro de uso</a:t>
                       </a:r>
                       <a:endParaRPr lang="es-AR" sz="1400" dirty="0" smtClean="0">
                         <a:effectLst/>
@@ -35721,7 +31937,7 @@
                   <a:tcPr/>
                 </a:tc>
               </a:tr>
-              <a:tr h="856467">
+              <a:tr h="1227118">
                 <a:tc>
                   <a:txBody>
                     <a:bodyPr/>
@@ -35783,10 +31999,91 @@
                         <a:defRPr/>
                       </a:pPr>
                       <a:r>
+                        <a:rPr lang="es-ES_tradnl" sz="1400" kern="1200" dirty="0" err="1" smtClean="0">
+                          <a:solidFill>
+                            <a:schemeClr val="dk1"/>
+                          </a:solidFill>
+                          <a:latin typeface="+mn-lt"/>
+                          <a:ea typeface="+mn-ea"/>
+                          <a:cs typeface="+mn-cs"/>
+                        </a:rPr>
+                        <a:t>Rellamada</a:t>
+                      </a:r>
+                      <a:r>
+                        <a:rPr lang="es-ES_tradnl" sz="1400" kern="1200" dirty="0" smtClean="0">
+                          <a:solidFill>
+                            <a:schemeClr val="dk1"/>
+                          </a:solidFill>
+                          <a:latin typeface="+mn-lt"/>
+                          <a:ea typeface="+mn-ea"/>
+                          <a:cs typeface="+mn-cs"/>
+                        </a:rPr>
+                        <a:t>, gestiones sobre la TSI, programación de citas, uso de documentos.</a:t>
+                      </a:r>
+                    </a:p>
+                    <a:p>
+                      <a:pPr marL="0" marR="0" indent="0" algn="l" defTabSz="914400" rtl="0" eaLnBrk="1" fontAlgn="auto" latinLnBrk="0" hangingPunct="1">
+                        <a:lnSpc>
+                          <a:spcPct val="100000"/>
+                        </a:lnSpc>
+                        <a:spcBef>
+                          <a:spcPts val="0"/>
+                        </a:spcBef>
+                        <a:spcAft>
+                          <a:spcPts val="0"/>
+                        </a:spcAft>
+                        <a:buClrTx/>
+                        <a:buSzTx/>
+                        <a:buFontTx/>
+                        <a:buNone/>
+                        <a:tabLst/>
+                        <a:defRPr/>
+                      </a:pPr>
+                      <a:r>
+                        <a:rPr lang="es-ES_tradnl" sz="1400" kern="1200" dirty="0" smtClean="0">
+                          <a:solidFill>
+                            <a:schemeClr val="dk1"/>
+                          </a:solidFill>
+                          <a:effectLst/>
+                          <a:latin typeface="+mn-lt"/>
+                          <a:ea typeface="+mn-ea"/>
+                          <a:cs typeface="+mn-cs"/>
+                        </a:rPr>
+                        <a:t>Seguimiento de patologías</a:t>
+                      </a:r>
+                      <a:endParaRPr lang="es-ES_tradnl" sz="1400" dirty="0" smtClean="0">
+                        <a:effectLst/>
+                      </a:endParaRPr>
+                    </a:p>
+                    <a:p>
+                      <a:pPr marL="0" marR="0" indent="0" algn="l" defTabSz="914400" rtl="0" eaLnBrk="1" fontAlgn="auto" latinLnBrk="0" hangingPunct="1">
+                        <a:lnSpc>
+                          <a:spcPct val="100000"/>
+                        </a:lnSpc>
+                        <a:spcBef>
+                          <a:spcPts val="0"/>
+                        </a:spcBef>
+                        <a:spcAft>
+                          <a:spcPts val="0"/>
+                        </a:spcAft>
+                        <a:buClrTx/>
+                        <a:buSzTx/>
+                        <a:buFontTx/>
+                        <a:buNone/>
+                        <a:tabLst/>
+                        <a:defRPr/>
+                      </a:pPr>
+                      <a:r>
                         <a:rPr lang="es-ES_tradnl" sz="1400" dirty="0" smtClean="0">
                           <a:effectLst/>
                         </a:rPr>
-                        <a:t>Extracción de listados y estadísticas. </a:t>
+                        <a:t>Extracción </a:t>
+                      </a:r>
+                      <a:r>
+                        <a:rPr lang="es-ES_tradnl" sz="1400" dirty="0" smtClean="0">
+                          <a:effectLst/>
+                        </a:rPr>
+                        <a:t>de listados y estadísticas. </a:t>
                       </a:r>
                     </a:p>
                     <a:p>
@@ -35846,7 +32143,7 @@
                   <a:tcPr/>
                 </a:tc>
               </a:tr>
-              <a:tr h="1338805">
+              <a:tr h="1227118">
                 <a:tc>
                   <a:txBody>
                     <a:bodyPr/>
@@ -36003,7 +32300,7 @@
     </p:spTree>
     <p:extLst>
       <p:ext uri="{BB962C8B-B14F-4D97-AF65-F5344CB8AC3E}">
-        <p14:creationId xmlns:p14="http://schemas.microsoft.com/office/powerpoint/2010/main" val="1819485542"/>
+        <p14:creationId xmlns:p14="http://schemas.microsoft.com/office/powerpoint/2010/main" xmlns="" val="1819485542"/>
       </p:ext>
     </p:extLst>
   </p:cSld>
@@ -36101,7 +32398,7 @@
     </p:spTree>
     <p:extLst>
       <p:ext uri="{BB962C8B-B14F-4D97-AF65-F5344CB8AC3E}">
-        <p14:creationId xmlns:p14="http://schemas.microsoft.com/office/powerpoint/2010/main" val="3383677935"/>
+        <p14:creationId xmlns:p14="http://schemas.microsoft.com/office/powerpoint/2010/main" xmlns="" val="3383677935"/>
       </p:ext>
     </p:extLst>
   </p:cSld>
@@ -36145,7 +32442,7 @@
             <p:ph idx="1"/>
             <p:extLst>
               <p:ext uri="{D42A27DB-BD31-4B8C-83A1-F6EECF244321}">
-                <p14:modId xmlns:p14="http://schemas.microsoft.com/office/powerpoint/2010/main" val="1945837753"/>
+                <p14:modId xmlns:p14="http://schemas.microsoft.com/office/powerpoint/2010/main" xmlns="" val="1945837753"/>
               </p:ext>
             </p:extLst>
           </p:nvPr>
@@ -36163,7 +32460,7 @@
     </p:spTree>
     <p:extLst>
       <p:ext uri="{BB962C8B-B14F-4D97-AF65-F5344CB8AC3E}">
-        <p14:creationId xmlns:p14="http://schemas.microsoft.com/office/powerpoint/2010/main" val="1154227570"/>
+        <p14:creationId xmlns:p14="http://schemas.microsoft.com/office/powerpoint/2010/main" xmlns="" val="1154227570"/>
       </p:ext>
     </p:extLst>
   </p:cSld>
@@ -36363,7 +32660,7 @@
     </p:spTree>
     <p:extLst>
       <p:ext uri="{BB962C8B-B14F-4D97-AF65-F5344CB8AC3E}">
-        <p14:creationId xmlns:p14="http://schemas.microsoft.com/office/powerpoint/2010/main" val="2334858270"/>
+        <p14:creationId xmlns:p14="http://schemas.microsoft.com/office/powerpoint/2010/main" xmlns="" val="2334858270"/>
       </p:ext>
     </p:extLst>
   </p:cSld>
@@ -36666,7 +32963,7 @@
     </p:spTree>
     <p:extLst>
       <p:ext uri="{BB962C8B-B14F-4D97-AF65-F5344CB8AC3E}">
-        <p14:creationId xmlns:p14="http://schemas.microsoft.com/office/powerpoint/2010/main" val="1759990106"/>
+        <p14:creationId xmlns:p14="http://schemas.microsoft.com/office/powerpoint/2010/main" xmlns="" val="1759990106"/>
       </p:ext>
     </p:extLst>
   </p:cSld>
@@ -36970,7 +33267,7 @@
     </p:spTree>
     <p:extLst>
       <p:ext uri="{BB962C8B-B14F-4D97-AF65-F5344CB8AC3E}">
-        <p14:creationId xmlns:p14="http://schemas.microsoft.com/office/powerpoint/2010/main" val="4000896319"/>
+        <p14:creationId xmlns:p14="http://schemas.microsoft.com/office/powerpoint/2010/main" xmlns="" val="4000896319"/>
       </p:ext>
     </p:extLst>
   </p:cSld>
@@ -37119,11 +33416,7 @@
             </a:r>
             <a:r>
               <a:rPr lang="es-AR" dirty="0" smtClean="0"/>
-              <a:t>Sin Costo Asociado de </a:t>
-            </a:r>
-            <a:r>
-              <a:rPr lang="es-AR" dirty="0" smtClean="0"/>
-              <a:t>licencias</a:t>
+              <a:t>Sin Costo Asociado de licencias</a:t>
             </a:r>
           </a:p>
           <a:p>
@@ -37174,10 +33467,10 @@
           <p:nvPr/>
         </p:nvPicPr>
         <p:blipFill>
-          <a:blip r:embed="rId2">
+          <a:blip r:embed="rId2" cstate="print">
             <a:extLst>
               <a:ext uri="{28A0092B-C50C-407E-A947-70E740481C1C}">
-                <a14:useLocalDpi xmlns:a14="http://schemas.microsoft.com/office/drawing/2010/main" val="0"/>
+                <a14:useLocalDpi xmlns:a14="http://schemas.microsoft.com/office/drawing/2010/main" xmlns="" val="0"/>
               </a:ext>
             </a:extLst>
           </a:blip>
@@ -37197,7 +33490,7 @@
           <a:noFill/>
           <a:extLst>
             <a:ext uri="{909E8E84-426E-40DD-AFC4-6F175D3DCCD1}">
-              <a14:hiddenFill xmlns:a14="http://schemas.microsoft.com/office/drawing/2010/main">
+              <a14:hiddenFill xmlns:a14="http://schemas.microsoft.com/office/drawing/2010/main" xmlns="">
                 <a:solidFill>
                   <a:srgbClr val="FFFFFF"/>
                 </a:solidFill>
@@ -37209,7 +33502,7 @@
     </p:spTree>
     <p:extLst>
       <p:ext uri="{BB962C8B-B14F-4D97-AF65-F5344CB8AC3E}">
-        <p14:creationId xmlns:p14="http://schemas.microsoft.com/office/powerpoint/2010/main" val="986913818"/>
+        <p14:creationId xmlns:p14="http://schemas.microsoft.com/office/powerpoint/2010/main" xmlns="" val="986913818"/>
       </p:ext>
     </p:extLst>
   </p:cSld>
@@ -37351,10 +33644,10 @@
           <p:nvPr/>
         </p:nvPicPr>
         <p:blipFill>
-          <a:blip r:embed="rId2">
+          <a:blip r:embed="rId2" cstate="print">
             <a:extLst>
               <a:ext uri="{28A0092B-C50C-407E-A947-70E740481C1C}">
-                <a14:useLocalDpi xmlns:a14="http://schemas.microsoft.com/office/drawing/2010/main" val="0"/>
+                <a14:useLocalDpi xmlns:a14="http://schemas.microsoft.com/office/drawing/2010/main" xmlns="" val="0"/>
               </a:ext>
             </a:extLst>
           </a:blip>
@@ -37379,7 +33672,7 @@
           </a:ln>
           <a:extLst>
             <a:ext uri="{91240B29-F687-4F45-9708-019B960494DF}">
-              <a14:hiddenLine xmlns:a14="http://schemas.microsoft.com/office/drawing/2010/main" w="9525">
+              <a14:hiddenLine xmlns:a14="http://schemas.microsoft.com/office/drawing/2010/main" xmlns="" w="9525">
                 <a:solidFill>
                   <a:srgbClr val="000000"/>
                 </a:solidFill>
@@ -37394,7 +33687,7 @@
     </p:spTree>
     <p:extLst>
       <p:ext uri="{BB962C8B-B14F-4D97-AF65-F5344CB8AC3E}">
-        <p14:creationId xmlns:p14="http://schemas.microsoft.com/office/powerpoint/2010/main" val="1689869253"/>
+        <p14:creationId xmlns:p14="http://schemas.microsoft.com/office/powerpoint/2010/main" xmlns="" val="1689869253"/>
       </p:ext>
     </p:extLst>
   </p:cSld>
